--- a/output/comprehensive_demo_default.pptx
+++ b/output/comprehensive_demo_default.pptx
@@ -4732,7 +4732,7 @@
         </p:nvSpPr>
         <p:spPr>
           <a:xfrm>
-            <a:off x="200025" y="1390650"/>
+            <a:off x="200025" y="1352549"/>
             <a:ext cx="8943975" cy="274320"/>
           </a:xfrm>
           <a:prstGeom prst="rect">
@@ -4779,7 +4779,7 @@
         </p:nvSpPr>
         <p:spPr>
           <a:xfrm>
-            <a:off x="200025" y="1724024"/>
+            <a:off x="200025" y="1685925"/>
             <a:ext cx="8943975" cy="274320"/>
           </a:xfrm>
           <a:prstGeom prst="rect">
@@ -4845,7 +4845,7 @@
         </p:nvSpPr>
         <p:spPr>
           <a:xfrm>
-            <a:off x="200025" y="1962149"/>
+            <a:off x="200025" y="1924049"/>
             <a:ext cx="8943975" cy="274320"/>
           </a:xfrm>
           <a:prstGeom prst="rect">
@@ -6934,7 +6934,7 @@
         <p:spPr>
           <a:xfrm>
             <a:off x="200025" y="1200150"/>
-            <a:ext cx="8943975" cy="1866899"/>
+            <a:ext cx="8943975" cy="2152650"/>
           </a:xfrm>
           <a:prstGeom prst="rect">
             <a:avLst/>
@@ -6989,7 +6989,7 @@
         </p:nvSpPr>
         <p:spPr>
           <a:xfrm>
-            <a:off x="200025" y="3219449"/>
+            <a:off x="200025" y="3505199"/>
             <a:ext cx="8943975" cy="274320"/>
           </a:xfrm>
           <a:prstGeom prst="rect">
@@ -7036,8 +7036,8 @@
         </p:nvSpPr>
         <p:spPr>
           <a:xfrm>
-            <a:off x="200025" y="3543300"/>
-            <a:ext cx="8943975" cy="666750"/>
+            <a:off x="200025" y="3829050"/>
+            <a:ext cx="8943975" cy="638175"/>
           </a:xfrm>
           <a:prstGeom prst="rect">
             <a:avLst/>
@@ -7189,7 +7189,7 @@
         </p:nvSpPr>
         <p:spPr>
           <a:xfrm>
-            <a:off x="200025" y="4314825"/>
+            <a:off x="200025" y="4562475"/>
             <a:ext cx="8943975" cy="274320"/>
           </a:xfrm>
           <a:prstGeom prst="rect">
@@ -9552,7 +9552,7 @@
         </p:nvSpPr>
         <p:spPr>
           <a:xfrm>
-            <a:off x="200025" y="1724024"/>
+            <a:off x="200025" y="1685925"/>
             <a:ext cx="8943975" cy="274320"/>
           </a:xfrm>
           <a:prstGeom prst="rect">
@@ -9623,7 +9623,7 @@
         </p:nvSpPr>
         <p:spPr>
           <a:xfrm>
-            <a:off x="200025" y="1962149"/>
+            <a:off x="200025" y="1924049"/>
             <a:ext cx="8943975" cy="274320"/>
           </a:xfrm>
           <a:prstGeom prst="rect">
@@ -9688,7 +9688,7 @@
         </p:nvSpPr>
         <p:spPr>
           <a:xfrm>
-            <a:off x="200025" y="2105024"/>
+            <a:off x="200025" y="2066924"/>
             <a:ext cx="8943975" cy="274320"/>
           </a:xfrm>
           <a:prstGeom prst="rect">
@@ -9735,8 +9735,8 @@
         </p:nvSpPr>
         <p:spPr>
           <a:xfrm>
-            <a:off x="200025" y="2438400"/>
-            <a:ext cx="8943975" cy="809625"/>
+            <a:off x="200025" y="2400300"/>
+            <a:ext cx="8943975" cy="781050"/>
           </a:xfrm>
           <a:prstGeom prst="rect">
             <a:avLst/>
@@ -9925,7 +9925,7 @@
         </p:nvSpPr>
         <p:spPr>
           <a:xfrm>
-            <a:off x="200025" y="3248024"/>
+            <a:off x="200025" y="3181350"/>
             <a:ext cx="8943975" cy="274320"/>
           </a:xfrm>
           <a:prstGeom prst="rect">
@@ -9972,7 +9972,7 @@
         </p:nvSpPr>
         <p:spPr>
           <a:xfrm>
-            <a:off x="200025" y="3581400"/>
+            <a:off x="200025" y="3505199"/>
             <a:ext cx="8943975" cy="274320"/>
           </a:xfrm>
           <a:prstGeom prst="rect">
@@ -10085,7 +10085,7 @@
         </p:nvSpPr>
         <p:spPr>
           <a:xfrm>
-            <a:off x="200025" y="3905249"/>
+            <a:off x="200025" y="3790949"/>
             <a:ext cx="8943975" cy="274320"/>
           </a:xfrm>
           <a:prstGeom prst="rect">
@@ -13010,7 +13010,7 @@
         <p:spPr>
           <a:xfrm>
             <a:off x="200025" y="923924"/>
-            <a:ext cx="8943975" cy="1866899"/>
+            <a:ext cx="8943975" cy="2152650"/>
           </a:xfrm>
           <a:prstGeom prst="rect">
             <a:avLst/>
@@ -13066,7 +13066,7 @@
         </p:nvSpPr>
         <p:spPr>
           <a:xfrm>
-            <a:off x="200025" y="2933699"/>
+            <a:off x="200025" y="3219449"/>
             <a:ext cx="8943975" cy="274320"/>
           </a:xfrm>
           <a:prstGeom prst="rect">
@@ -13113,8 +13113,8 @@
         </p:nvSpPr>
         <p:spPr>
           <a:xfrm>
-            <a:off x="200025" y="3267075"/>
-            <a:ext cx="8943975" cy="1866899"/>
+            <a:off x="200025" y="3552825"/>
+            <a:ext cx="8943975" cy="2152650"/>
           </a:xfrm>
           <a:prstGeom prst="rect">
             <a:avLst/>
@@ -13171,7 +13171,7 @@
         </p:nvSpPr>
         <p:spPr>
           <a:xfrm>
-            <a:off x="200025" y="5276850"/>
+            <a:off x="200025" y="5848350"/>
             <a:ext cx="8943975" cy="274320"/>
           </a:xfrm>
           <a:prstGeom prst="rect">
@@ -13237,7 +13237,7 @@
         <p:spPr>
           <a:xfrm>
             <a:off x="200025" y="180975"/>
-            <a:ext cx="8943975" cy="2276474"/>
+            <a:ext cx="8943975" cy="2562224"/>
           </a:xfrm>
           <a:prstGeom prst="rect">
             <a:avLst/>
@@ -13409,7 +13409,7 @@
         <p:spPr>
           <a:xfrm>
             <a:off x="200025" y="923924"/>
-            <a:ext cx="8943975" cy="962024"/>
+            <a:ext cx="8943975" cy="933449"/>
           </a:xfrm>
           <a:prstGeom prst="rect">
             <a:avLst/>
@@ -13593,7 +13593,7 @@
         </p:nvSpPr>
         <p:spPr>
           <a:xfrm>
-            <a:off x="200025" y="1895474"/>
+            <a:off x="200025" y="1857375"/>
             <a:ext cx="8943975" cy="274320"/>
           </a:xfrm>
           <a:prstGeom prst="rect">
@@ -13640,8 +13640,8 @@
         </p:nvSpPr>
         <p:spPr>
           <a:xfrm>
-            <a:off x="200025" y="2228850"/>
-            <a:ext cx="8943975" cy="1895474"/>
+            <a:off x="200025" y="2190749"/>
+            <a:ext cx="8943975" cy="1828800"/>
           </a:xfrm>
           <a:prstGeom prst="rect">
             <a:avLst/>
@@ -14070,7 +14070,7 @@
         <p:spPr>
           <a:xfrm>
             <a:off x="200025" y="923924"/>
-            <a:ext cx="4486275" cy="1933574"/>
+            <a:ext cx="4486275" cy="1895474"/>
           </a:xfrm>
           <a:prstGeom prst="rect">
             <a:avLst/>
@@ -14104,7 +14104,7 @@
         </p:nvGraphicFramePr>
         <p:xfrm>
           <a:off x="200025" y="923924"/>
-          <a:ext cx="4482106" cy="1876425"/>
+          <a:ext cx="4482106" cy="1838325"/>
         </p:xfrm>
         <a:graphic>
           <a:graphicData uri="http://schemas.openxmlformats.org/drawingml/2006/table">
@@ -14148,7 +14148,7 @@
                 <a:gridCol w="1485676"/>
                 <a:gridCol w="2066924"/>
               </a:tblGrid>
-              <a:tr h="375285">
+              <a:tr h="367665">
                 <a:tc>
                   <a:txBody>
                     <a:bodyPr lIns="76200" rIns="76200" tIns="76200" bIns="76200"/>
@@ -14297,7 +14297,7 @@
                   </a:tcPr>
                 </a:tc>
               </a:tr>
-              <a:tr h="375285">
+              <a:tr h="367665">
                 <a:tc>
                   <a:txBody>
                     <a:bodyPr lIns="76200" rIns="76200" tIns="76200" bIns="76200"/>
@@ -14464,7 +14464,7 @@
                   </a:tcPr>
                 </a:tc>
               </a:tr>
-              <a:tr h="375285">
+              <a:tr h="367665">
                 <a:tc>
                   <a:txBody>
                     <a:bodyPr lIns="76200" rIns="76200" tIns="76200" bIns="76200"/>
@@ -14613,7 +14613,7 @@
                   </a:tcPr>
                 </a:tc>
               </a:tr>
-              <a:tr h="375285">
+              <a:tr h="367665">
                 <a:tc>
                   <a:txBody>
                     <a:bodyPr lIns="76200" rIns="76200" tIns="76200" bIns="76200"/>
@@ -14762,7 +14762,7 @@
                   </a:tcPr>
                 </a:tc>
               </a:tr>
-              <a:tr h="375285">
+              <a:tr h="367665">
                 <a:tc>
                   <a:txBody>
                     <a:bodyPr lIns="76200" rIns="76200" tIns="76200" bIns="76200"/>
@@ -14923,7 +14923,7 @@
         </p:nvSpPr>
         <p:spPr>
           <a:xfrm>
-            <a:off x="200025" y="3009900"/>
+            <a:off x="200025" y="2962274"/>
             <a:ext cx="8943975" cy="274320"/>
           </a:xfrm>
           <a:prstGeom prst="rect">
@@ -14970,7 +14970,7 @@
         </p:nvSpPr>
         <p:spPr>
           <a:xfrm>
-            <a:off x="200025" y="3343275"/>
+            <a:off x="200025" y="3295650"/>
             <a:ext cx="8943975" cy="274320"/>
           </a:xfrm>
           <a:prstGeom prst="rect">
@@ -15017,7 +15017,7 @@
         </p:nvSpPr>
         <p:spPr>
           <a:xfrm>
-            <a:off x="200025" y="3581400"/>
+            <a:off x="200025" y="3533774"/>
             <a:ext cx="8943975" cy="742950"/>
           </a:xfrm>
           <a:prstGeom prst="rect">

--- a/output/comprehensive_demo_default.pptx
+++ b/output/comprehensive_demo_default.pptx
@@ -24,6 +24,7 @@
     <p:sldId id="272" r:id="rId23"/>
     <p:sldId id="273" r:id="rId24"/>
     <p:sldId id="274" r:id="rId25"/>
+    <p:sldId id="275" r:id="rId26"/>
   </p:sldIdLst>
   <p:sldSz cx="9144000" cy="5143500" type="screen4x3"/>
   <p:notesSz cx="6858000" cy="9144000"/>
@@ -3192,31 +3193,31 @@
               </a:defRPr>
             </a:pPr>
             <a:r>
-              <a:rPr sz="1000">
+              <a:rPr sz="700">
                 <a:latin typeface="Arial"/>
               </a:rPr>
               <a:t>Welcome to the </a:t>
             </a:r>
             <a:r>
-              <a:rPr b="1" sz="1000">
+              <a:rPr b="1" sz="700">
                 <a:latin typeface="Arial"/>
               </a:rPr>
               <a:t>comprehensive demonstration</a:t>
             </a:r>
             <a:r>
-              <a:rPr sz="1000">
+              <a:rPr sz="700">
                 <a:latin typeface="Arial"/>
               </a:rPr>
               <a:t> of the </a:t>
             </a:r>
             <a:r>
-              <a:rPr i="1" sz="1000">
+              <a:rPr i="1" sz="700">
                 <a:latin typeface="Arial"/>
               </a:rPr>
               <a:t>Slide Generator</a:t>
             </a:r>
             <a:r>
-              <a:rPr sz="1000">
+              <a:rPr sz="700">
                 <a:latin typeface="Arial"/>
               </a:rPr>
               <a:t>!</a:t>
@@ -3263,13 +3264,13 @@
               </a:defRPr>
             </a:pPr>
             <a:r>
-              <a:rPr sz="1000">
+              <a:rPr sz="700">
                 <a:latin typeface="Arial"/>
               </a:rPr>
               <a:t>This presentation showcases </a:t>
             </a:r>
             <a:r>
-              <a:rPr b="1" sz="1000">
+              <a:rPr b="1" sz="700">
                 <a:solidFill>
                   <a:srgbClr val="FF8C00"/>
                 </a:solidFill>
@@ -3278,7 +3279,7 @@
               <a:t>all implemented features</a:t>
             </a:r>
             <a:r>
-              <a:rPr sz="1000">
+              <a:rPr sz="700">
                 <a:latin typeface="Arial"/>
               </a:rPr>
               <a:t> including </a:t>
@@ -3293,7 +3294,7 @@
               <a:t>inline styling</a:t>
             </a:r>
             <a:r>
-              <a:rPr sz="1000">
+              <a:rPr sz="700">
                 <a:latin typeface="Arial"/>
               </a:rPr>
               <a:t>, tables, themes, and more.</a:t>
@@ -3405,7 +3406,7 @@
               </a:defRPr>
             </a:pPr>
             <a:r>
-              <a:rPr sz="1000" b="1">
+              <a:rPr sz="900" b="1">
                 <a:latin typeface="Arial"/>
               </a:rPr>
               <a:t>Test Coverage</a:t>
@@ -4288,7 +4289,7 @@
               </a:defRPr>
             </a:pPr>
             <a:r>
-              <a:rPr sz="1000" b="1">
+              <a:rPr sz="900" b="1">
                 <a:latin typeface="Arial"/>
               </a:rPr>
               <a:t>Validation Features</a:t>
@@ -4332,17 +4333,17 @@
               </a:defRPr>
             </a:pPr>
             <a:r>
-              <a:rPr sz="1000"/>
+              <a:rPr sz="700"/>
               <a:t>• </a:t>
             </a:r>
             <a:r>
-              <a:rPr b="1" sz="1000">
+              <a:rPr b="1" sz="700">
                 <a:latin typeface="Arial"/>
               </a:rPr>
               <a:t>Content completeness</a:t>
             </a:r>
             <a:r>
-              <a:rPr sz="1000">
+              <a:rPr sz="700">
                 <a:latin typeface="Arial"/>
               </a:rPr>
               <a:t>: All markdown elements preserved</a:t>
@@ -4357,17 +4358,17 @@
               </a:defRPr>
             </a:pPr>
             <a:r>
-              <a:rPr sz="1000"/>
+              <a:rPr sz="700"/>
               <a:t>• </a:t>
             </a:r>
             <a:r>
-              <a:rPr b="1" sz="1000">
+              <a:rPr b="1" sz="700">
                 <a:latin typeface="Arial"/>
               </a:rPr>
               <a:t>No overlaps</a:t>
             </a:r>
             <a:r>
-              <a:rPr sz="1000">
+              <a:rPr sz="700">
                 <a:latin typeface="Arial"/>
               </a:rPr>
               <a:t>: Shapes positioned without collision</a:t>
@@ -4382,17 +4383,17 @@
               </a:defRPr>
             </a:pPr>
             <a:r>
-              <a:rPr sz="1000"/>
+              <a:rPr sz="700"/>
               <a:t>• </a:t>
             </a:r>
             <a:r>
-              <a:rPr b="1" sz="1000">
+              <a:rPr b="1" sz="700">
                 <a:latin typeface="Arial"/>
               </a:rPr>
               <a:t>Boundary compliance</a:t>
             </a:r>
             <a:r>
-              <a:rPr sz="1000">
+              <a:rPr sz="700">
                 <a:latin typeface="Arial"/>
               </a:rPr>
               <a:t>: Content within slide limits</a:t>
@@ -4407,17 +4408,17 @@
               </a:defRPr>
             </a:pPr>
             <a:r>
-              <a:rPr sz="1000"/>
+              <a:rPr sz="700"/>
               <a:t>• </a:t>
             </a:r>
             <a:r>
-              <a:rPr b="1" sz="1000">
+              <a:rPr b="1" sz="700">
                 <a:latin typeface="Arial"/>
               </a:rPr>
               <a:t>Format consistency</a:t>
             </a:r>
             <a:r>
-              <a:rPr sz="1000">
+              <a:rPr sz="700">
                 <a:latin typeface="Arial"/>
               </a:rPr>
               <a:t>: Styling applied correctly</a:t>
@@ -4432,17 +4433,17 @@
               </a:defRPr>
             </a:pPr>
             <a:r>
-              <a:rPr sz="1000"/>
+              <a:rPr sz="700"/>
               <a:t>• </a:t>
             </a:r>
             <a:r>
-              <a:rPr b="1" sz="1000">
+              <a:rPr b="1" sz="700">
                 <a:latin typeface="Arial"/>
               </a:rPr>
               <a:t>Theme adherence</a:t>
             </a:r>
             <a:r>
-              <a:rPr sz="1000">
+              <a:rPr sz="700">
                 <a:latin typeface="Arial"/>
               </a:rPr>
               <a:t>: Colors and fonts match specifications</a:t>
@@ -4554,7 +4555,7 @@
               </a:defRPr>
             </a:pPr>
             <a:r>
-              <a:rPr sz="1000" b="1">
+              <a:rPr sz="900" b="1">
                 <a:latin typeface="Arial"/>
               </a:rPr>
               <a:t>Table Column Width Fix ✅</a:t>
@@ -4601,26 +4602,26 @@
               </a:defRPr>
             </a:pPr>
             <a:r>
-              <a:rPr b="1" sz="1000">
+              <a:rPr b="1" sz="700">
                 <a:latin typeface="Arial"/>
               </a:rPr>
               <a:t>Problem</a:t>
             </a:r>
             <a:r>
-              <a:rPr sz="1000">
+              <a:rPr sz="700">
                 <a:latin typeface="Arial"/>
               </a:rPr>
               <a:t>: Columns distributed equally regardless of content
 </a:t>
             </a:r>
             <a:r>
-              <a:rPr b="1" sz="1000">
+              <a:rPr b="1" sz="700">
                 <a:latin typeface="Arial"/>
               </a:rPr>
               <a:t>Solution</a:t>
             </a:r>
             <a:r>
-              <a:rPr sz="1000">
+              <a:rPr sz="700">
                 <a:latin typeface="Arial"/>
               </a:rPr>
               <a:t>: HTML auto-width calculation with proper PowerPoint integration</a:t>
@@ -4667,13 +4668,13 @@
               </a:defRPr>
             </a:pPr>
             <a:r>
-              <a:rPr b="1" sz="1000">
+              <a:rPr b="1" sz="700">
                 <a:latin typeface="Arial"/>
               </a:rPr>
               <a:t>Before</a:t>
             </a:r>
             <a:r>
-              <a:rPr sz="1000">
+              <a:rPr sz="700">
                 <a:latin typeface="Arial"/>
               </a:rPr>
               <a:t>: </a:t>
@@ -4688,7 +4689,7 @@
               <a:t>Age</a:t>
             </a:r>
             <a:r>
-              <a:rPr sz="1000">
+              <a:rPr sz="700">
                 <a:latin typeface="Arial"/>
               </a:rPr>
               <a:t> column wrapping to </a:t>
@@ -4703,20 +4704,20 @@
               <a:t>Ag\ne</a:t>
             </a:r>
             <a:r>
-              <a:rPr sz="1000">
+              <a:rPr sz="700">
                 <a:latin typeface="Arial"/>
               </a:rPr>
               <a:t> due to equal distribution
 </a:t>
             </a:r>
             <a:r>
-              <a:rPr b="1" sz="1000">
+              <a:rPr b="1" sz="700">
                 <a:latin typeface="Arial"/>
               </a:rPr>
               <a:t>After</a:t>
             </a:r>
             <a:r>
-              <a:rPr sz="1000">
+              <a:rPr sz="700">
                 <a:latin typeface="Arial"/>
               </a:rPr>
               <a:t>: Smart width allocation based on content (60px, 47px, 51px)</a:t>
@@ -4763,7 +4764,7 @@
               </a:defRPr>
             </a:pPr>
             <a:r>
-              <a:rPr sz="1000" b="1">
+              <a:rPr sz="900" b="1">
                 <a:latin typeface="Arial"/>
               </a:rPr>
               <a:t>Dark Theme Border Fix ✅</a:t>
@@ -4810,26 +4811,26 @@
               </a:defRPr>
             </a:pPr>
             <a:r>
-              <a:rPr b="1" sz="1000">
+              <a:rPr b="1" sz="700">
                 <a:latin typeface="Arial"/>
               </a:rPr>
               <a:t>Problem</a:t>
             </a:r>
             <a:r>
-              <a:rPr sz="1000">
+              <a:rPr sz="700">
                 <a:latin typeface="Arial"/>
               </a:rPr>
               <a:t>: Black borders invisible on dark background
 </a:t>
             </a:r>
             <a:r>
-              <a:rPr b="1" sz="1000">
+              <a:rPr b="1" sz="700">
                 <a:latin typeface="Arial"/>
               </a:rPr>
               <a:t>Solution</a:t>
             </a:r>
             <a:r>
-              <a:rPr sz="1000">
+              <a:rPr sz="700">
                 <a:latin typeface="Arial"/>
               </a:rPr>
               <a:t>: Theme-aware border colors with XML manipulation</a:t>
@@ -4876,13 +4877,13 @@
               </a:defRPr>
             </a:pPr>
             <a:r>
-              <a:rPr b="1" sz="1000">
+              <a:rPr b="1" sz="700">
                 <a:latin typeface="Arial"/>
               </a:rPr>
               <a:t>Dark Theme</a:t>
             </a:r>
             <a:r>
-              <a:rPr sz="1000">
+              <a:rPr sz="700">
                 <a:latin typeface="Arial"/>
               </a:rPr>
               <a:t>: Light gray borders (</a:t>
@@ -4897,20 +4898,20 @@
               <a:t>#e0e0e0</a:t>
             </a:r>
             <a:r>
-              <a:rPr sz="1000">
+              <a:rPr sz="700">
                 <a:latin typeface="Arial"/>
               </a:rPr>
               <a:t>) for visibility
 </a:t>
             </a:r>
             <a:r>
-              <a:rPr b="1" sz="1000">
+              <a:rPr b="1" sz="700">
                 <a:latin typeface="Arial"/>
               </a:rPr>
               <a:t>Default Theme</a:t>
             </a:r>
             <a:r>
-              <a:rPr sz="1000">
+              <a:rPr sz="700">
                 <a:latin typeface="Arial"/>
               </a:rPr>
               <a:t>: Black borders (</a:t>
@@ -4925,7 +4926,7 @@
               <a:t>#000</a:t>
             </a:r>
             <a:r>
-              <a:rPr sz="1000">
+              <a:rPr sz="700">
                 <a:latin typeface="Arial"/>
               </a:rPr>
               <a:t>) for definition</a:t>
@@ -5037,7 +5038,7 @@
               </a:defRPr>
             </a:pPr>
             <a:r>
-              <a:rPr sz="1000" b="1">
+              <a:rPr sz="900" b="1">
                 <a:latin typeface="Arial"/>
               </a:rPr>
               <a:t>Processing Speed</a:t>
@@ -5920,7 +5921,7 @@
               </a:defRPr>
             </a:pPr>
             <a:r>
-              <a:rPr sz="1000" b="1">
+              <a:rPr sz="900" b="1">
                 <a:latin typeface="Arial"/>
               </a:rPr>
               <a:t>Quality Metrics</a:t>
@@ -5964,23 +5965,23 @@
               </a:defRPr>
             </a:pPr>
             <a:r>
-              <a:rPr sz="1000"/>
+              <a:rPr sz="700"/>
               <a:t>• </a:t>
             </a:r>
             <a:r>
-              <a:rPr sz="1000">
+              <a:rPr sz="700">
                 <a:latin typeface="Arial"/>
               </a:rPr>
               <a:t>✅ </a:t>
             </a:r>
             <a:r>
-              <a:rPr b="1" sz="1000">
+              <a:rPr b="1" sz="700">
                 <a:latin typeface="Arial"/>
               </a:rPr>
               <a:t>99.8% formatting accuracy</a:t>
             </a:r>
             <a:r>
-              <a:rPr sz="1000">
+              <a:rPr sz="700">
                 <a:latin typeface="Arial"/>
               </a:rPr>
               <a:t> across all content types</a:t>
@@ -5995,23 +5996,23 @@
               </a:defRPr>
             </a:pPr>
             <a:r>
-              <a:rPr sz="1000"/>
+              <a:rPr sz="700"/>
               <a:t>• </a:t>
             </a:r>
             <a:r>
-              <a:rPr sz="1000">
+              <a:rPr sz="700">
                 <a:latin typeface="Arial"/>
               </a:rPr>
               <a:t>✅ </a:t>
             </a:r>
             <a:r>
-              <a:rPr b="1" sz="1000">
+              <a:rPr b="1" sz="700">
                 <a:latin typeface="Arial"/>
               </a:rPr>
               <a:t>Zero overlaps</a:t>
             </a:r>
             <a:r>
-              <a:rPr sz="1000">
+              <a:rPr sz="700">
                 <a:latin typeface="Arial"/>
               </a:rPr>
               <a:t> in generated presentations</a:t>
@@ -6026,23 +6027,23 @@
               </a:defRPr>
             </a:pPr>
             <a:r>
-              <a:rPr sz="1000"/>
+              <a:rPr sz="700"/>
               <a:t>• </a:t>
             </a:r>
             <a:r>
-              <a:rPr sz="1000">
+              <a:rPr sz="700">
                 <a:latin typeface="Arial"/>
               </a:rPr>
               <a:t>✅ </a:t>
             </a:r>
             <a:r>
-              <a:rPr b="1" sz="1000">
+              <a:rPr b="1" sz="700">
                 <a:latin typeface="Arial"/>
               </a:rPr>
               <a:t>100% boundary compliance</a:t>
             </a:r>
             <a:r>
-              <a:rPr sz="1000">
+              <a:rPr sz="700">
                 <a:latin typeface="Arial"/>
               </a:rPr>
               <a:t> - no content overflow</a:t>
@@ -6057,23 +6058,23 @@
               </a:defRPr>
             </a:pPr>
             <a:r>
-              <a:rPr sz="1000"/>
+              <a:rPr sz="700"/>
               <a:t>• </a:t>
             </a:r>
             <a:r>
-              <a:rPr sz="1000">
+              <a:rPr sz="700">
                 <a:latin typeface="Arial"/>
               </a:rPr>
               <a:t>✅ </a:t>
             </a:r>
             <a:r>
-              <a:rPr b="1" sz="1000">
+              <a:rPr b="1" sz="700">
                 <a:latin typeface="Arial"/>
               </a:rPr>
               <a:t>Perfect theme consistency</a:t>
             </a:r>
             <a:r>
-              <a:rPr sz="1000">
+              <a:rPr sz="700">
                 <a:latin typeface="Arial"/>
               </a:rPr>
               <a:t> across all elements</a:t>
@@ -6185,7 +6186,7 @@
               </a:defRPr>
             </a:pPr>
             <a:r>
-              <a:rPr sz="1000" b="1">
+              <a:rPr sz="900" b="1">
                 <a:latin typeface="Arial"/>
               </a:rPr>
               <a:t>What You've Experienced</a:t>
@@ -6229,23 +6230,23 @@
               </a:defRPr>
             </a:pPr>
             <a:r>
-              <a:rPr sz="1000"/>
+              <a:rPr sz="700"/>
               <a:t>• </a:t>
             </a:r>
             <a:r>
-              <a:rPr sz="1000">
+              <a:rPr sz="700">
                 <a:latin typeface="Arial"/>
               </a:rPr>
               <a:t>✅ </a:t>
             </a:r>
             <a:r>
-              <a:rPr b="1" sz="1000">
+              <a:rPr b="1" sz="700">
                 <a:latin typeface="Arial"/>
               </a:rPr>
               <a:t>Complete inline styling</a:t>
             </a:r>
             <a:r>
-              <a:rPr sz="1000">
+              <a:rPr sz="700">
                 <a:latin typeface="Arial"/>
               </a:rPr>
               <a:t> - bold, italic, code, highlights</a:t>
@@ -6260,23 +6261,23 @@
               </a:defRPr>
             </a:pPr>
             <a:r>
-              <a:rPr sz="1000"/>
+              <a:rPr sz="700"/>
               <a:t>• </a:t>
             </a:r>
             <a:r>
-              <a:rPr sz="1000">
+              <a:rPr sz="700">
                 <a:latin typeface="Arial"/>
               </a:rPr>
               <a:t>✅ </a:t>
             </a:r>
             <a:r>
-              <a:rPr b="1" sz="1000">
+              <a:rPr b="1" sz="700">
                 <a:latin typeface="Arial"/>
               </a:rPr>
               <a:t>Smart table rendering</a:t>
             </a:r>
             <a:r>
-              <a:rPr sz="1000">
+              <a:rPr sz="700">
                 <a:latin typeface="Arial"/>
               </a:rPr>
               <a:t> - HTML auto-width with theme-aware borders</a:t>
@@ -6291,23 +6292,23 @@
               </a:defRPr>
             </a:pPr>
             <a:r>
-              <a:rPr sz="1000"/>
+              <a:rPr sz="700"/>
               <a:t>• </a:t>
             </a:r>
             <a:r>
-              <a:rPr sz="1000">
+              <a:rPr sz="700">
                 <a:latin typeface="Arial"/>
               </a:rPr>
               <a:t>✅ </a:t>
             </a:r>
             <a:r>
-              <a:rPr b="1" sz="1000">
+              <a:rPr b="1" sz="700">
                 <a:latin typeface="Arial"/>
               </a:rPr>
               <a:t>Professional code blocks</a:t>
             </a:r>
             <a:r>
-              <a:rPr sz="1000">
+              <a:rPr sz="700">
                 <a:latin typeface="Arial"/>
               </a:rPr>
               <a:t> - syntax highlighting and proper formatting</a:t>
@@ -6322,23 +6323,23 @@
               </a:defRPr>
             </a:pPr>
             <a:r>
-              <a:rPr sz="1000"/>
+              <a:rPr sz="700"/>
               <a:t>• </a:t>
             </a:r>
             <a:r>
-              <a:rPr sz="1000">
+              <a:rPr sz="700">
                 <a:latin typeface="Arial"/>
               </a:rPr>
               <a:t>✅ </a:t>
             </a:r>
             <a:r>
-              <a:rPr b="1" sz="1000">
+              <a:rPr b="1" sz="700">
                 <a:latin typeface="Arial"/>
               </a:rPr>
               <a:t>Intelligent pagination</a:t>
             </a:r>
             <a:r>
-              <a:rPr sz="1000">
+              <a:rPr sz="700">
                 <a:latin typeface="Arial"/>
               </a:rPr>
               <a:t> - browser-based measurement and positioning</a:t>
@@ -6353,23 +6354,23 @@
               </a:defRPr>
             </a:pPr>
             <a:r>
-              <a:rPr sz="1000"/>
+              <a:rPr sz="700"/>
               <a:t>• </a:t>
             </a:r>
             <a:r>
-              <a:rPr sz="1000">
+              <a:rPr sz="700">
                 <a:latin typeface="Arial"/>
               </a:rPr>
               <a:t>✅ </a:t>
             </a:r>
             <a:r>
-              <a:rPr b="1" sz="1000">
+              <a:rPr b="1" sz="700">
                 <a:latin typeface="Arial"/>
               </a:rPr>
               <a:t>Theme support</a:t>
             </a:r>
             <a:r>
-              <a:rPr sz="1000">
+              <a:rPr sz="700">
                 <a:latin typeface="Arial"/>
               </a:rPr>
               <a:t> - default and dark themes with full consistency</a:t>
@@ -6384,23 +6385,23 @@
               </a:defRPr>
             </a:pPr>
             <a:r>
-              <a:rPr sz="1000"/>
+              <a:rPr sz="700"/>
               <a:t>• </a:t>
             </a:r>
             <a:r>
-              <a:rPr sz="1000">
+              <a:rPr sz="700">
                 <a:latin typeface="Arial"/>
               </a:rPr>
               <a:t>✅ </a:t>
             </a:r>
             <a:r>
-              <a:rPr b="1" sz="1000">
+              <a:rPr b="1" sz="700">
                 <a:latin typeface="Arial"/>
               </a:rPr>
               <a:t>Quality assurance</a:t>
             </a:r>
             <a:r>
-              <a:rPr sz="1000">
+              <a:rPr sz="700">
                 <a:latin typeface="Arial"/>
               </a:rPr>
               <a:t> - comprehensive testing and validation</a:t>
@@ -6447,7 +6448,7 @@
               </a:defRPr>
             </a:pPr>
             <a:r>
-              <a:rPr sz="1000" b="1">
+              <a:rPr sz="900" b="1">
                 <a:latin typeface="Arial"/>
               </a:rPr>
               <a:t>Ready for Production</a:t>
@@ -6494,19 +6495,19 @@
               </a:defRPr>
             </a:pPr>
             <a:r>
-              <a:rPr sz="1000">
+              <a:rPr sz="700">
                 <a:latin typeface="Arial"/>
               </a:rPr>
               <a:t>This slide generator is </a:t>
             </a:r>
             <a:r>
-              <a:rPr b="1" sz="1000">
+              <a:rPr b="1" sz="700">
                 <a:latin typeface="Arial"/>
               </a:rPr>
               <a:t>production-ready</a:t>
             </a:r>
             <a:r>
-              <a:rPr sz="1000">
+              <a:rPr sz="700">
                 <a:latin typeface="Arial"/>
               </a:rPr>
               <a:t> with:</a:t>
@@ -6550,23 +6551,23 @@
               </a:defRPr>
             </a:pPr>
             <a:r>
-              <a:rPr sz="1000"/>
+              <a:rPr sz="700"/>
               <a:t>• </a:t>
             </a:r>
             <a:r>
-              <a:rPr sz="1000">
+              <a:rPr sz="700">
                 <a:latin typeface="Arial"/>
               </a:rPr>
               <a:t>🚀 </a:t>
             </a:r>
             <a:r>
-              <a:rPr b="1" sz="1000">
+              <a:rPr b="1" sz="700">
                 <a:latin typeface="Arial"/>
               </a:rPr>
               <a:t>High performance</a:t>
             </a:r>
             <a:r>
-              <a:rPr sz="1000">
+              <a:rPr sz="700">
                 <a:latin typeface="Arial"/>
               </a:rPr>
               <a:t> browser-based rendering</a:t>
@@ -6581,23 +6582,23 @@
               </a:defRPr>
             </a:pPr>
             <a:r>
-              <a:rPr sz="1000"/>
+              <a:rPr sz="700"/>
               <a:t>• </a:t>
             </a:r>
             <a:r>
-              <a:rPr sz="1000">
+              <a:rPr sz="700">
                 <a:latin typeface="Arial"/>
               </a:rPr>
               <a:t>🎯 </a:t>
             </a:r>
             <a:r>
-              <a:rPr b="1" sz="1000">
+              <a:rPr b="1" sz="700">
                 <a:latin typeface="Arial"/>
               </a:rPr>
               <a:t>Pixel-perfect accuracy</a:t>
             </a:r>
             <a:r>
-              <a:rPr sz="1000">
+              <a:rPr sz="700">
                 <a:latin typeface="Arial"/>
               </a:rPr>
               <a:t> in layout and positioning</a:t>
@@ -6612,23 +6613,23 @@
               </a:defRPr>
             </a:pPr>
             <a:r>
-              <a:rPr sz="1000"/>
+              <a:rPr sz="700"/>
               <a:t>• </a:t>
             </a:r>
             <a:r>
-              <a:rPr sz="1000">
+              <a:rPr sz="700">
                 <a:latin typeface="Arial"/>
               </a:rPr>
               <a:t>🎨 </a:t>
             </a:r>
             <a:r>
-              <a:rPr b="1" sz="1000">
+              <a:rPr b="1" sz="700">
                 <a:latin typeface="Arial"/>
               </a:rPr>
               <a:t>Professional themes</a:t>
             </a:r>
             <a:r>
-              <a:rPr sz="1000">
+              <a:rPr sz="700">
                 <a:latin typeface="Arial"/>
               </a:rPr>
               <a:t> with consistent styling</a:t>
@@ -6643,23 +6644,23 @@
               </a:defRPr>
             </a:pPr>
             <a:r>
-              <a:rPr sz="1000"/>
+              <a:rPr sz="700"/>
               <a:t>• </a:t>
             </a:r>
             <a:r>
-              <a:rPr sz="1000">
+              <a:rPr sz="700">
                 <a:latin typeface="Arial"/>
               </a:rPr>
               <a:t>🔧 </a:t>
             </a:r>
             <a:r>
-              <a:rPr b="1" sz="1000">
+              <a:rPr b="1" sz="700">
                 <a:latin typeface="Arial"/>
               </a:rPr>
               <a:t>Robust architecture</a:t>
             </a:r>
             <a:r>
-              <a:rPr sz="1000">
+              <a:rPr sz="700">
                 <a:latin typeface="Arial"/>
               </a:rPr>
               <a:t> with comprehensive error handling</a:t>
@@ -6674,23 +6675,23 @@
               </a:defRPr>
             </a:pPr>
             <a:r>
-              <a:rPr sz="1000"/>
+              <a:rPr sz="700"/>
               <a:t>• </a:t>
             </a:r>
             <a:r>
-              <a:rPr sz="1000">
+              <a:rPr sz="700">
                 <a:latin typeface="Arial"/>
               </a:rPr>
               <a:t>✅ </a:t>
             </a:r>
             <a:r>
-              <a:rPr b="1" sz="1000">
+              <a:rPr b="1" sz="700">
                 <a:latin typeface="Arial"/>
               </a:rPr>
               <a:t>Extensive testing</a:t>
             </a:r>
             <a:r>
-              <a:rPr sz="1000">
+              <a:rPr sz="700">
                 <a:latin typeface="Arial"/>
               </a:rPr>
               <a:t> ensuring reliability and quality</a:t>
@@ -6737,19 +6738,19 @@
               </a:defRPr>
             </a:pPr>
             <a:r>
-              <a:rPr b="1" sz="1000">
+              <a:rPr b="1" sz="700">
                 <a:latin typeface="Arial"/>
               </a:rPr>
               <a:t>Thank you</a:t>
             </a:r>
             <a:r>
-              <a:rPr sz="1000">
+              <a:rPr sz="700">
                 <a:latin typeface="Arial"/>
               </a:rPr>
               <a:t> for exploring the </a:t>
             </a:r>
             <a:r>
-              <a:rPr b="1" sz="1000">
+              <a:rPr b="1" sz="700">
                 <a:solidFill>
                   <a:srgbClr val="FF8C00"/>
                 </a:solidFill>
@@ -6758,7 +6759,7 @@
               <a:t>complete feature set</a:t>
             </a:r>
             <a:r>
-              <a:rPr sz="1000">
+              <a:rPr sz="700">
                 <a:latin typeface="Arial"/>
               </a:rPr>
               <a:t>!</a:t>
@@ -6870,7 +6871,7 @@
               </a:defRPr>
             </a:pPr>
             <a:r>
-              <a:rPr sz="1000" b="1">
+              <a:rPr sz="900" b="1">
                 <a:latin typeface="Arial"/>
               </a:rPr>
               <a:t>API Usage</a:t>
@@ -6917,7 +6918,7 @@
               </a:defRPr>
             </a:pPr>
             <a:r>
-              <a:rPr sz="1000">
+              <a:rPr sz="700">
                 <a:latin typeface="Arial"/>
               </a:rPr>
               <a:t>Basic usage example:</a:t>
@@ -7020,7 +7021,7 @@
               </a:defRPr>
             </a:pPr>
             <a:r>
-              <a:rPr sz="1000" b="1">
+              <a:rPr sz="900" b="1">
                 <a:latin typeface="Arial"/>
               </a:rPr>
               <a:t>Configuration Options</a:t>
@@ -7064,17 +7065,17 @@
               </a:defRPr>
             </a:pPr>
             <a:r>
-              <a:rPr sz="1000"/>
+              <a:rPr sz="700"/>
               <a:t>• </a:t>
             </a:r>
             <a:r>
-              <a:rPr b="1" sz="1000">
+              <a:rPr b="1" sz="700">
                 <a:latin typeface="Arial"/>
               </a:rPr>
               <a:t>Themes</a:t>
             </a:r>
             <a:r>
-              <a:rPr sz="1000">
+              <a:rPr sz="700">
                 <a:latin typeface="Arial"/>
               </a:rPr>
               <a:t>: </a:t>
@@ -7089,7 +7090,7 @@
               <a:t>"default"</a:t>
             </a:r>
             <a:r>
-              <a:rPr sz="1000">
+              <a:rPr sz="700">
                 <a:latin typeface="Arial"/>
               </a:rPr>
               <a:t>, </a:t>
@@ -7113,17 +7114,17 @@
               </a:defRPr>
             </a:pPr>
             <a:r>
-              <a:rPr sz="1000"/>
+              <a:rPr sz="700"/>
               <a:t>• </a:t>
             </a:r>
             <a:r>
-              <a:rPr b="1" sz="1000">
+              <a:rPr b="1" sz="700">
                 <a:latin typeface="Arial"/>
               </a:rPr>
               <a:t>Debug mode</a:t>
             </a:r>
             <a:r>
-              <a:rPr sz="1000">
+              <a:rPr sz="700">
                 <a:latin typeface="Arial"/>
               </a:rPr>
               <a:t>: Detailed processing information</a:t>
@@ -7138,17 +7139,17 @@
               </a:defRPr>
             </a:pPr>
             <a:r>
-              <a:rPr sz="1000"/>
+              <a:rPr sz="700"/>
               <a:t>• </a:t>
             </a:r>
             <a:r>
-              <a:rPr b="1" sz="1000">
+              <a:rPr b="1" sz="700">
                 <a:latin typeface="Arial"/>
               </a:rPr>
               <a:t>Output formats</a:t>
             </a:r>
             <a:r>
-              <a:rPr sz="1000">
+              <a:rPr sz="700">
                 <a:latin typeface="Arial"/>
               </a:rPr>
               <a:t>: PowerPoint (.pptx) with full compatibility</a:t>
@@ -7163,17 +7164,17 @@
               </a:defRPr>
             </a:pPr>
             <a:r>
-              <a:rPr sz="1000"/>
+              <a:rPr sz="700"/>
               <a:t>• </a:t>
             </a:r>
             <a:r>
-              <a:rPr b="1" sz="1000">
+              <a:rPr b="1" sz="700">
                 <a:latin typeface="Arial"/>
               </a:rPr>
               <a:t>Custom styling</a:t>
             </a:r>
             <a:r>
-              <a:rPr sz="1000">
+              <a:rPr sz="700">
                 <a:latin typeface="Arial"/>
               </a:rPr>
               <a:t>: CSS-based theme configuration</a:t>
@@ -7220,19 +7221,19 @@
               </a:defRPr>
             </a:pPr>
             <a:r>
-              <a:rPr b="1" sz="1000">
+              <a:rPr b="1" sz="700">
                 <a:latin typeface="Arial"/>
               </a:rPr>
               <a:t>End of demonstration</a:t>
             </a:r>
             <a:r>
-              <a:rPr sz="1000">
+              <a:rPr sz="700">
                 <a:latin typeface="Arial"/>
               </a:rPr>
               <a:t> - </a:t>
             </a:r>
             <a:r>
-              <a:rPr b="1" sz="1000">
+              <a:rPr b="1" sz="700">
                 <a:solidFill>
                   <a:srgbClr val="FF8C00"/>
                 </a:solidFill>
@@ -7241,7 +7242,7 @@
               <a:t>All features showcased</a:t>
             </a:r>
             <a:r>
-              <a:rPr sz="1000">
+              <a:rPr sz="700">
                 <a:latin typeface="Arial"/>
               </a:rPr>
               <a:t>! 🎊</a:t>
@@ -7353,7 +7354,7 @@
               </a:defRPr>
             </a:pPr>
             <a:r>
-              <a:rPr sz="1000">
+              <a:rPr sz="700">
                 <a:latin typeface="Arial"/>
               </a:rPr>
               <a:t>Bar chart (80% width):</a:t>
@@ -7378,7 +7379,7 @@
         <p:spPr>
           <a:xfrm>
             <a:off x="200025" y="742950"/>
-            <a:ext cx="3809999" cy="2857500"/>
+            <a:ext cx="6056629" cy="4542472"/>
           </a:xfrm>
           <a:prstGeom prst="rect">
             <a:avLst/>
@@ -7424,7 +7425,7 @@
               </a:defRPr>
             </a:pPr>
             <a:r>
-              <a:rPr sz="1000">
+              <a:rPr sz="700">
                 <a:latin typeface="Arial"/>
               </a:rPr>
               <a:t>Pie chart (60% height):</a:t>
@@ -7467,7 +7468,7 @@
         <p:spPr>
           <a:xfrm>
             <a:off x="200025" y="180975"/>
-            <a:ext cx="2857500" cy="2857500"/>
+            <a:ext cx="2868929" cy="2868929"/>
           </a:xfrm>
           <a:prstGeom prst="rect">
             <a:avLst/>
@@ -7560,7 +7561,7 @@
               </a:defRPr>
             </a:pPr>
             <a:r>
-              <a:rPr sz="1000" b="1">
+              <a:rPr sz="800" b="1">
                 <a:latin typeface="Arial"/>
               </a:rPr>
               <a:t>📋 Project Status Table</a:t>
@@ -7568,33 +7569,15 @@
           </a:p>
         </p:txBody>
       </p:sp>
-    </p:spTree>
-  </p:cSld>
-  <p:clrMapOvr>
-    <a:masterClrMapping/>
-  </p:clrMapOvr>
-</p:sld>
-</file>
-
-<file path=ppt/slides/slide17.xml><?xml version="1.0" encoding="utf-8"?>
-<p:sld xmlns:a="http://schemas.openxmlformats.org/drawingml/2006/main" xmlns:p="http://schemas.openxmlformats.org/presentationml/2006/main" xmlns:r="http://schemas.openxmlformats.org/officeDocument/2006/relationships">
-  <p:cSld>
-    <p:spTree>
-      <p:nvGrpSpPr>
-        <p:cNvPr id="1" name=""/>
-        <p:cNvGrpSpPr/>
-        <p:nvPr/>
-      </p:nvGrpSpPr>
-      <p:grpSpPr/>
       <p:sp>
         <p:nvSpPr>
-          <p:cNvPr id="2" name="TextBox 1"/>
+          <p:cNvPr id="5" name="TextBox 4"/>
           <p:cNvSpPr txBox="1"/>
           <p:nvPr/>
         </p:nvSpPr>
         <p:spPr>
           <a:xfrm>
-            <a:off x="276225" y="419100"/>
+            <a:off x="276225" y="3762374"/>
             <a:ext cx="1800225" cy="1485900"/>
           </a:xfrm>
           <a:prstGeom prst="rect">
@@ -7621,14 +7604,14 @@
       </p:sp>
       <p:graphicFrame>
         <p:nvGraphicFramePr>
-          <p:cNvPr id="3" name="Table 2"/>
+          <p:cNvPr id="6" name="Table 5"/>
           <p:cNvGraphicFramePr>
             <a:graphicFrameLocks noGrp="1"/>
           </p:cNvGraphicFramePr>
           <p:nvPr/>
         </p:nvGraphicFramePr>
         <p:xfrm>
-          <a:off x="276225" y="419100"/>
+          <a:off x="276225" y="3762374"/>
           <a:ext cx="1798959" cy="1428750"/>
         </p:xfrm>
         <a:graphic>
@@ -8424,13 +8407,13 @@
       </p:graphicFrame>
       <p:sp>
         <p:nvSpPr>
-          <p:cNvPr id="4" name="TextBox 3"/>
+          <p:cNvPr id="7" name="TextBox 6"/>
           <p:cNvSpPr txBox="1"/>
           <p:nvPr/>
         </p:nvSpPr>
         <p:spPr>
           <a:xfrm>
-            <a:off x="4800600" y="180975"/>
+            <a:off x="4800600" y="3524250"/>
             <a:ext cx="4343400" cy="274320"/>
           </a:xfrm>
           <a:prstGeom prst="rect">
@@ -8461,7 +8444,7 @@
               </a:defRPr>
             </a:pPr>
             <a:r>
-              <a:rPr sz="1000" b="1">
+              <a:rPr sz="800" b="1">
                 <a:latin typeface="Arial"/>
               </a:rPr>
               <a:t>✍️ Notes</a:t>
@@ -8471,13 +8454,13 @@
       </p:sp>
       <p:sp>
         <p:nvSpPr>
-          <p:cNvPr id="5" name="TextBox 4"/>
+          <p:cNvPr id="8" name="TextBox 7"/>
           <p:cNvSpPr txBox="1"/>
           <p:nvPr/>
         </p:nvSpPr>
         <p:spPr>
           <a:xfrm>
-            <a:off x="4800600" y="447675"/>
+            <a:off x="4800600" y="3790949"/>
             <a:ext cx="4343400" cy="295274"/>
           </a:xfrm>
           <a:prstGeom prst="rect">
@@ -8508,10 +8491,146 @@
               </a:defRPr>
             </a:pPr>
             <a:r>
-              <a:rPr sz="1000">
+              <a:rPr sz="700">
                 <a:latin typeface="Arial"/>
               </a:rPr>
               <a:t>All core features are either complete or in progress. Remaining items are performance tuning and UX polish.</a:t>
+            </a:r>
+          </a:p>
+        </p:txBody>
+      </p:sp>
+    </p:spTree>
+  </p:cSld>
+  <p:clrMapOvr>
+    <a:masterClrMapping/>
+  </p:clrMapOvr>
+</p:sld>
+</file>
+
+<file path=ppt/slides/slide17.xml><?xml version="1.0" encoding="utf-8"?>
+<p:sld xmlns:a="http://schemas.openxmlformats.org/drawingml/2006/main" xmlns:p="http://schemas.openxmlformats.org/presentationml/2006/main" xmlns:r="http://schemas.openxmlformats.org/officeDocument/2006/relationships">
+  <p:cSld>
+    <p:spTree>
+      <p:nvGrpSpPr>
+        <p:cNvPr id="1" name=""/>
+        <p:cNvGrpSpPr/>
+        <p:nvPr/>
+      </p:nvGrpSpPr>
+      <p:grpSpPr/>
+      <p:sp>
+        <p:nvSpPr>
+          <p:cNvPr id="2" name="TextBox 1"/>
+          <p:cNvSpPr txBox="1"/>
+          <p:nvPr/>
+        </p:nvSpPr>
+        <p:spPr>
+          <a:xfrm>
+            <a:off x="200025" y="180975"/>
+            <a:ext cx="8943975" cy="274320"/>
+          </a:xfrm>
+          <a:prstGeom prst="rect">
+            <a:avLst/>
+          </a:prstGeom>
+          <a:noFill/>
+        </p:spPr>
+        <p:txBody>
+          <a:bodyPr wrap="square" lIns="0" rIns="0" tIns="0" bIns="0">
+            <a:spAutoFit/>
+          </a:bodyPr>
+          <a:lstStyle/>
+          <a:p>
+            <a:pPr algn="l">
+              <a:lnSpc>
+                <a:spcPct val="120000"/>
+              </a:lnSpc>
+              <a:spcBef>
+                <a:spcPts val="0"/>
+              </a:spcBef>
+              <a:spcAft>
+                <a:spcPts val="0"/>
+              </a:spcAft>
+              <a:defRPr>
+                <a:solidFill>
+                  <a:srgbClr val="000000"/>
+                </a:solidFill>
+              </a:defRPr>
+            </a:pPr>
+            <a:r>
+              <a:rPr sz="1200" b="1">
+                <a:latin typeface="Arial"/>
+              </a:rPr>
+              <a:t>📈 Figures Demo (Columns)</a:t>
+            </a:r>
+          </a:p>
+        </p:txBody>
+      </p:sp>
+      <p:pic>
+        <p:nvPicPr>
+          <p:cNvPr id="3" name="Picture 2" descr="chart_bar.png"/>
+          <p:cNvPicPr>
+            <a:picLocks noChangeAspect="1"/>
+          </p:cNvPicPr>
+          <p:nvPr/>
+        </p:nvPicPr>
+        <p:blipFill>
+          <a:blip r:embed="rId2"/>
+          <a:stretch>
+            <a:fillRect/>
+          </a:stretch>
+        </p:blipFill>
+        <p:spPr>
+          <a:xfrm>
+            <a:off x="276225" y="600075"/>
+            <a:ext cx="3375660" cy="2531745"/>
+          </a:xfrm>
+          <a:prstGeom prst="rect">
+            <a:avLst/>
+          </a:prstGeom>
+        </p:spPr>
+      </p:pic>
+      <p:sp>
+        <p:nvSpPr>
+          <p:cNvPr id="4" name="TextBox 3"/>
+          <p:cNvSpPr txBox="1"/>
+          <p:nvPr/>
+        </p:nvSpPr>
+        <p:spPr>
+          <a:xfrm>
+            <a:off x="4800600" y="695325"/>
+            <a:ext cx="4343400" cy="295274"/>
+          </a:xfrm>
+          <a:prstGeom prst="rect">
+            <a:avLst/>
+          </a:prstGeom>
+          <a:noFill/>
+        </p:spPr>
+        <p:txBody>
+          <a:bodyPr wrap="square" lIns="0" rIns="0" tIns="0" bIns="0">
+            <a:spAutoFit/>
+          </a:bodyPr>
+          <a:lstStyle/>
+          <a:p>
+            <a:pPr algn="l">
+              <a:lnSpc>
+                <a:spcPct val="120000"/>
+              </a:lnSpc>
+              <a:spcBef>
+                <a:spcPts val="0"/>
+              </a:spcBef>
+              <a:spcAft>
+                <a:spcPts val="0"/>
+              </a:spcAft>
+              <a:defRPr>
+                <a:solidFill>
+                  <a:srgbClr val="000000"/>
+                </a:solidFill>
+              </a:defRPr>
+            </a:pPr>
+            <a:r>
+              <a:rPr sz="700">
+                <a:latin typeface="Arial"/>
+              </a:rPr>
+              <a:t>The bar chart shows relative task completion percentages. Authentication and API docs are finished; analytics is lagging.</a:t>
             </a:r>
           </a:p>
         </p:txBody>
@@ -8576,142 +8695,6 @@
               <a:rPr sz="1200" b="1">
                 <a:latin typeface="Arial"/>
               </a:rPr>
-              <a:t>📈 Figures Demo (Columns)</a:t>
-            </a:r>
-          </a:p>
-        </p:txBody>
-      </p:sp>
-      <p:pic>
-        <p:nvPicPr>
-          <p:cNvPr id="3" name="Picture 2" descr="chart_bar.png"/>
-          <p:cNvPicPr>
-            <a:picLocks noChangeAspect="1"/>
-          </p:cNvPicPr>
-          <p:nvPr/>
-        </p:nvPicPr>
-        <p:blipFill>
-          <a:blip r:embed="rId2"/>
-          <a:stretch>
-            <a:fillRect/>
-          </a:stretch>
-        </p:blipFill>
-        <p:spPr>
-          <a:xfrm>
-            <a:off x="276225" y="600075"/>
-            <a:ext cx="3248024" cy="2438400"/>
-          </a:xfrm>
-          <a:prstGeom prst="rect">
-            <a:avLst/>
-          </a:prstGeom>
-        </p:spPr>
-      </p:pic>
-      <p:sp>
-        <p:nvSpPr>
-          <p:cNvPr id="4" name="TextBox 3"/>
-          <p:cNvSpPr txBox="1"/>
-          <p:nvPr/>
-        </p:nvSpPr>
-        <p:spPr>
-          <a:xfrm>
-            <a:off x="4800600" y="695325"/>
-            <a:ext cx="4343400" cy="295274"/>
-          </a:xfrm>
-          <a:prstGeom prst="rect">
-            <a:avLst/>
-          </a:prstGeom>
-          <a:noFill/>
-        </p:spPr>
-        <p:txBody>
-          <a:bodyPr wrap="square" lIns="0" rIns="0" tIns="0" bIns="0">
-            <a:spAutoFit/>
-          </a:bodyPr>
-          <a:lstStyle/>
-          <a:p>
-            <a:pPr algn="l">
-              <a:lnSpc>
-                <a:spcPct val="120000"/>
-              </a:lnSpc>
-              <a:spcBef>
-                <a:spcPts val="0"/>
-              </a:spcBef>
-              <a:spcAft>
-                <a:spcPts val="0"/>
-              </a:spcAft>
-              <a:defRPr>
-                <a:solidFill>
-                  <a:srgbClr val="000000"/>
-                </a:solidFill>
-              </a:defRPr>
-            </a:pPr>
-            <a:r>
-              <a:rPr sz="1000">
-                <a:latin typeface="Arial"/>
-              </a:rPr>
-              <a:t>The bar chart shows relative task completion percentages. Authentication and API docs are finished; analytics is lagging.</a:t>
-            </a:r>
-          </a:p>
-        </p:txBody>
-      </p:sp>
-    </p:spTree>
-  </p:cSld>
-  <p:clrMapOvr>
-    <a:masterClrMapping/>
-  </p:clrMapOvr>
-</p:sld>
-</file>
-
-<file path=ppt/slides/slide19.xml><?xml version="1.0" encoding="utf-8"?>
-<p:sld xmlns:a="http://schemas.openxmlformats.org/drawingml/2006/main" xmlns:p="http://schemas.openxmlformats.org/presentationml/2006/main" xmlns:r="http://schemas.openxmlformats.org/officeDocument/2006/relationships">
-  <p:cSld>
-    <p:spTree>
-      <p:nvGrpSpPr>
-        <p:cNvPr id="1" name=""/>
-        <p:cNvGrpSpPr/>
-        <p:nvPr/>
-      </p:nvGrpSpPr>
-      <p:grpSpPr/>
-      <p:sp>
-        <p:nvSpPr>
-          <p:cNvPr id="2" name="TextBox 1"/>
-          <p:cNvSpPr txBox="1"/>
-          <p:nvPr/>
-        </p:nvSpPr>
-        <p:spPr>
-          <a:xfrm>
-            <a:off x="200025" y="180975"/>
-            <a:ext cx="8943975" cy="274320"/>
-          </a:xfrm>
-          <a:prstGeom prst="rect">
-            <a:avLst/>
-          </a:prstGeom>
-          <a:noFill/>
-        </p:spPr>
-        <p:txBody>
-          <a:bodyPr wrap="square" lIns="0" rIns="0" tIns="0" bIns="0">
-            <a:spAutoFit/>
-          </a:bodyPr>
-          <a:lstStyle/>
-          <a:p>
-            <a:pPr algn="l">
-              <a:lnSpc>
-                <a:spcPct val="120000"/>
-              </a:lnSpc>
-              <a:spcBef>
-                <a:spcPts val="0"/>
-              </a:spcBef>
-              <a:spcAft>
-                <a:spcPts val="0"/>
-              </a:spcAft>
-              <a:defRPr>
-                <a:solidFill>
-                  <a:srgbClr val="000000"/>
-                </a:solidFill>
-              </a:defRPr>
-            </a:pPr>
-            <a:r>
-              <a:rPr sz="1200" b="1">
-                <a:latin typeface="Arial"/>
-              </a:rPr>
               <a:t>🖼️ Figure + Table Demo</a:t>
             </a:r>
           </a:p>
@@ -8734,7 +8717,7 @@
         <p:spPr>
           <a:xfrm>
             <a:off x="276225" y="600075"/>
-            <a:ext cx="2857500" cy="2857500"/>
+            <a:ext cx="2868929" cy="2868929"/>
           </a:xfrm>
           <a:prstGeom prst="rect">
             <a:avLst/>
@@ -9239,6 +9222,1048 @@
 </p:sld>
 </file>
 
+<file path=ppt/slides/slide19.xml><?xml version="1.0" encoding="utf-8"?>
+<p:sld xmlns:a="http://schemas.openxmlformats.org/drawingml/2006/main" xmlns:p="http://schemas.openxmlformats.org/presentationml/2006/main" xmlns:r="http://schemas.openxmlformats.org/officeDocument/2006/relationships">
+  <p:cSld>
+    <p:spTree>
+      <p:nvGrpSpPr>
+        <p:cNvPr id="1" name=""/>
+        <p:cNvGrpSpPr/>
+        <p:nvPr/>
+      </p:nvGrpSpPr>
+      <p:grpSpPr/>
+      <p:sp>
+        <p:nvSpPr>
+          <p:cNvPr id="2" name="TextBox 1"/>
+          <p:cNvSpPr txBox="1"/>
+          <p:nvPr/>
+        </p:nvSpPr>
+        <p:spPr>
+          <a:xfrm>
+            <a:off x="200025" y="180975"/>
+            <a:ext cx="8943975" cy="274320"/>
+          </a:xfrm>
+          <a:prstGeom prst="rect">
+            <a:avLst/>
+          </a:prstGeom>
+          <a:noFill/>
+        </p:spPr>
+        <p:txBody>
+          <a:bodyPr wrap="square" lIns="0" rIns="0" tIns="0" bIns="0">
+            <a:spAutoFit/>
+          </a:bodyPr>
+          <a:lstStyle/>
+          <a:p>
+            <a:pPr algn="l">
+              <a:lnSpc>
+                <a:spcPct val="120000"/>
+              </a:lnSpc>
+              <a:spcBef>
+                <a:spcPts val="0"/>
+              </a:spcBef>
+              <a:spcAft>
+                <a:spcPts val="0"/>
+              </a:spcAft>
+              <a:defRPr>
+                <a:solidFill>
+                  <a:srgbClr val="000000"/>
+                </a:solidFill>
+              </a:defRPr>
+            </a:pPr>
+            <a:r>
+              <a:rPr sz="1200" b="1">
+                <a:latin typeface="Arial"/>
+              </a:rPr>
+              <a:t>Two-column slide (60% / 40%)</a:t>
+            </a:r>
+          </a:p>
+        </p:txBody>
+      </p:sp>
+      <p:sp>
+        <p:nvSpPr>
+          <p:cNvPr id="3" name="TextBox 2"/>
+          <p:cNvSpPr txBox="1"/>
+          <p:nvPr/>
+        </p:nvSpPr>
+        <p:spPr>
+          <a:xfrm>
+            <a:off x="276225" y="600075"/>
+            <a:ext cx="8867775" cy="274320"/>
+          </a:xfrm>
+          <a:prstGeom prst="rect">
+            <a:avLst/>
+          </a:prstGeom>
+          <a:noFill/>
+        </p:spPr>
+        <p:txBody>
+          <a:bodyPr wrap="square" lIns="0" rIns="0" tIns="0" bIns="0">
+            <a:spAutoFit/>
+          </a:bodyPr>
+          <a:lstStyle/>
+          <a:p>
+            <a:pPr algn="l">
+              <a:lnSpc>
+                <a:spcPct val="120000"/>
+              </a:lnSpc>
+              <a:spcBef>
+                <a:spcPts val="0"/>
+              </a:spcBef>
+              <a:spcAft>
+                <a:spcPts val="0"/>
+              </a:spcAft>
+              <a:defRPr>
+                <a:solidFill>
+                  <a:srgbClr val="000000"/>
+                </a:solidFill>
+              </a:defRPr>
+            </a:pPr>
+            <a:r>
+              <a:rPr sz="800" b="1">
+                <a:latin typeface="Arial"/>
+              </a:rPr>
+              <a:t>📋 Project Status Table</a:t>
+            </a:r>
+          </a:p>
+        </p:txBody>
+      </p:sp>
+      <p:sp>
+        <p:nvSpPr>
+          <p:cNvPr id="4" name="TextBox 3"/>
+          <p:cNvSpPr txBox="1"/>
+          <p:nvPr/>
+        </p:nvSpPr>
+        <p:spPr>
+          <a:xfrm>
+            <a:off x="276225" y="876299"/>
+            <a:ext cx="1800225" cy="1485900"/>
+          </a:xfrm>
+          <a:prstGeom prst="rect">
+            <a:avLst/>
+          </a:prstGeom>
+          <a:noFill/>
+        </p:spPr>
+        <p:txBody>
+          <a:bodyPr wrap="square" lIns="0" rIns="0" tIns="0" bIns="0">
+            <a:spAutoFit/>
+          </a:bodyPr>
+          <a:lstStyle/>
+          <a:p>
+            <a:pPr>
+              <a:spcBef>
+                <a:spcPts val="0"/>
+              </a:spcBef>
+              <a:spcAft>
+                <a:spcPts val="0"/>
+              </a:spcAft>
+            </a:pPr>
+          </a:p>
+        </p:txBody>
+      </p:sp>
+      <p:graphicFrame>
+        <p:nvGraphicFramePr>
+          <p:cNvPr id="5" name="Table 4"/>
+          <p:cNvGraphicFramePr>
+            <a:graphicFrameLocks noGrp="1"/>
+          </p:cNvGraphicFramePr>
+          <p:nvPr/>
+        </p:nvGraphicFramePr>
+        <p:xfrm>
+          <a:off x="276225" y="876299"/>
+          <a:ext cx="1798959" cy="1428750"/>
+        </p:xfrm>
+        <a:graphic>
+          <a:graphicData uri="http://schemas.openxmlformats.org/drawingml/2006/table">
+            <a:tbl>
+              <a:tblPr>
+                <a:tblBorders>
+                  <a:lnL w="3175">
+                    <a:solidFill>
+                      <a:srgbClr val="000"/>
+                    </a:solidFill>
+                  </a:lnL>
+                  <a:lnR w="3175">
+                    <a:solidFill>
+                      <a:srgbClr val="000"/>
+                    </a:solidFill>
+                  </a:lnR>
+                  <a:lnT w="3175">
+                    <a:solidFill>
+                      <a:srgbClr val="000"/>
+                    </a:solidFill>
+                  </a:lnT>
+                  <a:lnB w="3175">
+                    <a:solidFill>
+                      <a:srgbClr val="000"/>
+                    </a:solidFill>
+                  </a:lnB>
+                  <a:lnInsideH w="3175">
+                    <a:solidFill>
+                      <a:srgbClr val="000"/>
+                    </a:solidFill>
+                  </a:lnInsideH>
+                  <a:lnInsideV w="3175">
+                    <a:solidFill>
+                      <a:srgbClr val="000"/>
+                    </a:solidFill>
+                  </a:lnInsideV>
+                </a:tblBorders>
+              </a:tblPr>
+              <a:tblGrid>
+                <a:gridCol w="765646"/>
+                <a:gridCol w="458390"/>
+                <a:gridCol w="574923"/>
+              </a:tblGrid>
+              <a:tr h="285750">
+                <a:tc>
+                  <a:txBody>
+                    <a:bodyPr lIns="76200" rIns="76200" tIns="76200" bIns="76200"/>
+                    <a:lstStyle/>
+                    <a:p>
+                      <a:pPr>
+                        <a:lnSpc>
+                          <a:spcPct val="120000"/>
+                        </a:lnSpc>
+                      </a:pPr>
+                      <a:r>
+                        <a:rPr b="1" sz="800">
+                          <a:solidFill>
+                            <a:srgbClr val="000000"/>
+                          </a:solidFill>
+                          <a:latin typeface="Arial"/>
+                        </a:rPr>
+                        <a:t>Task</a:t>
+                      </a:r>
+                    </a:p>
+                  </a:txBody>
+                  <a:tcPr>
+                    <a:noFill/>
+                    <a:lnL w="12700">
+                      <a:solidFill>
+                        <a:srgbClr val="000"/>
+                      </a:solidFill>
+                      <a:prstDash val="solid"/>
+                    </a:lnL>
+                    <a:lnR w="12700">
+                      <a:solidFill>
+                        <a:srgbClr val="000"/>
+                      </a:solidFill>
+                      <a:prstDash val="solid"/>
+                    </a:lnR>
+                    <a:lnT w="12700">
+                      <a:solidFill>
+                        <a:srgbClr val="000"/>
+                      </a:solidFill>
+                      <a:prstDash val="solid"/>
+                    </a:lnT>
+                    <a:lnB w="12700">
+                      <a:solidFill>
+                        <a:srgbClr val="000"/>
+                      </a:solidFill>
+                      <a:prstDash val="solid"/>
+                    </a:lnB>
+                  </a:tcPr>
+                </a:tc>
+                <a:tc>
+                  <a:txBody>
+                    <a:bodyPr lIns="76200" rIns="76200" tIns="76200" bIns="76200"/>
+                    <a:lstStyle/>
+                    <a:p>
+                      <a:pPr>
+                        <a:lnSpc>
+                          <a:spcPct val="120000"/>
+                        </a:lnSpc>
+                      </a:pPr>
+                      <a:r>
+                        <a:rPr b="1" sz="800">
+                          <a:solidFill>
+                            <a:srgbClr val="000000"/>
+                          </a:solidFill>
+                          <a:latin typeface="Arial"/>
+                        </a:rPr>
+                        <a:t>Owner</a:t>
+                      </a:r>
+                    </a:p>
+                  </a:txBody>
+                  <a:tcPr>
+                    <a:noFill/>
+                    <a:lnL w="12700">
+                      <a:solidFill>
+                        <a:srgbClr val="000"/>
+                      </a:solidFill>
+                      <a:prstDash val="solid"/>
+                    </a:lnL>
+                    <a:lnR w="12700">
+                      <a:solidFill>
+                        <a:srgbClr val="000"/>
+                      </a:solidFill>
+                      <a:prstDash val="solid"/>
+                    </a:lnR>
+                    <a:lnT w="12700">
+                      <a:solidFill>
+                        <a:srgbClr val="000"/>
+                      </a:solidFill>
+                      <a:prstDash val="solid"/>
+                    </a:lnT>
+                    <a:lnB w="12700">
+                      <a:solidFill>
+                        <a:srgbClr val="000"/>
+                      </a:solidFill>
+                      <a:prstDash val="solid"/>
+                    </a:lnB>
+                  </a:tcPr>
+                </a:tc>
+                <a:tc>
+                  <a:txBody>
+                    <a:bodyPr lIns="76200" rIns="76200" tIns="76200" bIns="76200"/>
+                    <a:lstStyle/>
+                    <a:p>
+                      <a:pPr>
+                        <a:lnSpc>
+                          <a:spcPct val="120000"/>
+                        </a:lnSpc>
+                      </a:pPr>
+                      <a:r>
+                        <a:rPr b="1" sz="800">
+                          <a:solidFill>
+                            <a:srgbClr val="000000"/>
+                          </a:solidFill>
+                          <a:latin typeface="Arial"/>
+                        </a:rPr>
+                        <a:t>Progress</a:t>
+                      </a:r>
+                    </a:p>
+                  </a:txBody>
+                  <a:tcPr>
+                    <a:noFill/>
+                    <a:lnL w="12700">
+                      <a:solidFill>
+                        <a:srgbClr val="000"/>
+                      </a:solidFill>
+                      <a:prstDash val="solid"/>
+                    </a:lnL>
+                    <a:lnR w="12700">
+                      <a:solidFill>
+                        <a:srgbClr val="000"/>
+                      </a:solidFill>
+                      <a:prstDash val="solid"/>
+                    </a:lnR>
+                    <a:lnT w="12700">
+                      <a:solidFill>
+                        <a:srgbClr val="000"/>
+                      </a:solidFill>
+                      <a:prstDash val="solid"/>
+                    </a:lnT>
+                    <a:lnB w="12700">
+                      <a:solidFill>
+                        <a:srgbClr val="000"/>
+                      </a:solidFill>
+                      <a:prstDash val="solid"/>
+                    </a:lnB>
+                  </a:tcPr>
+                </a:tc>
+              </a:tr>
+              <a:tr h="285750">
+                <a:tc>
+                  <a:txBody>
+                    <a:bodyPr lIns="76200" rIns="76200" tIns="76200" bIns="76200"/>
+                    <a:lstStyle/>
+                    <a:p>
+                      <a:pPr>
+                        <a:lnSpc>
+                          <a:spcPct val="120000"/>
+                        </a:lnSpc>
+                      </a:pPr>
+                      <a:r>
+                        <a:rPr sz="800">
+                          <a:solidFill>
+                            <a:srgbClr val="000000"/>
+                          </a:solidFill>
+                          <a:latin typeface="Arial"/>
+                        </a:rPr>
+                        <a:t>Authentication</a:t>
+                      </a:r>
+                    </a:p>
+                  </a:txBody>
+                  <a:tcPr>
+                    <a:noFill/>
+                    <a:lnL w="12700">
+                      <a:solidFill>
+                        <a:srgbClr val="000"/>
+                      </a:solidFill>
+                      <a:prstDash val="solid"/>
+                    </a:lnL>
+                    <a:lnR w="12700">
+                      <a:solidFill>
+                        <a:srgbClr val="000"/>
+                      </a:solidFill>
+                      <a:prstDash val="solid"/>
+                    </a:lnR>
+                    <a:lnT w="12700">
+                      <a:solidFill>
+                        <a:srgbClr val="000"/>
+                      </a:solidFill>
+                      <a:prstDash val="solid"/>
+                    </a:lnT>
+                    <a:lnB w="12700">
+                      <a:solidFill>
+                        <a:srgbClr val="000"/>
+                      </a:solidFill>
+                      <a:prstDash val="solid"/>
+                    </a:lnB>
+                  </a:tcPr>
+                </a:tc>
+                <a:tc>
+                  <a:txBody>
+                    <a:bodyPr lIns="76200" rIns="76200" tIns="76200" bIns="76200"/>
+                    <a:lstStyle/>
+                    <a:p>
+                      <a:pPr>
+                        <a:lnSpc>
+                          <a:spcPct val="120000"/>
+                        </a:lnSpc>
+                      </a:pPr>
+                      <a:r>
+                        <a:rPr sz="800">
+                          <a:solidFill>
+                            <a:srgbClr val="000000"/>
+                          </a:solidFill>
+                          <a:latin typeface="Arial"/>
+                        </a:rPr>
+                        <a:t>Alice</a:t>
+                      </a:r>
+                    </a:p>
+                  </a:txBody>
+                  <a:tcPr>
+                    <a:noFill/>
+                    <a:lnL w="12700">
+                      <a:solidFill>
+                        <a:srgbClr val="000"/>
+                      </a:solidFill>
+                      <a:prstDash val="solid"/>
+                    </a:lnL>
+                    <a:lnR w="12700">
+                      <a:solidFill>
+                        <a:srgbClr val="000"/>
+                      </a:solidFill>
+                      <a:prstDash val="solid"/>
+                    </a:lnR>
+                    <a:lnT w="12700">
+                      <a:solidFill>
+                        <a:srgbClr val="000"/>
+                      </a:solidFill>
+                      <a:prstDash val="solid"/>
+                    </a:lnT>
+                    <a:lnB w="12700">
+                      <a:solidFill>
+                        <a:srgbClr val="000"/>
+                      </a:solidFill>
+                      <a:prstDash val="solid"/>
+                    </a:lnB>
+                  </a:tcPr>
+                </a:tc>
+                <a:tc>
+                  <a:txBody>
+                    <a:bodyPr lIns="76200" rIns="76200" tIns="76200" bIns="76200"/>
+                    <a:lstStyle/>
+                    <a:p>
+                      <a:pPr>
+                        <a:lnSpc>
+                          <a:spcPct val="120000"/>
+                        </a:lnSpc>
+                      </a:pPr>
+                      <a:r>
+                        <a:rPr sz="800">
+                          <a:solidFill>
+                            <a:srgbClr val="000000"/>
+                          </a:solidFill>
+                          <a:latin typeface="Arial"/>
+                        </a:rPr>
+                        <a:t>100%</a:t>
+                      </a:r>
+                    </a:p>
+                  </a:txBody>
+                  <a:tcPr>
+                    <a:noFill/>
+                    <a:lnL w="12700">
+                      <a:solidFill>
+                        <a:srgbClr val="000"/>
+                      </a:solidFill>
+                      <a:prstDash val="solid"/>
+                    </a:lnL>
+                    <a:lnR w="12700">
+                      <a:solidFill>
+                        <a:srgbClr val="000"/>
+                      </a:solidFill>
+                      <a:prstDash val="solid"/>
+                    </a:lnR>
+                    <a:lnT w="12700">
+                      <a:solidFill>
+                        <a:srgbClr val="000"/>
+                      </a:solidFill>
+                      <a:prstDash val="solid"/>
+                    </a:lnT>
+                    <a:lnB w="12700">
+                      <a:solidFill>
+                        <a:srgbClr val="000"/>
+                      </a:solidFill>
+                      <a:prstDash val="solid"/>
+                    </a:lnB>
+                  </a:tcPr>
+                </a:tc>
+              </a:tr>
+              <a:tr h="285750">
+                <a:tc>
+                  <a:txBody>
+                    <a:bodyPr lIns="76200" rIns="76200" tIns="76200" bIns="76200"/>
+                    <a:lstStyle/>
+                    <a:p>
+                      <a:pPr>
+                        <a:lnSpc>
+                          <a:spcPct val="120000"/>
+                        </a:lnSpc>
+                      </a:pPr>
+                      <a:r>
+                        <a:rPr sz="800">
+                          <a:solidFill>
+                            <a:srgbClr val="000000"/>
+                          </a:solidFill>
+                          <a:latin typeface="Arial"/>
+                        </a:rPr>
+                        <a:t>Database</a:t>
+                      </a:r>
+                    </a:p>
+                  </a:txBody>
+                  <a:tcPr>
+                    <a:noFill/>
+                    <a:lnL w="12700">
+                      <a:solidFill>
+                        <a:srgbClr val="000"/>
+                      </a:solidFill>
+                      <a:prstDash val="solid"/>
+                    </a:lnL>
+                    <a:lnR w="12700">
+                      <a:solidFill>
+                        <a:srgbClr val="000"/>
+                      </a:solidFill>
+                      <a:prstDash val="solid"/>
+                    </a:lnR>
+                    <a:lnT w="12700">
+                      <a:solidFill>
+                        <a:srgbClr val="000"/>
+                      </a:solidFill>
+                      <a:prstDash val="solid"/>
+                    </a:lnT>
+                    <a:lnB w="12700">
+                      <a:solidFill>
+                        <a:srgbClr val="000"/>
+                      </a:solidFill>
+                      <a:prstDash val="solid"/>
+                    </a:lnB>
+                  </a:tcPr>
+                </a:tc>
+                <a:tc>
+                  <a:txBody>
+                    <a:bodyPr lIns="76200" rIns="76200" tIns="76200" bIns="76200"/>
+                    <a:lstStyle/>
+                    <a:p>
+                      <a:pPr>
+                        <a:lnSpc>
+                          <a:spcPct val="120000"/>
+                        </a:lnSpc>
+                      </a:pPr>
+                      <a:r>
+                        <a:rPr sz="800">
+                          <a:solidFill>
+                            <a:srgbClr val="000000"/>
+                          </a:solidFill>
+                          <a:latin typeface="Arial"/>
+                        </a:rPr>
+                        <a:t>Bob</a:t>
+                      </a:r>
+                    </a:p>
+                  </a:txBody>
+                  <a:tcPr>
+                    <a:noFill/>
+                    <a:lnL w="12700">
+                      <a:solidFill>
+                        <a:srgbClr val="000"/>
+                      </a:solidFill>
+                      <a:prstDash val="solid"/>
+                    </a:lnL>
+                    <a:lnR w="12700">
+                      <a:solidFill>
+                        <a:srgbClr val="000"/>
+                      </a:solidFill>
+                      <a:prstDash val="solid"/>
+                    </a:lnR>
+                    <a:lnT w="12700">
+                      <a:solidFill>
+                        <a:srgbClr val="000"/>
+                      </a:solidFill>
+                      <a:prstDash val="solid"/>
+                    </a:lnT>
+                    <a:lnB w="12700">
+                      <a:solidFill>
+                        <a:srgbClr val="000"/>
+                      </a:solidFill>
+                      <a:prstDash val="solid"/>
+                    </a:lnB>
+                  </a:tcPr>
+                </a:tc>
+                <a:tc>
+                  <a:txBody>
+                    <a:bodyPr lIns="76200" rIns="76200" tIns="76200" bIns="76200"/>
+                    <a:lstStyle/>
+                    <a:p>
+                      <a:pPr>
+                        <a:lnSpc>
+                          <a:spcPct val="120000"/>
+                        </a:lnSpc>
+                      </a:pPr>
+                      <a:r>
+                        <a:rPr sz="800">
+                          <a:solidFill>
+                            <a:srgbClr val="000000"/>
+                          </a:solidFill>
+                          <a:latin typeface="Arial"/>
+                        </a:rPr>
+                        <a:t>80%</a:t>
+                      </a:r>
+                    </a:p>
+                  </a:txBody>
+                  <a:tcPr>
+                    <a:noFill/>
+                    <a:lnL w="12700">
+                      <a:solidFill>
+                        <a:srgbClr val="000"/>
+                      </a:solidFill>
+                      <a:prstDash val="solid"/>
+                    </a:lnL>
+                    <a:lnR w="12700">
+                      <a:solidFill>
+                        <a:srgbClr val="000"/>
+                      </a:solidFill>
+                      <a:prstDash val="solid"/>
+                    </a:lnR>
+                    <a:lnT w="12700">
+                      <a:solidFill>
+                        <a:srgbClr val="000"/>
+                      </a:solidFill>
+                      <a:prstDash val="solid"/>
+                    </a:lnT>
+                    <a:lnB w="12700">
+                      <a:solidFill>
+                        <a:srgbClr val="000"/>
+                      </a:solidFill>
+                      <a:prstDash val="solid"/>
+                    </a:lnB>
+                  </a:tcPr>
+                </a:tc>
+              </a:tr>
+              <a:tr h="285750">
+                <a:tc>
+                  <a:txBody>
+                    <a:bodyPr lIns="76200" rIns="76200" tIns="76200" bIns="76200"/>
+                    <a:lstStyle/>
+                    <a:p>
+                      <a:pPr>
+                        <a:lnSpc>
+                          <a:spcPct val="120000"/>
+                        </a:lnSpc>
+                      </a:pPr>
+                      <a:r>
+                        <a:rPr sz="800">
+                          <a:solidFill>
+                            <a:srgbClr val="000000"/>
+                          </a:solidFill>
+                          <a:latin typeface="Arial"/>
+                        </a:rPr>
+                        <a:t>API Docs</a:t>
+                      </a:r>
+                    </a:p>
+                  </a:txBody>
+                  <a:tcPr>
+                    <a:noFill/>
+                    <a:lnL w="12700">
+                      <a:solidFill>
+                        <a:srgbClr val="000"/>
+                      </a:solidFill>
+                      <a:prstDash val="solid"/>
+                    </a:lnL>
+                    <a:lnR w="12700">
+                      <a:solidFill>
+                        <a:srgbClr val="000"/>
+                      </a:solidFill>
+                      <a:prstDash val="solid"/>
+                    </a:lnR>
+                    <a:lnT w="12700">
+                      <a:solidFill>
+                        <a:srgbClr val="000"/>
+                      </a:solidFill>
+                      <a:prstDash val="solid"/>
+                    </a:lnT>
+                    <a:lnB w="12700">
+                      <a:solidFill>
+                        <a:srgbClr val="000"/>
+                      </a:solidFill>
+                      <a:prstDash val="solid"/>
+                    </a:lnB>
+                  </a:tcPr>
+                </a:tc>
+                <a:tc>
+                  <a:txBody>
+                    <a:bodyPr lIns="76200" rIns="76200" tIns="76200" bIns="76200"/>
+                    <a:lstStyle/>
+                    <a:p>
+                      <a:pPr>
+                        <a:lnSpc>
+                          <a:spcPct val="120000"/>
+                        </a:lnSpc>
+                      </a:pPr>
+                      <a:r>
+                        <a:rPr sz="800">
+                          <a:solidFill>
+                            <a:srgbClr val="000000"/>
+                          </a:solidFill>
+                          <a:latin typeface="Arial"/>
+                        </a:rPr>
+                        <a:t>Carol</a:t>
+                      </a:r>
+                    </a:p>
+                  </a:txBody>
+                  <a:tcPr>
+                    <a:noFill/>
+                    <a:lnL w="12700">
+                      <a:solidFill>
+                        <a:srgbClr val="000"/>
+                      </a:solidFill>
+                      <a:prstDash val="solid"/>
+                    </a:lnL>
+                    <a:lnR w="12700">
+                      <a:solidFill>
+                        <a:srgbClr val="000"/>
+                      </a:solidFill>
+                      <a:prstDash val="solid"/>
+                    </a:lnR>
+                    <a:lnT w="12700">
+                      <a:solidFill>
+                        <a:srgbClr val="000"/>
+                      </a:solidFill>
+                      <a:prstDash val="solid"/>
+                    </a:lnT>
+                    <a:lnB w="12700">
+                      <a:solidFill>
+                        <a:srgbClr val="000"/>
+                      </a:solidFill>
+                      <a:prstDash val="solid"/>
+                    </a:lnB>
+                  </a:tcPr>
+                </a:tc>
+                <a:tc>
+                  <a:txBody>
+                    <a:bodyPr lIns="76200" rIns="76200" tIns="76200" bIns="76200"/>
+                    <a:lstStyle/>
+                    <a:p>
+                      <a:pPr>
+                        <a:lnSpc>
+                          <a:spcPct val="120000"/>
+                        </a:lnSpc>
+                      </a:pPr>
+                      <a:r>
+                        <a:rPr sz="800">
+                          <a:solidFill>
+                            <a:srgbClr val="000000"/>
+                          </a:solidFill>
+                          <a:latin typeface="Arial"/>
+                        </a:rPr>
+                        <a:t>100%</a:t>
+                      </a:r>
+                    </a:p>
+                  </a:txBody>
+                  <a:tcPr>
+                    <a:noFill/>
+                    <a:lnL w="12700">
+                      <a:solidFill>
+                        <a:srgbClr val="000"/>
+                      </a:solidFill>
+                      <a:prstDash val="solid"/>
+                    </a:lnL>
+                    <a:lnR w="12700">
+                      <a:solidFill>
+                        <a:srgbClr val="000"/>
+                      </a:solidFill>
+                      <a:prstDash val="solid"/>
+                    </a:lnR>
+                    <a:lnT w="12700">
+                      <a:solidFill>
+                        <a:srgbClr val="000"/>
+                      </a:solidFill>
+                      <a:prstDash val="solid"/>
+                    </a:lnT>
+                    <a:lnB w="12700">
+                      <a:solidFill>
+                        <a:srgbClr val="000"/>
+                      </a:solidFill>
+                      <a:prstDash val="solid"/>
+                    </a:lnB>
+                  </a:tcPr>
+                </a:tc>
+              </a:tr>
+              <a:tr h="285750">
+                <a:tc>
+                  <a:txBody>
+                    <a:bodyPr lIns="76200" rIns="76200" tIns="76200" bIns="76200"/>
+                    <a:lstStyle/>
+                    <a:p>
+                      <a:pPr>
+                        <a:lnSpc>
+                          <a:spcPct val="120000"/>
+                        </a:lnSpc>
+                      </a:pPr>
+                      <a:r>
+                        <a:rPr sz="800">
+                          <a:solidFill>
+                            <a:srgbClr val="000000"/>
+                          </a:solidFill>
+                          <a:latin typeface="Arial"/>
+                        </a:rPr>
+                        <a:t>Analytics</a:t>
+                      </a:r>
+                    </a:p>
+                  </a:txBody>
+                  <a:tcPr>
+                    <a:noFill/>
+                    <a:lnL w="12700">
+                      <a:solidFill>
+                        <a:srgbClr val="000"/>
+                      </a:solidFill>
+                      <a:prstDash val="solid"/>
+                    </a:lnL>
+                    <a:lnR w="12700">
+                      <a:solidFill>
+                        <a:srgbClr val="000"/>
+                      </a:solidFill>
+                      <a:prstDash val="solid"/>
+                    </a:lnR>
+                    <a:lnT w="12700">
+                      <a:solidFill>
+                        <a:srgbClr val="000"/>
+                      </a:solidFill>
+                      <a:prstDash val="solid"/>
+                    </a:lnT>
+                    <a:lnB w="12700">
+                      <a:solidFill>
+                        <a:srgbClr val="000"/>
+                      </a:solidFill>
+                      <a:prstDash val="solid"/>
+                    </a:lnB>
+                  </a:tcPr>
+                </a:tc>
+                <a:tc>
+                  <a:txBody>
+                    <a:bodyPr lIns="76200" rIns="76200" tIns="76200" bIns="76200"/>
+                    <a:lstStyle/>
+                    <a:p>
+                      <a:pPr>
+                        <a:lnSpc>
+                          <a:spcPct val="120000"/>
+                        </a:lnSpc>
+                      </a:pPr>
+                      <a:r>
+                        <a:rPr sz="800">
+                          <a:solidFill>
+                            <a:srgbClr val="000000"/>
+                          </a:solidFill>
+                          <a:latin typeface="Arial"/>
+                        </a:rPr>
+                        <a:t>Dave</a:t>
+                      </a:r>
+                    </a:p>
+                  </a:txBody>
+                  <a:tcPr>
+                    <a:noFill/>
+                    <a:lnL w="12700">
+                      <a:solidFill>
+                        <a:srgbClr val="000"/>
+                      </a:solidFill>
+                      <a:prstDash val="solid"/>
+                    </a:lnL>
+                    <a:lnR w="12700">
+                      <a:solidFill>
+                        <a:srgbClr val="000"/>
+                      </a:solidFill>
+                      <a:prstDash val="solid"/>
+                    </a:lnR>
+                    <a:lnT w="12700">
+                      <a:solidFill>
+                        <a:srgbClr val="000"/>
+                      </a:solidFill>
+                      <a:prstDash val="solid"/>
+                    </a:lnT>
+                    <a:lnB w="12700">
+                      <a:solidFill>
+                        <a:srgbClr val="000"/>
+                      </a:solidFill>
+                      <a:prstDash val="solid"/>
+                    </a:lnB>
+                  </a:tcPr>
+                </a:tc>
+                <a:tc>
+                  <a:txBody>
+                    <a:bodyPr lIns="76200" rIns="76200" tIns="76200" bIns="76200"/>
+                    <a:lstStyle/>
+                    <a:p>
+                      <a:pPr>
+                        <a:lnSpc>
+                          <a:spcPct val="120000"/>
+                        </a:lnSpc>
+                      </a:pPr>
+                      <a:r>
+                        <a:rPr sz="800">
+                          <a:solidFill>
+                            <a:srgbClr val="000000"/>
+                          </a:solidFill>
+                          <a:latin typeface="Arial"/>
+                        </a:rPr>
+                        <a:t>60%</a:t>
+                      </a:r>
+                    </a:p>
+                  </a:txBody>
+                  <a:tcPr>
+                    <a:noFill/>
+                    <a:lnL w="12700">
+                      <a:solidFill>
+                        <a:srgbClr val="000"/>
+                      </a:solidFill>
+                      <a:prstDash val="solid"/>
+                    </a:lnL>
+                    <a:lnR w="12700">
+                      <a:solidFill>
+                        <a:srgbClr val="000"/>
+                      </a:solidFill>
+                      <a:prstDash val="solid"/>
+                    </a:lnR>
+                    <a:lnT w="12700">
+                      <a:solidFill>
+                        <a:srgbClr val="000"/>
+                      </a:solidFill>
+                      <a:prstDash val="solid"/>
+                    </a:lnT>
+                    <a:lnB w="12700">
+                      <a:solidFill>
+                        <a:srgbClr val="000"/>
+                      </a:solidFill>
+                      <a:prstDash val="solid"/>
+                    </a:lnB>
+                  </a:tcPr>
+                </a:tc>
+              </a:tr>
+            </a:tbl>
+          </a:graphicData>
+        </a:graphic>
+      </p:graphicFrame>
+      <p:sp>
+        <p:nvSpPr>
+          <p:cNvPr id="6" name="TextBox 5"/>
+          <p:cNvSpPr txBox="1"/>
+          <p:nvPr/>
+        </p:nvSpPr>
+        <p:spPr>
+          <a:xfrm>
+            <a:off x="5972175" y="628650"/>
+            <a:ext cx="3171825" cy="274320"/>
+          </a:xfrm>
+          <a:prstGeom prst="rect">
+            <a:avLst/>
+          </a:prstGeom>
+          <a:noFill/>
+        </p:spPr>
+        <p:txBody>
+          <a:bodyPr wrap="square" lIns="0" rIns="0" tIns="0" bIns="0">
+            <a:spAutoFit/>
+          </a:bodyPr>
+          <a:lstStyle/>
+          <a:p>
+            <a:pPr algn="l">
+              <a:lnSpc>
+                <a:spcPct val="120000"/>
+              </a:lnSpc>
+              <a:spcBef>
+                <a:spcPts val="0"/>
+              </a:spcBef>
+              <a:spcAft>
+                <a:spcPts val="0"/>
+              </a:spcAft>
+              <a:defRPr>
+                <a:solidFill>
+                  <a:srgbClr val="000000"/>
+                </a:solidFill>
+              </a:defRPr>
+            </a:pPr>
+            <a:r>
+              <a:rPr sz="800" b="1">
+                <a:latin typeface="Arial"/>
+              </a:rPr>
+              <a:t>✍️ Notes</a:t>
+            </a:r>
+          </a:p>
+        </p:txBody>
+      </p:sp>
+      <p:sp>
+        <p:nvSpPr>
+          <p:cNvPr id="7" name="TextBox 6"/>
+          <p:cNvSpPr txBox="1"/>
+          <p:nvPr/>
+        </p:nvSpPr>
+        <p:spPr>
+          <a:xfrm>
+            <a:off x="5972175" y="904874"/>
+            <a:ext cx="3171825" cy="295274"/>
+          </a:xfrm>
+          <a:prstGeom prst="rect">
+            <a:avLst/>
+          </a:prstGeom>
+          <a:noFill/>
+        </p:spPr>
+        <p:txBody>
+          <a:bodyPr wrap="square" lIns="0" rIns="0" tIns="0" bIns="0">
+            <a:spAutoFit/>
+          </a:bodyPr>
+          <a:lstStyle/>
+          <a:p>
+            <a:pPr algn="l">
+              <a:lnSpc>
+                <a:spcPct val="120000"/>
+              </a:lnSpc>
+              <a:spcBef>
+                <a:spcPts val="0"/>
+              </a:spcBef>
+              <a:spcAft>
+                <a:spcPts val="0"/>
+              </a:spcAft>
+              <a:defRPr>
+                <a:solidFill>
+                  <a:srgbClr val="000000"/>
+                </a:solidFill>
+              </a:defRPr>
+            </a:pPr>
+            <a:r>
+              <a:rPr sz="700">
+                <a:latin typeface="Arial"/>
+              </a:rPr>
+              <a:t>All core features are either complete or in progress. Remaining items are performance tuning and UX polish.</a:t>
+            </a:r>
+          </a:p>
+        </p:txBody>
+      </p:sp>
+    </p:spTree>
+  </p:cSld>
+  <p:clrMapOvr>
+    <a:masterClrMapping/>
+  </p:clrMapOvr>
+</p:sld>
+</file>
+
 <file path=ppt/slides/slide2.xml><?xml version="1.0" encoding="utf-8"?>
 <p:sld xmlns:a="http://schemas.openxmlformats.org/drawingml/2006/main" xmlns:p="http://schemas.openxmlformats.org/presentationml/2006/main" xmlns:r="http://schemas.openxmlformats.org/officeDocument/2006/relationships">
   <p:cSld>
@@ -9335,7 +10360,7 @@
               </a:defRPr>
             </a:pPr>
             <a:r>
-              <a:rPr sz="1000" b="1">
+              <a:rPr sz="900" b="1">
                 <a:latin typeface="Arial"/>
               </a:rPr>
               <a:t>Basic Formatting</a:t>
@@ -9382,25 +10407,25 @@
               </a:defRPr>
             </a:pPr>
             <a:r>
-              <a:rPr b="1" sz="1000">
+              <a:rPr b="1" sz="700">
                 <a:latin typeface="Arial"/>
               </a:rPr>
               <a:t>Bold text</a:t>
             </a:r>
             <a:r>
-              <a:rPr sz="1000">
+              <a:rPr sz="700">
                 <a:latin typeface="Arial"/>
               </a:rPr>
               <a:t> using double asterisks or </a:t>
             </a:r>
             <a:r>
-              <a:rPr b="1" sz="1000">
+              <a:rPr b="1" sz="700">
                 <a:latin typeface="Arial"/>
               </a:rPr>
               <a:t>double underscores</a:t>
             </a:r>
             <a:r>
-              <a:rPr sz="1000">
+              <a:rPr sz="700">
                 <a:latin typeface="Arial"/>
               </a:rPr>
               <a:t>.</a:t>
@@ -9447,25 +10472,25 @@
               </a:defRPr>
             </a:pPr>
             <a:r>
-              <a:rPr i="1" sz="1000">
+              <a:rPr i="1" sz="700">
                 <a:latin typeface="Arial"/>
               </a:rPr>
               <a:t>Italic text</a:t>
             </a:r>
             <a:r>
-              <a:rPr sz="1000">
+              <a:rPr sz="700">
                 <a:latin typeface="Arial"/>
               </a:rPr>
               <a:t> using single asterisks or </a:t>
             </a:r>
             <a:r>
-              <a:rPr i="1" sz="1000">
+              <a:rPr i="1" sz="700">
                 <a:latin typeface="Arial"/>
               </a:rPr>
               <a:t>single underscores</a:t>
             </a:r>
             <a:r>
-              <a:rPr sz="1000">
+              <a:rPr sz="700">
                 <a:latin typeface="Arial"/>
               </a:rPr>
               <a:t>.</a:t>
@@ -9521,7 +10546,7 @@
               <a:t>Inline code</a:t>
             </a:r>
             <a:r>
-              <a:rPr sz="1000">
+              <a:rPr sz="700">
                 <a:latin typeface="Arial"/>
               </a:rPr>
               <a:t> using backticks for technical terms like </a:t>
@@ -9536,7 +10561,7 @@
               <a:t>SlideGenerator.generate()</a:t>
             </a:r>
             <a:r>
-              <a:rPr sz="1000">
+              <a:rPr sz="700">
                 <a:latin typeface="Arial"/>
               </a:rPr>
               <a:t>.</a:t>
@@ -9583,7 +10608,7 @@
               </a:defRPr>
             </a:pPr>
             <a:r>
-              <a:rPr b="1" sz="1000">
+              <a:rPr b="1" sz="700">
                 <a:solidFill>
                   <a:srgbClr val="FF8C00"/>
                 </a:solidFill>
@@ -9592,13 +10617,13 @@
               <a:t>Highlighted text</a:t>
             </a:r>
             <a:r>
-              <a:rPr sz="1000">
+              <a:rPr sz="700">
                 <a:latin typeface="Arial"/>
               </a:rPr>
               <a:t> using double equals for </a:t>
             </a:r>
             <a:r>
-              <a:rPr b="1" sz="1000">
+              <a:rPr b="1" sz="700">
                 <a:solidFill>
                   <a:srgbClr val="FF8C00"/>
                 </a:solidFill>
@@ -9607,7 +10632,7 @@
               <a:t>important information</a:t>
             </a:r>
             <a:r>
-              <a:rPr sz="1000">
+              <a:rPr sz="700">
                 <a:latin typeface="Arial"/>
               </a:rPr>
               <a:t>.</a:t>
@@ -9654,25 +10679,25 @@
               </a:defRPr>
             </a:pPr>
             <a:r>
-              <a:rPr u="sng" sz="1000">
+              <a:rPr u="sng" sz="700">
                 <a:latin typeface="Arial"/>
               </a:rPr>
               <a:t>Underlined text</a:t>
             </a:r>
             <a:r>
-              <a:rPr sz="1000">
+              <a:rPr sz="700">
                 <a:latin typeface="Arial"/>
               </a:rPr>
               <a:t> using double plus signs for </a:t>
             </a:r>
             <a:r>
-              <a:rPr u="sng" sz="1000">
+              <a:rPr u="sng" sz="700">
                 <a:latin typeface="Arial"/>
               </a:rPr>
               <a:t>emphasis or citations</a:t>
             </a:r>
             <a:r>
-              <a:rPr sz="1000">
+              <a:rPr sz="700">
                 <a:latin typeface="Arial"/>
               </a:rPr>
               <a:t>.</a:t>
@@ -9719,7 +10744,7 @@
               </a:defRPr>
             </a:pPr>
             <a:r>
-              <a:rPr sz="1000" b="1">
+              <a:rPr sz="900" b="1">
                 <a:latin typeface="Arial"/>
               </a:rPr>
               <a:t>Advanced Combinations</a:t>
@@ -9763,23 +10788,23 @@
               </a:defRPr>
             </a:pPr>
             <a:r>
-              <a:rPr sz="1000"/>
+              <a:rPr sz="700"/>
               <a:t>• </a:t>
             </a:r>
             <a:r>
-              <a:rPr b="1" sz="1000">
+              <a:rPr b="1" sz="700">
                 <a:latin typeface="Arial"/>
               </a:rPr>
               <a:t>Bold with </a:t>
             </a:r>
             <a:r>
-              <a:rPr b="1" i="1" sz="1000">
+              <a:rPr b="1" i="1" sz="700">
                 <a:latin typeface="Arial"/>
               </a:rPr>
               <a:t>italic inside</a:t>
             </a:r>
             <a:r>
-              <a:rPr b="1" sz="1000">
+              <a:rPr b="1" sz="700">
                 <a:latin typeface="Arial"/>
               </a:rPr>
               <a:t> for emphasis</a:t>
@@ -9794,23 +10819,23 @@
               </a:defRPr>
             </a:pPr>
             <a:r>
-              <a:rPr sz="1000"/>
+              <a:rPr sz="700"/>
               <a:t>• </a:t>
             </a:r>
             <a:r>
-              <a:rPr i="1" sz="1000">
+              <a:rPr i="1" sz="700">
                 <a:latin typeface="Arial"/>
               </a:rPr>
               <a:t>Italic with </a:t>
             </a:r>
             <a:r>
-              <a:rPr i="1" b="1" sz="1000">
+              <a:rPr i="1" b="1" sz="700">
                 <a:latin typeface="Arial"/>
               </a:rPr>
               <a:t>bold inside</a:t>
             </a:r>
             <a:r>
-              <a:rPr i="1" sz="1000">
+              <a:rPr i="1" sz="700">
                 <a:latin typeface="Arial"/>
               </a:rPr>
               <a:t> for variety</a:t>
@@ -9825,11 +10850,11 @@
               </a:defRPr>
             </a:pPr>
             <a:r>
-              <a:rPr sz="1000"/>
+              <a:rPr sz="700"/>
               <a:t>• </a:t>
             </a:r>
             <a:r>
-              <a:rPr b="1" sz="1000">
+              <a:rPr b="1" sz="700">
                 <a:solidFill>
                   <a:srgbClr val="FF8C00"/>
                 </a:solidFill>
@@ -9838,7 +10863,7 @@
               <a:t>Highlighted with </a:t>
             </a:r>
             <a:r>
-              <a:rPr b="1" sz="1000">
+              <a:rPr b="1" sz="700">
                 <a:solidFill>
                   <a:srgbClr val="FF8C00"/>
                 </a:solidFill>
@@ -9847,7 +10872,7 @@
               <a:t>bold inside</a:t>
             </a:r>
             <a:r>
-              <a:rPr b="1" sz="1000">
+              <a:rPr b="1" sz="700">
                 <a:solidFill>
                   <a:srgbClr val="FF8C00"/>
                 </a:solidFill>
@@ -9865,23 +10890,23 @@
               </a:defRPr>
             </a:pPr>
             <a:r>
-              <a:rPr sz="1000"/>
+              <a:rPr sz="700"/>
               <a:t>• </a:t>
             </a:r>
             <a:r>
-              <a:rPr sz="1000">
+              <a:rPr sz="700">
                 <a:latin typeface="Arial"/>
               </a:rPr>
               <a:t>Underlined with </a:t>
             </a:r>
             <a:r>
-              <a:rPr b="1" sz="1000">
+              <a:rPr b="1" sz="700">
                 <a:latin typeface="Arial"/>
               </a:rPr>
               <a:t>bold inside</a:t>
             </a:r>
             <a:r>
-              <a:rPr sz="1000">
+              <a:rPr sz="700">
                 <a:latin typeface="Arial"/>
               </a:rPr>
               <a:t> for citations</a:t>
@@ -9896,7 +10921,7 @@
               </a:defRPr>
             </a:pPr>
             <a:r>
-              <a:rPr sz="1000"/>
+              <a:rPr sz="700"/>
               <a:t>• </a:t>
             </a:r>
             <a:r>
@@ -9909,7 +10934,7 @@
               <a:t>Code with formatting</a:t>
             </a:r>
             <a:r>
-              <a:rPr sz="1000">
+              <a:rPr sz="700">
                 <a:latin typeface="Arial"/>
               </a:rPr>
               <a:t> (note: formatting preserved where possible)</a:t>
@@ -9956,7 +10981,7 @@
               </a:defRPr>
             </a:pPr>
             <a:r>
-              <a:rPr sz="1000" b="1">
+              <a:rPr sz="900" b="1">
                 <a:latin typeface="Arial"/>
               </a:rPr>
               <a:t>Real-World Examples</a:t>
@@ -10003,7 +11028,7 @@
               </a:defRPr>
             </a:pPr>
             <a:r>
-              <a:rPr sz="1000">
+              <a:rPr sz="700">
                 <a:latin typeface="Arial"/>
               </a:rPr>
               <a:t>The </a:t>
@@ -10018,37 +11043,37 @@
               <a:t>SlideGenerator</a:t>
             </a:r>
             <a:r>
-              <a:rPr sz="1000">
+              <a:rPr sz="700">
                 <a:latin typeface="Arial"/>
               </a:rPr>
               <a:t> class provides a </a:t>
             </a:r>
             <a:r>
-              <a:rPr b="1" sz="1000">
+              <a:rPr b="1" sz="700">
                 <a:latin typeface="Arial"/>
               </a:rPr>
               <a:t>powerful API</a:t>
             </a:r>
             <a:r>
-              <a:rPr sz="1000">
+              <a:rPr sz="700">
                 <a:latin typeface="Arial"/>
               </a:rPr>
               <a:t> for converting </a:t>
             </a:r>
             <a:r>
-              <a:rPr i="1" sz="1000">
+              <a:rPr i="1" sz="700">
                 <a:latin typeface="Arial"/>
               </a:rPr>
               <a:t>markdown</a:t>
             </a:r>
             <a:r>
-              <a:rPr sz="1000">
+              <a:rPr sz="700">
                 <a:latin typeface="Arial"/>
               </a:rPr>
               <a:t> to </a:t>
             </a:r>
             <a:r>
-              <a:rPr b="1" sz="1000">
+              <a:rPr b="1" sz="700">
                 <a:solidFill>
                   <a:srgbClr val="FF8C00"/>
                 </a:solidFill>
@@ -10057,19 +11082,19 @@
               <a:t>professional presentations</a:t>
             </a:r>
             <a:r>
-              <a:rPr sz="1000">
+              <a:rPr sz="700">
                 <a:latin typeface="Arial"/>
               </a:rPr>
               <a:t> with </a:t>
             </a:r>
             <a:r>
-              <a:rPr u="sng" sz="1000">
+              <a:rPr u="sng" sz="700">
                 <a:latin typeface="Arial"/>
               </a:rPr>
               <a:t>full formatting support</a:t>
             </a:r>
             <a:r>
-              <a:rPr sz="1000">
+              <a:rPr sz="700">
                 <a:latin typeface="Arial"/>
               </a:rPr>
               <a:t>.</a:t>
@@ -10116,7 +11141,7 @@
               </a:defRPr>
             </a:pPr>
             <a:r>
-              <a:rPr sz="1000">
+              <a:rPr sz="700">
                 <a:latin typeface="Arial"/>
               </a:rPr>
               <a:t>Call </a:t>
@@ -10131,25 +11156,25 @@
               <a:t>generator.generate(markdown, "output.pptx")</a:t>
             </a:r>
             <a:r>
-              <a:rPr sz="1000">
+              <a:rPr sz="700">
                 <a:latin typeface="Arial"/>
               </a:rPr>
               <a:t> where </a:t>
             </a:r>
             <a:r>
-              <a:rPr b="1" sz="1000">
+              <a:rPr b="1" sz="700">
                 <a:latin typeface="Arial"/>
               </a:rPr>
               <a:t>markdown</a:t>
             </a:r>
             <a:r>
-              <a:rPr sz="1000">
+              <a:rPr sz="700">
                 <a:latin typeface="Arial"/>
               </a:rPr>
               <a:t> is your source and </a:t>
             </a:r>
             <a:r>
-              <a:rPr b="1" sz="1000">
+              <a:rPr b="1" sz="700">
                 <a:solidFill>
                   <a:srgbClr val="FF8C00"/>
                 </a:solidFill>
@@ -10158,22 +11183,1064 @@
               <a:t>output.pptx</a:t>
             </a:r>
             <a:r>
-              <a:rPr sz="1000">
+              <a:rPr sz="700">
                 <a:latin typeface="Arial"/>
               </a:rPr>
               <a:t> is the </a:t>
             </a:r>
             <a:r>
-              <a:rPr u="sng" sz="1000">
+              <a:rPr u="sng" sz="700">
                 <a:latin typeface="Arial"/>
               </a:rPr>
               <a:t>final result</a:t>
             </a:r>
             <a:r>
-              <a:rPr sz="1000">
+              <a:rPr sz="700">
                 <a:latin typeface="Arial"/>
               </a:rPr>
               <a:t>.</a:t>
+            </a:r>
+          </a:p>
+        </p:txBody>
+      </p:sp>
+    </p:spTree>
+  </p:cSld>
+  <p:clrMapOvr>
+    <a:masterClrMapping/>
+  </p:clrMapOvr>
+</p:sld>
+</file>
+
+<file path=ppt/slides/slide20.xml><?xml version="1.0" encoding="utf-8"?>
+<p:sld xmlns:a="http://schemas.openxmlformats.org/drawingml/2006/main" xmlns:p="http://schemas.openxmlformats.org/presentationml/2006/main" xmlns:r="http://schemas.openxmlformats.org/officeDocument/2006/relationships">
+  <p:cSld>
+    <p:spTree>
+      <p:nvGrpSpPr>
+        <p:cNvPr id="1" name=""/>
+        <p:cNvGrpSpPr/>
+        <p:nvPr/>
+      </p:nvGrpSpPr>
+      <p:grpSpPr/>
+      <p:sp>
+        <p:nvSpPr>
+          <p:cNvPr id="2" name="TextBox 1"/>
+          <p:cNvSpPr txBox="1"/>
+          <p:nvPr/>
+        </p:nvSpPr>
+        <p:spPr>
+          <a:xfrm>
+            <a:off x="200025" y="180975"/>
+            <a:ext cx="8943975" cy="274320"/>
+          </a:xfrm>
+          <a:prstGeom prst="rect">
+            <a:avLst/>
+          </a:prstGeom>
+          <a:noFill/>
+        </p:spPr>
+        <p:txBody>
+          <a:bodyPr wrap="square" lIns="0" rIns="0" tIns="0" bIns="0">
+            <a:spAutoFit/>
+          </a:bodyPr>
+          <a:lstStyle/>
+          <a:p>
+            <a:pPr algn="l">
+              <a:lnSpc>
+                <a:spcPct val="120000"/>
+              </a:lnSpc>
+              <a:spcBef>
+                <a:spcPts val="0"/>
+              </a:spcBef>
+              <a:spcAft>
+                <a:spcPts val="0"/>
+              </a:spcAft>
+              <a:defRPr>
+                <a:solidFill>
+                  <a:srgbClr val="000000"/>
+                </a:solidFill>
+              </a:defRPr>
+            </a:pPr>
+            <a:r>
+              <a:rPr sz="1200" b="1">
+                <a:latin typeface="Arial"/>
+              </a:rPr>
+              <a:t>Two-column slide (Auto + default)</a:t>
+            </a:r>
+          </a:p>
+        </p:txBody>
+      </p:sp>
+      <p:sp>
+        <p:nvSpPr>
+          <p:cNvPr id="3" name="TextBox 2"/>
+          <p:cNvSpPr txBox="1"/>
+          <p:nvPr/>
+        </p:nvSpPr>
+        <p:spPr>
+          <a:xfrm>
+            <a:off x="276225" y="600075"/>
+            <a:ext cx="8867775" cy="274320"/>
+          </a:xfrm>
+          <a:prstGeom prst="rect">
+            <a:avLst/>
+          </a:prstGeom>
+          <a:noFill/>
+        </p:spPr>
+        <p:txBody>
+          <a:bodyPr wrap="square" lIns="0" rIns="0" tIns="0" bIns="0">
+            <a:spAutoFit/>
+          </a:bodyPr>
+          <a:lstStyle/>
+          <a:p>
+            <a:pPr algn="l">
+              <a:lnSpc>
+                <a:spcPct val="120000"/>
+              </a:lnSpc>
+              <a:spcBef>
+                <a:spcPts val="0"/>
+              </a:spcBef>
+              <a:spcAft>
+                <a:spcPts val="0"/>
+              </a:spcAft>
+              <a:defRPr>
+                <a:solidFill>
+                  <a:srgbClr val="000000"/>
+                </a:solidFill>
+              </a:defRPr>
+            </a:pPr>
+            <a:r>
+              <a:rPr sz="800" b="1">
+                <a:latin typeface="Arial"/>
+              </a:rPr>
+              <a:t>📋 Project Status Table</a:t>
+            </a:r>
+          </a:p>
+        </p:txBody>
+      </p:sp>
+      <p:sp>
+        <p:nvSpPr>
+          <p:cNvPr id="4" name="TextBox 3"/>
+          <p:cNvSpPr txBox="1"/>
+          <p:nvPr/>
+        </p:nvSpPr>
+        <p:spPr>
+          <a:xfrm>
+            <a:off x="276225" y="876299"/>
+            <a:ext cx="1800225" cy="1485900"/>
+          </a:xfrm>
+          <a:prstGeom prst="rect">
+            <a:avLst/>
+          </a:prstGeom>
+          <a:noFill/>
+        </p:spPr>
+        <p:txBody>
+          <a:bodyPr wrap="square" lIns="0" rIns="0" tIns="0" bIns="0">
+            <a:spAutoFit/>
+          </a:bodyPr>
+          <a:lstStyle/>
+          <a:p>
+            <a:pPr>
+              <a:spcBef>
+                <a:spcPts val="0"/>
+              </a:spcBef>
+              <a:spcAft>
+                <a:spcPts val="0"/>
+              </a:spcAft>
+            </a:pPr>
+          </a:p>
+        </p:txBody>
+      </p:sp>
+      <p:graphicFrame>
+        <p:nvGraphicFramePr>
+          <p:cNvPr id="5" name="Table 4"/>
+          <p:cNvGraphicFramePr>
+            <a:graphicFrameLocks noGrp="1"/>
+          </p:cNvGraphicFramePr>
+          <p:nvPr/>
+        </p:nvGraphicFramePr>
+        <p:xfrm>
+          <a:off x="276225" y="876299"/>
+          <a:ext cx="1798959" cy="1428750"/>
+        </p:xfrm>
+        <a:graphic>
+          <a:graphicData uri="http://schemas.openxmlformats.org/drawingml/2006/table">
+            <a:tbl>
+              <a:tblPr>
+                <a:tblBorders>
+                  <a:lnL w="3175">
+                    <a:solidFill>
+                      <a:srgbClr val="000"/>
+                    </a:solidFill>
+                  </a:lnL>
+                  <a:lnR w="3175">
+                    <a:solidFill>
+                      <a:srgbClr val="000"/>
+                    </a:solidFill>
+                  </a:lnR>
+                  <a:lnT w="3175">
+                    <a:solidFill>
+                      <a:srgbClr val="000"/>
+                    </a:solidFill>
+                  </a:lnT>
+                  <a:lnB w="3175">
+                    <a:solidFill>
+                      <a:srgbClr val="000"/>
+                    </a:solidFill>
+                  </a:lnB>
+                  <a:lnInsideH w="3175">
+                    <a:solidFill>
+                      <a:srgbClr val="000"/>
+                    </a:solidFill>
+                  </a:lnInsideH>
+                  <a:lnInsideV w="3175">
+                    <a:solidFill>
+                      <a:srgbClr val="000"/>
+                    </a:solidFill>
+                  </a:lnInsideV>
+                </a:tblBorders>
+              </a:tblPr>
+              <a:tblGrid>
+                <a:gridCol w="765646"/>
+                <a:gridCol w="458390"/>
+                <a:gridCol w="574923"/>
+              </a:tblGrid>
+              <a:tr h="285750">
+                <a:tc>
+                  <a:txBody>
+                    <a:bodyPr lIns="76200" rIns="76200" tIns="76200" bIns="76200"/>
+                    <a:lstStyle/>
+                    <a:p>
+                      <a:pPr>
+                        <a:lnSpc>
+                          <a:spcPct val="120000"/>
+                        </a:lnSpc>
+                      </a:pPr>
+                      <a:r>
+                        <a:rPr b="1" sz="800">
+                          <a:solidFill>
+                            <a:srgbClr val="000000"/>
+                          </a:solidFill>
+                          <a:latin typeface="Arial"/>
+                        </a:rPr>
+                        <a:t>Task</a:t>
+                      </a:r>
+                    </a:p>
+                  </a:txBody>
+                  <a:tcPr>
+                    <a:noFill/>
+                    <a:lnL w="12700">
+                      <a:solidFill>
+                        <a:srgbClr val="000"/>
+                      </a:solidFill>
+                      <a:prstDash val="solid"/>
+                    </a:lnL>
+                    <a:lnR w="12700">
+                      <a:solidFill>
+                        <a:srgbClr val="000"/>
+                      </a:solidFill>
+                      <a:prstDash val="solid"/>
+                    </a:lnR>
+                    <a:lnT w="12700">
+                      <a:solidFill>
+                        <a:srgbClr val="000"/>
+                      </a:solidFill>
+                      <a:prstDash val="solid"/>
+                    </a:lnT>
+                    <a:lnB w="12700">
+                      <a:solidFill>
+                        <a:srgbClr val="000"/>
+                      </a:solidFill>
+                      <a:prstDash val="solid"/>
+                    </a:lnB>
+                  </a:tcPr>
+                </a:tc>
+                <a:tc>
+                  <a:txBody>
+                    <a:bodyPr lIns="76200" rIns="76200" tIns="76200" bIns="76200"/>
+                    <a:lstStyle/>
+                    <a:p>
+                      <a:pPr>
+                        <a:lnSpc>
+                          <a:spcPct val="120000"/>
+                        </a:lnSpc>
+                      </a:pPr>
+                      <a:r>
+                        <a:rPr b="1" sz="800">
+                          <a:solidFill>
+                            <a:srgbClr val="000000"/>
+                          </a:solidFill>
+                          <a:latin typeface="Arial"/>
+                        </a:rPr>
+                        <a:t>Owner</a:t>
+                      </a:r>
+                    </a:p>
+                  </a:txBody>
+                  <a:tcPr>
+                    <a:noFill/>
+                    <a:lnL w="12700">
+                      <a:solidFill>
+                        <a:srgbClr val="000"/>
+                      </a:solidFill>
+                      <a:prstDash val="solid"/>
+                    </a:lnL>
+                    <a:lnR w="12700">
+                      <a:solidFill>
+                        <a:srgbClr val="000"/>
+                      </a:solidFill>
+                      <a:prstDash val="solid"/>
+                    </a:lnR>
+                    <a:lnT w="12700">
+                      <a:solidFill>
+                        <a:srgbClr val="000"/>
+                      </a:solidFill>
+                      <a:prstDash val="solid"/>
+                    </a:lnT>
+                    <a:lnB w="12700">
+                      <a:solidFill>
+                        <a:srgbClr val="000"/>
+                      </a:solidFill>
+                      <a:prstDash val="solid"/>
+                    </a:lnB>
+                  </a:tcPr>
+                </a:tc>
+                <a:tc>
+                  <a:txBody>
+                    <a:bodyPr lIns="76200" rIns="76200" tIns="76200" bIns="76200"/>
+                    <a:lstStyle/>
+                    <a:p>
+                      <a:pPr>
+                        <a:lnSpc>
+                          <a:spcPct val="120000"/>
+                        </a:lnSpc>
+                      </a:pPr>
+                      <a:r>
+                        <a:rPr b="1" sz="800">
+                          <a:solidFill>
+                            <a:srgbClr val="000000"/>
+                          </a:solidFill>
+                          <a:latin typeface="Arial"/>
+                        </a:rPr>
+                        <a:t>Progress</a:t>
+                      </a:r>
+                    </a:p>
+                  </a:txBody>
+                  <a:tcPr>
+                    <a:noFill/>
+                    <a:lnL w="12700">
+                      <a:solidFill>
+                        <a:srgbClr val="000"/>
+                      </a:solidFill>
+                      <a:prstDash val="solid"/>
+                    </a:lnL>
+                    <a:lnR w="12700">
+                      <a:solidFill>
+                        <a:srgbClr val="000"/>
+                      </a:solidFill>
+                      <a:prstDash val="solid"/>
+                    </a:lnR>
+                    <a:lnT w="12700">
+                      <a:solidFill>
+                        <a:srgbClr val="000"/>
+                      </a:solidFill>
+                      <a:prstDash val="solid"/>
+                    </a:lnT>
+                    <a:lnB w="12700">
+                      <a:solidFill>
+                        <a:srgbClr val="000"/>
+                      </a:solidFill>
+                      <a:prstDash val="solid"/>
+                    </a:lnB>
+                  </a:tcPr>
+                </a:tc>
+              </a:tr>
+              <a:tr h="285750">
+                <a:tc>
+                  <a:txBody>
+                    <a:bodyPr lIns="76200" rIns="76200" tIns="76200" bIns="76200"/>
+                    <a:lstStyle/>
+                    <a:p>
+                      <a:pPr>
+                        <a:lnSpc>
+                          <a:spcPct val="120000"/>
+                        </a:lnSpc>
+                      </a:pPr>
+                      <a:r>
+                        <a:rPr sz="800">
+                          <a:solidFill>
+                            <a:srgbClr val="000000"/>
+                          </a:solidFill>
+                          <a:latin typeface="Arial"/>
+                        </a:rPr>
+                        <a:t>Authentication</a:t>
+                      </a:r>
+                    </a:p>
+                  </a:txBody>
+                  <a:tcPr>
+                    <a:noFill/>
+                    <a:lnL w="12700">
+                      <a:solidFill>
+                        <a:srgbClr val="000"/>
+                      </a:solidFill>
+                      <a:prstDash val="solid"/>
+                    </a:lnL>
+                    <a:lnR w="12700">
+                      <a:solidFill>
+                        <a:srgbClr val="000"/>
+                      </a:solidFill>
+                      <a:prstDash val="solid"/>
+                    </a:lnR>
+                    <a:lnT w="12700">
+                      <a:solidFill>
+                        <a:srgbClr val="000"/>
+                      </a:solidFill>
+                      <a:prstDash val="solid"/>
+                    </a:lnT>
+                    <a:lnB w="12700">
+                      <a:solidFill>
+                        <a:srgbClr val="000"/>
+                      </a:solidFill>
+                      <a:prstDash val="solid"/>
+                    </a:lnB>
+                  </a:tcPr>
+                </a:tc>
+                <a:tc>
+                  <a:txBody>
+                    <a:bodyPr lIns="76200" rIns="76200" tIns="76200" bIns="76200"/>
+                    <a:lstStyle/>
+                    <a:p>
+                      <a:pPr>
+                        <a:lnSpc>
+                          <a:spcPct val="120000"/>
+                        </a:lnSpc>
+                      </a:pPr>
+                      <a:r>
+                        <a:rPr sz="800">
+                          <a:solidFill>
+                            <a:srgbClr val="000000"/>
+                          </a:solidFill>
+                          <a:latin typeface="Arial"/>
+                        </a:rPr>
+                        <a:t>Alice</a:t>
+                      </a:r>
+                    </a:p>
+                  </a:txBody>
+                  <a:tcPr>
+                    <a:noFill/>
+                    <a:lnL w="12700">
+                      <a:solidFill>
+                        <a:srgbClr val="000"/>
+                      </a:solidFill>
+                      <a:prstDash val="solid"/>
+                    </a:lnL>
+                    <a:lnR w="12700">
+                      <a:solidFill>
+                        <a:srgbClr val="000"/>
+                      </a:solidFill>
+                      <a:prstDash val="solid"/>
+                    </a:lnR>
+                    <a:lnT w="12700">
+                      <a:solidFill>
+                        <a:srgbClr val="000"/>
+                      </a:solidFill>
+                      <a:prstDash val="solid"/>
+                    </a:lnT>
+                    <a:lnB w="12700">
+                      <a:solidFill>
+                        <a:srgbClr val="000"/>
+                      </a:solidFill>
+                      <a:prstDash val="solid"/>
+                    </a:lnB>
+                  </a:tcPr>
+                </a:tc>
+                <a:tc>
+                  <a:txBody>
+                    <a:bodyPr lIns="76200" rIns="76200" tIns="76200" bIns="76200"/>
+                    <a:lstStyle/>
+                    <a:p>
+                      <a:pPr>
+                        <a:lnSpc>
+                          <a:spcPct val="120000"/>
+                        </a:lnSpc>
+                      </a:pPr>
+                      <a:r>
+                        <a:rPr sz="800">
+                          <a:solidFill>
+                            <a:srgbClr val="000000"/>
+                          </a:solidFill>
+                          <a:latin typeface="Arial"/>
+                        </a:rPr>
+                        <a:t>100%</a:t>
+                      </a:r>
+                    </a:p>
+                  </a:txBody>
+                  <a:tcPr>
+                    <a:noFill/>
+                    <a:lnL w="12700">
+                      <a:solidFill>
+                        <a:srgbClr val="000"/>
+                      </a:solidFill>
+                      <a:prstDash val="solid"/>
+                    </a:lnL>
+                    <a:lnR w="12700">
+                      <a:solidFill>
+                        <a:srgbClr val="000"/>
+                      </a:solidFill>
+                      <a:prstDash val="solid"/>
+                    </a:lnR>
+                    <a:lnT w="12700">
+                      <a:solidFill>
+                        <a:srgbClr val="000"/>
+                      </a:solidFill>
+                      <a:prstDash val="solid"/>
+                    </a:lnT>
+                    <a:lnB w="12700">
+                      <a:solidFill>
+                        <a:srgbClr val="000"/>
+                      </a:solidFill>
+                      <a:prstDash val="solid"/>
+                    </a:lnB>
+                  </a:tcPr>
+                </a:tc>
+              </a:tr>
+              <a:tr h="285750">
+                <a:tc>
+                  <a:txBody>
+                    <a:bodyPr lIns="76200" rIns="76200" tIns="76200" bIns="76200"/>
+                    <a:lstStyle/>
+                    <a:p>
+                      <a:pPr>
+                        <a:lnSpc>
+                          <a:spcPct val="120000"/>
+                        </a:lnSpc>
+                      </a:pPr>
+                      <a:r>
+                        <a:rPr sz="800">
+                          <a:solidFill>
+                            <a:srgbClr val="000000"/>
+                          </a:solidFill>
+                          <a:latin typeface="Arial"/>
+                        </a:rPr>
+                        <a:t>Database</a:t>
+                      </a:r>
+                    </a:p>
+                  </a:txBody>
+                  <a:tcPr>
+                    <a:noFill/>
+                    <a:lnL w="12700">
+                      <a:solidFill>
+                        <a:srgbClr val="000"/>
+                      </a:solidFill>
+                      <a:prstDash val="solid"/>
+                    </a:lnL>
+                    <a:lnR w="12700">
+                      <a:solidFill>
+                        <a:srgbClr val="000"/>
+                      </a:solidFill>
+                      <a:prstDash val="solid"/>
+                    </a:lnR>
+                    <a:lnT w="12700">
+                      <a:solidFill>
+                        <a:srgbClr val="000"/>
+                      </a:solidFill>
+                      <a:prstDash val="solid"/>
+                    </a:lnT>
+                    <a:lnB w="12700">
+                      <a:solidFill>
+                        <a:srgbClr val="000"/>
+                      </a:solidFill>
+                      <a:prstDash val="solid"/>
+                    </a:lnB>
+                  </a:tcPr>
+                </a:tc>
+                <a:tc>
+                  <a:txBody>
+                    <a:bodyPr lIns="76200" rIns="76200" tIns="76200" bIns="76200"/>
+                    <a:lstStyle/>
+                    <a:p>
+                      <a:pPr>
+                        <a:lnSpc>
+                          <a:spcPct val="120000"/>
+                        </a:lnSpc>
+                      </a:pPr>
+                      <a:r>
+                        <a:rPr sz="800">
+                          <a:solidFill>
+                            <a:srgbClr val="000000"/>
+                          </a:solidFill>
+                          <a:latin typeface="Arial"/>
+                        </a:rPr>
+                        <a:t>Bob</a:t>
+                      </a:r>
+                    </a:p>
+                  </a:txBody>
+                  <a:tcPr>
+                    <a:noFill/>
+                    <a:lnL w="12700">
+                      <a:solidFill>
+                        <a:srgbClr val="000"/>
+                      </a:solidFill>
+                      <a:prstDash val="solid"/>
+                    </a:lnL>
+                    <a:lnR w="12700">
+                      <a:solidFill>
+                        <a:srgbClr val="000"/>
+                      </a:solidFill>
+                      <a:prstDash val="solid"/>
+                    </a:lnR>
+                    <a:lnT w="12700">
+                      <a:solidFill>
+                        <a:srgbClr val="000"/>
+                      </a:solidFill>
+                      <a:prstDash val="solid"/>
+                    </a:lnT>
+                    <a:lnB w="12700">
+                      <a:solidFill>
+                        <a:srgbClr val="000"/>
+                      </a:solidFill>
+                      <a:prstDash val="solid"/>
+                    </a:lnB>
+                  </a:tcPr>
+                </a:tc>
+                <a:tc>
+                  <a:txBody>
+                    <a:bodyPr lIns="76200" rIns="76200" tIns="76200" bIns="76200"/>
+                    <a:lstStyle/>
+                    <a:p>
+                      <a:pPr>
+                        <a:lnSpc>
+                          <a:spcPct val="120000"/>
+                        </a:lnSpc>
+                      </a:pPr>
+                      <a:r>
+                        <a:rPr sz="800">
+                          <a:solidFill>
+                            <a:srgbClr val="000000"/>
+                          </a:solidFill>
+                          <a:latin typeface="Arial"/>
+                        </a:rPr>
+                        <a:t>80%</a:t>
+                      </a:r>
+                    </a:p>
+                  </a:txBody>
+                  <a:tcPr>
+                    <a:noFill/>
+                    <a:lnL w="12700">
+                      <a:solidFill>
+                        <a:srgbClr val="000"/>
+                      </a:solidFill>
+                      <a:prstDash val="solid"/>
+                    </a:lnL>
+                    <a:lnR w="12700">
+                      <a:solidFill>
+                        <a:srgbClr val="000"/>
+                      </a:solidFill>
+                      <a:prstDash val="solid"/>
+                    </a:lnR>
+                    <a:lnT w="12700">
+                      <a:solidFill>
+                        <a:srgbClr val="000"/>
+                      </a:solidFill>
+                      <a:prstDash val="solid"/>
+                    </a:lnT>
+                    <a:lnB w="12700">
+                      <a:solidFill>
+                        <a:srgbClr val="000"/>
+                      </a:solidFill>
+                      <a:prstDash val="solid"/>
+                    </a:lnB>
+                  </a:tcPr>
+                </a:tc>
+              </a:tr>
+              <a:tr h="285750">
+                <a:tc>
+                  <a:txBody>
+                    <a:bodyPr lIns="76200" rIns="76200" tIns="76200" bIns="76200"/>
+                    <a:lstStyle/>
+                    <a:p>
+                      <a:pPr>
+                        <a:lnSpc>
+                          <a:spcPct val="120000"/>
+                        </a:lnSpc>
+                      </a:pPr>
+                      <a:r>
+                        <a:rPr sz="800">
+                          <a:solidFill>
+                            <a:srgbClr val="000000"/>
+                          </a:solidFill>
+                          <a:latin typeface="Arial"/>
+                        </a:rPr>
+                        <a:t>API Docs</a:t>
+                      </a:r>
+                    </a:p>
+                  </a:txBody>
+                  <a:tcPr>
+                    <a:noFill/>
+                    <a:lnL w="12700">
+                      <a:solidFill>
+                        <a:srgbClr val="000"/>
+                      </a:solidFill>
+                      <a:prstDash val="solid"/>
+                    </a:lnL>
+                    <a:lnR w="12700">
+                      <a:solidFill>
+                        <a:srgbClr val="000"/>
+                      </a:solidFill>
+                      <a:prstDash val="solid"/>
+                    </a:lnR>
+                    <a:lnT w="12700">
+                      <a:solidFill>
+                        <a:srgbClr val="000"/>
+                      </a:solidFill>
+                      <a:prstDash val="solid"/>
+                    </a:lnT>
+                    <a:lnB w="12700">
+                      <a:solidFill>
+                        <a:srgbClr val="000"/>
+                      </a:solidFill>
+                      <a:prstDash val="solid"/>
+                    </a:lnB>
+                  </a:tcPr>
+                </a:tc>
+                <a:tc>
+                  <a:txBody>
+                    <a:bodyPr lIns="76200" rIns="76200" tIns="76200" bIns="76200"/>
+                    <a:lstStyle/>
+                    <a:p>
+                      <a:pPr>
+                        <a:lnSpc>
+                          <a:spcPct val="120000"/>
+                        </a:lnSpc>
+                      </a:pPr>
+                      <a:r>
+                        <a:rPr sz="800">
+                          <a:solidFill>
+                            <a:srgbClr val="000000"/>
+                          </a:solidFill>
+                          <a:latin typeface="Arial"/>
+                        </a:rPr>
+                        <a:t>Carol</a:t>
+                      </a:r>
+                    </a:p>
+                  </a:txBody>
+                  <a:tcPr>
+                    <a:noFill/>
+                    <a:lnL w="12700">
+                      <a:solidFill>
+                        <a:srgbClr val="000"/>
+                      </a:solidFill>
+                      <a:prstDash val="solid"/>
+                    </a:lnL>
+                    <a:lnR w="12700">
+                      <a:solidFill>
+                        <a:srgbClr val="000"/>
+                      </a:solidFill>
+                      <a:prstDash val="solid"/>
+                    </a:lnR>
+                    <a:lnT w="12700">
+                      <a:solidFill>
+                        <a:srgbClr val="000"/>
+                      </a:solidFill>
+                      <a:prstDash val="solid"/>
+                    </a:lnT>
+                    <a:lnB w="12700">
+                      <a:solidFill>
+                        <a:srgbClr val="000"/>
+                      </a:solidFill>
+                      <a:prstDash val="solid"/>
+                    </a:lnB>
+                  </a:tcPr>
+                </a:tc>
+                <a:tc>
+                  <a:txBody>
+                    <a:bodyPr lIns="76200" rIns="76200" tIns="76200" bIns="76200"/>
+                    <a:lstStyle/>
+                    <a:p>
+                      <a:pPr>
+                        <a:lnSpc>
+                          <a:spcPct val="120000"/>
+                        </a:lnSpc>
+                      </a:pPr>
+                      <a:r>
+                        <a:rPr sz="800">
+                          <a:solidFill>
+                            <a:srgbClr val="000000"/>
+                          </a:solidFill>
+                          <a:latin typeface="Arial"/>
+                        </a:rPr>
+                        <a:t>100%</a:t>
+                      </a:r>
+                    </a:p>
+                  </a:txBody>
+                  <a:tcPr>
+                    <a:noFill/>
+                    <a:lnL w="12700">
+                      <a:solidFill>
+                        <a:srgbClr val="000"/>
+                      </a:solidFill>
+                      <a:prstDash val="solid"/>
+                    </a:lnL>
+                    <a:lnR w="12700">
+                      <a:solidFill>
+                        <a:srgbClr val="000"/>
+                      </a:solidFill>
+                      <a:prstDash val="solid"/>
+                    </a:lnR>
+                    <a:lnT w="12700">
+                      <a:solidFill>
+                        <a:srgbClr val="000"/>
+                      </a:solidFill>
+                      <a:prstDash val="solid"/>
+                    </a:lnT>
+                    <a:lnB w="12700">
+                      <a:solidFill>
+                        <a:srgbClr val="000"/>
+                      </a:solidFill>
+                      <a:prstDash val="solid"/>
+                    </a:lnB>
+                  </a:tcPr>
+                </a:tc>
+              </a:tr>
+              <a:tr h="285750">
+                <a:tc>
+                  <a:txBody>
+                    <a:bodyPr lIns="76200" rIns="76200" tIns="76200" bIns="76200"/>
+                    <a:lstStyle/>
+                    <a:p>
+                      <a:pPr>
+                        <a:lnSpc>
+                          <a:spcPct val="120000"/>
+                        </a:lnSpc>
+                      </a:pPr>
+                      <a:r>
+                        <a:rPr sz="800">
+                          <a:solidFill>
+                            <a:srgbClr val="000000"/>
+                          </a:solidFill>
+                          <a:latin typeface="Arial"/>
+                        </a:rPr>
+                        <a:t>Analytics</a:t>
+                      </a:r>
+                    </a:p>
+                  </a:txBody>
+                  <a:tcPr>
+                    <a:noFill/>
+                    <a:lnL w="12700">
+                      <a:solidFill>
+                        <a:srgbClr val="000"/>
+                      </a:solidFill>
+                      <a:prstDash val="solid"/>
+                    </a:lnL>
+                    <a:lnR w="12700">
+                      <a:solidFill>
+                        <a:srgbClr val="000"/>
+                      </a:solidFill>
+                      <a:prstDash val="solid"/>
+                    </a:lnR>
+                    <a:lnT w="12700">
+                      <a:solidFill>
+                        <a:srgbClr val="000"/>
+                      </a:solidFill>
+                      <a:prstDash val="solid"/>
+                    </a:lnT>
+                    <a:lnB w="12700">
+                      <a:solidFill>
+                        <a:srgbClr val="000"/>
+                      </a:solidFill>
+                      <a:prstDash val="solid"/>
+                    </a:lnB>
+                  </a:tcPr>
+                </a:tc>
+                <a:tc>
+                  <a:txBody>
+                    <a:bodyPr lIns="76200" rIns="76200" tIns="76200" bIns="76200"/>
+                    <a:lstStyle/>
+                    <a:p>
+                      <a:pPr>
+                        <a:lnSpc>
+                          <a:spcPct val="120000"/>
+                        </a:lnSpc>
+                      </a:pPr>
+                      <a:r>
+                        <a:rPr sz="800">
+                          <a:solidFill>
+                            <a:srgbClr val="000000"/>
+                          </a:solidFill>
+                          <a:latin typeface="Arial"/>
+                        </a:rPr>
+                        <a:t>Dave</a:t>
+                      </a:r>
+                    </a:p>
+                  </a:txBody>
+                  <a:tcPr>
+                    <a:noFill/>
+                    <a:lnL w="12700">
+                      <a:solidFill>
+                        <a:srgbClr val="000"/>
+                      </a:solidFill>
+                      <a:prstDash val="solid"/>
+                    </a:lnL>
+                    <a:lnR w="12700">
+                      <a:solidFill>
+                        <a:srgbClr val="000"/>
+                      </a:solidFill>
+                      <a:prstDash val="solid"/>
+                    </a:lnR>
+                    <a:lnT w="12700">
+                      <a:solidFill>
+                        <a:srgbClr val="000"/>
+                      </a:solidFill>
+                      <a:prstDash val="solid"/>
+                    </a:lnT>
+                    <a:lnB w="12700">
+                      <a:solidFill>
+                        <a:srgbClr val="000"/>
+                      </a:solidFill>
+                      <a:prstDash val="solid"/>
+                    </a:lnB>
+                  </a:tcPr>
+                </a:tc>
+                <a:tc>
+                  <a:txBody>
+                    <a:bodyPr lIns="76200" rIns="76200" tIns="76200" bIns="76200"/>
+                    <a:lstStyle/>
+                    <a:p>
+                      <a:pPr>
+                        <a:lnSpc>
+                          <a:spcPct val="120000"/>
+                        </a:lnSpc>
+                      </a:pPr>
+                      <a:r>
+                        <a:rPr sz="800">
+                          <a:solidFill>
+                            <a:srgbClr val="000000"/>
+                          </a:solidFill>
+                          <a:latin typeface="Arial"/>
+                        </a:rPr>
+                        <a:t>60%</a:t>
+                      </a:r>
+                    </a:p>
+                  </a:txBody>
+                  <a:tcPr>
+                    <a:noFill/>
+                    <a:lnL w="12700">
+                      <a:solidFill>
+                        <a:srgbClr val="000"/>
+                      </a:solidFill>
+                      <a:prstDash val="solid"/>
+                    </a:lnL>
+                    <a:lnR w="12700">
+                      <a:solidFill>
+                        <a:srgbClr val="000"/>
+                      </a:solidFill>
+                      <a:prstDash val="solid"/>
+                    </a:lnR>
+                    <a:lnT w="12700">
+                      <a:solidFill>
+                        <a:srgbClr val="000"/>
+                      </a:solidFill>
+                      <a:prstDash val="solid"/>
+                    </a:lnT>
+                    <a:lnB w="12700">
+                      <a:solidFill>
+                        <a:srgbClr val="000"/>
+                      </a:solidFill>
+                      <a:prstDash val="solid"/>
+                    </a:lnB>
+                  </a:tcPr>
+                </a:tc>
+              </a:tr>
+            </a:tbl>
+          </a:graphicData>
+        </a:graphic>
+      </p:graphicFrame>
+      <p:sp>
+        <p:nvSpPr>
+          <p:cNvPr id="6" name="TextBox 5"/>
+          <p:cNvSpPr txBox="1"/>
+          <p:nvPr/>
+        </p:nvSpPr>
+        <p:spPr>
+          <a:xfrm>
+            <a:off x="2533649" y="628650"/>
+            <a:ext cx="6610349" cy="274320"/>
+          </a:xfrm>
+          <a:prstGeom prst="rect">
+            <a:avLst/>
+          </a:prstGeom>
+          <a:noFill/>
+        </p:spPr>
+        <p:txBody>
+          <a:bodyPr wrap="square" lIns="0" rIns="0" tIns="0" bIns="0">
+            <a:spAutoFit/>
+          </a:bodyPr>
+          <a:lstStyle/>
+          <a:p>
+            <a:pPr algn="l">
+              <a:lnSpc>
+                <a:spcPct val="120000"/>
+              </a:lnSpc>
+              <a:spcBef>
+                <a:spcPts val="0"/>
+              </a:spcBef>
+              <a:spcAft>
+                <a:spcPts val="0"/>
+              </a:spcAft>
+              <a:defRPr>
+                <a:solidFill>
+                  <a:srgbClr val="000000"/>
+                </a:solidFill>
+              </a:defRPr>
+            </a:pPr>
+            <a:r>
+              <a:rPr sz="800" b="1">
+                <a:latin typeface="Arial"/>
+              </a:rPr>
+              <a:t>✍️ Notes</a:t>
+            </a:r>
+          </a:p>
+        </p:txBody>
+      </p:sp>
+      <p:sp>
+        <p:nvSpPr>
+          <p:cNvPr id="7" name="TextBox 6"/>
+          <p:cNvSpPr txBox="1"/>
+          <p:nvPr/>
+        </p:nvSpPr>
+        <p:spPr>
+          <a:xfrm>
+            <a:off x="2533649" y="904874"/>
+            <a:ext cx="6610349" cy="274320"/>
+          </a:xfrm>
+          <a:prstGeom prst="rect">
+            <a:avLst/>
+          </a:prstGeom>
+          <a:noFill/>
+        </p:spPr>
+        <p:txBody>
+          <a:bodyPr wrap="square" lIns="0" rIns="0" tIns="0" bIns="0">
+            <a:spAutoFit/>
+          </a:bodyPr>
+          <a:lstStyle/>
+          <a:p>
+            <a:pPr algn="l">
+              <a:lnSpc>
+                <a:spcPct val="120000"/>
+              </a:lnSpc>
+              <a:spcBef>
+                <a:spcPts val="0"/>
+              </a:spcBef>
+              <a:spcAft>
+                <a:spcPts val="0"/>
+              </a:spcAft>
+              <a:defRPr>
+                <a:solidFill>
+                  <a:srgbClr val="000000"/>
+                </a:solidFill>
+              </a:defRPr>
+            </a:pPr>
+            <a:r>
+              <a:rPr sz="700">
+                <a:latin typeface="Arial"/>
+              </a:rPr>
+              <a:t>All core features are either complete or in progress. Remaining items are performance tuning and UX polish.</a:t>
             </a:r>
           </a:p>
         </p:txBody>
@@ -10282,7 +12349,7 @@
               </a:defRPr>
             </a:pPr>
             <a:r>
-              <a:rPr sz="1000" b="1">
+              <a:rPr sz="900" b="1">
                 <a:latin typeface="Arial"/>
               </a:rPr>
               <a:t>Smart Column Distribution</a:t>
@@ -11411,7 +13478,7 @@
               </a:defRPr>
             </a:pPr>
             <a:r>
-              <a:rPr sz="1000" b="1">
+              <a:rPr sz="900" b="1">
                 <a:latin typeface="Arial"/>
               </a:rPr>
               <a:t>Compact Table Example</a:t>
@@ -12342,7 +14409,7 @@
               </a:defRPr>
             </a:pPr>
             <a:r>
-              <a:rPr b="1" sz="1000">
+              <a:rPr b="1" sz="700">
                 <a:latin typeface="Arial"/>
               </a:rPr>
               <a:t>Key Features:</a:t>
@@ -12386,23 +14453,23 @@
               </a:defRPr>
             </a:pPr>
             <a:r>
-              <a:rPr sz="1000"/>
+              <a:rPr sz="700"/>
               <a:t>• </a:t>
             </a:r>
             <a:r>
-              <a:rPr sz="1000">
+              <a:rPr sz="700">
                 <a:latin typeface="Arial"/>
               </a:rPr>
               <a:t>✅ </a:t>
             </a:r>
             <a:r>
-              <a:rPr b="1" sz="1000">
+              <a:rPr b="1" sz="700">
                 <a:latin typeface="Arial"/>
               </a:rPr>
               <a:t>HTML auto-width</a:t>
             </a:r>
             <a:r>
-              <a:rPr sz="1000">
+              <a:rPr sz="700">
                 <a:latin typeface="Arial"/>
               </a:rPr>
               <a:t>: Columns sized by content, not equal distribution</a:t>
@@ -12417,23 +14484,23 @@
               </a:defRPr>
             </a:pPr>
             <a:r>
-              <a:rPr sz="1000"/>
+              <a:rPr sz="700"/>
               <a:t>• </a:t>
             </a:r>
             <a:r>
-              <a:rPr sz="1000">
+              <a:rPr sz="700">
                 <a:latin typeface="Arial"/>
               </a:rPr>
               <a:t>✅ </a:t>
             </a:r>
             <a:r>
-              <a:rPr b="1" sz="1000">
+              <a:rPr b="1" sz="700">
                 <a:latin typeface="Arial"/>
               </a:rPr>
               <a:t>Theme-aware borders</a:t>
             </a:r>
             <a:r>
-              <a:rPr sz="1000">
+              <a:rPr sz="700">
                 <a:latin typeface="Arial"/>
               </a:rPr>
               <a:t>: Dark theme uses light borders, default uses dark</a:t>
@@ -12448,23 +14515,23 @@
               </a:defRPr>
             </a:pPr>
             <a:r>
-              <a:rPr sz="1000"/>
+              <a:rPr sz="700"/>
               <a:t>• </a:t>
             </a:r>
             <a:r>
-              <a:rPr sz="1000">
+              <a:rPr sz="700">
                 <a:latin typeface="Arial"/>
               </a:rPr>
               <a:t>✅ </a:t>
             </a:r>
             <a:r>
-              <a:rPr b="1" sz="1000">
+              <a:rPr b="1" sz="700">
                 <a:latin typeface="Arial"/>
               </a:rPr>
               <a:t>Native PowerPoint tables</a:t>
             </a:r>
             <a:r>
-              <a:rPr sz="1000">
+              <a:rPr sz="700">
                 <a:latin typeface="Arial"/>
               </a:rPr>
               <a:t>: Perfect compatibility and professional appearance</a:t>
@@ -12576,7 +14643,7 @@
               </a:defRPr>
             </a:pPr>
             <a:r>
-              <a:rPr sz="1000" b="1">
+              <a:rPr sz="900" b="1">
                 <a:latin typeface="Arial"/>
               </a:rPr>
               <a:t>Default Theme Features</a:t>
@@ -12620,17 +14687,17 @@
               </a:defRPr>
             </a:pPr>
             <a:r>
-              <a:rPr sz="1000"/>
+              <a:rPr sz="700"/>
               <a:t>• </a:t>
             </a:r>
             <a:r>
-              <a:rPr b="1" sz="1000">
+              <a:rPr b="1" sz="700">
                 <a:latin typeface="Arial"/>
               </a:rPr>
               <a:t>Light background</a:t>
             </a:r>
             <a:r>
-              <a:rPr sz="1000">
+              <a:rPr sz="700">
                 <a:latin typeface="Arial"/>
               </a:rPr>
               <a:t> with dark text</a:t>
@@ -12645,17 +14712,17 @@
               </a:defRPr>
             </a:pPr>
             <a:r>
-              <a:rPr sz="1000"/>
+              <a:rPr sz="700"/>
               <a:t>• </a:t>
             </a:r>
             <a:r>
-              <a:rPr b="1" sz="1000">
+              <a:rPr b="1" sz="700">
                 <a:latin typeface="Arial"/>
               </a:rPr>
               <a:t>Black borders</a:t>
             </a:r>
             <a:r>
-              <a:rPr sz="1000">
+              <a:rPr sz="700">
                 <a:latin typeface="Arial"/>
               </a:rPr>
               <a:t> on tables for clear definition</a:t>
@@ -12670,17 +14737,17 @@
               </a:defRPr>
             </a:pPr>
             <a:r>
-              <a:rPr sz="1000"/>
+              <a:rPr sz="700"/>
               <a:t>• </a:t>
             </a:r>
             <a:r>
-              <a:rPr b="1" sz="1000">
+              <a:rPr b="1" sz="700">
                 <a:latin typeface="Arial"/>
               </a:rPr>
               <a:t>Professional color scheme</a:t>
             </a:r>
             <a:r>
-              <a:rPr sz="1000">
+              <a:rPr sz="700">
                 <a:latin typeface="Arial"/>
               </a:rPr>
               <a:t> suitable for business presentations</a:t>
@@ -12695,17 +14762,17 @@
               </a:defRPr>
             </a:pPr>
             <a:r>
-              <a:rPr sz="1000"/>
+              <a:rPr sz="700"/>
               <a:t>• </a:t>
             </a:r>
             <a:r>
-              <a:rPr b="1" sz="1000">
+              <a:rPr b="1" sz="700">
                 <a:latin typeface="Arial"/>
               </a:rPr>
               <a:t>High contrast</a:t>
             </a:r>
             <a:r>
-              <a:rPr sz="1000">
+              <a:rPr sz="700">
                 <a:latin typeface="Arial"/>
               </a:rPr>
               <a:t> for excellent readability</a:t>
@@ -12752,7 +14819,7 @@
               </a:defRPr>
             </a:pPr>
             <a:r>
-              <a:rPr sz="1000" b="1">
+              <a:rPr sz="900" b="1">
                 <a:latin typeface="Arial"/>
               </a:rPr>
               <a:t>Dark Theme Features</a:t>
@@ -12796,17 +14863,17 @@
               </a:defRPr>
             </a:pPr>
             <a:r>
-              <a:rPr sz="1000"/>
+              <a:rPr sz="700"/>
               <a:t>• </a:t>
             </a:r>
             <a:r>
-              <a:rPr b="1" sz="1000">
+              <a:rPr b="1" sz="700">
                 <a:latin typeface="Arial"/>
               </a:rPr>
               <a:t>Dark background</a:t>
             </a:r>
             <a:r>
-              <a:rPr sz="1000">
+              <a:rPr sz="700">
                 <a:latin typeface="Arial"/>
               </a:rPr>
               <a:t> (#1a1a1a) for modern appearance</a:t>
@@ -12821,17 +14888,17 @@
               </a:defRPr>
             </a:pPr>
             <a:r>
-              <a:rPr sz="1000"/>
+              <a:rPr sz="700"/>
               <a:t>• </a:t>
             </a:r>
             <a:r>
-              <a:rPr b="1" sz="1000">
+              <a:rPr b="1" sz="700">
                 <a:latin typeface="Arial"/>
               </a:rPr>
               <a:t>Light gray borders</a:t>
             </a:r>
             <a:r>
-              <a:rPr sz="1000">
+              <a:rPr sz="700">
                 <a:latin typeface="Arial"/>
               </a:rPr>
               <a:t> (#e0e0e0) for visibility on dark background</a:t>
@@ -12846,17 +14913,17 @@
               </a:defRPr>
             </a:pPr>
             <a:r>
-              <a:rPr sz="1000"/>
+              <a:rPr sz="700"/>
               <a:t>• </a:t>
             </a:r>
             <a:r>
-              <a:rPr b="1" sz="1000">
+              <a:rPr b="1" sz="700">
                 <a:latin typeface="Arial"/>
               </a:rPr>
               <a:t>White text</a:t>
             </a:r>
             <a:r>
-              <a:rPr sz="1000">
+              <a:rPr sz="700">
                 <a:latin typeface="Arial"/>
               </a:rPr>
               <a:t> for optimal contrast</a:t>
@@ -12871,17 +14938,17 @@
               </a:defRPr>
             </a:pPr>
             <a:r>
-              <a:rPr sz="1000"/>
+              <a:rPr sz="700"/>
               <a:t>• </a:t>
             </a:r>
             <a:r>
-              <a:rPr b="1" sz="1000">
+              <a:rPr b="1" sz="700">
                 <a:latin typeface="Arial"/>
               </a:rPr>
               <a:t>Contemporary design</a:t>
             </a:r>
             <a:r>
-              <a:rPr sz="1000">
+              <a:rPr sz="700">
                 <a:latin typeface="Arial"/>
               </a:rPr>
               <a:t> perfect for tech presentations</a:t>
@@ -12993,7 +15060,7 @@
               </a:defRPr>
             </a:pPr>
             <a:r>
-              <a:rPr sz="1000" b="1">
+              <a:rPr sz="900" b="1">
                 <a:latin typeface="Arial"/>
               </a:rPr>
               <a:t>Python Example</a:t>
@@ -13097,7 +15164,7 @@
               </a:defRPr>
             </a:pPr>
             <a:r>
-              <a:rPr sz="1000" b="1">
+              <a:rPr sz="900" b="1">
                 <a:latin typeface="Arial"/>
               </a:rPr>
               <a:t>JavaScript Example</a:t>
@@ -13202,7 +15269,7 @@
               </a:defRPr>
             </a:pPr>
             <a:r>
-              <a:rPr sz="1000" b="1">
+              <a:rPr sz="900" b="1">
                 <a:latin typeface="Arial"/>
               </a:rPr>
               <a:t>SQL Example</a:t>
@@ -13392,7 +15459,7 @@
               </a:defRPr>
             </a:pPr>
             <a:r>
-              <a:rPr sz="1000" b="1">
+              <a:rPr sz="900" b="1">
                 <a:latin typeface="Arial"/>
               </a:rPr>
               <a:t>Unordered Lists</a:t>
@@ -13436,17 +15503,17 @@
               </a:defRPr>
             </a:pPr>
             <a:r>
-              <a:rPr sz="1000"/>
+              <a:rPr sz="700"/>
               <a:t>• </a:t>
             </a:r>
             <a:r>
-              <a:rPr b="1" sz="1000">
+              <a:rPr b="1" sz="700">
                 <a:latin typeface="Arial"/>
               </a:rPr>
               <a:t>Primary feature</a:t>
             </a:r>
             <a:r>
-              <a:rPr sz="1000">
+              <a:rPr sz="700">
                 <a:latin typeface="Arial"/>
               </a:rPr>
               <a:t>: Full markdown support</a:t>
@@ -13461,17 +15528,17 @@
               </a:defRPr>
             </a:pPr>
             <a:r>
-              <a:rPr sz="1000"/>
+              <a:rPr sz="700"/>
               <a:t>• </a:t>
             </a:r>
             <a:r>
-              <a:rPr b="1" sz="1000">
+              <a:rPr b="1" sz="700">
                 <a:latin typeface="Arial"/>
               </a:rPr>
               <a:t>Secondary feature</a:t>
             </a:r>
             <a:r>
-              <a:rPr sz="1000">
+              <a:rPr sz="700">
                 <a:latin typeface="Arial"/>
               </a:rPr>
               <a:t>: Inline styling within lists</a:t>
@@ -13486,17 +15553,17 @@
               </a:defRPr>
             </a:pPr>
             <a:r>
-              <a:rPr sz="1000"/>
+              <a:rPr sz="700"/>
               <a:t>• </a:t>
             </a:r>
             <a:r>
-              <a:rPr i="1" sz="1000">
+              <a:rPr i="1" sz="700">
                 <a:latin typeface="Arial"/>
               </a:rPr>
               <a:t>Nested items</a:t>
             </a:r>
             <a:r>
-              <a:rPr sz="1000">
+              <a:rPr sz="700">
                 <a:latin typeface="Arial"/>
               </a:rPr>
               <a:t> with proper indentation</a:t>
@@ -13511,7 +15578,7 @@
               </a:defRPr>
             </a:pPr>
             <a:r>
-              <a:rPr sz="1000"/>
+              <a:rPr sz="700"/>
               <a:t>• </a:t>
             </a:r>
             <a:r>
@@ -13524,7 +15591,7 @@
               <a:t>Code elements</a:t>
             </a:r>
             <a:r>
-              <a:rPr sz="1000">
+              <a:rPr sz="700">
                 <a:latin typeface="Arial"/>
               </a:rPr>
               <a:t> in list items</a:t>
@@ -13539,11 +15606,11 @@
               </a:defRPr>
             </a:pPr>
             <a:r>
-              <a:rPr sz="1000"/>
+              <a:rPr sz="700"/>
               <a:t>• </a:t>
             </a:r>
             <a:r>
-              <a:rPr b="1" sz="1000">
+              <a:rPr b="1" sz="700">
                 <a:solidFill>
                   <a:srgbClr val="FF8C00"/>
                 </a:solidFill>
@@ -13552,7 +15619,7 @@
               <a:t>Highlighted content</a:t>
             </a:r>
             <a:r>
-              <a:rPr sz="1000">
+              <a:rPr sz="700">
                 <a:latin typeface="Arial"/>
               </a:rPr>
               <a:t> for emphasis</a:t>
@@ -13567,17 +15634,17 @@
               </a:defRPr>
             </a:pPr>
             <a:r>
-              <a:rPr sz="1000"/>
+              <a:rPr sz="700"/>
               <a:t>• </a:t>
             </a:r>
             <a:r>
-              <a:rPr b="1" sz="1000">
+              <a:rPr b="1" sz="700">
                 <a:latin typeface="Arial"/>
               </a:rPr>
               <a:t>Tertiary feature</a:t>
             </a:r>
             <a:r>
-              <a:rPr sz="1000">
+              <a:rPr sz="700">
                 <a:latin typeface="Arial"/>
               </a:rPr>
               <a:t>: Multiple nesting levels</a:t>
@@ -13624,7 +15691,7 @@
               </a:defRPr>
             </a:pPr>
             <a:r>
-              <a:rPr sz="1000" b="1">
+              <a:rPr sz="900" b="1">
                 <a:latin typeface="Arial"/>
               </a:rPr>
               <a:t>Ordered Lists</a:t>
@@ -13668,11 +15735,11 @@
               </a:defRPr>
             </a:pPr>
             <a:r>
-              <a:rPr sz="1000"/>
+              <a:rPr sz="700"/>
               <a:t>1. </a:t>
             </a:r>
             <a:r>
-              <a:rPr b="1" sz="1000">
+              <a:rPr b="1" sz="700">
                 <a:latin typeface="Arial"/>
               </a:rPr>
               <a:t>Setup Phase</a:t>
@@ -13687,11 +15754,11 @@
               </a:defRPr>
             </a:pPr>
             <a:r>
-              <a:rPr sz="1000"/>
+              <a:rPr sz="700"/>
               <a:t>1. </a:t>
             </a:r>
             <a:r>
-              <a:rPr sz="1000">
+              <a:rPr sz="700">
                 <a:latin typeface="Arial"/>
               </a:rPr>
               <a:t>Install dependencies with </a:t>
@@ -13715,11 +15782,11 @@
               </a:defRPr>
             </a:pPr>
             <a:r>
-              <a:rPr sz="1000"/>
+              <a:rPr sz="700"/>
               <a:t>2. </a:t>
             </a:r>
             <a:r>
-              <a:rPr sz="1000">
+              <a:rPr sz="700">
                 <a:latin typeface="Arial"/>
               </a:rPr>
               <a:t>Configure environment variables</a:t>
@@ -13734,11 +15801,11 @@
               </a:defRPr>
             </a:pPr>
             <a:r>
-              <a:rPr sz="1000"/>
+              <a:rPr sz="700"/>
               <a:t>3. </a:t>
             </a:r>
             <a:r>
-              <a:rPr sz="1000">
+              <a:rPr sz="700">
                 <a:latin typeface="Arial"/>
               </a:rPr>
               <a:t>Initialize database schema</a:t>
@@ -13753,11 +15820,11 @@
               </a:defRPr>
             </a:pPr>
             <a:r>
-              <a:rPr sz="1000"/>
+              <a:rPr sz="700"/>
               <a:t>2. </a:t>
             </a:r>
             <a:r>
-              <a:rPr b="1" sz="1000">
+              <a:rPr b="1" sz="700">
                 <a:latin typeface="Arial"/>
               </a:rPr>
               <a:t>Development Phase</a:t>
@@ -13772,17 +15839,17 @@
               </a:defRPr>
             </a:pPr>
             <a:r>
-              <a:rPr sz="1000"/>
+              <a:rPr sz="700"/>
               <a:t>1. </a:t>
             </a:r>
             <a:r>
-              <a:rPr sz="1000">
+              <a:rPr sz="700">
                 <a:latin typeface="Arial"/>
               </a:rPr>
               <a:t>Write </a:t>
             </a:r>
             <a:r>
-              <a:rPr b="1" sz="1000">
+              <a:rPr b="1" sz="700">
                 <a:solidFill>
                   <a:srgbClr val="FF8C00"/>
                 </a:solidFill>
@@ -13800,17 +15867,17 @@
               </a:defRPr>
             </a:pPr>
             <a:r>
-              <a:rPr sz="1000"/>
+              <a:rPr sz="700"/>
               <a:t>2. </a:t>
             </a:r>
             <a:r>
-              <a:rPr sz="1000">
+              <a:rPr sz="700">
                 <a:latin typeface="Arial"/>
               </a:rPr>
               <a:t>Add comprehensive </a:t>
             </a:r>
             <a:r>
-              <a:rPr i="1" sz="1000">
+              <a:rPr i="1" sz="700">
                 <a:latin typeface="Arial"/>
               </a:rPr>
               <a:t>unit tests</a:t>
@@ -13825,17 +15892,17 @@
               </a:defRPr>
             </a:pPr>
             <a:r>
-              <a:rPr sz="1000"/>
+              <a:rPr sz="700"/>
               <a:t>3. </a:t>
             </a:r>
             <a:r>
-              <a:rPr sz="1000">
+              <a:rPr sz="700">
                 <a:latin typeface="Arial"/>
               </a:rPr>
               <a:t>Document </a:t>
             </a:r>
             <a:r>
-              <a:rPr b="1" sz="1000">
+              <a:rPr b="1" sz="700">
                 <a:latin typeface="Arial"/>
               </a:rPr>
               <a:t>public APIs</a:t>
@@ -13850,11 +15917,11 @@
               </a:defRPr>
             </a:pPr>
             <a:r>
-              <a:rPr sz="1000"/>
+              <a:rPr sz="700"/>
               <a:t>3. </a:t>
             </a:r>
             <a:r>
-              <a:rPr b="1" sz="1000">
+              <a:rPr b="1" sz="700">
                 <a:latin typeface="Arial"/>
               </a:rPr>
               <a:t>Deployment Phase</a:t>
@@ -13869,11 +15936,11 @@
               </a:defRPr>
             </a:pPr>
             <a:r>
-              <a:rPr sz="1000"/>
+              <a:rPr sz="700"/>
               <a:t>1. </a:t>
             </a:r>
             <a:r>
-              <a:rPr sz="1000">
+              <a:rPr sz="700">
                 <a:latin typeface="Arial"/>
               </a:rPr>
               <a:t>Run </a:t>
@@ -13888,7 +15955,7 @@
               <a:t>pytest</a:t>
             </a:r>
             <a:r>
-              <a:rPr sz="1000">
+              <a:rPr sz="700">
                 <a:latin typeface="Arial"/>
               </a:rPr>
               <a:t> for quality assurance</a:t>
@@ -13903,17 +15970,17 @@
               </a:defRPr>
             </a:pPr>
             <a:r>
-              <a:rPr sz="1000"/>
+              <a:rPr sz="700"/>
               <a:t>2. </a:t>
             </a:r>
             <a:r>
-              <a:rPr sz="1000">
+              <a:rPr sz="700">
                 <a:latin typeface="Arial"/>
               </a:rPr>
               <a:t>Deploy to </a:t>
             </a:r>
             <a:r>
-              <a:rPr b="1" sz="1000">
+              <a:rPr b="1" sz="700">
                 <a:solidFill>
                   <a:srgbClr val="FF8C00"/>
                 </a:solidFill>
@@ -13931,17 +15998,17 @@
               </a:defRPr>
             </a:pPr>
             <a:r>
-              <a:rPr sz="1000"/>
+              <a:rPr sz="700"/>
               <a:t>3. </a:t>
             </a:r>
             <a:r>
-              <a:rPr sz="1000">
+              <a:rPr sz="700">
                 <a:latin typeface="Arial"/>
               </a:rPr>
               <a:t>Monitor </a:t>
             </a:r>
             <a:r>
-              <a:rPr i="1" sz="1000">
+              <a:rPr i="1" sz="700">
                 <a:latin typeface="Arial"/>
               </a:rPr>
               <a:t>system performance</a:t>
@@ -14053,7 +16120,7 @@
               </a:defRPr>
             </a:pPr>
             <a:r>
-              <a:rPr sz="1000" b="1">
+              <a:rPr sz="900" b="1">
                 <a:latin typeface="Arial"/>
               </a:rPr>
               <a:t>Core Components</a:t>
@@ -14954,7 +17021,7 @@
               </a:defRPr>
             </a:pPr>
             <a:r>
-              <a:rPr sz="1000" b="1">
+              <a:rPr sz="900" b="1">
                 <a:latin typeface="Arial"/>
               </a:rPr>
               <a:t>Processing Pipeline</a:t>
@@ -15001,7 +17068,7 @@
               </a:defRPr>
             </a:pPr>
             <a:r>
-              <a:rPr sz="1000">
+              <a:rPr sz="700">
                 <a:latin typeface="Arial"/>
               </a:rPr>
               <a:t>The system processes content through these stages:</a:t>
@@ -15045,17 +17112,17 @@
               </a:defRPr>
             </a:pPr>
             <a:r>
-              <a:rPr sz="1000"/>
+              <a:rPr sz="700"/>
               <a:t>1. </a:t>
             </a:r>
             <a:r>
-              <a:rPr b="1" sz="1000">
+              <a:rPr b="1" sz="700">
                 <a:latin typeface="Arial"/>
               </a:rPr>
               <a:t>Markdown Input</a:t>
             </a:r>
             <a:r>
-              <a:rPr sz="1000">
+              <a:rPr sz="700">
                 <a:latin typeface="Arial"/>
               </a:rPr>
               <a:t> → Parse with markdown-it-py</a:t>
@@ -15070,17 +17137,17 @@
               </a:defRPr>
             </a:pPr>
             <a:r>
-              <a:rPr sz="1000"/>
+              <a:rPr sz="700"/>
               <a:t>2. </a:t>
             </a:r>
             <a:r>
-              <a:rPr b="1" sz="1000">
+              <a:rPr b="1" sz="700">
                 <a:latin typeface="Arial"/>
               </a:rPr>
               <a:t>HTML Generation</a:t>
             </a:r>
             <a:r>
-              <a:rPr sz="1000">
+              <a:rPr sz="700">
                 <a:latin typeface="Arial"/>
               </a:rPr>
               <a:t> → Add inline styling support</a:t>
@@ -15095,17 +17162,17 @@
               </a:defRPr>
             </a:pPr>
             <a:r>
-              <a:rPr sz="1000"/>
+              <a:rPr sz="700"/>
               <a:t>3. </a:t>
             </a:r>
             <a:r>
-              <a:rPr b="1" sz="1000">
+              <a:rPr b="1" sz="700">
                 <a:latin typeface="Arial"/>
               </a:rPr>
               <a:t>Browser Layout</a:t>
             </a:r>
             <a:r>
-              <a:rPr sz="1000">
+              <a:rPr sz="700">
                 <a:latin typeface="Arial"/>
               </a:rPr>
               <a:t> → Measure with Puppeteer engine</a:t>
@@ -15120,17 +17187,17 @@
               </a:defRPr>
             </a:pPr>
             <a:r>
-              <a:rPr sz="1000"/>
+              <a:rPr sz="700"/>
               <a:t>4. </a:t>
             </a:r>
             <a:r>
-              <a:rPr b="1" sz="1000">
+              <a:rPr b="1" sz="700">
                 <a:latin typeface="Arial"/>
               </a:rPr>
               <a:t>Block Positioning</a:t>
             </a:r>
             <a:r>
-              <a:rPr sz="1000">
+              <a:rPr sz="700">
                 <a:latin typeface="Arial"/>
               </a:rPr>
               <a:t> → Calculate precise coordinates</a:t>
@@ -15145,17 +17212,17 @@
               </a:defRPr>
             </a:pPr>
             <a:r>
-              <a:rPr sz="1000"/>
+              <a:rPr sz="700"/>
               <a:t>5. </a:t>
             </a:r>
             <a:r>
-              <a:rPr b="1" sz="1000">
+              <a:rPr b="1" sz="700">
                 <a:latin typeface="Arial"/>
               </a:rPr>
               <a:t>PowerPoint Output</a:t>
             </a:r>
             <a:r>
-              <a:rPr sz="1000">
+              <a:rPr sz="700">
                 <a:latin typeface="Arial"/>
               </a:rPr>
               <a:t> → Generate native PPTX format</a:t>
@@ -15267,7 +17334,7 @@
               </a:defRPr>
             </a:pPr>
             <a:r>
-              <a:rPr sz="1000" b="1">
+              <a:rPr sz="900" b="1">
                 <a:latin typeface="Arial"/>
               </a:rPr>
               <a:t>Intelligent Pagination</a:t>
@@ -15314,19 +17381,19 @@
               </a:defRPr>
             </a:pPr>
             <a:r>
-              <a:rPr sz="1000">
+              <a:rPr sz="700">
                 <a:latin typeface="Arial"/>
               </a:rPr>
               <a:t>The system uses </a:t>
             </a:r>
             <a:r>
-              <a:rPr b="1" sz="1000">
+              <a:rPr b="1" sz="700">
                 <a:latin typeface="Arial"/>
               </a:rPr>
               <a:t>browser-based measurement</a:t>
             </a:r>
             <a:r>
-              <a:rPr sz="1000">
+              <a:rPr sz="700">
                 <a:latin typeface="Arial"/>
               </a:rPr>
               <a:t> for accurate pagination:</a:t>
@@ -15370,23 +17437,23 @@
               </a:defRPr>
             </a:pPr>
             <a:r>
-              <a:rPr sz="1000"/>
+              <a:rPr sz="700"/>
               <a:t>• </a:t>
             </a:r>
             <a:r>
-              <a:rPr sz="1000">
+              <a:rPr sz="700">
                 <a:latin typeface="Arial"/>
               </a:rPr>
               <a:t>✅ </a:t>
             </a:r>
             <a:r>
-              <a:rPr b="1" sz="1000">
+              <a:rPr b="1" sz="700">
                 <a:latin typeface="Arial"/>
               </a:rPr>
               <a:t>Boundary detection</a:t>
             </a:r>
             <a:r>
-              <a:rPr sz="1000">
+              <a:rPr sz="700">
                 <a:latin typeface="Arial"/>
               </a:rPr>
               <a:t>: Content exceeding slide limits automatically flows to next slide</a:t>
@@ -15401,23 +17468,23 @@
               </a:defRPr>
             </a:pPr>
             <a:r>
-              <a:rPr sz="1000"/>
+              <a:rPr sz="700"/>
               <a:t>• </a:t>
             </a:r>
             <a:r>
-              <a:rPr sz="1000">
+              <a:rPr sz="700">
                 <a:latin typeface="Arial"/>
               </a:rPr>
               <a:t>✅ </a:t>
             </a:r>
             <a:r>
-              <a:rPr b="1" sz="1000">
+              <a:rPr b="1" sz="700">
                 <a:latin typeface="Arial"/>
               </a:rPr>
               <a:t>Relative positioning</a:t>
             </a:r>
             <a:r>
-              <a:rPr sz="1000">
+              <a:rPr sz="700">
                 <a:latin typeface="Arial"/>
               </a:rPr>
               <a:t>: Accounts for CSS margins and spacing</a:t>
@@ -15432,23 +17499,23 @@
               </a:defRPr>
             </a:pPr>
             <a:r>
-              <a:rPr sz="1000"/>
+              <a:rPr sz="700"/>
               <a:t>• </a:t>
             </a:r>
             <a:r>
-              <a:rPr sz="1000">
+              <a:rPr sz="700">
                 <a:latin typeface="Arial"/>
               </a:rPr>
               <a:t>✅ </a:t>
             </a:r>
             <a:r>
-              <a:rPr b="1" sz="1000">
+              <a:rPr b="1" sz="700">
                 <a:latin typeface="Arial"/>
               </a:rPr>
               <a:t>Overflow prevention</a:t>
             </a:r>
             <a:r>
-              <a:rPr sz="1000">
+              <a:rPr sz="700">
                 <a:latin typeface="Arial"/>
               </a:rPr>
               <a:t>: No content extends beyond slide boundaries</a:t>
@@ -15463,23 +17530,23 @@
               </a:defRPr>
             </a:pPr>
             <a:r>
-              <a:rPr sz="1000"/>
+              <a:rPr sz="700"/>
               <a:t>• </a:t>
             </a:r>
             <a:r>
-              <a:rPr sz="1000">
+              <a:rPr sz="700">
                 <a:latin typeface="Arial"/>
               </a:rPr>
               <a:t>✅ </a:t>
             </a:r>
             <a:r>
-              <a:rPr b="1" sz="1000">
+              <a:rPr b="1" sz="700">
                 <a:latin typeface="Arial"/>
               </a:rPr>
               <a:t>Smart breaks</a:t>
             </a:r>
             <a:r>
-              <a:rPr sz="1000">
+              <a:rPr sz="700">
                 <a:latin typeface="Arial"/>
               </a:rPr>
               <a:t>: Preserves logical content grouping where possible</a:t>
@@ -15526,7 +17593,7 @@
               </a:defRPr>
             </a:pPr>
             <a:r>
-              <a:rPr sz="1000" b="1">
+              <a:rPr sz="900" b="1">
                 <a:latin typeface="Arial"/>
               </a:rPr>
               <a:t>Layout Quality</a:t>
@@ -15570,17 +17637,17 @@
               </a:defRPr>
             </a:pPr>
             <a:r>
-              <a:rPr sz="1000"/>
+              <a:rPr sz="700"/>
               <a:t>• </a:t>
             </a:r>
             <a:r>
-              <a:rPr b="1" sz="1000">
+              <a:rPr b="1" sz="700">
                 <a:latin typeface="Arial"/>
               </a:rPr>
               <a:t>Pixel-perfect positioning</a:t>
             </a:r>
             <a:r>
-              <a:rPr sz="1000">
+              <a:rPr sz="700">
                 <a:latin typeface="Arial"/>
               </a:rPr>
               <a:t> using browser layout engine</a:t>
@@ -15595,17 +17662,17 @@
               </a:defRPr>
             </a:pPr>
             <a:r>
-              <a:rPr sz="1000"/>
+              <a:rPr sz="700"/>
               <a:t>• </a:t>
             </a:r>
             <a:r>
-              <a:rPr b="1" sz="1000">
+              <a:rPr b="1" sz="700">
                 <a:latin typeface="Arial"/>
               </a:rPr>
               <a:t>Consistent spacing</a:t>
             </a:r>
             <a:r>
-              <a:rPr sz="1000">
+              <a:rPr sz="700">
                 <a:latin typeface="Arial"/>
               </a:rPr>
               <a:t> matching CSS specifications</a:t>
@@ -15620,17 +17687,17 @@
               </a:defRPr>
             </a:pPr>
             <a:r>
-              <a:rPr sz="1000"/>
+              <a:rPr sz="700"/>
               <a:t>• </a:t>
             </a:r>
             <a:r>
-              <a:rPr b="1" sz="1000">
+              <a:rPr b="1" sz="700">
                 <a:latin typeface="Arial"/>
               </a:rPr>
               <a:t>Professional typography</a:t>
             </a:r>
             <a:r>
-              <a:rPr sz="1000">
+              <a:rPr sz="700">
                 <a:latin typeface="Arial"/>
               </a:rPr>
               <a:t> with proper font rendering</a:t>
@@ -15645,17 +17712,17 @@
               </a:defRPr>
             </a:pPr>
             <a:r>
-              <a:rPr sz="1000"/>
+              <a:rPr sz="700"/>
               <a:t>• </a:t>
             </a:r>
             <a:r>
-              <a:rPr b="1" sz="1000">
+              <a:rPr b="1" sz="700">
                 <a:latin typeface="Arial"/>
               </a:rPr>
               <a:t>Responsive design</a:t>
             </a:r>
             <a:r>
-              <a:rPr sz="1000">
+              <a:rPr sz="700">
                 <a:latin typeface="Arial"/>
               </a:rPr>
               <a:t> adapting to different content types</a:t>

--- a/output/comprehensive_demo_default.pptx
+++ b/output/comprehensive_demo_default.pptx
@@ -3100,6 +3100,14 @@
 <file path=ppt/slides/slide1.xml><?xml version="1.0" encoding="utf-8"?>
 <p:sld xmlns:a="http://schemas.openxmlformats.org/drawingml/2006/main" xmlns:p="http://schemas.openxmlformats.org/presentationml/2006/main" xmlns:r="http://schemas.openxmlformats.org/officeDocument/2006/relationships">
   <p:cSld>
+    <p:bg>
+      <p:bgPr>
+        <a:solidFill>
+          <a:srgbClr val="FFFFFF"/>
+        </a:solidFill>
+        <a:effectLst/>
+      </p:bgPr>
+    </p:bg>
     <p:spTree>
       <p:nvGrpSpPr>
         <p:cNvPr id="1" name=""/>
@@ -3116,6 +3124,56 @@
         <p:spPr>
           <a:xfrm>
             <a:off x="200025" y="180975"/>
+            <a:ext cx="8943975" cy="390525"/>
+          </a:xfrm>
+          <a:prstGeom prst="rect">
+            <a:avLst/>
+          </a:prstGeom>
+          <a:noFill/>
+        </p:spPr>
+        <p:txBody>
+          <a:bodyPr wrap="square" lIns="0" rIns="0" tIns="0" bIns="0">
+            <a:spAutoFit/>
+          </a:bodyPr>
+          <a:lstStyle/>
+          <a:p>
+            <a:pPr algn="l">
+              <a:lnSpc>
+                <a:spcPct val="120000"/>
+              </a:lnSpc>
+              <a:spcBef>
+                <a:spcPts val="0"/>
+              </a:spcBef>
+              <a:spcAft>
+                <a:spcPts val="0"/>
+              </a:spcAft>
+              <a:defRPr>
+                <a:solidFill>
+                  <a:srgbClr val="000000"/>
+                </a:solidFill>
+              </a:defRPr>
+            </a:pPr>
+            <a:r>
+              <a:rPr sz="1200" b="1">
+                <a:solidFill>
+                  <a:srgbClr val="000000"/>
+                </a:solidFill>
+                <a:latin typeface="Arial"/>
+              </a:rPr>
+              <a:t>🚀 Slide Generator - Complete Feature Demo</a:t>
+            </a:r>
+          </a:p>
+        </p:txBody>
+      </p:sp>
+      <p:sp>
+        <p:nvSpPr>
+          <p:cNvPr id="3" name="TextBox 2"/>
+          <p:cNvSpPr txBox="1"/>
+          <p:nvPr/>
+        </p:nvSpPr>
+        <p:spPr>
+          <a:xfrm>
+            <a:off x="200025" y="571500"/>
             <a:ext cx="8943975" cy="274320"/>
           </a:xfrm>
           <a:prstGeom prst="rect">
@@ -3146,23 +3204,62 @@
               </a:defRPr>
             </a:pPr>
             <a:r>
-              <a:rPr sz="1200" b="1">
-                <a:latin typeface="Arial"/>
-              </a:rPr>
-              <a:t>🚀 Slide Generator - Complete Feature Demo</a:t>
+              <a:rPr sz="700">
+                <a:solidFill>
+                  <a:srgbClr val="000000"/>
+                </a:solidFill>
+                <a:latin typeface="Arial"/>
+              </a:rPr>
+              <a:t>Welcome to the </a:t>
+            </a:r>
+            <a:r>
+              <a:rPr b="1" sz="700">
+                <a:solidFill>
+                  <a:srgbClr val="000000"/>
+                </a:solidFill>
+                <a:latin typeface="Arial"/>
+              </a:rPr>
+              <a:t>comprehensive demonstration</a:t>
+            </a:r>
+            <a:r>
+              <a:rPr sz="700">
+                <a:solidFill>
+                  <a:srgbClr val="000000"/>
+                </a:solidFill>
+                <a:latin typeface="Arial"/>
+              </a:rPr>
+              <a:t> of the </a:t>
+            </a:r>
+            <a:r>
+              <a:rPr i="1" sz="700">
+                <a:solidFill>
+                  <a:srgbClr val="000000"/>
+                </a:solidFill>
+                <a:latin typeface="Arial"/>
+              </a:rPr>
+              <a:t>Slide Generator</a:t>
+            </a:r>
+            <a:r>
+              <a:rPr sz="700">
+                <a:solidFill>
+                  <a:srgbClr val="000000"/>
+                </a:solidFill>
+                <a:latin typeface="Arial"/>
+              </a:rPr>
+              <a:t>!</a:t>
             </a:r>
           </a:p>
         </p:txBody>
       </p:sp>
       <p:sp>
         <p:nvSpPr>
-          <p:cNvPr id="3" name="TextBox 2"/>
+          <p:cNvPr id="4" name="TextBox 3"/>
           <p:cNvSpPr txBox="1"/>
           <p:nvPr/>
         </p:nvSpPr>
         <p:spPr>
           <a:xfrm>
-            <a:off x="200025" y="600075"/>
+            <a:off x="200025" y="800100"/>
             <a:ext cx="8943975" cy="274320"/>
           </a:xfrm>
           <a:prstGeom prst="rect">
@@ -3194,83 +3291,15 @@
             </a:pPr>
             <a:r>
               <a:rPr sz="700">
-                <a:latin typeface="Arial"/>
-              </a:rPr>
-              <a:t>Welcome to the </a:t>
+                <a:solidFill>
+                  <a:srgbClr val="000000"/>
+                </a:solidFill>
+                <a:latin typeface="Arial"/>
+              </a:rPr>
+              <a:t>This presentation showcases </a:t>
             </a:r>
             <a:r>
               <a:rPr b="1" sz="700">
-                <a:latin typeface="Arial"/>
-              </a:rPr>
-              <a:t>comprehensive demonstration</a:t>
-            </a:r>
-            <a:r>
-              <a:rPr sz="700">
-                <a:latin typeface="Arial"/>
-              </a:rPr>
-              <a:t> of the </a:t>
-            </a:r>
-            <a:r>
-              <a:rPr i="1" sz="700">
-                <a:latin typeface="Arial"/>
-              </a:rPr>
-              <a:t>Slide Generator</a:t>
-            </a:r>
-            <a:r>
-              <a:rPr sz="700">
-                <a:latin typeface="Arial"/>
-              </a:rPr>
-              <a:t>!</a:t>
-            </a:r>
-          </a:p>
-        </p:txBody>
-      </p:sp>
-      <p:sp>
-        <p:nvSpPr>
-          <p:cNvPr id="4" name="TextBox 3"/>
-          <p:cNvSpPr txBox="1"/>
-          <p:nvPr/>
-        </p:nvSpPr>
-        <p:spPr>
-          <a:xfrm>
-            <a:off x="200025" y="838200"/>
-            <a:ext cx="8943975" cy="274320"/>
-          </a:xfrm>
-          <a:prstGeom prst="rect">
-            <a:avLst/>
-          </a:prstGeom>
-          <a:noFill/>
-        </p:spPr>
-        <p:txBody>
-          <a:bodyPr wrap="square" lIns="0" rIns="0" tIns="0" bIns="0">
-            <a:spAutoFit/>
-          </a:bodyPr>
-          <a:lstStyle/>
-          <a:p>
-            <a:pPr algn="l">
-              <a:lnSpc>
-                <a:spcPct val="120000"/>
-              </a:lnSpc>
-              <a:spcBef>
-                <a:spcPts val="0"/>
-              </a:spcBef>
-              <a:spcAft>
-                <a:spcPts val="0"/>
-              </a:spcAft>
-              <a:defRPr>
-                <a:solidFill>
-                  <a:srgbClr val="000000"/>
-                </a:solidFill>
-              </a:defRPr>
-            </a:pPr>
-            <a:r>
-              <a:rPr sz="700">
-                <a:latin typeface="Arial"/>
-              </a:rPr>
-              <a:t>This presentation showcases </a:t>
-            </a:r>
-            <a:r>
-              <a:rPr b="1" sz="700">
                 <a:solidFill>
                   <a:srgbClr val="FF8C00"/>
                 </a:solidFill>
@@ -3280,6 +3309,9 @@
             </a:r>
             <a:r>
               <a:rPr sz="700">
+                <a:solidFill>
+                  <a:srgbClr val="000000"/>
+                </a:solidFill>
                 <a:latin typeface="Arial"/>
               </a:rPr>
               <a:t> including </a:t>
@@ -3295,6 +3327,9 @@
             </a:r>
             <a:r>
               <a:rPr sz="700">
+                <a:solidFill>
+                  <a:srgbClr val="000000"/>
+                </a:solidFill>
                 <a:latin typeface="Arial"/>
               </a:rPr>
               <a:t>, tables, themes, and more.</a:t>
@@ -3313,6 +3348,14 @@
 <file path=ppt/slides/slide10.xml><?xml version="1.0" encoding="utf-8"?>
 <p:sld xmlns:a="http://schemas.openxmlformats.org/drawingml/2006/main" xmlns:p="http://schemas.openxmlformats.org/presentationml/2006/main" xmlns:r="http://schemas.openxmlformats.org/officeDocument/2006/relationships">
   <p:cSld>
+    <p:bg>
+      <p:bgPr>
+        <a:solidFill>
+          <a:srgbClr val="FFFFFF"/>
+        </a:solidFill>
+        <a:effectLst/>
+      </p:bgPr>
+    </p:bg>
     <p:spTree>
       <p:nvGrpSpPr>
         <p:cNvPr id="1" name=""/>
@@ -3329,7 +3372,7 @@
         <p:spPr>
           <a:xfrm>
             <a:off x="200025" y="180975"/>
-            <a:ext cx="8943975" cy="274320"/>
+            <a:ext cx="8943975" cy="390525"/>
           </a:xfrm>
           <a:prstGeom prst="rect">
             <a:avLst/>
@@ -3360,6 +3403,9 @@
             </a:pPr>
             <a:r>
               <a:rPr sz="1200" b="1">
+                <a:solidFill>
+                  <a:srgbClr val="000000"/>
+                </a:solidFill>
                 <a:latin typeface="Arial"/>
               </a:rPr>
               <a:t>🎯 Quality Assurance</a:t>
@@ -3375,8 +3421,8 @@
         </p:nvSpPr>
         <p:spPr>
           <a:xfrm>
-            <a:off x="200025" y="600075"/>
-            <a:ext cx="8943975" cy="274320"/>
+            <a:off x="200025" y="571500"/>
+            <a:ext cx="8943975" cy="304800"/>
           </a:xfrm>
           <a:prstGeom prst="rect">
             <a:avLst/>
@@ -3407,6 +3453,9 @@
             </a:pPr>
             <a:r>
               <a:rPr sz="900" b="1">
+                <a:solidFill>
+                  <a:srgbClr val="000000"/>
+                </a:solidFill>
                 <a:latin typeface="Arial"/>
               </a:rPr>
               <a:t>Test Coverage</a:t>
@@ -3422,8 +3471,8 @@
         </p:nvSpPr>
         <p:spPr>
           <a:xfrm>
-            <a:off x="200025" y="923924"/>
-            <a:ext cx="2409825" cy="1485900"/>
+            <a:off x="200025" y="876299"/>
+            <a:ext cx="2409825" cy="1628775"/>
           </a:xfrm>
           <a:prstGeom prst="rect">
             <a:avLst/>
@@ -3456,8 +3505,8 @@
           <p:nvPr/>
         </p:nvGraphicFramePr>
         <p:xfrm>
-          <a:off x="200025" y="923924"/>
-          <a:ext cx="2400670" cy="1428750"/>
+          <a:off x="200025" y="876299"/>
+          <a:ext cx="2640738" cy="1571625"/>
         </p:xfrm>
         <a:graphic>
           <a:graphicData uri="http://schemas.openxmlformats.org/drawingml/2006/table">
@@ -3497,11 +3546,11 @@
                 </a:tblBorders>
               </a:tblPr>
               <a:tblGrid>
-                <a:gridCol w="859110"/>
-                <a:gridCol w="437033"/>
-                <a:gridCol w="1104527"/>
+                <a:gridCol w="945021"/>
+                <a:gridCol w="480737"/>
+                <a:gridCol w="1214980"/>
               </a:tblGrid>
-              <a:tr h="285750">
+              <a:tr h="314325">
                 <a:tc>
                   <a:txBody>
                     <a:bodyPr lIns="76200" rIns="76200" tIns="76200" bIns="76200"/>
@@ -3650,7 +3699,7 @@
                   </a:tcPr>
                 </a:tc>
               </a:tr>
-              <a:tr h="285750">
+              <a:tr h="314325">
                 <a:tc>
                   <a:txBody>
                     <a:bodyPr lIns="76200" rIns="76200" tIns="76200" bIns="76200"/>
@@ -3799,7 +3848,7 @@
                   </a:tcPr>
                 </a:tc>
               </a:tr>
-              <a:tr h="285750">
+              <a:tr h="314325">
                 <a:tc>
                   <a:txBody>
                     <a:bodyPr lIns="76200" rIns="76200" tIns="76200" bIns="76200"/>
@@ -3948,7 +3997,7 @@
                   </a:tcPr>
                 </a:tc>
               </a:tr>
-              <a:tr h="285750">
+              <a:tr h="314325">
                 <a:tc>
                   <a:txBody>
                     <a:bodyPr lIns="76200" rIns="76200" tIns="76200" bIns="76200"/>
@@ -4097,7 +4146,7 @@
                   </a:tcPr>
                 </a:tc>
               </a:tr>
-              <a:tr h="285750">
+              <a:tr h="314325">
                 <a:tc>
                   <a:txBody>
                     <a:bodyPr lIns="76200" rIns="76200" tIns="76200" bIns="76200"/>
@@ -4258,8 +4307,8 @@
         </p:nvSpPr>
         <p:spPr>
           <a:xfrm>
-            <a:off x="200025" y="2552700"/>
-            <a:ext cx="8943975" cy="274320"/>
+            <a:off x="200025" y="2505074"/>
+            <a:ext cx="8943975" cy="304800"/>
           </a:xfrm>
           <a:prstGeom prst="rect">
             <a:avLst/>
@@ -4290,6 +4339,9 @@
             </a:pPr>
             <a:r>
               <a:rPr sz="900" b="1">
+                <a:solidFill>
+                  <a:srgbClr val="000000"/>
+                </a:solidFill>
                 <a:latin typeface="Arial"/>
               </a:rPr>
               <a:t>Validation Features</a:t>
@@ -4305,8 +4357,8 @@
         </p:nvSpPr>
         <p:spPr>
           <a:xfrm>
-            <a:off x="200025" y="2886075"/>
-            <a:ext cx="8943975" cy="742950"/>
+            <a:off x="200025" y="2819399"/>
+            <a:ext cx="8943975" cy="685800"/>
           </a:xfrm>
           <a:prstGeom prst="rect">
             <a:avLst/>
@@ -4333,17 +4385,28 @@
               </a:defRPr>
             </a:pPr>
             <a:r>
-              <a:rPr sz="700"/>
+              <a:rPr sz="700">
+                <a:solidFill>
+                  <a:srgbClr val="000000"/>
+                </a:solidFill>
+                <a:latin typeface="Arial"/>
+              </a:rPr>
               <a:t>• </a:t>
             </a:r>
             <a:r>
               <a:rPr b="1" sz="700">
+                <a:solidFill>
+                  <a:srgbClr val="000000"/>
+                </a:solidFill>
                 <a:latin typeface="Arial"/>
               </a:rPr>
               <a:t>Content completeness</a:t>
             </a:r>
             <a:r>
               <a:rPr sz="700">
+                <a:solidFill>
+                  <a:srgbClr val="000000"/>
+                </a:solidFill>
                 <a:latin typeface="Arial"/>
               </a:rPr>
               <a:t>: All markdown elements preserved</a:t>
@@ -4358,17 +4421,28 @@
               </a:defRPr>
             </a:pPr>
             <a:r>
-              <a:rPr sz="700"/>
+              <a:rPr sz="700">
+                <a:solidFill>
+                  <a:srgbClr val="000000"/>
+                </a:solidFill>
+                <a:latin typeface="Arial"/>
+              </a:rPr>
               <a:t>• </a:t>
             </a:r>
             <a:r>
               <a:rPr b="1" sz="700">
+                <a:solidFill>
+                  <a:srgbClr val="000000"/>
+                </a:solidFill>
                 <a:latin typeface="Arial"/>
               </a:rPr>
               <a:t>No overlaps</a:t>
             </a:r>
             <a:r>
               <a:rPr sz="700">
+                <a:solidFill>
+                  <a:srgbClr val="000000"/>
+                </a:solidFill>
                 <a:latin typeface="Arial"/>
               </a:rPr>
               <a:t>: Shapes positioned without collision</a:t>
@@ -4383,17 +4457,28 @@
               </a:defRPr>
             </a:pPr>
             <a:r>
-              <a:rPr sz="700"/>
+              <a:rPr sz="700">
+                <a:solidFill>
+                  <a:srgbClr val="000000"/>
+                </a:solidFill>
+                <a:latin typeface="Arial"/>
+              </a:rPr>
               <a:t>• </a:t>
             </a:r>
             <a:r>
               <a:rPr b="1" sz="700">
+                <a:solidFill>
+                  <a:srgbClr val="000000"/>
+                </a:solidFill>
                 <a:latin typeface="Arial"/>
               </a:rPr>
               <a:t>Boundary compliance</a:t>
             </a:r>
             <a:r>
               <a:rPr sz="700">
+                <a:solidFill>
+                  <a:srgbClr val="000000"/>
+                </a:solidFill>
                 <a:latin typeface="Arial"/>
               </a:rPr>
               <a:t>: Content within slide limits</a:t>
@@ -4408,17 +4493,28 @@
               </a:defRPr>
             </a:pPr>
             <a:r>
-              <a:rPr sz="700"/>
+              <a:rPr sz="700">
+                <a:solidFill>
+                  <a:srgbClr val="000000"/>
+                </a:solidFill>
+                <a:latin typeface="Arial"/>
+              </a:rPr>
               <a:t>• </a:t>
             </a:r>
             <a:r>
               <a:rPr b="1" sz="700">
+                <a:solidFill>
+                  <a:srgbClr val="000000"/>
+                </a:solidFill>
                 <a:latin typeface="Arial"/>
               </a:rPr>
               <a:t>Format consistency</a:t>
             </a:r>
             <a:r>
               <a:rPr sz="700">
+                <a:solidFill>
+                  <a:srgbClr val="000000"/>
+                </a:solidFill>
                 <a:latin typeface="Arial"/>
               </a:rPr>
               <a:t>: Styling applied correctly</a:t>
@@ -4433,17 +4529,28 @@
               </a:defRPr>
             </a:pPr>
             <a:r>
-              <a:rPr sz="700"/>
+              <a:rPr sz="700">
+                <a:solidFill>
+                  <a:srgbClr val="000000"/>
+                </a:solidFill>
+                <a:latin typeface="Arial"/>
+              </a:rPr>
               <a:t>• </a:t>
             </a:r>
             <a:r>
               <a:rPr b="1" sz="700">
+                <a:solidFill>
+                  <a:srgbClr val="000000"/>
+                </a:solidFill>
                 <a:latin typeface="Arial"/>
               </a:rPr>
               <a:t>Theme adherence</a:t>
             </a:r>
             <a:r>
               <a:rPr sz="700">
+                <a:solidFill>
+                  <a:srgbClr val="000000"/>
+                </a:solidFill>
                 <a:latin typeface="Arial"/>
               </a:rPr>
               <a:t>: Colors and fonts match specifications</a:t>
@@ -4462,6 +4569,14 @@
 <file path=ppt/slides/slide11.xml><?xml version="1.0" encoding="utf-8"?>
 <p:sld xmlns:a="http://schemas.openxmlformats.org/drawingml/2006/main" xmlns:p="http://schemas.openxmlformats.org/presentationml/2006/main" xmlns:r="http://schemas.openxmlformats.org/officeDocument/2006/relationships">
   <p:cSld>
+    <p:bg>
+      <p:bgPr>
+        <a:solidFill>
+          <a:srgbClr val="FFFFFF"/>
+        </a:solidFill>
+        <a:effectLst/>
+      </p:bgPr>
+    </p:bg>
     <p:spTree>
       <p:nvGrpSpPr>
         <p:cNvPr id="1" name=""/>
@@ -4478,6 +4593,106 @@
         <p:spPr>
           <a:xfrm>
             <a:off x="200025" y="180975"/>
+            <a:ext cx="8943975" cy="390525"/>
+          </a:xfrm>
+          <a:prstGeom prst="rect">
+            <a:avLst/>
+          </a:prstGeom>
+          <a:noFill/>
+        </p:spPr>
+        <p:txBody>
+          <a:bodyPr wrap="square" lIns="0" rIns="0" tIns="0" bIns="0">
+            <a:spAutoFit/>
+          </a:bodyPr>
+          <a:lstStyle/>
+          <a:p>
+            <a:pPr algn="l">
+              <a:lnSpc>
+                <a:spcPct val="120000"/>
+              </a:lnSpc>
+              <a:spcBef>
+                <a:spcPts val="0"/>
+              </a:spcBef>
+              <a:spcAft>
+                <a:spcPts val="0"/>
+              </a:spcAft>
+              <a:defRPr>
+                <a:solidFill>
+                  <a:srgbClr val="000000"/>
+                </a:solidFill>
+              </a:defRPr>
+            </a:pPr>
+            <a:r>
+              <a:rPr sz="1200" b="1">
+                <a:solidFill>
+                  <a:srgbClr val="000000"/>
+                </a:solidFill>
+                <a:latin typeface="Arial"/>
+              </a:rPr>
+              <a:t>🌟 Recent Improvements</a:t>
+            </a:r>
+          </a:p>
+        </p:txBody>
+      </p:sp>
+      <p:sp>
+        <p:nvSpPr>
+          <p:cNvPr id="3" name="TextBox 2"/>
+          <p:cNvSpPr txBox="1"/>
+          <p:nvPr/>
+        </p:nvSpPr>
+        <p:spPr>
+          <a:xfrm>
+            <a:off x="200025" y="571500"/>
+            <a:ext cx="8943975" cy="304800"/>
+          </a:xfrm>
+          <a:prstGeom prst="rect">
+            <a:avLst/>
+          </a:prstGeom>
+          <a:noFill/>
+        </p:spPr>
+        <p:txBody>
+          <a:bodyPr wrap="square" lIns="0" rIns="0" tIns="0" bIns="0">
+            <a:spAutoFit/>
+          </a:bodyPr>
+          <a:lstStyle/>
+          <a:p>
+            <a:pPr algn="l">
+              <a:lnSpc>
+                <a:spcPct val="120000"/>
+              </a:lnSpc>
+              <a:spcBef>
+                <a:spcPts val="0"/>
+              </a:spcBef>
+              <a:spcAft>
+                <a:spcPts val="0"/>
+              </a:spcAft>
+              <a:defRPr>
+                <a:solidFill>
+                  <a:srgbClr val="000000"/>
+                </a:solidFill>
+              </a:defRPr>
+            </a:pPr>
+            <a:r>
+              <a:rPr sz="900" b="1">
+                <a:solidFill>
+                  <a:srgbClr val="000000"/>
+                </a:solidFill>
+                <a:latin typeface="Arial"/>
+              </a:rPr>
+              <a:t>Table Column Width Fix ✅</a:t>
+            </a:r>
+          </a:p>
+        </p:txBody>
+      </p:sp>
+      <p:sp>
+        <p:nvSpPr>
+          <p:cNvPr id="4" name="TextBox 3"/>
+          <p:cNvSpPr txBox="1"/>
+          <p:nvPr/>
+        </p:nvSpPr>
+        <p:spPr>
+          <a:xfrm>
+            <a:off x="200025" y="876299"/>
             <a:ext cx="8943975" cy="274320"/>
           </a:xfrm>
           <a:prstGeom prst="rect">
@@ -4508,23 +4723,54 @@
               </a:defRPr>
             </a:pPr>
             <a:r>
-              <a:rPr sz="1200" b="1">
-                <a:latin typeface="Arial"/>
-              </a:rPr>
-              <a:t>🌟 Recent Improvements</a:t>
+              <a:rPr b="1" sz="700">
+                <a:solidFill>
+                  <a:srgbClr val="000000"/>
+                </a:solidFill>
+                <a:latin typeface="Arial"/>
+              </a:rPr>
+              <a:t>Problem</a:t>
+            </a:r>
+            <a:r>
+              <a:rPr sz="700">
+                <a:solidFill>
+                  <a:srgbClr val="000000"/>
+                </a:solidFill>
+                <a:latin typeface="Arial"/>
+              </a:rPr>
+              <a:t>: Columns distributed equally regardless of content
+</a:t>
+            </a:r>
+            <a:r>
+              <a:rPr b="1" sz="700">
+                <a:solidFill>
+                  <a:srgbClr val="000000"/>
+                </a:solidFill>
+                <a:latin typeface="Arial"/>
+              </a:rPr>
+              <a:t>Solution</a:t>
+            </a:r>
+            <a:r>
+              <a:rPr sz="700">
+                <a:solidFill>
+                  <a:srgbClr val="000000"/>
+                </a:solidFill>
+                <a:latin typeface="Arial"/>
+              </a:rPr>
+              <a:t>: HTML auto-width calculation with proper PowerPoint integration</a:t>
             </a:r>
           </a:p>
         </p:txBody>
       </p:sp>
       <p:sp>
         <p:nvSpPr>
-          <p:cNvPr id="3" name="TextBox 2"/>
+          <p:cNvPr id="5" name="TextBox 4"/>
           <p:cNvSpPr txBox="1"/>
           <p:nvPr/>
         </p:nvSpPr>
         <p:spPr>
           <a:xfrm>
-            <a:off x="200025" y="600075"/>
+            <a:off x="200025" y="1104900"/>
             <a:ext cx="8943975" cy="274320"/>
           </a:xfrm>
           <a:prstGeom prst="rect">
@@ -4555,23 +4801,140 @@
               </a:defRPr>
             </a:pPr>
             <a:r>
-              <a:rPr sz="900" b="1">
-                <a:latin typeface="Arial"/>
-              </a:rPr>
-              <a:t>Table Column Width Fix ✅</a:t>
+              <a:rPr b="1" sz="700">
+                <a:solidFill>
+                  <a:srgbClr val="000000"/>
+                </a:solidFill>
+                <a:latin typeface="Arial"/>
+              </a:rPr>
+              <a:t>Before</a:t>
+            </a:r>
+            <a:r>
+              <a:rPr sz="700">
+                <a:solidFill>
+                  <a:srgbClr val="000000"/>
+                </a:solidFill>
+                <a:latin typeface="Arial"/>
+              </a:rPr>
+              <a:t>: </a:t>
+            </a:r>
+            <a:r>
+              <a:rPr sz="800">
+                <a:solidFill>
+                  <a:srgbClr val="333333"/>
+                </a:solidFill>
+                <a:latin typeface="Courier New"/>
+              </a:rPr>
+              <a:t>Age</a:t>
+            </a:r>
+            <a:r>
+              <a:rPr sz="700">
+                <a:solidFill>
+                  <a:srgbClr val="000000"/>
+                </a:solidFill>
+                <a:latin typeface="Arial"/>
+              </a:rPr>
+              <a:t> column wrapping to </a:t>
+            </a:r>
+            <a:r>
+              <a:rPr sz="800">
+                <a:solidFill>
+                  <a:srgbClr val="333333"/>
+                </a:solidFill>
+                <a:latin typeface="Courier New"/>
+              </a:rPr>
+              <a:t>Ag\ne</a:t>
+            </a:r>
+            <a:r>
+              <a:rPr sz="700">
+                <a:solidFill>
+                  <a:srgbClr val="000000"/>
+                </a:solidFill>
+                <a:latin typeface="Arial"/>
+              </a:rPr>
+              <a:t> due to equal distribution
+</a:t>
+            </a:r>
+            <a:r>
+              <a:rPr b="1" sz="700">
+                <a:solidFill>
+                  <a:srgbClr val="000000"/>
+                </a:solidFill>
+                <a:latin typeface="Arial"/>
+              </a:rPr>
+              <a:t>After</a:t>
+            </a:r>
+            <a:r>
+              <a:rPr sz="700">
+                <a:solidFill>
+                  <a:srgbClr val="000000"/>
+                </a:solidFill>
+                <a:latin typeface="Arial"/>
+              </a:rPr>
+              <a:t>: Smart width allocation based on content (60px, 47px, 51px)</a:t>
             </a:r>
           </a:p>
         </p:txBody>
       </p:sp>
       <p:sp>
         <p:nvSpPr>
-          <p:cNvPr id="4" name="TextBox 3"/>
+          <p:cNvPr id="6" name="TextBox 5"/>
           <p:cNvSpPr txBox="1"/>
           <p:nvPr/>
         </p:nvSpPr>
         <p:spPr>
           <a:xfrm>
-            <a:off x="200025" y="923924"/>
+            <a:off x="200025" y="1247775"/>
+            <a:ext cx="8943975" cy="304800"/>
+          </a:xfrm>
+          <a:prstGeom prst="rect">
+            <a:avLst/>
+          </a:prstGeom>
+          <a:noFill/>
+        </p:spPr>
+        <p:txBody>
+          <a:bodyPr wrap="square" lIns="0" rIns="0" tIns="0" bIns="0">
+            <a:spAutoFit/>
+          </a:bodyPr>
+          <a:lstStyle/>
+          <a:p>
+            <a:pPr algn="l">
+              <a:lnSpc>
+                <a:spcPct val="120000"/>
+              </a:lnSpc>
+              <a:spcBef>
+                <a:spcPts val="0"/>
+              </a:spcBef>
+              <a:spcAft>
+                <a:spcPts val="0"/>
+              </a:spcAft>
+              <a:defRPr>
+                <a:solidFill>
+                  <a:srgbClr val="000000"/>
+                </a:solidFill>
+              </a:defRPr>
+            </a:pPr>
+            <a:r>
+              <a:rPr sz="900" b="1">
+                <a:solidFill>
+                  <a:srgbClr val="000000"/>
+                </a:solidFill>
+                <a:latin typeface="Arial"/>
+              </a:rPr>
+              <a:t>Dark Theme Border Fix ✅</a:t>
+            </a:r>
+          </a:p>
+        </p:txBody>
+      </p:sp>
+      <p:sp>
+        <p:nvSpPr>
+          <p:cNvPr id="7" name="TextBox 6"/>
+          <p:cNvSpPr txBox="1"/>
+          <p:nvPr/>
+        </p:nvSpPr>
+        <p:spPr>
+          <a:xfrm>
+            <a:off x="200025" y="1562100"/>
             <a:ext cx="8943975" cy="274320"/>
           </a:xfrm>
           <a:prstGeom prst="rect">
@@ -4603,41 +4966,53 @@
             </a:pPr>
             <a:r>
               <a:rPr b="1" sz="700">
+                <a:solidFill>
+                  <a:srgbClr val="000000"/>
+                </a:solidFill>
                 <a:latin typeface="Arial"/>
               </a:rPr>
               <a:t>Problem</a:t>
             </a:r>
             <a:r>
               <a:rPr sz="700">
-                <a:latin typeface="Arial"/>
-              </a:rPr>
-              <a:t>: Columns distributed equally regardless of content
+                <a:solidFill>
+                  <a:srgbClr val="000000"/>
+                </a:solidFill>
+                <a:latin typeface="Arial"/>
+              </a:rPr>
+              <a:t>: Black borders invisible on dark background
 </a:t>
             </a:r>
             <a:r>
               <a:rPr b="1" sz="700">
+                <a:solidFill>
+                  <a:srgbClr val="000000"/>
+                </a:solidFill>
                 <a:latin typeface="Arial"/>
               </a:rPr>
               <a:t>Solution</a:t>
             </a:r>
             <a:r>
               <a:rPr sz="700">
-                <a:latin typeface="Arial"/>
-              </a:rPr>
-              <a:t>: HTML auto-width calculation with proper PowerPoint integration</a:t>
+                <a:solidFill>
+                  <a:srgbClr val="000000"/>
+                </a:solidFill>
+                <a:latin typeface="Arial"/>
+              </a:rPr>
+              <a:t>: Theme-aware border colors with XML manipulation</a:t>
             </a:r>
           </a:p>
         </p:txBody>
       </p:sp>
       <p:sp>
         <p:nvSpPr>
-          <p:cNvPr id="5" name="TextBox 4"/>
+          <p:cNvPr id="8" name="TextBox 7"/>
           <p:cNvSpPr txBox="1"/>
           <p:nvPr/>
         </p:nvSpPr>
         <p:spPr>
           <a:xfrm>
-            <a:off x="200025" y="1162050"/>
+            <a:off x="200025" y="1790700"/>
             <a:ext cx="8943975" cy="274320"/>
           </a:xfrm>
           <a:prstGeom prst="rect">
@@ -4669,15 +5044,21 @@
             </a:pPr>
             <a:r>
               <a:rPr b="1" sz="700">
-                <a:latin typeface="Arial"/>
-              </a:rPr>
-              <a:t>Before</a:t>
-            </a:r>
-            <a:r>
-              <a:rPr sz="700">
-                <a:latin typeface="Arial"/>
-              </a:rPr>
-              <a:t>: </a:t>
+                <a:solidFill>
+                  <a:srgbClr val="000000"/>
+                </a:solidFill>
+                <a:latin typeface="Arial"/>
+              </a:rPr>
+              <a:t>Dark Theme</a:t>
+            </a:r>
+            <a:r>
+              <a:rPr sz="700">
+                <a:solidFill>
+                  <a:srgbClr val="000000"/>
+                </a:solidFill>
+                <a:latin typeface="Arial"/>
+              </a:rPr>
+              <a:t>: Light gray borders (</a:t>
             </a:r>
             <a:r>
               <a:rPr sz="800">
@@ -4686,219 +5067,13 @@
                 </a:solidFill>
                 <a:latin typeface="Courier New"/>
               </a:rPr>
-              <a:t>Age</a:t>
-            </a:r>
-            <a:r>
-              <a:rPr sz="700">
-                <a:latin typeface="Arial"/>
-              </a:rPr>
-              <a:t> column wrapping to </a:t>
-            </a:r>
-            <a:r>
-              <a:rPr sz="800">
-                <a:solidFill>
-                  <a:srgbClr val="333333"/>
-                </a:solidFill>
-                <a:latin typeface="Courier New"/>
-              </a:rPr>
-              <a:t>Ag\ne</a:t>
-            </a:r>
-            <a:r>
-              <a:rPr sz="700">
-                <a:latin typeface="Arial"/>
-              </a:rPr>
-              <a:t> due to equal distribution
-</a:t>
-            </a:r>
-            <a:r>
-              <a:rPr b="1" sz="700">
-                <a:latin typeface="Arial"/>
-              </a:rPr>
-              <a:t>After</a:t>
-            </a:r>
-            <a:r>
-              <a:rPr sz="700">
-                <a:latin typeface="Arial"/>
-              </a:rPr>
-              <a:t>: Smart width allocation based on content (60px, 47px, 51px)</a:t>
-            </a:r>
-          </a:p>
-        </p:txBody>
-      </p:sp>
-      <p:sp>
-        <p:nvSpPr>
-          <p:cNvPr id="6" name="TextBox 5"/>
-          <p:cNvSpPr txBox="1"/>
-          <p:nvPr/>
-        </p:nvSpPr>
-        <p:spPr>
-          <a:xfrm>
-            <a:off x="200025" y="1352549"/>
-            <a:ext cx="8943975" cy="274320"/>
-          </a:xfrm>
-          <a:prstGeom prst="rect">
-            <a:avLst/>
-          </a:prstGeom>
-          <a:noFill/>
-        </p:spPr>
-        <p:txBody>
-          <a:bodyPr wrap="square" lIns="0" rIns="0" tIns="0" bIns="0">
-            <a:spAutoFit/>
-          </a:bodyPr>
-          <a:lstStyle/>
-          <a:p>
-            <a:pPr algn="l">
-              <a:lnSpc>
-                <a:spcPct val="120000"/>
-              </a:lnSpc>
-              <a:spcBef>
-                <a:spcPts val="0"/>
-              </a:spcBef>
-              <a:spcAft>
-                <a:spcPts val="0"/>
-              </a:spcAft>
-              <a:defRPr>
-                <a:solidFill>
-                  <a:srgbClr val="000000"/>
-                </a:solidFill>
-              </a:defRPr>
-            </a:pPr>
-            <a:r>
-              <a:rPr sz="900" b="1">
-                <a:latin typeface="Arial"/>
-              </a:rPr>
-              <a:t>Dark Theme Border Fix ✅</a:t>
-            </a:r>
-          </a:p>
-        </p:txBody>
-      </p:sp>
-      <p:sp>
-        <p:nvSpPr>
-          <p:cNvPr id="7" name="TextBox 6"/>
-          <p:cNvSpPr txBox="1"/>
-          <p:nvPr/>
-        </p:nvSpPr>
-        <p:spPr>
-          <a:xfrm>
-            <a:off x="200025" y="1685925"/>
-            <a:ext cx="8943975" cy="274320"/>
-          </a:xfrm>
-          <a:prstGeom prst="rect">
-            <a:avLst/>
-          </a:prstGeom>
-          <a:noFill/>
-        </p:spPr>
-        <p:txBody>
-          <a:bodyPr wrap="square" lIns="0" rIns="0" tIns="0" bIns="0">
-            <a:spAutoFit/>
-          </a:bodyPr>
-          <a:lstStyle/>
-          <a:p>
-            <a:pPr algn="l">
-              <a:lnSpc>
-                <a:spcPct val="120000"/>
-              </a:lnSpc>
-              <a:spcBef>
-                <a:spcPts val="0"/>
-              </a:spcBef>
-              <a:spcAft>
-                <a:spcPts val="0"/>
-              </a:spcAft>
-              <a:defRPr>
-                <a:solidFill>
-                  <a:srgbClr val="000000"/>
-                </a:solidFill>
-              </a:defRPr>
-            </a:pPr>
-            <a:r>
-              <a:rPr b="1" sz="700">
-                <a:latin typeface="Arial"/>
-              </a:rPr>
-              <a:t>Problem</a:t>
-            </a:r>
-            <a:r>
-              <a:rPr sz="700">
-                <a:latin typeface="Arial"/>
-              </a:rPr>
-              <a:t>: Black borders invisible on dark background
-</a:t>
-            </a:r>
-            <a:r>
-              <a:rPr b="1" sz="700">
-                <a:latin typeface="Arial"/>
-              </a:rPr>
-              <a:t>Solution</a:t>
-            </a:r>
-            <a:r>
-              <a:rPr sz="700">
-                <a:latin typeface="Arial"/>
-              </a:rPr>
-              <a:t>: Theme-aware border colors with XML manipulation</a:t>
-            </a:r>
-          </a:p>
-        </p:txBody>
-      </p:sp>
-      <p:sp>
-        <p:nvSpPr>
-          <p:cNvPr id="8" name="TextBox 7"/>
-          <p:cNvSpPr txBox="1"/>
-          <p:nvPr/>
-        </p:nvSpPr>
-        <p:spPr>
-          <a:xfrm>
-            <a:off x="200025" y="1924049"/>
-            <a:ext cx="8943975" cy="274320"/>
-          </a:xfrm>
-          <a:prstGeom prst="rect">
-            <a:avLst/>
-          </a:prstGeom>
-          <a:noFill/>
-        </p:spPr>
-        <p:txBody>
-          <a:bodyPr wrap="square" lIns="0" rIns="0" tIns="0" bIns="0">
-            <a:spAutoFit/>
-          </a:bodyPr>
-          <a:lstStyle/>
-          <a:p>
-            <a:pPr algn="l">
-              <a:lnSpc>
-                <a:spcPct val="120000"/>
-              </a:lnSpc>
-              <a:spcBef>
-                <a:spcPts val="0"/>
-              </a:spcBef>
-              <a:spcAft>
-                <a:spcPts val="0"/>
-              </a:spcAft>
-              <a:defRPr>
-                <a:solidFill>
-                  <a:srgbClr val="000000"/>
-                </a:solidFill>
-              </a:defRPr>
-            </a:pPr>
-            <a:r>
-              <a:rPr b="1" sz="700">
-                <a:latin typeface="Arial"/>
-              </a:rPr>
-              <a:t>Dark Theme</a:t>
-            </a:r>
-            <a:r>
-              <a:rPr sz="700">
-                <a:latin typeface="Arial"/>
-              </a:rPr>
-              <a:t>: Light gray borders (</a:t>
-            </a:r>
-            <a:r>
-              <a:rPr sz="800">
-                <a:solidFill>
-                  <a:srgbClr val="333333"/>
-                </a:solidFill>
-                <a:latin typeface="Courier New"/>
-              </a:rPr>
               <a:t>#e0e0e0</a:t>
             </a:r>
             <a:r>
               <a:rPr sz="700">
+                <a:solidFill>
+                  <a:srgbClr val="000000"/>
+                </a:solidFill>
                 <a:latin typeface="Arial"/>
               </a:rPr>
               <a:t>) for visibility
@@ -4906,12 +5081,18 @@
             </a:r>
             <a:r>
               <a:rPr b="1" sz="700">
+                <a:solidFill>
+                  <a:srgbClr val="000000"/>
+                </a:solidFill>
                 <a:latin typeface="Arial"/>
               </a:rPr>
               <a:t>Default Theme</a:t>
             </a:r>
             <a:r>
               <a:rPr sz="700">
+                <a:solidFill>
+                  <a:srgbClr val="000000"/>
+                </a:solidFill>
                 <a:latin typeface="Arial"/>
               </a:rPr>
               <a:t>: Black borders (</a:t>
@@ -4927,6 +5108,9 @@
             </a:r>
             <a:r>
               <a:rPr sz="700">
+                <a:solidFill>
+                  <a:srgbClr val="000000"/>
+                </a:solidFill>
                 <a:latin typeface="Arial"/>
               </a:rPr>
               <a:t>) for definition</a:t>
@@ -4945,6 +5129,14 @@
 <file path=ppt/slides/slide12.xml><?xml version="1.0" encoding="utf-8"?>
 <p:sld xmlns:a="http://schemas.openxmlformats.org/drawingml/2006/main" xmlns:p="http://schemas.openxmlformats.org/presentationml/2006/main" xmlns:r="http://schemas.openxmlformats.org/officeDocument/2006/relationships">
   <p:cSld>
+    <p:bg>
+      <p:bgPr>
+        <a:solidFill>
+          <a:srgbClr val="FFFFFF"/>
+        </a:solidFill>
+        <a:effectLst/>
+      </p:bgPr>
+    </p:bg>
     <p:spTree>
       <p:nvGrpSpPr>
         <p:cNvPr id="1" name=""/>
@@ -4961,7 +5153,7 @@
         <p:spPr>
           <a:xfrm>
             <a:off x="200025" y="180975"/>
-            <a:ext cx="8943975" cy="274320"/>
+            <a:ext cx="8943975" cy="390525"/>
           </a:xfrm>
           <a:prstGeom prst="rect">
             <a:avLst/>
@@ -4992,6 +5184,9 @@
             </a:pPr>
             <a:r>
               <a:rPr sz="1200" b="1">
+                <a:solidFill>
+                  <a:srgbClr val="000000"/>
+                </a:solidFill>
                 <a:latin typeface="Arial"/>
               </a:rPr>
               <a:t>📈 Performance Metrics</a:t>
@@ -5007,8 +5202,8 @@
         </p:nvSpPr>
         <p:spPr>
           <a:xfrm>
-            <a:off x="200025" y="600075"/>
-            <a:ext cx="8943975" cy="274320"/>
+            <a:off x="200025" y="571500"/>
+            <a:ext cx="8943975" cy="304800"/>
           </a:xfrm>
           <a:prstGeom prst="rect">
             <a:avLst/>
@@ -5039,6 +5234,9 @@
             </a:pPr>
             <a:r>
               <a:rPr sz="900" b="1">
+                <a:solidFill>
+                  <a:srgbClr val="000000"/>
+                </a:solidFill>
                 <a:latin typeface="Arial"/>
               </a:rPr>
               <a:t>Processing Speed</a:t>
@@ -5054,8 +5252,8 @@
         </p:nvSpPr>
         <p:spPr>
           <a:xfrm>
-            <a:off x="200025" y="923924"/>
-            <a:ext cx="2647949" cy="1485900"/>
+            <a:off x="200025" y="876299"/>
+            <a:ext cx="2647949" cy="1628775"/>
           </a:xfrm>
           <a:prstGeom prst="rect">
             <a:avLst/>
@@ -5088,8 +5286,8 @@
           <p:nvPr/>
         </p:nvGraphicFramePr>
         <p:xfrm>
-          <a:off x="200025" y="923924"/>
-          <a:ext cx="2638796" cy="1428750"/>
+          <a:off x="200025" y="876299"/>
+          <a:ext cx="2902675" cy="1571625"/>
         </p:xfrm>
         <a:graphic>
           <a:graphicData uri="http://schemas.openxmlformats.org/drawingml/2006/table">
@@ -5129,11 +5327,11 @@
                 </a:tblBorders>
               </a:tblPr>
               <a:tblGrid>
-                <a:gridCol w="776138"/>
-                <a:gridCol w="922511"/>
-                <a:gridCol w="940147"/>
+                <a:gridCol w="853752"/>
+                <a:gridCol w="1014762"/>
+                <a:gridCol w="1034161"/>
               </a:tblGrid>
-              <a:tr h="285750">
+              <a:tr h="314325">
                 <a:tc>
                   <a:txBody>
                     <a:bodyPr lIns="76200" rIns="76200" tIns="76200" bIns="76200"/>
@@ -5282,7 +5480,7 @@
                   </a:tcPr>
                 </a:tc>
               </a:tr>
-              <a:tr h="285750">
+              <a:tr h="314325">
                 <a:tc>
                   <a:txBody>
                     <a:bodyPr lIns="76200" rIns="76200" tIns="76200" bIns="76200"/>
@@ -5431,7 +5629,7 @@
                   </a:tcPr>
                 </a:tc>
               </a:tr>
-              <a:tr h="285750">
+              <a:tr h="314325">
                 <a:tc>
                   <a:txBody>
                     <a:bodyPr lIns="76200" rIns="76200" tIns="76200" bIns="76200"/>
@@ -5580,7 +5778,7 @@
                   </a:tcPr>
                 </a:tc>
               </a:tr>
-              <a:tr h="285750">
+              <a:tr h="314325">
                 <a:tc>
                   <a:txBody>
                     <a:bodyPr lIns="76200" rIns="76200" tIns="76200" bIns="76200"/>
@@ -5729,7 +5927,7 @@
                   </a:tcPr>
                 </a:tc>
               </a:tr>
-              <a:tr h="285750">
+              <a:tr h="314325">
                 <a:tc>
                   <a:txBody>
                     <a:bodyPr lIns="76200" rIns="76200" tIns="76200" bIns="76200"/>
@@ -5890,8 +6088,8 @@
         </p:nvSpPr>
         <p:spPr>
           <a:xfrm>
-            <a:off x="200025" y="2552700"/>
-            <a:ext cx="8943975" cy="274320"/>
+            <a:off x="200025" y="2505074"/>
+            <a:ext cx="8943975" cy="304800"/>
           </a:xfrm>
           <a:prstGeom prst="rect">
             <a:avLst/>
@@ -5922,6 +6120,9 @@
             </a:pPr>
             <a:r>
               <a:rPr sz="900" b="1">
+                <a:solidFill>
+                  <a:srgbClr val="000000"/>
+                </a:solidFill>
                 <a:latin typeface="Arial"/>
               </a:rPr>
               <a:t>Quality Metrics</a:t>
@@ -5937,8 +6138,8 @@
         </p:nvSpPr>
         <p:spPr>
           <a:xfrm>
-            <a:off x="200025" y="2886075"/>
-            <a:ext cx="8943975" cy="590549"/>
+            <a:off x="200025" y="2819399"/>
+            <a:ext cx="8943975" cy="571500"/>
           </a:xfrm>
           <a:prstGeom prst="rect">
             <a:avLst/>
@@ -5965,23 +6166,37 @@
               </a:defRPr>
             </a:pPr>
             <a:r>
-              <a:rPr sz="700"/>
+              <a:rPr sz="700">
+                <a:solidFill>
+                  <a:srgbClr val="000000"/>
+                </a:solidFill>
+                <a:latin typeface="Arial"/>
+              </a:rPr>
               <a:t>• </a:t>
             </a:r>
             <a:r>
               <a:rPr sz="700">
+                <a:solidFill>
+                  <a:srgbClr val="000000"/>
+                </a:solidFill>
                 <a:latin typeface="Arial"/>
               </a:rPr>
               <a:t>✅ </a:t>
             </a:r>
             <a:r>
               <a:rPr b="1" sz="700">
+                <a:solidFill>
+                  <a:srgbClr val="000000"/>
+                </a:solidFill>
                 <a:latin typeface="Arial"/>
               </a:rPr>
               <a:t>99.8% formatting accuracy</a:t>
             </a:r>
             <a:r>
               <a:rPr sz="700">
+                <a:solidFill>
+                  <a:srgbClr val="000000"/>
+                </a:solidFill>
                 <a:latin typeface="Arial"/>
               </a:rPr>
               <a:t> across all content types</a:t>
@@ -5996,23 +6211,37 @@
               </a:defRPr>
             </a:pPr>
             <a:r>
-              <a:rPr sz="700"/>
+              <a:rPr sz="700">
+                <a:solidFill>
+                  <a:srgbClr val="000000"/>
+                </a:solidFill>
+                <a:latin typeface="Arial"/>
+              </a:rPr>
               <a:t>• </a:t>
             </a:r>
             <a:r>
               <a:rPr sz="700">
+                <a:solidFill>
+                  <a:srgbClr val="000000"/>
+                </a:solidFill>
                 <a:latin typeface="Arial"/>
               </a:rPr>
               <a:t>✅ </a:t>
             </a:r>
             <a:r>
               <a:rPr b="1" sz="700">
+                <a:solidFill>
+                  <a:srgbClr val="000000"/>
+                </a:solidFill>
                 <a:latin typeface="Arial"/>
               </a:rPr>
               <a:t>Zero overlaps</a:t>
             </a:r>
             <a:r>
               <a:rPr sz="700">
+                <a:solidFill>
+                  <a:srgbClr val="000000"/>
+                </a:solidFill>
                 <a:latin typeface="Arial"/>
               </a:rPr>
               <a:t> in generated presentations</a:t>
@@ -6027,23 +6256,37 @@
               </a:defRPr>
             </a:pPr>
             <a:r>
-              <a:rPr sz="700"/>
+              <a:rPr sz="700">
+                <a:solidFill>
+                  <a:srgbClr val="000000"/>
+                </a:solidFill>
+                <a:latin typeface="Arial"/>
+              </a:rPr>
               <a:t>• </a:t>
             </a:r>
             <a:r>
               <a:rPr sz="700">
+                <a:solidFill>
+                  <a:srgbClr val="000000"/>
+                </a:solidFill>
                 <a:latin typeface="Arial"/>
               </a:rPr>
               <a:t>✅ </a:t>
             </a:r>
             <a:r>
               <a:rPr b="1" sz="700">
+                <a:solidFill>
+                  <a:srgbClr val="000000"/>
+                </a:solidFill>
                 <a:latin typeface="Arial"/>
               </a:rPr>
               <a:t>100% boundary compliance</a:t>
             </a:r>
             <a:r>
               <a:rPr sz="700">
+                <a:solidFill>
+                  <a:srgbClr val="000000"/>
+                </a:solidFill>
                 <a:latin typeface="Arial"/>
               </a:rPr>
               <a:t> - no content overflow</a:t>
@@ -6058,23 +6301,37 @@
               </a:defRPr>
             </a:pPr>
             <a:r>
-              <a:rPr sz="700"/>
+              <a:rPr sz="700">
+                <a:solidFill>
+                  <a:srgbClr val="000000"/>
+                </a:solidFill>
+                <a:latin typeface="Arial"/>
+              </a:rPr>
               <a:t>• </a:t>
             </a:r>
             <a:r>
               <a:rPr sz="700">
+                <a:solidFill>
+                  <a:srgbClr val="000000"/>
+                </a:solidFill>
                 <a:latin typeface="Arial"/>
               </a:rPr>
               <a:t>✅ </a:t>
             </a:r>
             <a:r>
               <a:rPr b="1" sz="700">
+                <a:solidFill>
+                  <a:srgbClr val="000000"/>
+                </a:solidFill>
                 <a:latin typeface="Arial"/>
               </a:rPr>
               <a:t>Perfect theme consistency</a:t>
             </a:r>
             <a:r>
               <a:rPr sz="700">
+                <a:solidFill>
+                  <a:srgbClr val="000000"/>
+                </a:solidFill>
                 <a:latin typeface="Arial"/>
               </a:rPr>
               <a:t> across all elements</a:t>
@@ -6093,6 +6350,14 @@
 <file path=ppt/slides/slide13.xml><?xml version="1.0" encoding="utf-8"?>
 <p:sld xmlns:a="http://schemas.openxmlformats.org/drawingml/2006/main" xmlns:p="http://schemas.openxmlformats.org/presentationml/2006/main" xmlns:r="http://schemas.openxmlformats.org/officeDocument/2006/relationships">
   <p:cSld>
+    <p:bg>
+      <p:bgPr>
+        <a:solidFill>
+          <a:srgbClr val="FFFFFF"/>
+        </a:solidFill>
+        <a:effectLst/>
+      </p:bgPr>
+    </p:bg>
     <p:spTree>
       <p:nvGrpSpPr>
         <p:cNvPr id="1" name=""/>
@@ -6109,6 +6374,455 @@
         <p:spPr>
           <a:xfrm>
             <a:off x="200025" y="180975"/>
+            <a:ext cx="8943975" cy="390525"/>
+          </a:xfrm>
+          <a:prstGeom prst="rect">
+            <a:avLst/>
+          </a:prstGeom>
+          <a:noFill/>
+        </p:spPr>
+        <p:txBody>
+          <a:bodyPr wrap="square" lIns="0" rIns="0" tIns="0" bIns="0">
+            <a:spAutoFit/>
+          </a:bodyPr>
+          <a:lstStyle/>
+          <a:p>
+            <a:pPr algn="l">
+              <a:lnSpc>
+                <a:spcPct val="120000"/>
+              </a:lnSpc>
+              <a:spcBef>
+                <a:spcPts val="0"/>
+              </a:spcBef>
+              <a:spcAft>
+                <a:spcPts val="0"/>
+              </a:spcAft>
+              <a:defRPr>
+                <a:solidFill>
+                  <a:srgbClr val="000000"/>
+                </a:solidFill>
+              </a:defRPr>
+            </a:pPr>
+            <a:r>
+              <a:rPr sz="1200" b="1">
+                <a:solidFill>
+                  <a:srgbClr val="000000"/>
+                </a:solidFill>
+                <a:latin typeface="Arial"/>
+              </a:rPr>
+              <a:t>🎉 Summary &amp; Next Steps</a:t>
+            </a:r>
+          </a:p>
+        </p:txBody>
+      </p:sp>
+      <p:sp>
+        <p:nvSpPr>
+          <p:cNvPr id="3" name="TextBox 2"/>
+          <p:cNvSpPr txBox="1"/>
+          <p:nvPr/>
+        </p:nvSpPr>
+        <p:spPr>
+          <a:xfrm>
+            <a:off x="200025" y="571500"/>
+            <a:ext cx="8943975" cy="304800"/>
+          </a:xfrm>
+          <a:prstGeom prst="rect">
+            <a:avLst/>
+          </a:prstGeom>
+          <a:noFill/>
+        </p:spPr>
+        <p:txBody>
+          <a:bodyPr wrap="square" lIns="0" rIns="0" tIns="0" bIns="0">
+            <a:spAutoFit/>
+          </a:bodyPr>
+          <a:lstStyle/>
+          <a:p>
+            <a:pPr algn="l">
+              <a:lnSpc>
+                <a:spcPct val="120000"/>
+              </a:lnSpc>
+              <a:spcBef>
+                <a:spcPts val="0"/>
+              </a:spcBef>
+              <a:spcAft>
+                <a:spcPts val="0"/>
+              </a:spcAft>
+              <a:defRPr>
+                <a:solidFill>
+                  <a:srgbClr val="000000"/>
+                </a:solidFill>
+              </a:defRPr>
+            </a:pPr>
+            <a:r>
+              <a:rPr sz="900" b="1">
+                <a:solidFill>
+                  <a:srgbClr val="000000"/>
+                </a:solidFill>
+                <a:latin typeface="Arial"/>
+              </a:rPr>
+              <a:t>What You've Experienced</a:t>
+            </a:r>
+          </a:p>
+        </p:txBody>
+      </p:sp>
+      <p:sp>
+        <p:nvSpPr>
+          <p:cNvPr id="4" name="TextBox 3"/>
+          <p:cNvSpPr txBox="1"/>
+          <p:nvPr/>
+        </p:nvSpPr>
+        <p:spPr>
+          <a:xfrm>
+            <a:off x="200025" y="876299"/>
+            <a:ext cx="8943975" cy="800100"/>
+          </a:xfrm>
+          <a:prstGeom prst="rect">
+            <a:avLst/>
+          </a:prstGeom>
+          <a:noFill/>
+        </p:spPr>
+        <p:txBody>
+          <a:bodyPr wrap="square" lIns="0" rIns="0" tIns="0" bIns="0">
+            <a:spAutoFit/>
+          </a:bodyPr>
+          <a:lstStyle/>
+          <a:p>
+            <a:pPr algn="l">
+              <a:spcBef>
+                <a:spcPts val="0"/>
+              </a:spcBef>
+              <a:spcAft>
+                <a:spcPts val="0"/>
+              </a:spcAft>
+              <a:defRPr>
+                <a:solidFill>
+                  <a:srgbClr val="000000"/>
+                </a:solidFill>
+              </a:defRPr>
+            </a:pPr>
+            <a:r>
+              <a:rPr sz="700">
+                <a:solidFill>
+                  <a:srgbClr val="000000"/>
+                </a:solidFill>
+                <a:latin typeface="Arial"/>
+              </a:rPr>
+              <a:t>• </a:t>
+            </a:r>
+            <a:r>
+              <a:rPr sz="700">
+                <a:solidFill>
+                  <a:srgbClr val="000000"/>
+                </a:solidFill>
+                <a:latin typeface="Arial"/>
+              </a:rPr>
+              <a:t>✅ </a:t>
+            </a:r>
+            <a:r>
+              <a:rPr b="1" sz="700">
+                <a:solidFill>
+                  <a:srgbClr val="000000"/>
+                </a:solidFill>
+                <a:latin typeface="Arial"/>
+              </a:rPr>
+              <a:t>Complete inline styling</a:t>
+            </a:r>
+            <a:r>
+              <a:rPr sz="700">
+                <a:solidFill>
+                  <a:srgbClr val="000000"/>
+                </a:solidFill>
+                <a:latin typeface="Arial"/>
+              </a:rPr>
+              <a:t> - bold, italic, code, highlights</a:t>
+            </a:r>
+          </a:p>
+          <a:p>
+            <a:pPr algn="l">
+              <a:defRPr>
+                <a:solidFill>
+                  <a:srgbClr val="000000"/>
+                </a:solidFill>
+              </a:defRPr>
+            </a:pPr>
+            <a:r>
+              <a:rPr sz="700">
+                <a:solidFill>
+                  <a:srgbClr val="000000"/>
+                </a:solidFill>
+                <a:latin typeface="Arial"/>
+              </a:rPr>
+              <a:t>• </a:t>
+            </a:r>
+            <a:r>
+              <a:rPr sz="700">
+                <a:solidFill>
+                  <a:srgbClr val="000000"/>
+                </a:solidFill>
+                <a:latin typeface="Arial"/>
+              </a:rPr>
+              <a:t>✅ </a:t>
+            </a:r>
+            <a:r>
+              <a:rPr b="1" sz="700">
+                <a:solidFill>
+                  <a:srgbClr val="000000"/>
+                </a:solidFill>
+                <a:latin typeface="Arial"/>
+              </a:rPr>
+              <a:t>Smart table rendering</a:t>
+            </a:r>
+            <a:r>
+              <a:rPr sz="700">
+                <a:solidFill>
+                  <a:srgbClr val="000000"/>
+                </a:solidFill>
+                <a:latin typeface="Arial"/>
+              </a:rPr>
+              <a:t> - HTML auto-width with theme-aware borders</a:t>
+            </a:r>
+          </a:p>
+          <a:p>
+            <a:pPr algn="l">
+              <a:defRPr>
+                <a:solidFill>
+                  <a:srgbClr val="000000"/>
+                </a:solidFill>
+              </a:defRPr>
+            </a:pPr>
+            <a:r>
+              <a:rPr sz="700">
+                <a:solidFill>
+                  <a:srgbClr val="000000"/>
+                </a:solidFill>
+                <a:latin typeface="Arial"/>
+              </a:rPr>
+              <a:t>• </a:t>
+            </a:r>
+            <a:r>
+              <a:rPr sz="700">
+                <a:solidFill>
+                  <a:srgbClr val="000000"/>
+                </a:solidFill>
+                <a:latin typeface="Arial"/>
+              </a:rPr>
+              <a:t>✅ </a:t>
+            </a:r>
+            <a:r>
+              <a:rPr b="1" sz="700">
+                <a:solidFill>
+                  <a:srgbClr val="000000"/>
+                </a:solidFill>
+                <a:latin typeface="Arial"/>
+              </a:rPr>
+              <a:t>Professional code blocks</a:t>
+            </a:r>
+            <a:r>
+              <a:rPr sz="700">
+                <a:solidFill>
+                  <a:srgbClr val="000000"/>
+                </a:solidFill>
+                <a:latin typeface="Arial"/>
+              </a:rPr>
+              <a:t> - syntax highlighting and proper formatting</a:t>
+            </a:r>
+          </a:p>
+          <a:p>
+            <a:pPr algn="l">
+              <a:defRPr>
+                <a:solidFill>
+                  <a:srgbClr val="000000"/>
+                </a:solidFill>
+              </a:defRPr>
+            </a:pPr>
+            <a:r>
+              <a:rPr sz="700">
+                <a:solidFill>
+                  <a:srgbClr val="000000"/>
+                </a:solidFill>
+                <a:latin typeface="Arial"/>
+              </a:rPr>
+              <a:t>• </a:t>
+            </a:r>
+            <a:r>
+              <a:rPr sz="700">
+                <a:solidFill>
+                  <a:srgbClr val="000000"/>
+                </a:solidFill>
+                <a:latin typeface="Arial"/>
+              </a:rPr>
+              <a:t>✅ </a:t>
+            </a:r>
+            <a:r>
+              <a:rPr b="1" sz="700">
+                <a:solidFill>
+                  <a:srgbClr val="000000"/>
+                </a:solidFill>
+                <a:latin typeface="Arial"/>
+              </a:rPr>
+              <a:t>Intelligent pagination</a:t>
+            </a:r>
+            <a:r>
+              <a:rPr sz="700">
+                <a:solidFill>
+                  <a:srgbClr val="000000"/>
+                </a:solidFill>
+                <a:latin typeface="Arial"/>
+              </a:rPr>
+              <a:t> - browser-based measurement and positioning</a:t>
+            </a:r>
+          </a:p>
+          <a:p>
+            <a:pPr algn="l">
+              <a:defRPr>
+                <a:solidFill>
+                  <a:srgbClr val="000000"/>
+                </a:solidFill>
+              </a:defRPr>
+            </a:pPr>
+            <a:r>
+              <a:rPr sz="700">
+                <a:solidFill>
+                  <a:srgbClr val="000000"/>
+                </a:solidFill>
+                <a:latin typeface="Arial"/>
+              </a:rPr>
+              <a:t>• </a:t>
+            </a:r>
+            <a:r>
+              <a:rPr sz="700">
+                <a:solidFill>
+                  <a:srgbClr val="000000"/>
+                </a:solidFill>
+                <a:latin typeface="Arial"/>
+              </a:rPr>
+              <a:t>✅ </a:t>
+            </a:r>
+            <a:r>
+              <a:rPr b="1" sz="700">
+                <a:solidFill>
+                  <a:srgbClr val="000000"/>
+                </a:solidFill>
+                <a:latin typeface="Arial"/>
+              </a:rPr>
+              <a:t>Theme support</a:t>
+            </a:r>
+            <a:r>
+              <a:rPr sz="700">
+                <a:solidFill>
+                  <a:srgbClr val="000000"/>
+                </a:solidFill>
+                <a:latin typeface="Arial"/>
+              </a:rPr>
+              <a:t> - default and dark themes with full consistency</a:t>
+            </a:r>
+          </a:p>
+          <a:p>
+            <a:pPr algn="l">
+              <a:defRPr>
+                <a:solidFill>
+                  <a:srgbClr val="000000"/>
+                </a:solidFill>
+              </a:defRPr>
+            </a:pPr>
+            <a:r>
+              <a:rPr sz="700">
+                <a:solidFill>
+                  <a:srgbClr val="000000"/>
+                </a:solidFill>
+                <a:latin typeface="Arial"/>
+              </a:rPr>
+              <a:t>• </a:t>
+            </a:r>
+            <a:r>
+              <a:rPr sz="700">
+                <a:solidFill>
+                  <a:srgbClr val="000000"/>
+                </a:solidFill>
+                <a:latin typeface="Arial"/>
+              </a:rPr>
+              <a:t>✅ </a:t>
+            </a:r>
+            <a:r>
+              <a:rPr b="1" sz="700">
+                <a:solidFill>
+                  <a:srgbClr val="000000"/>
+                </a:solidFill>
+                <a:latin typeface="Arial"/>
+              </a:rPr>
+              <a:t>Quality assurance</a:t>
+            </a:r>
+            <a:r>
+              <a:rPr sz="700">
+                <a:solidFill>
+                  <a:srgbClr val="000000"/>
+                </a:solidFill>
+                <a:latin typeface="Arial"/>
+              </a:rPr>
+              <a:t> - comprehensive testing and validation</a:t>
+            </a:r>
+          </a:p>
+        </p:txBody>
+      </p:sp>
+      <p:sp>
+        <p:nvSpPr>
+          <p:cNvPr id="5" name="TextBox 4"/>
+          <p:cNvSpPr txBox="1"/>
+          <p:nvPr/>
+        </p:nvSpPr>
+        <p:spPr>
+          <a:xfrm>
+            <a:off x="200025" y="1581149"/>
+            <a:ext cx="8943975" cy="304800"/>
+          </a:xfrm>
+          <a:prstGeom prst="rect">
+            <a:avLst/>
+          </a:prstGeom>
+          <a:noFill/>
+        </p:spPr>
+        <p:txBody>
+          <a:bodyPr wrap="square" lIns="0" rIns="0" tIns="0" bIns="0">
+            <a:spAutoFit/>
+          </a:bodyPr>
+          <a:lstStyle/>
+          <a:p>
+            <a:pPr algn="l">
+              <a:lnSpc>
+                <a:spcPct val="120000"/>
+              </a:lnSpc>
+              <a:spcBef>
+                <a:spcPts val="0"/>
+              </a:spcBef>
+              <a:spcAft>
+                <a:spcPts val="0"/>
+              </a:spcAft>
+              <a:defRPr>
+                <a:solidFill>
+                  <a:srgbClr val="000000"/>
+                </a:solidFill>
+              </a:defRPr>
+            </a:pPr>
+            <a:r>
+              <a:rPr sz="900" b="1">
+                <a:solidFill>
+                  <a:srgbClr val="000000"/>
+                </a:solidFill>
+                <a:latin typeface="Arial"/>
+              </a:rPr>
+              <a:t>Ready for Production</a:t>
+            </a:r>
+          </a:p>
+        </p:txBody>
+      </p:sp>
+      <p:sp>
+        <p:nvSpPr>
+          <p:cNvPr id="6" name="TextBox 5"/>
+          <p:cNvSpPr txBox="1"/>
+          <p:nvPr/>
+        </p:nvSpPr>
+        <p:spPr>
+          <a:xfrm>
+            <a:off x="200025" y="1895474"/>
             <a:ext cx="8943975" cy="274320"/>
           </a:xfrm>
           <a:prstGeom prst="rect">
@@ -6139,23 +6853,298 @@
               </a:defRPr>
             </a:pPr>
             <a:r>
-              <a:rPr sz="1200" b="1">
-                <a:latin typeface="Arial"/>
-              </a:rPr>
-              <a:t>🎉 Summary &amp; Next Steps</a:t>
+              <a:rPr sz="700">
+                <a:solidFill>
+                  <a:srgbClr val="000000"/>
+                </a:solidFill>
+                <a:latin typeface="Arial"/>
+              </a:rPr>
+              <a:t>This slide generator is </a:t>
+            </a:r>
+            <a:r>
+              <a:rPr b="1" sz="700">
+                <a:solidFill>
+                  <a:srgbClr val="000000"/>
+                </a:solidFill>
+                <a:latin typeface="Arial"/>
+              </a:rPr>
+              <a:t>production-ready</a:t>
+            </a:r>
+            <a:r>
+              <a:rPr sz="700">
+                <a:solidFill>
+                  <a:srgbClr val="000000"/>
+                </a:solidFill>
+                <a:latin typeface="Arial"/>
+              </a:rPr>
+              <a:t> with:</a:t>
             </a:r>
           </a:p>
         </p:txBody>
       </p:sp>
       <p:sp>
         <p:nvSpPr>
-          <p:cNvPr id="3" name="TextBox 2"/>
+          <p:cNvPr id="7" name="TextBox 6"/>
           <p:cNvSpPr txBox="1"/>
           <p:nvPr/>
         </p:nvSpPr>
         <p:spPr>
           <a:xfrm>
-            <a:off x="200025" y="600075"/>
+            <a:off x="200025" y="2124075"/>
+            <a:ext cx="8943975" cy="685800"/>
+          </a:xfrm>
+          <a:prstGeom prst="rect">
+            <a:avLst/>
+          </a:prstGeom>
+          <a:noFill/>
+        </p:spPr>
+        <p:txBody>
+          <a:bodyPr wrap="square" lIns="0" rIns="0" tIns="0" bIns="0">
+            <a:spAutoFit/>
+          </a:bodyPr>
+          <a:lstStyle/>
+          <a:p>
+            <a:pPr algn="l">
+              <a:spcBef>
+                <a:spcPts val="0"/>
+              </a:spcBef>
+              <a:spcAft>
+                <a:spcPts val="0"/>
+              </a:spcAft>
+              <a:defRPr>
+                <a:solidFill>
+                  <a:srgbClr val="000000"/>
+                </a:solidFill>
+              </a:defRPr>
+            </a:pPr>
+            <a:r>
+              <a:rPr sz="700">
+                <a:solidFill>
+                  <a:srgbClr val="000000"/>
+                </a:solidFill>
+                <a:latin typeface="Arial"/>
+              </a:rPr>
+              <a:t>• </a:t>
+            </a:r>
+            <a:r>
+              <a:rPr sz="700">
+                <a:solidFill>
+                  <a:srgbClr val="000000"/>
+                </a:solidFill>
+                <a:latin typeface="Arial"/>
+              </a:rPr>
+              <a:t>🚀 </a:t>
+            </a:r>
+            <a:r>
+              <a:rPr b="1" sz="700">
+                <a:solidFill>
+                  <a:srgbClr val="000000"/>
+                </a:solidFill>
+                <a:latin typeface="Arial"/>
+              </a:rPr>
+              <a:t>High performance</a:t>
+            </a:r>
+            <a:r>
+              <a:rPr sz="700">
+                <a:solidFill>
+                  <a:srgbClr val="000000"/>
+                </a:solidFill>
+                <a:latin typeface="Arial"/>
+              </a:rPr>
+              <a:t> browser-based rendering</a:t>
+            </a:r>
+          </a:p>
+          <a:p>
+            <a:pPr algn="l">
+              <a:defRPr>
+                <a:solidFill>
+                  <a:srgbClr val="000000"/>
+                </a:solidFill>
+              </a:defRPr>
+            </a:pPr>
+            <a:r>
+              <a:rPr sz="700">
+                <a:solidFill>
+                  <a:srgbClr val="000000"/>
+                </a:solidFill>
+                <a:latin typeface="Arial"/>
+              </a:rPr>
+              <a:t>• </a:t>
+            </a:r>
+            <a:r>
+              <a:rPr sz="700">
+                <a:solidFill>
+                  <a:srgbClr val="000000"/>
+                </a:solidFill>
+                <a:latin typeface="Arial"/>
+              </a:rPr>
+              <a:t>🎯 </a:t>
+            </a:r>
+            <a:r>
+              <a:rPr b="1" sz="700">
+                <a:solidFill>
+                  <a:srgbClr val="000000"/>
+                </a:solidFill>
+                <a:latin typeface="Arial"/>
+              </a:rPr>
+              <a:t>Pixel-perfect accuracy</a:t>
+            </a:r>
+            <a:r>
+              <a:rPr sz="700">
+                <a:solidFill>
+                  <a:srgbClr val="000000"/>
+                </a:solidFill>
+                <a:latin typeface="Arial"/>
+              </a:rPr>
+              <a:t> in layout and positioning</a:t>
+            </a:r>
+          </a:p>
+          <a:p>
+            <a:pPr algn="l">
+              <a:defRPr>
+                <a:solidFill>
+                  <a:srgbClr val="000000"/>
+                </a:solidFill>
+              </a:defRPr>
+            </a:pPr>
+            <a:r>
+              <a:rPr sz="700">
+                <a:solidFill>
+                  <a:srgbClr val="000000"/>
+                </a:solidFill>
+                <a:latin typeface="Arial"/>
+              </a:rPr>
+              <a:t>• </a:t>
+            </a:r>
+            <a:r>
+              <a:rPr sz="700">
+                <a:solidFill>
+                  <a:srgbClr val="000000"/>
+                </a:solidFill>
+                <a:latin typeface="Arial"/>
+              </a:rPr>
+              <a:t>🎨 </a:t>
+            </a:r>
+            <a:r>
+              <a:rPr b="1" sz="700">
+                <a:solidFill>
+                  <a:srgbClr val="000000"/>
+                </a:solidFill>
+                <a:latin typeface="Arial"/>
+              </a:rPr>
+              <a:t>Professional themes</a:t>
+            </a:r>
+            <a:r>
+              <a:rPr sz="700">
+                <a:solidFill>
+                  <a:srgbClr val="000000"/>
+                </a:solidFill>
+                <a:latin typeface="Arial"/>
+              </a:rPr>
+              <a:t> with consistent styling</a:t>
+            </a:r>
+          </a:p>
+          <a:p>
+            <a:pPr algn="l">
+              <a:defRPr>
+                <a:solidFill>
+                  <a:srgbClr val="000000"/>
+                </a:solidFill>
+              </a:defRPr>
+            </a:pPr>
+            <a:r>
+              <a:rPr sz="700">
+                <a:solidFill>
+                  <a:srgbClr val="000000"/>
+                </a:solidFill>
+                <a:latin typeface="Arial"/>
+              </a:rPr>
+              <a:t>• </a:t>
+            </a:r>
+            <a:r>
+              <a:rPr sz="700">
+                <a:solidFill>
+                  <a:srgbClr val="000000"/>
+                </a:solidFill>
+                <a:latin typeface="Arial"/>
+              </a:rPr>
+              <a:t>🔧 </a:t>
+            </a:r>
+            <a:r>
+              <a:rPr b="1" sz="700">
+                <a:solidFill>
+                  <a:srgbClr val="000000"/>
+                </a:solidFill>
+                <a:latin typeface="Arial"/>
+              </a:rPr>
+              <a:t>Robust architecture</a:t>
+            </a:r>
+            <a:r>
+              <a:rPr sz="700">
+                <a:solidFill>
+                  <a:srgbClr val="000000"/>
+                </a:solidFill>
+                <a:latin typeface="Arial"/>
+              </a:rPr>
+              <a:t> with comprehensive error handling</a:t>
+            </a:r>
+          </a:p>
+          <a:p>
+            <a:pPr algn="l">
+              <a:defRPr>
+                <a:solidFill>
+                  <a:srgbClr val="000000"/>
+                </a:solidFill>
+              </a:defRPr>
+            </a:pPr>
+            <a:r>
+              <a:rPr sz="700">
+                <a:solidFill>
+                  <a:srgbClr val="000000"/>
+                </a:solidFill>
+                <a:latin typeface="Arial"/>
+              </a:rPr>
+              <a:t>• </a:t>
+            </a:r>
+            <a:r>
+              <a:rPr sz="700">
+                <a:solidFill>
+                  <a:srgbClr val="000000"/>
+                </a:solidFill>
+                <a:latin typeface="Arial"/>
+              </a:rPr>
+              <a:t>✅ </a:t>
+            </a:r>
+            <a:r>
+              <a:rPr b="1" sz="700">
+                <a:solidFill>
+                  <a:srgbClr val="000000"/>
+                </a:solidFill>
+                <a:latin typeface="Arial"/>
+              </a:rPr>
+              <a:t>Extensive testing</a:t>
+            </a:r>
+            <a:r>
+              <a:rPr sz="700">
+                <a:solidFill>
+                  <a:srgbClr val="000000"/>
+                </a:solidFill>
+                <a:latin typeface="Arial"/>
+              </a:rPr>
+              <a:t> ensuring reliability and quality</a:t>
+            </a:r>
+          </a:p>
+        </p:txBody>
+      </p:sp>
+      <p:sp>
+        <p:nvSpPr>
+          <p:cNvPr id="8" name="TextBox 7"/>
+          <p:cNvSpPr txBox="1"/>
+          <p:nvPr/>
+        </p:nvSpPr>
+        <p:spPr>
+          <a:xfrm>
+            <a:off x="200025" y="2809875"/>
             <a:ext cx="8943975" cy="274320"/>
           </a:xfrm>
           <a:prstGeom prst="rect">
@@ -6186,571 +7175,25 @@
               </a:defRPr>
             </a:pPr>
             <a:r>
-              <a:rPr sz="900" b="1">
-                <a:latin typeface="Arial"/>
-              </a:rPr>
-              <a:t>What You've Experienced</a:t>
-            </a:r>
-          </a:p>
-        </p:txBody>
-      </p:sp>
-      <p:sp>
-        <p:nvSpPr>
-          <p:cNvPr id="4" name="TextBox 3"/>
-          <p:cNvSpPr txBox="1"/>
-          <p:nvPr/>
-        </p:nvSpPr>
-        <p:spPr>
-          <a:xfrm>
-            <a:off x="200025" y="923924"/>
-            <a:ext cx="8943975" cy="885825"/>
-          </a:xfrm>
-          <a:prstGeom prst="rect">
-            <a:avLst/>
-          </a:prstGeom>
-          <a:noFill/>
-        </p:spPr>
-        <p:txBody>
-          <a:bodyPr wrap="square" lIns="0" rIns="0" tIns="0" bIns="0">
-            <a:spAutoFit/>
-          </a:bodyPr>
-          <a:lstStyle/>
-          <a:p>
-            <a:pPr algn="l">
-              <a:spcBef>
-                <a:spcPts val="0"/>
-              </a:spcBef>
-              <a:spcAft>
-                <a:spcPts val="0"/>
-              </a:spcAft>
-              <a:defRPr>
-                <a:solidFill>
-                  <a:srgbClr val="000000"/>
-                </a:solidFill>
-              </a:defRPr>
-            </a:pPr>
-            <a:r>
-              <a:rPr sz="700"/>
-              <a:t>• </a:t>
-            </a:r>
-            <a:r>
-              <a:rPr sz="700">
-                <a:latin typeface="Arial"/>
-              </a:rPr>
-              <a:t>✅ </a:t>
-            </a:r>
-            <a:r>
               <a:rPr b="1" sz="700">
-                <a:latin typeface="Arial"/>
-              </a:rPr>
-              <a:t>Complete inline styling</a:t>
-            </a:r>
-            <a:r>
-              <a:rPr sz="700">
-                <a:latin typeface="Arial"/>
-              </a:rPr>
-              <a:t> - bold, italic, code, highlights</a:t>
-            </a:r>
-          </a:p>
-          <a:p>
-            <a:pPr algn="l">
-              <a:defRPr>
-                <a:solidFill>
-                  <a:srgbClr val="000000"/>
-                </a:solidFill>
-              </a:defRPr>
-            </a:pPr>
-            <a:r>
-              <a:rPr sz="700"/>
-              <a:t>• </a:t>
-            </a:r>
-            <a:r>
-              <a:rPr sz="700">
-                <a:latin typeface="Arial"/>
-              </a:rPr>
-              <a:t>✅ </a:t>
+                <a:solidFill>
+                  <a:srgbClr val="000000"/>
+                </a:solidFill>
+                <a:latin typeface="Arial"/>
+              </a:rPr>
+              <a:t>Thank you</a:t>
+            </a:r>
+            <a:r>
+              <a:rPr sz="700">
+                <a:solidFill>
+                  <a:srgbClr val="000000"/>
+                </a:solidFill>
+                <a:latin typeface="Arial"/>
+              </a:rPr>
+              <a:t> for exploring the </a:t>
             </a:r>
             <a:r>
               <a:rPr b="1" sz="700">
-                <a:latin typeface="Arial"/>
-              </a:rPr>
-              <a:t>Smart table rendering</a:t>
-            </a:r>
-            <a:r>
-              <a:rPr sz="700">
-                <a:latin typeface="Arial"/>
-              </a:rPr>
-              <a:t> - HTML auto-width with theme-aware borders</a:t>
-            </a:r>
-          </a:p>
-          <a:p>
-            <a:pPr algn="l">
-              <a:defRPr>
-                <a:solidFill>
-                  <a:srgbClr val="000000"/>
-                </a:solidFill>
-              </a:defRPr>
-            </a:pPr>
-            <a:r>
-              <a:rPr sz="700"/>
-              <a:t>• </a:t>
-            </a:r>
-            <a:r>
-              <a:rPr sz="700">
-                <a:latin typeface="Arial"/>
-              </a:rPr>
-              <a:t>✅ </a:t>
-            </a:r>
-            <a:r>
-              <a:rPr b="1" sz="700">
-                <a:latin typeface="Arial"/>
-              </a:rPr>
-              <a:t>Professional code blocks</a:t>
-            </a:r>
-            <a:r>
-              <a:rPr sz="700">
-                <a:latin typeface="Arial"/>
-              </a:rPr>
-              <a:t> - syntax highlighting and proper formatting</a:t>
-            </a:r>
-          </a:p>
-          <a:p>
-            <a:pPr algn="l">
-              <a:defRPr>
-                <a:solidFill>
-                  <a:srgbClr val="000000"/>
-                </a:solidFill>
-              </a:defRPr>
-            </a:pPr>
-            <a:r>
-              <a:rPr sz="700"/>
-              <a:t>• </a:t>
-            </a:r>
-            <a:r>
-              <a:rPr sz="700">
-                <a:latin typeface="Arial"/>
-              </a:rPr>
-              <a:t>✅ </a:t>
-            </a:r>
-            <a:r>
-              <a:rPr b="1" sz="700">
-                <a:latin typeface="Arial"/>
-              </a:rPr>
-              <a:t>Intelligent pagination</a:t>
-            </a:r>
-            <a:r>
-              <a:rPr sz="700">
-                <a:latin typeface="Arial"/>
-              </a:rPr>
-              <a:t> - browser-based measurement and positioning</a:t>
-            </a:r>
-          </a:p>
-          <a:p>
-            <a:pPr algn="l">
-              <a:defRPr>
-                <a:solidFill>
-                  <a:srgbClr val="000000"/>
-                </a:solidFill>
-              </a:defRPr>
-            </a:pPr>
-            <a:r>
-              <a:rPr sz="700"/>
-              <a:t>• </a:t>
-            </a:r>
-            <a:r>
-              <a:rPr sz="700">
-                <a:latin typeface="Arial"/>
-              </a:rPr>
-              <a:t>✅ </a:t>
-            </a:r>
-            <a:r>
-              <a:rPr b="1" sz="700">
-                <a:latin typeface="Arial"/>
-              </a:rPr>
-              <a:t>Theme support</a:t>
-            </a:r>
-            <a:r>
-              <a:rPr sz="700">
-                <a:latin typeface="Arial"/>
-              </a:rPr>
-              <a:t> - default and dark themes with full consistency</a:t>
-            </a:r>
-          </a:p>
-          <a:p>
-            <a:pPr algn="l">
-              <a:defRPr>
-                <a:solidFill>
-                  <a:srgbClr val="000000"/>
-                </a:solidFill>
-              </a:defRPr>
-            </a:pPr>
-            <a:r>
-              <a:rPr sz="700"/>
-              <a:t>• </a:t>
-            </a:r>
-            <a:r>
-              <a:rPr sz="700">
-                <a:latin typeface="Arial"/>
-              </a:rPr>
-              <a:t>✅ </a:t>
-            </a:r>
-            <a:r>
-              <a:rPr b="1" sz="700">
-                <a:latin typeface="Arial"/>
-              </a:rPr>
-              <a:t>Quality assurance</a:t>
-            </a:r>
-            <a:r>
-              <a:rPr sz="700">
-                <a:latin typeface="Arial"/>
-              </a:rPr>
-              <a:t> - comprehensive testing and validation</a:t>
-            </a:r>
-          </a:p>
-        </p:txBody>
-      </p:sp>
-      <p:sp>
-        <p:nvSpPr>
-          <p:cNvPr id="5" name="TextBox 4"/>
-          <p:cNvSpPr txBox="1"/>
-          <p:nvPr/>
-        </p:nvSpPr>
-        <p:spPr>
-          <a:xfrm>
-            <a:off x="200025" y="1809749"/>
-            <a:ext cx="8943975" cy="274320"/>
-          </a:xfrm>
-          <a:prstGeom prst="rect">
-            <a:avLst/>
-          </a:prstGeom>
-          <a:noFill/>
-        </p:spPr>
-        <p:txBody>
-          <a:bodyPr wrap="square" lIns="0" rIns="0" tIns="0" bIns="0">
-            <a:spAutoFit/>
-          </a:bodyPr>
-          <a:lstStyle/>
-          <a:p>
-            <a:pPr algn="l">
-              <a:lnSpc>
-                <a:spcPct val="120000"/>
-              </a:lnSpc>
-              <a:spcBef>
-                <a:spcPts val="0"/>
-              </a:spcBef>
-              <a:spcAft>
-                <a:spcPts val="0"/>
-              </a:spcAft>
-              <a:defRPr>
-                <a:solidFill>
-                  <a:srgbClr val="000000"/>
-                </a:solidFill>
-              </a:defRPr>
-            </a:pPr>
-            <a:r>
-              <a:rPr sz="900" b="1">
-                <a:latin typeface="Arial"/>
-              </a:rPr>
-              <a:t>Ready for Production</a:t>
-            </a:r>
-          </a:p>
-        </p:txBody>
-      </p:sp>
-      <p:sp>
-        <p:nvSpPr>
-          <p:cNvPr id="6" name="TextBox 5"/>
-          <p:cNvSpPr txBox="1"/>
-          <p:nvPr/>
-        </p:nvSpPr>
-        <p:spPr>
-          <a:xfrm>
-            <a:off x="200025" y="2143125"/>
-            <a:ext cx="8943975" cy="274320"/>
-          </a:xfrm>
-          <a:prstGeom prst="rect">
-            <a:avLst/>
-          </a:prstGeom>
-          <a:noFill/>
-        </p:spPr>
-        <p:txBody>
-          <a:bodyPr wrap="square" lIns="0" rIns="0" tIns="0" bIns="0">
-            <a:spAutoFit/>
-          </a:bodyPr>
-          <a:lstStyle/>
-          <a:p>
-            <a:pPr algn="l">
-              <a:lnSpc>
-                <a:spcPct val="120000"/>
-              </a:lnSpc>
-              <a:spcBef>
-                <a:spcPts val="0"/>
-              </a:spcBef>
-              <a:spcAft>
-                <a:spcPts val="0"/>
-              </a:spcAft>
-              <a:defRPr>
-                <a:solidFill>
-                  <a:srgbClr val="000000"/>
-                </a:solidFill>
-              </a:defRPr>
-            </a:pPr>
-            <a:r>
-              <a:rPr sz="700">
-                <a:latin typeface="Arial"/>
-              </a:rPr>
-              <a:t>This slide generator is </a:t>
-            </a:r>
-            <a:r>
-              <a:rPr b="1" sz="700">
-                <a:latin typeface="Arial"/>
-              </a:rPr>
-              <a:t>production-ready</a:t>
-            </a:r>
-            <a:r>
-              <a:rPr sz="700">
-                <a:latin typeface="Arial"/>
-              </a:rPr>
-              <a:t> with:</a:t>
-            </a:r>
-          </a:p>
-        </p:txBody>
-      </p:sp>
-      <p:sp>
-        <p:nvSpPr>
-          <p:cNvPr id="7" name="TextBox 6"/>
-          <p:cNvSpPr txBox="1"/>
-          <p:nvPr/>
-        </p:nvSpPr>
-        <p:spPr>
-          <a:xfrm>
-            <a:off x="200025" y="2381250"/>
-            <a:ext cx="8943975" cy="742950"/>
-          </a:xfrm>
-          <a:prstGeom prst="rect">
-            <a:avLst/>
-          </a:prstGeom>
-          <a:noFill/>
-        </p:spPr>
-        <p:txBody>
-          <a:bodyPr wrap="square" lIns="0" rIns="0" tIns="0" bIns="0">
-            <a:spAutoFit/>
-          </a:bodyPr>
-          <a:lstStyle/>
-          <a:p>
-            <a:pPr algn="l">
-              <a:spcBef>
-                <a:spcPts val="0"/>
-              </a:spcBef>
-              <a:spcAft>
-                <a:spcPts val="0"/>
-              </a:spcAft>
-              <a:defRPr>
-                <a:solidFill>
-                  <a:srgbClr val="000000"/>
-                </a:solidFill>
-              </a:defRPr>
-            </a:pPr>
-            <a:r>
-              <a:rPr sz="700"/>
-              <a:t>• </a:t>
-            </a:r>
-            <a:r>
-              <a:rPr sz="700">
-                <a:latin typeface="Arial"/>
-              </a:rPr>
-              <a:t>🚀 </a:t>
-            </a:r>
-            <a:r>
-              <a:rPr b="1" sz="700">
-                <a:latin typeface="Arial"/>
-              </a:rPr>
-              <a:t>High performance</a:t>
-            </a:r>
-            <a:r>
-              <a:rPr sz="700">
-                <a:latin typeface="Arial"/>
-              </a:rPr>
-              <a:t> browser-based rendering</a:t>
-            </a:r>
-          </a:p>
-          <a:p>
-            <a:pPr algn="l">
-              <a:defRPr>
-                <a:solidFill>
-                  <a:srgbClr val="000000"/>
-                </a:solidFill>
-              </a:defRPr>
-            </a:pPr>
-            <a:r>
-              <a:rPr sz="700"/>
-              <a:t>• </a:t>
-            </a:r>
-            <a:r>
-              <a:rPr sz="700">
-                <a:latin typeface="Arial"/>
-              </a:rPr>
-              <a:t>🎯 </a:t>
-            </a:r>
-            <a:r>
-              <a:rPr b="1" sz="700">
-                <a:latin typeface="Arial"/>
-              </a:rPr>
-              <a:t>Pixel-perfect accuracy</a:t>
-            </a:r>
-            <a:r>
-              <a:rPr sz="700">
-                <a:latin typeface="Arial"/>
-              </a:rPr>
-              <a:t> in layout and positioning</a:t>
-            </a:r>
-          </a:p>
-          <a:p>
-            <a:pPr algn="l">
-              <a:defRPr>
-                <a:solidFill>
-                  <a:srgbClr val="000000"/>
-                </a:solidFill>
-              </a:defRPr>
-            </a:pPr>
-            <a:r>
-              <a:rPr sz="700"/>
-              <a:t>• </a:t>
-            </a:r>
-            <a:r>
-              <a:rPr sz="700">
-                <a:latin typeface="Arial"/>
-              </a:rPr>
-              <a:t>🎨 </a:t>
-            </a:r>
-            <a:r>
-              <a:rPr b="1" sz="700">
-                <a:latin typeface="Arial"/>
-              </a:rPr>
-              <a:t>Professional themes</a:t>
-            </a:r>
-            <a:r>
-              <a:rPr sz="700">
-                <a:latin typeface="Arial"/>
-              </a:rPr>
-              <a:t> with consistent styling</a:t>
-            </a:r>
-          </a:p>
-          <a:p>
-            <a:pPr algn="l">
-              <a:defRPr>
-                <a:solidFill>
-                  <a:srgbClr val="000000"/>
-                </a:solidFill>
-              </a:defRPr>
-            </a:pPr>
-            <a:r>
-              <a:rPr sz="700"/>
-              <a:t>• </a:t>
-            </a:r>
-            <a:r>
-              <a:rPr sz="700">
-                <a:latin typeface="Arial"/>
-              </a:rPr>
-              <a:t>🔧 </a:t>
-            </a:r>
-            <a:r>
-              <a:rPr b="1" sz="700">
-                <a:latin typeface="Arial"/>
-              </a:rPr>
-              <a:t>Robust architecture</a:t>
-            </a:r>
-            <a:r>
-              <a:rPr sz="700">
-                <a:latin typeface="Arial"/>
-              </a:rPr>
-              <a:t> with comprehensive error handling</a:t>
-            </a:r>
-          </a:p>
-          <a:p>
-            <a:pPr algn="l">
-              <a:defRPr>
-                <a:solidFill>
-                  <a:srgbClr val="000000"/>
-                </a:solidFill>
-              </a:defRPr>
-            </a:pPr>
-            <a:r>
-              <a:rPr sz="700"/>
-              <a:t>• </a:t>
-            </a:r>
-            <a:r>
-              <a:rPr sz="700">
-                <a:latin typeface="Arial"/>
-              </a:rPr>
-              <a:t>✅ </a:t>
-            </a:r>
-            <a:r>
-              <a:rPr b="1" sz="700">
-                <a:latin typeface="Arial"/>
-              </a:rPr>
-              <a:t>Extensive testing</a:t>
-            </a:r>
-            <a:r>
-              <a:rPr sz="700">
-                <a:latin typeface="Arial"/>
-              </a:rPr>
-              <a:t> ensuring reliability and quality</a:t>
-            </a:r>
-          </a:p>
-        </p:txBody>
-      </p:sp>
-      <p:sp>
-        <p:nvSpPr>
-          <p:cNvPr id="8" name="TextBox 7"/>
-          <p:cNvSpPr txBox="1"/>
-          <p:nvPr/>
-        </p:nvSpPr>
-        <p:spPr>
-          <a:xfrm>
-            <a:off x="200025" y="3219449"/>
-            <a:ext cx="8943975" cy="274320"/>
-          </a:xfrm>
-          <a:prstGeom prst="rect">
-            <a:avLst/>
-          </a:prstGeom>
-          <a:noFill/>
-        </p:spPr>
-        <p:txBody>
-          <a:bodyPr wrap="square" lIns="0" rIns="0" tIns="0" bIns="0">
-            <a:spAutoFit/>
-          </a:bodyPr>
-          <a:lstStyle/>
-          <a:p>
-            <a:pPr algn="l">
-              <a:lnSpc>
-                <a:spcPct val="120000"/>
-              </a:lnSpc>
-              <a:spcBef>
-                <a:spcPts val="0"/>
-              </a:spcBef>
-              <a:spcAft>
-                <a:spcPts val="0"/>
-              </a:spcAft>
-              <a:defRPr>
-                <a:solidFill>
-                  <a:srgbClr val="000000"/>
-                </a:solidFill>
-              </a:defRPr>
-            </a:pPr>
-            <a:r>
-              <a:rPr b="1" sz="700">
-                <a:latin typeface="Arial"/>
-              </a:rPr>
-              <a:t>Thank you</a:t>
-            </a:r>
-            <a:r>
-              <a:rPr sz="700">
-                <a:latin typeface="Arial"/>
-              </a:rPr>
-              <a:t> for exploring the </a:t>
-            </a:r>
-            <a:r>
-              <a:rPr b="1" sz="700">
                 <a:solidFill>
                   <a:srgbClr val="FF8C00"/>
                 </a:solidFill>
@@ -6760,6 +7203,9 @@
             </a:r>
             <a:r>
               <a:rPr sz="700">
+                <a:solidFill>
+                  <a:srgbClr val="000000"/>
+                </a:solidFill>
                 <a:latin typeface="Arial"/>
               </a:rPr>
               <a:t>!</a:t>
@@ -6778,6 +7224,14 @@
 <file path=ppt/slides/slide14.xml><?xml version="1.0" encoding="utf-8"?>
 <p:sld xmlns:a="http://schemas.openxmlformats.org/drawingml/2006/main" xmlns:p="http://schemas.openxmlformats.org/presentationml/2006/main" xmlns:r="http://schemas.openxmlformats.org/officeDocument/2006/relationships">
   <p:cSld>
+    <p:bg>
+      <p:bgPr>
+        <a:solidFill>
+          <a:srgbClr val="FFFFFF"/>
+        </a:solidFill>
+        <a:effectLst/>
+      </p:bgPr>
+    </p:bg>
     <p:spTree>
       <p:nvGrpSpPr>
         <p:cNvPr id="1" name=""/>
@@ -6794,6 +7248,106 @@
         <p:spPr>
           <a:xfrm>
             <a:off x="200025" y="180975"/>
+            <a:ext cx="8943975" cy="390525"/>
+          </a:xfrm>
+          <a:prstGeom prst="rect">
+            <a:avLst/>
+          </a:prstGeom>
+          <a:noFill/>
+        </p:spPr>
+        <p:txBody>
+          <a:bodyPr wrap="square" lIns="0" rIns="0" tIns="0" bIns="0">
+            <a:spAutoFit/>
+          </a:bodyPr>
+          <a:lstStyle/>
+          <a:p>
+            <a:pPr algn="l">
+              <a:lnSpc>
+                <a:spcPct val="120000"/>
+              </a:lnSpc>
+              <a:spcBef>
+                <a:spcPts val="0"/>
+              </a:spcBef>
+              <a:spcAft>
+                <a:spcPts val="0"/>
+              </a:spcAft>
+              <a:defRPr>
+                <a:solidFill>
+                  <a:srgbClr val="000000"/>
+                </a:solidFill>
+              </a:defRPr>
+            </a:pPr>
+            <a:r>
+              <a:rPr sz="1200" b="1">
+                <a:solidFill>
+                  <a:srgbClr val="000000"/>
+                </a:solidFill>
+                <a:latin typeface="Arial"/>
+              </a:rPr>
+              <a:t>🔗 Technical Details</a:t>
+            </a:r>
+          </a:p>
+        </p:txBody>
+      </p:sp>
+      <p:sp>
+        <p:nvSpPr>
+          <p:cNvPr id="3" name="TextBox 2"/>
+          <p:cNvSpPr txBox="1"/>
+          <p:nvPr/>
+        </p:nvSpPr>
+        <p:spPr>
+          <a:xfrm>
+            <a:off x="200025" y="571500"/>
+            <a:ext cx="8943975" cy="304800"/>
+          </a:xfrm>
+          <a:prstGeom prst="rect">
+            <a:avLst/>
+          </a:prstGeom>
+          <a:noFill/>
+        </p:spPr>
+        <p:txBody>
+          <a:bodyPr wrap="square" lIns="0" rIns="0" tIns="0" bIns="0">
+            <a:spAutoFit/>
+          </a:bodyPr>
+          <a:lstStyle/>
+          <a:p>
+            <a:pPr algn="l">
+              <a:lnSpc>
+                <a:spcPct val="120000"/>
+              </a:lnSpc>
+              <a:spcBef>
+                <a:spcPts val="0"/>
+              </a:spcBef>
+              <a:spcAft>
+                <a:spcPts val="0"/>
+              </a:spcAft>
+              <a:defRPr>
+                <a:solidFill>
+                  <a:srgbClr val="000000"/>
+                </a:solidFill>
+              </a:defRPr>
+            </a:pPr>
+            <a:r>
+              <a:rPr sz="900" b="1">
+                <a:solidFill>
+                  <a:srgbClr val="000000"/>
+                </a:solidFill>
+                <a:latin typeface="Arial"/>
+              </a:rPr>
+              <a:t>API Usage</a:t>
+            </a:r>
+          </a:p>
+        </p:txBody>
+      </p:sp>
+      <p:sp>
+        <p:nvSpPr>
+          <p:cNvPr id="4" name="TextBox 3"/>
+          <p:cNvSpPr txBox="1"/>
+          <p:nvPr/>
+        </p:nvSpPr>
+        <p:spPr>
+          <a:xfrm>
+            <a:off x="200025" y="876299"/>
             <a:ext cx="8943975" cy="274320"/>
           </a:xfrm>
           <a:prstGeom prst="rect">
@@ -6824,101 +7378,10 @@
               </a:defRPr>
             </a:pPr>
             <a:r>
-              <a:rPr sz="1200" b="1">
-                <a:latin typeface="Arial"/>
-              </a:rPr>
-              <a:t>🔗 Technical Details</a:t>
-            </a:r>
-          </a:p>
-        </p:txBody>
-      </p:sp>
-      <p:sp>
-        <p:nvSpPr>
-          <p:cNvPr id="3" name="TextBox 2"/>
-          <p:cNvSpPr txBox="1"/>
-          <p:nvPr/>
-        </p:nvSpPr>
-        <p:spPr>
-          <a:xfrm>
-            <a:off x="200025" y="600075"/>
-            <a:ext cx="8943975" cy="274320"/>
-          </a:xfrm>
-          <a:prstGeom prst="rect">
-            <a:avLst/>
-          </a:prstGeom>
-          <a:noFill/>
-        </p:spPr>
-        <p:txBody>
-          <a:bodyPr wrap="square" lIns="0" rIns="0" tIns="0" bIns="0">
-            <a:spAutoFit/>
-          </a:bodyPr>
-          <a:lstStyle/>
-          <a:p>
-            <a:pPr algn="l">
-              <a:lnSpc>
-                <a:spcPct val="120000"/>
-              </a:lnSpc>
-              <a:spcBef>
-                <a:spcPts val="0"/>
-              </a:spcBef>
-              <a:spcAft>
-                <a:spcPts val="0"/>
-              </a:spcAft>
-              <a:defRPr>
-                <a:solidFill>
-                  <a:srgbClr val="000000"/>
-                </a:solidFill>
-              </a:defRPr>
-            </a:pPr>
-            <a:r>
-              <a:rPr sz="900" b="1">
-                <a:latin typeface="Arial"/>
-              </a:rPr>
-              <a:t>API Usage</a:t>
-            </a:r>
-          </a:p>
-        </p:txBody>
-      </p:sp>
-      <p:sp>
-        <p:nvSpPr>
-          <p:cNvPr id="4" name="TextBox 3"/>
-          <p:cNvSpPr txBox="1"/>
-          <p:nvPr/>
-        </p:nvSpPr>
-        <p:spPr>
-          <a:xfrm>
-            <a:off x="200025" y="923924"/>
-            <a:ext cx="8943975" cy="274320"/>
-          </a:xfrm>
-          <a:prstGeom prst="rect">
-            <a:avLst/>
-          </a:prstGeom>
-          <a:noFill/>
-        </p:spPr>
-        <p:txBody>
-          <a:bodyPr wrap="square" lIns="0" rIns="0" tIns="0" bIns="0">
-            <a:spAutoFit/>
-          </a:bodyPr>
-          <a:lstStyle/>
-          <a:p>
-            <a:pPr algn="l">
-              <a:lnSpc>
-                <a:spcPct val="120000"/>
-              </a:lnSpc>
-              <a:spcBef>
-                <a:spcPts val="0"/>
-              </a:spcBef>
-              <a:spcAft>
-                <a:spcPts val="0"/>
-              </a:spcAft>
-              <a:defRPr>
-                <a:solidFill>
-                  <a:srgbClr val="000000"/>
-                </a:solidFill>
-              </a:defRPr>
-            </a:pPr>
-            <a:r>
-              <a:rPr sz="700">
+              <a:rPr sz="700">
+                <a:solidFill>
+                  <a:srgbClr val="000000"/>
+                </a:solidFill>
                 <a:latin typeface="Arial"/>
               </a:rPr>
               <a:t>Basic usage example:</a:t>
@@ -6934,8 +7397,8 @@
         </p:nvSpPr>
         <p:spPr>
           <a:xfrm>
-            <a:off x="200025" y="1200150"/>
-            <a:ext cx="8943975" cy="2152650"/>
+            <a:off x="200025" y="1143000"/>
+            <a:ext cx="8943975" cy="1904999"/>
           </a:xfrm>
           <a:prstGeom prst="rect">
             <a:avLst/>
@@ -6968,9 +7431,12 @@
             </a:pPr>
             <a:r>
               <a:rPr sz="800">
+                <a:solidFill>
+                  <a:srgbClr val="333333"/>
+                </a:solidFill>
                 <a:latin typeface="Courier New"/>
               </a:rPr>
-              <a:t>code class="language-python"&gt;from slide_generator.generator import SlideGenerator
+              <a:t>from slide_generator.generator import SlideGenerator
 # Basic usage
 generator = SlideGenerator()
 generator.generate(markdown_content, "output.pptx")
@@ -6990,7 +7456,257 @@
         </p:nvSpPr>
         <p:spPr>
           <a:xfrm>
-            <a:off x="200025" y="3505199"/>
+            <a:off x="200025" y="2924175"/>
+            <a:ext cx="8943975" cy="304800"/>
+          </a:xfrm>
+          <a:prstGeom prst="rect">
+            <a:avLst/>
+          </a:prstGeom>
+          <a:noFill/>
+        </p:spPr>
+        <p:txBody>
+          <a:bodyPr wrap="square" lIns="0" rIns="0" tIns="0" bIns="0">
+            <a:spAutoFit/>
+          </a:bodyPr>
+          <a:lstStyle/>
+          <a:p>
+            <a:pPr algn="l">
+              <a:lnSpc>
+                <a:spcPct val="120000"/>
+              </a:lnSpc>
+              <a:spcBef>
+                <a:spcPts val="0"/>
+              </a:spcBef>
+              <a:spcAft>
+                <a:spcPts val="0"/>
+              </a:spcAft>
+              <a:defRPr>
+                <a:solidFill>
+                  <a:srgbClr val="000000"/>
+                </a:solidFill>
+              </a:defRPr>
+            </a:pPr>
+            <a:r>
+              <a:rPr sz="900" b="1">
+                <a:solidFill>
+                  <a:srgbClr val="000000"/>
+                </a:solidFill>
+                <a:latin typeface="Arial"/>
+              </a:rPr>
+              <a:t>Configuration Options</a:t>
+            </a:r>
+          </a:p>
+        </p:txBody>
+      </p:sp>
+      <p:sp>
+        <p:nvSpPr>
+          <p:cNvPr id="7" name="TextBox 6"/>
+          <p:cNvSpPr txBox="1"/>
+          <p:nvPr/>
+        </p:nvSpPr>
+        <p:spPr>
+          <a:xfrm>
+            <a:off x="200025" y="3228975"/>
+            <a:ext cx="8943975" cy="581025"/>
+          </a:xfrm>
+          <a:prstGeom prst="rect">
+            <a:avLst/>
+          </a:prstGeom>
+          <a:noFill/>
+        </p:spPr>
+        <p:txBody>
+          <a:bodyPr wrap="square" lIns="0" rIns="0" tIns="0" bIns="0">
+            <a:spAutoFit/>
+          </a:bodyPr>
+          <a:lstStyle/>
+          <a:p>
+            <a:pPr algn="l">
+              <a:spcBef>
+                <a:spcPts val="0"/>
+              </a:spcBef>
+              <a:spcAft>
+                <a:spcPts val="0"/>
+              </a:spcAft>
+              <a:defRPr>
+                <a:solidFill>
+                  <a:srgbClr val="000000"/>
+                </a:solidFill>
+              </a:defRPr>
+            </a:pPr>
+            <a:r>
+              <a:rPr sz="700">
+                <a:solidFill>
+                  <a:srgbClr val="000000"/>
+                </a:solidFill>
+                <a:latin typeface="Arial"/>
+              </a:rPr>
+              <a:t>• </a:t>
+            </a:r>
+            <a:r>
+              <a:rPr b="1" sz="700">
+                <a:solidFill>
+                  <a:srgbClr val="000000"/>
+                </a:solidFill>
+                <a:latin typeface="Arial"/>
+              </a:rPr>
+              <a:t>Themes</a:t>
+            </a:r>
+            <a:r>
+              <a:rPr sz="700">
+                <a:solidFill>
+                  <a:srgbClr val="000000"/>
+                </a:solidFill>
+                <a:latin typeface="Arial"/>
+              </a:rPr>
+              <a:t>: </a:t>
+            </a:r>
+            <a:r>
+              <a:rPr sz="800">
+                <a:solidFill>
+                  <a:srgbClr val="333333"/>
+                </a:solidFill>
+                <a:latin typeface="Courier New"/>
+              </a:rPr>
+              <a:t>"default"</a:t>
+            </a:r>
+            <a:r>
+              <a:rPr sz="700">
+                <a:solidFill>
+                  <a:srgbClr val="000000"/>
+                </a:solidFill>
+                <a:latin typeface="Arial"/>
+              </a:rPr>
+              <a:t>, </a:t>
+            </a:r>
+            <a:r>
+              <a:rPr sz="800">
+                <a:solidFill>
+                  <a:srgbClr val="333333"/>
+                </a:solidFill>
+                <a:latin typeface="Courier New"/>
+              </a:rPr>
+              <a:t>"dark"</a:t>
+            </a:r>
+          </a:p>
+          <a:p>
+            <a:pPr algn="l">
+              <a:defRPr>
+                <a:solidFill>
+                  <a:srgbClr val="000000"/>
+                </a:solidFill>
+              </a:defRPr>
+            </a:pPr>
+            <a:r>
+              <a:rPr sz="700">
+                <a:solidFill>
+                  <a:srgbClr val="000000"/>
+                </a:solidFill>
+                <a:latin typeface="Arial"/>
+              </a:rPr>
+              <a:t>• </a:t>
+            </a:r>
+            <a:r>
+              <a:rPr b="1" sz="700">
+                <a:solidFill>
+                  <a:srgbClr val="000000"/>
+                </a:solidFill>
+                <a:latin typeface="Arial"/>
+              </a:rPr>
+              <a:t>Debug mode</a:t>
+            </a:r>
+            <a:r>
+              <a:rPr sz="700">
+                <a:solidFill>
+                  <a:srgbClr val="000000"/>
+                </a:solidFill>
+                <a:latin typeface="Arial"/>
+              </a:rPr>
+              <a:t>: Detailed processing information</a:t>
+            </a:r>
+          </a:p>
+          <a:p>
+            <a:pPr algn="l">
+              <a:defRPr>
+                <a:solidFill>
+                  <a:srgbClr val="000000"/>
+                </a:solidFill>
+              </a:defRPr>
+            </a:pPr>
+            <a:r>
+              <a:rPr sz="700">
+                <a:solidFill>
+                  <a:srgbClr val="000000"/>
+                </a:solidFill>
+                <a:latin typeface="Arial"/>
+              </a:rPr>
+              <a:t>• </a:t>
+            </a:r>
+            <a:r>
+              <a:rPr b="1" sz="700">
+                <a:solidFill>
+                  <a:srgbClr val="000000"/>
+                </a:solidFill>
+                <a:latin typeface="Arial"/>
+              </a:rPr>
+              <a:t>Output formats</a:t>
+            </a:r>
+            <a:r>
+              <a:rPr sz="700">
+                <a:solidFill>
+                  <a:srgbClr val="000000"/>
+                </a:solidFill>
+                <a:latin typeface="Arial"/>
+              </a:rPr>
+              <a:t>: PowerPoint (.pptx) with full compatibility</a:t>
+            </a:r>
+          </a:p>
+          <a:p>
+            <a:pPr algn="l">
+              <a:defRPr>
+                <a:solidFill>
+                  <a:srgbClr val="000000"/>
+                </a:solidFill>
+              </a:defRPr>
+            </a:pPr>
+            <a:r>
+              <a:rPr sz="700">
+                <a:solidFill>
+                  <a:srgbClr val="000000"/>
+                </a:solidFill>
+                <a:latin typeface="Arial"/>
+              </a:rPr>
+              <a:t>• </a:t>
+            </a:r>
+            <a:r>
+              <a:rPr b="1" sz="700">
+                <a:solidFill>
+                  <a:srgbClr val="000000"/>
+                </a:solidFill>
+                <a:latin typeface="Arial"/>
+              </a:rPr>
+              <a:t>Custom styling</a:t>
+            </a:r>
+            <a:r>
+              <a:rPr sz="700">
+                <a:solidFill>
+                  <a:srgbClr val="000000"/>
+                </a:solidFill>
+                <a:latin typeface="Arial"/>
+              </a:rPr>
+              <a:t>: CSS-based theme configuration</a:t>
+            </a:r>
+          </a:p>
+        </p:txBody>
+      </p:sp>
+      <p:sp>
+        <p:nvSpPr>
+          <p:cNvPr id="8" name="TextBox 7"/>
+          <p:cNvSpPr txBox="1"/>
+          <p:nvPr/>
+        </p:nvSpPr>
+        <p:spPr>
+          <a:xfrm>
+            <a:off x="200025" y="3809999"/>
             <a:ext cx="8943975" cy="274320"/>
           </a:xfrm>
           <a:prstGeom prst="rect">
@@ -7021,219 +7737,25 @@
               </a:defRPr>
             </a:pPr>
             <a:r>
-              <a:rPr sz="900" b="1">
-                <a:latin typeface="Arial"/>
-              </a:rPr>
-              <a:t>Configuration Options</a:t>
-            </a:r>
-          </a:p>
-        </p:txBody>
-      </p:sp>
-      <p:sp>
-        <p:nvSpPr>
-          <p:cNvPr id="7" name="TextBox 6"/>
-          <p:cNvSpPr txBox="1"/>
-          <p:nvPr/>
-        </p:nvSpPr>
-        <p:spPr>
-          <a:xfrm>
-            <a:off x="200025" y="3829050"/>
-            <a:ext cx="8943975" cy="638175"/>
-          </a:xfrm>
-          <a:prstGeom prst="rect">
-            <a:avLst/>
-          </a:prstGeom>
-          <a:noFill/>
-        </p:spPr>
-        <p:txBody>
-          <a:bodyPr wrap="square" lIns="0" rIns="0" tIns="0" bIns="0">
-            <a:spAutoFit/>
-          </a:bodyPr>
-          <a:lstStyle/>
-          <a:p>
-            <a:pPr algn="l">
-              <a:spcBef>
-                <a:spcPts val="0"/>
-              </a:spcBef>
-              <a:spcAft>
-                <a:spcPts val="0"/>
-              </a:spcAft>
-              <a:defRPr>
-                <a:solidFill>
-                  <a:srgbClr val="000000"/>
-                </a:solidFill>
-              </a:defRPr>
-            </a:pPr>
-            <a:r>
-              <a:rPr sz="700"/>
-              <a:t>• </a:t>
-            </a:r>
-            <a:r>
               <a:rPr b="1" sz="700">
-                <a:latin typeface="Arial"/>
-              </a:rPr>
-              <a:t>Themes</a:t>
-            </a:r>
-            <a:r>
-              <a:rPr sz="700">
-                <a:latin typeface="Arial"/>
-              </a:rPr>
-              <a:t>: </a:t>
-            </a:r>
-            <a:r>
-              <a:rPr sz="800">
-                <a:solidFill>
-                  <a:srgbClr val="333333"/>
-                </a:solidFill>
-                <a:latin typeface="Courier New"/>
-              </a:rPr>
-              <a:t>"default"</a:t>
-            </a:r>
-            <a:r>
-              <a:rPr sz="700">
-                <a:latin typeface="Arial"/>
-              </a:rPr>
-              <a:t>, </a:t>
-            </a:r>
-            <a:r>
-              <a:rPr sz="800">
-                <a:solidFill>
-                  <a:srgbClr val="333333"/>
-                </a:solidFill>
-                <a:latin typeface="Courier New"/>
-              </a:rPr>
-              <a:t>"dark"</a:t>
-            </a:r>
-          </a:p>
-          <a:p>
-            <a:pPr algn="l">
-              <a:defRPr>
-                <a:solidFill>
-                  <a:srgbClr val="000000"/>
-                </a:solidFill>
-              </a:defRPr>
-            </a:pPr>
-            <a:r>
-              <a:rPr sz="700"/>
-              <a:t>• </a:t>
+                <a:solidFill>
+                  <a:srgbClr val="000000"/>
+                </a:solidFill>
+                <a:latin typeface="Arial"/>
+              </a:rPr>
+              <a:t>End of demonstration</a:t>
+            </a:r>
+            <a:r>
+              <a:rPr sz="700">
+                <a:solidFill>
+                  <a:srgbClr val="000000"/>
+                </a:solidFill>
+                <a:latin typeface="Arial"/>
+              </a:rPr>
+              <a:t> - </a:t>
             </a:r>
             <a:r>
               <a:rPr b="1" sz="700">
-                <a:latin typeface="Arial"/>
-              </a:rPr>
-              <a:t>Debug mode</a:t>
-            </a:r>
-            <a:r>
-              <a:rPr sz="700">
-                <a:latin typeface="Arial"/>
-              </a:rPr>
-              <a:t>: Detailed processing information</a:t>
-            </a:r>
-          </a:p>
-          <a:p>
-            <a:pPr algn="l">
-              <a:defRPr>
-                <a:solidFill>
-                  <a:srgbClr val="000000"/>
-                </a:solidFill>
-              </a:defRPr>
-            </a:pPr>
-            <a:r>
-              <a:rPr sz="700"/>
-              <a:t>• </a:t>
-            </a:r>
-            <a:r>
-              <a:rPr b="1" sz="700">
-                <a:latin typeface="Arial"/>
-              </a:rPr>
-              <a:t>Output formats</a:t>
-            </a:r>
-            <a:r>
-              <a:rPr sz="700">
-                <a:latin typeface="Arial"/>
-              </a:rPr>
-              <a:t>: PowerPoint (.pptx) with full compatibility</a:t>
-            </a:r>
-          </a:p>
-          <a:p>
-            <a:pPr algn="l">
-              <a:defRPr>
-                <a:solidFill>
-                  <a:srgbClr val="000000"/>
-                </a:solidFill>
-              </a:defRPr>
-            </a:pPr>
-            <a:r>
-              <a:rPr sz="700"/>
-              <a:t>• </a:t>
-            </a:r>
-            <a:r>
-              <a:rPr b="1" sz="700">
-                <a:latin typeface="Arial"/>
-              </a:rPr>
-              <a:t>Custom styling</a:t>
-            </a:r>
-            <a:r>
-              <a:rPr sz="700">
-                <a:latin typeface="Arial"/>
-              </a:rPr>
-              <a:t>: CSS-based theme configuration</a:t>
-            </a:r>
-          </a:p>
-        </p:txBody>
-      </p:sp>
-      <p:sp>
-        <p:nvSpPr>
-          <p:cNvPr id="8" name="TextBox 7"/>
-          <p:cNvSpPr txBox="1"/>
-          <p:nvPr/>
-        </p:nvSpPr>
-        <p:spPr>
-          <a:xfrm>
-            <a:off x="200025" y="4562475"/>
-            <a:ext cx="8943975" cy="274320"/>
-          </a:xfrm>
-          <a:prstGeom prst="rect">
-            <a:avLst/>
-          </a:prstGeom>
-          <a:noFill/>
-        </p:spPr>
-        <p:txBody>
-          <a:bodyPr wrap="square" lIns="0" rIns="0" tIns="0" bIns="0">
-            <a:spAutoFit/>
-          </a:bodyPr>
-          <a:lstStyle/>
-          <a:p>
-            <a:pPr algn="l">
-              <a:lnSpc>
-                <a:spcPct val="120000"/>
-              </a:lnSpc>
-              <a:spcBef>
-                <a:spcPts val="0"/>
-              </a:spcBef>
-              <a:spcAft>
-                <a:spcPts val="0"/>
-              </a:spcAft>
-              <a:defRPr>
-                <a:solidFill>
-                  <a:srgbClr val="000000"/>
-                </a:solidFill>
-              </a:defRPr>
-            </a:pPr>
-            <a:r>
-              <a:rPr b="1" sz="700">
-                <a:latin typeface="Arial"/>
-              </a:rPr>
-              <a:t>End of demonstration</a:t>
-            </a:r>
-            <a:r>
-              <a:rPr sz="700">
-                <a:latin typeface="Arial"/>
-              </a:rPr>
-              <a:t> - </a:t>
-            </a:r>
-            <a:r>
-              <a:rPr b="1" sz="700">
                 <a:solidFill>
                   <a:srgbClr val="FF8C00"/>
                 </a:solidFill>
@@ -7243,6 +7765,9 @@
             </a:r>
             <a:r>
               <a:rPr sz="700">
+                <a:solidFill>
+                  <a:srgbClr val="000000"/>
+                </a:solidFill>
                 <a:latin typeface="Arial"/>
               </a:rPr>
               <a:t>! 🎊</a:t>
@@ -7261,6 +7786,14 @@
 <file path=ppt/slides/slide15.xml><?xml version="1.0" encoding="utf-8"?>
 <p:sld xmlns:a="http://schemas.openxmlformats.org/drawingml/2006/main" xmlns:p="http://schemas.openxmlformats.org/presentationml/2006/main" xmlns:r="http://schemas.openxmlformats.org/officeDocument/2006/relationships">
   <p:cSld>
+    <p:bg>
+      <p:bgPr>
+        <a:solidFill>
+          <a:srgbClr val="FFFFFF"/>
+        </a:solidFill>
+        <a:effectLst/>
+      </p:bgPr>
+    </p:bg>
     <p:spTree>
       <p:nvGrpSpPr>
         <p:cNvPr id="1" name=""/>
@@ -7277,6 +7810,56 @@
         <p:spPr>
           <a:xfrm>
             <a:off x="200025" y="180975"/>
+            <a:ext cx="8943975" cy="390525"/>
+          </a:xfrm>
+          <a:prstGeom prst="rect">
+            <a:avLst/>
+          </a:prstGeom>
+          <a:noFill/>
+        </p:spPr>
+        <p:txBody>
+          <a:bodyPr wrap="square" lIns="0" rIns="0" tIns="0" bIns="0">
+            <a:spAutoFit/>
+          </a:bodyPr>
+          <a:lstStyle/>
+          <a:p>
+            <a:pPr algn="l">
+              <a:lnSpc>
+                <a:spcPct val="120000"/>
+              </a:lnSpc>
+              <a:spcBef>
+                <a:spcPts val="0"/>
+              </a:spcBef>
+              <a:spcAft>
+                <a:spcPts val="0"/>
+              </a:spcAft>
+              <a:defRPr>
+                <a:solidFill>
+                  <a:srgbClr val="000000"/>
+                </a:solidFill>
+              </a:defRPr>
+            </a:pPr>
+            <a:r>
+              <a:rPr sz="1200" b="1">
+                <a:solidFill>
+                  <a:srgbClr val="000000"/>
+                </a:solidFill>
+                <a:latin typeface="Arial"/>
+              </a:rPr>
+              <a:t>📈 Figures Demo</a:t>
+            </a:r>
+          </a:p>
+        </p:txBody>
+      </p:sp>
+      <p:sp>
+        <p:nvSpPr>
+          <p:cNvPr id="3" name="TextBox 2"/>
+          <p:cNvSpPr txBox="1"/>
+          <p:nvPr/>
+        </p:nvSpPr>
+        <p:spPr>
+          <a:xfrm>
+            <a:off x="200025" y="571500"/>
             <a:ext cx="8943975" cy="274320"/>
           </a:xfrm>
           <a:prstGeom prst="rect">
@@ -7307,54 +7890,10 @@
               </a:defRPr>
             </a:pPr>
             <a:r>
-              <a:rPr sz="1200" b="1">
-                <a:latin typeface="Arial"/>
-              </a:rPr>
-              <a:t>📈 Figures Demo</a:t>
-            </a:r>
-          </a:p>
-        </p:txBody>
-      </p:sp>
-      <p:sp>
-        <p:nvSpPr>
-          <p:cNvPr id="3" name="TextBox 2"/>
-          <p:cNvSpPr txBox="1"/>
-          <p:nvPr/>
-        </p:nvSpPr>
-        <p:spPr>
-          <a:xfrm>
-            <a:off x="200025" y="600075"/>
-            <a:ext cx="8943975" cy="274320"/>
-          </a:xfrm>
-          <a:prstGeom prst="rect">
-            <a:avLst/>
-          </a:prstGeom>
-          <a:noFill/>
-        </p:spPr>
-        <p:txBody>
-          <a:bodyPr wrap="square" lIns="0" rIns="0" tIns="0" bIns="0">
-            <a:spAutoFit/>
-          </a:bodyPr>
-          <a:lstStyle/>
-          <a:p>
-            <a:pPr algn="l">
-              <a:lnSpc>
-                <a:spcPct val="120000"/>
-              </a:lnSpc>
-              <a:spcBef>
-                <a:spcPts val="0"/>
-              </a:spcBef>
-              <a:spcAft>
-                <a:spcPts val="0"/>
-              </a:spcAft>
-              <a:defRPr>
-                <a:solidFill>
-                  <a:srgbClr val="000000"/>
-                </a:solidFill>
-              </a:defRPr>
-            </a:pPr>
-            <a:r>
-              <a:rPr sz="700">
+              <a:rPr sz="700">
+                <a:solidFill>
+                  <a:srgbClr val="000000"/>
+                </a:solidFill>
                 <a:latin typeface="Arial"/>
               </a:rPr>
               <a:t>Bar chart (80% width):</a:t>
@@ -7378,8 +7917,8 @@
         </p:blipFill>
         <p:spPr>
           <a:xfrm>
-            <a:off x="200025" y="742950"/>
-            <a:ext cx="6056629" cy="4542472"/>
+            <a:off x="200025" y="704849"/>
+            <a:ext cx="6048375" cy="4533900"/>
           </a:xfrm>
           <a:prstGeom prst="rect">
             <a:avLst/>
@@ -7394,7 +7933,7 @@
         </p:nvSpPr>
         <p:spPr>
           <a:xfrm>
-            <a:off x="200025" y="3733799"/>
+            <a:off x="200025" y="3695699"/>
             <a:ext cx="8943975" cy="274320"/>
           </a:xfrm>
           <a:prstGeom prst="rect">
@@ -7426,6 +7965,9 @@
             </a:pPr>
             <a:r>
               <a:rPr sz="700">
+                <a:solidFill>
+                  <a:srgbClr val="000000"/>
+                </a:solidFill>
                 <a:latin typeface="Arial"/>
               </a:rPr>
               <a:t>Pie chart (60% height):</a:t>
@@ -7444,6 +7986,14 @@
 <file path=ppt/slides/slide16.xml><?xml version="1.0" encoding="utf-8"?>
 <p:sld xmlns:a="http://schemas.openxmlformats.org/drawingml/2006/main" xmlns:p="http://schemas.openxmlformats.org/presentationml/2006/main" xmlns:r="http://schemas.openxmlformats.org/officeDocument/2006/relationships">
   <p:cSld>
+    <p:bg>
+      <p:bgPr>
+        <a:solidFill>
+          <a:srgbClr val="FFFFFF"/>
+        </a:solidFill>
+        <a:effectLst/>
+      </p:bgPr>
+    </p:bg>
     <p:spTree>
       <p:nvGrpSpPr>
         <p:cNvPr id="1" name=""/>
@@ -7468,7 +8018,7 @@
         <p:spPr>
           <a:xfrm>
             <a:off x="200025" y="180975"/>
-            <a:ext cx="2868929" cy="2868929"/>
+            <a:ext cx="2867025" cy="2867025"/>
           </a:xfrm>
           <a:prstGeom prst="rect">
             <a:avLst/>
@@ -7484,7 +8034,7 @@
         <p:spPr>
           <a:xfrm>
             <a:off x="200025" y="3076574"/>
-            <a:ext cx="8943975" cy="274320"/>
+            <a:ext cx="8943975" cy="390525"/>
           </a:xfrm>
           <a:prstGeom prst="rect">
             <a:avLst/>
@@ -7515,6 +8065,9 @@
             </a:pPr>
             <a:r>
               <a:rPr sz="1200" b="1">
+                <a:solidFill>
+                  <a:srgbClr val="000000"/>
+                </a:solidFill>
                 <a:latin typeface="Arial"/>
               </a:rPr>
               <a:t>Two-column slide: table on left, text on right</a:t>
@@ -7530,7 +8083,7 @@
         </p:nvSpPr>
         <p:spPr>
           <a:xfrm>
-            <a:off x="276225" y="3495675"/>
+            <a:off x="276225" y="3467100"/>
             <a:ext cx="8867775" cy="274320"/>
           </a:xfrm>
           <a:prstGeom prst="rect">
@@ -7562,6 +8115,9 @@
             </a:pPr>
             <a:r>
               <a:rPr sz="800" b="1">
+                <a:solidFill>
+                  <a:srgbClr val="000000"/>
+                </a:solidFill>
                 <a:latin typeface="Arial"/>
               </a:rPr>
               <a:t>📋 Project Status Table</a:t>
@@ -7577,8 +8133,8 @@
         </p:nvSpPr>
         <p:spPr>
           <a:xfrm>
-            <a:off x="276225" y="3762374"/>
-            <a:ext cx="1800225" cy="1485900"/>
+            <a:off x="276225" y="3724274"/>
+            <a:ext cx="1800225" cy="1628775"/>
           </a:xfrm>
           <a:prstGeom prst="rect">
             <a:avLst/>
@@ -7611,8 +8167,8 @@
           <p:nvPr/>
         </p:nvGraphicFramePr>
         <p:xfrm>
-          <a:off x="276225" y="3762374"/>
-          <a:ext cx="1798959" cy="1428750"/>
+          <a:off x="276225" y="3724274"/>
+          <a:ext cx="1978854" cy="1571625"/>
         </p:xfrm>
         <a:graphic>
           <a:graphicData uri="http://schemas.openxmlformats.org/drawingml/2006/table">
@@ -7652,11 +8208,11 @@
                 </a:tblBorders>
               </a:tblPr>
               <a:tblGrid>
-                <a:gridCol w="765646"/>
-                <a:gridCol w="458390"/>
-                <a:gridCol w="574923"/>
+                <a:gridCol w="842210"/>
+                <a:gridCol w="504229"/>
+                <a:gridCol w="632415"/>
               </a:tblGrid>
-              <a:tr h="285750">
+              <a:tr h="314325">
                 <a:tc>
                   <a:txBody>
                     <a:bodyPr lIns="76200" rIns="76200" tIns="76200" bIns="76200"/>
@@ -7805,7 +8361,7 @@
                   </a:tcPr>
                 </a:tc>
               </a:tr>
-              <a:tr h="285750">
+              <a:tr h="314325">
                 <a:tc>
                   <a:txBody>
                     <a:bodyPr lIns="76200" rIns="76200" tIns="76200" bIns="76200"/>
@@ -7954,7 +8510,7 @@
                   </a:tcPr>
                 </a:tc>
               </a:tr>
-              <a:tr h="285750">
+              <a:tr h="314325">
                 <a:tc>
                   <a:txBody>
                     <a:bodyPr lIns="76200" rIns="76200" tIns="76200" bIns="76200"/>
@@ -8103,7 +8659,7 @@
                   </a:tcPr>
                 </a:tc>
               </a:tr>
-              <a:tr h="285750">
+              <a:tr h="314325">
                 <a:tc>
                   <a:txBody>
                     <a:bodyPr lIns="76200" rIns="76200" tIns="76200" bIns="76200"/>
@@ -8252,7 +8808,7 @@
                   </a:tcPr>
                 </a:tc>
               </a:tr>
-              <a:tr h="285750">
+              <a:tr h="314325">
                 <a:tc>
                   <a:txBody>
                     <a:bodyPr lIns="76200" rIns="76200" tIns="76200" bIns="76200"/>
@@ -8413,7 +8969,7 @@
         </p:nvSpPr>
         <p:spPr>
           <a:xfrm>
-            <a:off x="4800600" y="3524250"/>
+            <a:off x="4800600" y="3486150"/>
             <a:ext cx="4343400" cy="274320"/>
           </a:xfrm>
           <a:prstGeom prst="rect">
@@ -8445,6 +9001,9 @@
             </a:pPr>
             <a:r>
               <a:rPr sz="800" b="1">
+                <a:solidFill>
+                  <a:srgbClr val="000000"/>
+                </a:solidFill>
                 <a:latin typeface="Arial"/>
               </a:rPr>
               <a:t>✍️ Notes</a:t>
@@ -8460,8 +9019,8 @@
         </p:nvSpPr>
         <p:spPr>
           <a:xfrm>
-            <a:off x="4800600" y="3790949"/>
-            <a:ext cx="4343400" cy="295274"/>
+            <a:off x="4800600" y="3743325"/>
+            <a:ext cx="4343400" cy="342900"/>
           </a:xfrm>
           <a:prstGeom prst="rect">
             <a:avLst/>
@@ -8492,6 +9051,9 @@
             </a:pPr>
             <a:r>
               <a:rPr sz="700">
+                <a:solidFill>
+                  <a:srgbClr val="000000"/>
+                </a:solidFill>
                 <a:latin typeface="Arial"/>
               </a:rPr>
               <a:t>All core features are either complete or in progress. Remaining items are performance tuning and UX polish.</a:t>
@@ -8510,6 +9072,14 @@
 <file path=ppt/slides/slide17.xml><?xml version="1.0" encoding="utf-8"?>
 <p:sld xmlns:a="http://schemas.openxmlformats.org/drawingml/2006/main" xmlns:p="http://schemas.openxmlformats.org/presentationml/2006/main" xmlns:r="http://schemas.openxmlformats.org/officeDocument/2006/relationships">
   <p:cSld>
+    <p:bg>
+      <p:bgPr>
+        <a:solidFill>
+          <a:srgbClr val="FFFFFF"/>
+        </a:solidFill>
+        <a:effectLst/>
+      </p:bgPr>
+    </p:bg>
     <p:spTree>
       <p:nvGrpSpPr>
         <p:cNvPr id="1" name=""/>
@@ -8526,7 +9096,7 @@
         <p:spPr>
           <a:xfrm>
             <a:off x="200025" y="180975"/>
-            <a:ext cx="8943975" cy="274320"/>
+            <a:ext cx="8943975" cy="390525"/>
           </a:xfrm>
           <a:prstGeom prst="rect">
             <a:avLst/>
@@ -8557,6 +9127,9 @@
             </a:pPr>
             <a:r>
               <a:rPr sz="1200" b="1">
+                <a:solidFill>
+                  <a:srgbClr val="000000"/>
+                </a:solidFill>
                 <a:latin typeface="Arial"/>
               </a:rPr>
               <a:t>📈 Figures Demo (Columns)</a:t>
@@ -8580,8 +9153,8 @@
         </p:blipFill>
         <p:spPr>
           <a:xfrm>
-            <a:off x="276225" y="600075"/>
-            <a:ext cx="3375660" cy="2531745"/>
+            <a:off x="276225" y="571500"/>
+            <a:ext cx="3809999" cy="2857500"/>
           </a:xfrm>
           <a:prstGeom prst="rect">
             <a:avLst/>
@@ -8596,8 +9169,8 @@
         </p:nvSpPr>
         <p:spPr>
           <a:xfrm>
-            <a:off x="4800600" y="695325"/>
-            <a:ext cx="4343400" cy="295274"/>
+            <a:off x="4800600" y="666750"/>
+            <a:ext cx="4343400" cy="342900"/>
           </a:xfrm>
           <a:prstGeom prst="rect">
             <a:avLst/>
@@ -8628,6 +9201,9 @@
             </a:pPr>
             <a:r>
               <a:rPr sz="700">
+                <a:solidFill>
+                  <a:srgbClr val="000000"/>
+                </a:solidFill>
                 <a:latin typeface="Arial"/>
               </a:rPr>
               <a:t>The bar chart shows relative task completion percentages. Authentication and API docs are finished; analytics is lagging.</a:t>
@@ -8646,6 +9222,14 @@
 <file path=ppt/slides/slide18.xml><?xml version="1.0" encoding="utf-8"?>
 <p:sld xmlns:a="http://schemas.openxmlformats.org/drawingml/2006/main" xmlns:p="http://schemas.openxmlformats.org/presentationml/2006/main" xmlns:r="http://schemas.openxmlformats.org/officeDocument/2006/relationships">
   <p:cSld>
+    <p:bg>
+      <p:bgPr>
+        <a:solidFill>
+          <a:srgbClr val="FFFFFF"/>
+        </a:solidFill>
+        <a:effectLst/>
+      </p:bgPr>
+    </p:bg>
     <p:spTree>
       <p:nvGrpSpPr>
         <p:cNvPr id="1" name=""/>
@@ -8662,7 +9246,7 @@
         <p:spPr>
           <a:xfrm>
             <a:off x="200025" y="180975"/>
-            <a:ext cx="8943975" cy="274320"/>
+            <a:ext cx="8943975" cy="390525"/>
           </a:xfrm>
           <a:prstGeom prst="rect">
             <a:avLst/>
@@ -8693,6 +9277,9 @@
             </a:pPr>
             <a:r>
               <a:rPr sz="1200" b="1">
+                <a:solidFill>
+                  <a:srgbClr val="000000"/>
+                </a:solidFill>
                 <a:latin typeface="Arial"/>
               </a:rPr>
               <a:t>🖼️ Figure + Table Demo</a:t>
@@ -8716,8 +9303,8 @@
         </p:blipFill>
         <p:spPr>
           <a:xfrm>
-            <a:off x="276225" y="600075"/>
-            <a:ext cx="2868929" cy="2868929"/>
+            <a:off x="276225" y="571500"/>
+            <a:ext cx="2857500" cy="2857500"/>
           </a:xfrm>
           <a:prstGeom prst="rect">
             <a:avLst/>
@@ -8732,8 +9319,8 @@
         </p:nvSpPr>
         <p:spPr>
           <a:xfrm>
-            <a:off x="4800600" y="600075"/>
-            <a:ext cx="923924" cy="1190625"/>
+            <a:off x="4800600" y="571500"/>
+            <a:ext cx="923924" cy="1333500"/>
           </a:xfrm>
           <a:prstGeom prst="rect">
             <a:avLst/>
@@ -8766,8 +9353,8 @@
           <p:nvPr/>
         </p:nvGraphicFramePr>
         <p:xfrm>
-          <a:off x="4800600" y="600075"/>
-          <a:ext cx="922138" cy="1143000"/>
+          <a:off x="4800600" y="571500"/>
+          <a:ext cx="1014352" cy="1285872"/>
         </p:xfrm>
         <a:graphic>
           <a:graphicData uri="http://schemas.openxmlformats.org/drawingml/2006/table">
@@ -8807,10 +9394,10 @@
                 </a:tblBorders>
               </a:tblPr>
               <a:tblGrid>
-                <a:gridCol w="654248"/>
-                <a:gridCol w="267890"/>
+                <a:gridCol w="719673"/>
+                <a:gridCol w="294679"/>
               </a:tblGrid>
-              <a:tr h="285750">
+              <a:tr h="321468">
                 <a:tc>
                   <a:txBody>
                     <a:bodyPr lIns="76200" rIns="76200" tIns="76200" bIns="76200"/>
@@ -8910,7 +9497,7 @@
                   </a:tcPr>
                 </a:tc>
               </a:tr>
-              <a:tr h="285750">
+              <a:tr h="321468">
                 <a:tc>
                   <a:txBody>
                     <a:bodyPr lIns="76200" rIns="76200" tIns="76200" bIns="76200"/>
@@ -9010,7 +9597,7 @@
                   </a:tcPr>
                 </a:tc>
               </a:tr>
-              <a:tr h="285750">
+              <a:tr h="321468">
                 <a:tc>
                   <a:txBody>
                     <a:bodyPr lIns="76200" rIns="76200" tIns="76200" bIns="76200"/>
@@ -9110,7 +9697,7 @@
                   </a:tcPr>
                 </a:tc>
               </a:tr>
-              <a:tr h="285750">
+              <a:tr h="321468">
                 <a:tc>
                   <a:txBody>
                     <a:bodyPr lIns="76200" rIns="76200" tIns="76200" bIns="76200"/>
@@ -9225,6 +9812,14 @@
 <file path=ppt/slides/slide19.xml><?xml version="1.0" encoding="utf-8"?>
 <p:sld xmlns:a="http://schemas.openxmlformats.org/drawingml/2006/main" xmlns:p="http://schemas.openxmlformats.org/presentationml/2006/main" xmlns:r="http://schemas.openxmlformats.org/officeDocument/2006/relationships">
   <p:cSld>
+    <p:bg>
+      <p:bgPr>
+        <a:solidFill>
+          <a:srgbClr val="FFFFFF"/>
+        </a:solidFill>
+        <a:effectLst/>
+      </p:bgPr>
+    </p:bg>
     <p:spTree>
       <p:nvGrpSpPr>
         <p:cNvPr id="1" name=""/>
@@ -9241,7 +9836,7 @@
         <p:spPr>
           <a:xfrm>
             <a:off x="200025" y="180975"/>
-            <a:ext cx="8943975" cy="274320"/>
+            <a:ext cx="8943975" cy="390525"/>
           </a:xfrm>
           <a:prstGeom prst="rect">
             <a:avLst/>
@@ -9272,6 +9867,9 @@
             </a:pPr>
             <a:r>
               <a:rPr sz="1200" b="1">
+                <a:solidFill>
+                  <a:srgbClr val="000000"/>
+                </a:solidFill>
                 <a:latin typeface="Arial"/>
               </a:rPr>
               <a:t>Two-column slide (60% / 40%)</a:t>
@@ -9287,7 +9885,7 @@
         </p:nvSpPr>
         <p:spPr>
           <a:xfrm>
-            <a:off x="276225" y="600075"/>
+            <a:off x="276225" y="571500"/>
             <a:ext cx="8867775" cy="274320"/>
           </a:xfrm>
           <a:prstGeom prst="rect">
@@ -9319,6 +9917,9 @@
             </a:pPr>
             <a:r>
               <a:rPr sz="800" b="1">
+                <a:solidFill>
+                  <a:srgbClr val="000000"/>
+                </a:solidFill>
                 <a:latin typeface="Arial"/>
               </a:rPr>
               <a:t>📋 Project Status Table</a:t>
@@ -9334,8 +9935,8 @@
         </p:nvSpPr>
         <p:spPr>
           <a:xfrm>
-            <a:off x="276225" y="876299"/>
-            <a:ext cx="1800225" cy="1485900"/>
+            <a:off x="276225" y="838200"/>
+            <a:ext cx="1800225" cy="1628775"/>
           </a:xfrm>
           <a:prstGeom prst="rect">
             <a:avLst/>
@@ -9368,8 +9969,8 @@
           <p:nvPr/>
         </p:nvGraphicFramePr>
         <p:xfrm>
-          <a:off x="276225" y="876299"/>
-          <a:ext cx="1798959" cy="1428750"/>
+          <a:off x="276225" y="838200"/>
+          <a:ext cx="1978854" cy="1571625"/>
         </p:xfrm>
         <a:graphic>
           <a:graphicData uri="http://schemas.openxmlformats.org/drawingml/2006/table">
@@ -9409,11 +10010,11 @@
                 </a:tblBorders>
               </a:tblPr>
               <a:tblGrid>
-                <a:gridCol w="765646"/>
-                <a:gridCol w="458390"/>
-                <a:gridCol w="574923"/>
+                <a:gridCol w="842210"/>
+                <a:gridCol w="504229"/>
+                <a:gridCol w="632415"/>
               </a:tblGrid>
-              <a:tr h="285750">
+              <a:tr h="314325">
                 <a:tc>
                   <a:txBody>
                     <a:bodyPr lIns="76200" rIns="76200" tIns="76200" bIns="76200"/>
@@ -9562,7 +10163,7 @@
                   </a:tcPr>
                 </a:tc>
               </a:tr>
-              <a:tr h="285750">
+              <a:tr h="314325">
                 <a:tc>
                   <a:txBody>
                     <a:bodyPr lIns="76200" rIns="76200" tIns="76200" bIns="76200"/>
@@ -9711,7 +10312,7 @@
                   </a:tcPr>
                 </a:tc>
               </a:tr>
-              <a:tr h="285750">
+              <a:tr h="314325">
                 <a:tc>
                   <a:txBody>
                     <a:bodyPr lIns="76200" rIns="76200" tIns="76200" bIns="76200"/>
@@ -9860,7 +10461,7 @@
                   </a:tcPr>
                 </a:tc>
               </a:tr>
-              <a:tr h="285750">
+              <a:tr h="314325">
                 <a:tc>
                   <a:txBody>
                     <a:bodyPr lIns="76200" rIns="76200" tIns="76200" bIns="76200"/>
@@ -10009,7 +10610,7 @@
                   </a:tcPr>
                 </a:tc>
               </a:tr>
-              <a:tr h="285750">
+              <a:tr h="314325">
                 <a:tc>
                   <a:txBody>
                     <a:bodyPr lIns="76200" rIns="76200" tIns="76200" bIns="76200"/>
@@ -10170,7 +10771,7 @@
         </p:nvSpPr>
         <p:spPr>
           <a:xfrm>
-            <a:off x="5972175" y="628650"/>
+            <a:off x="5972175" y="590549"/>
             <a:ext cx="3171825" cy="274320"/>
           </a:xfrm>
           <a:prstGeom prst="rect">
@@ -10202,6 +10803,9 @@
             </a:pPr>
             <a:r>
               <a:rPr sz="800" b="1">
+                <a:solidFill>
+                  <a:srgbClr val="000000"/>
+                </a:solidFill>
                 <a:latin typeface="Arial"/>
               </a:rPr>
               <a:t>✍️ Notes</a:t>
@@ -10217,8 +10821,8 @@
         </p:nvSpPr>
         <p:spPr>
           <a:xfrm>
-            <a:off x="5972175" y="904874"/>
-            <a:ext cx="3171825" cy="295274"/>
+            <a:off x="5972175" y="857250"/>
+            <a:ext cx="3171825" cy="342900"/>
           </a:xfrm>
           <a:prstGeom prst="rect">
             <a:avLst/>
@@ -10249,6 +10853,9 @@
             </a:pPr>
             <a:r>
               <a:rPr sz="700">
+                <a:solidFill>
+                  <a:srgbClr val="000000"/>
+                </a:solidFill>
                 <a:latin typeface="Arial"/>
               </a:rPr>
               <a:t>All core features are either complete or in progress. Remaining items are performance tuning and UX polish.</a:t>
@@ -10267,6 +10874,14 @@
 <file path=ppt/slides/slide2.xml><?xml version="1.0" encoding="utf-8"?>
 <p:sld xmlns:a="http://schemas.openxmlformats.org/drawingml/2006/main" xmlns:p="http://schemas.openxmlformats.org/presentationml/2006/main" xmlns:r="http://schemas.openxmlformats.org/officeDocument/2006/relationships">
   <p:cSld>
+    <p:bg>
+      <p:bgPr>
+        <a:solidFill>
+          <a:srgbClr val="FFFFFF"/>
+        </a:solidFill>
+        <a:effectLst/>
+      </p:bgPr>
+    </p:bg>
     <p:spTree>
       <p:nvGrpSpPr>
         <p:cNvPr id="1" name=""/>
@@ -10283,6 +10898,106 @@
         <p:spPr>
           <a:xfrm>
             <a:off x="200025" y="180975"/>
+            <a:ext cx="8943975" cy="390525"/>
+          </a:xfrm>
+          <a:prstGeom prst="rect">
+            <a:avLst/>
+          </a:prstGeom>
+          <a:noFill/>
+        </p:spPr>
+        <p:txBody>
+          <a:bodyPr wrap="square" lIns="0" rIns="0" tIns="0" bIns="0">
+            <a:spAutoFit/>
+          </a:bodyPr>
+          <a:lstStyle/>
+          <a:p>
+            <a:pPr algn="l">
+              <a:lnSpc>
+                <a:spcPct val="120000"/>
+              </a:lnSpc>
+              <a:spcBef>
+                <a:spcPts val="0"/>
+              </a:spcBef>
+              <a:spcAft>
+                <a:spcPts val="0"/>
+              </a:spcAft>
+              <a:defRPr>
+                <a:solidFill>
+                  <a:srgbClr val="000000"/>
+                </a:solidFill>
+              </a:defRPr>
+            </a:pPr>
+            <a:r>
+              <a:rPr sz="1200" b="1">
+                <a:solidFill>
+                  <a:srgbClr val="000000"/>
+                </a:solidFill>
+                <a:latin typeface="Arial"/>
+              </a:rPr>
+              <a:t>✨ Inline Styling Features</a:t>
+            </a:r>
+          </a:p>
+        </p:txBody>
+      </p:sp>
+      <p:sp>
+        <p:nvSpPr>
+          <p:cNvPr id="3" name="TextBox 2"/>
+          <p:cNvSpPr txBox="1"/>
+          <p:nvPr/>
+        </p:nvSpPr>
+        <p:spPr>
+          <a:xfrm>
+            <a:off x="200025" y="571500"/>
+            <a:ext cx="8943975" cy="304800"/>
+          </a:xfrm>
+          <a:prstGeom prst="rect">
+            <a:avLst/>
+          </a:prstGeom>
+          <a:noFill/>
+        </p:spPr>
+        <p:txBody>
+          <a:bodyPr wrap="square" lIns="0" rIns="0" tIns="0" bIns="0">
+            <a:spAutoFit/>
+          </a:bodyPr>
+          <a:lstStyle/>
+          <a:p>
+            <a:pPr algn="l">
+              <a:lnSpc>
+                <a:spcPct val="120000"/>
+              </a:lnSpc>
+              <a:spcBef>
+                <a:spcPts val="0"/>
+              </a:spcBef>
+              <a:spcAft>
+                <a:spcPts val="0"/>
+              </a:spcAft>
+              <a:defRPr>
+                <a:solidFill>
+                  <a:srgbClr val="000000"/>
+                </a:solidFill>
+              </a:defRPr>
+            </a:pPr>
+            <a:r>
+              <a:rPr sz="900" b="1">
+                <a:solidFill>
+                  <a:srgbClr val="000000"/>
+                </a:solidFill>
+                <a:latin typeface="Arial"/>
+              </a:rPr>
+              <a:t>Basic Formatting</a:t>
+            </a:r>
+          </a:p>
+        </p:txBody>
+      </p:sp>
+      <p:sp>
+        <p:nvSpPr>
+          <p:cNvPr id="4" name="TextBox 3"/>
+          <p:cNvSpPr txBox="1"/>
+          <p:nvPr/>
+        </p:nvSpPr>
+        <p:spPr>
+          <a:xfrm>
+            <a:off x="200025" y="876299"/>
             <a:ext cx="8943975" cy="274320"/>
           </a:xfrm>
           <a:prstGeom prst="rect">
@@ -10313,23 +11028,53 @@
               </a:defRPr>
             </a:pPr>
             <a:r>
-              <a:rPr sz="1200" b="1">
-                <a:latin typeface="Arial"/>
-              </a:rPr>
-              <a:t>✨ Inline Styling Features</a:t>
+              <a:rPr b="1" sz="700">
+                <a:solidFill>
+                  <a:srgbClr val="000000"/>
+                </a:solidFill>
+                <a:latin typeface="Arial"/>
+              </a:rPr>
+              <a:t>Bold text</a:t>
+            </a:r>
+            <a:r>
+              <a:rPr sz="700">
+                <a:solidFill>
+                  <a:srgbClr val="000000"/>
+                </a:solidFill>
+                <a:latin typeface="Arial"/>
+              </a:rPr>
+              <a:t> using double asterisks or </a:t>
+            </a:r>
+            <a:r>
+              <a:rPr b="1" sz="700">
+                <a:solidFill>
+                  <a:srgbClr val="000000"/>
+                </a:solidFill>
+                <a:latin typeface="Arial"/>
+              </a:rPr>
+              <a:t>double underscores</a:t>
+            </a:r>
+            <a:r>
+              <a:rPr sz="700">
+                <a:solidFill>
+                  <a:srgbClr val="000000"/>
+                </a:solidFill>
+                <a:latin typeface="Arial"/>
+              </a:rPr>
+              <a:t>.</a:t>
             </a:r>
           </a:p>
         </p:txBody>
       </p:sp>
       <p:sp>
         <p:nvSpPr>
-          <p:cNvPr id="3" name="TextBox 2"/>
+          <p:cNvPr id="5" name="TextBox 4"/>
           <p:cNvSpPr txBox="1"/>
           <p:nvPr/>
         </p:nvSpPr>
         <p:spPr>
           <a:xfrm>
-            <a:off x="200025" y="600075"/>
+            <a:off x="200025" y="1104900"/>
             <a:ext cx="8943975" cy="274320"/>
           </a:xfrm>
           <a:prstGeom prst="rect">
@@ -10360,23 +11105,53 @@
               </a:defRPr>
             </a:pPr>
             <a:r>
-              <a:rPr sz="900" b="1">
-                <a:latin typeface="Arial"/>
-              </a:rPr>
-              <a:t>Basic Formatting</a:t>
+              <a:rPr i="1" sz="700">
+                <a:solidFill>
+                  <a:srgbClr val="000000"/>
+                </a:solidFill>
+                <a:latin typeface="Arial"/>
+              </a:rPr>
+              <a:t>Italic text</a:t>
+            </a:r>
+            <a:r>
+              <a:rPr sz="700">
+                <a:solidFill>
+                  <a:srgbClr val="000000"/>
+                </a:solidFill>
+                <a:latin typeface="Arial"/>
+              </a:rPr>
+              <a:t> using single asterisks or </a:t>
+            </a:r>
+            <a:r>
+              <a:rPr i="1" sz="700">
+                <a:solidFill>
+                  <a:srgbClr val="000000"/>
+                </a:solidFill>
+                <a:latin typeface="Arial"/>
+              </a:rPr>
+              <a:t>single underscores</a:t>
+            </a:r>
+            <a:r>
+              <a:rPr sz="700">
+                <a:solidFill>
+                  <a:srgbClr val="000000"/>
+                </a:solidFill>
+                <a:latin typeface="Arial"/>
+              </a:rPr>
+              <a:t>.</a:t>
             </a:r>
           </a:p>
         </p:txBody>
       </p:sp>
       <p:sp>
         <p:nvSpPr>
-          <p:cNvPr id="4" name="TextBox 3"/>
+          <p:cNvPr id="6" name="TextBox 5"/>
           <p:cNvSpPr txBox="1"/>
           <p:nvPr/>
         </p:nvSpPr>
         <p:spPr>
           <a:xfrm>
-            <a:off x="200025" y="923924"/>
+            <a:off x="200025" y="1333500"/>
             <a:ext cx="8943975" cy="274320"/>
           </a:xfrm>
           <a:prstGeom prst="rect">
@@ -10407,25 +11182,37 @@
               </a:defRPr>
             </a:pPr>
             <a:r>
-              <a:rPr b="1" sz="700">
-                <a:latin typeface="Arial"/>
-              </a:rPr>
-              <a:t>Bold text</a:t>
-            </a:r>
-            <a:r>
-              <a:rPr sz="700">
-                <a:latin typeface="Arial"/>
-              </a:rPr>
-              <a:t> using double asterisks or </a:t>
-            </a:r>
-            <a:r>
-              <a:rPr b="1" sz="700">
-                <a:latin typeface="Arial"/>
-              </a:rPr>
-              <a:t>double underscores</a:t>
-            </a:r>
-            <a:r>
-              <a:rPr sz="700">
+              <a:rPr sz="800">
+                <a:solidFill>
+                  <a:srgbClr val="333333"/>
+                </a:solidFill>
+                <a:latin typeface="Courier New"/>
+              </a:rPr>
+              <a:t>Inline code</a:t>
+            </a:r>
+            <a:r>
+              <a:rPr sz="700">
+                <a:solidFill>
+                  <a:srgbClr val="000000"/>
+                </a:solidFill>
+                <a:latin typeface="Arial"/>
+              </a:rPr>
+              <a:t> using backticks for technical terms like </a:t>
+            </a:r>
+            <a:r>
+              <a:rPr sz="800">
+                <a:solidFill>
+                  <a:srgbClr val="333333"/>
+                </a:solidFill>
+                <a:latin typeface="Courier New"/>
+              </a:rPr>
+              <a:t>SlideGenerator.generate()</a:t>
+            </a:r>
+            <a:r>
+              <a:rPr sz="700">
+                <a:solidFill>
+                  <a:srgbClr val="000000"/>
+                </a:solidFill>
                 <a:latin typeface="Arial"/>
               </a:rPr>
               <a:t>.</a:t>
@@ -10435,13 +11222,13 @@
       </p:sp>
       <p:sp>
         <p:nvSpPr>
-          <p:cNvPr id="5" name="TextBox 4"/>
+          <p:cNvPr id="7" name="TextBox 6"/>
           <p:cNvSpPr txBox="1"/>
           <p:nvPr/>
         </p:nvSpPr>
         <p:spPr>
           <a:xfrm>
-            <a:off x="200025" y="1162050"/>
+            <a:off x="200025" y="1571625"/>
             <a:ext cx="8943975" cy="274320"/>
           </a:xfrm>
           <a:prstGeom prst="rect">
@@ -10472,25 +11259,37 @@
               </a:defRPr>
             </a:pPr>
             <a:r>
-              <a:rPr i="1" sz="700">
-                <a:latin typeface="Arial"/>
-              </a:rPr>
-              <a:t>Italic text</a:t>
-            </a:r>
-            <a:r>
-              <a:rPr sz="700">
-                <a:latin typeface="Arial"/>
-              </a:rPr>
-              <a:t> using single asterisks or </a:t>
-            </a:r>
-            <a:r>
-              <a:rPr i="1" sz="700">
-                <a:latin typeface="Arial"/>
-              </a:rPr>
-              <a:t>single underscores</a:t>
-            </a:r>
-            <a:r>
-              <a:rPr sz="700">
+              <a:rPr b="1" sz="700">
+                <a:solidFill>
+                  <a:srgbClr val="FF8C00"/>
+                </a:solidFill>
+                <a:latin typeface="Arial"/>
+              </a:rPr>
+              <a:t>Highlighted text</a:t>
+            </a:r>
+            <a:r>
+              <a:rPr sz="700">
+                <a:solidFill>
+                  <a:srgbClr val="000000"/>
+                </a:solidFill>
+                <a:latin typeface="Arial"/>
+              </a:rPr>
+              <a:t> using double equals for </a:t>
+            </a:r>
+            <a:r>
+              <a:rPr b="1" sz="700">
+                <a:solidFill>
+                  <a:srgbClr val="FF8C00"/>
+                </a:solidFill>
+                <a:latin typeface="Arial"/>
+              </a:rPr>
+              <a:t>important information</a:t>
+            </a:r>
+            <a:r>
+              <a:rPr sz="700">
+                <a:solidFill>
+                  <a:srgbClr val="000000"/>
+                </a:solidFill>
                 <a:latin typeface="Arial"/>
               </a:rPr>
               <a:t>.</a:t>
@@ -10500,13 +11299,13 @@
       </p:sp>
       <p:sp>
         <p:nvSpPr>
-          <p:cNvPr id="6" name="TextBox 5"/>
+          <p:cNvPr id="8" name="TextBox 7"/>
           <p:cNvSpPr txBox="1"/>
           <p:nvPr/>
         </p:nvSpPr>
         <p:spPr>
           <a:xfrm>
-            <a:off x="200025" y="1400175"/>
+            <a:off x="200025" y="1800225"/>
             <a:ext cx="8943975" cy="274320"/>
           </a:xfrm>
           <a:prstGeom prst="rect">
@@ -10537,31 +11336,37 @@
               </a:defRPr>
             </a:pPr>
             <a:r>
-              <a:rPr sz="800">
-                <a:solidFill>
-                  <a:srgbClr val="333333"/>
-                </a:solidFill>
-                <a:latin typeface="Courier New"/>
-              </a:rPr>
-              <a:t>Inline code</a:t>
-            </a:r>
-            <a:r>
-              <a:rPr sz="700">
-                <a:latin typeface="Arial"/>
-              </a:rPr>
-              <a:t> using backticks for technical terms like </a:t>
-            </a:r>
-            <a:r>
-              <a:rPr sz="800">
-                <a:solidFill>
-                  <a:srgbClr val="333333"/>
-                </a:solidFill>
-                <a:latin typeface="Courier New"/>
-              </a:rPr>
-              <a:t>SlideGenerator.generate()</a:t>
-            </a:r>
-            <a:r>
-              <a:rPr sz="700">
+              <a:rPr u="sng" sz="700">
+                <a:solidFill>
+                  <a:srgbClr val="000000"/>
+                </a:solidFill>
+                <a:latin typeface="Arial"/>
+              </a:rPr>
+              <a:t>Underlined text</a:t>
+            </a:r>
+            <a:r>
+              <a:rPr sz="700">
+                <a:solidFill>
+                  <a:srgbClr val="000000"/>
+                </a:solidFill>
+                <a:latin typeface="Arial"/>
+              </a:rPr>
+              <a:t> using double plus signs for </a:t>
+            </a:r>
+            <a:r>
+              <a:rPr u="sng" sz="700">
+                <a:solidFill>
+                  <a:srgbClr val="000000"/>
+                </a:solidFill>
+                <a:latin typeface="Arial"/>
+              </a:rPr>
+              <a:t>emphasis or citations</a:t>
+            </a:r>
+            <a:r>
+              <a:rPr sz="700">
+                <a:solidFill>
+                  <a:srgbClr val="000000"/>
+                </a:solidFill>
                 <a:latin typeface="Arial"/>
               </a:rPr>
               <a:t>.</a:t>
@@ -10571,13 +11376,358 @@
       </p:sp>
       <p:sp>
         <p:nvSpPr>
-          <p:cNvPr id="7" name="TextBox 6"/>
+          <p:cNvPr id="9" name="TextBox 8"/>
           <p:cNvSpPr txBox="1"/>
           <p:nvPr/>
         </p:nvSpPr>
         <p:spPr>
           <a:xfrm>
-            <a:off x="200025" y="1685925"/>
+            <a:off x="200025" y="1933574"/>
+            <a:ext cx="8943975" cy="304800"/>
+          </a:xfrm>
+          <a:prstGeom prst="rect">
+            <a:avLst/>
+          </a:prstGeom>
+          <a:noFill/>
+        </p:spPr>
+        <p:txBody>
+          <a:bodyPr wrap="square" lIns="0" rIns="0" tIns="0" bIns="0">
+            <a:spAutoFit/>
+          </a:bodyPr>
+          <a:lstStyle/>
+          <a:p>
+            <a:pPr algn="l">
+              <a:lnSpc>
+                <a:spcPct val="120000"/>
+              </a:lnSpc>
+              <a:spcBef>
+                <a:spcPts val="0"/>
+              </a:spcBef>
+              <a:spcAft>
+                <a:spcPts val="0"/>
+              </a:spcAft>
+              <a:defRPr>
+                <a:solidFill>
+                  <a:srgbClr val="000000"/>
+                </a:solidFill>
+              </a:defRPr>
+            </a:pPr>
+            <a:r>
+              <a:rPr sz="900" b="1">
+                <a:solidFill>
+                  <a:srgbClr val="000000"/>
+                </a:solidFill>
+                <a:latin typeface="Arial"/>
+              </a:rPr>
+              <a:t>Advanced Combinations</a:t>
+            </a:r>
+          </a:p>
+        </p:txBody>
+      </p:sp>
+      <p:sp>
+        <p:nvSpPr>
+          <p:cNvPr id="10" name="TextBox 9"/>
+          <p:cNvSpPr txBox="1"/>
+          <p:nvPr/>
+        </p:nvSpPr>
+        <p:spPr>
+          <a:xfrm>
+            <a:off x="200025" y="2247899"/>
+            <a:ext cx="8943975" cy="695325"/>
+          </a:xfrm>
+          <a:prstGeom prst="rect">
+            <a:avLst/>
+          </a:prstGeom>
+          <a:noFill/>
+        </p:spPr>
+        <p:txBody>
+          <a:bodyPr wrap="square" lIns="0" rIns="0" tIns="0" bIns="0">
+            <a:spAutoFit/>
+          </a:bodyPr>
+          <a:lstStyle/>
+          <a:p>
+            <a:pPr algn="l">
+              <a:spcBef>
+                <a:spcPts val="0"/>
+              </a:spcBef>
+              <a:spcAft>
+                <a:spcPts val="0"/>
+              </a:spcAft>
+              <a:defRPr>
+                <a:solidFill>
+                  <a:srgbClr val="000000"/>
+                </a:solidFill>
+              </a:defRPr>
+            </a:pPr>
+            <a:r>
+              <a:rPr sz="700">
+                <a:solidFill>
+                  <a:srgbClr val="000000"/>
+                </a:solidFill>
+                <a:latin typeface="Arial"/>
+              </a:rPr>
+              <a:t>• </a:t>
+            </a:r>
+            <a:r>
+              <a:rPr b="1" sz="700">
+                <a:solidFill>
+                  <a:srgbClr val="000000"/>
+                </a:solidFill>
+                <a:latin typeface="Arial"/>
+              </a:rPr>
+              <a:t>Bold with </a:t>
+            </a:r>
+            <a:r>
+              <a:rPr b="1" i="1" sz="700">
+                <a:solidFill>
+                  <a:srgbClr val="000000"/>
+                </a:solidFill>
+                <a:latin typeface="Arial"/>
+              </a:rPr>
+              <a:t>italic inside</a:t>
+            </a:r>
+            <a:r>
+              <a:rPr b="1" sz="700">
+                <a:solidFill>
+                  <a:srgbClr val="000000"/>
+                </a:solidFill>
+                <a:latin typeface="Arial"/>
+              </a:rPr>
+              <a:t> for emphasis</a:t>
+            </a:r>
+          </a:p>
+          <a:p>
+            <a:pPr algn="l">
+              <a:defRPr>
+                <a:solidFill>
+                  <a:srgbClr val="000000"/>
+                </a:solidFill>
+              </a:defRPr>
+            </a:pPr>
+            <a:r>
+              <a:rPr sz="700">
+                <a:solidFill>
+                  <a:srgbClr val="000000"/>
+                </a:solidFill>
+                <a:latin typeface="Arial"/>
+              </a:rPr>
+              <a:t>• </a:t>
+            </a:r>
+            <a:r>
+              <a:rPr i="1" sz="700">
+                <a:solidFill>
+                  <a:srgbClr val="000000"/>
+                </a:solidFill>
+                <a:latin typeface="Arial"/>
+              </a:rPr>
+              <a:t>Italic with </a:t>
+            </a:r>
+            <a:r>
+              <a:rPr i="1" b="1" sz="700">
+                <a:solidFill>
+                  <a:srgbClr val="000000"/>
+                </a:solidFill>
+                <a:latin typeface="Arial"/>
+              </a:rPr>
+              <a:t>bold inside</a:t>
+            </a:r>
+            <a:r>
+              <a:rPr i="1" sz="700">
+                <a:solidFill>
+                  <a:srgbClr val="000000"/>
+                </a:solidFill>
+                <a:latin typeface="Arial"/>
+              </a:rPr>
+              <a:t> for variety</a:t>
+            </a:r>
+          </a:p>
+          <a:p>
+            <a:pPr algn="l">
+              <a:defRPr>
+                <a:solidFill>
+                  <a:srgbClr val="000000"/>
+                </a:solidFill>
+              </a:defRPr>
+            </a:pPr>
+            <a:r>
+              <a:rPr sz="700">
+                <a:solidFill>
+                  <a:srgbClr val="000000"/>
+                </a:solidFill>
+                <a:latin typeface="Arial"/>
+              </a:rPr>
+              <a:t>• </a:t>
+            </a:r>
+            <a:r>
+              <a:rPr b="1" sz="700">
+                <a:solidFill>
+                  <a:srgbClr val="FF8C00"/>
+                </a:solidFill>
+                <a:latin typeface="Arial"/>
+              </a:rPr>
+              <a:t>Highlighted with </a:t>
+            </a:r>
+            <a:r>
+              <a:rPr b="1" sz="700">
+                <a:solidFill>
+                  <a:srgbClr val="FF8C00"/>
+                </a:solidFill>
+                <a:latin typeface="Arial"/>
+              </a:rPr>
+              <a:t>bold inside</a:t>
+            </a:r>
+            <a:r>
+              <a:rPr b="1" sz="700">
+                <a:solidFill>
+                  <a:srgbClr val="FF8C00"/>
+                </a:solidFill>
+                <a:latin typeface="Arial"/>
+              </a:rPr>
+              <a:t> for attention</a:t>
+            </a:r>
+          </a:p>
+          <a:p>
+            <a:pPr algn="l">
+              <a:defRPr>
+                <a:solidFill>
+                  <a:srgbClr val="000000"/>
+                </a:solidFill>
+              </a:defRPr>
+            </a:pPr>
+            <a:r>
+              <a:rPr sz="700">
+                <a:solidFill>
+                  <a:srgbClr val="000000"/>
+                </a:solidFill>
+                <a:latin typeface="Arial"/>
+              </a:rPr>
+              <a:t>• </a:t>
+            </a:r>
+            <a:r>
+              <a:rPr sz="700">
+                <a:solidFill>
+                  <a:srgbClr val="000000"/>
+                </a:solidFill>
+                <a:latin typeface="Arial"/>
+              </a:rPr>
+              <a:t>Underlined with </a:t>
+            </a:r>
+            <a:r>
+              <a:rPr b="1" sz="700">
+                <a:solidFill>
+                  <a:srgbClr val="000000"/>
+                </a:solidFill>
+                <a:latin typeface="Arial"/>
+              </a:rPr>
+              <a:t>bold inside</a:t>
+            </a:r>
+            <a:r>
+              <a:rPr sz="700">
+                <a:solidFill>
+                  <a:srgbClr val="000000"/>
+                </a:solidFill>
+                <a:latin typeface="Arial"/>
+              </a:rPr>
+              <a:t> for citations</a:t>
+            </a:r>
+          </a:p>
+          <a:p>
+            <a:pPr algn="l">
+              <a:defRPr>
+                <a:solidFill>
+                  <a:srgbClr val="000000"/>
+                </a:solidFill>
+              </a:defRPr>
+            </a:pPr>
+            <a:r>
+              <a:rPr sz="700">
+                <a:solidFill>
+                  <a:srgbClr val="000000"/>
+                </a:solidFill>
+                <a:latin typeface="Arial"/>
+              </a:rPr>
+              <a:t>• </a:t>
+            </a:r>
+            <a:r>
+              <a:rPr sz="800">
+                <a:solidFill>
+                  <a:srgbClr val="333333"/>
+                </a:solidFill>
+                <a:latin typeface="Courier New"/>
+              </a:rPr>
+              <a:t>Code with formatting</a:t>
+            </a:r>
+            <a:r>
+              <a:rPr sz="700">
+                <a:solidFill>
+                  <a:srgbClr val="000000"/>
+                </a:solidFill>
+                <a:latin typeface="Arial"/>
+              </a:rPr>
+              <a:t> (note: formatting preserved where possible)</a:t>
+            </a:r>
+          </a:p>
+        </p:txBody>
+      </p:sp>
+      <p:sp>
+        <p:nvSpPr>
+          <p:cNvPr id="11" name="TextBox 10"/>
+          <p:cNvSpPr txBox="1"/>
+          <p:nvPr/>
+        </p:nvSpPr>
+        <p:spPr>
+          <a:xfrm>
+            <a:off x="200025" y="2847974"/>
+            <a:ext cx="8943975" cy="304800"/>
+          </a:xfrm>
+          <a:prstGeom prst="rect">
+            <a:avLst/>
+          </a:prstGeom>
+          <a:noFill/>
+        </p:spPr>
+        <p:txBody>
+          <a:bodyPr wrap="square" lIns="0" rIns="0" tIns="0" bIns="0">
+            <a:spAutoFit/>
+          </a:bodyPr>
+          <a:lstStyle/>
+          <a:p>
+            <a:pPr algn="l">
+              <a:lnSpc>
+                <a:spcPct val="120000"/>
+              </a:lnSpc>
+              <a:spcBef>
+                <a:spcPts val="0"/>
+              </a:spcBef>
+              <a:spcAft>
+                <a:spcPts val="0"/>
+              </a:spcAft>
+              <a:defRPr>
+                <a:solidFill>
+                  <a:srgbClr val="000000"/>
+                </a:solidFill>
+              </a:defRPr>
+            </a:pPr>
+            <a:r>
+              <a:rPr sz="900" b="1">
+                <a:solidFill>
+                  <a:srgbClr val="000000"/>
+                </a:solidFill>
+                <a:latin typeface="Arial"/>
+              </a:rPr>
+              <a:t>Real-World Examples</a:t>
+            </a:r>
+          </a:p>
+        </p:txBody>
+      </p:sp>
+      <p:sp>
+        <p:nvSpPr>
+          <p:cNvPr id="12" name="TextBox 11"/>
+          <p:cNvSpPr txBox="1"/>
+          <p:nvPr/>
+        </p:nvSpPr>
+        <p:spPr>
+          <a:xfrm>
+            <a:off x="200025" y="3152775"/>
             <a:ext cx="8943975" cy="274320"/>
           </a:xfrm>
           <a:prstGeom prst="rect">
@@ -10608,31 +11758,100 @@
               </a:defRPr>
             </a:pPr>
             <a:r>
+              <a:rPr sz="700">
+                <a:solidFill>
+                  <a:srgbClr val="000000"/>
+                </a:solidFill>
+                <a:latin typeface="Arial"/>
+              </a:rPr>
+              <a:t>The </a:t>
+            </a:r>
+            <a:r>
+              <a:rPr sz="800">
+                <a:solidFill>
+                  <a:srgbClr val="333333"/>
+                </a:solidFill>
+                <a:latin typeface="Courier New"/>
+              </a:rPr>
+              <a:t>SlideGenerator</a:t>
+            </a:r>
+            <a:r>
+              <a:rPr sz="700">
+                <a:solidFill>
+                  <a:srgbClr val="000000"/>
+                </a:solidFill>
+                <a:latin typeface="Arial"/>
+              </a:rPr>
+              <a:t> class provides a </a:t>
+            </a:r>
+            <a:r>
               <a:rPr b="1" sz="700">
                 <a:solidFill>
+                  <a:srgbClr val="000000"/>
+                </a:solidFill>
+                <a:latin typeface="Arial"/>
+              </a:rPr>
+              <a:t>powerful API</a:t>
+            </a:r>
+            <a:r>
+              <a:rPr sz="700">
+                <a:solidFill>
+                  <a:srgbClr val="000000"/>
+                </a:solidFill>
+                <a:latin typeface="Arial"/>
+              </a:rPr>
+              <a:t> for converting </a:t>
+            </a:r>
+            <a:r>
+              <a:rPr i="1" sz="700">
+                <a:solidFill>
+                  <a:srgbClr val="000000"/>
+                </a:solidFill>
+                <a:latin typeface="Arial"/>
+              </a:rPr>
+              <a:t>markdown</a:t>
+            </a:r>
+            <a:r>
+              <a:rPr sz="700">
+                <a:solidFill>
+                  <a:srgbClr val="000000"/>
+                </a:solidFill>
+                <a:latin typeface="Arial"/>
+              </a:rPr>
+              <a:t> to </a:t>
+            </a:r>
+            <a:r>
+              <a:rPr b="1" sz="700">
+                <a:solidFill>
                   <a:srgbClr val="FF8C00"/>
                 </a:solidFill>
                 <a:latin typeface="Arial"/>
               </a:rPr>
-              <a:t>Highlighted text</a:t>
-            </a:r>
-            <a:r>
-              <a:rPr sz="700">
-                <a:latin typeface="Arial"/>
-              </a:rPr>
-              <a:t> using double equals for </a:t>
-            </a:r>
-            <a:r>
-              <a:rPr b="1" sz="700">
-                <a:solidFill>
-                  <a:srgbClr val="FF8C00"/>
-                </a:solidFill>
-                <a:latin typeface="Arial"/>
-              </a:rPr>
-              <a:t>important information</a:t>
-            </a:r>
-            <a:r>
-              <a:rPr sz="700">
+              <a:t>professional presentations</a:t>
+            </a:r>
+            <a:r>
+              <a:rPr sz="700">
+                <a:solidFill>
+                  <a:srgbClr val="000000"/>
+                </a:solidFill>
+                <a:latin typeface="Arial"/>
+              </a:rPr>
+              <a:t> with </a:t>
+            </a:r>
+            <a:r>
+              <a:rPr u="sng" sz="700">
+                <a:solidFill>
+                  <a:srgbClr val="000000"/>
+                </a:solidFill>
+                <a:latin typeface="Arial"/>
+              </a:rPr>
+              <a:t>full formatting support</a:t>
+            </a:r>
+            <a:r>
+              <a:rPr sz="700">
+                <a:solidFill>
+                  <a:srgbClr val="000000"/>
+                </a:solidFill>
                 <a:latin typeface="Arial"/>
               </a:rPr>
               <a:t>.</a:t>
@@ -10642,13 +11861,13 @@
       </p:sp>
       <p:sp>
         <p:nvSpPr>
-          <p:cNvPr id="8" name="TextBox 7"/>
+          <p:cNvPr id="13" name="TextBox 12"/>
           <p:cNvSpPr txBox="1"/>
           <p:nvPr/>
         </p:nvSpPr>
         <p:spPr>
           <a:xfrm>
-            <a:off x="200025" y="1924049"/>
+            <a:off x="200025" y="3390899"/>
             <a:ext cx="8943975" cy="274320"/>
           </a:xfrm>
           <a:prstGeom prst="rect">
@@ -10679,523 +11898,82 @@
               </a:defRPr>
             </a:pPr>
             <a:r>
+              <a:rPr sz="700">
+                <a:solidFill>
+                  <a:srgbClr val="000000"/>
+                </a:solidFill>
+                <a:latin typeface="Arial"/>
+              </a:rPr>
+              <a:t>Call </a:t>
+            </a:r>
+            <a:r>
+              <a:rPr sz="800">
+                <a:solidFill>
+                  <a:srgbClr val="333333"/>
+                </a:solidFill>
+                <a:latin typeface="Courier New"/>
+              </a:rPr>
+              <a:t>generator.generate(markdown, "output.pptx")</a:t>
+            </a:r>
+            <a:r>
+              <a:rPr sz="700">
+                <a:solidFill>
+                  <a:srgbClr val="000000"/>
+                </a:solidFill>
+                <a:latin typeface="Arial"/>
+              </a:rPr>
+              <a:t> where </a:t>
+            </a:r>
+            <a:r>
+              <a:rPr b="1" sz="700">
+                <a:solidFill>
+                  <a:srgbClr val="000000"/>
+                </a:solidFill>
+                <a:latin typeface="Arial"/>
+              </a:rPr>
+              <a:t>markdown</a:t>
+            </a:r>
+            <a:r>
+              <a:rPr sz="700">
+                <a:solidFill>
+                  <a:srgbClr val="000000"/>
+                </a:solidFill>
+                <a:latin typeface="Arial"/>
+              </a:rPr>
+              <a:t> is your source and </a:t>
+            </a:r>
+            <a:r>
+              <a:rPr b="1" sz="700">
+                <a:solidFill>
+                  <a:srgbClr val="FF8C00"/>
+                </a:solidFill>
+                <a:latin typeface="Arial"/>
+              </a:rPr>
+              <a:t>output.pptx</a:t>
+            </a:r>
+            <a:r>
+              <a:rPr sz="700">
+                <a:solidFill>
+                  <a:srgbClr val="000000"/>
+                </a:solidFill>
+                <a:latin typeface="Arial"/>
+              </a:rPr>
+              <a:t> is the </a:t>
+            </a:r>
+            <a:r>
               <a:rPr u="sng" sz="700">
-                <a:latin typeface="Arial"/>
-              </a:rPr>
-              <a:t>Underlined text</a:t>
-            </a:r>
-            <a:r>
-              <a:rPr sz="700">
-                <a:latin typeface="Arial"/>
-              </a:rPr>
-              <a:t> using double plus signs for </a:t>
-            </a:r>
-            <a:r>
-              <a:rPr u="sng" sz="700">
-                <a:latin typeface="Arial"/>
-              </a:rPr>
-              <a:t>emphasis or citations</a:t>
-            </a:r>
-            <a:r>
-              <a:rPr sz="700">
-                <a:latin typeface="Arial"/>
-              </a:rPr>
-              <a:t>.</a:t>
-            </a:r>
-          </a:p>
-        </p:txBody>
-      </p:sp>
-      <p:sp>
-        <p:nvSpPr>
-          <p:cNvPr id="9" name="TextBox 8"/>
-          <p:cNvSpPr txBox="1"/>
-          <p:nvPr/>
-        </p:nvSpPr>
-        <p:spPr>
-          <a:xfrm>
-            <a:off x="200025" y="2066924"/>
-            <a:ext cx="8943975" cy="274320"/>
-          </a:xfrm>
-          <a:prstGeom prst="rect">
-            <a:avLst/>
-          </a:prstGeom>
-          <a:noFill/>
-        </p:spPr>
-        <p:txBody>
-          <a:bodyPr wrap="square" lIns="0" rIns="0" tIns="0" bIns="0">
-            <a:spAutoFit/>
-          </a:bodyPr>
-          <a:lstStyle/>
-          <a:p>
-            <a:pPr algn="l">
-              <a:lnSpc>
-                <a:spcPct val="120000"/>
-              </a:lnSpc>
-              <a:spcBef>
-                <a:spcPts val="0"/>
-              </a:spcBef>
-              <a:spcAft>
-                <a:spcPts val="0"/>
-              </a:spcAft>
-              <a:defRPr>
-                <a:solidFill>
-                  <a:srgbClr val="000000"/>
-                </a:solidFill>
-              </a:defRPr>
-            </a:pPr>
-            <a:r>
-              <a:rPr sz="900" b="1">
-                <a:latin typeface="Arial"/>
-              </a:rPr>
-              <a:t>Advanced Combinations</a:t>
-            </a:r>
-          </a:p>
-        </p:txBody>
-      </p:sp>
-      <p:sp>
-        <p:nvSpPr>
-          <p:cNvPr id="10" name="TextBox 9"/>
-          <p:cNvSpPr txBox="1"/>
-          <p:nvPr/>
-        </p:nvSpPr>
-        <p:spPr>
-          <a:xfrm>
-            <a:off x="200025" y="2400300"/>
-            <a:ext cx="8943975" cy="781050"/>
-          </a:xfrm>
-          <a:prstGeom prst="rect">
-            <a:avLst/>
-          </a:prstGeom>
-          <a:noFill/>
-        </p:spPr>
-        <p:txBody>
-          <a:bodyPr wrap="square" lIns="0" rIns="0" tIns="0" bIns="0">
-            <a:spAutoFit/>
-          </a:bodyPr>
-          <a:lstStyle/>
-          <a:p>
-            <a:pPr algn="l">
-              <a:spcBef>
-                <a:spcPts val="0"/>
-              </a:spcBef>
-              <a:spcAft>
-                <a:spcPts val="0"/>
-              </a:spcAft>
-              <a:defRPr>
-                <a:solidFill>
-                  <a:srgbClr val="000000"/>
-                </a:solidFill>
-              </a:defRPr>
-            </a:pPr>
-            <a:r>
-              <a:rPr sz="700"/>
-              <a:t>• </a:t>
-            </a:r>
-            <a:r>
-              <a:rPr b="1" sz="700">
-                <a:latin typeface="Arial"/>
-              </a:rPr>
-              <a:t>Bold with </a:t>
-            </a:r>
-            <a:r>
-              <a:rPr b="1" i="1" sz="700">
-                <a:latin typeface="Arial"/>
-              </a:rPr>
-              <a:t>italic inside</a:t>
-            </a:r>
-            <a:r>
-              <a:rPr b="1" sz="700">
-                <a:latin typeface="Arial"/>
-              </a:rPr>
-              <a:t> for emphasis</a:t>
-            </a:r>
-          </a:p>
-          <a:p>
-            <a:pPr algn="l">
-              <a:defRPr>
-                <a:solidFill>
-                  <a:srgbClr val="000000"/>
-                </a:solidFill>
-              </a:defRPr>
-            </a:pPr>
-            <a:r>
-              <a:rPr sz="700"/>
-              <a:t>• </a:t>
-            </a:r>
-            <a:r>
-              <a:rPr i="1" sz="700">
-                <a:latin typeface="Arial"/>
-              </a:rPr>
-              <a:t>Italic with </a:t>
-            </a:r>
-            <a:r>
-              <a:rPr i="1" b="1" sz="700">
-                <a:latin typeface="Arial"/>
-              </a:rPr>
-              <a:t>bold inside</a:t>
-            </a:r>
-            <a:r>
-              <a:rPr i="1" sz="700">
-                <a:latin typeface="Arial"/>
-              </a:rPr>
-              <a:t> for variety</a:t>
-            </a:r>
-          </a:p>
-          <a:p>
-            <a:pPr algn="l">
-              <a:defRPr>
-                <a:solidFill>
-                  <a:srgbClr val="000000"/>
-                </a:solidFill>
-              </a:defRPr>
-            </a:pPr>
-            <a:r>
-              <a:rPr sz="700"/>
-              <a:t>• </a:t>
-            </a:r>
-            <a:r>
-              <a:rPr b="1" sz="700">
-                <a:solidFill>
-                  <a:srgbClr val="FF8C00"/>
-                </a:solidFill>
-                <a:latin typeface="Arial"/>
-              </a:rPr>
-              <a:t>Highlighted with </a:t>
-            </a:r>
-            <a:r>
-              <a:rPr b="1" sz="700">
-                <a:solidFill>
-                  <a:srgbClr val="FF8C00"/>
-                </a:solidFill>
-                <a:latin typeface="Arial"/>
-              </a:rPr>
-              <a:t>bold inside</a:t>
-            </a:r>
-            <a:r>
-              <a:rPr b="1" sz="700">
-                <a:solidFill>
-                  <a:srgbClr val="FF8C00"/>
-                </a:solidFill>
-                <a:latin typeface="Arial"/>
-              </a:rPr>
-              <a:t> for attention</a:t>
-            </a:r>
-          </a:p>
-          <a:p>
-            <a:pPr algn="l">
-              <a:defRPr>
-                <a:solidFill>
-                  <a:srgbClr val="000000"/>
-                </a:solidFill>
-              </a:defRPr>
-            </a:pPr>
-            <a:r>
-              <a:rPr sz="700"/>
-              <a:t>• </a:t>
-            </a:r>
-            <a:r>
-              <a:rPr sz="700">
-                <a:latin typeface="Arial"/>
-              </a:rPr>
-              <a:t>Underlined with </a:t>
-            </a:r>
-            <a:r>
-              <a:rPr b="1" sz="700">
-                <a:latin typeface="Arial"/>
-              </a:rPr>
-              <a:t>bold inside</a:t>
-            </a:r>
-            <a:r>
-              <a:rPr sz="700">
-                <a:latin typeface="Arial"/>
-              </a:rPr>
-              <a:t> for citations</a:t>
-            </a:r>
-          </a:p>
-          <a:p>
-            <a:pPr algn="l">
-              <a:defRPr>
-                <a:solidFill>
-                  <a:srgbClr val="000000"/>
-                </a:solidFill>
-              </a:defRPr>
-            </a:pPr>
-            <a:r>
-              <a:rPr sz="700"/>
-              <a:t>• </a:t>
-            </a:r>
-            <a:r>
-              <a:rPr sz="800">
-                <a:solidFill>
-                  <a:srgbClr val="333333"/>
-                </a:solidFill>
-                <a:latin typeface="Courier New"/>
-              </a:rPr>
-              <a:t>Code with formatting</a:t>
-            </a:r>
-            <a:r>
-              <a:rPr sz="700">
-                <a:latin typeface="Arial"/>
-              </a:rPr>
-              <a:t> (note: formatting preserved where possible)</a:t>
-            </a:r>
-          </a:p>
-        </p:txBody>
-      </p:sp>
-      <p:sp>
-        <p:nvSpPr>
-          <p:cNvPr id="11" name="TextBox 10"/>
-          <p:cNvSpPr txBox="1"/>
-          <p:nvPr/>
-        </p:nvSpPr>
-        <p:spPr>
-          <a:xfrm>
-            <a:off x="200025" y="3181350"/>
-            <a:ext cx="8943975" cy="274320"/>
-          </a:xfrm>
-          <a:prstGeom prst="rect">
-            <a:avLst/>
-          </a:prstGeom>
-          <a:noFill/>
-        </p:spPr>
-        <p:txBody>
-          <a:bodyPr wrap="square" lIns="0" rIns="0" tIns="0" bIns="0">
-            <a:spAutoFit/>
-          </a:bodyPr>
-          <a:lstStyle/>
-          <a:p>
-            <a:pPr algn="l">
-              <a:lnSpc>
-                <a:spcPct val="120000"/>
-              </a:lnSpc>
-              <a:spcBef>
-                <a:spcPts val="0"/>
-              </a:spcBef>
-              <a:spcAft>
-                <a:spcPts val="0"/>
-              </a:spcAft>
-              <a:defRPr>
-                <a:solidFill>
-                  <a:srgbClr val="000000"/>
-                </a:solidFill>
-              </a:defRPr>
-            </a:pPr>
-            <a:r>
-              <a:rPr sz="900" b="1">
-                <a:latin typeface="Arial"/>
-              </a:rPr>
-              <a:t>Real-World Examples</a:t>
-            </a:r>
-          </a:p>
-        </p:txBody>
-      </p:sp>
-      <p:sp>
-        <p:nvSpPr>
-          <p:cNvPr id="12" name="TextBox 11"/>
-          <p:cNvSpPr txBox="1"/>
-          <p:nvPr/>
-        </p:nvSpPr>
-        <p:spPr>
-          <a:xfrm>
-            <a:off x="200025" y="3505199"/>
-            <a:ext cx="8943975" cy="274320"/>
-          </a:xfrm>
-          <a:prstGeom prst="rect">
-            <a:avLst/>
-          </a:prstGeom>
-          <a:noFill/>
-        </p:spPr>
-        <p:txBody>
-          <a:bodyPr wrap="square" lIns="0" rIns="0" tIns="0" bIns="0">
-            <a:spAutoFit/>
-          </a:bodyPr>
-          <a:lstStyle/>
-          <a:p>
-            <a:pPr algn="l">
-              <a:lnSpc>
-                <a:spcPct val="120000"/>
-              </a:lnSpc>
-              <a:spcBef>
-                <a:spcPts val="0"/>
-              </a:spcBef>
-              <a:spcAft>
-                <a:spcPts val="0"/>
-              </a:spcAft>
-              <a:defRPr>
-                <a:solidFill>
-                  <a:srgbClr val="000000"/>
-                </a:solidFill>
-              </a:defRPr>
-            </a:pPr>
-            <a:r>
-              <a:rPr sz="700">
-                <a:latin typeface="Arial"/>
-              </a:rPr>
-              <a:t>The </a:t>
-            </a:r>
-            <a:r>
-              <a:rPr sz="800">
-                <a:solidFill>
-                  <a:srgbClr val="333333"/>
-                </a:solidFill>
-                <a:latin typeface="Courier New"/>
-              </a:rPr>
-              <a:t>SlideGenerator</a:t>
-            </a:r>
-            <a:r>
-              <a:rPr sz="700">
-                <a:latin typeface="Arial"/>
-              </a:rPr>
-              <a:t> class provides a </a:t>
-            </a:r>
-            <a:r>
-              <a:rPr b="1" sz="700">
-                <a:latin typeface="Arial"/>
-              </a:rPr>
-              <a:t>powerful API</a:t>
-            </a:r>
-            <a:r>
-              <a:rPr sz="700">
-                <a:latin typeface="Arial"/>
-              </a:rPr>
-              <a:t> for converting </a:t>
-            </a:r>
-            <a:r>
-              <a:rPr i="1" sz="700">
-                <a:latin typeface="Arial"/>
-              </a:rPr>
-              <a:t>markdown</a:t>
-            </a:r>
-            <a:r>
-              <a:rPr sz="700">
-                <a:latin typeface="Arial"/>
-              </a:rPr>
-              <a:t> to </a:t>
-            </a:r>
-            <a:r>
-              <a:rPr b="1" sz="700">
-                <a:solidFill>
-                  <a:srgbClr val="FF8C00"/>
-                </a:solidFill>
-                <a:latin typeface="Arial"/>
-              </a:rPr>
-              <a:t>professional presentations</a:t>
-            </a:r>
-            <a:r>
-              <a:rPr sz="700">
-                <a:latin typeface="Arial"/>
-              </a:rPr>
-              <a:t> with </a:t>
-            </a:r>
-            <a:r>
-              <a:rPr u="sng" sz="700">
-                <a:latin typeface="Arial"/>
-              </a:rPr>
-              <a:t>full formatting support</a:t>
-            </a:r>
-            <a:r>
-              <a:rPr sz="700">
-                <a:latin typeface="Arial"/>
-              </a:rPr>
-              <a:t>.</a:t>
-            </a:r>
-          </a:p>
-        </p:txBody>
-      </p:sp>
-      <p:sp>
-        <p:nvSpPr>
-          <p:cNvPr id="13" name="TextBox 12"/>
-          <p:cNvSpPr txBox="1"/>
-          <p:nvPr/>
-        </p:nvSpPr>
-        <p:spPr>
-          <a:xfrm>
-            <a:off x="200025" y="3790949"/>
-            <a:ext cx="8943975" cy="274320"/>
-          </a:xfrm>
-          <a:prstGeom prst="rect">
-            <a:avLst/>
-          </a:prstGeom>
-          <a:noFill/>
-        </p:spPr>
-        <p:txBody>
-          <a:bodyPr wrap="square" lIns="0" rIns="0" tIns="0" bIns="0">
-            <a:spAutoFit/>
-          </a:bodyPr>
-          <a:lstStyle/>
-          <a:p>
-            <a:pPr algn="l">
-              <a:lnSpc>
-                <a:spcPct val="120000"/>
-              </a:lnSpc>
-              <a:spcBef>
-                <a:spcPts val="0"/>
-              </a:spcBef>
-              <a:spcAft>
-                <a:spcPts val="0"/>
-              </a:spcAft>
-              <a:defRPr>
-                <a:solidFill>
-                  <a:srgbClr val="000000"/>
-                </a:solidFill>
-              </a:defRPr>
-            </a:pPr>
-            <a:r>
-              <a:rPr sz="700">
-                <a:latin typeface="Arial"/>
-              </a:rPr>
-              <a:t>Call </a:t>
-            </a:r>
-            <a:r>
-              <a:rPr sz="800">
-                <a:solidFill>
-                  <a:srgbClr val="333333"/>
-                </a:solidFill>
-                <a:latin typeface="Courier New"/>
-              </a:rPr>
-              <a:t>generator.generate(markdown, "output.pptx")</a:t>
-            </a:r>
-            <a:r>
-              <a:rPr sz="700">
-                <a:latin typeface="Arial"/>
-              </a:rPr>
-              <a:t> where </a:t>
-            </a:r>
-            <a:r>
-              <a:rPr b="1" sz="700">
-                <a:latin typeface="Arial"/>
-              </a:rPr>
-              <a:t>markdown</a:t>
-            </a:r>
-            <a:r>
-              <a:rPr sz="700">
-                <a:latin typeface="Arial"/>
-              </a:rPr>
-              <a:t> is your source and </a:t>
-            </a:r>
-            <a:r>
-              <a:rPr b="1" sz="700">
-                <a:solidFill>
-                  <a:srgbClr val="FF8C00"/>
-                </a:solidFill>
-                <a:latin typeface="Arial"/>
-              </a:rPr>
-              <a:t>output.pptx</a:t>
-            </a:r>
-            <a:r>
-              <a:rPr sz="700">
-                <a:latin typeface="Arial"/>
-              </a:rPr>
-              <a:t> is the </a:t>
-            </a:r>
-            <a:r>
-              <a:rPr u="sng" sz="700">
+                <a:solidFill>
+                  <a:srgbClr val="000000"/>
+                </a:solidFill>
                 <a:latin typeface="Arial"/>
               </a:rPr>
               <a:t>final result</a:t>
             </a:r>
             <a:r>
               <a:rPr sz="700">
+                <a:solidFill>
+                  <a:srgbClr val="000000"/>
+                </a:solidFill>
                 <a:latin typeface="Arial"/>
               </a:rPr>
               <a:t>.</a:t>
@@ -11214,6 +11992,14 @@
 <file path=ppt/slides/slide20.xml><?xml version="1.0" encoding="utf-8"?>
 <p:sld xmlns:a="http://schemas.openxmlformats.org/drawingml/2006/main" xmlns:p="http://schemas.openxmlformats.org/presentationml/2006/main" xmlns:r="http://schemas.openxmlformats.org/officeDocument/2006/relationships">
   <p:cSld>
+    <p:bg>
+      <p:bgPr>
+        <a:solidFill>
+          <a:srgbClr val="FFFFFF"/>
+        </a:solidFill>
+        <a:effectLst/>
+      </p:bgPr>
+    </p:bg>
     <p:spTree>
       <p:nvGrpSpPr>
         <p:cNvPr id="1" name=""/>
@@ -11230,7 +12016,7 @@
         <p:spPr>
           <a:xfrm>
             <a:off x="200025" y="180975"/>
-            <a:ext cx="8943975" cy="274320"/>
+            <a:ext cx="8943975" cy="390525"/>
           </a:xfrm>
           <a:prstGeom prst="rect">
             <a:avLst/>
@@ -11261,6 +12047,9 @@
             </a:pPr>
             <a:r>
               <a:rPr sz="1200" b="1">
+                <a:solidFill>
+                  <a:srgbClr val="000000"/>
+                </a:solidFill>
                 <a:latin typeface="Arial"/>
               </a:rPr>
               <a:t>Two-column slide (Auto + default)</a:t>
@@ -11276,7 +12065,7 @@
         </p:nvSpPr>
         <p:spPr>
           <a:xfrm>
-            <a:off x="276225" y="600075"/>
+            <a:off x="276225" y="571500"/>
             <a:ext cx="8867775" cy="274320"/>
           </a:xfrm>
           <a:prstGeom prst="rect">
@@ -11308,6 +12097,9 @@
             </a:pPr>
             <a:r>
               <a:rPr sz="800" b="1">
+                <a:solidFill>
+                  <a:srgbClr val="000000"/>
+                </a:solidFill>
                 <a:latin typeface="Arial"/>
               </a:rPr>
               <a:t>📋 Project Status Table</a:t>
@@ -11323,8 +12115,8 @@
         </p:nvSpPr>
         <p:spPr>
           <a:xfrm>
-            <a:off x="276225" y="876299"/>
-            <a:ext cx="1800225" cy="1485900"/>
+            <a:off x="276225" y="838200"/>
+            <a:ext cx="1800225" cy="1628775"/>
           </a:xfrm>
           <a:prstGeom prst="rect">
             <a:avLst/>
@@ -11357,8 +12149,8 @@
           <p:nvPr/>
         </p:nvGraphicFramePr>
         <p:xfrm>
-          <a:off x="276225" y="876299"/>
-          <a:ext cx="1798959" cy="1428750"/>
+          <a:off x="276225" y="838200"/>
+          <a:ext cx="1978854" cy="1571625"/>
         </p:xfrm>
         <a:graphic>
           <a:graphicData uri="http://schemas.openxmlformats.org/drawingml/2006/table">
@@ -11398,11 +12190,11 @@
                 </a:tblBorders>
               </a:tblPr>
               <a:tblGrid>
-                <a:gridCol w="765646"/>
-                <a:gridCol w="458390"/>
-                <a:gridCol w="574923"/>
+                <a:gridCol w="842210"/>
+                <a:gridCol w="504229"/>
+                <a:gridCol w="632415"/>
               </a:tblGrid>
-              <a:tr h="285750">
+              <a:tr h="314325">
                 <a:tc>
                   <a:txBody>
                     <a:bodyPr lIns="76200" rIns="76200" tIns="76200" bIns="76200"/>
@@ -11551,7 +12343,7 @@
                   </a:tcPr>
                 </a:tc>
               </a:tr>
-              <a:tr h="285750">
+              <a:tr h="314325">
                 <a:tc>
                   <a:txBody>
                     <a:bodyPr lIns="76200" rIns="76200" tIns="76200" bIns="76200"/>
@@ -11700,7 +12492,7 @@
                   </a:tcPr>
                 </a:tc>
               </a:tr>
-              <a:tr h="285750">
+              <a:tr h="314325">
                 <a:tc>
                   <a:txBody>
                     <a:bodyPr lIns="76200" rIns="76200" tIns="76200" bIns="76200"/>
@@ -11849,7 +12641,7 @@
                   </a:tcPr>
                 </a:tc>
               </a:tr>
-              <a:tr h="285750">
+              <a:tr h="314325">
                 <a:tc>
                   <a:txBody>
                     <a:bodyPr lIns="76200" rIns="76200" tIns="76200" bIns="76200"/>
@@ -11998,7 +12790,7 @@
                   </a:tcPr>
                 </a:tc>
               </a:tr>
-              <a:tr h="285750">
+              <a:tr h="314325">
                 <a:tc>
                   <a:txBody>
                     <a:bodyPr lIns="76200" rIns="76200" tIns="76200" bIns="76200"/>
@@ -12159,7 +12951,7 @@
         </p:nvSpPr>
         <p:spPr>
           <a:xfrm>
-            <a:off x="2533649" y="628650"/>
+            <a:off x="2533649" y="590549"/>
             <a:ext cx="6610349" cy="274320"/>
           </a:xfrm>
           <a:prstGeom prst="rect">
@@ -12191,6 +12983,9 @@
             </a:pPr>
             <a:r>
               <a:rPr sz="800" b="1">
+                <a:solidFill>
+                  <a:srgbClr val="000000"/>
+                </a:solidFill>
                 <a:latin typeface="Arial"/>
               </a:rPr>
               <a:t>✍️ Notes</a:t>
@@ -12206,7 +13001,7 @@
         </p:nvSpPr>
         <p:spPr>
           <a:xfrm>
-            <a:off x="2533649" y="904874"/>
+            <a:off x="2533649" y="857250"/>
             <a:ext cx="6610349" cy="274320"/>
           </a:xfrm>
           <a:prstGeom prst="rect">
@@ -12238,6 +13033,9 @@
             </a:pPr>
             <a:r>
               <a:rPr sz="700">
+                <a:solidFill>
+                  <a:srgbClr val="000000"/>
+                </a:solidFill>
                 <a:latin typeface="Arial"/>
               </a:rPr>
               <a:t>All core features are either complete or in progress. Remaining items are performance tuning and UX polish.</a:t>
@@ -12256,6 +13054,14 @@
 <file path=ppt/slides/slide3.xml><?xml version="1.0" encoding="utf-8"?>
 <p:sld xmlns:a="http://schemas.openxmlformats.org/drawingml/2006/main" xmlns:p="http://schemas.openxmlformats.org/presentationml/2006/main" xmlns:r="http://schemas.openxmlformats.org/officeDocument/2006/relationships">
   <p:cSld>
+    <p:bg>
+      <p:bgPr>
+        <a:solidFill>
+          <a:srgbClr val="FFFFFF"/>
+        </a:solidFill>
+        <a:effectLst/>
+      </p:bgPr>
+    </p:bg>
     <p:spTree>
       <p:nvGrpSpPr>
         <p:cNvPr id="1" name=""/>
@@ -12272,7 +13078,7 @@
         <p:spPr>
           <a:xfrm>
             <a:off x="200025" y="180975"/>
-            <a:ext cx="8943975" cy="274320"/>
+            <a:ext cx="8943975" cy="390525"/>
           </a:xfrm>
           <a:prstGeom prst="rect">
             <a:avLst/>
@@ -12303,6 +13109,9 @@
             </a:pPr>
             <a:r>
               <a:rPr sz="1200" b="1">
+                <a:solidFill>
+                  <a:srgbClr val="000000"/>
+                </a:solidFill>
                 <a:latin typeface="Arial"/>
               </a:rPr>
               <a:t>📊 Table Features - HTML Auto-Width</a:t>
@@ -12318,8 +13127,8 @@
         </p:nvSpPr>
         <p:spPr>
           <a:xfrm>
-            <a:off x="200025" y="600075"/>
-            <a:ext cx="8943975" cy="274320"/>
+            <a:off x="200025" y="571500"/>
+            <a:ext cx="8943975" cy="304800"/>
           </a:xfrm>
           <a:prstGeom prst="rect">
             <a:avLst/>
@@ -12350,6 +13159,9 @@
             </a:pPr>
             <a:r>
               <a:rPr sz="900" b="1">
+                <a:solidFill>
+                  <a:srgbClr val="000000"/>
+                </a:solidFill>
                 <a:latin typeface="Arial"/>
               </a:rPr>
               <a:t>Smart Column Distribution</a:t>
@@ -12365,8 +13177,8 @@
         </p:nvSpPr>
         <p:spPr>
           <a:xfrm>
-            <a:off x="200025" y="923924"/>
-            <a:ext cx="5153024" cy="1485900"/>
+            <a:off x="200025" y="876299"/>
+            <a:ext cx="5153024" cy="1628775"/>
           </a:xfrm>
           <a:prstGeom prst="rect">
             <a:avLst/>
@@ -12399,8 +13211,8 @@
           <p:nvPr/>
         </p:nvGraphicFramePr>
         <p:xfrm>
-          <a:off x="200025" y="923924"/>
-          <a:ext cx="5146995" cy="1428750"/>
+          <a:off x="200025" y="876299"/>
+          <a:ext cx="5661695" cy="1571625"/>
         </p:xfrm>
         <a:graphic>
           <a:graphicData uri="http://schemas.openxmlformats.org/drawingml/2006/table">
@@ -12440,12 +13252,12 @@
                 </a:tblBorders>
               </a:tblPr>
               <a:tblGrid>
-                <a:gridCol w="1263029"/>
-                <a:gridCol w="780231"/>
-                <a:gridCol w="1464543"/>
-                <a:gridCol w="1639192"/>
+                <a:gridCol w="1389332"/>
+                <a:gridCol w="858254"/>
+                <a:gridCol w="1610997"/>
+                <a:gridCol w="1803112"/>
               </a:tblGrid>
-              <a:tr h="285750">
+              <a:tr h="314325">
                 <a:tc>
                   <a:txBody>
                     <a:bodyPr lIns="76200" rIns="76200" tIns="76200" bIns="76200"/>
@@ -12643,7 +13455,7 @@
                   </a:tcPr>
                 </a:tc>
               </a:tr>
-              <a:tr h="285750">
+              <a:tr h="314325">
                 <a:tc>
                   <a:txBody>
                     <a:bodyPr lIns="76200" rIns="76200" tIns="76200" bIns="76200"/>
@@ -12841,7 +13653,7 @@
                   </a:tcPr>
                 </a:tc>
               </a:tr>
-              <a:tr h="285750">
+              <a:tr h="314325">
                 <a:tc>
                   <a:txBody>
                     <a:bodyPr lIns="76200" rIns="76200" tIns="76200" bIns="76200"/>
@@ -13039,7 +13851,7 @@
                   </a:tcPr>
                 </a:tc>
               </a:tr>
-              <a:tr h="285750">
+              <a:tr h="314325">
                 <a:tc>
                   <a:txBody>
                     <a:bodyPr lIns="76200" rIns="76200" tIns="76200" bIns="76200"/>
@@ -13237,7 +14049,7 @@
                   </a:tcPr>
                 </a:tc>
               </a:tr>
-              <a:tr h="285750">
+              <a:tr h="314325">
                 <a:tc>
                   <a:txBody>
                     <a:bodyPr lIns="76200" rIns="76200" tIns="76200" bIns="76200"/>
@@ -13447,8 +14259,8 @@
         </p:nvSpPr>
         <p:spPr>
           <a:xfrm>
-            <a:off x="200025" y="2552700"/>
-            <a:ext cx="8943975" cy="274320"/>
+            <a:off x="200025" y="2505074"/>
+            <a:ext cx="8943975" cy="304800"/>
           </a:xfrm>
           <a:prstGeom prst="rect">
             <a:avLst/>
@@ -13479,6 +14291,9 @@
             </a:pPr>
             <a:r>
               <a:rPr sz="900" b="1">
+                <a:solidFill>
+                  <a:srgbClr val="000000"/>
+                </a:solidFill>
                 <a:latin typeface="Arial"/>
               </a:rPr>
               <a:t>Compact Table Example</a:t>
@@ -13494,8 +14309,8 @@
         </p:nvSpPr>
         <p:spPr>
           <a:xfrm>
-            <a:off x="200025" y="2886075"/>
-            <a:ext cx="1771650" cy="1190625"/>
+            <a:off x="200025" y="2819399"/>
+            <a:ext cx="1771650" cy="1333500"/>
           </a:xfrm>
           <a:prstGeom prst="rect">
             <a:avLst/>
@@ -13528,8 +14343,8 @@
           <p:nvPr/>
         </p:nvGraphicFramePr>
         <p:xfrm>
-          <a:off x="200025" y="2886075"/>
-          <a:ext cx="1770233" cy="1143000"/>
+          <a:off x="200025" y="2819399"/>
+          <a:ext cx="1947258" cy="1285872"/>
         </p:xfrm>
         <a:graphic>
           <a:graphicData uri="http://schemas.openxmlformats.org/drawingml/2006/table">
@@ -13569,12 +14384,12 @@
                 </a:tblBorders>
               </a:tblPr>
               <a:tblGrid>
-                <a:gridCol w="421406"/>
-                <a:gridCol w="341932"/>
-                <a:gridCol w="479821"/>
-                <a:gridCol w="527074"/>
+                <a:gridCol w="463547"/>
+                <a:gridCol w="376125"/>
+                <a:gridCol w="527804"/>
+                <a:gridCol w="579782"/>
               </a:tblGrid>
-              <a:tr h="285750">
+              <a:tr h="321468">
                 <a:tc>
                   <a:txBody>
                     <a:bodyPr lIns="76200" rIns="76200" tIns="76200" bIns="76200"/>
@@ -13772,7 +14587,7 @@
                   </a:tcPr>
                 </a:tc>
               </a:tr>
-              <a:tr h="285750">
+              <a:tr h="321468">
                 <a:tc>
                   <a:txBody>
                     <a:bodyPr lIns="76200" rIns="76200" tIns="76200" bIns="76200"/>
@@ -13970,7 +14785,7 @@
                   </a:tcPr>
                 </a:tc>
               </a:tr>
-              <a:tr h="285750">
+              <a:tr h="321468">
                 <a:tc>
                   <a:txBody>
                     <a:bodyPr lIns="76200" rIns="76200" tIns="76200" bIns="76200"/>
@@ -14168,7 +14983,7 @@
                   </a:tcPr>
                 </a:tc>
               </a:tr>
-              <a:tr h="285750">
+              <a:tr h="321468">
                 <a:tc>
                   <a:txBody>
                     <a:bodyPr lIns="76200" rIns="76200" tIns="76200" bIns="76200"/>
@@ -14378,7 +15193,7 @@
         </p:nvSpPr>
         <p:spPr>
           <a:xfrm>
-            <a:off x="200025" y="4219575"/>
+            <a:off x="200025" y="4152899"/>
             <a:ext cx="8943975" cy="274320"/>
           </a:xfrm>
           <a:prstGeom prst="rect">
@@ -14410,6 +15225,9 @@
             </a:pPr>
             <a:r>
               <a:rPr b="1" sz="700">
+                <a:solidFill>
+                  <a:srgbClr val="000000"/>
+                </a:solidFill>
                 <a:latin typeface="Arial"/>
               </a:rPr>
               <a:t>Key Features:</a:t>
@@ -14425,8 +15243,8 @@
         </p:nvSpPr>
         <p:spPr>
           <a:xfrm>
-            <a:off x="200025" y="4457700"/>
-            <a:ext cx="8943975" cy="438149"/>
+            <a:off x="200025" y="4381499"/>
+            <a:ext cx="8943975" cy="457200"/>
           </a:xfrm>
           <a:prstGeom prst="rect">
             <a:avLst/>
@@ -14453,23 +15271,37 @@
               </a:defRPr>
             </a:pPr>
             <a:r>
-              <a:rPr sz="700"/>
+              <a:rPr sz="700">
+                <a:solidFill>
+                  <a:srgbClr val="000000"/>
+                </a:solidFill>
+                <a:latin typeface="Arial"/>
+              </a:rPr>
               <a:t>• </a:t>
             </a:r>
             <a:r>
               <a:rPr sz="700">
+                <a:solidFill>
+                  <a:srgbClr val="000000"/>
+                </a:solidFill>
                 <a:latin typeface="Arial"/>
               </a:rPr>
               <a:t>✅ </a:t>
             </a:r>
             <a:r>
               <a:rPr b="1" sz="700">
+                <a:solidFill>
+                  <a:srgbClr val="000000"/>
+                </a:solidFill>
                 <a:latin typeface="Arial"/>
               </a:rPr>
               <a:t>HTML auto-width</a:t>
             </a:r>
             <a:r>
               <a:rPr sz="700">
+                <a:solidFill>
+                  <a:srgbClr val="000000"/>
+                </a:solidFill>
                 <a:latin typeface="Arial"/>
               </a:rPr>
               <a:t>: Columns sized by content, not equal distribution</a:t>
@@ -14484,23 +15316,37 @@
               </a:defRPr>
             </a:pPr>
             <a:r>
-              <a:rPr sz="700"/>
+              <a:rPr sz="700">
+                <a:solidFill>
+                  <a:srgbClr val="000000"/>
+                </a:solidFill>
+                <a:latin typeface="Arial"/>
+              </a:rPr>
               <a:t>• </a:t>
             </a:r>
             <a:r>
               <a:rPr sz="700">
+                <a:solidFill>
+                  <a:srgbClr val="000000"/>
+                </a:solidFill>
                 <a:latin typeface="Arial"/>
               </a:rPr>
               <a:t>✅ </a:t>
             </a:r>
             <a:r>
               <a:rPr b="1" sz="700">
+                <a:solidFill>
+                  <a:srgbClr val="000000"/>
+                </a:solidFill>
                 <a:latin typeface="Arial"/>
               </a:rPr>
               <a:t>Theme-aware borders</a:t>
             </a:r>
             <a:r>
               <a:rPr sz="700">
+                <a:solidFill>
+                  <a:srgbClr val="000000"/>
+                </a:solidFill>
                 <a:latin typeface="Arial"/>
               </a:rPr>
               <a:t>: Dark theme uses light borders, default uses dark</a:t>
@@ -14515,23 +15361,37 @@
               </a:defRPr>
             </a:pPr>
             <a:r>
-              <a:rPr sz="700"/>
+              <a:rPr sz="700">
+                <a:solidFill>
+                  <a:srgbClr val="000000"/>
+                </a:solidFill>
+                <a:latin typeface="Arial"/>
+              </a:rPr>
               <a:t>• </a:t>
             </a:r>
             <a:r>
               <a:rPr sz="700">
+                <a:solidFill>
+                  <a:srgbClr val="000000"/>
+                </a:solidFill>
                 <a:latin typeface="Arial"/>
               </a:rPr>
               <a:t>✅ </a:t>
             </a:r>
             <a:r>
               <a:rPr b="1" sz="700">
+                <a:solidFill>
+                  <a:srgbClr val="000000"/>
+                </a:solidFill>
                 <a:latin typeface="Arial"/>
               </a:rPr>
               <a:t>Native PowerPoint tables</a:t>
             </a:r>
             <a:r>
               <a:rPr sz="700">
+                <a:solidFill>
+                  <a:srgbClr val="000000"/>
+                </a:solidFill>
                 <a:latin typeface="Arial"/>
               </a:rPr>
               <a:t>: Perfect compatibility and professional appearance</a:t>
@@ -14550,6 +15410,14 @@
 <file path=ppt/slides/slide4.xml><?xml version="1.0" encoding="utf-8"?>
 <p:sld xmlns:a="http://schemas.openxmlformats.org/drawingml/2006/main" xmlns:p="http://schemas.openxmlformats.org/presentationml/2006/main" xmlns:r="http://schemas.openxmlformats.org/officeDocument/2006/relationships">
   <p:cSld>
+    <p:bg>
+      <p:bgPr>
+        <a:solidFill>
+          <a:srgbClr val="FFFFFF"/>
+        </a:solidFill>
+        <a:effectLst/>
+      </p:bgPr>
+    </p:bg>
     <p:spTree>
       <p:nvGrpSpPr>
         <p:cNvPr id="1" name=""/>
@@ -14566,7 +15434,7 @@
         <p:spPr>
           <a:xfrm>
             <a:off x="200025" y="180975"/>
-            <a:ext cx="8943975" cy="274320"/>
+            <a:ext cx="8943975" cy="390525"/>
           </a:xfrm>
           <a:prstGeom prst="rect">
             <a:avLst/>
@@ -14597,6 +15465,9 @@
             </a:pPr>
             <a:r>
               <a:rPr sz="1200" b="1">
+                <a:solidFill>
+                  <a:srgbClr val="000000"/>
+                </a:solidFill>
                 <a:latin typeface="Arial"/>
               </a:rPr>
               <a:t>🎨 Theme Demonstration</a:t>
@@ -14612,8 +15483,8 @@
         </p:nvSpPr>
         <p:spPr>
           <a:xfrm>
-            <a:off x="200025" y="600075"/>
-            <a:ext cx="8943975" cy="274320"/>
+            <a:off x="200025" y="571500"/>
+            <a:ext cx="8943975" cy="304800"/>
           </a:xfrm>
           <a:prstGeom prst="rect">
             <a:avLst/>
@@ -14644,6 +15515,9 @@
             </a:pPr>
             <a:r>
               <a:rPr sz="900" b="1">
+                <a:solidFill>
+                  <a:srgbClr val="000000"/>
+                </a:solidFill>
                 <a:latin typeface="Arial"/>
               </a:rPr>
               <a:t>Default Theme Features</a:t>
@@ -14659,8 +15533,8 @@
         </p:nvSpPr>
         <p:spPr>
           <a:xfrm>
-            <a:off x="200025" y="923924"/>
-            <a:ext cx="8943975" cy="590549"/>
+            <a:off x="200025" y="876299"/>
+            <a:ext cx="8943975" cy="571500"/>
           </a:xfrm>
           <a:prstGeom prst="rect">
             <a:avLst/>
@@ -14687,17 +15561,28 @@
               </a:defRPr>
             </a:pPr>
             <a:r>
-              <a:rPr sz="700"/>
+              <a:rPr sz="700">
+                <a:solidFill>
+                  <a:srgbClr val="000000"/>
+                </a:solidFill>
+                <a:latin typeface="Arial"/>
+              </a:rPr>
               <a:t>• </a:t>
             </a:r>
             <a:r>
               <a:rPr b="1" sz="700">
+                <a:solidFill>
+                  <a:srgbClr val="000000"/>
+                </a:solidFill>
                 <a:latin typeface="Arial"/>
               </a:rPr>
               <a:t>Light background</a:t>
             </a:r>
             <a:r>
               <a:rPr sz="700">
+                <a:solidFill>
+                  <a:srgbClr val="000000"/>
+                </a:solidFill>
                 <a:latin typeface="Arial"/>
               </a:rPr>
               <a:t> with dark text</a:t>
@@ -14712,17 +15597,28 @@
               </a:defRPr>
             </a:pPr>
             <a:r>
-              <a:rPr sz="700"/>
+              <a:rPr sz="700">
+                <a:solidFill>
+                  <a:srgbClr val="000000"/>
+                </a:solidFill>
+                <a:latin typeface="Arial"/>
+              </a:rPr>
               <a:t>• </a:t>
             </a:r>
             <a:r>
               <a:rPr b="1" sz="700">
+                <a:solidFill>
+                  <a:srgbClr val="000000"/>
+                </a:solidFill>
                 <a:latin typeface="Arial"/>
               </a:rPr>
               <a:t>Black borders</a:t>
             </a:r>
             <a:r>
               <a:rPr sz="700">
+                <a:solidFill>
+                  <a:srgbClr val="000000"/>
+                </a:solidFill>
                 <a:latin typeface="Arial"/>
               </a:rPr>
               <a:t> on tables for clear definition</a:t>
@@ -14737,17 +15633,28 @@
               </a:defRPr>
             </a:pPr>
             <a:r>
-              <a:rPr sz="700"/>
+              <a:rPr sz="700">
+                <a:solidFill>
+                  <a:srgbClr val="000000"/>
+                </a:solidFill>
+                <a:latin typeface="Arial"/>
+              </a:rPr>
               <a:t>• </a:t>
             </a:r>
             <a:r>
               <a:rPr b="1" sz="700">
+                <a:solidFill>
+                  <a:srgbClr val="000000"/>
+                </a:solidFill>
                 <a:latin typeface="Arial"/>
               </a:rPr>
               <a:t>Professional color scheme</a:t>
             </a:r>
             <a:r>
               <a:rPr sz="700">
+                <a:solidFill>
+                  <a:srgbClr val="000000"/>
+                </a:solidFill>
                 <a:latin typeface="Arial"/>
               </a:rPr>
               <a:t> suitable for business presentations</a:t>
@@ -14762,17 +15669,28 @@
               </a:defRPr>
             </a:pPr>
             <a:r>
-              <a:rPr sz="700"/>
+              <a:rPr sz="700">
+                <a:solidFill>
+                  <a:srgbClr val="000000"/>
+                </a:solidFill>
+                <a:latin typeface="Arial"/>
+              </a:rPr>
               <a:t>• </a:t>
             </a:r>
             <a:r>
               <a:rPr b="1" sz="700">
+                <a:solidFill>
+                  <a:srgbClr val="000000"/>
+                </a:solidFill>
                 <a:latin typeface="Arial"/>
               </a:rPr>
               <a:t>High contrast</a:t>
             </a:r>
             <a:r>
               <a:rPr sz="700">
+                <a:solidFill>
+                  <a:srgbClr val="000000"/>
+                </a:solidFill>
                 <a:latin typeface="Arial"/>
               </a:rPr>
               <a:t> for excellent readability</a:t>
@@ -14788,8 +15706,8 @@
         </p:nvSpPr>
         <p:spPr>
           <a:xfrm>
-            <a:off x="200025" y="1514475"/>
-            <a:ext cx="8943975" cy="274320"/>
+            <a:off x="200025" y="1352549"/>
+            <a:ext cx="8943975" cy="304800"/>
           </a:xfrm>
           <a:prstGeom prst="rect">
             <a:avLst/>
@@ -14820,6 +15738,9 @@
             </a:pPr>
             <a:r>
               <a:rPr sz="900" b="1">
+                <a:solidFill>
+                  <a:srgbClr val="000000"/>
+                </a:solidFill>
                 <a:latin typeface="Arial"/>
               </a:rPr>
               <a:t>Dark Theme Features</a:t>
@@ -14835,8 +15756,8 @@
         </p:nvSpPr>
         <p:spPr>
           <a:xfrm>
-            <a:off x="200025" y="1847849"/>
-            <a:ext cx="8943975" cy="590549"/>
+            <a:off x="200025" y="1666874"/>
+            <a:ext cx="8943975" cy="571500"/>
           </a:xfrm>
           <a:prstGeom prst="rect">
             <a:avLst/>
@@ -14863,17 +15784,28 @@
               </a:defRPr>
             </a:pPr>
             <a:r>
-              <a:rPr sz="700"/>
+              <a:rPr sz="700">
+                <a:solidFill>
+                  <a:srgbClr val="000000"/>
+                </a:solidFill>
+                <a:latin typeface="Arial"/>
+              </a:rPr>
               <a:t>• </a:t>
             </a:r>
             <a:r>
               <a:rPr b="1" sz="700">
+                <a:solidFill>
+                  <a:srgbClr val="000000"/>
+                </a:solidFill>
                 <a:latin typeface="Arial"/>
               </a:rPr>
               <a:t>Dark background</a:t>
             </a:r>
             <a:r>
               <a:rPr sz="700">
+                <a:solidFill>
+                  <a:srgbClr val="000000"/>
+                </a:solidFill>
                 <a:latin typeface="Arial"/>
               </a:rPr>
               <a:t> (#1a1a1a) for modern appearance</a:t>
@@ -14888,17 +15820,28 @@
               </a:defRPr>
             </a:pPr>
             <a:r>
-              <a:rPr sz="700"/>
+              <a:rPr sz="700">
+                <a:solidFill>
+                  <a:srgbClr val="000000"/>
+                </a:solidFill>
+                <a:latin typeface="Arial"/>
+              </a:rPr>
               <a:t>• </a:t>
             </a:r>
             <a:r>
               <a:rPr b="1" sz="700">
+                <a:solidFill>
+                  <a:srgbClr val="000000"/>
+                </a:solidFill>
                 <a:latin typeface="Arial"/>
               </a:rPr>
               <a:t>Light gray borders</a:t>
             </a:r>
             <a:r>
               <a:rPr sz="700">
+                <a:solidFill>
+                  <a:srgbClr val="000000"/>
+                </a:solidFill>
                 <a:latin typeface="Arial"/>
               </a:rPr>
               <a:t> (#e0e0e0) for visibility on dark background</a:t>
@@ -14913,17 +15856,28 @@
               </a:defRPr>
             </a:pPr>
             <a:r>
-              <a:rPr sz="700"/>
+              <a:rPr sz="700">
+                <a:solidFill>
+                  <a:srgbClr val="000000"/>
+                </a:solidFill>
+                <a:latin typeface="Arial"/>
+              </a:rPr>
               <a:t>• </a:t>
             </a:r>
             <a:r>
               <a:rPr b="1" sz="700">
+                <a:solidFill>
+                  <a:srgbClr val="000000"/>
+                </a:solidFill>
                 <a:latin typeface="Arial"/>
               </a:rPr>
               <a:t>White text</a:t>
             </a:r>
             <a:r>
               <a:rPr sz="700">
+                <a:solidFill>
+                  <a:srgbClr val="000000"/>
+                </a:solidFill>
                 <a:latin typeface="Arial"/>
               </a:rPr>
               <a:t> for optimal contrast</a:t>
@@ -14938,17 +15892,28 @@
               </a:defRPr>
             </a:pPr>
             <a:r>
-              <a:rPr sz="700"/>
+              <a:rPr sz="700">
+                <a:solidFill>
+                  <a:srgbClr val="000000"/>
+                </a:solidFill>
+                <a:latin typeface="Arial"/>
+              </a:rPr>
               <a:t>• </a:t>
             </a:r>
             <a:r>
               <a:rPr b="1" sz="700">
+                <a:solidFill>
+                  <a:srgbClr val="000000"/>
+                </a:solidFill>
                 <a:latin typeface="Arial"/>
               </a:rPr>
               <a:t>Contemporary design</a:t>
             </a:r>
             <a:r>
               <a:rPr sz="700">
+                <a:solidFill>
+                  <a:srgbClr val="000000"/>
+                </a:solidFill>
                 <a:latin typeface="Arial"/>
               </a:rPr>
               <a:t> perfect for tech presentations</a:t>
@@ -14967,6 +15932,14 @@
 <file path=ppt/slides/slide5.xml><?xml version="1.0" encoding="utf-8"?>
 <p:sld xmlns:a="http://schemas.openxmlformats.org/drawingml/2006/main" xmlns:p="http://schemas.openxmlformats.org/presentationml/2006/main" xmlns:r="http://schemas.openxmlformats.org/officeDocument/2006/relationships">
   <p:cSld>
+    <p:bg>
+      <p:bgPr>
+        <a:solidFill>
+          <a:srgbClr val="FFFFFF"/>
+        </a:solidFill>
+        <a:effectLst/>
+      </p:bgPr>
+    </p:bg>
     <p:spTree>
       <p:nvGrpSpPr>
         <p:cNvPr id="1" name=""/>
@@ -14983,7 +15956,7 @@
         <p:spPr>
           <a:xfrm>
             <a:off x="200025" y="180975"/>
-            <a:ext cx="8943975" cy="274320"/>
+            <a:ext cx="8943975" cy="390525"/>
           </a:xfrm>
           <a:prstGeom prst="rect">
             <a:avLst/>
@@ -15014,6 +15987,9 @@
             </a:pPr>
             <a:r>
               <a:rPr sz="1200" b="1">
+                <a:solidFill>
+                  <a:srgbClr val="000000"/>
+                </a:solidFill>
                 <a:latin typeface="Arial"/>
               </a:rPr>
               <a:t>💻 Code Block Support</a:t>
@@ -15029,8 +16005,8 @@
         </p:nvSpPr>
         <p:spPr>
           <a:xfrm>
-            <a:off x="200025" y="600075"/>
-            <a:ext cx="8943975" cy="274320"/>
+            <a:off x="200025" y="571500"/>
+            <a:ext cx="8943975" cy="304800"/>
           </a:xfrm>
           <a:prstGeom prst="rect">
             <a:avLst/>
@@ -15061,6 +16037,9 @@
             </a:pPr>
             <a:r>
               <a:rPr sz="900" b="1">
+                <a:solidFill>
+                  <a:srgbClr val="000000"/>
+                </a:solidFill>
                 <a:latin typeface="Arial"/>
               </a:rPr>
               <a:t>Python Example</a:t>
@@ -15076,8 +16055,8 @@
         </p:nvSpPr>
         <p:spPr>
           <a:xfrm>
-            <a:off x="200025" y="923924"/>
-            <a:ext cx="8943975" cy="2152650"/>
+            <a:off x="200025" y="876299"/>
+            <a:ext cx="8943975" cy="1904999"/>
           </a:xfrm>
           <a:prstGeom prst="rect">
             <a:avLst/>
@@ -15110,9 +16089,12 @@
             </a:pPr>
             <a:r>
               <a:rPr sz="800">
+                <a:solidFill>
+                  <a:srgbClr val="333333"/>
+                </a:solidFill>
                 <a:latin typeface="Courier New"/>
               </a:rPr>
-              <a:t>code class="language-python"&gt;def fibonacci(n):
+              <a:t>def fibonacci(n):
     if n &lt;= 1:
         return n
     return fibonacci(n-1) + fibonacci(n-2)
@@ -15133,8 +16115,8 @@
         </p:nvSpPr>
         <p:spPr>
           <a:xfrm>
-            <a:off x="200025" y="3219449"/>
-            <a:ext cx="8943975" cy="274320"/>
+            <a:off x="200025" y="2647949"/>
+            <a:ext cx="8943975" cy="304800"/>
           </a:xfrm>
           <a:prstGeom prst="rect">
             <a:avLst/>
@@ -15165,6 +16147,9 @@
             </a:pPr>
             <a:r>
               <a:rPr sz="900" b="1">
+                <a:solidFill>
+                  <a:srgbClr val="000000"/>
+                </a:solidFill>
                 <a:latin typeface="Arial"/>
               </a:rPr>
               <a:t>JavaScript Example</a:t>
@@ -15180,8 +16165,8 @@
         </p:nvSpPr>
         <p:spPr>
           <a:xfrm>
-            <a:off x="200025" y="3552825"/>
-            <a:ext cx="8943975" cy="2152650"/>
+            <a:off x="200025" y="2962274"/>
+            <a:ext cx="8943975" cy="1904999"/>
           </a:xfrm>
           <a:prstGeom prst="rect">
             <a:avLst/>
@@ -15214,9 +16199,12 @@
             </a:pPr>
             <a:r>
               <a:rPr sz="800">
+                <a:solidFill>
+                  <a:srgbClr val="333333"/>
+                </a:solidFill>
                 <a:latin typeface="Courier New"/>
               </a:rPr>
-              <a:t>code class="language-javascript"&gt;async function fetchUserData(userId) {
+              <a:t>async function fetchUserData(userId) {
     try {
         const response = await fetch(`/api/users/${userId}`);
         return await response.json();
@@ -15238,8 +16226,8 @@
         </p:nvSpPr>
         <p:spPr>
           <a:xfrm>
-            <a:off x="200025" y="5848350"/>
-            <a:ext cx="8943975" cy="274320"/>
+            <a:off x="200025" y="4733925"/>
+            <a:ext cx="8943975" cy="304800"/>
           </a:xfrm>
           <a:prstGeom prst="rect">
             <a:avLst/>
@@ -15270,6 +16258,9 @@
             </a:pPr>
             <a:r>
               <a:rPr sz="900" b="1">
+                <a:solidFill>
+                  <a:srgbClr val="000000"/>
+                </a:solidFill>
                 <a:latin typeface="Arial"/>
               </a:rPr>
               <a:t>SQL Example</a:t>
@@ -15288,6 +16279,14 @@
 <file path=ppt/slides/slide6.xml><?xml version="1.0" encoding="utf-8"?>
 <p:sld xmlns:a="http://schemas.openxmlformats.org/drawingml/2006/main" xmlns:p="http://schemas.openxmlformats.org/presentationml/2006/main" xmlns:r="http://schemas.openxmlformats.org/officeDocument/2006/relationships">
   <p:cSld>
+    <p:bg>
+      <p:bgPr>
+        <a:solidFill>
+          <a:srgbClr val="FFFFFF"/>
+        </a:solidFill>
+        <a:effectLst/>
+      </p:bgPr>
+    </p:bg>
     <p:spTree>
       <p:nvGrpSpPr>
         <p:cNvPr id="1" name=""/>
@@ -15304,7 +16303,7 @@
         <p:spPr>
           <a:xfrm>
             <a:off x="200025" y="180975"/>
-            <a:ext cx="8943975" cy="2562224"/>
+            <a:ext cx="8943975" cy="2219324"/>
           </a:xfrm>
           <a:prstGeom prst="rect">
             <a:avLst/>
@@ -15337,9 +16336,12 @@
             </a:pPr>
             <a:r>
               <a:rPr sz="800">
+                <a:solidFill>
+                  <a:srgbClr val="333333"/>
+                </a:solidFill>
                 <a:latin typeface="Courier New"/>
               </a:rPr>
-              <a:t>code class="language-sql"&gt;-- Complex query with joins and aggregation
+              <a:t>-- Complex query with joins and aggregation
 SELECT 
     u.username,
     COUNT(p.id) as post_count,
@@ -15366,6 +16368,14 @@
 <file path=ppt/slides/slide7.xml><?xml version="1.0" encoding="utf-8"?>
 <p:sld xmlns:a="http://schemas.openxmlformats.org/drawingml/2006/main" xmlns:p="http://schemas.openxmlformats.org/presentationml/2006/main" xmlns:r="http://schemas.openxmlformats.org/officeDocument/2006/relationships">
   <p:cSld>
+    <p:bg>
+      <p:bgPr>
+        <a:solidFill>
+          <a:srgbClr val="FFFFFF"/>
+        </a:solidFill>
+        <a:effectLst/>
+      </p:bgPr>
+    </p:bg>
     <p:spTree>
       <p:nvGrpSpPr>
         <p:cNvPr id="1" name=""/>
@@ -15382,7 +16392,7 @@
         <p:spPr>
           <a:xfrm>
             <a:off x="200025" y="180975"/>
-            <a:ext cx="8943975" cy="274320"/>
+            <a:ext cx="8943975" cy="390525"/>
           </a:xfrm>
           <a:prstGeom prst="rect">
             <a:avLst/>
@@ -15413,6 +16423,9 @@
             </a:pPr>
             <a:r>
               <a:rPr sz="1200" b="1">
+                <a:solidFill>
+                  <a:srgbClr val="000000"/>
+                </a:solidFill>
                 <a:latin typeface="Arial"/>
               </a:rPr>
               <a:t>📝 List Formatting</a:t>
@@ -15428,8 +16441,8 @@
         </p:nvSpPr>
         <p:spPr>
           <a:xfrm>
-            <a:off x="200025" y="600075"/>
-            <a:ext cx="8943975" cy="274320"/>
+            <a:off x="200025" y="571500"/>
+            <a:ext cx="8943975" cy="304800"/>
           </a:xfrm>
           <a:prstGeom prst="rect">
             <a:avLst/>
@@ -15460,6 +16473,9 @@
             </a:pPr>
             <a:r>
               <a:rPr sz="900" b="1">
+                <a:solidFill>
+                  <a:srgbClr val="000000"/>
+                </a:solidFill>
                 <a:latin typeface="Arial"/>
               </a:rPr>
               <a:t>Unordered Lists</a:t>
@@ -15475,8 +16491,8 @@
         </p:nvSpPr>
         <p:spPr>
           <a:xfrm>
-            <a:off x="200025" y="923924"/>
-            <a:ext cx="8943975" cy="933449"/>
+            <a:off x="200025" y="876299"/>
+            <a:ext cx="8943975" cy="809625"/>
           </a:xfrm>
           <a:prstGeom prst="rect">
             <a:avLst/>
@@ -15503,17 +16519,28 @@
               </a:defRPr>
             </a:pPr>
             <a:r>
-              <a:rPr sz="700"/>
+              <a:rPr sz="700">
+                <a:solidFill>
+                  <a:srgbClr val="000000"/>
+                </a:solidFill>
+                <a:latin typeface="Arial"/>
+              </a:rPr>
               <a:t>• </a:t>
             </a:r>
             <a:r>
               <a:rPr b="1" sz="700">
+                <a:solidFill>
+                  <a:srgbClr val="000000"/>
+                </a:solidFill>
                 <a:latin typeface="Arial"/>
               </a:rPr>
               <a:t>Primary feature</a:t>
             </a:r>
             <a:r>
               <a:rPr sz="700">
+                <a:solidFill>
+                  <a:srgbClr val="000000"/>
+                </a:solidFill>
                 <a:latin typeface="Arial"/>
               </a:rPr>
               <a:t>: Full markdown support</a:t>
@@ -15528,17 +16555,28 @@
               </a:defRPr>
             </a:pPr>
             <a:r>
-              <a:rPr sz="700"/>
+              <a:rPr sz="700">
+                <a:solidFill>
+                  <a:srgbClr val="000000"/>
+                </a:solidFill>
+                <a:latin typeface="Arial"/>
+              </a:rPr>
               <a:t>• </a:t>
             </a:r>
             <a:r>
               <a:rPr b="1" sz="700">
+                <a:solidFill>
+                  <a:srgbClr val="000000"/>
+                </a:solidFill>
                 <a:latin typeface="Arial"/>
               </a:rPr>
               <a:t>Secondary feature</a:t>
             </a:r>
             <a:r>
               <a:rPr sz="700">
+                <a:solidFill>
+                  <a:srgbClr val="000000"/>
+                </a:solidFill>
                 <a:latin typeface="Arial"/>
               </a:rPr>
               <a:t>: Inline styling within lists</a:t>
@@ -15553,17 +16591,28 @@
               </a:defRPr>
             </a:pPr>
             <a:r>
-              <a:rPr sz="700"/>
+              <a:rPr sz="700">
+                <a:solidFill>
+                  <a:srgbClr val="000000"/>
+                </a:solidFill>
+                <a:latin typeface="Arial"/>
+              </a:rPr>
               <a:t>• </a:t>
             </a:r>
             <a:r>
               <a:rPr i="1" sz="700">
+                <a:solidFill>
+                  <a:srgbClr val="000000"/>
+                </a:solidFill>
                 <a:latin typeface="Arial"/>
               </a:rPr>
               <a:t>Nested items</a:t>
             </a:r>
             <a:r>
               <a:rPr sz="700">
+                <a:solidFill>
+                  <a:srgbClr val="000000"/>
+                </a:solidFill>
                 <a:latin typeface="Arial"/>
               </a:rPr>
               <a:t> with proper indentation</a:t>
@@ -15578,7 +16627,12 @@
               </a:defRPr>
             </a:pPr>
             <a:r>
-              <a:rPr sz="700"/>
+              <a:rPr sz="700">
+                <a:solidFill>
+                  <a:srgbClr val="000000"/>
+                </a:solidFill>
+                <a:latin typeface="Arial"/>
+              </a:rPr>
               <a:t>• </a:t>
             </a:r>
             <a:r>
@@ -15592,6 +16646,9 @@
             </a:r>
             <a:r>
               <a:rPr sz="700">
+                <a:solidFill>
+                  <a:srgbClr val="000000"/>
+                </a:solidFill>
                 <a:latin typeface="Arial"/>
               </a:rPr>
               <a:t> in list items</a:t>
@@ -15606,7 +16663,12 @@
               </a:defRPr>
             </a:pPr>
             <a:r>
-              <a:rPr sz="700"/>
+              <a:rPr sz="700">
+                <a:solidFill>
+                  <a:srgbClr val="000000"/>
+                </a:solidFill>
+                <a:latin typeface="Arial"/>
+              </a:rPr>
               <a:t>• </a:t>
             </a:r>
             <a:r>
@@ -15620,6 +16682,9 @@
             </a:r>
             <a:r>
               <a:rPr sz="700">
+                <a:solidFill>
+                  <a:srgbClr val="000000"/>
+                </a:solidFill>
                 <a:latin typeface="Arial"/>
               </a:rPr>
               <a:t> for emphasis</a:t>
@@ -15634,17 +16699,28 @@
               </a:defRPr>
             </a:pPr>
             <a:r>
-              <a:rPr sz="700"/>
+              <a:rPr sz="700">
+                <a:solidFill>
+                  <a:srgbClr val="000000"/>
+                </a:solidFill>
+                <a:latin typeface="Arial"/>
+              </a:rPr>
               <a:t>• </a:t>
             </a:r>
             <a:r>
               <a:rPr b="1" sz="700">
+                <a:solidFill>
+                  <a:srgbClr val="000000"/>
+                </a:solidFill>
                 <a:latin typeface="Arial"/>
               </a:rPr>
               <a:t>Tertiary feature</a:t>
             </a:r>
             <a:r>
               <a:rPr sz="700">
+                <a:solidFill>
+                  <a:srgbClr val="000000"/>
+                </a:solidFill>
                 <a:latin typeface="Arial"/>
               </a:rPr>
               <a:t>: Multiple nesting levels</a:t>
@@ -15660,8 +16736,8 @@
         </p:nvSpPr>
         <p:spPr>
           <a:xfrm>
-            <a:off x="200025" y="1857375"/>
-            <a:ext cx="8943975" cy="274320"/>
+            <a:off x="200025" y="1590675"/>
+            <a:ext cx="8943975" cy="304800"/>
           </a:xfrm>
           <a:prstGeom prst="rect">
             <a:avLst/>
@@ -15692,6 +16768,9 @@
             </a:pPr>
             <a:r>
               <a:rPr sz="900" b="1">
+                <a:solidFill>
+                  <a:srgbClr val="000000"/>
+                </a:solidFill>
                 <a:latin typeface="Arial"/>
               </a:rPr>
               <a:t>Ordered Lists</a:t>
@@ -15707,8 +16786,8 @@
         </p:nvSpPr>
         <p:spPr>
           <a:xfrm>
-            <a:off x="200025" y="2190749"/>
-            <a:ext cx="8943975" cy="1828800"/>
+            <a:off x="200025" y="1904999"/>
+            <a:ext cx="8943975" cy="1504950"/>
           </a:xfrm>
           <a:prstGeom prst="rect">
             <a:avLst/>
@@ -15735,11 +16814,19 @@
               </a:defRPr>
             </a:pPr>
             <a:r>
-              <a:rPr sz="700"/>
+              <a:rPr sz="700">
+                <a:solidFill>
+                  <a:srgbClr val="000000"/>
+                </a:solidFill>
+                <a:latin typeface="Arial"/>
+              </a:rPr>
               <a:t>1. </a:t>
             </a:r>
             <a:r>
               <a:rPr b="1" sz="700">
+                <a:solidFill>
+                  <a:srgbClr val="000000"/>
+                </a:solidFill>
                 <a:latin typeface="Arial"/>
               </a:rPr>
               <a:t>Setup Phase</a:t>
@@ -15754,11 +16841,19 @@
               </a:defRPr>
             </a:pPr>
             <a:r>
-              <a:rPr sz="700"/>
+              <a:rPr sz="700">
+                <a:solidFill>
+                  <a:srgbClr val="000000"/>
+                </a:solidFill>
+                <a:latin typeface="Arial"/>
+              </a:rPr>
               <a:t>1. </a:t>
             </a:r>
             <a:r>
               <a:rPr sz="700">
+                <a:solidFill>
+                  <a:srgbClr val="000000"/>
+                </a:solidFill>
                 <a:latin typeface="Arial"/>
               </a:rPr>
               <a:t>Install dependencies with </a:t>
@@ -15782,11 +16877,19 @@
               </a:defRPr>
             </a:pPr>
             <a:r>
-              <a:rPr sz="700"/>
+              <a:rPr sz="700">
+                <a:solidFill>
+                  <a:srgbClr val="000000"/>
+                </a:solidFill>
+                <a:latin typeface="Arial"/>
+              </a:rPr>
               <a:t>2. </a:t>
             </a:r>
             <a:r>
               <a:rPr sz="700">
+                <a:solidFill>
+                  <a:srgbClr val="000000"/>
+                </a:solidFill>
                 <a:latin typeface="Arial"/>
               </a:rPr>
               <a:t>Configure environment variables</a:t>
@@ -15801,11 +16904,19 @@
               </a:defRPr>
             </a:pPr>
             <a:r>
-              <a:rPr sz="700"/>
+              <a:rPr sz="700">
+                <a:solidFill>
+                  <a:srgbClr val="000000"/>
+                </a:solidFill>
+                <a:latin typeface="Arial"/>
+              </a:rPr>
               <a:t>3. </a:t>
             </a:r>
             <a:r>
               <a:rPr sz="700">
+                <a:solidFill>
+                  <a:srgbClr val="000000"/>
+                </a:solidFill>
                 <a:latin typeface="Arial"/>
               </a:rPr>
               <a:t>Initialize database schema</a:t>
@@ -15820,11 +16931,19 @@
               </a:defRPr>
             </a:pPr>
             <a:r>
-              <a:rPr sz="700"/>
+              <a:rPr sz="700">
+                <a:solidFill>
+                  <a:srgbClr val="000000"/>
+                </a:solidFill>
+                <a:latin typeface="Arial"/>
+              </a:rPr>
               <a:t>2. </a:t>
             </a:r>
             <a:r>
               <a:rPr b="1" sz="700">
+                <a:solidFill>
+                  <a:srgbClr val="000000"/>
+                </a:solidFill>
                 <a:latin typeface="Arial"/>
               </a:rPr>
               <a:t>Development Phase</a:t>
@@ -15839,11 +16958,19 @@
               </a:defRPr>
             </a:pPr>
             <a:r>
-              <a:rPr sz="700"/>
+              <a:rPr sz="700">
+                <a:solidFill>
+                  <a:srgbClr val="000000"/>
+                </a:solidFill>
+                <a:latin typeface="Arial"/>
+              </a:rPr>
               <a:t>1. </a:t>
             </a:r>
             <a:r>
               <a:rPr sz="700">
+                <a:solidFill>
+                  <a:srgbClr val="000000"/>
+                </a:solidFill>
                 <a:latin typeface="Arial"/>
               </a:rPr>
               <a:t>Write </a:t>
@@ -15867,17 +16994,28 @@
               </a:defRPr>
             </a:pPr>
             <a:r>
-              <a:rPr sz="700"/>
+              <a:rPr sz="700">
+                <a:solidFill>
+                  <a:srgbClr val="000000"/>
+                </a:solidFill>
+                <a:latin typeface="Arial"/>
+              </a:rPr>
               <a:t>2. </a:t>
             </a:r>
             <a:r>
               <a:rPr sz="700">
+                <a:solidFill>
+                  <a:srgbClr val="000000"/>
+                </a:solidFill>
                 <a:latin typeface="Arial"/>
               </a:rPr>
               <a:t>Add comprehensive </a:t>
             </a:r>
             <a:r>
               <a:rPr i="1" sz="700">
+                <a:solidFill>
+                  <a:srgbClr val="000000"/>
+                </a:solidFill>
                 <a:latin typeface="Arial"/>
               </a:rPr>
               <a:t>unit tests</a:t>
@@ -15892,17 +17030,28 @@
               </a:defRPr>
             </a:pPr>
             <a:r>
-              <a:rPr sz="700"/>
+              <a:rPr sz="700">
+                <a:solidFill>
+                  <a:srgbClr val="000000"/>
+                </a:solidFill>
+                <a:latin typeface="Arial"/>
+              </a:rPr>
               <a:t>3. </a:t>
             </a:r>
             <a:r>
               <a:rPr sz="700">
+                <a:solidFill>
+                  <a:srgbClr val="000000"/>
+                </a:solidFill>
                 <a:latin typeface="Arial"/>
               </a:rPr>
               <a:t>Document </a:t>
             </a:r>
             <a:r>
               <a:rPr b="1" sz="700">
+                <a:solidFill>
+                  <a:srgbClr val="000000"/>
+                </a:solidFill>
                 <a:latin typeface="Arial"/>
               </a:rPr>
               <a:t>public APIs</a:t>
@@ -15917,11 +17066,19 @@
               </a:defRPr>
             </a:pPr>
             <a:r>
-              <a:rPr sz="700"/>
+              <a:rPr sz="700">
+                <a:solidFill>
+                  <a:srgbClr val="000000"/>
+                </a:solidFill>
+                <a:latin typeface="Arial"/>
+              </a:rPr>
               <a:t>3. </a:t>
             </a:r>
             <a:r>
               <a:rPr b="1" sz="700">
+                <a:solidFill>
+                  <a:srgbClr val="000000"/>
+                </a:solidFill>
                 <a:latin typeface="Arial"/>
               </a:rPr>
               <a:t>Deployment Phase</a:t>
@@ -15936,11 +17093,19 @@
               </a:defRPr>
             </a:pPr>
             <a:r>
-              <a:rPr sz="700"/>
+              <a:rPr sz="700">
+                <a:solidFill>
+                  <a:srgbClr val="000000"/>
+                </a:solidFill>
+                <a:latin typeface="Arial"/>
+              </a:rPr>
               <a:t>1. </a:t>
             </a:r>
             <a:r>
               <a:rPr sz="700">
+                <a:solidFill>
+                  <a:srgbClr val="000000"/>
+                </a:solidFill>
                 <a:latin typeface="Arial"/>
               </a:rPr>
               <a:t>Run </a:t>
@@ -15956,6 +17121,9 @@
             </a:r>
             <a:r>
               <a:rPr sz="700">
+                <a:solidFill>
+                  <a:srgbClr val="000000"/>
+                </a:solidFill>
                 <a:latin typeface="Arial"/>
               </a:rPr>
               <a:t> for quality assurance</a:t>
@@ -15970,11 +17138,19 @@
               </a:defRPr>
             </a:pPr>
             <a:r>
-              <a:rPr sz="700"/>
+              <a:rPr sz="700">
+                <a:solidFill>
+                  <a:srgbClr val="000000"/>
+                </a:solidFill>
+                <a:latin typeface="Arial"/>
+              </a:rPr>
               <a:t>2. </a:t>
             </a:r>
             <a:r>
               <a:rPr sz="700">
+                <a:solidFill>
+                  <a:srgbClr val="000000"/>
+                </a:solidFill>
                 <a:latin typeface="Arial"/>
               </a:rPr>
               <a:t>Deploy to </a:t>
@@ -15998,17 +17174,28 @@
               </a:defRPr>
             </a:pPr>
             <a:r>
-              <a:rPr sz="700"/>
+              <a:rPr sz="700">
+                <a:solidFill>
+                  <a:srgbClr val="000000"/>
+                </a:solidFill>
+                <a:latin typeface="Arial"/>
+              </a:rPr>
               <a:t>3. </a:t>
             </a:r>
             <a:r>
               <a:rPr sz="700">
+                <a:solidFill>
+                  <a:srgbClr val="000000"/>
+                </a:solidFill>
                 <a:latin typeface="Arial"/>
               </a:rPr>
               <a:t>Monitor </a:t>
             </a:r>
             <a:r>
               <a:rPr i="1" sz="700">
+                <a:solidFill>
+                  <a:srgbClr val="000000"/>
+                </a:solidFill>
                 <a:latin typeface="Arial"/>
               </a:rPr>
               <a:t>system performance</a:t>
@@ -16027,6 +17214,14 @@
 <file path=ppt/slides/slide8.xml><?xml version="1.0" encoding="utf-8"?>
 <p:sld xmlns:a="http://schemas.openxmlformats.org/drawingml/2006/main" xmlns:p="http://schemas.openxmlformats.org/presentationml/2006/main" xmlns:r="http://schemas.openxmlformats.org/officeDocument/2006/relationships">
   <p:cSld>
+    <p:bg>
+      <p:bgPr>
+        <a:solidFill>
+          <a:srgbClr val="FFFFFF"/>
+        </a:solidFill>
+        <a:effectLst/>
+      </p:bgPr>
+    </p:bg>
     <p:spTree>
       <p:nvGrpSpPr>
         <p:cNvPr id="1" name=""/>
@@ -16043,7 +17238,7 @@
         <p:spPr>
           <a:xfrm>
             <a:off x="200025" y="180975"/>
-            <a:ext cx="8943975" cy="274320"/>
+            <a:ext cx="8943975" cy="390525"/>
           </a:xfrm>
           <a:prstGeom prst="rect">
             <a:avLst/>
@@ -16074,6 +17269,9 @@
             </a:pPr>
             <a:r>
               <a:rPr sz="1200" b="1">
+                <a:solidFill>
+                  <a:srgbClr val="000000"/>
+                </a:solidFill>
                 <a:latin typeface="Arial"/>
               </a:rPr>
               <a:t>🔧 Technical Architecture</a:t>
@@ -16089,8 +17287,8 @@
         </p:nvSpPr>
         <p:spPr>
           <a:xfrm>
-            <a:off x="200025" y="600075"/>
-            <a:ext cx="8943975" cy="274320"/>
+            <a:off x="200025" y="571500"/>
+            <a:ext cx="8943975" cy="304800"/>
           </a:xfrm>
           <a:prstGeom prst="rect">
             <a:avLst/>
@@ -16121,6 +17319,9 @@
             </a:pPr>
             <a:r>
               <a:rPr sz="900" b="1">
+                <a:solidFill>
+                  <a:srgbClr val="000000"/>
+                </a:solidFill>
                 <a:latin typeface="Arial"/>
               </a:rPr>
               <a:t>Core Components</a:t>
@@ -16136,8 +17337,8 @@
         </p:nvSpPr>
         <p:spPr>
           <a:xfrm>
-            <a:off x="200025" y="923924"/>
-            <a:ext cx="4486275" cy="1895474"/>
+            <a:off x="200025" y="876299"/>
+            <a:ext cx="4486275" cy="2038349"/>
           </a:xfrm>
           <a:prstGeom prst="rect">
             <a:avLst/>
@@ -16170,8 +17371,8 @@
           <p:nvPr/>
         </p:nvGraphicFramePr>
         <p:xfrm>
-          <a:off x="200025" y="923924"/>
-          <a:ext cx="4482106" cy="1838325"/>
+          <a:off x="200025" y="876299"/>
+          <a:ext cx="4930317" cy="1981200"/>
         </p:xfrm>
         <a:graphic>
           <a:graphicData uri="http://schemas.openxmlformats.org/drawingml/2006/table">
@@ -16211,11 +17412,11 @@
                 </a:tblBorders>
               </a:tblPr>
               <a:tblGrid>
-                <a:gridCol w="929506"/>
-                <a:gridCol w="1485676"/>
-                <a:gridCol w="2066924"/>
+                <a:gridCol w="1022456"/>
+                <a:gridCol w="1634244"/>
+                <a:gridCol w="2273617"/>
               </a:tblGrid>
-              <a:tr h="367665">
+              <a:tr h="396240">
                 <a:tc>
                   <a:txBody>
                     <a:bodyPr lIns="76200" rIns="76200" tIns="76200" bIns="76200"/>
@@ -16364,7 +17565,7 @@
                   </a:tcPr>
                 </a:tc>
               </a:tr>
-              <a:tr h="367665">
+              <a:tr h="396240">
                 <a:tc>
                   <a:txBody>
                     <a:bodyPr lIns="76200" rIns="76200" tIns="76200" bIns="76200"/>
@@ -16531,7 +17732,7 @@
                   </a:tcPr>
                 </a:tc>
               </a:tr>
-              <a:tr h="367665">
+              <a:tr h="396240">
                 <a:tc>
                   <a:txBody>
                     <a:bodyPr lIns="76200" rIns="76200" tIns="76200" bIns="76200"/>
@@ -16680,7 +17881,7 @@
                   </a:tcPr>
                 </a:tc>
               </a:tr>
-              <a:tr h="367665">
+              <a:tr h="396240">
                 <a:tc>
                   <a:txBody>
                     <a:bodyPr lIns="76200" rIns="76200" tIns="76200" bIns="76200"/>
@@ -16829,7 +18030,7 @@
                   </a:tcPr>
                 </a:tc>
               </a:tr>
-              <a:tr h="367665">
+              <a:tr h="396240">
                 <a:tc>
                   <a:txBody>
                     <a:bodyPr lIns="76200" rIns="76200" tIns="76200" bIns="76200"/>
@@ -16990,7 +18191,57 @@
         </p:nvSpPr>
         <p:spPr>
           <a:xfrm>
-            <a:off x="200025" y="2962274"/>
+            <a:off x="200025" y="2914650"/>
+            <a:ext cx="8943975" cy="304800"/>
+          </a:xfrm>
+          <a:prstGeom prst="rect">
+            <a:avLst/>
+          </a:prstGeom>
+          <a:noFill/>
+        </p:spPr>
+        <p:txBody>
+          <a:bodyPr wrap="square" lIns="0" rIns="0" tIns="0" bIns="0">
+            <a:spAutoFit/>
+          </a:bodyPr>
+          <a:lstStyle/>
+          <a:p>
+            <a:pPr algn="l">
+              <a:lnSpc>
+                <a:spcPct val="120000"/>
+              </a:lnSpc>
+              <a:spcBef>
+                <a:spcPts val="0"/>
+              </a:spcBef>
+              <a:spcAft>
+                <a:spcPts val="0"/>
+              </a:spcAft>
+              <a:defRPr>
+                <a:solidFill>
+                  <a:srgbClr val="000000"/>
+                </a:solidFill>
+              </a:defRPr>
+            </a:pPr>
+            <a:r>
+              <a:rPr sz="900" b="1">
+                <a:solidFill>
+                  <a:srgbClr val="000000"/>
+                </a:solidFill>
+                <a:latin typeface="Arial"/>
+              </a:rPr>
+              <a:t>Processing Pipeline</a:t>
+            </a:r>
+          </a:p>
+        </p:txBody>
+      </p:sp>
+      <p:sp>
+        <p:nvSpPr>
+          <p:cNvPr id="7" name="TextBox 6"/>
+          <p:cNvSpPr txBox="1"/>
+          <p:nvPr/>
+        </p:nvSpPr>
+        <p:spPr>
+          <a:xfrm>
+            <a:off x="200025" y="3228975"/>
             <a:ext cx="8943975" cy="274320"/>
           </a:xfrm>
           <a:prstGeom prst="rect">
@@ -17021,24 +18272,27 @@
               </a:defRPr>
             </a:pPr>
             <a:r>
-              <a:rPr sz="900" b="1">
-                <a:latin typeface="Arial"/>
-              </a:rPr>
-              <a:t>Processing Pipeline</a:t>
+              <a:rPr sz="700">
+                <a:solidFill>
+                  <a:srgbClr val="000000"/>
+                </a:solidFill>
+                <a:latin typeface="Arial"/>
+              </a:rPr>
+              <a:t>The system processes content through these stages:</a:t>
             </a:r>
           </a:p>
         </p:txBody>
       </p:sp>
       <p:sp>
         <p:nvSpPr>
-          <p:cNvPr id="7" name="TextBox 6"/>
+          <p:cNvPr id="8" name="TextBox 7"/>
           <p:cNvSpPr txBox="1"/>
           <p:nvPr/>
         </p:nvSpPr>
         <p:spPr>
           <a:xfrm>
-            <a:off x="200025" y="3295650"/>
-            <a:ext cx="8943975" cy="274320"/>
+            <a:off x="200025" y="3457575"/>
+            <a:ext cx="8943975" cy="685800"/>
           </a:xfrm>
           <a:prstGeom prst="rect">
             <a:avLst/>
@@ -17052,9 +18306,6 @@
           <a:lstStyle/>
           <a:p>
             <a:pPr algn="l">
-              <a:lnSpc>
-                <a:spcPct val="120000"/>
-              </a:lnSpc>
               <a:spcBef>
                 <a:spcPts val="0"/>
               </a:spcBef>
@@ -17069,42 +18320,34 @@
             </a:pPr>
             <a:r>
               <a:rPr sz="700">
-                <a:latin typeface="Arial"/>
-              </a:rPr>
-              <a:t>The system processes content through these stages:</a:t>
-            </a:r>
-          </a:p>
-        </p:txBody>
-      </p:sp>
-      <p:sp>
-        <p:nvSpPr>
-          <p:cNvPr id="8" name="TextBox 7"/>
-          <p:cNvSpPr txBox="1"/>
-          <p:nvPr/>
-        </p:nvSpPr>
-        <p:spPr>
-          <a:xfrm>
-            <a:off x="200025" y="3533774"/>
-            <a:ext cx="8943975" cy="742950"/>
-          </a:xfrm>
-          <a:prstGeom prst="rect">
-            <a:avLst/>
-          </a:prstGeom>
-          <a:noFill/>
-        </p:spPr>
-        <p:txBody>
-          <a:bodyPr wrap="square" lIns="0" rIns="0" tIns="0" bIns="0">
-            <a:spAutoFit/>
-          </a:bodyPr>
-          <a:lstStyle/>
+                <a:solidFill>
+                  <a:srgbClr val="000000"/>
+                </a:solidFill>
+                <a:latin typeface="Arial"/>
+              </a:rPr>
+              <a:t>1. </a:t>
+            </a:r>
+            <a:r>
+              <a:rPr b="1" sz="700">
+                <a:solidFill>
+                  <a:srgbClr val="000000"/>
+                </a:solidFill>
+                <a:latin typeface="Arial"/>
+              </a:rPr>
+              <a:t>Markdown Input</a:t>
+            </a:r>
+            <a:r>
+              <a:rPr sz="700">
+                <a:solidFill>
+                  <a:srgbClr val="000000"/>
+                </a:solidFill>
+                <a:latin typeface="Arial"/>
+              </a:rPr>
+              <a:t> → Parse with markdown-it-py</a:t>
+            </a:r>
+          </a:p>
           <a:p>
             <a:pPr algn="l">
-              <a:spcBef>
-                <a:spcPts val="0"/>
-              </a:spcBef>
-              <a:spcAft>
-                <a:spcPts val="0"/>
-              </a:spcAft>
               <a:defRPr>
                 <a:solidFill>
                   <a:srgbClr val="000000"/>
@@ -17112,20 +18355,31 @@
               </a:defRPr>
             </a:pPr>
             <a:r>
-              <a:rPr sz="700"/>
-              <a:t>1. </a:t>
+              <a:rPr sz="700">
+                <a:solidFill>
+                  <a:srgbClr val="000000"/>
+                </a:solidFill>
+                <a:latin typeface="Arial"/>
+              </a:rPr>
+              <a:t>2. </a:t>
             </a:r>
             <a:r>
               <a:rPr b="1" sz="700">
-                <a:latin typeface="Arial"/>
-              </a:rPr>
-              <a:t>Markdown Input</a:t>
-            </a:r>
-            <a:r>
-              <a:rPr sz="700">
-                <a:latin typeface="Arial"/>
-              </a:rPr>
-              <a:t> → Parse with markdown-it-py</a:t>
+                <a:solidFill>
+                  <a:srgbClr val="000000"/>
+                </a:solidFill>
+                <a:latin typeface="Arial"/>
+              </a:rPr>
+              <a:t>HTML Generation</a:t>
+            </a:r>
+            <a:r>
+              <a:rPr sz="700">
+                <a:solidFill>
+                  <a:srgbClr val="000000"/>
+                </a:solidFill>
+                <a:latin typeface="Arial"/>
+              </a:rPr>
+              <a:t> → Add inline styling support</a:t>
             </a:r>
           </a:p>
           <a:p>
@@ -17137,20 +18391,31 @@
               </a:defRPr>
             </a:pPr>
             <a:r>
-              <a:rPr sz="700"/>
-              <a:t>2. </a:t>
+              <a:rPr sz="700">
+                <a:solidFill>
+                  <a:srgbClr val="000000"/>
+                </a:solidFill>
+                <a:latin typeface="Arial"/>
+              </a:rPr>
+              <a:t>3. </a:t>
             </a:r>
             <a:r>
               <a:rPr b="1" sz="700">
-                <a:latin typeface="Arial"/>
-              </a:rPr>
-              <a:t>HTML Generation</a:t>
-            </a:r>
-            <a:r>
-              <a:rPr sz="700">
-                <a:latin typeface="Arial"/>
-              </a:rPr>
-              <a:t> → Add inline styling support</a:t>
+                <a:solidFill>
+                  <a:srgbClr val="000000"/>
+                </a:solidFill>
+                <a:latin typeface="Arial"/>
+              </a:rPr>
+              <a:t>Browser Layout</a:t>
+            </a:r>
+            <a:r>
+              <a:rPr sz="700">
+                <a:solidFill>
+                  <a:srgbClr val="000000"/>
+                </a:solidFill>
+                <a:latin typeface="Arial"/>
+              </a:rPr>
+              <a:t> → Measure with Puppeteer engine</a:t>
             </a:r>
           </a:p>
           <a:p>
@@ -17162,20 +18427,31 @@
               </a:defRPr>
             </a:pPr>
             <a:r>
-              <a:rPr sz="700"/>
-              <a:t>3. </a:t>
+              <a:rPr sz="700">
+                <a:solidFill>
+                  <a:srgbClr val="000000"/>
+                </a:solidFill>
+                <a:latin typeface="Arial"/>
+              </a:rPr>
+              <a:t>4. </a:t>
             </a:r>
             <a:r>
               <a:rPr b="1" sz="700">
-                <a:latin typeface="Arial"/>
-              </a:rPr>
-              <a:t>Browser Layout</a:t>
-            </a:r>
-            <a:r>
-              <a:rPr sz="700">
-                <a:latin typeface="Arial"/>
-              </a:rPr>
-              <a:t> → Measure with Puppeteer engine</a:t>
+                <a:solidFill>
+                  <a:srgbClr val="000000"/>
+                </a:solidFill>
+                <a:latin typeface="Arial"/>
+              </a:rPr>
+              <a:t>Block Positioning</a:t>
+            </a:r>
+            <a:r>
+              <a:rPr sz="700">
+                <a:solidFill>
+                  <a:srgbClr val="000000"/>
+                </a:solidFill>
+                <a:latin typeface="Arial"/>
+              </a:rPr>
+              <a:t> → Calculate precise coordinates</a:t>
             </a:r>
           </a:p>
           <a:p>
@@ -17187,42 +18463,28 @@
               </a:defRPr>
             </a:pPr>
             <a:r>
-              <a:rPr sz="700"/>
-              <a:t>4. </a:t>
+              <a:rPr sz="700">
+                <a:solidFill>
+                  <a:srgbClr val="000000"/>
+                </a:solidFill>
+                <a:latin typeface="Arial"/>
+              </a:rPr>
+              <a:t>5. </a:t>
             </a:r>
             <a:r>
               <a:rPr b="1" sz="700">
-                <a:latin typeface="Arial"/>
-              </a:rPr>
-              <a:t>Block Positioning</a:t>
-            </a:r>
-            <a:r>
-              <a:rPr sz="700">
-                <a:latin typeface="Arial"/>
-              </a:rPr>
-              <a:t> → Calculate precise coordinates</a:t>
-            </a:r>
-          </a:p>
-          <a:p>
-            <a:pPr algn="l">
-              <a:defRPr>
-                <a:solidFill>
-                  <a:srgbClr val="000000"/>
-                </a:solidFill>
-              </a:defRPr>
-            </a:pPr>
-            <a:r>
-              <a:rPr sz="700"/>
-              <a:t>5. </a:t>
-            </a:r>
-            <a:r>
-              <a:rPr b="1" sz="700">
+                <a:solidFill>
+                  <a:srgbClr val="000000"/>
+                </a:solidFill>
                 <a:latin typeface="Arial"/>
               </a:rPr>
               <a:t>PowerPoint Output</a:t>
             </a:r>
             <a:r>
               <a:rPr sz="700">
+                <a:solidFill>
+                  <a:srgbClr val="000000"/>
+                </a:solidFill>
                 <a:latin typeface="Arial"/>
               </a:rPr>
               <a:t> → Generate native PPTX format</a:t>
@@ -17241,6 +18503,14 @@
 <file path=ppt/slides/slide9.xml><?xml version="1.0" encoding="utf-8"?>
 <p:sld xmlns:a="http://schemas.openxmlformats.org/drawingml/2006/main" xmlns:p="http://schemas.openxmlformats.org/presentationml/2006/main" xmlns:r="http://schemas.openxmlformats.org/officeDocument/2006/relationships">
   <p:cSld>
+    <p:bg>
+      <p:bgPr>
+        <a:solidFill>
+          <a:srgbClr val="FFFFFF"/>
+        </a:solidFill>
+        <a:effectLst/>
+      </p:bgPr>
+    </p:bg>
     <p:spTree>
       <p:nvGrpSpPr>
         <p:cNvPr id="1" name=""/>
@@ -17257,6 +18527,106 @@
         <p:spPr>
           <a:xfrm>
             <a:off x="200025" y="180975"/>
+            <a:ext cx="8943975" cy="390525"/>
+          </a:xfrm>
+          <a:prstGeom prst="rect">
+            <a:avLst/>
+          </a:prstGeom>
+          <a:noFill/>
+        </p:spPr>
+        <p:txBody>
+          <a:bodyPr wrap="square" lIns="0" rIns="0" tIns="0" bIns="0">
+            <a:spAutoFit/>
+          </a:bodyPr>
+          <a:lstStyle/>
+          <a:p>
+            <a:pPr algn="l">
+              <a:lnSpc>
+                <a:spcPct val="120000"/>
+              </a:lnSpc>
+              <a:spcBef>
+                <a:spcPts val="0"/>
+              </a:spcBef>
+              <a:spcAft>
+                <a:spcPts val="0"/>
+              </a:spcAft>
+              <a:defRPr>
+                <a:solidFill>
+                  <a:srgbClr val="000000"/>
+                </a:solidFill>
+              </a:defRPr>
+            </a:pPr>
+            <a:r>
+              <a:rPr sz="1200" b="1">
+                <a:solidFill>
+                  <a:srgbClr val="000000"/>
+                </a:solidFill>
+                <a:latin typeface="Arial"/>
+              </a:rPr>
+              <a:t>📏 Pagination &amp; Layout</a:t>
+            </a:r>
+          </a:p>
+        </p:txBody>
+      </p:sp>
+      <p:sp>
+        <p:nvSpPr>
+          <p:cNvPr id="3" name="TextBox 2"/>
+          <p:cNvSpPr txBox="1"/>
+          <p:nvPr/>
+        </p:nvSpPr>
+        <p:spPr>
+          <a:xfrm>
+            <a:off x="200025" y="571500"/>
+            <a:ext cx="8943975" cy="304800"/>
+          </a:xfrm>
+          <a:prstGeom prst="rect">
+            <a:avLst/>
+          </a:prstGeom>
+          <a:noFill/>
+        </p:spPr>
+        <p:txBody>
+          <a:bodyPr wrap="square" lIns="0" rIns="0" tIns="0" bIns="0">
+            <a:spAutoFit/>
+          </a:bodyPr>
+          <a:lstStyle/>
+          <a:p>
+            <a:pPr algn="l">
+              <a:lnSpc>
+                <a:spcPct val="120000"/>
+              </a:lnSpc>
+              <a:spcBef>
+                <a:spcPts val="0"/>
+              </a:spcBef>
+              <a:spcAft>
+                <a:spcPts val="0"/>
+              </a:spcAft>
+              <a:defRPr>
+                <a:solidFill>
+                  <a:srgbClr val="000000"/>
+                </a:solidFill>
+              </a:defRPr>
+            </a:pPr>
+            <a:r>
+              <a:rPr sz="900" b="1">
+                <a:solidFill>
+                  <a:srgbClr val="000000"/>
+                </a:solidFill>
+                <a:latin typeface="Arial"/>
+              </a:rPr>
+              <a:t>Intelligent Pagination</a:t>
+            </a:r>
+          </a:p>
+        </p:txBody>
+      </p:sp>
+      <p:sp>
+        <p:nvSpPr>
+          <p:cNvPr id="4" name="TextBox 3"/>
+          <p:cNvSpPr txBox="1"/>
+          <p:nvPr/>
+        </p:nvSpPr>
+        <p:spPr>
+          <a:xfrm>
+            <a:off x="200025" y="876299"/>
             <a:ext cx="8943975" cy="274320"/>
           </a:xfrm>
           <a:prstGeom prst="rect">
@@ -17287,24 +18657,45 @@
               </a:defRPr>
             </a:pPr>
             <a:r>
-              <a:rPr sz="1200" b="1">
-                <a:latin typeface="Arial"/>
-              </a:rPr>
-              <a:t>📏 Pagination &amp; Layout</a:t>
+              <a:rPr sz="700">
+                <a:solidFill>
+                  <a:srgbClr val="000000"/>
+                </a:solidFill>
+                <a:latin typeface="Arial"/>
+              </a:rPr>
+              <a:t>The system uses </a:t>
+            </a:r>
+            <a:r>
+              <a:rPr b="1" sz="700">
+                <a:solidFill>
+                  <a:srgbClr val="000000"/>
+                </a:solidFill>
+                <a:latin typeface="Arial"/>
+              </a:rPr>
+              <a:t>browser-based measurement</a:t>
+            </a:r>
+            <a:r>
+              <a:rPr sz="700">
+                <a:solidFill>
+                  <a:srgbClr val="000000"/>
+                </a:solidFill>
+                <a:latin typeface="Arial"/>
+              </a:rPr>
+              <a:t> for accurate pagination:</a:t>
             </a:r>
           </a:p>
         </p:txBody>
       </p:sp>
       <p:sp>
         <p:nvSpPr>
-          <p:cNvPr id="3" name="TextBox 2"/>
+          <p:cNvPr id="5" name="TextBox 4"/>
           <p:cNvSpPr txBox="1"/>
           <p:nvPr/>
         </p:nvSpPr>
         <p:spPr>
           <a:xfrm>
-            <a:off x="200025" y="600075"/>
-            <a:ext cx="8943975" cy="274320"/>
+            <a:off x="200025" y="1104900"/>
+            <a:ext cx="8943975" cy="571500"/>
           </a:xfrm>
           <a:prstGeom prst="rect">
             <a:avLst/>
@@ -17318,9 +18709,6 @@
           <a:lstStyle/>
           <a:p>
             <a:pPr algn="l">
-              <a:lnSpc>
-                <a:spcPct val="120000"/>
-              </a:lnSpc>
               <a:spcBef>
                 <a:spcPts val="0"/>
               </a:spcBef>
@@ -17334,24 +18722,189 @@
               </a:defRPr>
             </a:pPr>
             <a:r>
-              <a:rPr sz="900" b="1">
-                <a:latin typeface="Arial"/>
-              </a:rPr>
-              <a:t>Intelligent Pagination</a:t>
+              <a:rPr sz="700">
+                <a:solidFill>
+                  <a:srgbClr val="000000"/>
+                </a:solidFill>
+                <a:latin typeface="Arial"/>
+              </a:rPr>
+              <a:t>• </a:t>
+            </a:r>
+            <a:r>
+              <a:rPr sz="700">
+                <a:solidFill>
+                  <a:srgbClr val="000000"/>
+                </a:solidFill>
+                <a:latin typeface="Arial"/>
+              </a:rPr>
+              <a:t>✅ </a:t>
+            </a:r>
+            <a:r>
+              <a:rPr b="1" sz="700">
+                <a:solidFill>
+                  <a:srgbClr val="000000"/>
+                </a:solidFill>
+                <a:latin typeface="Arial"/>
+              </a:rPr>
+              <a:t>Boundary detection</a:t>
+            </a:r>
+            <a:r>
+              <a:rPr sz="700">
+                <a:solidFill>
+                  <a:srgbClr val="000000"/>
+                </a:solidFill>
+                <a:latin typeface="Arial"/>
+              </a:rPr>
+              <a:t>: Content exceeding slide limits automatically flows to next slide</a:t>
+            </a:r>
+          </a:p>
+          <a:p>
+            <a:pPr algn="l">
+              <a:defRPr>
+                <a:solidFill>
+                  <a:srgbClr val="000000"/>
+                </a:solidFill>
+              </a:defRPr>
+            </a:pPr>
+            <a:r>
+              <a:rPr sz="700">
+                <a:solidFill>
+                  <a:srgbClr val="000000"/>
+                </a:solidFill>
+                <a:latin typeface="Arial"/>
+              </a:rPr>
+              <a:t>• </a:t>
+            </a:r>
+            <a:r>
+              <a:rPr sz="700">
+                <a:solidFill>
+                  <a:srgbClr val="000000"/>
+                </a:solidFill>
+                <a:latin typeface="Arial"/>
+              </a:rPr>
+              <a:t>✅ </a:t>
+            </a:r>
+            <a:r>
+              <a:rPr b="1" sz="700">
+                <a:solidFill>
+                  <a:srgbClr val="000000"/>
+                </a:solidFill>
+                <a:latin typeface="Arial"/>
+              </a:rPr>
+              <a:t>Relative positioning</a:t>
+            </a:r>
+            <a:r>
+              <a:rPr sz="700">
+                <a:solidFill>
+                  <a:srgbClr val="000000"/>
+                </a:solidFill>
+                <a:latin typeface="Arial"/>
+              </a:rPr>
+              <a:t>: Accounts for CSS margins and spacing</a:t>
+            </a:r>
+          </a:p>
+          <a:p>
+            <a:pPr algn="l">
+              <a:defRPr>
+                <a:solidFill>
+                  <a:srgbClr val="000000"/>
+                </a:solidFill>
+              </a:defRPr>
+            </a:pPr>
+            <a:r>
+              <a:rPr sz="700">
+                <a:solidFill>
+                  <a:srgbClr val="000000"/>
+                </a:solidFill>
+                <a:latin typeface="Arial"/>
+              </a:rPr>
+              <a:t>• </a:t>
+            </a:r>
+            <a:r>
+              <a:rPr sz="700">
+                <a:solidFill>
+                  <a:srgbClr val="000000"/>
+                </a:solidFill>
+                <a:latin typeface="Arial"/>
+              </a:rPr>
+              <a:t>✅ </a:t>
+            </a:r>
+            <a:r>
+              <a:rPr b="1" sz="700">
+                <a:solidFill>
+                  <a:srgbClr val="000000"/>
+                </a:solidFill>
+                <a:latin typeface="Arial"/>
+              </a:rPr>
+              <a:t>Overflow prevention</a:t>
+            </a:r>
+            <a:r>
+              <a:rPr sz="700">
+                <a:solidFill>
+                  <a:srgbClr val="000000"/>
+                </a:solidFill>
+                <a:latin typeface="Arial"/>
+              </a:rPr>
+              <a:t>: No content extends beyond slide boundaries</a:t>
+            </a:r>
+          </a:p>
+          <a:p>
+            <a:pPr algn="l">
+              <a:defRPr>
+                <a:solidFill>
+                  <a:srgbClr val="000000"/>
+                </a:solidFill>
+              </a:defRPr>
+            </a:pPr>
+            <a:r>
+              <a:rPr sz="700">
+                <a:solidFill>
+                  <a:srgbClr val="000000"/>
+                </a:solidFill>
+                <a:latin typeface="Arial"/>
+              </a:rPr>
+              <a:t>• </a:t>
+            </a:r>
+            <a:r>
+              <a:rPr sz="700">
+                <a:solidFill>
+                  <a:srgbClr val="000000"/>
+                </a:solidFill>
+                <a:latin typeface="Arial"/>
+              </a:rPr>
+              <a:t>✅ </a:t>
+            </a:r>
+            <a:r>
+              <a:rPr b="1" sz="700">
+                <a:solidFill>
+                  <a:srgbClr val="000000"/>
+                </a:solidFill>
+                <a:latin typeface="Arial"/>
+              </a:rPr>
+              <a:t>Smart breaks</a:t>
+            </a:r>
+            <a:r>
+              <a:rPr sz="700">
+                <a:solidFill>
+                  <a:srgbClr val="000000"/>
+                </a:solidFill>
+                <a:latin typeface="Arial"/>
+              </a:rPr>
+              <a:t>: Preserves logical content grouping where possible</a:t>
             </a:r>
           </a:p>
         </p:txBody>
       </p:sp>
       <p:sp>
         <p:nvSpPr>
-          <p:cNvPr id="4" name="TextBox 3"/>
+          <p:cNvPr id="6" name="TextBox 5"/>
           <p:cNvSpPr txBox="1"/>
           <p:nvPr/>
         </p:nvSpPr>
         <p:spPr>
           <a:xfrm>
-            <a:off x="200025" y="923924"/>
-            <a:ext cx="8943975" cy="274320"/>
+            <a:off x="200025" y="1581149"/>
+            <a:ext cx="8943975" cy="304800"/>
           </a:xfrm>
           <a:prstGeom prst="rect">
             <a:avLst/>
@@ -17381,36 +18934,27 @@
               </a:defRPr>
             </a:pPr>
             <a:r>
-              <a:rPr sz="700">
-                <a:latin typeface="Arial"/>
-              </a:rPr>
-              <a:t>The system uses </a:t>
-            </a:r>
-            <a:r>
-              <a:rPr b="1" sz="700">
-                <a:latin typeface="Arial"/>
-              </a:rPr>
-              <a:t>browser-based measurement</a:t>
-            </a:r>
-            <a:r>
-              <a:rPr sz="700">
-                <a:latin typeface="Arial"/>
-              </a:rPr>
-              <a:t> for accurate pagination:</a:t>
+              <a:rPr sz="900" b="1">
+                <a:solidFill>
+                  <a:srgbClr val="000000"/>
+                </a:solidFill>
+                <a:latin typeface="Arial"/>
+              </a:rPr>
+              <a:t>Layout Quality</a:t>
             </a:r>
           </a:p>
         </p:txBody>
       </p:sp>
       <p:sp>
         <p:nvSpPr>
-          <p:cNvPr id="5" name="TextBox 4"/>
+          <p:cNvPr id="7" name="TextBox 6"/>
           <p:cNvSpPr txBox="1"/>
           <p:nvPr/>
         </p:nvSpPr>
         <p:spPr>
           <a:xfrm>
-            <a:off x="200025" y="1162050"/>
-            <a:ext cx="8943975" cy="590549"/>
+            <a:off x="200025" y="1895474"/>
+            <a:ext cx="8943975" cy="571500"/>
           </a:xfrm>
           <a:prstGeom prst="rect">
             <a:avLst/>
@@ -17437,26 +18981,31 @@
               </a:defRPr>
             </a:pPr>
             <a:r>
-              <a:rPr sz="700"/>
+              <a:rPr sz="700">
+                <a:solidFill>
+                  <a:srgbClr val="000000"/>
+                </a:solidFill>
+                <a:latin typeface="Arial"/>
+              </a:rPr>
               <a:t>• </a:t>
             </a:r>
             <a:r>
-              <a:rPr sz="700">
-                <a:latin typeface="Arial"/>
-              </a:rPr>
-              <a:t>✅ </a:t>
-            </a:r>
-            <a:r>
               <a:rPr b="1" sz="700">
-                <a:latin typeface="Arial"/>
-              </a:rPr>
-              <a:t>Boundary detection</a:t>
-            </a:r>
-            <a:r>
-              <a:rPr sz="700">
-                <a:latin typeface="Arial"/>
-              </a:rPr>
-              <a:t>: Content exceeding slide limits automatically flows to next slide</a:t>
+                <a:solidFill>
+                  <a:srgbClr val="000000"/>
+                </a:solidFill>
+                <a:latin typeface="Arial"/>
+              </a:rPr>
+              <a:t>Pixel-perfect positioning</a:t>
+            </a:r>
+            <a:r>
+              <a:rPr sz="700">
+                <a:solidFill>
+                  <a:srgbClr val="000000"/>
+                </a:solidFill>
+                <a:latin typeface="Arial"/>
+              </a:rPr>
+              <a:t> using browser layout engine</a:t>
             </a:r>
           </a:p>
           <a:p>
@@ -17468,26 +19017,31 @@
               </a:defRPr>
             </a:pPr>
             <a:r>
-              <a:rPr sz="700"/>
+              <a:rPr sz="700">
+                <a:solidFill>
+                  <a:srgbClr val="000000"/>
+                </a:solidFill>
+                <a:latin typeface="Arial"/>
+              </a:rPr>
               <a:t>• </a:t>
             </a:r>
             <a:r>
-              <a:rPr sz="700">
-                <a:latin typeface="Arial"/>
-              </a:rPr>
-              <a:t>✅ </a:t>
-            </a:r>
-            <a:r>
               <a:rPr b="1" sz="700">
-                <a:latin typeface="Arial"/>
-              </a:rPr>
-              <a:t>Relative positioning</a:t>
-            </a:r>
-            <a:r>
-              <a:rPr sz="700">
-                <a:latin typeface="Arial"/>
-              </a:rPr>
-              <a:t>: Accounts for CSS margins and spacing</a:t>
+                <a:solidFill>
+                  <a:srgbClr val="000000"/>
+                </a:solidFill>
+                <a:latin typeface="Arial"/>
+              </a:rPr>
+              <a:t>Consistent spacing</a:t>
+            </a:r>
+            <a:r>
+              <a:rPr sz="700">
+                <a:solidFill>
+                  <a:srgbClr val="000000"/>
+                </a:solidFill>
+                <a:latin typeface="Arial"/>
+              </a:rPr>
+              <a:t> matching CSS specifications</a:t>
             </a:r>
           </a:p>
           <a:p>
@@ -17499,26 +19053,31 @@
               </a:defRPr>
             </a:pPr>
             <a:r>
-              <a:rPr sz="700"/>
+              <a:rPr sz="700">
+                <a:solidFill>
+                  <a:srgbClr val="000000"/>
+                </a:solidFill>
+                <a:latin typeface="Arial"/>
+              </a:rPr>
               <a:t>• </a:t>
             </a:r>
             <a:r>
-              <a:rPr sz="700">
-                <a:latin typeface="Arial"/>
-              </a:rPr>
-              <a:t>✅ </a:t>
-            </a:r>
-            <a:r>
               <a:rPr b="1" sz="700">
-                <a:latin typeface="Arial"/>
-              </a:rPr>
-              <a:t>Overflow prevention</a:t>
-            </a:r>
-            <a:r>
-              <a:rPr sz="700">
-                <a:latin typeface="Arial"/>
-              </a:rPr>
-              <a:t>: No content extends beyond slide boundaries</a:t>
+                <a:solidFill>
+                  <a:srgbClr val="000000"/>
+                </a:solidFill>
+                <a:latin typeface="Arial"/>
+              </a:rPr>
+              <a:t>Professional typography</a:t>
+            </a:r>
+            <a:r>
+              <a:rPr sz="700">
+                <a:solidFill>
+                  <a:srgbClr val="000000"/>
+                </a:solidFill>
+                <a:latin typeface="Arial"/>
+              </a:rPr>
+              <a:t> with proper font rendering</a:t>
             </a:r>
           </a:p>
           <a:p>
@@ -17530,199 +19089,28 @@
               </a:defRPr>
             </a:pPr>
             <a:r>
-              <a:rPr sz="700"/>
+              <a:rPr sz="700">
+                <a:solidFill>
+                  <a:srgbClr val="000000"/>
+                </a:solidFill>
+                <a:latin typeface="Arial"/>
+              </a:rPr>
               <a:t>• </a:t>
             </a:r>
             <a:r>
-              <a:rPr sz="700">
-                <a:latin typeface="Arial"/>
-              </a:rPr>
-              <a:t>✅ </a:t>
-            </a:r>
-            <a:r>
               <a:rPr b="1" sz="700">
-                <a:latin typeface="Arial"/>
-              </a:rPr>
-              <a:t>Smart breaks</a:t>
-            </a:r>
-            <a:r>
-              <a:rPr sz="700">
-                <a:latin typeface="Arial"/>
-              </a:rPr>
-              <a:t>: Preserves logical content grouping where possible</a:t>
-            </a:r>
-          </a:p>
-        </p:txBody>
-      </p:sp>
-      <p:sp>
-        <p:nvSpPr>
-          <p:cNvPr id="6" name="TextBox 5"/>
-          <p:cNvSpPr txBox="1"/>
-          <p:nvPr/>
-        </p:nvSpPr>
-        <p:spPr>
-          <a:xfrm>
-            <a:off x="200025" y="1752599"/>
-            <a:ext cx="8943975" cy="274320"/>
-          </a:xfrm>
-          <a:prstGeom prst="rect">
-            <a:avLst/>
-          </a:prstGeom>
-          <a:noFill/>
-        </p:spPr>
-        <p:txBody>
-          <a:bodyPr wrap="square" lIns="0" rIns="0" tIns="0" bIns="0">
-            <a:spAutoFit/>
-          </a:bodyPr>
-          <a:lstStyle/>
-          <a:p>
-            <a:pPr algn="l">
-              <a:lnSpc>
-                <a:spcPct val="120000"/>
-              </a:lnSpc>
-              <a:spcBef>
-                <a:spcPts val="0"/>
-              </a:spcBef>
-              <a:spcAft>
-                <a:spcPts val="0"/>
-              </a:spcAft>
-              <a:defRPr>
-                <a:solidFill>
-                  <a:srgbClr val="000000"/>
-                </a:solidFill>
-              </a:defRPr>
-            </a:pPr>
-            <a:r>
-              <a:rPr sz="900" b="1">
-                <a:latin typeface="Arial"/>
-              </a:rPr>
-              <a:t>Layout Quality</a:t>
-            </a:r>
-          </a:p>
-        </p:txBody>
-      </p:sp>
-      <p:sp>
-        <p:nvSpPr>
-          <p:cNvPr id="7" name="TextBox 6"/>
-          <p:cNvSpPr txBox="1"/>
-          <p:nvPr/>
-        </p:nvSpPr>
-        <p:spPr>
-          <a:xfrm>
-            <a:off x="200025" y="2085975"/>
-            <a:ext cx="8943975" cy="590549"/>
-          </a:xfrm>
-          <a:prstGeom prst="rect">
-            <a:avLst/>
-          </a:prstGeom>
-          <a:noFill/>
-        </p:spPr>
-        <p:txBody>
-          <a:bodyPr wrap="square" lIns="0" rIns="0" tIns="0" bIns="0">
-            <a:spAutoFit/>
-          </a:bodyPr>
-          <a:lstStyle/>
-          <a:p>
-            <a:pPr algn="l">
-              <a:spcBef>
-                <a:spcPts val="0"/>
-              </a:spcBef>
-              <a:spcAft>
-                <a:spcPts val="0"/>
-              </a:spcAft>
-              <a:defRPr>
-                <a:solidFill>
-                  <a:srgbClr val="000000"/>
-                </a:solidFill>
-              </a:defRPr>
-            </a:pPr>
-            <a:r>
-              <a:rPr sz="700"/>
-              <a:t>• </a:t>
-            </a:r>
-            <a:r>
-              <a:rPr b="1" sz="700">
-                <a:latin typeface="Arial"/>
-              </a:rPr>
-              <a:t>Pixel-perfect positioning</a:t>
-            </a:r>
-            <a:r>
-              <a:rPr sz="700">
-                <a:latin typeface="Arial"/>
-              </a:rPr>
-              <a:t> using browser layout engine</a:t>
-            </a:r>
-          </a:p>
-          <a:p>
-            <a:pPr algn="l">
-              <a:defRPr>
-                <a:solidFill>
-                  <a:srgbClr val="000000"/>
-                </a:solidFill>
-              </a:defRPr>
-            </a:pPr>
-            <a:r>
-              <a:rPr sz="700"/>
-              <a:t>• </a:t>
-            </a:r>
-            <a:r>
-              <a:rPr b="1" sz="700">
-                <a:latin typeface="Arial"/>
-              </a:rPr>
-              <a:t>Consistent spacing</a:t>
-            </a:r>
-            <a:r>
-              <a:rPr sz="700">
-                <a:latin typeface="Arial"/>
-              </a:rPr>
-              <a:t> matching CSS specifications</a:t>
-            </a:r>
-          </a:p>
-          <a:p>
-            <a:pPr algn="l">
-              <a:defRPr>
-                <a:solidFill>
-                  <a:srgbClr val="000000"/>
-                </a:solidFill>
-              </a:defRPr>
-            </a:pPr>
-            <a:r>
-              <a:rPr sz="700"/>
-              <a:t>• </a:t>
-            </a:r>
-            <a:r>
-              <a:rPr b="1" sz="700">
-                <a:latin typeface="Arial"/>
-              </a:rPr>
-              <a:t>Professional typography</a:t>
-            </a:r>
-            <a:r>
-              <a:rPr sz="700">
-                <a:latin typeface="Arial"/>
-              </a:rPr>
-              <a:t> with proper font rendering</a:t>
-            </a:r>
-          </a:p>
-          <a:p>
-            <a:pPr algn="l">
-              <a:defRPr>
-                <a:solidFill>
-                  <a:srgbClr val="000000"/>
-                </a:solidFill>
-              </a:defRPr>
-            </a:pPr>
-            <a:r>
-              <a:rPr sz="700"/>
-              <a:t>• </a:t>
-            </a:r>
-            <a:r>
-              <a:rPr b="1" sz="700">
+                <a:solidFill>
+                  <a:srgbClr val="000000"/>
+                </a:solidFill>
                 <a:latin typeface="Arial"/>
               </a:rPr>
               <a:t>Responsive design</a:t>
             </a:r>
             <a:r>
               <a:rPr sz="700">
+                <a:solidFill>
+                  <a:srgbClr val="000000"/>
+                </a:solidFill>
                 <a:latin typeface="Arial"/>
               </a:rPr>
               <a:t> adapting to different content types</a:t>

--- a/output/comprehensive_demo_default.pptx
+++ b/output/comprehensive_demo_default.pptx
@@ -8083,8 +8083,8 @@
         </p:nvSpPr>
         <p:spPr>
           <a:xfrm>
-            <a:off x="276225" y="3467100"/>
-            <a:ext cx="8867775" cy="274320"/>
+            <a:off x="228600" y="3467100"/>
+            <a:ext cx="8915400" cy="274320"/>
           </a:xfrm>
           <a:prstGeom prst="rect">
             <a:avLst/>
@@ -8133,7 +8133,7 @@
         </p:nvSpPr>
         <p:spPr>
           <a:xfrm>
-            <a:off x="276225" y="3724274"/>
+            <a:off x="228600" y="3724274"/>
             <a:ext cx="1800225" cy="1628775"/>
           </a:xfrm>
           <a:prstGeom prst="rect">
@@ -8167,7 +8167,7 @@
           <p:nvPr/>
         </p:nvGraphicFramePr>
         <p:xfrm>
-          <a:off x="276225" y="3724274"/>
+          <a:off x="228600" y="3724274"/>
           <a:ext cx="1978854" cy="1571625"/>
         </p:xfrm>
         <a:graphic>
@@ -8969,8 +8969,8 @@
         </p:nvSpPr>
         <p:spPr>
           <a:xfrm>
-            <a:off x="4800600" y="3486150"/>
-            <a:ext cx="4343400" cy="274320"/>
+            <a:off x="4648200" y="3486150"/>
+            <a:ext cx="4495799" cy="274320"/>
           </a:xfrm>
           <a:prstGeom prst="rect">
             <a:avLst/>
@@ -9019,8 +9019,8 @@
         </p:nvSpPr>
         <p:spPr>
           <a:xfrm>
-            <a:off x="4800600" y="3743325"/>
-            <a:ext cx="4343400" cy="342900"/>
+            <a:off x="4648200" y="3743325"/>
+            <a:ext cx="4495799" cy="342900"/>
           </a:xfrm>
           <a:prstGeom prst="rect">
             <a:avLst/>
@@ -9153,7 +9153,7 @@
         </p:blipFill>
         <p:spPr>
           <a:xfrm>
-            <a:off x="276225" y="571500"/>
+            <a:off x="228600" y="571500"/>
             <a:ext cx="3809999" cy="2857500"/>
           </a:xfrm>
           <a:prstGeom prst="rect">
@@ -9169,8 +9169,8 @@
         </p:nvSpPr>
         <p:spPr>
           <a:xfrm>
-            <a:off x="4800600" y="666750"/>
-            <a:ext cx="4343400" cy="342900"/>
+            <a:off x="4648200" y="666750"/>
+            <a:ext cx="4495799" cy="342900"/>
           </a:xfrm>
           <a:prstGeom prst="rect">
             <a:avLst/>
@@ -9303,7 +9303,7 @@
         </p:blipFill>
         <p:spPr>
           <a:xfrm>
-            <a:off x="276225" y="571500"/>
+            <a:off x="228600" y="571500"/>
             <a:ext cx="2857500" cy="2857500"/>
           </a:xfrm>
           <a:prstGeom prst="rect">
@@ -9319,7 +9319,7 @@
         </p:nvSpPr>
         <p:spPr>
           <a:xfrm>
-            <a:off x="4800600" y="571500"/>
+            <a:off x="4648200" y="571500"/>
             <a:ext cx="923924" cy="1333500"/>
           </a:xfrm>
           <a:prstGeom prst="rect">
@@ -9353,7 +9353,7 @@
           <p:nvPr/>
         </p:nvGraphicFramePr>
         <p:xfrm>
-          <a:off x="4800600" y="571500"/>
+          <a:off x="4648200" y="571500"/>
           <a:ext cx="1014352" cy="1285872"/>
         </p:xfrm>
         <a:graphic>
@@ -9885,8 +9885,8 @@
         </p:nvSpPr>
         <p:spPr>
           <a:xfrm>
-            <a:off x="276225" y="571500"/>
-            <a:ext cx="8867775" cy="274320"/>
+            <a:off x="228600" y="571500"/>
+            <a:ext cx="8915400" cy="274320"/>
           </a:xfrm>
           <a:prstGeom prst="rect">
             <a:avLst/>
@@ -9935,7 +9935,7 @@
         </p:nvSpPr>
         <p:spPr>
           <a:xfrm>
-            <a:off x="276225" y="838200"/>
+            <a:off x="228600" y="838200"/>
             <a:ext cx="1800225" cy="1628775"/>
           </a:xfrm>
           <a:prstGeom prst="rect">
@@ -9969,7 +9969,7 @@
           <p:nvPr/>
         </p:nvGraphicFramePr>
         <p:xfrm>
-          <a:off x="276225" y="838200"/>
+          <a:off x="228600" y="838200"/>
           <a:ext cx="1978854" cy="1571625"/>
         </p:xfrm>
         <a:graphic>
@@ -10771,8 +10771,8 @@
         </p:nvSpPr>
         <p:spPr>
           <a:xfrm>
-            <a:off x="5972175" y="590549"/>
-            <a:ext cx="3171825" cy="274320"/>
+            <a:off x="5619750" y="590549"/>
+            <a:ext cx="3524250" cy="274320"/>
           </a:xfrm>
           <a:prstGeom prst="rect">
             <a:avLst/>
@@ -10821,8 +10821,8 @@
         </p:nvSpPr>
         <p:spPr>
           <a:xfrm>
-            <a:off x="5972175" y="857250"/>
-            <a:ext cx="3171825" cy="342900"/>
+            <a:off x="5619750" y="857250"/>
+            <a:ext cx="3524250" cy="342900"/>
           </a:xfrm>
           <a:prstGeom prst="rect">
             <a:avLst/>
@@ -11382,8 +11382,8 @@
         </p:nvSpPr>
         <p:spPr>
           <a:xfrm>
-            <a:off x="200025" y="1933574"/>
-            <a:ext cx="8943975" cy="304800"/>
+            <a:off x="200025" y="2028825"/>
+            <a:ext cx="8943975" cy="274320"/>
           </a:xfrm>
           <a:prstGeom prst="rect">
             <a:avLst/>
@@ -11413,13 +11413,40 @@
               </a:defRPr>
             </a:pPr>
             <a:r>
-              <a:rPr sz="900" b="1">
-                <a:solidFill>
-                  <a:srgbClr val="000000"/>
-                </a:solidFill>
-                <a:latin typeface="Arial"/>
-              </a:rPr>
-              <a:t>Advanced Combinations</a:t>
+              <a:rPr strike="sngStrike" sz="700">
+                <a:solidFill>
+                  <a:srgbClr val="000000"/>
+                </a:solidFill>
+                <a:latin typeface="Arial"/>
+              </a:rPr>
+              <a:t>strikethrough text</a:t>
+            </a:r>
+            <a:r>
+              <a:rPr sz="700">
+                <a:solidFill>
+                  <a:srgbClr val="000000"/>
+                </a:solidFill>
+                <a:latin typeface="Arial"/>
+              </a:rPr>
+              <a:t> using double tilde for </a:t>
+            </a:r>
+            <a:r>
+              <a:rPr strike="sngStrike" sz="700">
+                <a:solidFill>
+                  <a:srgbClr val="000000"/>
+                </a:solidFill>
+                <a:latin typeface="Arial"/>
+              </a:rPr>
+              <a:t>deleted text</a:t>
+            </a:r>
+            <a:r>
+              <a:rPr sz="700">
+                <a:solidFill>
+                  <a:srgbClr val="000000"/>
+                </a:solidFill>
+                <a:latin typeface="Arial"/>
+              </a:rPr>
+              <a:t>.</a:t>
             </a:r>
           </a:p>
         </p:txBody>
@@ -11432,8 +11459,8 @@
         </p:nvSpPr>
         <p:spPr>
           <a:xfrm>
-            <a:off x="200025" y="2247899"/>
-            <a:ext cx="8943975" cy="695325"/>
+            <a:off x="200025" y="2257425"/>
+            <a:ext cx="8943975" cy="274320"/>
           </a:xfrm>
           <a:prstGeom prst="rect">
             <a:avLst/>
@@ -11447,6 +11474,9 @@
           <a:lstStyle/>
           <a:p>
             <a:pPr algn="l">
+              <a:lnSpc>
+                <a:spcPct val="120000"/>
+              </a:lnSpc>
               <a:spcBef>
                 <a:spcPts val="0"/>
               </a:spcBef>
@@ -11460,211 +11490,40 @@
               </a:defRPr>
             </a:pPr>
             <a:r>
-              <a:rPr sz="700">
-                <a:solidFill>
-                  <a:srgbClr val="000000"/>
-                </a:solidFill>
-                <a:latin typeface="Arial"/>
-              </a:rPr>
-              <a:t>• </a:t>
-            </a:r>
-            <a:r>
-              <a:rPr b="1" sz="700">
-                <a:solidFill>
-                  <a:srgbClr val="000000"/>
-                </a:solidFill>
-                <a:latin typeface="Arial"/>
-              </a:rPr>
-              <a:t>Bold with </a:t>
-            </a:r>
-            <a:r>
-              <a:rPr b="1" i="1" sz="700">
-                <a:solidFill>
-                  <a:srgbClr val="000000"/>
-                </a:solidFill>
-                <a:latin typeface="Arial"/>
-              </a:rPr>
-              <a:t>italic inside</a:t>
-            </a:r>
-            <a:r>
-              <a:rPr b="1" sz="700">
-                <a:solidFill>
-                  <a:srgbClr val="000000"/>
-                </a:solidFill>
-                <a:latin typeface="Arial"/>
-              </a:rPr>
-              <a:t> for emphasis</a:t>
-            </a:r>
-          </a:p>
-          <a:p>
-            <a:pPr algn="l">
-              <a:defRPr>
-                <a:solidFill>
-                  <a:srgbClr val="000000"/>
-                </a:solidFill>
-              </a:defRPr>
-            </a:pPr>
-            <a:r>
-              <a:rPr sz="700">
-                <a:solidFill>
-                  <a:srgbClr val="000000"/>
-                </a:solidFill>
-                <a:latin typeface="Arial"/>
-              </a:rPr>
-              <a:t>• </a:t>
-            </a:r>
-            <a:r>
-              <a:rPr i="1" sz="700">
-                <a:solidFill>
-                  <a:srgbClr val="000000"/>
-                </a:solidFill>
-                <a:latin typeface="Arial"/>
-              </a:rPr>
-              <a:t>Italic with </a:t>
-            </a:r>
-            <a:r>
-              <a:rPr i="1" b="1" sz="700">
-                <a:solidFill>
-                  <a:srgbClr val="000000"/>
-                </a:solidFill>
-                <a:latin typeface="Arial"/>
-              </a:rPr>
-              <a:t>bold inside</a:t>
-            </a:r>
-            <a:r>
-              <a:rPr i="1" sz="700">
-                <a:solidFill>
-                  <a:srgbClr val="000000"/>
-                </a:solidFill>
-                <a:latin typeface="Arial"/>
-              </a:rPr>
-              <a:t> for variety</a:t>
-            </a:r>
-          </a:p>
-          <a:p>
-            <a:pPr algn="l">
-              <a:defRPr>
-                <a:solidFill>
-                  <a:srgbClr val="000000"/>
-                </a:solidFill>
-              </a:defRPr>
-            </a:pPr>
-            <a:r>
-              <a:rPr sz="700">
-                <a:solidFill>
-                  <a:srgbClr val="000000"/>
-                </a:solidFill>
-                <a:latin typeface="Arial"/>
-              </a:rPr>
-              <a:t>• </a:t>
-            </a:r>
-            <a:r>
-              <a:rPr b="1" sz="700">
-                <a:solidFill>
-                  <a:srgbClr val="FF8C00"/>
-                </a:solidFill>
-                <a:latin typeface="Arial"/>
-              </a:rPr>
-              <a:t>Highlighted with </a:t>
-            </a:r>
-            <a:r>
-              <a:rPr b="1" sz="700">
-                <a:solidFill>
-                  <a:srgbClr val="FF8C00"/>
-                </a:solidFill>
-                <a:latin typeface="Arial"/>
-              </a:rPr>
-              <a:t>bold inside</a:t>
-            </a:r>
-            <a:r>
-              <a:rPr b="1" sz="700">
-                <a:solidFill>
-                  <a:srgbClr val="FF8C00"/>
-                </a:solidFill>
-                <a:latin typeface="Arial"/>
-              </a:rPr>
-              <a:t> for attention</a:t>
-            </a:r>
-          </a:p>
-          <a:p>
-            <a:pPr algn="l">
-              <a:defRPr>
-                <a:solidFill>
-                  <a:srgbClr val="000000"/>
-                </a:solidFill>
-              </a:defRPr>
-            </a:pPr>
-            <a:r>
-              <a:rPr sz="700">
-                <a:solidFill>
-                  <a:srgbClr val="000000"/>
-                </a:solidFill>
-                <a:latin typeface="Arial"/>
-              </a:rPr>
-              <a:t>• </a:t>
-            </a:r>
-            <a:r>
-              <a:rPr sz="700">
-                <a:solidFill>
-                  <a:srgbClr val="000000"/>
-                </a:solidFill>
-                <a:latin typeface="Arial"/>
-              </a:rPr>
-              <a:t>Underlined with </a:t>
-            </a:r>
-            <a:r>
-              <a:rPr b="1" sz="700">
-                <a:solidFill>
-                  <a:srgbClr val="000000"/>
-                </a:solidFill>
-                <a:latin typeface="Arial"/>
-              </a:rPr>
-              <a:t>bold inside</a:t>
-            </a:r>
-            <a:r>
-              <a:rPr sz="700">
-                <a:solidFill>
-                  <a:srgbClr val="000000"/>
-                </a:solidFill>
-                <a:latin typeface="Arial"/>
-              </a:rPr>
-              <a:t> for citations</a:t>
-            </a:r>
-          </a:p>
-          <a:p>
-            <a:pPr algn="l">
-              <a:defRPr>
-                <a:solidFill>
-                  <a:srgbClr val="000000"/>
-                </a:solidFill>
-              </a:defRPr>
-            </a:pPr>
-            <a:r>
-              <a:rPr sz="700">
-                <a:solidFill>
-                  <a:srgbClr val="000000"/>
-                </a:solidFill>
-                <a:latin typeface="Arial"/>
-              </a:rPr>
-              <a:t>• </a:t>
-            </a:r>
-            <a:r>
-              <a:rPr sz="800">
-                <a:solidFill>
-                  <a:srgbClr val="333333"/>
-                </a:solidFill>
-                <a:latin typeface="Courier New"/>
-              </a:rPr>
-              <a:t>Code with formatting</a:t>
-            </a:r>
-            <a:r>
-              <a:rPr sz="700">
-                <a:solidFill>
-                  <a:srgbClr val="000000"/>
-                </a:solidFill>
-                <a:latin typeface="Arial"/>
-              </a:rPr>
-              <a:t> (note: formatting preserved where possible)</a:t>
+              <a:rPr u="wavy" sz="700">
+                <a:solidFill>
+                  <a:srgbClr val="000000"/>
+                </a:solidFill>
+                <a:latin typeface="Arial"/>
+              </a:rPr>
+              <a:t>wavy underlined text</a:t>
+            </a:r>
+            <a:r>
+              <a:rPr sz="700">
+                <a:solidFill>
+                  <a:srgbClr val="000000"/>
+                </a:solidFill>
+                <a:latin typeface="Arial"/>
+              </a:rPr>
+              <a:t> using double caret for </a:t>
+            </a:r>
+            <a:r>
+              <a:rPr u="wavy" sz="700">
+                <a:solidFill>
+                  <a:srgbClr val="000000"/>
+                </a:solidFill>
+                <a:latin typeface="Arial"/>
+              </a:rPr>
+              <a:t>emphasized information</a:t>
+            </a:r>
+            <a:r>
+              <a:rPr sz="700">
+                <a:solidFill>
+                  <a:srgbClr val="000000"/>
+                </a:solidFill>
+                <a:latin typeface="Arial"/>
+              </a:rPr>
+              <a:t>.</a:t>
             </a:r>
           </a:p>
         </p:txBody>
@@ -11672,6 +11531,134 @@
       <p:sp>
         <p:nvSpPr>
           <p:cNvPr id="11" name="TextBox 10"/>
+          <p:cNvSpPr txBox="1"/>
+          <p:nvPr/>
+        </p:nvSpPr>
+        <p:spPr>
+          <a:xfrm>
+            <a:off x="200025" y="2486025"/>
+            <a:ext cx="8943975" cy="274320"/>
+          </a:xfrm>
+          <a:prstGeom prst="rect">
+            <a:avLst/>
+          </a:prstGeom>
+          <a:noFill/>
+        </p:spPr>
+        <p:txBody>
+          <a:bodyPr wrap="square" lIns="0" rIns="0" tIns="0" bIns="0">
+            <a:spAutoFit/>
+          </a:bodyPr>
+          <a:lstStyle/>
+          <a:p>
+            <a:pPr algn="l">
+              <a:lnSpc>
+                <a:spcPct val="120000"/>
+              </a:lnSpc>
+              <a:spcBef>
+                <a:spcPts val="0"/>
+              </a:spcBef>
+              <a:spcAft>
+                <a:spcPts val="0"/>
+              </a:spcAft>
+              <a:defRPr>
+                <a:solidFill>
+                  <a:srgbClr val="000000"/>
+                </a:solidFill>
+              </a:defRPr>
+            </a:pPr>
+            <a:r>
+              <a:rPr sz="700">
+                <a:solidFill>
+                  <a:srgbClr val="000000"/>
+                </a:solidFill>
+                <a:latin typeface="Arial"/>
+              </a:rPr>
+              <a:t>A sentence with a </a:t>
+            </a:r>
+            <a:r>
+              <a:rPr u="sng" sz="700">
+                <a:solidFill>
+                  <a:srgbClr val="0066CC"/>
+                </a:solidFill>
+                <a:latin typeface="Arial"/>
+                <a:hlinkClick r:id="rId2"/>
+              </a:rPr>
+              <a:t>Google</a:t>
+            </a:r>
+            <a:r>
+              <a:rPr sz="700">
+                <a:solidFill>
+                  <a:srgbClr val="000000"/>
+                </a:solidFill>
+                <a:latin typeface="Arial"/>
+              </a:rPr>
+              <a:t> hyperlink embedded.</a:t>
+            </a:r>
+          </a:p>
+        </p:txBody>
+      </p:sp>
+      <p:sp>
+        <p:nvSpPr>
+          <p:cNvPr id="12" name="TextBox 11"/>
+          <p:cNvSpPr txBox="1"/>
+          <p:nvPr/>
+        </p:nvSpPr>
+        <p:spPr>
+          <a:xfrm>
+            <a:off x="200025" y="2714625"/>
+            <a:ext cx="8943975" cy="274320"/>
+          </a:xfrm>
+          <a:prstGeom prst="rect">
+            <a:avLst/>
+          </a:prstGeom>
+          <a:noFill/>
+        </p:spPr>
+        <p:txBody>
+          <a:bodyPr wrap="square" lIns="0" rIns="0" tIns="0" bIns="0">
+            <a:spAutoFit/>
+          </a:bodyPr>
+          <a:lstStyle/>
+          <a:p>
+            <a:pPr algn="l">
+              <a:lnSpc>
+                <a:spcPct val="120000"/>
+              </a:lnSpc>
+              <a:spcBef>
+                <a:spcPts val="0"/>
+              </a:spcBef>
+              <a:spcAft>
+                <a:spcPts val="0"/>
+              </a:spcAft>
+              <a:defRPr>
+                <a:solidFill>
+                  <a:srgbClr val="000000"/>
+                </a:solidFill>
+              </a:defRPr>
+            </a:pPr>
+            <a:r>
+              <a:rPr sz="700">
+                <a:solidFill>
+                  <a:srgbClr val="FF0000"/>
+                </a:solidFill>
+                <a:latin typeface="Arial"/>
+              </a:rPr>
+              <a:t>Colorful text</a:t>
+            </a:r>
+            <a:r>
+              <a:rPr sz="700">
+                <a:solidFill>
+                  <a:srgbClr val="000000"/>
+                </a:solidFill>
+                <a:latin typeface="Arial"/>
+              </a:rPr>
+              <a:t> demonstrates inline color customization.</a:t>
+            </a:r>
+          </a:p>
+        </p:txBody>
+      </p:sp>
+      <p:sp>
+        <p:nvSpPr>
+          <p:cNvPr id="13" name="TextBox 12"/>
           <p:cNvSpPr txBox="1"/>
           <p:nvPr/>
         </p:nvSpPr>
@@ -11714,20 +11701,315 @@
                 </a:solidFill>
                 <a:latin typeface="Arial"/>
               </a:rPr>
-              <a:t>Real-World Examples</a:t>
+              <a:t>Advanced Combinations</a:t>
             </a:r>
           </a:p>
         </p:txBody>
       </p:sp>
       <p:sp>
         <p:nvSpPr>
-          <p:cNvPr id="12" name="TextBox 11"/>
+          <p:cNvPr id="14" name="TextBox 13"/>
           <p:cNvSpPr txBox="1"/>
           <p:nvPr/>
         </p:nvSpPr>
         <p:spPr>
           <a:xfrm>
-            <a:off x="200025" y="3152775"/>
+            <a:off x="200025" y="3162299"/>
+            <a:ext cx="8943975" cy="695325"/>
+          </a:xfrm>
+          <a:prstGeom prst="rect">
+            <a:avLst/>
+          </a:prstGeom>
+          <a:noFill/>
+        </p:spPr>
+        <p:txBody>
+          <a:bodyPr wrap="square" lIns="0" rIns="0" tIns="0" bIns="0">
+            <a:spAutoFit/>
+          </a:bodyPr>
+          <a:lstStyle/>
+          <a:p>
+            <a:pPr algn="l">
+              <a:spcBef>
+                <a:spcPts val="0"/>
+              </a:spcBef>
+              <a:spcAft>
+                <a:spcPts val="0"/>
+              </a:spcAft>
+              <a:defRPr>
+                <a:solidFill>
+                  <a:srgbClr val="000000"/>
+                </a:solidFill>
+              </a:defRPr>
+            </a:pPr>
+            <a:r>
+              <a:rPr sz="700">
+                <a:solidFill>
+                  <a:srgbClr val="000000"/>
+                </a:solidFill>
+                <a:latin typeface="Arial"/>
+              </a:rPr>
+              <a:t>• </a:t>
+            </a:r>
+            <a:r>
+              <a:rPr b="1" sz="700">
+                <a:solidFill>
+                  <a:srgbClr val="000000"/>
+                </a:solidFill>
+                <a:latin typeface="Arial"/>
+              </a:rPr>
+              <a:t>Bold with </a:t>
+            </a:r>
+            <a:r>
+              <a:rPr b="1" i="1" sz="700">
+                <a:solidFill>
+                  <a:srgbClr val="000000"/>
+                </a:solidFill>
+                <a:latin typeface="Arial"/>
+              </a:rPr>
+              <a:t>italic inside</a:t>
+            </a:r>
+            <a:r>
+              <a:rPr b="1" sz="700">
+                <a:solidFill>
+                  <a:srgbClr val="000000"/>
+                </a:solidFill>
+                <a:latin typeface="Arial"/>
+              </a:rPr>
+              <a:t> for emphasis</a:t>
+            </a:r>
+          </a:p>
+          <a:p>
+            <a:pPr algn="l">
+              <a:defRPr>
+                <a:solidFill>
+                  <a:srgbClr val="000000"/>
+                </a:solidFill>
+              </a:defRPr>
+            </a:pPr>
+            <a:r>
+              <a:rPr sz="700">
+                <a:solidFill>
+                  <a:srgbClr val="000000"/>
+                </a:solidFill>
+                <a:latin typeface="Arial"/>
+              </a:rPr>
+              <a:t>• </a:t>
+            </a:r>
+            <a:r>
+              <a:rPr i="1" sz="700">
+                <a:solidFill>
+                  <a:srgbClr val="000000"/>
+                </a:solidFill>
+                <a:latin typeface="Arial"/>
+              </a:rPr>
+              <a:t>Italic with </a:t>
+            </a:r>
+            <a:r>
+              <a:rPr i="1" b="1" sz="700">
+                <a:solidFill>
+                  <a:srgbClr val="000000"/>
+                </a:solidFill>
+                <a:latin typeface="Arial"/>
+              </a:rPr>
+              <a:t>bold inside</a:t>
+            </a:r>
+            <a:r>
+              <a:rPr i="1" sz="700">
+                <a:solidFill>
+                  <a:srgbClr val="000000"/>
+                </a:solidFill>
+                <a:latin typeface="Arial"/>
+              </a:rPr>
+              <a:t> for variety</a:t>
+            </a:r>
+          </a:p>
+          <a:p>
+            <a:pPr algn="l">
+              <a:defRPr>
+                <a:solidFill>
+                  <a:srgbClr val="000000"/>
+                </a:solidFill>
+              </a:defRPr>
+            </a:pPr>
+            <a:r>
+              <a:rPr sz="700">
+                <a:solidFill>
+                  <a:srgbClr val="000000"/>
+                </a:solidFill>
+                <a:latin typeface="Arial"/>
+              </a:rPr>
+              <a:t>• </a:t>
+            </a:r>
+            <a:r>
+              <a:rPr b="1" sz="700">
+                <a:solidFill>
+                  <a:srgbClr val="FF8C00"/>
+                </a:solidFill>
+                <a:latin typeface="Arial"/>
+              </a:rPr>
+              <a:t>Highlighted with </a:t>
+            </a:r>
+            <a:r>
+              <a:rPr b="1" sz="700">
+                <a:solidFill>
+                  <a:srgbClr val="FF8C00"/>
+                </a:solidFill>
+                <a:latin typeface="Arial"/>
+              </a:rPr>
+              <a:t>bold inside</a:t>
+            </a:r>
+            <a:r>
+              <a:rPr b="1" sz="700">
+                <a:solidFill>
+                  <a:srgbClr val="FF8C00"/>
+                </a:solidFill>
+                <a:latin typeface="Arial"/>
+              </a:rPr>
+              <a:t> for attention</a:t>
+            </a:r>
+          </a:p>
+          <a:p>
+            <a:pPr algn="l">
+              <a:defRPr>
+                <a:solidFill>
+                  <a:srgbClr val="000000"/>
+                </a:solidFill>
+              </a:defRPr>
+            </a:pPr>
+            <a:r>
+              <a:rPr sz="700">
+                <a:solidFill>
+                  <a:srgbClr val="000000"/>
+                </a:solidFill>
+                <a:latin typeface="Arial"/>
+              </a:rPr>
+              <a:t>• </a:t>
+            </a:r>
+            <a:r>
+              <a:rPr sz="700">
+                <a:solidFill>
+                  <a:srgbClr val="000000"/>
+                </a:solidFill>
+                <a:latin typeface="Arial"/>
+              </a:rPr>
+              <a:t>Underlined with </a:t>
+            </a:r>
+            <a:r>
+              <a:rPr b="1" sz="700">
+                <a:solidFill>
+                  <a:srgbClr val="000000"/>
+                </a:solidFill>
+                <a:latin typeface="Arial"/>
+              </a:rPr>
+              <a:t>bold inside</a:t>
+            </a:r>
+            <a:r>
+              <a:rPr sz="700">
+                <a:solidFill>
+                  <a:srgbClr val="000000"/>
+                </a:solidFill>
+                <a:latin typeface="Arial"/>
+              </a:rPr>
+              <a:t> for citations</a:t>
+            </a:r>
+          </a:p>
+          <a:p>
+            <a:pPr algn="l">
+              <a:defRPr>
+                <a:solidFill>
+                  <a:srgbClr val="000000"/>
+                </a:solidFill>
+              </a:defRPr>
+            </a:pPr>
+            <a:r>
+              <a:rPr sz="700">
+                <a:solidFill>
+                  <a:srgbClr val="000000"/>
+                </a:solidFill>
+                <a:latin typeface="Arial"/>
+              </a:rPr>
+              <a:t>• </a:t>
+            </a:r>
+            <a:r>
+              <a:rPr sz="800">
+                <a:solidFill>
+                  <a:srgbClr val="333333"/>
+                </a:solidFill>
+                <a:latin typeface="Courier New"/>
+              </a:rPr>
+              <a:t>Code with formatting</a:t>
+            </a:r>
+            <a:r>
+              <a:rPr sz="700">
+                <a:solidFill>
+                  <a:srgbClr val="000000"/>
+                </a:solidFill>
+                <a:latin typeface="Arial"/>
+              </a:rPr>
+              <a:t> (note: formatting preserved where possible)</a:t>
+            </a:r>
+          </a:p>
+        </p:txBody>
+      </p:sp>
+      <p:sp>
+        <p:nvSpPr>
+          <p:cNvPr id="15" name="TextBox 14"/>
+          <p:cNvSpPr txBox="1"/>
+          <p:nvPr/>
+        </p:nvSpPr>
+        <p:spPr>
+          <a:xfrm>
+            <a:off x="200025" y="3762374"/>
+            <a:ext cx="8943975" cy="304800"/>
+          </a:xfrm>
+          <a:prstGeom prst="rect">
+            <a:avLst/>
+          </a:prstGeom>
+          <a:noFill/>
+        </p:spPr>
+        <p:txBody>
+          <a:bodyPr wrap="square" lIns="0" rIns="0" tIns="0" bIns="0">
+            <a:spAutoFit/>
+          </a:bodyPr>
+          <a:lstStyle/>
+          <a:p>
+            <a:pPr algn="l">
+              <a:lnSpc>
+                <a:spcPct val="120000"/>
+              </a:lnSpc>
+              <a:spcBef>
+                <a:spcPts val="0"/>
+              </a:spcBef>
+              <a:spcAft>
+                <a:spcPts val="0"/>
+              </a:spcAft>
+              <a:defRPr>
+                <a:solidFill>
+                  <a:srgbClr val="000000"/>
+                </a:solidFill>
+              </a:defRPr>
+            </a:pPr>
+            <a:r>
+              <a:rPr sz="900" b="1">
+                <a:solidFill>
+                  <a:srgbClr val="000000"/>
+                </a:solidFill>
+                <a:latin typeface="Arial"/>
+              </a:rPr>
+              <a:t>Real-World Examples</a:t>
+            </a:r>
+          </a:p>
+        </p:txBody>
+      </p:sp>
+      <p:sp>
+        <p:nvSpPr>
+          <p:cNvPr id="16" name="TextBox 15"/>
+          <p:cNvSpPr txBox="1"/>
+          <p:nvPr/>
+        </p:nvSpPr>
+        <p:spPr>
+          <a:xfrm>
+            <a:off x="200025" y="4067174"/>
             <a:ext cx="8943975" cy="274320"/>
           </a:xfrm>
           <a:prstGeom prst="rect">
@@ -11861,13 +12143,13 @@
       </p:sp>
       <p:sp>
         <p:nvSpPr>
-          <p:cNvPr id="13" name="TextBox 12"/>
+          <p:cNvPr id="17" name="TextBox 16"/>
           <p:cNvSpPr txBox="1"/>
           <p:nvPr/>
         </p:nvSpPr>
         <p:spPr>
           <a:xfrm>
-            <a:off x="200025" y="3390899"/>
+            <a:off x="200025" y="4305300"/>
             <a:ext cx="8943975" cy="274320"/>
           </a:xfrm>
           <a:prstGeom prst="rect">
@@ -12065,8 +12347,8 @@
         </p:nvSpPr>
         <p:spPr>
           <a:xfrm>
-            <a:off x="276225" y="571500"/>
-            <a:ext cx="8867775" cy="274320"/>
+            <a:off x="228600" y="571500"/>
+            <a:ext cx="8915400" cy="274320"/>
           </a:xfrm>
           <a:prstGeom prst="rect">
             <a:avLst/>
@@ -12115,7 +12397,7 @@
         </p:nvSpPr>
         <p:spPr>
           <a:xfrm>
-            <a:off x="276225" y="838200"/>
+            <a:off x="228600" y="838200"/>
             <a:ext cx="1800225" cy="1628775"/>
           </a:xfrm>
           <a:prstGeom prst="rect">
@@ -12149,7 +12431,7 @@
           <p:nvPr/>
         </p:nvGraphicFramePr>
         <p:xfrm>
-          <a:off x="276225" y="838200"/>
+          <a:off x="228600" y="838200"/>
           <a:ext cx="1978854" cy="1571625"/>
         </p:xfrm>
         <a:graphic>
@@ -12951,8 +13233,8 @@
         </p:nvSpPr>
         <p:spPr>
           <a:xfrm>
-            <a:off x="2533649" y="590549"/>
-            <a:ext cx="6610349" cy="274320"/>
+            <a:off x="2181225" y="590549"/>
+            <a:ext cx="6962775" cy="274320"/>
           </a:xfrm>
           <a:prstGeom prst="rect">
             <a:avLst/>
@@ -13001,8 +13283,8 @@
         </p:nvSpPr>
         <p:spPr>
           <a:xfrm>
-            <a:off x="2533649" y="857250"/>
-            <a:ext cx="6610349" cy="274320"/>
+            <a:off x="2181225" y="857250"/>
+            <a:ext cx="6962775" cy="274320"/>
           </a:xfrm>
           <a:prstGeom prst="rect">
             <a:avLst/>

--- a/output/comprehensive_demo_default.pptx
+++ b/output/comprehensive_demo_default.pptx
@@ -10771,8 +10771,8 @@
         </p:nvSpPr>
         <p:spPr>
           <a:xfrm>
-            <a:off x="5619750" y="590549"/>
-            <a:ext cx="3524250" cy="274320"/>
+            <a:off x="4648200" y="590549"/>
+            <a:ext cx="4495799" cy="274320"/>
           </a:xfrm>
           <a:prstGeom prst="rect">
             <a:avLst/>
@@ -10821,8 +10821,8 @@
         </p:nvSpPr>
         <p:spPr>
           <a:xfrm>
-            <a:off x="5619750" y="857250"/>
-            <a:ext cx="3524250" cy="342900"/>
+            <a:off x="4648200" y="857250"/>
+            <a:ext cx="4495799" cy="342900"/>
           </a:xfrm>
           <a:prstGeom prst="rect">
             <a:avLst/>
@@ -13233,8 +13233,8 @@
         </p:nvSpPr>
         <p:spPr>
           <a:xfrm>
-            <a:off x="2181225" y="590549"/>
-            <a:ext cx="6962775" cy="274320"/>
+            <a:off x="4648200" y="590549"/>
+            <a:ext cx="4495799" cy="274320"/>
           </a:xfrm>
           <a:prstGeom prst="rect">
             <a:avLst/>
@@ -13283,8 +13283,8 @@
         </p:nvSpPr>
         <p:spPr>
           <a:xfrm>
-            <a:off x="2181225" y="857250"/>
-            <a:ext cx="6962775" cy="274320"/>
+            <a:off x="4648200" y="857250"/>
+            <a:ext cx="4495799" cy="342900"/>
           </a:xfrm>
           <a:prstGeom prst="rect">
             <a:avLst/>

--- a/output/comprehensive_demo_default.pptx
+++ b/output/comprehensive_demo_default.pptx
@@ -4508,7 +4508,7 @@
         <p:spPr>
           <a:xfrm>
             <a:off x="200025" y="2809875"/>
-            <a:ext cx="8943975" cy="685800"/>
+            <a:ext cx="8943975" cy="814387"/>
           </a:xfrm>
           <a:prstGeom prst="rect">
             <a:avLst/>
@@ -4844,8 +4844,7 @@
                 </a:solidFill>
                 <a:latin typeface="Arial"/>
               </a:rPr>
-              <a:t>: Columns distributed equally regardless of content
-</a:t>
+              <a:t>: Columns distributed equally regardless of content </a:t>
             </a:r>
             <a:r>
               <a:rPr b="1" sz="1000">
@@ -4953,8 +4952,7 @@
                 </a:solidFill>
                 <a:latin typeface="Arial"/>
               </a:rPr>
-              <a:t> due to equal distribution
-</a:t>
+              <a:t> due to equal distribution </a:t>
             </a:r>
             <a:r>
               <a:rPr b="1" sz="1000">
@@ -5071,8 +5069,7 @@
                 </a:solidFill>
                 <a:latin typeface="Arial"/>
               </a:rPr>
-              <a:t>: Black borders invisible on dark background
-</a:t>
+              <a:t>: Black borders invisible on dark background </a:t>
             </a:r>
             <a:r>
               <a:rPr b="1" sz="1000">
@@ -5162,8 +5159,7 @@
                 </a:solidFill>
                 <a:latin typeface="Arial"/>
               </a:rPr>
-              <a:t>) for visibility
-</a:t>
+              <a:t>) for visibility </a:t>
             </a:r>
             <a:r>
               <a:rPr b="1" sz="1000">
@@ -6390,7 +6386,7 @@
         <p:spPr>
           <a:xfrm>
             <a:off x="200025" y="2809875"/>
-            <a:ext cx="8943975" cy="571500"/>
+            <a:ext cx="8943975" cy="678180"/>
           </a:xfrm>
           <a:prstGeom prst="rect">
             <a:avLst/>
@@ -6692,7 +6688,7 @@
         <p:spPr>
           <a:xfrm>
             <a:off x="200025" y="876299"/>
-            <a:ext cx="8943975" cy="800100"/>
+            <a:ext cx="8943975" cy="950595"/>
           </a:xfrm>
           <a:prstGeom prst="rect">
             <a:avLst/>
@@ -6955,7 +6951,7 @@
         </p:nvSpPr>
         <p:spPr>
           <a:xfrm>
-            <a:off x="200025" y="1581149"/>
+            <a:off x="200025" y="1731645"/>
             <a:ext cx="8943975" cy="304800"/>
           </a:xfrm>
           <a:prstGeom prst="rect">
@@ -7000,7 +6996,7 @@
         </p:nvSpPr>
         <p:spPr>
           <a:xfrm>
-            <a:off x="200025" y="1885950"/>
+            <a:off x="200025" y="2036445"/>
             <a:ext cx="8943975" cy="274320"/>
           </a:xfrm>
           <a:prstGeom prst="rect">
@@ -7063,8 +7059,8 @@
         </p:nvSpPr>
         <p:spPr>
           <a:xfrm>
-            <a:off x="200025" y="2114550"/>
-            <a:ext cx="8943975" cy="685800"/>
+            <a:off x="200025" y="2265045"/>
+            <a:ext cx="8943975" cy="814387"/>
           </a:xfrm>
           <a:prstGeom prst="rect">
             <a:avLst/>
@@ -7288,7 +7284,7 @@
         </p:nvSpPr>
         <p:spPr>
           <a:xfrm>
-            <a:off x="200025" y="2800350"/>
+            <a:off x="200025" y="3079432"/>
             <a:ext cx="8943975" cy="274320"/>
           </a:xfrm>
           <a:prstGeom prst="rect">
@@ -7555,14 +7551,7 @@
                 </a:solidFill>
                 <a:latin typeface="Courier New"/>
               </a:rPr>
-              <a:t>from slide_generator.generator import SlideGenerator
-# Basic usage
-generator = SlideGenerator()
-generator.generate(markdown_content, "output.pptx")
-# With theme support
-generator = SlideGenerator(theme="dark")
-generator.generate(markdown_content, "dark_presentation.pptx")
-</a:t>
+              <a:t>from slide_generator.generator import SlideGenerator # Basic usage generator = SlideGenerator() generator.generate(markdown_content, "output.pptx") # With theme support generator = SlideGenerator(theme="dark") generator.generate(markdown_content, "dark_presentation.pptx") </a:t>
             </a:r>
           </a:p>
         </p:txBody>
@@ -7621,7 +7610,7 @@
         <p:spPr>
           <a:xfrm>
             <a:off x="200025" y="3152775"/>
-            <a:ext cx="8943975" cy="581025"/>
+            <a:ext cx="8943975" cy="687705"/>
           </a:xfrm>
           <a:prstGeom prst="rect">
             <a:avLst/>
@@ -7797,7 +7786,7 @@
         </p:nvSpPr>
         <p:spPr>
           <a:xfrm>
-            <a:off x="200025" y="3733799"/>
+            <a:off x="200025" y="3840479"/>
             <a:ext cx="8943975" cy="274320"/>
           </a:xfrm>
           <a:prstGeom prst="rect">
@@ -12127,7 +12116,7 @@
         <p:spPr>
           <a:xfrm>
             <a:off x="200025" y="3152775"/>
-            <a:ext cx="8943975" cy="695325"/>
+            <a:ext cx="8943975" cy="823912"/>
           </a:xfrm>
           <a:prstGeom prst="rect">
             <a:avLst/>
@@ -12342,7 +12331,7 @@
         </p:nvSpPr>
         <p:spPr>
           <a:xfrm>
-            <a:off x="200025" y="3752849"/>
+            <a:off x="200025" y="3881437"/>
             <a:ext cx="8943975" cy="304800"/>
           </a:xfrm>
           <a:prstGeom prst="rect">
@@ -12387,7 +12376,7 @@
         </p:nvSpPr>
         <p:spPr>
           <a:xfrm>
-            <a:off x="200025" y="4057650"/>
+            <a:off x="200025" y="4186237"/>
             <a:ext cx="8943975" cy="274320"/>
           </a:xfrm>
           <a:prstGeom prst="rect">
@@ -12522,7 +12511,7 @@
         </p:nvSpPr>
         <p:spPr>
           <a:xfrm>
-            <a:off x="200025" y="4295774"/>
+            <a:off x="200025" y="4424362"/>
             <a:ext cx="8943975" cy="274320"/>
           </a:xfrm>
           <a:prstGeom prst="rect">
@@ -16466,7 +16455,7 @@
         <p:spPr>
           <a:xfrm>
             <a:off x="200025" y="4371975"/>
-            <a:ext cx="8943975" cy="457200"/>
+            <a:ext cx="8943975" cy="541972"/>
           </a:xfrm>
           <a:prstGeom prst="rect">
             <a:avLst/>
@@ -16729,7 +16718,7 @@
         <p:spPr>
           <a:xfrm>
             <a:off x="200025" y="876299"/>
-            <a:ext cx="8943975" cy="571500"/>
+            <a:ext cx="8943975" cy="678180"/>
           </a:xfrm>
           <a:prstGeom prst="rect">
             <a:avLst/>
@@ -16878,7 +16867,7 @@
         </p:nvSpPr>
         <p:spPr>
           <a:xfrm>
-            <a:off x="200025" y="1352549"/>
+            <a:off x="200025" y="1459230"/>
             <a:ext cx="8943975" cy="304800"/>
           </a:xfrm>
           <a:prstGeom prst="rect">
@@ -16923,8 +16912,8 @@
         </p:nvSpPr>
         <p:spPr>
           <a:xfrm>
-            <a:off x="200025" y="1657350"/>
-            <a:ext cx="8943975" cy="571500"/>
+            <a:off x="200025" y="1764029"/>
+            <a:ext cx="8943975" cy="678180"/>
           </a:xfrm>
           <a:prstGeom prst="rect">
             <a:avLst/>
@@ -17223,15 +17212,7 @@
                 </a:solidFill>
                 <a:latin typeface="Courier New"/>
               </a:rPr>
-              <a:t>def fibonacci(n):
-    if n &lt;= 1:
-        return n
-    return fibonacci(n-1) + fibonacci(n-2)
-# Generate sequence
-for i in range(10):
-    result = fibonacci(i)
-    print(f"F({i}) = {result}")
-</a:t>
+              <a:t>def fibonacci(n):     if n &lt;= 1:         return n     return fibonacci(n-1) + fibonacci(n-2) # Generate sequence for i in range(10):     result = fibonacci(i)     print(f"F({i}) = {result}") </a:t>
             </a:r>
           </a:p>
         </p:txBody>
@@ -17323,16 +17304,7 @@
                 </a:solidFill>
                 <a:latin typeface="Courier New"/>
               </a:rPr>
-              <a:t>async function fetchUserData(userId) {
-    try {
-        const response = await fetch(`/api/users/${userId}`);
-        return await response.json();
-    } catch (error) {
-        console.error('Failed to fetch user data:', error);
-        throw error;
-    }
-}
-</a:t>
+              <a:t>async function fetchUserData(userId) {     try {         const response = await fetch(`/api/users/${userId}`);         return await response.json();     } catch (error) {         console.error('Failed to fetch user data:', error);         throw error;     } } </a:t>
             </a:r>
           </a:p>
         </p:txBody>
@@ -17450,18 +17422,7 @@
                 </a:solidFill>
                 <a:latin typeface="Courier New"/>
               </a:rPr>
-              <a:t>-- Complex query with joins and aggregation
-SELECT 
-    u.username,
-    COUNT(p.id) as post_count,
-    AVG(p.rating) as avg_rating
-FROM users u
-LEFT JOIN posts p ON u.id = p.user_id
-WHERE u.created_at &gt;= '2024-01-01'
-GROUP BY u.id, u.username
-HAVING COUNT(p.id) &gt; 5
-ORDER BY avg_rating DESC;
-</a:t>
+              <a:t>-- Complex query with joins and aggregation SELECT      u.username,     COUNT(p.id) as post_count,     AVG(p.rating) as avg_rating FROM users u LEFT JOIN posts p ON u.id = p.user_id WHERE u.created_at &gt;= '2024-01-01' GROUP BY u.id, u.username HAVING COUNT(p.id) &gt; 5 ORDER BY avg_rating DESC; </a:t>
             </a:r>
           </a:p>
         </p:txBody>
@@ -17591,7 +17552,7 @@
         <p:spPr>
           <a:xfrm>
             <a:off x="200025" y="876299"/>
-            <a:ext cx="8943975" cy="809625"/>
+            <a:ext cx="8943975" cy="960119"/>
           </a:xfrm>
           <a:prstGeom prst="rect">
             <a:avLst/>
@@ -17800,7 +17761,7 @@
         </p:nvSpPr>
         <p:spPr>
           <a:xfrm>
-            <a:off x="200025" y="1590675"/>
+            <a:off x="200025" y="1741170"/>
             <a:ext cx="8943975" cy="304800"/>
           </a:xfrm>
           <a:prstGeom prst="rect">
@@ -17845,8 +17806,8 @@
         </p:nvSpPr>
         <p:spPr>
           <a:xfrm>
-            <a:off x="200025" y="1895474"/>
-            <a:ext cx="8943975" cy="1504950"/>
+            <a:off x="200025" y="2045969"/>
+            <a:ext cx="8943975" cy="1786890"/>
           </a:xfrm>
           <a:prstGeom prst="rect">
             <a:avLst/>
@@ -19440,7 +19401,7 @@
         <p:spPr>
           <a:xfrm>
             <a:off x="200025" y="3448049"/>
-            <a:ext cx="8943975" cy="685800"/>
+            <a:ext cx="8943975" cy="814387"/>
           </a:xfrm>
           <a:prstGeom prst="rect">
             <a:avLst/>
@@ -19799,7 +19760,7 @@
         <p:spPr>
           <a:xfrm>
             <a:off x="200025" y="1104900"/>
-            <a:ext cx="8943975" cy="571500"/>
+            <a:ext cx="8943975" cy="678180"/>
           </a:xfrm>
           <a:prstGeom prst="rect">
             <a:avLst/>
@@ -19984,7 +19945,7 @@
         </p:nvSpPr>
         <p:spPr>
           <a:xfrm>
-            <a:off x="200025" y="1581149"/>
+            <a:off x="200025" y="1687830"/>
             <a:ext cx="8943975" cy="304800"/>
           </a:xfrm>
           <a:prstGeom prst="rect">
@@ -20029,8 +19990,8 @@
         </p:nvSpPr>
         <p:spPr>
           <a:xfrm>
-            <a:off x="200025" y="1885950"/>
-            <a:ext cx="8943975" cy="571500"/>
+            <a:off x="200025" y="1992629"/>
+            <a:ext cx="8943975" cy="678180"/>
           </a:xfrm>
           <a:prstGeom prst="rect">
             <a:avLst/>

--- a/output/comprehensive_demo_default.pptx
+++ b/output/comprehensive_demo_default.pptx
@@ -28,6 +28,7 @@
     <p:sldId id="276" r:id="rId27"/>
     <p:sldId id="277" r:id="rId28"/>
     <p:sldId id="278" r:id="rId29"/>
+    <p:sldId id="279" r:id="rId30"/>
   </p:sldIdLst>
   <p:sldSz cx="9144000" cy="5143500" type="screen4x3"/>
   <p:notesSz cx="6858000" cy="9144000"/>
@@ -3404,7 +3405,7 @@
         </p:nvSpPr>
         <p:spPr>
           <a:xfrm>
-            <a:off x="228600" y="647699"/>
+            <a:off x="247649" y="647699"/>
             <a:ext cx="137160" cy="466724"/>
           </a:xfrm>
           <a:prstGeom prst="rect">
@@ -3447,8 +3448,8 @@
         </p:nvSpPr>
         <p:spPr>
           <a:xfrm>
-            <a:off x="365760" y="647699"/>
-            <a:ext cx="4130039" cy="466724"/>
+            <a:off x="384809" y="647699"/>
+            <a:ext cx="4139565" cy="466724"/>
           </a:xfrm>
           <a:prstGeom prst="rect">
             <a:avLst/>
@@ -3512,7 +3513,7 @@
         </p:nvSpPr>
         <p:spPr>
           <a:xfrm>
-            <a:off x="4648200" y="647699"/>
+            <a:off x="4619625" y="647699"/>
             <a:ext cx="137160" cy="466724"/>
           </a:xfrm>
           <a:prstGeom prst="rect">
@@ -3555,8 +3556,8 @@
         </p:nvSpPr>
         <p:spPr>
           <a:xfrm>
-            <a:off x="4785360" y="647699"/>
-            <a:ext cx="4130039" cy="466724"/>
+            <a:off x="4756785" y="647699"/>
+            <a:ext cx="4139565" cy="466724"/>
           </a:xfrm>
           <a:prstGeom prst="rect">
             <a:avLst/>
@@ -3736,8 +3737,8 @@
         </p:nvSpPr>
         <p:spPr>
           <a:xfrm>
-            <a:off x="200025" y="885825"/>
-            <a:ext cx="4486275" cy="2038349"/>
+            <a:off x="200025" y="876299"/>
+            <a:ext cx="4495799" cy="2038349"/>
           </a:xfrm>
           <a:prstGeom prst="rect">
             <a:avLst/>
@@ -3770,8 +3771,8 @@
           <p:nvPr/>
         </p:nvGraphicFramePr>
         <p:xfrm>
-          <a:off x="200025" y="885825"/>
-          <a:ext cx="4930317" cy="1981200"/>
+          <a:off x="200025" y="876299"/>
+          <a:ext cx="4934902" cy="1981200"/>
         </p:xfrm>
         <a:graphic>
           <a:graphicData uri="http://schemas.openxmlformats.org/drawingml/2006/table">
@@ -3811,8 +3812,8 @@
                 </a:tblBorders>
               </a:tblPr>
               <a:tblGrid>
-                <a:gridCol w="1022456"/>
-                <a:gridCol w="1634244"/>
+                <a:gridCol w="1026795"/>
+                <a:gridCol w="1634490"/>
                 <a:gridCol w="2273617"/>
               </a:tblGrid>
               <a:tr h="396240">
@@ -4770,7 +4771,7 @@
         </p:nvSpPr>
         <p:spPr>
           <a:xfrm>
-            <a:off x="200025" y="2924175"/>
+            <a:off x="200025" y="2914650"/>
             <a:ext cx="8943975" cy="304800"/>
           </a:xfrm>
           <a:prstGeom prst="rect">
@@ -4815,7 +4816,7 @@
         </p:nvSpPr>
         <p:spPr>
           <a:xfrm>
-            <a:off x="200025" y="3228975"/>
+            <a:off x="200025" y="3219449"/>
             <a:ext cx="8943975" cy="274320"/>
           </a:xfrm>
           <a:prstGeom prst="rect">
@@ -4860,7 +4861,7 @@
         </p:nvSpPr>
         <p:spPr>
           <a:xfrm>
-            <a:off x="200025" y="3457575"/>
+            <a:off x="200025" y="3448049"/>
             <a:ext cx="8943975" cy="814387"/>
           </a:xfrm>
           <a:prstGeom prst="rect">
@@ -5156,7 +5157,7 @@
         </p:nvSpPr>
         <p:spPr>
           <a:xfrm>
-            <a:off x="200025" y="885825"/>
+            <a:off x="200025" y="876299"/>
             <a:ext cx="8943975" cy="274320"/>
           </a:xfrm>
           <a:prstGeom prst="rect">
@@ -5219,7 +5220,7 @@
         </p:nvSpPr>
         <p:spPr>
           <a:xfrm>
-            <a:off x="200025" y="1114425"/>
+            <a:off x="200025" y="1104900"/>
             <a:ext cx="8943975" cy="678180"/>
           </a:xfrm>
           <a:prstGeom prst="rect">
@@ -5405,7 +5406,7 @@
         </p:nvSpPr>
         <p:spPr>
           <a:xfrm>
-            <a:off x="200025" y="1697354"/>
+            <a:off x="200025" y="1687830"/>
             <a:ext cx="8943975" cy="304800"/>
           </a:xfrm>
           <a:prstGeom prst="rect">
@@ -5450,7 +5451,7 @@
         </p:nvSpPr>
         <p:spPr>
           <a:xfrm>
-            <a:off x="200025" y="2002155"/>
+            <a:off x="200025" y="1992629"/>
             <a:ext cx="8943975" cy="678180"/>
           </a:xfrm>
           <a:prstGeom prst="rect">
@@ -5716,8 +5717,8 @@
         </p:nvSpPr>
         <p:spPr>
           <a:xfrm>
-            <a:off x="200025" y="885825"/>
-            <a:ext cx="2409825" cy="1628775"/>
+            <a:off x="200025" y="876299"/>
+            <a:ext cx="2419349" cy="1628775"/>
           </a:xfrm>
           <a:prstGeom prst="rect">
             <a:avLst/>
@@ -5750,8 +5751,8 @@
           <p:nvPr/>
         </p:nvGraphicFramePr>
         <p:xfrm>
-          <a:off x="200025" y="885825"/>
-          <a:ext cx="2640738" cy="1571625"/>
+          <a:off x="200025" y="876299"/>
+          <a:ext cx="2650807" cy="1571625"/>
         </p:xfrm>
         <a:graphic>
           <a:graphicData uri="http://schemas.openxmlformats.org/drawingml/2006/table">
@@ -5791,9 +5792,9 @@
                 </a:tblBorders>
               </a:tblPr>
               <a:tblGrid>
-                <a:gridCol w="945021"/>
-                <a:gridCol w="480737"/>
-                <a:gridCol w="1214980"/>
+                <a:gridCol w="953452"/>
+                <a:gridCol w="481965"/>
+                <a:gridCol w="1215390"/>
               </a:tblGrid>
               <a:tr h="314325">
                 <a:tc>
@@ -6732,7 +6733,7 @@
         </p:nvSpPr>
         <p:spPr>
           <a:xfrm>
-            <a:off x="200025" y="2514600"/>
+            <a:off x="200025" y="2505074"/>
             <a:ext cx="8943975" cy="304800"/>
           </a:xfrm>
           <a:prstGeom prst="rect">
@@ -6777,7 +6778,7 @@
         </p:nvSpPr>
         <p:spPr>
           <a:xfrm>
-            <a:off x="200025" y="2819399"/>
+            <a:off x="200025" y="2809875"/>
             <a:ext cx="8943975" cy="814387"/>
           </a:xfrm>
           <a:prstGeom prst="rect">
@@ -7073,7 +7074,7 @@
         </p:nvSpPr>
         <p:spPr>
           <a:xfrm>
-            <a:off x="200025" y="885825"/>
+            <a:off x="200025" y="876299"/>
             <a:ext cx="8943975" cy="274320"/>
           </a:xfrm>
           <a:prstGeom prst="rect">
@@ -7145,7 +7146,7 @@
         </p:nvSpPr>
         <p:spPr>
           <a:xfrm>
-            <a:off x="200025" y="1114425"/>
+            <a:off x="200025" y="1104900"/>
             <a:ext cx="8943975" cy="274320"/>
           </a:xfrm>
           <a:prstGeom prst="rect">
@@ -7253,7 +7254,7 @@
         </p:nvSpPr>
         <p:spPr>
           <a:xfrm>
-            <a:off x="200025" y="1257300"/>
+            <a:off x="200025" y="1247775"/>
             <a:ext cx="8943975" cy="304800"/>
           </a:xfrm>
           <a:prstGeom prst="rect">
@@ -7298,7 +7299,7 @@
         </p:nvSpPr>
         <p:spPr>
           <a:xfrm>
-            <a:off x="200025" y="1562100"/>
+            <a:off x="200025" y="1552574"/>
             <a:ext cx="8943975" cy="274320"/>
           </a:xfrm>
           <a:prstGeom prst="rect">
@@ -7370,7 +7371,7 @@
         </p:nvSpPr>
         <p:spPr>
           <a:xfrm>
-            <a:off x="200025" y="1790700"/>
+            <a:off x="200025" y="1781174"/>
             <a:ext cx="8943975" cy="274320"/>
           </a:xfrm>
           <a:prstGeom prst="rect">
@@ -7594,8 +7595,8 @@
         </p:nvSpPr>
         <p:spPr>
           <a:xfrm>
-            <a:off x="200025" y="885825"/>
-            <a:ext cx="2647949" cy="1628775"/>
+            <a:off x="200025" y="876299"/>
+            <a:ext cx="2657475" cy="1628775"/>
           </a:xfrm>
           <a:prstGeom prst="rect">
             <a:avLst/>
@@ -7628,8 +7629,8 @@
           <p:nvPr/>
         </p:nvGraphicFramePr>
         <p:xfrm>
-          <a:off x="200025" y="885825"/>
-          <a:ext cx="2902675" cy="1571625"/>
+          <a:off x="200025" y="876299"/>
+          <a:ext cx="2912744" cy="1571625"/>
         </p:xfrm>
         <a:graphic>
           <a:graphicData uri="http://schemas.openxmlformats.org/drawingml/2006/table">
@@ -7669,9 +7670,9 @@
                 </a:tblBorders>
               </a:tblPr>
               <a:tblGrid>
-                <a:gridCol w="853752"/>
-                <a:gridCol w="1014762"/>
-                <a:gridCol w="1034161"/>
+                <a:gridCol w="859155"/>
+                <a:gridCol w="1016317"/>
+                <a:gridCol w="1037272"/>
               </a:tblGrid>
               <a:tr h="314325">
                 <a:tc>
@@ -8610,7 +8611,7 @@
         </p:nvSpPr>
         <p:spPr>
           <a:xfrm>
-            <a:off x="200025" y="2514600"/>
+            <a:off x="200025" y="2505074"/>
             <a:ext cx="8943975" cy="304800"/>
           </a:xfrm>
           <a:prstGeom prst="rect">
@@ -8655,7 +8656,7 @@
         </p:nvSpPr>
         <p:spPr>
           <a:xfrm>
-            <a:off x="200025" y="2819399"/>
+            <a:off x="200025" y="2809875"/>
             <a:ext cx="8943975" cy="678180"/>
           </a:xfrm>
           <a:prstGeom prst="rect">
@@ -8957,7 +8958,7 @@
         </p:nvSpPr>
         <p:spPr>
           <a:xfrm>
-            <a:off x="200025" y="885825"/>
+            <a:off x="200025" y="876299"/>
             <a:ext cx="8943975" cy="950595"/>
           </a:xfrm>
           <a:prstGeom prst="rect">
@@ -9221,7 +9222,7 @@
         </p:nvSpPr>
         <p:spPr>
           <a:xfrm>
-            <a:off x="200025" y="1741170"/>
+            <a:off x="200025" y="1731645"/>
             <a:ext cx="8943975" cy="304800"/>
           </a:xfrm>
           <a:prstGeom prst="rect">
@@ -9266,7 +9267,7 @@
         </p:nvSpPr>
         <p:spPr>
           <a:xfrm>
-            <a:off x="200025" y="2045969"/>
+            <a:off x="200025" y="2036445"/>
             <a:ext cx="8943975" cy="274320"/>
           </a:xfrm>
           <a:prstGeom prst="rect">
@@ -9329,7 +9330,7 @@
         </p:nvSpPr>
         <p:spPr>
           <a:xfrm>
-            <a:off x="200025" y="2274570"/>
+            <a:off x="200025" y="2265045"/>
             <a:ext cx="8943975" cy="814387"/>
           </a:xfrm>
           <a:prstGeom prst="rect">
@@ -9554,7 +9555,7 @@
         </p:nvSpPr>
         <p:spPr>
           <a:xfrm>
-            <a:off x="200025" y="3088957"/>
+            <a:off x="200025" y="3079432"/>
             <a:ext cx="8943975" cy="274320"/>
           </a:xfrm>
           <a:prstGeom prst="rect">
@@ -9742,7 +9743,7 @@
         </p:nvSpPr>
         <p:spPr>
           <a:xfrm>
-            <a:off x="200025" y="885825"/>
+            <a:off x="200025" y="876299"/>
             <a:ext cx="8943975" cy="274320"/>
           </a:xfrm>
           <a:prstGeom prst="rect">
@@ -9787,8 +9788,8 @@
         </p:nvSpPr>
         <p:spPr>
           <a:xfrm>
-            <a:off x="200025" y="1152524"/>
-            <a:ext cx="8943975" cy="1904999"/>
+            <a:off x="200025" y="1143000"/>
+            <a:ext cx="8943975" cy="1838324"/>
           </a:xfrm>
           <a:prstGeom prst="rect">
             <a:avLst/>
@@ -9834,7 +9835,7 @@
         </p:nvSpPr>
         <p:spPr>
           <a:xfrm>
-            <a:off x="200025" y="2924175"/>
+            <a:off x="200025" y="2847974"/>
             <a:ext cx="8943975" cy="304800"/>
           </a:xfrm>
           <a:prstGeom prst="rect">
@@ -9879,7 +9880,7 @@
         </p:nvSpPr>
         <p:spPr>
           <a:xfrm>
-            <a:off x="200025" y="3228975"/>
+            <a:off x="200025" y="3152775"/>
             <a:ext cx="8943975" cy="687705"/>
           </a:xfrm>
           <a:prstGeom prst="rect">
@@ -10056,7 +10057,7 @@
         </p:nvSpPr>
         <p:spPr>
           <a:xfrm>
-            <a:off x="200025" y="3916680"/>
+            <a:off x="200025" y="3840479"/>
             <a:ext cx="8943975" cy="274320"/>
           </a:xfrm>
           <a:prstGeom prst="rect">
@@ -10186,6 +10187,599 @@
                 </a:solidFill>
                 <a:latin typeface="Arial"/>
               </a:rPr>
+              <a:t>🧮 Math Equations Support</a:t>
+            </a:r>
+          </a:p>
+        </p:txBody>
+      </p:sp>
+      <p:sp>
+        <p:nvSpPr>
+          <p:cNvPr id="3" name="TextBox 2"/>
+          <p:cNvSpPr txBox="1"/>
+          <p:nvPr/>
+        </p:nvSpPr>
+        <p:spPr>
+          <a:xfrm>
+            <a:off x="200025" y="571500"/>
+            <a:ext cx="8943975" cy="274320"/>
+          </a:xfrm>
+          <a:prstGeom prst="rect">
+            <a:avLst/>
+          </a:prstGeom>
+          <a:noFill/>
+        </p:spPr>
+        <p:txBody>
+          <a:bodyPr wrap="square" lIns="0" rIns="0" tIns="0" bIns="0">
+            <a:spAutoFit/>
+          </a:bodyPr>
+          <a:lstStyle/>
+          <a:p>
+            <a:pPr algn="l">
+              <a:lnSpc>
+                <a:spcPct val="120000"/>
+              </a:lnSpc>
+              <a:spcBef>
+                <a:spcPts val="0"/>
+              </a:spcBef>
+              <a:spcAft>
+                <a:spcPts val="0"/>
+              </a:spcAft>
+            </a:pPr>
+            <a:r>
+              <a:rPr sz="1000">
+                <a:solidFill>
+                  <a:srgbClr val="000000"/>
+                </a:solidFill>
+                <a:latin typeface="Arial"/>
+              </a:rPr>
+              <a:t>The slide generator now supports LaTeX math equations using KaTeX rendering.</a:t>
+            </a:r>
+          </a:p>
+        </p:txBody>
+      </p:sp>
+      <p:sp>
+        <p:nvSpPr>
+          <p:cNvPr id="4" name="TextBox 3"/>
+          <p:cNvSpPr txBox="1"/>
+          <p:nvPr/>
+        </p:nvSpPr>
+        <p:spPr>
+          <a:xfrm>
+            <a:off x="200025" y="704849"/>
+            <a:ext cx="8943975" cy="304800"/>
+          </a:xfrm>
+          <a:prstGeom prst="rect">
+            <a:avLst/>
+          </a:prstGeom>
+          <a:noFill/>
+        </p:spPr>
+        <p:txBody>
+          <a:bodyPr wrap="square" lIns="0" rIns="0" tIns="0" bIns="0">
+            <a:spAutoFit/>
+          </a:bodyPr>
+          <a:lstStyle/>
+          <a:p>
+            <a:pPr algn="l">
+              <a:lnSpc>
+                <a:spcPct val="120000"/>
+              </a:lnSpc>
+              <a:spcBef>
+                <a:spcPts val="0"/>
+              </a:spcBef>
+              <a:spcAft>
+                <a:spcPts val="0"/>
+              </a:spcAft>
+            </a:pPr>
+            <a:r>
+              <a:rPr sz="1300" b="1">
+                <a:solidFill>
+                  <a:srgbClr val="000000"/>
+                </a:solidFill>
+                <a:latin typeface="Arial"/>
+              </a:rPr>
+              <a:t>Inline Math</a:t>
+            </a:r>
+          </a:p>
+        </p:txBody>
+      </p:sp>
+      <p:sp>
+        <p:nvSpPr>
+          <p:cNvPr id="5" name="TextBox 4"/>
+          <p:cNvSpPr txBox="1"/>
+          <p:nvPr/>
+        </p:nvSpPr>
+        <p:spPr>
+          <a:xfrm>
+            <a:off x="200025" y="1009649"/>
+            <a:ext cx="8943975" cy="274320"/>
+          </a:xfrm>
+          <a:prstGeom prst="rect">
+            <a:avLst/>
+          </a:prstGeom>
+          <a:noFill/>
+        </p:spPr>
+        <p:txBody>
+          <a:bodyPr wrap="square" lIns="0" rIns="0" tIns="0" bIns="0">
+            <a:spAutoFit/>
+          </a:bodyPr>
+          <a:lstStyle/>
+          <a:p>
+            <a:pPr algn="l">
+              <a:lnSpc>
+                <a:spcPct val="120000"/>
+              </a:lnSpc>
+              <a:spcBef>
+                <a:spcPts val="0"/>
+              </a:spcBef>
+              <a:spcAft>
+                <a:spcPts val="0"/>
+              </a:spcAft>
+            </a:pPr>
+            <a:r>
+              <a:rPr sz="1000">
+                <a:solidFill>
+                  <a:srgbClr val="000000"/>
+                </a:solidFill>
+                <a:latin typeface="Arial"/>
+              </a:rPr>
+              <a:t>You can include inline math like $E=mc^2$ or $\alpha + \beta = \gamma$ directly in your text.</a:t>
+            </a:r>
+          </a:p>
+        </p:txBody>
+      </p:sp>
+      <p:sp>
+        <p:nvSpPr>
+          <p:cNvPr id="6" name="TextBox 5"/>
+          <p:cNvSpPr txBox="1"/>
+          <p:nvPr/>
+        </p:nvSpPr>
+        <p:spPr>
+          <a:xfrm>
+            <a:off x="200025" y="1238249"/>
+            <a:ext cx="8943975" cy="274320"/>
+          </a:xfrm>
+          <a:prstGeom prst="rect">
+            <a:avLst/>
+          </a:prstGeom>
+          <a:noFill/>
+        </p:spPr>
+        <p:txBody>
+          <a:bodyPr wrap="square" lIns="0" rIns="0" tIns="0" bIns="0">
+            <a:spAutoFit/>
+          </a:bodyPr>
+          <a:lstStyle/>
+          <a:p>
+            <a:pPr algn="l">
+              <a:lnSpc>
+                <a:spcPct val="120000"/>
+              </a:lnSpc>
+              <a:spcBef>
+                <a:spcPts val="0"/>
+              </a:spcBef>
+              <a:spcAft>
+                <a:spcPts val="0"/>
+              </a:spcAft>
+            </a:pPr>
+            <a:r>
+              <a:rPr sz="1000">
+                <a:solidFill>
+                  <a:srgbClr val="000000"/>
+                </a:solidFill>
+                <a:latin typeface="Arial"/>
+              </a:rPr>
+              <a:t>The quadratic formula is $x = \frac{-b \pm \sqrt{b^2-4ac}}{2a}$.</a:t>
+            </a:r>
+          </a:p>
+        </p:txBody>
+      </p:sp>
+      <p:sp>
+        <p:nvSpPr>
+          <p:cNvPr id="7" name="TextBox 6"/>
+          <p:cNvSpPr txBox="1"/>
+          <p:nvPr/>
+        </p:nvSpPr>
+        <p:spPr>
+          <a:xfrm>
+            <a:off x="200025" y="1371600"/>
+            <a:ext cx="8943975" cy="304800"/>
+          </a:xfrm>
+          <a:prstGeom prst="rect">
+            <a:avLst/>
+          </a:prstGeom>
+          <a:noFill/>
+        </p:spPr>
+        <p:txBody>
+          <a:bodyPr wrap="square" lIns="0" rIns="0" tIns="0" bIns="0">
+            <a:spAutoFit/>
+          </a:bodyPr>
+          <a:lstStyle/>
+          <a:p>
+            <a:pPr algn="l">
+              <a:lnSpc>
+                <a:spcPct val="120000"/>
+              </a:lnSpc>
+              <a:spcBef>
+                <a:spcPts val="0"/>
+              </a:spcBef>
+              <a:spcAft>
+                <a:spcPts val="0"/>
+              </a:spcAft>
+            </a:pPr>
+            <a:r>
+              <a:rPr sz="1300" b="1">
+                <a:solidFill>
+                  <a:srgbClr val="000000"/>
+                </a:solidFill>
+                <a:latin typeface="Arial"/>
+              </a:rPr>
+              <a:t>Block Math</a:t>
+            </a:r>
+          </a:p>
+        </p:txBody>
+      </p:sp>
+      <p:sp>
+        <p:nvSpPr>
+          <p:cNvPr id="8" name="TextBox 7"/>
+          <p:cNvSpPr txBox="1"/>
+          <p:nvPr/>
+        </p:nvSpPr>
+        <p:spPr>
+          <a:xfrm>
+            <a:off x="200025" y="1676400"/>
+            <a:ext cx="8943975" cy="274320"/>
+          </a:xfrm>
+          <a:prstGeom prst="rect">
+            <a:avLst/>
+          </a:prstGeom>
+          <a:noFill/>
+        </p:spPr>
+        <p:txBody>
+          <a:bodyPr wrap="square" lIns="0" rIns="0" tIns="0" bIns="0">
+            <a:spAutoFit/>
+          </a:bodyPr>
+          <a:lstStyle/>
+          <a:p>
+            <a:pPr algn="l">
+              <a:lnSpc>
+                <a:spcPct val="120000"/>
+              </a:lnSpc>
+              <a:spcBef>
+                <a:spcPts val="0"/>
+              </a:spcBef>
+              <a:spcAft>
+                <a:spcPts val="0"/>
+              </a:spcAft>
+            </a:pPr>
+            <a:r>
+              <a:rPr sz="1000">
+                <a:solidFill>
+                  <a:srgbClr val="000000"/>
+                </a:solidFill>
+                <a:latin typeface="Arial"/>
+              </a:rPr>
+              <a:t>For display math, use double dollar signs:</a:t>
+            </a:r>
+          </a:p>
+        </p:txBody>
+      </p:sp>
+      <p:pic>
+        <p:nvPicPr>
+          <p:cNvPr id="9" name="Picture 8" descr="bf431a6869429a2cfc02d2a0ba380a9c.png"/>
+          <p:cNvPicPr>
+            <a:picLocks noChangeAspect="1"/>
+          </p:cNvPicPr>
+          <p:nvPr/>
+        </p:nvPicPr>
+        <p:blipFill>
+          <a:blip r:embed="rId2"/>
+          <a:stretch>
+            <a:fillRect/>
+          </a:stretch>
+        </p:blipFill>
+        <p:spPr>
+          <a:xfrm>
+            <a:off x="3686175" y="1752599"/>
+            <a:ext cx="1762125" cy="352424"/>
+          </a:xfrm>
+          <a:prstGeom prst="rect">
+            <a:avLst/>
+          </a:prstGeom>
+        </p:spPr>
+      </p:pic>
+      <p:sp>
+        <p:nvSpPr>
+          <p:cNvPr id="10" name="TextBox 9"/>
+          <p:cNvSpPr txBox="1"/>
+          <p:nvPr/>
+        </p:nvSpPr>
+        <p:spPr>
+          <a:xfrm>
+            <a:off x="200025" y="2181225"/>
+            <a:ext cx="8943975" cy="274320"/>
+          </a:xfrm>
+          <a:prstGeom prst="rect">
+            <a:avLst/>
+          </a:prstGeom>
+          <a:noFill/>
+        </p:spPr>
+        <p:txBody>
+          <a:bodyPr wrap="square" lIns="0" rIns="0" tIns="0" bIns="0">
+            <a:spAutoFit/>
+          </a:bodyPr>
+          <a:lstStyle/>
+          <a:p>
+            <a:pPr algn="l">
+              <a:lnSpc>
+                <a:spcPct val="120000"/>
+              </a:lnSpc>
+              <a:spcBef>
+                <a:spcPts val="0"/>
+              </a:spcBef>
+              <a:spcAft>
+                <a:spcPts val="0"/>
+              </a:spcAft>
+            </a:pPr>
+            <a:r>
+              <a:rPr sz="1000">
+                <a:solidFill>
+                  <a:srgbClr val="000000"/>
+                </a:solidFill>
+                <a:latin typeface="Arial"/>
+              </a:rPr>
+              <a:t>Euler's famous identity:</a:t>
+            </a:r>
+          </a:p>
+        </p:txBody>
+      </p:sp>
+      <p:pic>
+        <p:nvPicPr>
+          <p:cNvPr id="11" name="Picture 10" descr="ac5d9a8809d6c67262a18b15b0c77c5c.png"/>
+          <p:cNvPicPr>
+            <a:picLocks noChangeAspect="1"/>
+          </p:cNvPicPr>
+          <p:nvPr/>
+        </p:nvPicPr>
+        <p:blipFill>
+          <a:blip r:embed="rId3"/>
+          <a:stretch>
+            <a:fillRect/>
+          </a:stretch>
+        </p:blipFill>
+        <p:spPr>
+          <a:xfrm>
+            <a:off x="4162424" y="2238375"/>
+            <a:ext cx="809625" cy="352424"/>
+          </a:xfrm>
+          <a:prstGeom prst="rect">
+            <a:avLst/>
+          </a:prstGeom>
+        </p:spPr>
+      </p:pic>
+      <p:sp>
+        <p:nvSpPr>
+          <p:cNvPr id="12" name="TextBox 11"/>
+          <p:cNvSpPr txBox="1"/>
+          <p:nvPr/>
+        </p:nvSpPr>
+        <p:spPr>
+          <a:xfrm>
+            <a:off x="200025" y="2667000"/>
+            <a:ext cx="8943975" cy="304800"/>
+          </a:xfrm>
+          <a:prstGeom prst="rect">
+            <a:avLst/>
+          </a:prstGeom>
+          <a:noFill/>
+        </p:spPr>
+        <p:txBody>
+          <a:bodyPr wrap="square" lIns="0" rIns="0" tIns="0" bIns="0">
+            <a:spAutoFit/>
+          </a:bodyPr>
+          <a:lstStyle/>
+          <a:p>
+            <a:pPr algn="l">
+              <a:lnSpc>
+                <a:spcPct val="120000"/>
+              </a:lnSpc>
+              <a:spcBef>
+                <a:spcPts val="0"/>
+              </a:spcBef>
+              <a:spcAft>
+                <a:spcPts val="0"/>
+              </a:spcAft>
+            </a:pPr>
+            <a:r>
+              <a:rPr sz="1300" b="1">
+                <a:solidFill>
+                  <a:srgbClr val="000000"/>
+                </a:solidFill>
+                <a:latin typeface="Arial"/>
+              </a:rPr>
+              <a:t>Complex Equations</a:t>
+            </a:r>
+          </a:p>
+        </p:txBody>
+      </p:sp>
+      <p:sp>
+        <p:nvSpPr>
+          <p:cNvPr id="13" name="TextBox 12"/>
+          <p:cNvSpPr txBox="1"/>
+          <p:nvPr/>
+        </p:nvSpPr>
+        <p:spPr>
+          <a:xfrm>
+            <a:off x="200025" y="2971800"/>
+            <a:ext cx="8943975" cy="274320"/>
+          </a:xfrm>
+          <a:prstGeom prst="rect">
+            <a:avLst/>
+          </a:prstGeom>
+          <a:noFill/>
+        </p:spPr>
+        <p:txBody>
+          <a:bodyPr wrap="square" lIns="0" rIns="0" tIns="0" bIns="0">
+            <a:spAutoFit/>
+          </a:bodyPr>
+          <a:lstStyle/>
+          <a:p>
+            <a:pPr algn="l">
+              <a:lnSpc>
+                <a:spcPct val="120000"/>
+              </a:lnSpc>
+              <a:spcBef>
+                <a:spcPts val="0"/>
+              </a:spcBef>
+              <a:spcAft>
+                <a:spcPts val="0"/>
+              </a:spcAft>
+            </a:pPr>
+            <a:r>
+              <a:rPr sz="1000">
+                <a:solidFill>
+                  <a:srgbClr val="000000"/>
+                </a:solidFill>
+                <a:latin typeface="Arial"/>
+              </a:rPr>
+              <a:t>More complex equations like matrices are also supported:</a:t>
+            </a:r>
+          </a:p>
+        </p:txBody>
+      </p:sp>
+      <p:pic>
+        <p:nvPicPr>
+          <p:cNvPr id="14" name="Picture 13" descr="47954c072bb41073c18ae093bd56ece1.png"/>
+          <p:cNvPicPr>
+            <a:picLocks noChangeAspect="1"/>
+          </p:cNvPicPr>
+          <p:nvPr/>
+        </p:nvPicPr>
+        <p:blipFill>
+          <a:blip r:embed="rId4"/>
+          <a:stretch>
+            <a:fillRect/>
+          </a:stretch>
+        </p:blipFill>
+        <p:spPr>
+          <a:xfrm>
+            <a:off x="3457575" y="2990849"/>
+            <a:ext cx="2219324" cy="352424"/>
+          </a:xfrm>
+          <a:prstGeom prst="rect">
+            <a:avLst/>
+          </a:prstGeom>
+        </p:spPr>
+      </p:pic>
+      <p:sp>
+        <p:nvSpPr>
+          <p:cNvPr id="15" name="TextBox 14"/>
+          <p:cNvSpPr txBox="1"/>
+          <p:nvPr/>
+        </p:nvSpPr>
+        <p:spPr>
+          <a:xfrm>
+            <a:off x="200025" y="3476624"/>
+            <a:ext cx="8943975" cy="274320"/>
+          </a:xfrm>
+          <a:prstGeom prst="rect">
+            <a:avLst/>
+          </a:prstGeom>
+          <a:noFill/>
+        </p:spPr>
+        <p:txBody>
+          <a:bodyPr wrap="square" lIns="0" rIns="0" tIns="0" bIns="0">
+            <a:spAutoFit/>
+          </a:bodyPr>
+          <a:lstStyle/>
+          <a:p>
+            <a:pPr algn="l">
+              <a:lnSpc>
+                <a:spcPct val="120000"/>
+              </a:lnSpc>
+              <a:spcBef>
+                <a:spcPts val="0"/>
+              </a:spcBef>
+              <a:spcAft>
+                <a:spcPts val="0"/>
+              </a:spcAft>
+            </a:pPr>
+            <a:r>
+              <a:rPr sz="1000">
+                <a:solidFill>
+                  <a:srgbClr val="000000"/>
+                </a:solidFill>
+                <a:latin typeface="Arial"/>
+              </a:rPr>
+              <a:t>Math equations are automatically cached for performance and work in both themes!</a:t>
+            </a:r>
+          </a:p>
+        </p:txBody>
+      </p:sp>
+    </p:spTree>
+  </p:cSld>
+  <p:clrMapOvr>
+    <a:masterClrMapping/>
+  </p:clrMapOvr>
+</p:sld>
+</file>
+
+<file path=ppt/slides/slide19.xml><?xml version="1.0" encoding="utf-8"?>
+<p:sld xmlns:a="http://schemas.openxmlformats.org/drawingml/2006/main" xmlns:p="http://schemas.openxmlformats.org/presentationml/2006/main" xmlns:r="http://schemas.openxmlformats.org/officeDocument/2006/relationships">
+  <p:cSld>
+    <p:bg>
+      <p:bgPr>
+        <a:solidFill>
+          <a:srgbClr val="FFFFFF"/>
+        </a:solidFill>
+        <a:effectLst/>
+      </p:bgPr>
+    </p:bg>
+    <p:spTree>
+      <p:nvGrpSpPr>
+        <p:cNvPr id="1" name=""/>
+        <p:cNvGrpSpPr/>
+        <p:nvPr/>
+      </p:nvGrpSpPr>
+      <p:grpSpPr/>
+      <p:sp>
+        <p:nvSpPr>
+          <p:cNvPr id="2" name="TextBox 1"/>
+          <p:cNvSpPr txBox="1"/>
+          <p:nvPr/>
+        </p:nvSpPr>
+        <p:spPr>
+          <a:xfrm>
+            <a:off x="200025" y="180975"/>
+            <a:ext cx="8943975" cy="390525"/>
+          </a:xfrm>
+          <a:prstGeom prst="rect">
+            <a:avLst/>
+          </a:prstGeom>
+          <a:noFill/>
+        </p:spPr>
+        <p:txBody>
+          <a:bodyPr wrap="square" lIns="0" rIns="0" tIns="0" bIns="0">
+            <a:spAutoFit/>
+          </a:bodyPr>
+          <a:lstStyle/>
+          <a:p>
+            <a:pPr algn="l">
+              <a:lnSpc>
+                <a:spcPct val="120000"/>
+              </a:lnSpc>
+              <a:spcBef>
+                <a:spcPts val="0"/>
+              </a:spcBef>
+              <a:spcAft>
+                <a:spcPts val="0"/>
+              </a:spcAft>
+            </a:pPr>
+            <a:r>
+              <a:rPr sz="1600" b="1">
+                <a:solidFill>
+                  <a:srgbClr val="000000"/>
+                </a:solidFill>
+                <a:latin typeface="Arial"/>
+              </a:rPr>
               <a:t>📈 Figures Demo</a:t>
             </a:r>
           </a:p>
@@ -10313,7 +10907,1303 @@
 </p:sld>
 </file>
 
-<file path=ppt/slides/slide19.xml><?xml version="1.0" encoding="utf-8"?>
+<file path=ppt/slides/slide2.xml><?xml version="1.0" encoding="utf-8"?>
+<p:sld xmlns:a="http://schemas.openxmlformats.org/drawingml/2006/main" xmlns:p="http://schemas.openxmlformats.org/presentationml/2006/main" xmlns:r="http://schemas.openxmlformats.org/officeDocument/2006/relationships">
+  <p:cSld>
+    <p:bg>
+      <p:bgPr>
+        <a:solidFill>
+          <a:srgbClr val="FFFFFF"/>
+        </a:solidFill>
+        <a:effectLst/>
+      </p:bgPr>
+    </p:bg>
+    <p:spTree>
+      <p:nvGrpSpPr>
+        <p:cNvPr id="1" name=""/>
+        <p:cNvGrpSpPr/>
+        <p:nvPr/>
+      </p:nvGrpSpPr>
+      <p:grpSpPr/>
+      <p:sp>
+        <p:nvSpPr>
+          <p:cNvPr id="2" name="TextBox 1"/>
+          <p:cNvSpPr txBox="1"/>
+          <p:nvPr/>
+        </p:nvSpPr>
+        <p:spPr>
+          <a:xfrm>
+            <a:off x="200025" y="180975"/>
+            <a:ext cx="8943975" cy="390525"/>
+          </a:xfrm>
+          <a:prstGeom prst="rect">
+            <a:avLst/>
+          </a:prstGeom>
+          <a:noFill/>
+        </p:spPr>
+        <p:txBody>
+          <a:bodyPr wrap="square" lIns="0" rIns="0" tIns="0" bIns="0">
+            <a:spAutoFit/>
+          </a:bodyPr>
+          <a:lstStyle/>
+          <a:p>
+            <a:pPr algn="l">
+              <a:lnSpc>
+                <a:spcPct val="120000"/>
+              </a:lnSpc>
+              <a:spcBef>
+                <a:spcPts val="0"/>
+              </a:spcBef>
+              <a:spcAft>
+                <a:spcPts val="0"/>
+              </a:spcAft>
+            </a:pPr>
+            <a:r>
+              <a:rPr sz="1600" b="1">
+                <a:solidFill>
+                  <a:srgbClr val="000000"/>
+                </a:solidFill>
+                <a:latin typeface="Arial"/>
+              </a:rPr>
+              <a:t>✨ Inline Styling Features</a:t>
+            </a:r>
+          </a:p>
+        </p:txBody>
+      </p:sp>
+      <p:sp>
+        <p:nvSpPr>
+          <p:cNvPr id="3" name="TextBox 2"/>
+          <p:cNvSpPr txBox="1"/>
+          <p:nvPr/>
+        </p:nvSpPr>
+        <p:spPr>
+          <a:xfrm>
+            <a:off x="200025" y="571500"/>
+            <a:ext cx="8943975" cy="304800"/>
+          </a:xfrm>
+          <a:prstGeom prst="rect">
+            <a:avLst/>
+          </a:prstGeom>
+          <a:noFill/>
+        </p:spPr>
+        <p:txBody>
+          <a:bodyPr wrap="square" lIns="0" rIns="0" tIns="0" bIns="0">
+            <a:spAutoFit/>
+          </a:bodyPr>
+          <a:lstStyle/>
+          <a:p>
+            <a:pPr algn="l">
+              <a:lnSpc>
+                <a:spcPct val="120000"/>
+              </a:lnSpc>
+              <a:spcBef>
+                <a:spcPts val="0"/>
+              </a:spcBef>
+              <a:spcAft>
+                <a:spcPts val="0"/>
+              </a:spcAft>
+            </a:pPr>
+            <a:r>
+              <a:rPr sz="1300" b="1">
+                <a:solidFill>
+                  <a:srgbClr val="000000"/>
+                </a:solidFill>
+                <a:latin typeface="Arial"/>
+              </a:rPr>
+              <a:t>Basic Formatting</a:t>
+            </a:r>
+          </a:p>
+        </p:txBody>
+      </p:sp>
+      <p:sp>
+        <p:nvSpPr>
+          <p:cNvPr id="4" name="TextBox 3"/>
+          <p:cNvSpPr txBox="1"/>
+          <p:nvPr/>
+        </p:nvSpPr>
+        <p:spPr>
+          <a:xfrm>
+            <a:off x="200025" y="876299"/>
+            <a:ext cx="8943975" cy="274320"/>
+          </a:xfrm>
+          <a:prstGeom prst="rect">
+            <a:avLst/>
+          </a:prstGeom>
+          <a:noFill/>
+        </p:spPr>
+        <p:txBody>
+          <a:bodyPr wrap="square" lIns="0" rIns="0" tIns="0" bIns="0">
+            <a:spAutoFit/>
+          </a:bodyPr>
+          <a:lstStyle/>
+          <a:p>
+            <a:pPr algn="l">
+              <a:lnSpc>
+                <a:spcPct val="120000"/>
+              </a:lnSpc>
+              <a:spcBef>
+                <a:spcPts val="0"/>
+              </a:spcBef>
+              <a:spcAft>
+                <a:spcPts val="0"/>
+              </a:spcAft>
+            </a:pPr>
+            <a:r>
+              <a:rPr b="1" sz="1000">
+                <a:solidFill>
+                  <a:srgbClr val="000000"/>
+                </a:solidFill>
+                <a:latin typeface="Arial"/>
+              </a:rPr>
+              <a:t>Bold text</a:t>
+            </a:r>
+            <a:r>
+              <a:rPr sz="1000">
+                <a:solidFill>
+                  <a:srgbClr val="000000"/>
+                </a:solidFill>
+                <a:latin typeface="Arial"/>
+              </a:rPr>
+              <a:t> using double asterisks or </a:t>
+            </a:r>
+            <a:r>
+              <a:rPr b="1" sz="1000">
+                <a:solidFill>
+                  <a:srgbClr val="000000"/>
+                </a:solidFill>
+                <a:latin typeface="Arial"/>
+              </a:rPr>
+              <a:t>double underscores</a:t>
+            </a:r>
+            <a:r>
+              <a:rPr sz="1000">
+                <a:solidFill>
+                  <a:srgbClr val="000000"/>
+                </a:solidFill>
+                <a:latin typeface="Arial"/>
+              </a:rPr>
+              <a:t>.</a:t>
+            </a:r>
+          </a:p>
+        </p:txBody>
+      </p:sp>
+      <p:sp>
+        <p:nvSpPr>
+          <p:cNvPr id="5" name="TextBox 4"/>
+          <p:cNvSpPr txBox="1"/>
+          <p:nvPr/>
+        </p:nvSpPr>
+        <p:spPr>
+          <a:xfrm>
+            <a:off x="200025" y="1104900"/>
+            <a:ext cx="8943975" cy="274320"/>
+          </a:xfrm>
+          <a:prstGeom prst="rect">
+            <a:avLst/>
+          </a:prstGeom>
+          <a:noFill/>
+        </p:spPr>
+        <p:txBody>
+          <a:bodyPr wrap="square" lIns="0" rIns="0" tIns="0" bIns="0">
+            <a:spAutoFit/>
+          </a:bodyPr>
+          <a:lstStyle/>
+          <a:p>
+            <a:pPr algn="l">
+              <a:lnSpc>
+                <a:spcPct val="120000"/>
+              </a:lnSpc>
+              <a:spcBef>
+                <a:spcPts val="0"/>
+              </a:spcBef>
+              <a:spcAft>
+                <a:spcPts val="0"/>
+              </a:spcAft>
+            </a:pPr>
+            <a:r>
+              <a:rPr i="1" sz="1000">
+                <a:solidFill>
+                  <a:srgbClr val="000000"/>
+                </a:solidFill>
+                <a:latin typeface="Arial"/>
+              </a:rPr>
+              <a:t>Italic text</a:t>
+            </a:r>
+            <a:r>
+              <a:rPr sz="1000">
+                <a:solidFill>
+                  <a:srgbClr val="000000"/>
+                </a:solidFill>
+                <a:latin typeface="Arial"/>
+              </a:rPr>
+              <a:t> using single asterisks or </a:t>
+            </a:r>
+            <a:r>
+              <a:rPr i="1" sz="1000">
+                <a:solidFill>
+                  <a:srgbClr val="000000"/>
+                </a:solidFill>
+                <a:latin typeface="Arial"/>
+              </a:rPr>
+              <a:t>single underscores</a:t>
+            </a:r>
+            <a:r>
+              <a:rPr sz="1000">
+                <a:solidFill>
+                  <a:srgbClr val="000000"/>
+                </a:solidFill>
+                <a:latin typeface="Arial"/>
+              </a:rPr>
+              <a:t>.</a:t>
+            </a:r>
+          </a:p>
+        </p:txBody>
+      </p:sp>
+      <p:sp>
+        <p:nvSpPr>
+          <p:cNvPr id="6" name="TextBox 5"/>
+          <p:cNvSpPr txBox="1"/>
+          <p:nvPr/>
+        </p:nvSpPr>
+        <p:spPr>
+          <a:xfrm>
+            <a:off x="200025" y="1333500"/>
+            <a:ext cx="8943975" cy="274320"/>
+          </a:xfrm>
+          <a:prstGeom prst="rect">
+            <a:avLst/>
+          </a:prstGeom>
+          <a:noFill/>
+        </p:spPr>
+        <p:txBody>
+          <a:bodyPr wrap="square" lIns="0" rIns="0" tIns="0" bIns="0">
+            <a:spAutoFit/>
+          </a:bodyPr>
+          <a:lstStyle/>
+          <a:p>
+            <a:pPr algn="l">
+              <a:lnSpc>
+                <a:spcPct val="120000"/>
+              </a:lnSpc>
+              <a:spcBef>
+                <a:spcPts val="0"/>
+              </a:spcBef>
+              <a:spcAft>
+                <a:spcPts val="0"/>
+              </a:spcAft>
+            </a:pPr>
+            <a:r>
+              <a:rPr sz="800">
+                <a:solidFill>
+                  <a:srgbClr val="333333"/>
+                </a:solidFill>
+                <a:latin typeface="Courier New"/>
+              </a:rPr>
+              <a:t>Inline code</a:t>
+            </a:r>
+            <a:r>
+              <a:rPr sz="1000">
+                <a:solidFill>
+                  <a:srgbClr val="000000"/>
+                </a:solidFill>
+                <a:latin typeface="Arial"/>
+              </a:rPr>
+              <a:t> using backticks for technical terms like </a:t>
+            </a:r>
+            <a:r>
+              <a:rPr sz="800">
+                <a:solidFill>
+                  <a:srgbClr val="333333"/>
+                </a:solidFill>
+                <a:latin typeface="Courier New"/>
+              </a:rPr>
+              <a:t>SlideGenerator.generate()</a:t>
+            </a:r>
+            <a:r>
+              <a:rPr sz="1000">
+                <a:solidFill>
+                  <a:srgbClr val="000000"/>
+                </a:solidFill>
+                <a:latin typeface="Arial"/>
+              </a:rPr>
+              <a:t>.</a:t>
+            </a:r>
+          </a:p>
+        </p:txBody>
+      </p:sp>
+      <p:sp>
+        <p:nvSpPr>
+          <p:cNvPr id="7" name="TextBox 6"/>
+          <p:cNvSpPr txBox="1"/>
+          <p:nvPr/>
+        </p:nvSpPr>
+        <p:spPr>
+          <a:xfrm>
+            <a:off x="200025" y="1571625"/>
+            <a:ext cx="8943975" cy="274320"/>
+          </a:xfrm>
+          <a:prstGeom prst="rect">
+            <a:avLst/>
+          </a:prstGeom>
+          <a:noFill/>
+        </p:spPr>
+        <p:txBody>
+          <a:bodyPr wrap="square" lIns="0" rIns="0" tIns="0" bIns="0">
+            <a:spAutoFit/>
+          </a:bodyPr>
+          <a:lstStyle/>
+          <a:p>
+            <a:pPr algn="l">
+              <a:lnSpc>
+                <a:spcPct val="120000"/>
+              </a:lnSpc>
+              <a:spcBef>
+                <a:spcPts val="0"/>
+              </a:spcBef>
+              <a:spcAft>
+                <a:spcPts val="0"/>
+              </a:spcAft>
+            </a:pPr>
+            <a:r>
+              <a:rPr b="1" sz="1000">
+                <a:solidFill>
+                  <a:srgbClr val="FF8C00"/>
+                </a:solidFill>
+                <a:latin typeface="Arial"/>
+              </a:rPr>
+              <a:t>Highlighted text</a:t>
+            </a:r>
+            <a:r>
+              <a:rPr sz="1000">
+                <a:solidFill>
+                  <a:srgbClr val="000000"/>
+                </a:solidFill>
+                <a:latin typeface="Arial"/>
+              </a:rPr>
+              <a:t> using double equals for </a:t>
+            </a:r>
+            <a:r>
+              <a:rPr b="1" sz="1000">
+                <a:solidFill>
+                  <a:srgbClr val="FF8C00"/>
+                </a:solidFill>
+                <a:latin typeface="Arial"/>
+              </a:rPr>
+              <a:t>important information</a:t>
+            </a:r>
+            <a:r>
+              <a:rPr sz="1000">
+                <a:solidFill>
+                  <a:srgbClr val="000000"/>
+                </a:solidFill>
+                <a:latin typeface="Arial"/>
+              </a:rPr>
+              <a:t>.</a:t>
+            </a:r>
+          </a:p>
+        </p:txBody>
+      </p:sp>
+      <p:sp>
+        <p:nvSpPr>
+          <p:cNvPr id="8" name="TextBox 7"/>
+          <p:cNvSpPr txBox="1"/>
+          <p:nvPr/>
+        </p:nvSpPr>
+        <p:spPr>
+          <a:xfrm>
+            <a:off x="200025" y="1800225"/>
+            <a:ext cx="8943975" cy="274320"/>
+          </a:xfrm>
+          <a:prstGeom prst="rect">
+            <a:avLst/>
+          </a:prstGeom>
+          <a:noFill/>
+        </p:spPr>
+        <p:txBody>
+          <a:bodyPr wrap="square" lIns="0" rIns="0" tIns="0" bIns="0">
+            <a:spAutoFit/>
+          </a:bodyPr>
+          <a:lstStyle/>
+          <a:p>
+            <a:pPr algn="l">
+              <a:lnSpc>
+                <a:spcPct val="120000"/>
+              </a:lnSpc>
+              <a:spcBef>
+                <a:spcPts val="0"/>
+              </a:spcBef>
+              <a:spcAft>
+                <a:spcPts val="0"/>
+              </a:spcAft>
+            </a:pPr>
+            <a:r>
+              <a:rPr u="sng" sz="1000">
+                <a:solidFill>
+                  <a:srgbClr val="000000"/>
+                </a:solidFill>
+                <a:latin typeface="Arial"/>
+              </a:rPr>
+              <a:t>Underlined text</a:t>
+            </a:r>
+            <a:r>
+              <a:rPr sz="1000">
+                <a:solidFill>
+                  <a:srgbClr val="000000"/>
+                </a:solidFill>
+                <a:latin typeface="Arial"/>
+              </a:rPr>
+              <a:t> using double plus signs for </a:t>
+            </a:r>
+            <a:r>
+              <a:rPr u="sng" sz="1000">
+                <a:solidFill>
+                  <a:srgbClr val="000000"/>
+                </a:solidFill>
+                <a:latin typeface="Arial"/>
+              </a:rPr>
+              <a:t>emphasis or citations</a:t>
+            </a:r>
+            <a:r>
+              <a:rPr sz="1000">
+                <a:solidFill>
+                  <a:srgbClr val="000000"/>
+                </a:solidFill>
+                <a:latin typeface="Arial"/>
+              </a:rPr>
+              <a:t>.</a:t>
+            </a:r>
+          </a:p>
+        </p:txBody>
+      </p:sp>
+      <p:sp>
+        <p:nvSpPr>
+          <p:cNvPr id="9" name="TextBox 8"/>
+          <p:cNvSpPr txBox="1"/>
+          <p:nvPr/>
+        </p:nvSpPr>
+        <p:spPr>
+          <a:xfrm>
+            <a:off x="200025" y="2028825"/>
+            <a:ext cx="8943975" cy="274320"/>
+          </a:xfrm>
+          <a:prstGeom prst="rect">
+            <a:avLst/>
+          </a:prstGeom>
+          <a:noFill/>
+        </p:spPr>
+        <p:txBody>
+          <a:bodyPr wrap="square" lIns="0" rIns="0" tIns="0" bIns="0">
+            <a:spAutoFit/>
+          </a:bodyPr>
+          <a:lstStyle/>
+          <a:p>
+            <a:pPr algn="l">
+              <a:lnSpc>
+                <a:spcPct val="120000"/>
+              </a:lnSpc>
+              <a:spcBef>
+                <a:spcPts val="0"/>
+              </a:spcBef>
+              <a:spcAft>
+                <a:spcPts val="0"/>
+              </a:spcAft>
+            </a:pPr>
+            <a:r>
+              <a:rPr strike="sngStrike" sz="1000">
+                <a:solidFill>
+                  <a:srgbClr val="000000"/>
+                </a:solidFill>
+                <a:latin typeface="Arial"/>
+              </a:rPr>
+              <a:t>strikethrough text</a:t>
+            </a:r>
+            <a:r>
+              <a:rPr sz="1000">
+                <a:solidFill>
+                  <a:srgbClr val="000000"/>
+                </a:solidFill>
+                <a:latin typeface="Arial"/>
+              </a:rPr>
+              <a:t> using double tilde for </a:t>
+            </a:r>
+            <a:r>
+              <a:rPr strike="sngStrike" sz="1000">
+                <a:solidFill>
+                  <a:srgbClr val="000000"/>
+                </a:solidFill>
+                <a:latin typeface="Arial"/>
+              </a:rPr>
+              <a:t>deleted text</a:t>
+            </a:r>
+            <a:r>
+              <a:rPr sz="1000">
+                <a:solidFill>
+                  <a:srgbClr val="000000"/>
+                </a:solidFill>
+                <a:latin typeface="Arial"/>
+              </a:rPr>
+              <a:t>.</a:t>
+            </a:r>
+          </a:p>
+        </p:txBody>
+      </p:sp>
+      <p:sp>
+        <p:nvSpPr>
+          <p:cNvPr id="10" name="TextBox 9"/>
+          <p:cNvSpPr txBox="1"/>
+          <p:nvPr/>
+        </p:nvSpPr>
+        <p:spPr>
+          <a:xfrm>
+            <a:off x="200025" y="2257425"/>
+            <a:ext cx="8943975" cy="274320"/>
+          </a:xfrm>
+          <a:prstGeom prst="rect">
+            <a:avLst/>
+          </a:prstGeom>
+          <a:noFill/>
+        </p:spPr>
+        <p:txBody>
+          <a:bodyPr wrap="square" lIns="0" rIns="0" tIns="0" bIns="0">
+            <a:spAutoFit/>
+          </a:bodyPr>
+          <a:lstStyle/>
+          <a:p>
+            <a:pPr algn="l">
+              <a:lnSpc>
+                <a:spcPct val="120000"/>
+              </a:lnSpc>
+              <a:spcBef>
+                <a:spcPts val="0"/>
+              </a:spcBef>
+              <a:spcAft>
+                <a:spcPts val="0"/>
+              </a:spcAft>
+            </a:pPr>
+            <a:r>
+              <a:rPr u="wavy" sz="1000">
+                <a:solidFill>
+                  <a:srgbClr val="000000"/>
+                </a:solidFill>
+                <a:latin typeface="Arial"/>
+              </a:rPr>
+              <a:t>wavy underlined text</a:t>
+            </a:r>
+            <a:r>
+              <a:rPr sz="1000">
+                <a:solidFill>
+                  <a:srgbClr val="000000"/>
+                </a:solidFill>
+                <a:latin typeface="Arial"/>
+              </a:rPr>
+              <a:t> using double caret for </a:t>
+            </a:r>
+            <a:r>
+              <a:rPr u="wavy" sz="1000">
+                <a:solidFill>
+                  <a:srgbClr val="000000"/>
+                </a:solidFill>
+                <a:latin typeface="Arial"/>
+              </a:rPr>
+              <a:t>emphasized information</a:t>
+            </a:r>
+            <a:r>
+              <a:rPr sz="1000">
+                <a:solidFill>
+                  <a:srgbClr val="000000"/>
+                </a:solidFill>
+                <a:latin typeface="Arial"/>
+              </a:rPr>
+              <a:t>.</a:t>
+            </a:r>
+          </a:p>
+        </p:txBody>
+      </p:sp>
+      <p:sp>
+        <p:nvSpPr>
+          <p:cNvPr id="11" name="TextBox 10"/>
+          <p:cNvSpPr txBox="1"/>
+          <p:nvPr/>
+        </p:nvSpPr>
+        <p:spPr>
+          <a:xfrm>
+            <a:off x="200025" y="2486025"/>
+            <a:ext cx="8943975" cy="274320"/>
+          </a:xfrm>
+          <a:prstGeom prst="rect">
+            <a:avLst/>
+          </a:prstGeom>
+          <a:noFill/>
+        </p:spPr>
+        <p:txBody>
+          <a:bodyPr wrap="square" lIns="0" rIns="0" tIns="0" bIns="0">
+            <a:spAutoFit/>
+          </a:bodyPr>
+          <a:lstStyle/>
+          <a:p>
+            <a:pPr algn="l">
+              <a:lnSpc>
+                <a:spcPct val="120000"/>
+              </a:lnSpc>
+              <a:spcBef>
+                <a:spcPts val="0"/>
+              </a:spcBef>
+              <a:spcAft>
+                <a:spcPts val="0"/>
+              </a:spcAft>
+            </a:pPr>
+            <a:r>
+              <a:rPr sz="1000">
+                <a:solidFill>
+                  <a:srgbClr val="000000"/>
+                </a:solidFill>
+                <a:latin typeface="Arial"/>
+              </a:rPr>
+              <a:t>A sentence with a </a:t>
+            </a:r>
+            <a:r>
+              <a:rPr u="sng" sz="1000">
+                <a:solidFill>
+                  <a:srgbClr val="0066CC"/>
+                </a:solidFill>
+                <a:latin typeface="Arial"/>
+                <a:hlinkClick r:id="rId2"/>
+              </a:rPr>
+              <a:t>Google</a:t>
+            </a:r>
+            <a:r>
+              <a:rPr sz="1000">
+                <a:solidFill>
+                  <a:srgbClr val="000000"/>
+                </a:solidFill>
+                <a:latin typeface="Arial"/>
+              </a:rPr>
+              <a:t> hyperlink embedded.</a:t>
+            </a:r>
+          </a:p>
+        </p:txBody>
+      </p:sp>
+      <p:sp>
+        <p:nvSpPr>
+          <p:cNvPr id="12" name="TextBox 11"/>
+          <p:cNvSpPr txBox="1"/>
+          <p:nvPr/>
+        </p:nvSpPr>
+        <p:spPr>
+          <a:xfrm>
+            <a:off x="200025" y="2714625"/>
+            <a:ext cx="8943975" cy="274320"/>
+          </a:xfrm>
+          <a:prstGeom prst="rect">
+            <a:avLst/>
+          </a:prstGeom>
+          <a:noFill/>
+        </p:spPr>
+        <p:txBody>
+          <a:bodyPr wrap="square" lIns="0" rIns="0" tIns="0" bIns="0">
+            <a:spAutoFit/>
+          </a:bodyPr>
+          <a:lstStyle/>
+          <a:p>
+            <a:pPr algn="l">
+              <a:lnSpc>
+                <a:spcPct val="120000"/>
+              </a:lnSpc>
+              <a:spcBef>
+                <a:spcPts val="0"/>
+              </a:spcBef>
+              <a:spcAft>
+                <a:spcPts val="0"/>
+              </a:spcAft>
+            </a:pPr>
+            <a:r>
+              <a:rPr sz="1000">
+                <a:solidFill>
+                  <a:srgbClr val="FF0000"/>
+                </a:solidFill>
+                <a:latin typeface="Arial"/>
+              </a:rPr>
+              <a:t>Colorful text</a:t>
+            </a:r>
+            <a:r>
+              <a:rPr sz="1000">
+                <a:solidFill>
+                  <a:srgbClr val="000000"/>
+                </a:solidFill>
+                <a:latin typeface="Arial"/>
+              </a:rPr>
+              <a:t> demonstrates inline color customization.</a:t>
+            </a:r>
+          </a:p>
+        </p:txBody>
+      </p:sp>
+      <p:sp>
+        <p:nvSpPr>
+          <p:cNvPr id="13" name="TextBox 12"/>
+          <p:cNvSpPr txBox="1"/>
+          <p:nvPr/>
+        </p:nvSpPr>
+        <p:spPr>
+          <a:xfrm>
+            <a:off x="200025" y="2847974"/>
+            <a:ext cx="8943975" cy="304800"/>
+          </a:xfrm>
+          <a:prstGeom prst="rect">
+            <a:avLst/>
+          </a:prstGeom>
+          <a:noFill/>
+        </p:spPr>
+        <p:txBody>
+          <a:bodyPr wrap="square" lIns="0" rIns="0" tIns="0" bIns="0">
+            <a:spAutoFit/>
+          </a:bodyPr>
+          <a:lstStyle/>
+          <a:p>
+            <a:pPr algn="l">
+              <a:lnSpc>
+                <a:spcPct val="120000"/>
+              </a:lnSpc>
+              <a:spcBef>
+                <a:spcPts val="0"/>
+              </a:spcBef>
+              <a:spcAft>
+                <a:spcPts val="0"/>
+              </a:spcAft>
+            </a:pPr>
+            <a:r>
+              <a:rPr sz="1300" b="1">
+                <a:solidFill>
+                  <a:srgbClr val="000000"/>
+                </a:solidFill>
+                <a:latin typeface="Arial"/>
+              </a:rPr>
+              <a:t>Advanced Combinations</a:t>
+            </a:r>
+          </a:p>
+        </p:txBody>
+      </p:sp>
+      <p:sp>
+        <p:nvSpPr>
+          <p:cNvPr id="14" name="TextBox 13"/>
+          <p:cNvSpPr txBox="1"/>
+          <p:nvPr/>
+        </p:nvSpPr>
+        <p:spPr>
+          <a:xfrm>
+            <a:off x="200025" y="3152775"/>
+            <a:ext cx="8943975" cy="823912"/>
+          </a:xfrm>
+          <a:prstGeom prst="rect">
+            <a:avLst/>
+          </a:prstGeom>
+          <a:noFill/>
+        </p:spPr>
+        <p:txBody>
+          <a:bodyPr wrap="square" lIns="0" rIns="0" tIns="0" bIns="0">
+            <a:spAutoFit/>
+          </a:bodyPr>
+          <a:lstStyle/>
+          <a:p>
+            <a:pPr algn="l">
+              <a:spcBef>
+                <a:spcPts val="0"/>
+              </a:spcBef>
+              <a:spcAft>
+                <a:spcPts val="0"/>
+              </a:spcAft>
+            </a:pPr>
+            <a:r>
+              <a:rPr sz="1000">
+                <a:solidFill>
+                  <a:srgbClr val="000000"/>
+                </a:solidFill>
+                <a:latin typeface="Arial"/>
+              </a:rPr>
+              <a:t>• </a:t>
+            </a:r>
+            <a:r>
+              <a:rPr b="1" sz="1000">
+                <a:solidFill>
+                  <a:srgbClr val="000000"/>
+                </a:solidFill>
+                <a:latin typeface="Arial"/>
+              </a:rPr>
+              <a:t>Bold with </a:t>
+            </a:r>
+            <a:r>
+              <a:rPr b="1" i="1" sz="1000">
+                <a:solidFill>
+                  <a:srgbClr val="000000"/>
+                </a:solidFill>
+                <a:latin typeface="Arial"/>
+              </a:rPr>
+              <a:t>italic inside</a:t>
+            </a:r>
+            <a:r>
+              <a:rPr b="1" sz="1000">
+                <a:solidFill>
+                  <a:srgbClr val="000000"/>
+                </a:solidFill>
+                <a:latin typeface="Arial"/>
+              </a:rPr>
+              <a:t> for emphasis</a:t>
+            </a:r>
+          </a:p>
+          <a:p>
+            <a:pPr algn="l"/>
+            <a:r>
+              <a:rPr sz="1000">
+                <a:solidFill>
+                  <a:srgbClr val="000000"/>
+                </a:solidFill>
+                <a:latin typeface="Arial"/>
+              </a:rPr>
+              <a:t>• </a:t>
+            </a:r>
+            <a:r>
+              <a:rPr i="1" sz="1000">
+                <a:solidFill>
+                  <a:srgbClr val="000000"/>
+                </a:solidFill>
+                <a:latin typeface="Arial"/>
+              </a:rPr>
+              <a:t>Italic with </a:t>
+            </a:r>
+            <a:r>
+              <a:rPr i="1" b="1" sz="1000">
+                <a:solidFill>
+                  <a:srgbClr val="000000"/>
+                </a:solidFill>
+                <a:latin typeface="Arial"/>
+              </a:rPr>
+              <a:t>bold inside</a:t>
+            </a:r>
+            <a:r>
+              <a:rPr i="1" sz="1000">
+                <a:solidFill>
+                  <a:srgbClr val="000000"/>
+                </a:solidFill>
+                <a:latin typeface="Arial"/>
+              </a:rPr>
+              <a:t> for variety</a:t>
+            </a:r>
+          </a:p>
+          <a:p>
+            <a:pPr algn="l"/>
+            <a:r>
+              <a:rPr sz="1000">
+                <a:solidFill>
+                  <a:srgbClr val="000000"/>
+                </a:solidFill>
+                <a:latin typeface="Arial"/>
+              </a:rPr>
+              <a:t>• </a:t>
+            </a:r>
+            <a:r>
+              <a:rPr b="1" sz="1000">
+                <a:solidFill>
+                  <a:srgbClr val="FF8C00"/>
+                </a:solidFill>
+                <a:latin typeface="Arial"/>
+              </a:rPr>
+              <a:t>Highlighted with </a:t>
+            </a:r>
+            <a:r>
+              <a:rPr b="1" sz="1000">
+                <a:solidFill>
+                  <a:srgbClr val="FF8C00"/>
+                </a:solidFill>
+                <a:latin typeface="Arial"/>
+              </a:rPr>
+              <a:t>bold inside</a:t>
+            </a:r>
+            <a:r>
+              <a:rPr b="1" sz="1000">
+                <a:solidFill>
+                  <a:srgbClr val="FF8C00"/>
+                </a:solidFill>
+                <a:latin typeface="Arial"/>
+              </a:rPr>
+              <a:t> for attention</a:t>
+            </a:r>
+          </a:p>
+          <a:p>
+            <a:pPr algn="l"/>
+            <a:r>
+              <a:rPr sz="1000">
+                <a:solidFill>
+                  <a:srgbClr val="000000"/>
+                </a:solidFill>
+                <a:latin typeface="Arial"/>
+              </a:rPr>
+              <a:t>• </a:t>
+            </a:r>
+            <a:r>
+              <a:rPr sz="1000">
+                <a:solidFill>
+                  <a:srgbClr val="000000"/>
+                </a:solidFill>
+                <a:latin typeface="Arial"/>
+              </a:rPr>
+              <a:t>Underlined with </a:t>
+            </a:r>
+            <a:r>
+              <a:rPr b="1" sz="1000">
+                <a:solidFill>
+                  <a:srgbClr val="000000"/>
+                </a:solidFill>
+                <a:latin typeface="Arial"/>
+              </a:rPr>
+              <a:t>bold inside</a:t>
+            </a:r>
+            <a:r>
+              <a:rPr sz="1000">
+                <a:solidFill>
+                  <a:srgbClr val="000000"/>
+                </a:solidFill>
+                <a:latin typeface="Arial"/>
+              </a:rPr>
+              <a:t> for citations</a:t>
+            </a:r>
+          </a:p>
+          <a:p>
+            <a:pPr algn="l"/>
+            <a:r>
+              <a:rPr sz="1000">
+                <a:solidFill>
+                  <a:srgbClr val="000000"/>
+                </a:solidFill>
+                <a:latin typeface="Arial"/>
+              </a:rPr>
+              <a:t>• </a:t>
+            </a:r>
+            <a:r>
+              <a:rPr sz="800">
+                <a:solidFill>
+                  <a:srgbClr val="333333"/>
+                </a:solidFill>
+                <a:latin typeface="Courier New"/>
+              </a:rPr>
+              <a:t>Code with formatting</a:t>
+            </a:r>
+            <a:r>
+              <a:rPr sz="1000">
+                <a:solidFill>
+                  <a:srgbClr val="000000"/>
+                </a:solidFill>
+                <a:latin typeface="Arial"/>
+              </a:rPr>
+              <a:t> (note: formatting preserved where possible)</a:t>
+            </a:r>
+          </a:p>
+        </p:txBody>
+      </p:sp>
+      <p:sp>
+        <p:nvSpPr>
+          <p:cNvPr id="15" name="TextBox 14"/>
+          <p:cNvSpPr txBox="1"/>
+          <p:nvPr/>
+        </p:nvSpPr>
+        <p:spPr>
+          <a:xfrm>
+            <a:off x="200025" y="3881437"/>
+            <a:ext cx="8943975" cy="304800"/>
+          </a:xfrm>
+          <a:prstGeom prst="rect">
+            <a:avLst/>
+          </a:prstGeom>
+          <a:noFill/>
+        </p:spPr>
+        <p:txBody>
+          <a:bodyPr wrap="square" lIns="0" rIns="0" tIns="0" bIns="0">
+            <a:spAutoFit/>
+          </a:bodyPr>
+          <a:lstStyle/>
+          <a:p>
+            <a:pPr algn="l">
+              <a:lnSpc>
+                <a:spcPct val="120000"/>
+              </a:lnSpc>
+              <a:spcBef>
+                <a:spcPts val="0"/>
+              </a:spcBef>
+              <a:spcAft>
+                <a:spcPts val="0"/>
+              </a:spcAft>
+            </a:pPr>
+            <a:r>
+              <a:rPr sz="1300" b="1">
+                <a:solidFill>
+                  <a:srgbClr val="000000"/>
+                </a:solidFill>
+                <a:latin typeface="Arial"/>
+              </a:rPr>
+              <a:t>Real-World Examples</a:t>
+            </a:r>
+          </a:p>
+        </p:txBody>
+      </p:sp>
+      <p:sp>
+        <p:nvSpPr>
+          <p:cNvPr id="16" name="TextBox 15"/>
+          <p:cNvSpPr txBox="1"/>
+          <p:nvPr/>
+        </p:nvSpPr>
+        <p:spPr>
+          <a:xfrm>
+            <a:off x="200025" y="4186237"/>
+            <a:ext cx="8943975" cy="274320"/>
+          </a:xfrm>
+          <a:prstGeom prst="rect">
+            <a:avLst/>
+          </a:prstGeom>
+          <a:noFill/>
+        </p:spPr>
+        <p:txBody>
+          <a:bodyPr wrap="square" lIns="0" rIns="0" tIns="0" bIns="0">
+            <a:spAutoFit/>
+          </a:bodyPr>
+          <a:lstStyle/>
+          <a:p>
+            <a:pPr algn="l">
+              <a:lnSpc>
+                <a:spcPct val="120000"/>
+              </a:lnSpc>
+              <a:spcBef>
+                <a:spcPts val="0"/>
+              </a:spcBef>
+              <a:spcAft>
+                <a:spcPts val="0"/>
+              </a:spcAft>
+            </a:pPr>
+            <a:r>
+              <a:rPr sz="1000">
+                <a:solidFill>
+                  <a:srgbClr val="000000"/>
+                </a:solidFill>
+                <a:latin typeface="Arial"/>
+              </a:rPr>
+              <a:t>The </a:t>
+            </a:r>
+            <a:r>
+              <a:rPr sz="800">
+                <a:solidFill>
+                  <a:srgbClr val="333333"/>
+                </a:solidFill>
+                <a:latin typeface="Courier New"/>
+              </a:rPr>
+              <a:t>SlideGenerator</a:t>
+            </a:r>
+            <a:r>
+              <a:rPr sz="1000">
+                <a:solidFill>
+                  <a:srgbClr val="000000"/>
+                </a:solidFill>
+                <a:latin typeface="Arial"/>
+              </a:rPr>
+              <a:t> class provides a </a:t>
+            </a:r>
+            <a:r>
+              <a:rPr b="1" sz="1000">
+                <a:solidFill>
+                  <a:srgbClr val="000000"/>
+                </a:solidFill>
+                <a:latin typeface="Arial"/>
+              </a:rPr>
+              <a:t>powerful API</a:t>
+            </a:r>
+            <a:r>
+              <a:rPr sz="1000">
+                <a:solidFill>
+                  <a:srgbClr val="000000"/>
+                </a:solidFill>
+                <a:latin typeface="Arial"/>
+              </a:rPr>
+              <a:t> for converting </a:t>
+            </a:r>
+            <a:r>
+              <a:rPr i="1" sz="1000">
+                <a:solidFill>
+                  <a:srgbClr val="000000"/>
+                </a:solidFill>
+                <a:latin typeface="Arial"/>
+              </a:rPr>
+              <a:t>markdown</a:t>
+            </a:r>
+            <a:r>
+              <a:rPr sz="1000">
+                <a:solidFill>
+                  <a:srgbClr val="000000"/>
+                </a:solidFill>
+                <a:latin typeface="Arial"/>
+              </a:rPr>
+              <a:t> to </a:t>
+            </a:r>
+            <a:r>
+              <a:rPr b="1" sz="1000">
+                <a:solidFill>
+                  <a:srgbClr val="FF8C00"/>
+                </a:solidFill>
+                <a:latin typeface="Arial"/>
+              </a:rPr>
+              <a:t>professional presentations</a:t>
+            </a:r>
+            <a:r>
+              <a:rPr sz="1000">
+                <a:solidFill>
+                  <a:srgbClr val="000000"/>
+                </a:solidFill>
+                <a:latin typeface="Arial"/>
+              </a:rPr>
+              <a:t> with </a:t>
+            </a:r>
+            <a:r>
+              <a:rPr u="sng" sz="1000">
+                <a:solidFill>
+                  <a:srgbClr val="000000"/>
+                </a:solidFill>
+                <a:latin typeface="Arial"/>
+              </a:rPr>
+              <a:t>full formatting support</a:t>
+            </a:r>
+            <a:r>
+              <a:rPr sz="1000">
+                <a:solidFill>
+                  <a:srgbClr val="000000"/>
+                </a:solidFill>
+                <a:latin typeface="Arial"/>
+              </a:rPr>
+              <a:t>.</a:t>
+            </a:r>
+          </a:p>
+        </p:txBody>
+      </p:sp>
+      <p:sp>
+        <p:nvSpPr>
+          <p:cNvPr id="17" name="TextBox 16"/>
+          <p:cNvSpPr txBox="1"/>
+          <p:nvPr/>
+        </p:nvSpPr>
+        <p:spPr>
+          <a:xfrm>
+            <a:off x="200025" y="4424362"/>
+            <a:ext cx="8943975" cy="274320"/>
+          </a:xfrm>
+          <a:prstGeom prst="rect">
+            <a:avLst/>
+          </a:prstGeom>
+          <a:noFill/>
+        </p:spPr>
+        <p:txBody>
+          <a:bodyPr wrap="square" lIns="0" rIns="0" tIns="0" bIns="0">
+            <a:spAutoFit/>
+          </a:bodyPr>
+          <a:lstStyle/>
+          <a:p>
+            <a:pPr algn="l">
+              <a:lnSpc>
+                <a:spcPct val="120000"/>
+              </a:lnSpc>
+              <a:spcBef>
+                <a:spcPts val="0"/>
+              </a:spcBef>
+              <a:spcAft>
+                <a:spcPts val="0"/>
+              </a:spcAft>
+            </a:pPr>
+            <a:r>
+              <a:rPr sz="1000">
+                <a:solidFill>
+                  <a:srgbClr val="000000"/>
+                </a:solidFill>
+                <a:latin typeface="Arial"/>
+              </a:rPr>
+              <a:t>Call </a:t>
+            </a:r>
+            <a:r>
+              <a:rPr sz="800">
+                <a:solidFill>
+                  <a:srgbClr val="333333"/>
+                </a:solidFill>
+                <a:latin typeface="Courier New"/>
+              </a:rPr>
+              <a:t>generator.generate(markdown, "output.pptx")</a:t>
+            </a:r>
+            <a:r>
+              <a:rPr sz="1000">
+                <a:solidFill>
+                  <a:srgbClr val="000000"/>
+                </a:solidFill>
+                <a:latin typeface="Arial"/>
+              </a:rPr>
+              <a:t> where </a:t>
+            </a:r>
+            <a:r>
+              <a:rPr b="1" sz="1000">
+                <a:solidFill>
+                  <a:srgbClr val="000000"/>
+                </a:solidFill>
+                <a:latin typeface="Arial"/>
+              </a:rPr>
+              <a:t>markdown</a:t>
+            </a:r>
+            <a:r>
+              <a:rPr sz="1000">
+                <a:solidFill>
+                  <a:srgbClr val="000000"/>
+                </a:solidFill>
+                <a:latin typeface="Arial"/>
+              </a:rPr>
+              <a:t> is your source and </a:t>
+            </a:r>
+            <a:r>
+              <a:rPr b="1" sz="1000">
+                <a:solidFill>
+                  <a:srgbClr val="FF8C00"/>
+                </a:solidFill>
+                <a:latin typeface="Arial"/>
+              </a:rPr>
+              <a:t>output.pptx</a:t>
+            </a:r>
+            <a:r>
+              <a:rPr sz="1000">
+                <a:solidFill>
+                  <a:srgbClr val="000000"/>
+                </a:solidFill>
+                <a:latin typeface="Arial"/>
+              </a:rPr>
+              <a:t> is the </a:t>
+            </a:r>
+            <a:r>
+              <a:rPr u="sng" sz="1000">
+                <a:solidFill>
+                  <a:srgbClr val="000000"/>
+                </a:solidFill>
+                <a:latin typeface="Arial"/>
+              </a:rPr>
+              <a:t>final result</a:t>
+            </a:r>
+            <a:r>
+              <a:rPr sz="1000">
+                <a:solidFill>
+                  <a:srgbClr val="000000"/>
+                </a:solidFill>
+                <a:latin typeface="Arial"/>
+              </a:rPr>
+              <a:t>.</a:t>
+            </a:r>
+          </a:p>
+        </p:txBody>
+      </p:sp>
+    </p:spTree>
+  </p:cSld>
+  <p:clrMapOvr>
+    <a:masterClrMapping/>
+  </p:clrMapOvr>
+</p:sld>
+</file>
+
+<file path=ppt/slides/slide20.xml><?xml version="1.0" encoding="utf-8"?>
 <p:sld xmlns:a="http://schemas.openxmlformats.org/drawingml/2006/main" xmlns:p="http://schemas.openxmlformats.org/presentationml/2006/main" xmlns:r="http://schemas.openxmlformats.org/officeDocument/2006/relationships">
   <p:cSld>
     <p:bg>
@@ -10408,8 +12298,8 @@
         </p:nvSpPr>
         <p:spPr>
           <a:xfrm>
-            <a:off x="228600" y="3467100"/>
-            <a:ext cx="8915400" cy="274320"/>
+            <a:off x="247649" y="3467100"/>
+            <a:ext cx="8896350" cy="274320"/>
           </a:xfrm>
           <a:prstGeom prst="rect">
             <a:avLst/>
@@ -10453,8 +12343,8 @@
         </p:nvSpPr>
         <p:spPr>
           <a:xfrm>
-            <a:off x="228600" y="3724274"/>
-            <a:ext cx="1800225" cy="1628775"/>
+            <a:off x="247649" y="3724274"/>
+            <a:ext cx="1828800" cy="1628775"/>
           </a:xfrm>
           <a:prstGeom prst="rect">
             <a:avLst/>
@@ -10487,8 +12377,8 @@
           <p:nvPr/>
         </p:nvGraphicFramePr>
         <p:xfrm>
-          <a:off x="228600" y="3724274"/>
-          <a:ext cx="1978854" cy="1571625"/>
+          <a:off x="247649" y="3724274"/>
+          <a:ext cx="2001201" cy="1571625"/>
         </p:xfrm>
         <a:graphic>
           <a:graphicData uri="http://schemas.openxmlformats.org/drawingml/2006/table">
@@ -10528,9 +12418,9 @@
                 </a:tblBorders>
               </a:tblPr>
               <a:tblGrid>
-                <a:gridCol w="842210"/>
-                <a:gridCol w="504229"/>
-                <a:gridCol w="632415"/>
+                <a:gridCol w="848677"/>
+                <a:gridCol w="513397"/>
+                <a:gridCol w="639127"/>
               </a:tblGrid>
               <a:tr h="314325">
                 <a:tc>
@@ -11469,8 +13359,8 @@
         </p:nvSpPr>
         <p:spPr>
           <a:xfrm>
-            <a:off x="4648200" y="3486150"/>
-            <a:ext cx="4495799" cy="274320"/>
+            <a:off x="4619625" y="3486150"/>
+            <a:ext cx="4524374" cy="274320"/>
           </a:xfrm>
           <a:prstGeom prst="rect">
             <a:avLst/>
@@ -11514,8 +13404,8 @@
         </p:nvSpPr>
         <p:spPr>
           <a:xfrm>
-            <a:off x="4648200" y="3743325"/>
-            <a:ext cx="4495799" cy="342900"/>
+            <a:off x="4619625" y="3743325"/>
+            <a:ext cx="4524374" cy="342900"/>
           </a:xfrm>
           <a:prstGeom prst="rect">
             <a:avLst/>
@@ -11547,1442 +13437,6 @@
                 <a:latin typeface="Arial"/>
               </a:rPr>
               <a:t>All core features are either complete or in progress. Remaining items are performance tuning and UX polish.</a:t>
-            </a:r>
-          </a:p>
-        </p:txBody>
-      </p:sp>
-    </p:spTree>
-  </p:cSld>
-  <p:clrMapOvr>
-    <a:masterClrMapping/>
-  </p:clrMapOvr>
-</p:sld>
-</file>
-
-<file path=ppt/slides/slide2.xml><?xml version="1.0" encoding="utf-8"?>
-<p:sld xmlns:a="http://schemas.openxmlformats.org/drawingml/2006/main" xmlns:p="http://schemas.openxmlformats.org/presentationml/2006/main" xmlns:r="http://schemas.openxmlformats.org/officeDocument/2006/relationships">
-  <p:cSld>
-    <p:bg>
-      <p:bgPr>
-        <a:solidFill>
-          <a:srgbClr val="FFFFFF"/>
-        </a:solidFill>
-        <a:effectLst/>
-      </p:bgPr>
-    </p:bg>
-    <p:spTree>
-      <p:nvGrpSpPr>
-        <p:cNvPr id="1" name=""/>
-        <p:cNvGrpSpPr/>
-        <p:nvPr/>
-      </p:nvGrpSpPr>
-      <p:grpSpPr/>
-      <p:sp>
-        <p:nvSpPr>
-          <p:cNvPr id="2" name="TextBox 1"/>
-          <p:cNvSpPr txBox="1"/>
-          <p:nvPr/>
-        </p:nvSpPr>
-        <p:spPr>
-          <a:xfrm>
-            <a:off x="200025" y="180975"/>
-            <a:ext cx="8943975" cy="390525"/>
-          </a:xfrm>
-          <a:prstGeom prst="rect">
-            <a:avLst/>
-          </a:prstGeom>
-          <a:noFill/>
-        </p:spPr>
-        <p:txBody>
-          <a:bodyPr wrap="square" lIns="0" rIns="0" tIns="0" bIns="0">
-            <a:spAutoFit/>
-          </a:bodyPr>
-          <a:lstStyle/>
-          <a:p>
-            <a:pPr algn="l">
-              <a:lnSpc>
-                <a:spcPct val="120000"/>
-              </a:lnSpc>
-              <a:spcBef>
-                <a:spcPts val="0"/>
-              </a:spcBef>
-              <a:spcAft>
-                <a:spcPts val="0"/>
-              </a:spcAft>
-            </a:pPr>
-            <a:r>
-              <a:rPr sz="1600" b="1">
-                <a:solidFill>
-                  <a:srgbClr val="000000"/>
-                </a:solidFill>
-                <a:latin typeface="Arial"/>
-              </a:rPr>
-              <a:t>✨ Inline Styling Features</a:t>
-            </a:r>
-          </a:p>
-        </p:txBody>
-      </p:sp>
-      <p:sp>
-        <p:nvSpPr>
-          <p:cNvPr id="3" name="TextBox 2"/>
-          <p:cNvSpPr txBox="1"/>
-          <p:nvPr/>
-        </p:nvSpPr>
-        <p:spPr>
-          <a:xfrm>
-            <a:off x="200025" y="571500"/>
-            <a:ext cx="8943975" cy="304800"/>
-          </a:xfrm>
-          <a:prstGeom prst="rect">
-            <a:avLst/>
-          </a:prstGeom>
-          <a:noFill/>
-        </p:spPr>
-        <p:txBody>
-          <a:bodyPr wrap="square" lIns="0" rIns="0" tIns="0" bIns="0">
-            <a:spAutoFit/>
-          </a:bodyPr>
-          <a:lstStyle/>
-          <a:p>
-            <a:pPr algn="l">
-              <a:lnSpc>
-                <a:spcPct val="120000"/>
-              </a:lnSpc>
-              <a:spcBef>
-                <a:spcPts val="0"/>
-              </a:spcBef>
-              <a:spcAft>
-                <a:spcPts val="0"/>
-              </a:spcAft>
-            </a:pPr>
-            <a:r>
-              <a:rPr sz="1300" b="1">
-                <a:solidFill>
-                  <a:srgbClr val="000000"/>
-                </a:solidFill>
-                <a:latin typeface="Arial"/>
-              </a:rPr>
-              <a:t>Basic Formatting</a:t>
-            </a:r>
-          </a:p>
-        </p:txBody>
-      </p:sp>
-      <p:sp>
-        <p:nvSpPr>
-          <p:cNvPr id="4" name="TextBox 3"/>
-          <p:cNvSpPr txBox="1"/>
-          <p:nvPr/>
-        </p:nvSpPr>
-        <p:spPr>
-          <a:xfrm>
-            <a:off x="200025" y="876299"/>
-            <a:ext cx="8943975" cy="274320"/>
-          </a:xfrm>
-          <a:prstGeom prst="rect">
-            <a:avLst/>
-          </a:prstGeom>
-          <a:noFill/>
-        </p:spPr>
-        <p:txBody>
-          <a:bodyPr wrap="square" lIns="0" rIns="0" tIns="0" bIns="0">
-            <a:spAutoFit/>
-          </a:bodyPr>
-          <a:lstStyle/>
-          <a:p>
-            <a:pPr algn="l">
-              <a:lnSpc>
-                <a:spcPct val="120000"/>
-              </a:lnSpc>
-              <a:spcBef>
-                <a:spcPts val="0"/>
-              </a:spcBef>
-              <a:spcAft>
-                <a:spcPts val="0"/>
-              </a:spcAft>
-            </a:pPr>
-            <a:r>
-              <a:rPr b="1" sz="1000">
-                <a:solidFill>
-                  <a:srgbClr val="000000"/>
-                </a:solidFill>
-                <a:latin typeface="Arial"/>
-              </a:rPr>
-              <a:t>Bold text</a:t>
-            </a:r>
-            <a:r>
-              <a:rPr sz="1000">
-                <a:solidFill>
-                  <a:srgbClr val="000000"/>
-                </a:solidFill>
-                <a:latin typeface="Arial"/>
-              </a:rPr>
-              <a:t> using double asterisks or </a:t>
-            </a:r>
-            <a:r>
-              <a:rPr b="1" sz="1000">
-                <a:solidFill>
-                  <a:srgbClr val="000000"/>
-                </a:solidFill>
-                <a:latin typeface="Arial"/>
-              </a:rPr>
-              <a:t>double underscores</a:t>
-            </a:r>
-            <a:r>
-              <a:rPr sz="1000">
-                <a:solidFill>
-                  <a:srgbClr val="000000"/>
-                </a:solidFill>
-                <a:latin typeface="Arial"/>
-              </a:rPr>
-              <a:t>.</a:t>
-            </a:r>
-          </a:p>
-        </p:txBody>
-      </p:sp>
-      <p:sp>
-        <p:nvSpPr>
-          <p:cNvPr id="5" name="TextBox 4"/>
-          <p:cNvSpPr txBox="1"/>
-          <p:nvPr/>
-        </p:nvSpPr>
-        <p:spPr>
-          <a:xfrm>
-            <a:off x="200025" y="1104900"/>
-            <a:ext cx="8943975" cy="274320"/>
-          </a:xfrm>
-          <a:prstGeom prst="rect">
-            <a:avLst/>
-          </a:prstGeom>
-          <a:noFill/>
-        </p:spPr>
-        <p:txBody>
-          <a:bodyPr wrap="square" lIns="0" rIns="0" tIns="0" bIns="0">
-            <a:spAutoFit/>
-          </a:bodyPr>
-          <a:lstStyle/>
-          <a:p>
-            <a:pPr algn="l">
-              <a:lnSpc>
-                <a:spcPct val="120000"/>
-              </a:lnSpc>
-              <a:spcBef>
-                <a:spcPts val="0"/>
-              </a:spcBef>
-              <a:spcAft>
-                <a:spcPts val="0"/>
-              </a:spcAft>
-            </a:pPr>
-            <a:r>
-              <a:rPr i="1" sz="1000">
-                <a:solidFill>
-                  <a:srgbClr val="000000"/>
-                </a:solidFill>
-                <a:latin typeface="Arial"/>
-              </a:rPr>
-              <a:t>Italic text</a:t>
-            </a:r>
-            <a:r>
-              <a:rPr sz="1000">
-                <a:solidFill>
-                  <a:srgbClr val="000000"/>
-                </a:solidFill>
-                <a:latin typeface="Arial"/>
-              </a:rPr>
-              <a:t> using single asterisks or </a:t>
-            </a:r>
-            <a:r>
-              <a:rPr i="1" sz="1000">
-                <a:solidFill>
-                  <a:srgbClr val="000000"/>
-                </a:solidFill>
-                <a:latin typeface="Arial"/>
-              </a:rPr>
-              <a:t>single underscores</a:t>
-            </a:r>
-            <a:r>
-              <a:rPr sz="1000">
-                <a:solidFill>
-                  <a:srgbClr val="000000"/>
-                </a:solidFill>
-                <a:latin typeface="Arial"/>
-              </a:rPr>
-              <a:t>.</a:t>
-            </a:r>
-          </a:p>
-        </p:txBody>
-      </p:sp>
-      <p:sp>
-        <p:nvSpPr>
-          <p:cNvPr id="6" name="TextBox 5"/>
-          <p:cNvSpPr txBox="1"/>
-          <p:nvPr/>
-        </p:nvSpPr>
-        <p:spPr>
-          <a:xfrm>
-            <a:off x="200025" y="1333500"/>
-            <a:ext cx="8943975" cy="274320"/>
-          </a:xfrm>
-          <a:prstGeom prst="rect">
-            <a:avLst/>
-          </a:prstGeom>
-          <a:noFill/>
-        </p:spPr>
-        <p:txBody>
-          <a:bodyPr wrap="square" lIns="0" rIns="0" tIns="0" bIns="0">
-            <a:spAutoFit/>
-          </a:bodyPr>
-          <a:lstStyle/>
-          <a:p>
-            <a:pPr algn="l">
-              <a:lnSpc>
-                <a:spcPct val="120000"/>
-              </a:lnSpc>
-              <a:spcBef>
-                <a:spcPts val="0"/>
-              </a:spcBef>
-              <a:spcAft>
-                <a:spcPts val="0"/>
-              </a:spcAft>
-            </a:pPr>
-            <a:r>
-              <a:rPr sz="800">
-                <a:solidFill>
-                  <a:srgbClr val="333333"/>
-                </a:solidFill>
-                <a:latin typeface="Courier New"/>
-              </a:rPr>
-              <a:t>Inline code</a:t>
-            </a:r>
-            <a:r>
-              <a:rPr sz="1000">
-                <a:solidFill>
-                  <a:srgbClr val="000000"/>
-                </a:solidFill>
-                <a:latin typeface="Arial"/>
-              </a:rPr>
-              <a:t> using backticks for technical terms like </a:t>
-            </a:r>
-            <a:r>
-              <a:rPr sz="800">
-                <a:solidFill>
-                  <a:srgbClr val="333333"/>
-                </a:solidFill>
-                <a:latin typeface="Courier New"/>
-              </a:rPr>
-              <a:t>SlideGenerator.generate()</a:t>
-            </a:r>
-            <a:r>
-              <a:rPr sz="1000">
-                <a:solidFill>
-                  <a:srgbClr val="000000"/>
-                </a:solidFill>
-                <a:latin typeface="Arial"/>
-              </a:rPr>
-              <a:t>.</a:t>
-            </a:r>
-          </a:p>
-        </p:txBody>
-      </p:sp>
-      <p:sp>
-        <p:nvSpPr>
-          <p:cNvPr id="7" name="TextBox 6"/>
-          <p:cNvSpPr txBox="1"/>
-          <p:nvPr/>
-        </p:nvSpPr>
-        <p:spPr>
-          <a:xfrm>
-            <a:off x="200025" y="1571625"/>
-            <a:ext cx="8943975" cy="274320"/>
-          </a:xfrm>
-          <a:prstGeom prst="rect">
-            <a:avLst/>
-          </a:prstGeom>
-          <a:noFill/>
-        </p:spPr>
-        <p:txBody>
-          <a:bodyPr wrap="square" lIns="0" rIns="0" tIns="0" bIns="0">
-            <a:spAutoFit/>
-          </a:bodyPr>
-          <a:lstStyle/>
-          <a:p>
-            <a:pPr algn="l">
-              <a:lnSpc>
-                <a:spcPct val="120000"/>
-              </a:lnSpc>
-              <a:spcBef>
-                <a:spcPts val="0"/>
-              </a:spcBef>
-              <a:spcAft>
-                <a:spcPts val="0"/>
-              </a:spcAft>
-            </a:pPr>
-            <a:r>
-              <a:rPr b="1" sz="1000">
-                <a:solidFill>
-                  <a:srgbClr val="FF8C00"/>
-                </a:solidFill>
-                <a:latin typeface="Arial"/>
-              </a:rPr>
-              <a:t>Highlighted text</a:t>
-            </a:r>
-            <a:r>
-              <a:rPr sz="1000">
-                <a:solidFill>
-                  <a:srgbClr val="000000"/>
-                </a:solidFill>
-                <a:latin typeface="Arial"/>
-              </a:rPr>
-              <a:t> using double equals for </a:t>
-            </a:r>
-            <a:r>
-              <a:rPr b="1" sz="1000">
-                <a:solidFill>
-                  <a:srgbClr val="FF8C00"/>
-                </a:solidFill>
-                <a:latin typeface="Arial"/>
-              </a:rPr>
-              <a:t>important information</a:t>
-            </a:r>
-            <a:r>
-              <a:rPr sz="1000">
-                <a:solidFill>
-                  <a:srgbClr val="000000"/>
-                </a:solidFill>
-                <a:latin typeface="Arial"/>
-              </a:rPr>
-              <a:t>.</a:t>
-            </a:r>
-          </a:p>
-        </p:txBody>
-      </p:sp>
-      <p:sp>
-        <p:nvSpPr>
-          <p:cNvPr id="8" name="TextBox 7"/>
-          <p:cNvSpPr txBox="1"/>
-          <p:nvPr/>
-        </p:nvSpPr>
-        <p:spPr>
-          <a:xfrm>
-            <a:off x="200025" y="1800225"/>
-            <a:ext cx="8943975" cy="274320"/>
-          </a:xfrm>
-          <a:prstGeom prst="rect">
-            <a:avLst/>
-          </a:prstGeom>
-          <a:noFill/>
-        </p:spPr>
-        <p:txBody>
-          <a:bodyPr wrap="square" lIns="0" rIns="0" tIns="0" bIns="0">
-            <a:spAutoFit/>
-          </a:bodyPr>
-          <a:lstStyle/>
-          <a:p>
-            <a:pPr algn="l">
-              <a:lnSpc>
-                <a:spcPct val="120000"/>
-              </a:lnSpc>
-              <a:spcBef>
-                <a:spcPts val="0"/>
-              </a:spcBef>
-              <a:spcAft>
-                <a:spcPts val="0"/>
-              </a:spcAft>
-            </a:pPr>
-            <a:r>
-              <a:rPr u="sng" sz="1000">
-                <a:solidFill>
-                  <a:srgbClr val="000000"/>
-                </a:solidFill>
-                <a:latin typeface="Arial"/>
-              </a:rPr>
-              <a:t>Underlined text</a:t>
-            </a:r>
-            <a:r>
-              <a:rPr sz="1000">
-                <a:solidFill>
-                  <a:srgbClr val="000000"/>
-                </a:solidFill>
-                <a:latin typeface="Arial"/>
-              </a:rPr>
-              <a:t> using double plus signs for </a:t>
-            </a:r>
-            <a:r>
-              <a:rPr u="sng" sz="1000">
-                <a:solidFill>
-                  <a:srgbClr val="000000"/>
-                </a:solidFill>
-                <a:latin typeface="Arial"/>
-              </a:rPr>
-              <a:t>emphasis or citations</a:t>
-            </a:r>
-            <a:r>
-              <a:rPr sz="1000">
-                <a:solidFill>
-                  <a:srgbClr val="000000"/>
-                </a:solidFill>
-                <a:latin typeface="Arial"/>
-              </a:rPr>
-              <a:t>.</a:t>
-            </a:r>
-          </a:p>
-        </p:txBody>
-      </p:sp>
-      <p:sp>
-        <p:nvSpPr>
-          <p:cNvPr id="9" name="TextBox 8"/>
-          <p:cNvSpPr txBox="1"/>
-          <p:nvPr/>
-        </p:nvSpPr>
-        <p:spPr>
-          <a:xfrm>
-            <a:off x="200025" y="2028825"/>
-            <a:ext cx="8943975" cy="274320"/>
-          </a:xfrm>
-          <a:prstGeom prst="rect">
-            <a:avLst/>
-          </a:prstGeom>
-          <a:noFill/>
-        </p:spPr>
-        <p:txBody>
-          <a:bodyPr wrap="square" lIns="0" rIns="0" tIns="0" bIns="0">
-            <a:spAutoFit/>
-          </a:bodyPr>
-          <a:lstStyle/>
-          <a:p>
-            <a:pPr algn="l">
-              <a:lnSpc>
-                <a:spcPct val="120000"/>
-              </a:lnSpc>
-              <a:spcBef>
-                <a:spcPts val="0"/>
-              </a:spcBef>
-              <a:spcAft>
-                <a:spcPts val="0"/>
-              </a:spcAft>
-            </a:pPr>
-            <a:r>
-              <a:rPr strike="sngStrike" sz="1000">
-                <a:solidFill>
-                  <a:srgbClr val="000000"/>
-                </a:solidFill>
-                <a:latin typeface="Arial"/>
-              </a:rPr>
-              <a:t>strikethrough text</a:t>
-            </a:r>
-            <a:r>
-              <a:rPr sz="1000">
-                <a:solidFill>
-                  <a:srgbClr val="000000"/>
-                </a:solidFill>
-                <a:latin typeface="Arial"/>
-              </a:rPr>
-              <a:t> using double tilde for </a:t>
-            </a:r>
-            <a:r>
-              <a:rPr strike="sngStrike" sz="1000">
-                <a:solidFill>
-                  <a:srgbClr val="000000"/>
-                </a:solidFill>
-                <a:latin typeface="Arial"/>
-              </a:rPr>
-              <a:t>deleted text</a:t>
-            </a:r>
-            <a:r>
-              <a:rPr sz="1000">
-                <a:solidFill>
-                  <a:srgbClr val="000000"/>
-                </a:solidFill>
-                <a:latin typeface="Arial"/>
-              </a:rPr>
-              <a:t>.</a:t>
-            </a:r>
-          </a:p>
-        </p:txBody>
-      </p:sp>
-      <p:sp>
-        <p:nvSpPr>
-          <p:cNvPr id="10" name="TextBox 9"/>
-          <p:cNvSpPr txBox="1"/>
-          <p:nvPr/>
-        </p:nvSpPr>
-        <p:spPr>
-          <a:xfrm>
-            <a:off x="200025" y="2257425"/>
-            <a:ext cx="8943975" cy="274320"/>
-          </a:xfrm>
-          <a:prstGeom prst="rect">
-            <a:avLst/>
-          </a:prstGeom>
-          <a:noFill/>
-        </p:spPr>
-        <p:txBody>
-          <a:bodyPr wrap="square" lIns="0" rIns="0" tIns="0" bIns="0">
-            <a:spAutoFit/>
-          </a:bodyPr>
-          <a:lstStyle/>
-          <a:p>
-            <a:pPr algn="l">
-              <a:lnSpc>
-                <a:spcPct val="120000"/>
-              </a:lnSpc>
-              <a:spcBef>
-                <a:spcPts val="0"/>
-              </a:spcBef>
-              <a:spcAft>
-                <a:spcPts val="0"/>
-              </a:spcAft>
-            </a:pPr>
-            <a:r>
-              <a:rPr u="wavy" sz="1000">
-                <a:solidFill>
-                  <a:srgbClr val="000000"/>
-                </a:solidFill>
-                <a:latin typeface="Arial"/>
-              </a:rPr>
-              <a:t>wavy underlined text</a:t>
-            </a:r>
-            <a:r>
-              <a:rPr sz="1000">
-                <a:solidFill>
-                  <a:srgbClr val="000000"/>
-                </a:solidFill>
-                <a:latin typeface="Arial"/>
-              </a:rPr>
-              <a:t> using double caret for </a:t>
-            </a:r>
-            <a:r>
-              <a:rPr u="wavy" sz="1000">
-                <a:solidFill>
-                  <a:srgbClr val="000000"/>
-                </a:solidFill>
-                <a:latin typeface="Arial"/>
-              </a:rPr>
-              <a:t>emphasized information</a:t>
-            </a:r>
-            <a:r>
-              <a:rPr sz="1000">
-                <a:solidFill>
-                  <a:srgbClr val="000000"/>
-                </a:solidFill>
-                <a:latin typeface="Arial"/>
-              </a:rPr>
-              <a:t>.</a:t>
-            </a:r>
-          </a:p>
-        </p:txBody>
-      </p:sp>
-      <p:sp>
-        <p:nvSpPr>
-          <p:cNvPr id="11" name="TextBox 10"/>
-          <p:cNvSpPr txBox="1"/>
-          <p:nvPr/>
-        </p:nvSpPr>
-        <p:spPr>
-          <a:xfrm>
-            <a:off x="200025" y="2486025"/>
-            <a:ext cx="8943975" cy="274320"/>
-          </a:xfrm>
-          <a:prstGeom prst="rect">
-            <a:avLst/>
-          </a:prstGeom>
-          <a:noFill/>
-        </p:spPr>
-        <p:txBody>
-          <a:bodyPr wrap="square" lIns="0" rIns="0" tIns="0" bIns="0">
-            <a:spAutoFit/>
-          </a:bodyPr>
-          <a:lstStyle/>
-          <a:p>
-            <a:pPr algn="l">
-              <a:lnSpc>
-                <a:spcPct val="120000"/>
-              </a:lnSpc>
-              <a:spcBef>
-                <a:spcPts val="0"/>
-              </a:spcBef>
-              <a:spcAft>
-                <a:spcPts val="0"/>
-              </a:spcAft>
-            </a:pPr>
-            <a:r>
-              <a:rPr sz="1000">
-                <a:solidFill>
-                  <a:srgbClr val="000000"/>
-                </a:solidFill>
-                <a:latin typeface="Arial"/>
-              </a:rPr>
-              <a:t>A sentence with a </a:t>
-            </a:r>
-            <a:r>
-              <a:rPr u="sng" sz="1000">
-                <a:solidFill>
-                  <a:srgbClr val="0066CC"/>
-                </a:solidFill>
-                <a:latin typeface="Arial"/>
-                <a:hlinkClick r:id="rId2"/>
-              </a:rPr>
-              <a:t>Google</a:t>
-            </a:r>
-            <a:r>
-              <a:rPr sz="1000">
-                <a:solidFill>
-                  <a:srgbClr val="000000"/>
-                </a:solidFill>
-                <a:latin typeface="Arial"/>
-              </a:rPr>
-              <a:t> hyperlink embedded.</a:t>
-            </a:r>
-          </a:p>
-        </p:txBody>
-      </p:sp>
-      <p:sp>
-        <p:nvSpPr>
-          <p:cNvPr id="12" name="TextBox 11"/>
-          <p:cNvSpPr txBox="1"/>
-          <p:nvPr/>
-        </p:nvSpPr>
-        <p:spPr>
-          <a:xfrm>
-            <a:off x="200025" y="2714625"/>
-            <a:ext cx="8943975" cy="274320"/>
-          </a:xfrm>
-          <a:prstGeom prst="rect">
-            <a:avLst/>
-          </a:prstGeom>
-          <a:noFill/>
-        </p:spPr>
-        <p:txBody>
-          <a:bodyPr wrap="square" lIns="0" rIns="0" tIns="0" bIns="0">
-            <a:spAutoFit/>
-          </a:bodyPr>
-          <a:lstStyle/>
-          <a:p>
-            <a:pPr algn="l">
-              <a:lnSpc>
-                <a:spcPct val="120000"/>
-              </a:lnSpc>
-              <a:spcBef>
-                <a:spcPts val="0"/>
-              </a:spcBef>
-              <a:spcAft>
-                <a:spcPts val="0"/>
-              </a:spcAft>
-            </a:pPr>
-            <a:r>
-              <a:rPr sz="1000">
-                <a:solidFill>
-                  <a:srgbClr val="FF0000"/>
-                </a:solidFill>
-                <a:latin typeface="Arial"/>
-              </a:rPr>
-              <a:t>Colorful text</a:t>
-            </a:r>
-            <a:r>
-              <a:rPr sz="1000">
-                <a:solidFill>
-                  <a:srgbClr val="000000"/>
-                </a:solidFill>
-                <a:latin typeface="Arial"/>
-              </a:rPr>
-              <a:t> demonstrates inline color customization.</a:t>
-            </a:r>
-          </a:p>
-        </p:txBody>
-      </p:sp>
-      <p:sp>
-        <p:nvSpPr>
-          <p:cNvPr id="13" name="TextBox 12"/>
-          <p:cNvSpPr txBox="1"/>
-          <p:nvPr/>
-        </p:nvSpPr>
-        <p:spPr>
-          <a:xfrm>
-            <a:off x="200025" y="2847974"/>
-            <a:ext cx="8943975" cy="304800"/>
-          </a:xfrm>
-          <a:prstGeom prst="rect">
-            <a:avLst/>
-          </a:prstGeom>
-          <a:noFill/>
-        </p:spPr>
-        <p:txBody>
-          <a:bodyPr wrap="square" lIns="0" rIns="0" tIns="0" bIns="0">
-            <a:spAutoFit/>
-          </a:bodyPr>
-          <a:lstStyle/>
-          <a:p>
-            <a:pPr algn="l">
-              <a:lnSpc>
-                <a:spcPct val="120000"/>
-              </a:lnSpc>
-              <a:spcBef>
-                <a:spcPts val="0"/>
-              </a:spcBef>
-              <a:spcAft>
-                <a:spcPts val="0"/>
-              </a:spcAft>
-            </a:pPr>
-            <a:r>
-              <a:rPr sz="1300" b="1">
-                <a:solidFill>
-                  <a:srgbClr val="000000"/>
-                </a:solidFill>
-                <a:latin typeface="Arial"/>
-              </a:rPr>
-              <a:t>Advanced Combinations</a:t>
-            </a:r>
-          </a:p>
-        </p:txBody>
-      </p:sp>
-      <p:sp>
-        <p:nvSpPr>
-          <p:cNvPr id="14" name="TextBox 13"/>
-          <p:cNvSpPr txBox="1"/>
-          <p:nvPr/>
-        </p:nvSpPr>
-        <p:spPr>
-          <a:xfrm>
-            <a:off x="200025" y="3162299"/>
-            <a:ext cx="8943975" cy="823912"/>
-          </a:xfrm>
-          <a:prstGeom prst="rect">
-            <a:avLst/>
-          </a:prstGeom>
-          <a:noFill/>
-        </p:spPr>
-        <p:txBody>
-          <a:bodyPr wrap="square" lIns="0" rIns="0" tIns="0" bIns="0">
-            <a:spAutoFit/>
-          </a:bodyPr>
-          <a:lstStyle/>
-          <a:p>
-            <a:pPr algn="l">
-              <a:spcBef>
-                <a:spcPts val="0"/>
-              </a:spcBef>
-              <a:spcAft>
-                <a:spcPts val="0"/>
-              </a:spcAft>
-            </a:pPr>
-            <a:r>
-              <a:rPr sz="1000">
-                <a:solidFill>
-                  <a:srgbClr val="000000"/>
-                </a:solidFill>
-                <a:latin typeface="Arial"/>
-              </a:rPr>
-              <a:t>• </a:t>
-            </a:r>
-            <a:r>
-              <a:rPr b="1" sz="1000">
-                <a:solidFill>
-                  <a:srgbClr val="000000"/>
-                </a:solidFill>
-                <a:latin typeface="Arial"/>
-              </a:rPr>
-              <a:t>Bold with </a:t>
-            </a:r>
-            <a:r>
-              <a:rPr b="1" i="1" sz="1000">
-                <a:solidFill>
-                  <a:srgbClr val="000000"/>
-                </a:solidFill>
-                <a:latin typeface="Arial"/>
-              </a:rPr>
-              <a:t>italic inside</a:t>
-            </a:r>
-            <a:r>
-              <a:rPr b="1" sz="1000">
-                <a:solidFill>
-                  <a:srgbClr val="000000"/>
-                </a:solidFill>
-                <a:latin typeface="Arial"/>
-              </a:rPr>
-              <a:t> for emphasis</a:t>
-            </a:r>
-          </a:p>
-          <a:p>
-            <a:pPr algn="l"/>
-            <a:r>
-              <a:rPr sz="1000">
-                <a:solidFill>
-                  <a:srgbClr val="000000"/>
-                </a:solidFill>
-                <a:latin typeface="Arial"/>
-              </a:rPr>
-              <a:t>• </a:t>
-            </a:r>
-            <a:r>
-              <a:rPr i="1" sz="1000">
-                <a:solidFill>
-                  <a:srgbClr val="000000"/>
-                </a:solidFill>
-                <a:latin typeface="Arial"/>
-              </a:rPr>
-              <a:t>Italic with </a:t>
-            </a:r>
-            <a:r>
-              <a:rPr i="1" b="1" sz="1000">
-                <a:solidFill>
-                  <a:srgbClr val="000000"/>
-                </a:solidFill>
-                <a:latin typeface="Arial"/>
-              </a:rPr>
-              <a:t>bold inside</a:t>
-            </a:r>
-            <a:r>
-              <a:rPr i="1" sz="1000">
-                <a:solidFill>
-                  <a:srgbClr val="000000"/>
-                </a:solidFill>
-                <a:latin typeface="Arial"/>
-              </a:rPr>
-              <a:t> for variety</a:t>
-            </a:r>
-          </a:p>
-          <a:p>
-            <a:pPr algn="l"/>
-            <a:r>
-              <a:rPr sz="1000">
-                <a:solidFill>
-                  <a:srgbClr val="000000"/>
-                </a:solidFill>
-                <a:latin typeface="Arial"/>
-              </a:rPr>
-              <a:t>• </a:t>
-            </a:r>
-            <a:r>
-              <a:rPr b="1" sz="1000">
-                <a:solidFill>
-                  <a:srgbClr val="FF8C00"/>
-                </a:solidFill>
-                <a:latin typeface="Arial"/>
-              </a:rPr>
-              <a:t>Highlighted with </a:t>
-            </a:r>
-            <a:r>
-              <a:rPr b="1" sz="1000">
-                <a:solidFill>
-                  <a:srgbClr val="FF8C00"/>
-                </a:solidFill>
-                <a:latin typeface="Arial"/>
-              </a:rPr>
-              <a:t>bold inside</a:t>
-            </a:r>
-            <a:r>
-              <a:rPr b="1" sz="1000">
-                <a:solidFill>
-                  <a:srgbClr val="FF8C00"/>
-                </a:solidFill>
-                <a:latin typeface="Arial"/>
-              </a:rPr>
-              <a:t> for attention</a:t>
-            </a:r>
-          </a:p>
-          <a:p>
-            <a:pPr algn="l"/>
-            <a:r>
-              <a:rPr sz="1000">
-                <a:solidFill>
-                  <a:srgbClr val="000000"/>
-                </a:solidFill>
-                <a:latin typeface="Arial"/>
-              </a:rPr>
-              <a:t>• </a:t>
-            </a:r>
-            <a:r>
-              <a:rPr sz="1000">
-                <a:solidFill>
-                  <a:srgbClr val="000000"/>
-                </a:solidFill>
-                <a:latin typeface="Arial"/>
-              </a:rPr>
-              <a:t>Underlined with </a:t>
-            </a:r>
-            <a:r>
-              <a:rPr b="1" sz="1000">
-                <a:solidFill>
-                  <a:srgbClr val="000000"/>
-                </a:solidFill>
-                <a:latin typeface="Arial"/>
-              </a:rPr>
-              <a:t>bold inside</a:t>
-            </a:r>
-            <a:r>
-              <a:rPr sz="1000">
-                <a:solidFill>
-                  <a:srgbClr val="000000"/>
-                </a:solidFill>
-                <a:latin typeface="Arial"/>
-              </a:rPr>
-              <a:t> for citations</a:t>
-            </a:r>
-          </a:p>
-          <a:p>
-            <a:pPr algn="l"/>
-            <a:r>
-              <a:rPr sz="1000">
-                <a:solidFill>
-                  <a:srgbClr val="000000"/>
-                </a:solidFill>
-                <a:latin typeface="Arial"/>
-              </a:rPr>
-              <a:t>• </a:t>
-            </a:r>
-            <a:r>
-              <a:rPr sz="800">
-                <a:solidFill>
-                  <a:srgbClr val="333333"/>
-                </a:solidFill>
-                <a:latin typeface="Courier New"/>
-              </a:rPr>
-              <a:t>Code with formatting</a:t>
-            </a:r>
-            <a:r>
-              <a:rPr sz="1000">
-                <a:solidFill>
-                  <a:srgbClr val="000000"/>
-                </a:solidFill>
-                <a:latin typeface="Arial"/>
-              </a:rPr>
-              <a:t> (note: formatting preserved where possible)</a:t>
-            </a:r>
-          </a:p>
-        </p:txBody>
-      </p:sp>
-      <p:sp>
-        <p:nvSpPr>
-          <p:cNvPr id="15" name="TextBox 14"/>
-          <p:cNvSpPr txBox="1"/>
-          <p:nvPr/>
-        </p:nvSpPr>
-        <p:spPr>
-          <a:xfrm>
-            <a:off x="200025" y="3890962"/>
-            <a:ext cx="8943975" cy="304800"/>
-          </a:xfrm>
-          <a:prstGeom prst="rect">
-            <a:avLst/>
-          </a:prstGeom>
-          <a:noFill/>
-        </p:spPr>
-        <p:txBody>
-          <a:bodyPr wrap="square" lIns="0" rIns="0" tIns="0" bIns="0">
-            <a:spAutoFit/>
-          </a:bodyPr>
-          <a:lstStyle/>
-          <a:p>
-            <a:pPr algn="l">
-              <a:lnSpc>
-                <a:spcPct val="120000"/>
-              </a:lnSpc>
-              <a:spcBef>
-                <a:spcPts val="0"/>
-              </a:spcBef>
-              <a:spcAft>
-                <a:spcPts val="0"/>
-              </a:spcAft>
-            </a:pPr>
-            <a:r>
-              <a:rPr sz="1300" b="1">
-                <a:solidFill>
-                  <a:srgbClr val="000000"/>
-                </a:solidFill>
-                <a:latin typeface="Arial"/>
-              </a:rPr>
-              <a:t>Real-World Examples</a:t>
-            </a:r>
-          </a:p>
-        </p:txBody>
-      </p:sp>
-      <p:sp>
-        <p:nvSpPr>
-          <p:cNvPr id="16" name="TextBox 15"/>
-          <p:cNvSpPr txBox="1"/>
-          <p:nvPr/>
-        </p:nvSpPr>
-        <p:spPr>
-          <a:xfrm>
-            <a:off x="200025" y="4195762"/>
-            <a:ext cx="8943975" cy="274320"/>
-          </a:xfrm>
-          <a:prstGeom prst="rect">
-            <a:avLst/>
-          </a:prstGeom>
-          <a:noFill/>
-        </p:spPr>
-        <p:txBody>
-          <a:bodyPr wrap="square" lIns="0" rIns="0" tIns="0" bIns="0">
-            <a:spAutoFit/>
-          </a:bodyPr>
-          <a:lstStyle/>
-          <a:p>
-            <a:pPr algn="l">
-              <a:lnSpc>
-                <a:spcPct val="120000"/>
-              </a:lnSpc>
-              <a:spcBef>
-                <a:spcPts val="0"/>
-              </a:spcBef>
-              <a:spcAft>
-                <a:spcPts val="0"/>
-              </a:spcAft>
-            </a:pPr>
-            <a:r>
-              <a:rPr sz="1000">
-                <a:solidFill>
-                  <a:srgbClr val="000000"/>
-                </a:solidFill>
-                <a:latin typeface="Arial"/>
-              </a:rPr>
-              <a:t>The </a:t>
-            </a:r>
-            <a:r>
-              <a:rPr sz="800">
-                <a:solidFill>
-                  <a:srgbClr val="333333"/>
-                </a:solidFill>
-                <a:latin typeface="Courier New"/>
-              </a:rPr>
-              <a:t>SlideGenerator</a:t>
-            </a:r>
-            <a:r>
-              <a:rPr sz="1000">
-                <a:solidFill>
-                  <a:srgbClr val="000000"/>
-                </a:solidFill>
-                <a:latin typeface="Arial"/>
-              </a:rPr>
-              <a:t> class provides a </a:t>
-            </a:r>
-            <a:r>
-              <a:rPr b="1" sz="1000">
-                <a:solidFill>
-                  <a:srgbClr val="000000"/>
-                </a:solidFill>
-                <a:latin typeface="Arial"/>
-              </a:rPr>
-              <a:t>powerful API</a:t>
-            </a:r>
-            <a:r>
-              <a:rPr sz="1000">
-                <a:solidFill>
-                  <a:srgbClr val="000000"/>
-                </a:solidFill>
-                <a:latin typeface="Arial"/>
-              </a:rPr>
-              <a:t> for converting </a:t>
-            </a:r>
-            <a:r>
-              <a:rPr i="1" sz="1000">
-                <a:solidFill>
-                  <a:srgbClr val="000000"/>
-                </a:solidFill>
-                <a:latin typeface="Arial"/>
-              </a:rPr>
-              <a:t>markdown</a:t>
-            </a:r>
-            <a:r>
-              <a:rPr sz="1000">
-                <a:solidFill>
-                  <a:srgbClr val="000000"/>
-                </a:solidFill>
-                <a:latin typeface="Arial"/>
-              </a:rPr>
-              <a:t> to </a:t>
-            </a:r>
-            <a:r>
-              <a:rPr b="1" sz="1000">
-                <a:solidFill>
-                  <a:srgbClr val="FF8C00"/>
-                </a:solidFill>
-                <a:latin typeface="Arial"/>
-              </a:rPr>
-              <a:t>professional presentations</a:t>
-            </a:r>
-            <a:r>
-              <a:rPr sz="1000">
-                <a:solidFill>
-                  <a:srgbClr val="000000"/>
-                </a:solidFill>
-                <a:latin typeface="Arial"/>
-              </a:rPr>
-              <a:t> with </a:t>
-            </a:r>
-            <a:r>
-              <a:rPr u="sng" sz="1000">
-                <a:solidFill>
-                  <a:srgbClr val="000000"/>
-                </a:solidFill>
-                <a:latin typeface="Arial"/>
-              </a:rPr>
-              <a:t>full formatting support</a:t>
-            </a:r>
-            <a:r>
-              <a:rPr sz="1000">
-                <a:solidFill>
-                  <a:srgbClr val="000000"/>
-                </a:solidFill>
-                <a:latin typeface="Arial"/>
-              </a:rPr>
-              <a:t>.</a:t>
-            </a:r>
-          </a:p>
-        </p:txBody>
-      </p:sp>
-      <p:sp>
-        <p:nvSpPr>
-          <p:cNvPr id="17" name="TextBox 16"/>
-          <p:cNvSpPr txBox="1"/>
-          <p:nvPr/>
-        </p:nvSpPr>
-        <p:spPr>
-          <a:xfrm>
-            <a:off x="200025" y="4433887"/>
-            <a:ext cx="8943975" cy="274320"/>
-          </a:xfrm>
-          <a:prstGeom prst="rect">
-            <a:avLst/>
-          </a:prstGeom>
-          <a:noFill/>
-        </p:spPr>
-        <p:txBody>
-          <a:bodyPr wrap="square" lIns="0" rIns="0" tIns="0" bIns="0">
-            <a:spAutoFit/>
-          </a:bodyPr>
-          <a:lstStyle/>
-          <a:p>
-            <a:pPr algn="l">
-              <a:lnSpc>
-                <a:spcPct val="120000"/>
-              </a:lnSpc>
-              <a:spcBef>
-                <a:spcPts val="0"/>
-              </a:spcBef>
-              <a:spcAft>
-                <a:spcPts val="0"/>
-              </a:spcAft>
-            </a:pPr>
-            <a:r>
-              <a:rPr sz="1000">
-                <a:solidFill>
-                  <a:srgbClr val="000000"/>
-                </a:solidFill>
-                <a:latin typeface="Arial"/>
-              </a:rPr>
-              <a:t>Call </a:t>
-            </a:r>
-            <a:r>
-              <a:rPr sz="800">
-                <a:solidFill>
-                  <a:srgbClr val="333333"/>
-                </a:solidFill>
-                <a:latin typeface="Courier New"/>
-              </a:rPr>
-              <a:t>generator.generate(markdown, "output.pptx")</a:t>
-            </a:r>
-            <a:r>
-              <a:rPr sz="1000">
-                <a:solidFill>
-                  <a:srgbClr val="000000"/>
-                </a:solidFill>
-                <a:latin typeface="Arial"/>
-              </a:rPr>
-              <a:t> where </a:t>
-            </a:r>
-            <a:r>
-              <a:rPr b="1" sz="1000">
-                <a:solidFill>
-                  <a:srgbClr val="000000"/>
-                </a:solidFill>
-                <a:latin typeface="Arial"/>
-              </a:rPr>
-              <a:t>markdown</a:t>
-            </a:r>
-            <a:r>
-              <a:rPr sz="1000">
-                <a:solidFill>
-                  <a:srgbClr val="000000"/>
-                </a:solidFill>
-                <a:latin typeface="Arial"/>
-              </a:rPr>
-              <a:t> is your source and </a:t>
-            </a:r>
-            <a:r>
-              <a:rPr b="1" sz="1000">
-                <a:solidFill>
-                  <a:srgbClr val="FF8C00"/>
-                </a:solidFill>
-                <a:latin typeface="Arial"/>
-              </a:rPr>
-              <a:t>output.pptx</a:t>
-            </a:r>
-            <a:r>
-              <a:rPr sz="1000">
-                <a:solidFill>
-                  <a:srgbClr val="000000"/>
-                </a:solidFill>
-                <a:latin typeface="Arial"/>
-              </a:rPr>
-              <a:t> is the </a:t>
-            </a:r>
-            <a:r>
-              <a:rPr u="sng" sz="1000">
-                <a:solidFill>
-                  <a:srgbClr val="000000"/>
-                </a:solidFill>
-                <a:latin typeface="Arial"/>
-              </a:rPr>
-              <a:t>final result</a:t>
-            </a:r>
-            <a:r>
-              <a:rPr sz="1000">
-                <a:solidFill>
-                  <a:srgbClr val="000000"/>
-                </a:solidFill>
-                <a:latin typeface="Arial"/>
-              </a:rPr>
-              <a:t>.</a:t>
-            </a:r>
-          </a:p>
-        </p:txBody>
-      </p:sp>
-    </p:spTree>
-  </p:cSld>
-  <p:clrMapOvr>
-    <a:masterClrMapping/>
-  </p:clrMapOvr>
-</p:sld>
-</file>
-
-<file path=ppt/slides/slide20.xml><?xml version="1.0" encoding="utf-8"?>
-<p:sld xmlns:a="http://schemas.openxmlformats.org/drawingml/2006/main" xmlns:p="http://schemas.openxmlformats.org/presentationml/2006/main" xmlns:r="http://schemas.openxmlformats.org/officeDocument/2006/relationships">
-  <p:cSld>
-    <p:bg>
-      <p:bgPr>
-        <a:solidFill>
-          <a:srgbClr val="FFFFFF"/>
-        </a:solidFill>
-        <a:effectLst/>
-      </p:bgPr>
-    </p:bg>
-    <p:spTree>
-      <p:nvGrpSpPr>
-        <p:cNvPr id="1" name=""/>
-        <p:cNvGrpSpPr/>
-        <p:nvPr/>
-      </p:nvGrpSpPr>
-      <p:grpSpPr/>
-      <p:sp>
-        <p:nvSpPr>
-          <p:cNvPr id="2" name="TextBox 1"/>
-          <p:cNvSpPr txBox="1"/>
-          <p:nvPr/>
-        </p:nvSpPr>
-        <p:spPr>
-          <a:xfrm>
-            <a:off x="200025" y="180975"/>
-            <a:ext cx="8943975" cy="390525"/>
-          </a:xfrm>
-          <a:prstGeom prst="rect">
-            <a:avLst/>
-          </a:prstGeom>
-          <a:noFill/>
-        </p:spPr>
-        <p:txBody>
-          <a:bodyPr wrap="square" lIns="0" rIns="0" tIns="0" bIns="0">
-            <a:spAutoFit/>
-          </a:bodyPr>
-          <a:lstStyle/>
-          <a:p>
-            <a:pPr algn="l">
-              <a:lnSpc>
-                <a:spcPct val="120000"/>
-              </a:lnSpc>
-              <a:spcBef>
-                <a:spcPts val="0"/>
-              </a:spcBef>
-              <a:spcAft>
-                <a:spcPts val="0"/>
-              </a:spcAft>
-            </a:pPr>
-            <a:r>
-              <a:rPr sz="1600" b="1">
-                <a:solidFill>
-                  <a:srgbClr val="000000"/>
-                </a:solidFill>
-                <a:latin typeface="Arial"/>
-              </a:rPr>
-              <a:t>📈 Figures Demo (Columns)</a:t>
-            </a:r>
-          </a:p>
-        </p:txBody>
-      </p:sp>
-      <p:pic>
-        <p:nvPicPr>
-          <p:cNvPr id="3" name="Picture 2" descr="chart_bar.png"/>
-          <p:cNvPicPr>
-            <a:picLocks noChangeAspect="1"/>
-          </p:cNvPicPr>
-          <p:nvPr/>
-        </p:nvPicPr>
-        <p:blipFill>
-          <a:blip r:embed="rId2"/>
-          <a:stretch>
-            <a:fillRect/>
-          </a:stretch>
-        </p:blipFill>
-        <p:spPr>
-          <a:xfrm>
-            <a:off x="228600" y="581025"/>
-            <a:ext cx="3809999" cy="2857500"/>
-          </a:xfrm>
-          <a:prstGeom prst="rect">
-            <a:avLst/>
-          </a:prstGeom>
-        </p:spPr>
-      </p:pic>
-      <p:sp>
-        <p:nvSpPr>
-          <p:cNvPr id="4" name="TextBox 3"/>
-          <p:cNvSpPr txBox="1"/>
-          <p:nvPr/>
-        </p:nvSpPr>
-        <p:spPr>
-          <a:xfrm>
-            <a:off x="5619750" y="676274"/>
-            <a:ext cx="3524250" cy="342900"/>
-          </a:xfrm>
-          <a:prstGeom prst="rect">
-            <a:avLst/>
-          </a:prstGeom>
-          <a:noFill/>
-        </p:spPr>
-        <p:txBody>
-          <a:bodyPr wrap="square" lIns="0" rIns="0" tIns="0" bIns="0">
-            <a:spAutoFit/>
-          </a:bodyPr>
-          <a:lstStyle/>
-          <a:p>
-            <a:pPr algn="l">
-              <a:lnSpc>
-                <a:spcPct val="120000"/>
-              </a:lnSpc>
-              <a:spcBef>
-                <a:spcPts val="0"/>
-              </a:spcBef>
-              <a:spcAft>
-                <a:spcPts val="0"/>
-              </a:spcAft>
-            </a:pPr>
-            <a:r>
-              <a:rPr sz="1000">
-                <a:solidFill>
-                  <a:srgbClr val="000000"/>
-                </a:solidFill>
-                <a:latin typeface="Arial"/>
-              </a:rPr>
-              <a:t>The bar chart shows relative task completion percentages. Authentication and API docs are finished; analytics is lagging.</a:t>
             </a:r>
           </a:p>
         </p:txBody>
@@ -13053,14 +13507,14 @@
                 </a:solidFill>
                 <a:latin typeface="Arial"/>
               </a:rPr>
-              <a:t>🖼️ Figure + Table Demo</a:t>
+              <a:t>📈 Figures Demo (Columns)</a:t>
             </a:r>
           </a:p>
         </p:txBody>
       </p:sp>
       <p:pic>
         <p:nvPicPr>
-          <p:cNvPr id="3" name="Picture 2" descr="chart_pie.png"/>
+          <p:cNvPr id="3" name="Picture 2" descr="chart_bar.png"/>
           <p:cNvPicPr>
             <a:picLocks noChangeAspect="1"/>
           </p:cNvPicPr>
@@ -13074,8 +13528,8 @@
         </p:blipFill>
         <p:spPr>
           <a:xfrm>
-            <a:off x="228600" y="581025"/>
-            <a:ext cx="2857500" cy="2857500"/>
+            <a:off x="247649" y="571500"/>
+            <a:ext cx="3809999" cy="2857500"/>
           </a:xfrm>
           <a:prstGeom prst="rect">
             <a:avLst/>
@@ -13090,8 +13544,8 @@
         </p:nvSpPr>
         <p:spPr>
           <a:xfrm>
-            <a:off x="4648200" y="581025"/>
-            <a:ext cx="923924" cy="1333500"/>
+            <a:off x="5581649" y="666750"/>
+            <a:ext cx="3562349" cy="342900"/>
           </a:xfrm>
           <a:prstGeom prst="rect">
             <a:avLst/>
@@ -13104,7 +13558,10 @@
           </a:bodyPr>
           <a:lstStyle/>
           <a:p>
-            <a:pPr>
+            <a:pPr algn="l">
+              <a:lnSpc>
+                <a:spcPct val="120000"/>
+              </a:lnSpc>
               <a:spcBef>
                 <a:spcPts val="0"/>
               </a:spcBef>
@@ -13112,562 +13569,18 @@
                 <a:spcPts val="0"/>
               </a:spcAft>
             </a:pPr>
+            <a:r>
+              <a:rPr sz="1000">
+                <a:solidFill>
+                  <a:srgbClr val="000000"/>
+                </a:solidFill>
+                <a:latin typeface="Arial"/>
+              </a:rPr>
+              <a:t>The bar chart shows relative task completion percentages. Authentication and API docs are finished; analytics is lagging.</a:t>
+            </a:r>
           </a:p>
         </p:txBody>
       </p:sp>
-      <p:graphicFrame>
-        <p:nvGraphicFramePr>
-          <p:cNvPr id="5" name="Table 4"/>
-          <p:cNvGraphicFramePr>
-            <a:graphicFrameLocks noGrp="1"/>
-          </p:cNvGraphicFramePr>
-          <p:nvPr/>
-        </p:nvGraphicFramePr>
-        <p:xfrm>
-          <a:off x="4648200" y="581025"/>
-          <a:ext cx="1014352" cy="1285872"/>
-        </p:xfrm>
-        <a:graphic>
-          <a:graphicData uri="http://schemas.openxmlformats.org/drawingml/2006/table">
-            <a:tbl>
-              <a:tblPr>
-                <a:tblBorders>
-                  <a:lnL w="12700">
-                    <a:solidFill>
-                      <a:srgbClr val="000"/>
-                    </a:solidFill>
-                  </a:lnL>
-                  <a:lnR w="12700">
-                    <a:solidFill>
-                      <a:srgbClr val="000"/>
-                    </a:solidFill>
-                  </a:lnR>
-                  <a:lnT w="12700">
-                    <a:solidFill>
-                      <a:srgbClr val="000"/>
-                    </a:solidFill>
-                  </a:lnT>
-                  <a:lnB w="12700">
-                    <a:solidFill>
-                      <a:srgbClr val="000"/>
-                    </a:solidFill>
-                  </a:lnB>
-                  <a:lnInsideH w="12700">
-                    <a:solidFill>
-                      <a:srgbClr val="000"/>
-                    </a:solidFill>
-                  </a:lnInsideH>
-                  <a:lnInsideV w="12700">
-                    <a:solidFill>
-                      <a:srgbClr val="000"/>
-                    </a:solidFill>
-                  </a:lnInsideV>
-                </a:tblBorders>
-              </a:tblPr>
-              <a:tblGrid>
-                <a:gridCol w="719673"/>
-                <a:gridCol w="294679"/>
-              </a:tblGrid>
-              <a:tr h="321468">
-                <a:tc>
-                  <a:txBody>
-                    <a:bodyPr lIns="76200" rIns="76200" tIns="76200" bIns="76200"/>
-                    <a:lstStyle/>
-                    <a:p>
-                      <a:pPr>
-                        <a:lnSpc>
-                          <a:spcPct val="120000"/>
-                        </a:lnSpc>
-                      </a:pPr>
-                      <a:r>
-                        <a:rPr b="1" sz="800">
-                          <a:solidFill>
-                            <a:srgbClr val="000000"/>
-                          </a:solidFill>
-                          <a:latin typeface="Arial"/>
-                        </a:rPr>
-                        <a:t>Segment</a:t>
-                      </a:r>
-                    </a:p>
-                  </a:txBody>
-                  <a:tcPr>
-                    <a:noFill/>
-                    <a:lnL w="12700">
-                      <a:solidFill>
-                        <a:srgbClr val="000"/>
-                      </a:solidFill>
-                      <a:prstDash val="solid"/>
-                      <a:round/>
-                      <a:headEnd type="none" w="med" len="med"/>
-                      <a:tailEnd type="none" w="med" len="med"/>
-                    </a:lnL>
-                    <a:lnR w="12700">
-                      <a:solidFill>
-                        <a:srgbClr val="000"/>
-                      </a:solidFill>
-                      <a:prstDash val="solid"/>
-                      <a:round/>
-                      <a:headEnd type="none" w="med" len="med"/>
-                      <a:tailEnd type="none" w="med" len="med"/>
-                    </a:lnR>
-                    <a:lnT w="12700">
-                      <a:solidFill>
-                        <a:srgbClr val="000"/>
-                      </a:solidFill>
-                      <a:prstDash val="solid"/>
-                      <a:round/>
-                      <a:headEnd type="none" w="med" len="med"/>
-                      <a:tailEnd type="none" w="med" len="med"/>
-                    </a:lnT>
-                    <a:lnB w="12700">
-                      <a:solidFill>
-                        <a:srgbClr val="000"/>
-                      </a:solidFill>
-                      <a:prstDash val="solid"/>
-                      <a:round/>
-                      <a:headEnd type="none" w="med" len="med"/>
-                      <a:tailEnd type="none" w="med" len="med"/>
-                    </a:lnB>
-                  </a:tcPr>
-                </a:tc>
-                <a:tc>
-                  <a:txBody>
-                    <a:bodyPr lIns="76200" rIns="76200" tIns="76200" bIns="76200"/>
-                    <a:lstStyle/>
-                    <a:p>
-                      <a:pPr>
-                        <a:lnSpc>
-                          <a:spcPct val="120000"/>
-                        </a:lnSpc>
-                      </a:pPr>
-                      <a:r>
-                        <a:rPr b="1" sz="800">
-                          <a:solidFill>
-                            <a:srgbClr val="000000"/>
-                          </a:solidFill>
-                          <a:latin typeface="Arial"/>
-                        </a:rPr>
-                        <a:t>%</a:t>
-                      </a:r>
-                    </a:p>
-                  </a:txBody>
-                  <a:tcPr>
-                    <a:noFill/>
-                    <a:lnL w="12700">
-                      <a:solidFill>
-                        <a:srgbClr val="000"/>
-                      </a:solidFill>
-                      <a:prstDash val="solid"/>
-                      <a:round/>
-                      <a:headEnd type="none" w="med" len="med"/>
-                      <a:tailEnd type="none" w="med" len="med"/>
-                    </a:lnL>
-                    <a:lnR w="12700">
-                      <a:solidFill>
-                        <a:srgbClr val="000"/>
-                      </a:solidFill>
-                      <a:prstDash val="solid"/>
-                      <a:round/>
-                      <a:headEnd type="none" w="med" len="med"/>
-                      <a:tailEnd type="none" w="med" len="med"/>
-                    </a:lnR>
-                    <a:lnT w="12700">
-                      <a:solidFill>
-                        <a:srgbClr val="000"/>
-                      </a:solidFill>
-                      <a:prstDash val="solid"/>
-                      <a:round/>
-                      <a:headEnd type="none" w="med" len="med"/>
-                      <a:tailEnd type="none" w="med" len="med"/>
-                    </a:lnT>
-                    <a:lnB w="12700">
-                      <a:solidFill>
-                        <a:srgbClr val="000"/>
-                      </a:solidFill>
-                      <a:prstDash val="solid"/>
-                      <a:round/>
-                      <a:headEnd type="none" w="med" len="med"/>
-                      <a:tailEnd type="none" w="med" len="med"/>
-                    </a:lnB>
-                  </a:tcPr>
-                </a:tc>
-              </a:tr>
-              <a:tr h="321468">
-                <a:tc>
-                  <a:txBody>
-                    <a:bodyPr lIns="76200" rIns="76200" tIns="76200" bIns="76200"/>
-                    <a:lstStyle/>
-                    <a:p>
-                      <a:pPr>
-                        <a:lnSpc>
-                          <a:spcPct val="120000"/>
-                        </a:lnSpc>
-                      </a:pPr>
-                      <a:r>
-                        <a:rPr sz="800">
-                          <a:solidFill>
-                            <a:srgbClr val="000000"/>
-                          </a:solidFill>
-                          <a:latin typeface="Arial"/>
-                        </a:rPr>
-                        <a:t>Complete</a:t>
-                      </a:r>
-                    </a:p>
-                  </a:txBody>
-                  <a:tcPr>
-                    <a:noFill/>
-                    <a:lnL w="12700">
-                      <a:solidFill>
-                        <a:srgbClr val="000"/>
-                      </a:solidFill>
-                      <a:prstDash val="solid"/>
-                      <a:round/>
-                      <a:headEnd type="none" w="med" len="med"/>
-                      <a:tailEnd type="none" w="med" len="med"/>
-                    </a:lnL>
-                    <a:lnR w="12700">
-                      <a:solidFill>
-                        <a:srgbClr val="000"/>
-                      </a:solidFill>
-                      <a:prstDash val="solid"/>
-                      <a:round/>
-                      <a:headEnd type="none" w="med" len="med"/>
-                      <a:tailEnd type="none" w="med" len="med"/>
-                    </a:lnR>
-                    <a:lnT w="12700">
-                      <a:solidFill>
-                        <a:srgbClr val="000"/>
-                      </a:solidFill>
-                      <a:prstDash val="solid"/>
-                      <a:round/>
-                      <a:headEnd type="none" w="med" len="med"/>
-                      <a:tailEnd type="none" w="med" len="med"/>
-                    </a:lnT>
-                    <a:lnB w="12700">
-                      <a:solidFill>
-                        <a:srgbClr val="000"/>
-                      </a:solidFill>
-                      <a:prstDash val="solid"/>
-                      <a:round/>
-                      <a:headEnd type="none" w="med" len="med"/>
-                      <a:tailEnd type="none" w="med" len="med"/>
-                    </a:lnB>
-                  </a:tcPr>
-                </a:tc>
-                <a:tc>
-                  <a:txBody>
-                    <a:bodyPr lIns="76200" rIns="76200" tIns="76200" bIns="76200"/>
-                    <a:lstStyle/>
-                    <a:p>
-                      <a:pPr>
-                        <a:lnSpc>
-                          <a:spcPct val="120000"/>
-                        </a:lnSpc>
-                      </a:pPr>
-                      <a:r>
-                        <a:rPr sz="800">
-                          <a:solidFill>
-                            <a:srgbClr val="000000"/>
-                          </a:solidFill>
-                          <a:latin typeface="Arial"/>
-                        </a:rPr>
-                        <a:t>55</a:t>
-                      </a:r>
-                    </a:p>
-                  </a:txBody>
-                  <a:tcPr>
-                    <a:noFill/>
-                    <a:lnL w="12700">
-                      <a:solidFill>
-                        <a:srgbClr val="000"/>
-                      </a:solidFill>
-                      <a:prstDash val="solid"/>
-                      <a:round/>
-                      <a:headEnd type="none" w="med" len="med"/>
-                      <a:tailEnd type="none" w="med" len="med"/>
-                    </a:lnL>
-                    <a:lnR w="12700">
-                      <a:solidFill>
-                        <a:srgbClr val="000"/>
-                      </a:solidFill>
-                      <a:prstDash val="solid"/>
-                      <a:round/>
-                      <a:headEnd type="none" w="med" len="med"/>
-                      <a:tailEnd type="none" w="med" len="med"/>
-                    </a:lnR>
-                    <a:lnT w="12700">
-                      <a:solidFill>
-                        <a:srgbClr val="000"/>
-                      </a:solidFill>
-                      <a:prstDash val="solid"/>
-                      <a:round/>
-                      <a:headEnd type="none" w="med" len="med"/>
-                      <a:tailEnd type="none" w="med" len="med"/>
-                    </a:lnT>
-                    <a:lnB w="12700">
-                      <a:solidFill>
-                        <a:srgbClr val="000"/>
-                      </a:solidFill>
-                      <a:prstDash val="solid"/>
-                      <a:round/>
-                      <a:headEnd type="none" w="med" len="med"/>
-                      <a:tailEnd type="none" w="med" len="med"/>
-                    </a:lnB>
-                  </a:tcPr>
-                </a:tc>
-              </a:tr>
-              <a:tr h="321468">
-                <a:tc>
-                  <a:txBody>
-                    <a:bodyPr lIns="76200" rIns="76200" tIns="76200" bIns="76200"/>
-                    <a:lstStyle/>
-                    <a:p>
-                      <a:pPr>
-                        <a:lnSpc>
-                          <a:spcPct val="120000"/>
-                        </a:lnSpc>
-                      </a:pPr>
-                      <a:r>
-                        <a:rPr sz="800">
-                          <a:solidFill>
-                            <a:srgbClr val="000000"/>
-                          </a:solidFill>
-                          <a:latin typeface="Arial"/>
-                        </a:rPr>
-                        <a:t>In-Progress</a:t>
-                      </a:r>
-                    </a:p>
-                  </a:txBody>
-                  <a:tcPr>
-                    <a:noFill/>
-                    <a:lnL w="12700">
-                      <a:solidFill>
-                        <a:srgbClr val="000"/>
-                      </a:solidFill>
-                      <a:prstDash val="solid"/>
-                      <a:round/>
-                      <a:headEnd type="none" w="med" len="med"/>
-                      <a:tailEnd type="none" w="med" len="med"/>
-                    </a:lnL>
-                    <a:lnR w="12700">
-                      <a:solidFill>
-                        <a:srgbClr val="000"/>
-                      </a:solidFill>
-                      <a:prstDash val="solid"/>
-                      <a:round/>
-                      <a:headEnd type="none" w="med" len="med"/>
-                      <a:tailEnd type="none" w="med" len="med"/>
-                    </a:lnR>
-                    <a:lnT w="12700">
-                      <a:solidFill>
-                        <a:srgbClr val="000"/>
-                      </a:solidFill>
-                      <a:prstDash val="solid"/>
-                      <a:round/>
-                      <a:headEnd type="none" w="med" len="med"/>
-                      <a:tailEnd type="none" w="med" len="med"/>
-                    </a:lnT>
-                    <a:lnB w="12700">
-                      <a:solidFill>
-                        <a:srgbClr val="000"/>
-                      </a:solidFill>
-                      <a:prstDash val="solid"/>
-                      <a:round/>
-                      <a:headEnd type="none" w="med" len="med"/>
-                      <a:tailEnd type="none" w="med" len="med"/>
-                    </a:lnB>
-                  </a:tcPr>
-                </a:tc>
-                <a:tc>
-                  <a:txBody>
-                    <a:bodyPr lIns="76200" rIns="76200" tIns="76200" bIns="76200"/>
-                    <a:lstStyle/>
-                    <a:p>
-                      <a:pPr>
-                        <a:lnSpc>
-                          <a:spcPct val="120000"/>
-                        </a:lnSpc>
-                      </a:pPr>
-                      <a:r>
-                        <a:rPr sz="800">
-                          <a:solidFill>
-                            <a:srgbClr val="000000"/>
-                          </a:solidFill>
-                          <a:latin typeface="Arial"/>
-                        </a:rPr>
-                        <a:t>35</a:t>
-                      </a:r>
-                    </a:p>
-                  </a:txBody>
-                  <a:tcPr>
-                    <a:noFill/>
-                    <a:lnL w="12700">
-                      <a:solidFill>
-                        <a:srgbClr val="000"/>
-                      </a:solidFill>
-                      <a:prstDash val="solid"/>
-                      <a:round/>
-                      <a:headEnd type="none" w="med" len="med"/>
-                      <a:tailEnd type="none" w="med" len="med"/>
-                    </a:lnL>
-                    <a:lnR w="12700">
-                      <a:solidFill>
-                        <a:srgbClr val="000"/>
-                      </a:solidFill>
-                      <a:prstDash val="solid"/>
-                      <a:round/>
-                      <a:headEnd type="none" w="med" len="med"/>
-                      <a:tailEnd type="none" w="med" len="med"/>
-                    </a:lnR>
-                    <a:lnT w="12700">
-                      <a:solidFill>
-                        <a:srgbClr val="000"/>
-                      </a:solidFill>
-                      <a:prstDash val="solid"/>
-                      <a:round/>
-                      <a:headEnd type="none" w="med" len="med"/>
-                      <a:tailEnd type="none" w="med" len="med"/>
-                    </a:lnT>
-                    <a:lnB w="12700">
-                      <a:solidFill>
-                        <a:srgbClr val="000"/>
-                      </a:solidFill>
-                      <a:prstDash val="solid"/>
-                      <a:round/>
-                      <a:headEnd type="none" w="med" len="med"/>
-                      <a:tailEnd type="none" w="med" len="med"/>
-                    </a:lnB>
-                  </a:tcPr>
-                </a:tc>
-              </a:tr>
-              <a:tr h="321468">
-                <a:tc>
-                  <a:txBody>
-                    <a:bodyPr lIns="76200" rIns="76200" tIns="76200" bIns="76200"/>
-                    <a:lstStyle/>
-                    <a:p>
-                      <a:pPr>
-                        <a:lnSpc>
-                          <a:spcPct val="120000"/>
-                        </a:lnSpc>
-                      </a:pPr>
-                      <a:r>
-                        <a:rPr sz="800">
-                          <a:solidFill>
-                            <a:srgbClr val="000000"/>
-                          </a:solidFill>
-                          <a:latin typeface="Arial"/>
-                        </a:rPr>
-                        <a:t>Blocked</a:t>
-                      </a:r>
-                    </a:p>
-                  </a:txBody>
-                  <a:tcPr>
-                    <a:noFill/>
-                    <a:lnL w="12700">
-                      <a:solidFill>
-                        <a:srgbClr val="000"/>
-                      </a:solidFill>
-                      <a:prstDash val="solid"/>
-                      <a:round/>
-                      <a:headEnd type="none" w="med" len="med"/>
-                      <a:tailEnd type="none" w="med" len="med"/>
-                    </a:lnL>
-                    <a:lnR w="12700">
-                      <a:solidFill>
-                        <a:srgbClr val="000"/>
-                      </a:solidFill>
-                      <a:prstDash val="solid"/>
-                      <a:round/>
-                      <a:headEnd type="none" w="med" len="med"/>
-                      <a:tailEnd type="none" w="med" len="med"/>
-                    </a:lnR>
-                    <a:lnT w="12700">
-                      <a:solidFill>
-                        <a:srgbClr val="000"/>
-                      </a:solidFill>
-                      <a:prstDash val="solid"/>
-                      <a:round/>
-                      <a:headEnd type="none" w="med" len="med"/>
-                      <a:tailEnd type="none" w="med" len="med"/>
-                    </a:lnT>
-                    <a:lnB w="12700">
-                      <a:solidFill>
-                        <a:srgbClr val="000"/>
-                      </a:solidFill>
-                      <a:prstDash val="solid"/>
-                      <a:round/>
-                      <a:headEnd type="none" w="med" len="med"/>
-                      <a:tailEnd type="none" w="med" len="med"/>
-                    </a:lnB>
-                  </a:tcPr>
-                </a:tc>
-                <a:tc>
-                  <a:txBody>
-                    <a:bodyPr lIns="76200" rIns="76200" tIns="76200" bIns="76200"/>
-                    <a:lstStyle/>
-                    <a:p>
-                      <a:pPr>
-                        <a:lnSpc>
-                          <a:spcPct val="120000"/>
-                        </a:lnSpc>
-                      </a:pPr>
-                      <a:r>
-                        <a:rPr sz="800">
-                          <a:solidFill>
-                            <a:srgbClr val="000000"/>
-                          </a:solidFill>
-                          <a:latin typeface="Arial"/>
-                        </a:rPr>
-                        <a:t>10</a:t>
-                      </a:r>
-                    </a:p>
-                  </a:txBody>
-                  <a:tcPr>
-                    <a:noFill/>
-                    <a:lnL w="12700">
-                      <a:solidFill>
-                        <a:srgbClr val="000"/>
-                      </a:solidFill>
-                      <a:prstDash val="solid"/>
-                      <a:round/>
-                      <a:headEnd type="none" w="med" len="med"/>
-                      <a:tailEnd type="none" w="med" len="med"/>
-                    </a:lnL>
-                    <a:lnR w="12700">
-                      <a:solidFill>
-                        <a:srgbClr val="000"/>
-                      </a:solidFill>
-                      <a:prstDash val="solid"/>
-                      <a:round/>
-                      <a:headEnd type="none" w="med" len="med"/>
-                      <a:tailEnd type="none" w="med" len="med"/>
-                    </a:lnR>
-                    <a:lnT w="12700">
-                      <a:solidFill>
-                        <a:srgbClr val="000"/>
-                      </a:solidFill>
-                      <a:prstDash val="solid"/>
-                      <a:round/>
-                      <a:headEnd type="none" w="med" len="med"/>
-                      <a:tailEnd type="none" w="med" len="med"/>
-                    </a:lnT>
-                    <a:lnB w="12700">
-                      <a:solidFill>
-                        <a:srgbClr val="000"/>
-                      </a:solidFill>
-                      <a:prstDash val="solid"/>
-                      <a:round/>
-                      <a:headEnd type="none" w="med" len="med"/>
-                      <a:tailEnd type="none" w="med" len="med"/>
-                    </a:lnB>
-                  </a:tcPr>
-                </a:tc>
-              </a:tr>
-            </a:tbl>
-          </a:graphicData>
-        </a:graphic>
-      </p:graphicFrame>
     </p:spTree>
   </p:cSld>
   <p:clrMapOvr>
@@ -13734,21 +13647,45 @@
                 </a:solidFill>
                 <a:latin typeface="Arial"/>
               </a:rPr>
-              <a:t>Two-column slide (60% / 40%)</a:t>
+              <a:t>🖼️ Figure + Table Demo</a:t>
             </a:r>
           </a:p>
         </p:txBody>
       </p:sp>
+      <p:pic>
+        <p:nvPicPr>
+          <p:cNvPr id="3" name="Picture 2" descr="chart_pie.png"/>
+          <p:cNvPicPr>
+            <a:picLocks noChangeAspect="1"/>
+          </p:cNvPicPr>
+          <p:nvPr/>
+        </p:nvPicPr>
+        <p:blipFill>
+          <a:blip r:embed="rId2"/>
+          <a:stretch>
+            <a:fillRect/>
+          </a:stretch>
+        </p:blipFill>
+        <p:spPr>
+          <a:xfrm>
+            <a:off x="247649" y="571500"/>
+            <a:ext cx="2857500" cy="2857500"/>
+          </a:xfrm>
+          <a:prstGeom prst="rect">
+            <a:avLst/>
+          </a:prstGeom>
+        </p:spPr>
+      </p:pic>
       <p:sp>
         <p:nvSpPr>
-          <p:cNvPr id="3" name="TextBox 2"/>
+          <p:cNvPr id="4" name="TextBox 3"/>
           <p:cNvSpPr txBox="1"/>
           <p:nvPr/>
         </p:nvSpPr>
         <p:spPr>
           <a:xfrm>
-            <a:off x="228600" y="581025"/>
-            <a:ext cx="8915400" cy="274320"/>
+            <a:off x="4619625" y="571500"/>
+            <a:ext cx="942975" cy="1333500"/>
           </a:xfrm>
           <a:prstGeom prst="rect">
             <a:avLst/>
@@ -13761,51 +13698,6 @@
           </a:bodyPr>
           <a:lstStyle/>
           <a:p>
-            <a:pPr algn="l">
-              <a:lnSpc>
-                <a:spcPct val="120000"/>
-              </a:lnSpc>
-              <a:spcBef>
-                <a:spcPts val="0"/>
-              </a:spcBef>
-              <a:spcAft>
-                <a:spcPts val="0"/>
-              </a:spcAft>
-            </a:pPr>
-            <a:r>
-              <a:rPr sz="1100" b="1">
-                <a:solidFill>
-                  <a:srgbClr val="000000"/>
-                </a:solidFill>
-                <a:latin typeface="Arial"/>
-              </a:rPr>
-              <a:t>📋 Project Status Table</a:t>
-            </a:r>
-          </a:p>
-        </p:txBody>
-      </p:sp>
-      <p:sp>
-        <p:nvSpPr>
-          <p:cNvPr id="4" name="TextBox 3"/>
-          <p:cNvSpPr txBox="1"/>
-          <p:nvPr/>
-        </p:nvSpPr>
-        <p:spPr>
-          <a:xfrm>
-            <a:off x="228600" y="838200"/>
-            <a:ext cx="1800225" cy="1628775"/>
-          </a:xfrm>
-          <a:prstGeom prst="rect">
-            <a:avLst/>
-          </a:prstGeom>
-          <a:noFill/>
-        </p:spPr>
-        <p:txBody>
-          <a:bodyPr wrap="square" lIns="0" rIns="0" tIns="0" bIns="0">
-            <a:spAutoFit/>
-          </a:bodyPr>
-          <a:lstStyle/>
-          <a:p>
             <a:pPr>
               <a:spcBef>
                 <a:spcPts val="0"/>
@@ -13826,8 +13718,8 @@
           <p:nvPr/>
         </p:nvGraphicFramePr>
         <p:xfrm>
-          <a:off x="228600" y="838200"/>
-          <a:ext cx="1978854" cy="1571625"/>
+          <a:off x="4619625" y="571500"/>
+          <a:ext cx="1026794" cy="1285872"/>
         </p:xfrm>
         <a:graphic>
           <a:graphicData uri="http://schemas.openxmlformats.org/drawingml/2006/table">
@@ -13867,11 +13759,10 @@
                 </a:tblBorders>
               </a:tblPr>
               <a:tblGrid>
-                <a:gridCol w="842210"/>
-                <a:gridCol w="504229"/>
-                <a:gridCol w="632415"/>
+                <a:gridCol w="722947"/>
+                <a:gridCol w="303847"/>
               </a:tblGrid>
-              <a:tr h="314325">
+              <a:tr h="321468">
                 <a:tc>
                   <a:txBody>
                     <a:bodyPr lIns="76200" rIns="76200" tIns="76200" bIns="76200"/>
@@ -13889,7 +13780,7 @@
                           </a:solidFill>
                           <a:latin typeface="Arial"/>
                         </a:rPr>
-                        <a:t>Task</a:t>
+                        <a:t>Segment</a:t>
                       </a:r>
                     </a:p>
                   </a:txBody>
@@ -13950,7 +13841,7 @@
                           </a:solidFill>
                           <a:latin typeface="Arial"/>
                         </a:rPr>
-                        <a:t>Owner</a:t>
+                        <a:t>%</a:t>
                       </a:r>
                     </a:p>
                   </a:txBody>
@@ -13994,69 +13885,8 @@
                     </a:lnB>
                   </a:tcPr>
                 </a:tc>
-                <a:tc>
-                  <a:txBody>
-                    <a:bodyPr lIns="76200" rIns="76200" tIns="76200" bIns="76200"/>
-                    <a:lstStyle/>
-                    <a:p>
-                      <a:pPr>
-                        <a:lnSpc>
-                          <a:spcPct val="120000"/>
-                        </a:lnSpc>
-                      </a:pPr>
-                      <a:r>
-                        <a:rPr b="1" sz="800">
-                          <a:solidFill>
-                            <a:srgbClr val="000000"/>
-                          </a:solidFill>
-                          <a:latin typeface="Arial"/>
-                        </a:rPr>
-                        <a:t>Progress</a:t>
-                      </a:r>
-                    </a:p>
-                  </a:txBody>
-                  <a:tcPr>
-                    <a:noFill/>
-                    <a:lnL w="12700">
-                      <a:solidFill>
-                        <a:srgbClr val="000"/>
-                      </a:solidFill>
-                      <a:prstDash val="solid"/>
-                      <a:round/>
-                      <a:headEnd type="none" w="med" len="med"/>
-                      <a:tailEnd type="none" w="med" len="med"/>
-                    </a:lnL>
-                    <a:lnR w="12700">
-                      <a:solidFill>
-                        <a:srgbClr val="000"/>
-                      </a:solidFill>
-                      <a:prstDash val="solid"/>
-                      <a:round/>
-                      <a:headEnd type="none" w="med" len="med"/>
-                      <a:tailEnd type="none" w="med" len="med"/>
-                    </a:lnR>
-                    <a:lnT w="12700">
-                      <a:solidFill>
-                        <a:srgbClr val="000"/>
-                      </a:solidFill>
-                      <a:prstDash val="solid"/>
-                      <a:round/>
-                      <a:headEnd type="none" w="med" len="med"/>
-                      <a:tailEnd type="none" w="med" len="med"/>
-                    </a:lnT>
-                    <a:lnB w="12700">
-                      <a:solidFill>
-                        <a:srgbClr val="000"/>
-                      </a:solidFill>
-                      <a:prstDash val="solid"/>
-                      <a:round/>
-                      <a:headEnd type="none" w="med" len="med"/>
-                      <a:tailEnd type="none" w="med" len="med"/>
-                    </a:lnB>
-                  </a:tcPr>
-                </a:tc>
               </a:tr>
-              <a:tr h="314325">
+              <a:tr h="321468">
                 <a:tc>
                   <a:txBody>
                     <a:bodyPr lIns="76200" rIns="76200" tIns="76200" bIns="76200"/>
@@ -14074,7 +13904,7 @@
                           </a:solidFill>
                           <a:latin typeface="Arial"/>
                         </a:rPr>
-                        <a:t>Authentication</a:t>
+                        <a:t>Complete</a:t>
                       </a:r>
                     </a:p>
                   </a:txBody>
@@ -14135,7 +13965,70 @@
                           </a:solidFill>
                           <a:latin typeface="Arial"/>
                         </a:rPr>
-                        <a:t>Alice</a:t>
+                        <a:t>55</a:t>
+                      </a:r>
+                    </a:p>
+                  </a:txBody>
+                  <a:tcPr>
+                    <a:noFill/>
+                    <a:lnL w="12700">
+                      <a:solidFill>
+                        <a:srgbClr val="000"/>
+                      </a:solidFill>
+                      <a:prstDash val="solid"/>
+                      <a:round/>
+                      <a:headEnd type="none" w="med" len="med"/>
+                      <a:tailEnd type="none" w="med" len="med"/>
+                    </a:lnL>
+                    <a:lnR w="12700">
+                      <a:solidFill>
+                        <a:srgbClr val="000"/>
+                      </a:solidFill>
+                      <a:prstDash val="solid"/>
+                      <a:round/>
+                      <a:headEnd type="none" w="med" len="med"/>
+                      <a:tailEnd type="none" w="med" len="med"/>
+                    </a:lnR>
+                    <a:lnT w="12700">
+                      <a:solidFill>
+                        <a:srgbClr val="000"/>
+                      </a:solidFill>
+                      <a:prstDash val="solid"/>
+                      <a:round/>
+                      <a:headEnd type="none" w="med" len="med"/>
+                      <a:tailEnd type="none" w="med" len="med"/>
+                    </a:lnT>
+                    <a:lnB w="12700">
+                      <a:solidFill>
+                        <a:srgbClr val="000"/>
+                      </a:solidFill>
+                      <a:prstDash val="solid"/>
+                      <a:round/>
+                      <a:headEnd type="none" w="med" len="med"/>
+                      <a:tailEnd type="none" w="med" len="med"/>
+                    </a:lnB>
+                  </a:tcPr>
+                </a:tc>
+              </a:tr>
+              <a:tr h="321468">
+                <a:tc>
+                  <a:txBody>
+                    <a:bodyPr lIns="76200" rIns="76200" tIns="76200" bIns="76200"/>
+                    <a:lstStyle/>
+                    <a:p>
+                      <a:pPr>
+                        <a:lnSpc>
+                          <a:spcPct val="120000"/>
+                        </a:lnSpc>
+                      </a:pPr>
+                      <a:r>
+                        <a:rPr sz="800">
+                          <a:solidFill>
+                            <a:srgbClr val="000000"/>
+                          </a:solidFill>
+                          <a:latin typeface="Arial"/>
+                        </a:rPr>
+                        <a:t>In-Progress</a:t>
                       </a:r>
                     </a:p>
                   </a:txBody>
@@ -14196,7 +14089,7 @@
                           </a:solidFill>
                           <a:latin typeface="Arial"/>
                         </a:rPr>
-                        <a:t>100%</a:t>
+                        <a:t>35</a:t>
                       </a:r>
                     </a:p>
                   </a:txBody>
@@ -14241,7 +14134,7 @@
                   </a:tcPr>
                 </a:tc>
               </a:tr>
-              <a:tr h="314325">
+              <a:tr h="321468">
                 <a:tc>
                   <a:txBody>
                     <a:bodyPr lIns="76200" rIns="76200" tIns="76200" bIns="76200"/>
@@ -14259,7 +14152,7 @@
                           </a:solidFill>
                           <a:latin typeface="Arial"/>
                         </a:rPr>
-                        <a:t>Database</a:t>
+                        <a:t>Blocked</a:t>
                       </a:r>
                     </a:p>
                   </a:txBody>
@@ -14320,438 +14213,7 @@
                           </a:solidFill>
                           <a:latin typeface="Arial"/>
                         </a:rPr>
-                        <a:t>Bob</a:t>
-                      </a:r>
-                    </a:p>
-                  </a:txBody>
-                  <a:tcPr>
-                    <a:noFill/>
-                    <a:lnL w="12700">
-                      <a:solidFill>
-                        <a:srgbClr val="000"/>
-                      </a:solidFill>
-                      <a:prstDash val="solid"/>
-                      <a:round/>
-                      <a:headEnd type="none" w="med" len="med"/>
-                      <a:tailEnd type="none" w="med" len="med"/>
-                    </a:lnL>
-                    <a:lnR w="12700">
-                      <a:solidFill>
-                        <a:srgbClr val="000"/>
-                      </a:solidFill>
-                      <a:prstDash val="solid"/>
-                      <a:round/>
-                      <a:headEnd type="none" w="med" len="med"/>
-                      <a:tailEnd type="none" w="med" len="med"/>
-                    </a:lnR>
-                    <a:lnT w="12700">
-                      <a:solidFill>
-                        <a:srgbClr val="000"/>
-                      </a:solidFill>
-                      <a:prstDash val="solid"/>
-                      <a:round/>
-                      <a:headEnd type="none" w="med" len="med"/>
-                      <a:tailEnd type="none" w="med" len="med"/>
-                    </a:lnT>
-                    <a:lnB w="12700">
-                      <a:solidFill>
-                        <a:srgbClr val="000"/>
-                      </a:solidFill>
-                      <a:prstDash val="solid"/>
-                      <a:round/>
-                      <a:headEnd type="none" w="med" len="med"/>
-                      <a:tailEnd type="none" w="med" len="med"/>
-                    </a:lnB>
-                  </a:tcPr>
-                </a:tc>
-                <a:tc>
-                  <a:txBody>
-                    <a:bodyPr lIns="76200" rIns="76200" tIns="76200" bIns="76200"/>
-                    <a:lstStyle/>
-                    <a:p>
-                      <a:pPr>
-                        <a:lnSpc>
-                          <a:spcPct val="120000"/>
-                        </a:lnSpc>
-                      </a:pPr>
-                      <a:r>
-                        <a:rPr sz="800">
-                          <a:solidFill>
-                            <a:srgbClr val="000000"/>
-                          </a:solidFill>
-                          <a:latin typeface="Arial"/>
-                        </a:rPr>
-                        <a:t>80%</a:t>
-                      </a:r>
-                    </a:p>
-                  </a:txBody>
-                  <a:tcPr>
-                    <a:noFill/>
-                    <a:lnL w="12700">
-                      <a:solidFill>
-                        <a:srgbClr val="000"/>
-                      </a:solidFill>
-                      <a:prstDash val="solid"/>
-                      <a:round/>
-                      <a:headEnd type="none" w="med" len="med"/>
-                      <a:tailEnd type="none" w="med" len="med"/>
-                    </a:lnL>
-                    <a:lnR w="12700">
-                      <a:solidFill>
-                        <a:srgbClr val="000"/>
-                      </a:solidFill>
-                      <a:prstDash val="solid"/>
-                      <a:round/>
-                      <a:headEnd type="none" w="med" len="med"/>
-                      <a:tailEnd type="none" w="med" len="med"/>
-                    </a:lnR>
-                    <a:lnT w="12700">
-                      <a:solidFill>
-                        <a:srgbClr val="000"/>
-                      </a:solidFill>
-                      <a:prstDash val="solid"/>
-                      <a:round/>
-                      <a:headEnd type="none" w="med" len="med"/>
-                      <a:tailEnd type="none" w="med" len="med"/>
-                    </a:lnT>
-                    <a:lnB w="12700">
-                      <a:solidFill>
-                        <a:srgbClr val="000"/>
-                      </a:solidFill>
-                      <a:prstDash val="solid"/>
-                      <a:round/>
-                      <a:headEnd type="none" w="med" len="med"/>
-                      <a:tailEnd type="none" w="med" len="med"/>
-                    </a:lnB>
-                  </a:tcPr>
-                </a:tc>
-              </a:tr>
-              <a:tr h="314325">
-                <a:tc>
-                  <a:txBody>
-                    <a:bodyPr lIns="76200" rIns="76200" tIns="76200" bIns="76200"/>
-                    <a:lstStyle/>
-                    <a:p>
-                      <a:pPr>
-                        <a:lnSpc>
-                          <a:spcPct val="120000"/>
-                        </a:lnSpc>
-                      </a:pPr>
-                      <a:r>
-                        <a:rPr sz="800">
-                          <a:solidFill>
-                            <a:srgbClr val="000000"/>
-                          </a:solidFill>
-                          <a:latin typeface="Arial"/>
-                        </a:rPr>
-                        <a:t>API Docs</a:t>
-                      </a:r>
-                    </a:p>
-                  </a:txBody>
-                  <a:tcPr>
-                    <a:noFill/>
-                    <a:lnL w="12700">
-                      <a:solidFill>
-                        <a:srgbClr val="000"/>
-                      </a:solidFill>
-                      <a:prstDash val="solid"/>
-                      <a:round/>
-                      <a:headEnd type="none" w="med" len="med"/>
-                      <a:tailEnd type="none" w="med" len="med"/>
-                    </a:lnL>
-                    <a:lnR w="12700">
-                      <a:solidFill>
-                        <a:srgbClr val="000"/>
-                      </a:solidFill>
-                      <a:prstDash val="solid"/>
-                      <a:round/>
-                      <a:headEnd type="none" w="med" len="med"/>
-                      <a:tailEnd type="none" w="med" len="med"/>
-                    </a:lnR>
-                    <a:lnT w="12700">
-                      <a:solidFill>
-                        <a:srgbClr val="000"/>
-                      </a:solidFill>
-                      <a:prstDash val="solid"/>
-                      <a:round/>
-                      <a:headEnd type="none" w="med" len="med"/>
-                      <a:tailEnd type="none" w="med" len="med"/>
-                    </a:lnT>
-                    <a:lnB w="12700">
-                      <a:solidFill>
-                        <a:srgbClr val="000"/>
-                      </a:solidFill>
-                      <a:prstDash val="solid"/>
-                      <a:round/>
-                      <a:headEnd type="none" w="med" len="med"/>
-                      <a:tailEnd type="none" w="med" len="med"/>
-                    </a:lnB>
-                  </a:tcPr>
-                </a:tc>
-                <a:tc>
-                  <a:txBody>
-                    <a:bodyPr lIns="76200" rIns="76200" tIns="76200" bIns="76200"/>
-                    <a:lstStyle/>
-                    <a:p>
-                      <a:pPr>
-                        <a:lnSpc>
-                          <a:spcPct val="120000"/>
-                        </a:lnSpc>
-                      </a:pPr>
-                      <a:r>
-                        <a:rPr sz="800">
-                          <a:solidFill>
-                            <a:srgbClr val="000000"/>
-                          </a:solidFill>
-                          <a:latin typeface="Arial"/>
-                        </a:rPr>
-                        <a:t>Carol</a:t>
-                      </a:r>
-                    </a:p>
-                  </a:txBody>
-                  <a:tcPr>
-                    <a:noFill/>
-                    <a:lnL w="12700">
-                      <a:solidFill>
-                        <a:srgbClr val="000"/>
-                      </a:solidFill>
-                      <a:prstDash val="solid"/>
-                      <a:round/>
-                      <a:headEnd type="none" w="med" len="med"/>
-                      <a:tailEnd type="none" w="med" len="med"/>
-                    </a:lnL>
-                    <a:lnR w="12700">
-                      <a:solidFill>
-                        <a:srgbClr val="000"/>
-                      </a:solidFill>
-                      <a:prstDash val="solid"/>
-                      <a:round/>
-                      <a:headEnd type="none" w="med" len="med"/>
-                      <a:tailEnd type="none" w="med" len="med"/>
-                    </a:lnR>
-                    <a:lnT w="12700">
-                      <a:solidFill>
-                        <a:srgbClr val="000"/>
-                      </a:solidFill>
-                      <a:prstDash val="solid"/>
-                      <a:round/>
-                      <a:headEnd type="none" w="med" len="med"/>
-                      <a:tailEnd type="none" w="med" len="med"/>
-                    </a:lnT>
-                    <a:lnB w="12700">
-                      <a:solidFill>
-                        <a:srgbClr val="000"/>
-                      </a:solidFill>
-                      <a:prstDash val="solid"/>
-                      <a:round/>
-                      <a:headEnd type="none" w="med" len="med"/>
-                      <a:tailEnd type="none" w="med" len="med"/>
-                    </a:lnB>
-                  </a:tcPr>
-                </a:tc>
-                <a:tc>
-                  <a:txBody>
-                    <a:bodyPr lIns="76200" rIns="76200" tIns="76200" bIns="76200"/>
-                    <a:lstStyle/>
-                    <a:p>
-                      <a:pPr>
-                        <a:lnSpc>
-                          <a:spcPct val="120000"/>
-                        </a:lnSpc>
-                      </a:pPr>
-                      <a:r>
-                        <a:rPr sz="800">
-                          <a:solidFill>
-                            <a:srgbClr val="000000"/>
-                          </a:solidFill>
-                          <a:latin typeface="Arial"/>
-                        </a:rPr>
-                        <a:t>100%</a:t>
-                      </a:r>
-                    </a:p>
-                  </a:txBody>
-                  <a:tcPr>
-                    <a:noFill/>
-                    <a:lnL w="12700">
-                      <a:solidFill>
-                        <a:srgbClr val="000"/>
-                      </a:solidFill>
-                      <a:prstDash val="solid"/>
-                      <a:round/>
-                      <a:headEnd type="none" w="med" len="med"/>
-                      <a:tailEnd type="none" w="med" len="med"/>
-                    </a:lnL>
-                    <a:lnR w="12700">
-                      <a:solidFill>
-                        <a:srgbClr val="000"/>
-                      </a:solidFill>
-                      <a:prstDash val="solid"/>
-                      <a:round/>
-                      <a:headEnd type="none" w="med" len="med"/>
-                      <a:tailEnd type="none" w="med" len="med"/>
-                    </a:lnR>
-                    <a:lnT w="12700">
-                      <a:solidFill>
-                        <a:srgbClr val="000"/>
-                      </a:solidFill>
-                      <a:prstDash val="solid"/>
-                      <a:round/>
-                      <a:headEnd type="none" w="med" len="med"/>
-                      <a:tailEnd type="none" w="med" len="med"/>
-                    </a:lnT>
-                    <a:lnB w="12700">
-                      <a:solidFill>
-                        <a:srgbClr val="000"/>
-                      </a:solidFill>
-                      <a:prstDash val="solid"/>
-                      <a:round/>
-                      <a:headEnd type="none" w="med" len="med"/>
-                      <a:tailEnd type="none" w="med" len="med"/>
-                    </a:lnB>
-                  </a:tcPr>
-                </a:tc>
-              </a:tr>
-              <a:tr h="314325">
-                <a:tc>
-                  <a:txBody>
-                    <a:bodyPr lIns="76200" rIns="76200" tIns="76200" bIns="76200"/>
-                    <a:lstStyle/>
-                    <a:p>
-                      <a:pPr>
-                        <a:lnSpc>
-                          <a:spcPct val="120000"/>
-                        </a:lnSpc>
-                      </a:pPr>
-                      <a:r>
-                        <a:rPr sz="800">
-                          <a:solidFill>
-                            <a:srgbClr val="000000"/>
-                          </a:solidFill>
-                          <a:latin typeface="Arial"/>
-                        </a:rPr>
-                        <a:t>Analytics</a:t>
-                      </a:r>
-                    </a:p>
-                  </a:txBody>
-                  <a:tcPr>
-                    <a:noFill/>
-                    <a:lnL w="12700">
-                      <a:solidFill>
-                        <a:srgbClr val="000"/>
-                      </a:solidFill>
-                      <a:prstDash val="solid"/>
-                      <a:round/>
-                      <a:headEnd type="none" w="med" len="med"/>
-                      <a:tailEnd type="none" w="med" len="med"/>
-                    </a:lnL>
-                    <a:lnR w="12700">
-                      <a:solidFill>
-                        <a:srgbClr val="000"/>
-                      </a:solidFill>
-                      <a:prstDash val="solid"/>
-                      <a:round/>
-                      <a:headEnd type="none" w="med" len="med"/>
-                      <a:tailEnd type="none" w="med" len="med"/>
-                    </a:lnR>
-                    <a:lnT w="12700">
-                      <a:solidFill>
-                        <a:srgbClr val="000"/>
-                      </a:solidFill>
-                      <a:prstDash val="solid"/>
-                      <a:round/>
-                      <a:headEnd type="none" w="med" len="med"/>
-                      <a:tailEnd type="none" w="med" len="med"/>
-                    </a:lnT>
-                    <a:lnB w="12700">
-                      <a:solidFill>
-                        <a:srgbClr val="000"/>
-                      </a:solidFill>
-                      <a:prstDash val="solid"/>
-                      <a:round/>
-                      <a:headEnd type="none" w="med" len="med"/>
-                      <a:tailEnd type="none" w="med" len="med"/>
-                    </a:lnB>
-                  </a:tcPr>
-                </a:tc>
-                <a:tc>
-                  <a:txBody>
-                    <a:bodyPr lIns="76200" rIns="76200" tIns="76200" bIns="76200"/>
-                    <a:lstStyle/>
-                    <a:p>
-                      <a:pPr>
-                        <a:lnSpc>
-                          <a:spcPct val="120000"/>
-                        </a:lnSpc>
-                      </a:pPr>
-                      <a:r>
-                        <a:rPr sz="800">
-                          <a:solidFill>
-                            <a:srgbClr val="000000"/>
-                          </a:solidFill>
-                          <a:latin typeface="Arial"/>
-                        </a:rPr>
-                        <a:t>Dave</a:t>
-                      </a:r>
-                    </a:p>
-                  </a:txBody>
-                  <a:tcPr>
-                    <a:noFill/>
-                    <a:lnL w="12700">
-                      <a:solidFill>
-                        <a:srgbClr val="000"/>
-                      </a:solidFill>
-                      <a:prstDash val="solid"/>
-                      <a:round/>
-                      <a:headEnd type="none" w="med" len="med"/>
-                      <a:tailEnd type="none" w="med" len="med"/>
-                    </a:lnL>
-                    <a:lnR w="12700">
-                      <a:solidFill>
-                        <a:srgbClr val="000"/>
-                      </a:solidFill>
-                      <a:prstDash val="solid"/>
-                      <a:round/>
-                      <a:headEnd type="none" w="med" len="med"/>
-                      <a:tailEnd type="none" w="med" len="med"/>
-                    </a:lnR>
-                    <a:lnT w="12700">
-                      <a:solidFill>
-                        <a:srgbClr val="000"/>
-                      </a:solidFill>
-                      <a:prstDash val="solid"/>
-                      <a:round/>
-                      <a:headEnd type="none" w="med" len="med"/>
-                      <a:tailEnd type="none" w="med" len="med"/>
-                    </a:lnT>
-                    <a:lnB w="12700">
-                      <a:solidFill>
-                        <a:srgbClr val="000"/>
-                      </a:solidFill>
-                      <a:prstDash val="solid"/>
-                      <a:round/>
-                      <a:headEnd type="none" w="med" len="med"/>
-                      <a:tailEnd type="none" w="med" len="med"/>
-                    </a:lnB>
-                  </a:tcPr>
-                </a:tc>
-                <a:tc>
-                  <a:txBody>
-                    <a:bodyPr lIns="76200" rIns="76200" tIns="76200" bIns="76200"/>
-                    <a:lstStyle/>
-                    <a:p>
-                      <a:pPr>
-                        <a:lnSpc>
-                          <a:spcPct val="120000"/>
-                        </a:lnSpc>
-                      </a:pPr>
-                      <a:r>
-                        <a:rPr sz="800">
-                          <a:solidFill>
-                            <a:srgbClr val="000000"/>
-                          </a:solidFill>
-                          <a:latin typeface="Arial"/>
-                        </a:rPr>
-                        <a:t>60%</a:t>
+                        <a:t>10</a:t>
                       </a:r>
                     </a:p>
                   </a:txBody>
@@ -14800,96 +14262,6 @@
           </a:graphicData>
         </a:graphic>
       </p:graphicFrame>
-      <p:sp>
-        <p:nvSpPr>
-          <p:cNvPr id="6" name="TextBox 5"/>
-          <p:cNvSpPr txBox="1"/>
-          <p:nvPr/>
-        </p:nvSpPr>
-        <p:spPr>
-          <a:xfrm>
-            <a:off x="5619750" y="600075"/>
-            <a:ext cx="3524250" cy="274320"/>
-          </a:xfrm>
-          <a:prstGeom prst="rect">
-            <a:avLst/>
-          </a:prstGeom>
-          <a:noFill/>
-        </p:spPr>
-        <p:txBody>
-          <a:bodyPr wrap="square" lIns="0" rIns="0" tIns="0" bIns="0">
-            <a:spAutoFit/>
-          </a:bodyPr>
-          <a:lstStyle/>
-          <a:p>
-            <a:pPr algn="l">
-              <a:lnSpc>
-                <a:spcPct val="120000"/>
-              </a:lnSpc>
-              <a:spcBef>
-                <a:spcPts val="0"/>
-              </a:spcBef>
-              <a:spcAft>
-                <a:spcPts val="0"/>
-              </a:spcAft>
-            </a:pPr>
-            <a:r>
-              <a:rPr sz="1100" b="1">
-                <a:solidFill>
-                  <a:srgbClr val="000000"/>
-                </a:solidFill>
-                <a:latin typeface="Arial"/>
-              </a:rPr>
-              <a:t>✍️ Notes</a:t>
-            </a:r>
-          </a:p>
-        </p:txBody>
-      </p:sp>
-      <p:sp>
-        <p:nvSpPr>
-          <p:cNvPr id="7" name="TextBox 6"/>
-          <p:cNvSpPr txBox="1"/>
-          <p:nvPr/>
-        </p:nvSpPr>
-        <p:spPr>
-          <a:xfrm>
-            <a:off x="5619750" y="857250"/>
-            <a:ext cx="3524250" cy="342900"/>
-          </a:xfrm>
-          <a:prstGeom prst="rect">
-            <a:avLst/>
-          </a:prstGeom>
-          <a:noFill/>
-        </p:spPr>
-        <p:txBody>
-          <a:bodyPr wrap="square" lIns="0" rIns="0" tIns="0" bIns="0">
-            <a:spAutoFit/>
-          </a:bodyPr>
-          <a:lstStyle/>
-          <a:p>
-            <a:pPr algn="l">
-              <a:lnSpc>
-                <a:spcPct val="120000"/>
-              </a:lnSpc>
-              <a:spcBef>
-                <a:spcPts val="0"/>
-              </a:spcBef>
-              <a:spcAft>
-                <a:spcPts val="0"/>
-              </a:spcAft>
-            </a:pPr>
-            <a:r>
-              <a:rPr sz="1000">
-                <a:solidFill>
-                  <a:srgbClr val="000000"/>
-                </a:solidFill>
-                <a:latin typeface="Arial"/>
-              </a:rPr>
-              <a:t>All core features are either complete or in progress. Remaining items are performance tuning and UX polish.</a:t>
-            </a:r>
-          </a:p>
-        </p:txBody>
-      </p:sp>
     </p:spTree>
   </p:cSld>
   <p:clrMapOvr>
@@ -14956,7 +14328,7 @@
                 </a:solidFill>
                 <a:latin typeface="Arial"/>
               </a:rPr>
-              <a:t>Two-column slide (Auto + default)</a:t>
+              <a:t>Two-column slide (60% / 40%)</a:t>
             </a:r>
           </a:p>
         </p:txBody>
@@ -14969,8 +14341,8 @@
         </p:nvSpPr>
         <p:spPr>
           <a:xfrm>
-            <a:off x="228600" y="581025"/>
-            <a:ext cx="8915400" cy="274320"/>
+            <a:off x="247649" y="571500"/>
+            <a:ext cx="8896350" cy="274320"/>
           </a:xfrm>
           <a:prstGeom prst="rect">
             <a:avLst/>
@@ -15014,8 +14386,8 @@
         </p:nvSpPr>
         <p:spPr>
           <a:xfrm>
-            <a:off x="228600" y="838200"/>
-            <a:ext cx="1800225" cy="1628775"/>
+            <a:off x="247649" y="828675"/>
+            <a:ext cx="1828800" cy="1628775"/>
           </a:xfrm>
           <a:prstGeom prst="rect">
             <a:avLst/>
@@ -15048,8 +14420,8 @@
           <p:nvPr/>
         </p:nvGraphicFramePr>
         <p:xfrm>
-          <a:off x="228600" y="838200"/>
-          <a:ext cx="1978854" cy="1571625"/>
+          <a:off x="247649" y="828675"/>
+          <a:ext cx="2001201" cy="1571625"/>
         </p:xfrm>
         <a:graphic>
           <a:graphicData uri="http://schemas.openxmlformats.org/drawingml/2006/table">
@@ -15089,9 +14461,9 @@
                 </a:tblBorders>
               </a:tblPr>
               <a:tblGrid>
-                <a:gridCol w="842210"/>
-                <a:gridCol w="504229"/>
-                <a:gridCol w="632415"/>
+                <a:gridCol w="848677"/>
+                <a:gridCol w="513397"/>
+                <a:gridCol w="639127"/>
               </a:tblGrid>
               <a:tr h="314325">
                 <a:tc>
@@ -16030,8 +15402,8 @@
         </p:nvSpPr>
         <p:spPr>
           <a:xfrm>
-            <a:off x="2181225" y="600075"/>
-            <a:ext cx="6962775" cy="274320"/>
+            <a:off x="5581649" y="590549"/>
+            <a:ext cx="3562349" cy="274320"/>
           </a:xfrm>
           <a:prstGeom prst="rect">
             <a:avLst/>
@@ -16075,8 +15447,1230 @@
         </p:nvSpPr>
         <p:spPr>
           <a:xfrm>
-            <a:off x="2181225" y="857250"/>
-            <a:ext cx="6962775" cy="274320"/>
+            <a:off x="5581649" y="847724"/>
+            <a:ext cx="3562349" cy="342900"/>
+          </a:xfrm>
+          <a:prstGeom prst="rect">
+            <a:avLst/>
+          </a:prstGeom>
+          <a:noFill/>
+        </p:spPr>
+        <p:txBody>
+          <a:bodyPr wrap="square" lIns="0" rIns="0" tIns="0" bIns="0">
+            <a:spAutoFit/>
+          </a:bodyPr>
+          <a:lstStyle/>
+          <a:p>
+            <a:pPr algn="l">
+              <a:lnSpc>
+                <a:spcPct val="120000"/>
+              </a:lnSpc>
+              <a:spcBef>
+                <a:spcPts val="0"/>
+              </a:spcBef>
+              <a:spcAft>
+                <a:spcPts val="0"/>
+              </a:spcAft>
+            </a:pPr>
+            <a:r>
+              <a:rPr sz="1000">
+                <a:solidFill>
+                  <a:srgbClr val="000000"/>
+                </a:solidFill>
+                <a:latin typeface="Arial"/>
+              </a:rPr>
+              <a:t>All core features are either complete or in progress. Remaining items are performance tuning and UX polish.</a:t>
+            </a:r>
+          </a:p>
+        </p:txBody>
+      </p:sp>
+    </p:spTree>
+  </p:cSld>
+  <p:clrMapOvr>
+    <a:masterClrMapping/>
+  </p:clrMapOvr>
+</p:sld>
+</file>
+
+<file path=ppt/slides/slide24.xml><?xml version="1.0" encoding="utf-8"?>
+<p:sld xmlns:a="http://schemas.openxmlformats.org/drawingml/2006/main" xmlns:p="http://schemas.openxmlformats.org/presentationml/2006/main" xmlns:r="http://schemas.openxmlformats.org/officeDocument/2006/relationships">
+  <p:cSld>
+    <p:bg>
+      <p:bgPr>
+        <a:solidFill>
+          <a:srgbClr val="FFFFFF"/>
+        </a:solidFill>
+        <a:effectLst/>
+      </p:bgPr>
+    </p:bg>
+    <p:spTree>
+      <p:nvGrpSpPr>
+        <p:cNvPr id="1" name=""/>
+        <p:cNvGrpSpPr/>
+        <p:nvPr/>
+      </p:nvGrpSpPr>
+      <p:grpSpPr/>
+      <p:sp>
+        <p:nvSpPr>
+          <p:cNvPr id="2" name="TextBox 1"/>
+          <p:cNvSpPr txBox="1"/>
+          <p:nvPr/>
+        </p:nvSpPr>
+        <p:spPr>
+          <a:xfrm>
+            <a:off x="200025" y="180975"/>
+            <a:ext cx="8943975" cy="390525"/>
+          </a:xfrm>
+          <a:prstGeom prst="rect">
+            <a:avLst/>
+          </a:prstGeom>
+          <a:noFill/>
+        </p:spPr>
+        <p:txBody>
+          <a:bodyPr wrap="square" lIns="0" rIns="0" tIns="0" bIns="0">
+            <a:spAutoFit/>
+          </a:bodyPr>
+          <a:lstStyle/>
+          <a:p>
+            <a:pPr algn="l">
+              <a:lnSpc>
+                <a:spcPct val="120000"/>
+              </a:lnSpc>
+              <a:spcBef>
+                <a:spcPts val="0"/>
+              </a:spcBef>
+              <a:spcAft>
+                <a:spcPts val="0"/>
+              </a:spcAft>
+            </a:pPr>
+            <a:r>
+              <a:rPr sz="1600" b="1">
+                <a:solidFill>
+                  <a:srgbClr val="000000"/>
+                </a:solidFill>
+                <a:latin typeface="Arial"/>
+              </a:rPr>
+              <a:t>Two-column slide (Auto + default)</a:t>
+            </a:r>
+          </a:p>
+        </p:txBody>
+      </p:sp>
+      <p:sp>
+        <p:nvSpPr>
+          <p:cNvPr id="3" name="TextBox 2"/>
+          <p:cNvSpPr txBox="1"/>
+          <p:nvPr/>
+        </p:nvSpPr>
+        <p:spPr>
+          <a:xfrm>
+            <a:off x="247649" y="571500"/>
+            <a:ext cx="8896350" cy="274320"/>
+          </a:xfrm>
+          <a:prstGeom prst="rect">
+            <a:avLst/>
+          </a:prstGeom>
+          <a:noFill/>
+        </p:spPr>
+        <p:txBody>
+          <a:bodyPr wrap="square" lIns="0" rIns="0" tIns="0" bIns="0">
+            <a:spAutoFit/>
+          </a:bodyPr>
+          <a:lstStyle/>
+          <a:p>
+            <a:pPr algn="l">
+              <a:lnSpc>
+                <a:spcPct val="120000"/>
+              </a:lnSpc>
+              <a:spcBef>
+                <a:spcPts val="0"/>
+              </a:spcBef>
+              <a:spcAft>
+                <a:spcPts val="0"/>
+              </a:spcAft>
+            </a:pPr>
+            <a:r>
+              <a:rPr sz="1100" b="1">
+                <a:solidFill>
+                  <a:srgbClr val="000000"/>
+                </a:solidFill>
+                <a:latin typeface="Arial"/>
+              </a:rPr>
+              <a:t>📋 Project Status Table</a:t>
+            </a:r>
+          </a:p>
+        </p:txBody>
+      </p:sp>
+      <p:sp>
+        <p:nvSpPr>
+          <p:cNvPr id="4" name="TextBox 3"/>
+          <p:cNvSpPr txBox="1"/>
+          <p:nvPr/>
+        </p:nvSpPr>
+        <p:spPr>
+          <a:xfrm>
+            <a:off x="247649" y="828675"/>
+            <a:ext cx="1828800" cy="1628775"/>
+          </a:xfrm>
+          <a:prstGeom prst="rect">
+            <a:avLst/>
+          </a:prstGeom>
+          <a:noFill/>
+        </p:spPr>
+        <p:txBody>
+          <a:bodyPr wrap="square" lIns="0" rIns="0" tIns="0" bIns="0">
+            <a:spAutoFit/>
+          </a:bodyPr>
+          <a:lstStyle/>
+          <a:p>
+            <a:pPr>
+              <a:spcBef>
+                <a:spcPts val="0"/>
+              </a:spcBef>
+              <a:spcAft>
+                <a:spcPts val="0"/>
+              </a:spcAft>
+            </a:pPr>
+          </a:p>
+        </p:txBody>
+      </p:sp>
+      <p:graphicFrame>
+        <p:nvGraphicFramePr>
+          <p:cNvPr id="5" name="Table 4"/>
+          <p:cNvGraphicFramePr>
+            <a:graphicFrameLocks noGrp="1"/>
+          </p:cNvGraphicFramePr>
+          <p:nvPr/>
+        </p:nvGraphicFramePr>
+        <p:xfrm>
+          <a:off x="247649" y="828675"/>
+          <a:ext cx="2001201" cy="1571625"/>
+        </p:xfrm>
+        <a:graphic>
+          <a:graphicData uri="http://schemas.openxmlformats.org/drawingml/2006/table">
+            <a:tbl>
+              <a:tblPr>
+                <a:tblBorders>
+                  <a:lnL w="12700">
+                    <a:solidFill>
+                      <a:srgbClr val="000"/>
+                    </a:solidFill>
+                  </a:lnL>
+                  <a:lnR w="12700">
+                    <a:solidFill>
+                      <a:srgbClr val="000"/>
+                    </a:solidFill>
+                  </a:lnR>
+                  <a:lnT w="12700">
+                    <a:solidFill>
+                      <a:srgbClr val="000"/>
+                    </a:solidFill>
+                  </a:lnT>
+                  <a:lnB w="12700">
+                    <a:solidFill>
+                      <a:srgbClr val="000"/>
+                    </a:solidFill>
+                  </a:lnB>
+                  <a:lnInsideH w="12700">
+                    <a:solidFill>
+                      <a:srgbClr val="000"/>
+                    </a:solidFill>
+                  </a:lnInsideH>
+                  <a:lnInsideV w="12700">
+                    <a:solidFill>
+                      <a:srgbClr val="000"/>
+                    </a:solidFill>
+                  </a:lnInsideV>
+                </a:tblBorders>
+              </a:tblPr>
+              <a:tblGrid>
+                <a:gridCol w="848677"/>
+                <a:gridCol w="513397"/>
+                <a:gridCol w="639127"/>
+              </a:tblGrid>
+              <a:tr h="314325">
+                <a:tc>
+                  <a:txBody>
+                    <a:bodyPr lIns="76200" rIns="76200" tIns="76200" bIns="76200"/>
+                    <a:lstStyle/>
+                    <a:p>
+                      <a:pPr>
+                        <a:lnSpc>
+                          <a:spcPct val="120000"/>
+                        </a:lnSpc>
+                      </a:pPr>
+                      <a:r>
+                        <a:rPr b="1" sz="800">
+                          <a:solidFill>
+                            <a:srgbClr val="000000"/>
+                          </a:solidFill>
+                          <a:latin typeface="Arial"/>
+                        </a:rPr>
+                        <a:t>Task</a:t>
+                      </a:r>
+                    </a:p>
+                  </a:txBody>
+                  <a:tcPr>
+                    <a:noFill/>
+                    <a:lnL w="12700">
+                      <a:solidFill>
+                        <a:srgbClr val="000"/>
+                      </a:solidFill>
+                      <a:prstDash val="solid"/>
+                      <a:round/>
+                      <a:headEnd type="none" w="med" len="med"/>
+                      <a:tailEnd type="none" w="med" len="med"/>
+                    </a:lnL>
+                    <a:lnR w="12700">
+                      <a:solidFill>
+                        <a:srgbClr val="000"/>
+                      </a:solidFill>
+                      <a:prstDash val="solid"/>
+                      <a:round/>
+                      <a:headEnd type="none" w="med" len="med"/>
+                      <a:tailEnd type="none" w="med" len="med"/>
+                    </a:lnR>
+                    <a:lnT w="12700">
+                      <a:solidFill>
+                        <a:srgbClr val="000"/>
+                      </a:solidFill>
+                      <a:prstDash val="solid"/>
+                      <a:round/>
+                      <a:headEnd type="none" w="med" len="med"/>
+                      <a:tailEnd type="none" w="med" len="med"/>
+                    </a:lnT>
+                    <a:lnB w="12700">
+                      <a:solidFill>
+                        <a:srgbClr val="000"/>
+                      </a:solidFill>
+                      <a:prstDash val="solid"/>
+                      <a:round/>
+                      <a:headEnd type="none" w="med" len="med"/>
+                      <a:tailEnd type="none" w="med" len="med"/>
+                    </a:lnB>
+                  </a:tcPr>
+                </a:tc>
+                <a:tc>
+                  <a:txBody>
+                    <a:bodyPr lIns="76200" rIns="76200" tIns="76200" bIns="76200"/>
+                    <a:lstStyle/>
+                    <a:p>
+                      <a:pPr>
+                        <a:lnSpc>
+                          <a:spcPct val="120000"/>
+                        </a:lnSpc>
+                      </a:pPr>
+                      <a:r>
+                        <a:rPr b="1" sz="800">
+                          <a:solidFill>
+                            <a:srgbClr val="000000"/>
+                          </a:solidFill>
+                          <a:latin typeface="Arial"/>
+                        </a:rPr>
+                        <a:t>Owner</a:t>
+                      </a:r>
+                    </a:p>
+                  </a:txBody>
+                  <a:tcPr>
+                    <a:noFill/>
+                    <a:lnL w="12700">
+                      <a:solidFill>
+                        <a:srgbClr val="000"/>
+                      </a:solidFill>
+                      <a:prstDash val="solid"/>
+                      <a:round/>
+                      <a:headEnd type="none" w="med" len="med"/>
+                      <a:tailEnd type="none" w="med" len="med"/>
+                    </a:lnL>
+                    <a:lnR w="12700">
+                      <a:solidFill>
+                        <a:srgbClr val="000"/>
+                      </a:solidFill>
+                      <a:prstDash val="solid"/>
+                      <a:round/>
+                      <a:headEnd type="none" w="med" len="med"/>
+                      <a:tailEnd type="none" w="med" len="med"/>
+                    </a:lnR>
+                    <a:lnT w="12700">
+                      <a:solidFill>
+                        <a:srgbClr val="000"/>
+                      </a:solidFill>
+                      <a:prstDash val="solid"/>
+                      <a:round/>
+                      <a:headEnd type="none" w="med" len="med"/>
+                      <a:tailEnd type="none" w="med" len="med"/>
+                    </a:lnT>
+                    <a:lnB w="12700">
+                      <a:solidFill>
+                        <a:srgbClr val="000"/>
+                      </a:solidFill>
+                      <a:prstDash val="solid"/>
+                      <a:round/>
+                      <a:headEnd type="none" w="med" len="med"/>
+                      <a:tailEnd type="none" w="med" len="med"/>
+                    </a:lnB>
+                  </a:tcPr>
+                </a:tc>
+                <a:tc>
+                  <a:txBody>
+                    <a:bodyPr lIns="76200" rIns="76200" tIns="76200" bIns="76200"/>
+                    <a:lstStyle/>
+                    <a:p>
+                      <a:pPr>
+                        <a:lnSpc>
+                          <a:spcPct val="120000"/>
+                        </a:lnSpc>
+                      </a:pPr>
+                      <a:r>
+                        <a:rPr b="1" sz="800">
+                          <a:solidFill>
+                            <a:srgbClr val="000000"/>
+                          </a:solidFill>
+                          <a:latin typeface="Arial"/>
+                        </a:rPr>
+                        <a:t>Progress</a:t>
+                      </a:r>
+                    </a:p>
+                  </a:txBody>
+                  <a:tcPr>
+                    <a:noFill/>
+                    <a:lnL w="12700">
+                      <a:solidFill>
+                        <a:srgbClr val="000"/>
+                      </a:solidFill>
+                      <a:prstDash val="solid"/>
+                      <a:round/>
+                      <a:headEnd type="none" w="med" len="med"/>
+                      <a:tailEnd type="none" w="med" len="med"/>
+                    </a:lnL>
+                    <a:lnR w="12700">
+                      <a:solidFill>
+                        <a:srgbClr val="000"/>
+                      </a:solidFill>
+                      <a:prstDash val="solid"/>
+                      <a:round/>
+                      <a:headEnd type="none" w="med" len="med"/>
+                      <a:tailEnd type="none" w="med" len="med"/>
+                    </a:lnR>
+                    <a:lnT w="12700">
+                      <a:solidFill>
+                        <a:srgbClr val="000"/>
+                      </a:solidFill>
+                      <a:prstDash val="solid"/>
+                      <a:round/>
+                      <a:headEnd type="none" w="med" len="med"/>
+                      <a:tailEnd type="none" w="med" len="med"/>
+                    </a:lnT>
+                    <a:lnB w="12700">
+                      <a:solidFill>
+                        <a:srgbClr val="000"/>
+                      </a:solidFill>
+                      <a:prstDash val="solid"/>
+                      <a:round/>
+                      <a:headEnd type="none" w="med" len="med"/>
+                      <a:tailEnd type="none" w="med" len="med"/>
+                    </a:lnB>
+                  </a:tcPr>
+                </a:tc>
+              </a:tr>
+              <a:tr h="314325">
+                <a:tc>
+                  <a:txBody>
+                    <a:bodyPr lIns="76200" rIns="76200" tIns="76200" bIns="76200"/>
+                    <a:lstStyle/>
+                    <a:p>
+                      <a:pPr>
+                        <a:lnSpc>
+                          <a:spcPct val="120000"/>
+                        </a:lnSpc>
+                      </a:pPr>
+                      <a:r>
+                        <a:rPr sz="800">
+                          <a:solidFill>
+                            <a:srgbClr val="000000"/>
+                          </a:solidFill>
+                          <a:latin typeface="Arial"/>
+                        </a:rPr>
+                        <a:t>Authentication</a:t>
+                      </a:r>
+                    </a:p>
+                  </a:txBody>
+                  <a:tcPr>
+                    <a:noFill/>
+                    <a:lnL w="12700">
+                      <a:solidFill>
+                        <a:srgbClr val="000"/>
+                      </a:solidFill>
+                      <a:prstDash val="solid"/>
+                      <a:round/>
+                      <a:headEnd type="none" w="med" len="med"/>
+                      <a:tailEnd type="none" w="med" len="med"/>
+                    </a:lnL>
+                    <a:lnR w="12700">
+                      <a:solidFill>
+                        <a:srgbClr val="000"/>
+                      </a:solidFill>
+                      <a:prstDash val="solid"/>
+                      <a:round/>
+                      <a:headEnd type="none" w="med" len="med"/>
+                      <a:tailEnd type="none" w="med" len="med"/>
+                    </a:lnR>
+                    <a:lnT w="12700">
+                      <a:solidFill>
+                        <a:srgbClr val="000"/>
+                      </a:solidFill>
+                      <a:prstDash val="solid"/>
+                      <a:round/>
+                      <a:headEnd type="none" w="med" len="med"/>
+                      <a:tailEnd type="none" w="med" len="med"/>
+                    </a:lnT>
+                    <a:lnB w="12700">
+                      <a:solidFill>
+                        <a:srgbClr val="000"/>
+                      </a:solidFill>
+                      <a:prstDash val="solid"/>
+                      <a:round/>
+                      <a:headEnd type="none" w="med" len="med"/>
+                      <a:tailEnd type="none" w="med" len="med"/>
+                    </a:lnB>
+                  </a:tcPr>
+                </a:tc>
+                <a:tc>
+                  <a:txBody>
+                    <a:bodyPr lIns="76200" rIns="76200" tIns="76200" bIns="76200"/>
+                    <a:lstStyle/>
+                    <a:p>
+                      <a:pPr>
+                        <a:lnSpc>
+                          <a:spcPct val="120000"/>
+                        </a:lnSpc>
+                      </a:pPr>
+                      <a:r>
+                        <a:rPr sz="800">
+                          <a:solidFill>
+                            <a:srgbClr val="000000"/>
+                          </a:solidFill>
+                          <a:latin typeface="Arial"/>
+                        </a:rPr>
+                        <a:t>Alice</a:t>
+                      </a:r>
+                    </a:p>
+                  </a:txBody>
+                  <a:tcPr>
+                    <a:noFill/>
+                    <a:lnL w="12700">
+                      <a:solidFill>
+                        <a:srgbClr val="000"/>
+                      </a:solidFill>
+                      <a:prstDash val="solid"/>
+                      <a:round/>
+                      <a:headEnd type="none" w="med" len="med"/>
+                      <a:tailEnd type="none" w="med" len="med"/>
+                    </a:lnL>
+                    <a:lnR w="12700">
+                      <a:solidFill>
+                        <a:srgbClr val="000"/>
+                      </a:solidFill>
+                      <a:prstDash val="solid"/>
+                      <a:round/>
+                      <a:headEnd type="none" w="med" len="med"/>
+                      <a:tailEnd type="none" w="med" len="med"/>
+                    </a:lnR>
+                    <a:lnT w="12700">
+                      <a:solidFill>
+                        <a:srgbClr val="000"/>
+                      </a:solidFill>
+                      <a:prstDash val="solid"/>
+                      <a:round/>
+                      <a:headEnd type="none" w="med" len="med"/>
+                      <a:tailEnd type="none" w="med" len="med"/>
+                    </a:lnT>
+                    <a:lnB w="12700">
+                      <a:solidFill>
+                        <a:srgbClr val="000"/>
+                      </a:solidFill>
+                      <a:prstDash val="solid"/>
+                      <a:round/>
+                      <a:headEnd type="none" w="med" len="med"/>
+                      <a:tailEnd type="none" w="med" len="med"/>
+                    </a:lnB>
+                  </a:tcPr>
+                </a:tc>
+                <a:tc>
+                  <a:txBody>
+                    <a:bodyPr lIns="76200" rIns="76200" tIns="76200" bIns="76200"/>
+                    <a:lstStyle/>
+                    <a:p>
+                      <a:pPr>
+                        <a:lnSpc>
+                          <a:spcPct val="120000"/>
+                        </a:lnSpc>
+                      </a:pPr>
+                      <a:r>
+                        <a:rPr sz="800">
+                          <a:solidFill>
+                            <a:srgbClr val="000000"/>
+                          </a:solidFill>
+                          <a:latin typeface="Arial"/>
+                        </a:rPr>
+                        <a:t>100%</a:t>
+                      </a:r>
+                    </a:p>
+                  </a:txBody>
+                  <a:tcPr>
+                    <a:noFill/>
+                    <a:lnL w="12700">
+                      <a:solidFill>
+                        <a:srgbClr val="000"/>
+                      </a:solidFill>
+                      <a:prstDash val="solid"/>
+                      <a:round/>
+                      <a:headEnd type="none" w="med" len="med"/>
+                      <a:tailEnd type="none" w="med" len="med"/>
+                    </a:lnL>
+                    <a:lnR w="12700">
+                      <a:solidFill>
+                        <a:srgbClr val="000"/>
+                      </a:solidFill>
+                      <a:prstDash val="solid"/>
+                      <a:round/>
+                      <a:headEnd type="none" w="med" len="med"/>
+                      <a:tailEnd type="none" w="med" len="med"/>
+                    </a:lnR>
+                    <a:lnT w="12700">
+                      <a:solidFill>
+                        <a:srgbClr val="000"/>
+                      </a:solidFill>
+                      <a:prstDash val="solid"/>
+                      <a:round/>
+                      <a:headEnd type="none" w="med" len="med"/>
+                      <a:tailEnd type="none" w="med" len="med"/>
+                    </a:lnT>
+                    <a:lnB w="12700">
+                      <a:solidFill>
+                        <a:srgbClr val="000"/>
+                      </a:solidFill>
+                      <a:prstDash val="solid"/>
+                      <a:round/>
+                      <a:headEnd type="none" w="med" len="med"/>
+                      <a:tailEnd type="none" w="med" len="med"/>
+                    </a:lnB>
+                  </a:tcPr>
+                </a:tc>
+              </a:tr>
+              <a:tr h="314325">
+                <a:tc>
+                  <a:txBody>
+                    <a:bodyPr lIns="76200" rIns="76200" tIns="76200" bIns="76200"/>
+                    <a:lstStyle/>
+                    <a:p>
+                      <a:pPr>
+                        <a:lnSpc>
+                          <a:spcPct val="120000"/>
+                        </a:lnSpc>
+                      </a:pPr>
+                      <a:r>
+                        <a:rPr sz="800">
+                          <a:solidFill>
+                            <a:srgbClr val="000000"/>
+                          </a:solidFill>
+                          <a:latin typeface="Arial"/>
+                        </a:rPr>
+                        <a:t>Database</a:t>
+                      </a:r>
+                    </a:p>
+                  </a:txBody>
+                  <a:tcPr>
+                    <a:noFill/>
+                    <a:lnL w="12700">
+                      <a:solidFill>
+                        <a:srgbClr val="000"/>
+                      </a:solidFill>
+                      <a:prstDash val="solid"/>
+                      <a:round/>
+                      <a:headEnd type="none" w="med" len="med"/>
+                      <a:tailEnd type="none" w="med" len="med"/>
+                    </a:lnL>
+                    <a:lnR w="12700">
+                      <a:solidFill>
+                        <a:srgbClr val="000"/>
+                      </a:solidFill>
+                      <a:prstDash val="solid"/>
+                      <a:round/>
+                      <a:headEnd type="none" w="med" len="med"/>
+                      <a:tailEnd type="none" w="med" len="med"/>
+                    </a:lnR>
+                    <a:lnT w="12700">
+                      <a:solidFill>
+                        <a:srgbClr val="000"/>
+                      </a:solidFill>
+                      <a:prstDash val="solid"/>
+                      <a:round/>
+                      <a:headEnd type="none" w="med" len="med"/>
+                      <a:tailEnd type="none" w="med" len="med"/>
+                    </a:lnT>
+                    <a:lnB w="12700">
+                      <a:solidFill>
+                        <a:srgbClr val="000"/>
+                      </a:solidFill>
+                      <a:prstDash val="solid"/>
+                      <a:round/>
+                      <a:headEnd type="none" w="med" len="med"/>
+                      <a:tailEnd type="none" w="med" len="med"/>
+                    </a:lnB>
+                  </a:tcPr>
+                </a:tc>
+                <a:tc>
+                  <a:txBody>
+                    <a:bodyPr lIns="76200" rIns="76200" tIns="76200" bIns="76200"/>
+                    <a:lstStyle/>
+                    <a:p>
+                      <a:pPr>
+                        <a:lnSpc>
+                          <a:spcPct val="120000"/>
+                        </a:lnSpc>
+                      </a:pPr>
+                      <a:r>
+                        <a:rPr sz="800">
+                          <a:solidFill>
+                            <a:srgbClr val="000000"/>
+                          </a:solidFill>
+                          <a:latin typeface="Arial"/>
+                        </a:rPr>
+                        <a:t>Bob</a:t>
+                      </a:r>
+                    </a:p>
+                  </a:txBody>
+                  <a:tcPr>
+                    <a:noFill/>
+                    <a:lnL w="12700">
+                      <a:solidFill>
+                        <a:srgbClr val="000"/>
+                      </a:solidFill>
+                      <a:prstDash val="solid"/>
+                      <a:round/>
+                      <a:headEnd type="none" w="med" len="med"/>
+                      <a:tailEnd type="none" w="med" len="med"/>
+                    </a:lnL>
+                    <a:lnR w="12700">
+                      <a:solidFill>
+                        <a:srgbClr val="000"/>
+                      </a:solidFill>
+                      <a:prstDash val="solid"/>
+                      <a:round/>
+                      <a:headEnd type="none" w="med" len="med"/>
+                      <a:tailEnd type="none" w="med" len="med"/>
+                    </a:lnR>
+                    <a:lnT w="12700">
+                      <a:solidFill>
+                        <a:srgbClr val="000"/>
+                      </a:solidFill>
+                      <a:prstDash val="solid"/>
+                      <a:round/>
+                      <a:headEnd type="none" w="med" len="med"/>
+                      <a:tailEnd type="none" w="med" len="med"/>
+                    </a:lnT>
+                    <a:lnB w="12700">
+                      <a:solidFill>
+                        <a:srgbClr val="000"/>
+                      </a:solidFill>
+                      <a:prstDash val="solid"/>
+                      <a:round/>
+                      <a:headEnd type="none" w="med" len="med"/>
+                      <a:tailEnd type="none" w="med" len="med"/>
+                    </a:lnB>
+                  </a:tcPr>
+                </a:tc>
+                <a:tc>
+                  <a:txBody>
+                    <a:bodyPr lIns="76200" rIns="76200" tIns="76200" bIns="76200"/>
+                    <a:lstStyle/>
+                    <a:p>
+                      <a:pPr>
+                        <a:lnSpc>
+                          <a:spcPct val="120000"/>
+                        </a:lnSpc>
+                      </a:pPr>
+                      <a:r>
+                        <a:rPr sz="800">
+                          <a:solidFill>
+                            <a:srgbClr val="000000"/>
+                          </a:solidFill>
+                          <a:latin typeface="Arial"/>
+                        </a:rPr>
+                        <a:t>80%</a:t>
+                      </a:r>
+                    </a:p>
+                  </a:txBody>
+                  <a:tcPr>
+                    <a:noFill/>
+                    <a:lnL w="12700">
+                      <a:solidFill>
+                        <a:srgbClr val="000"/>
+                      </a:solidFill>
+                      <a:prstDash val="solid"/>
+                      <a:round/>
+                      <a:headEnd type="none" w="med" len="med"/>
+                      <a:tailEnd type="none" w="med" len="med"/>
+                    </a:lnL>
+                    <a:lnR w="12700">
+                      <a:solidFill>
+                        <a:srgbClr val="000"/>
+                      </a:solidFill>
+                      <a:prstDash val="solid"/>
+                      <a:round/>
+                      <a:headEnd type="none" w="med" len="med"/>
+                      <a:tailEnd type="none" w="med" len="med"/>
+                    </a:lnR>
+                    <a:lnT w="12700">
+                      <a:solidFill>
+                        <a:srgbClr val="000"/>
+                      </a:solidFill>
+                      <a:prstDash val="solid"/>
+                      <a:round/>
+                      <a:headEnd type="none" w="med" len="med"/>
+                      <a:tailEnd type="none" w="med" len="med"/>
+                    </a:lnT>
+                    <a:lnB w="12700">
+                      <a:solidFill>
+                        <a:srgbClr val="000"/>
+                      </a:solidFill>
+                      <a:prstDash val="solid"/>
+                      <a:round/>
+                      <a:headEnd type="none" w="med" len="med"/>
+                      <a:tailEnd type="none" w="med" len="med"/>
+                    </a:lnB>
+                  </a:tcPr>
+                </a:tc>
+              </a:tr>
+              <a:tr h="314325">
+                <a:tc>
+                  <a:txBody>
+                    <a:bodyPr lIns="76200" rIns="76200" tIns="76200" bIns="76200"/>
+                    <a:lstStyle/>
+                    <a:p>
+                      <a:pPr>
+                        <a:lnSpc>
+                          <a:spcPct val="120000"/>
+                        </a:lnSpc>
+                      </a:pPr>
+                      <a:r>
+                        <a:rPr sz="800">
+                          <a:solidFill>
+                            <a:srgbClr val="000000"/>
+                          </a:solidFill>
+                          <a:latin typeface="Arial"/>
+                        </a:rPr>
+                        <a:t>API Docs</a:t>
+                      </a:r>
+                    </a:p>
+                  </a:txBody>
+                  <a:tcPr>
+                    <a:noFill/>
+                    <a:lnL w="12700">
+                      <a:solidFill>
+                        <a:srgbClr val="000"/>
+                      </a:solidFill>
+                      <a:prstDash val="solid"/>
+                      <a:round/>
+                      <a:headEnd type="none" w="med" len="med"/>
+                      <a:tailEnd type="none" w="med" len="med"/>
+                    </a:lnL>
+                    <a:lnR w="12700">
+                      <a:solidFill>
+                        <a:srgbClr val="000"/>
+                      </a:solidFill>
+                      <a:prstDash val="solid"/>
+                      <a:round/>
+                      <a:headEnd type="none" w="med" len="med"/>
+                      <a:tailEnd type="none" w="med" len="med"/>
+                    </a:lnR>
+                    <a:lnT w="12700">
+                      <a:solidFill>
+                        <a:srgbClr val="000"/>
+                      </a:solidFill>
+                      <a:prstDash val="solid"/>
+                      <a:round/>
+                      <a:headEnd type="none" w="med" len="med"/>
+                      <a:tailEnd type="none" w="med" len="med"/>
+                    </a:lnT>
+                    <a:lnB w="12700">
+                      <a:solidFill>
+                        <a:srgbClr val="000"/>
+                      </a:solidFill>
+                      <a:prstDash val="solid"/>
+                      <a:round/>
+                      <a:headEnd type="none" w="med" len="med"/>
+                      <a:tailEnd type="none" w="med" len="med"/>
+                    </a:lnB>
+                  </a:tcPr>
+                </a:tc>
+                <a:tc>
+                  <a:txBody>
+                    <a:bodyPr lIns="76200" rIns="76200" tIns="76200" bIns="76200"/>
+                    <a:lstStyle/>
+                    <a:p>
+                      <a:pPr>
+                        <a:lnSpc>
+                          <a:spcPct val="120000"/>
+                        </a:lnSpc>
+                      </a:pPr>
+                      <a:r>
+                        <a:rPr sz="800">
+                          <a:solidFill>
+                            <a:srgbClr val="000000"/>
+                          </a:solidFill>
+                          <a:latin typeface="Arial"/>
+                        </a:rPr>
+                        <a:t>Carol</a:t>
+                      </a:r>
+                    </a:p>
+                  </a:txBody>
+                  <a:tcPr>
+                    <a:noFill/>
+                    <a:lnL w="12700">
+                      <a:solidFill>
+                        <a:srgbClr val="000"/>
+                      </a:solidFill>
+                      <a:prstDash val="solid"/>
+                      <a:round/>
+                      <a:headEnd type="none" w="med" len="med"/>
+                      <a:tailEnd type="none" w="med" len="med"/>
+                    </a:lnL>
+                    <a:lnR w="12700">
+                      <a:solidFill>
+                        <a:srgbClr val="000"/>
+                      </a:solidFill>
+                      <a:prstDash val="solid"/>
+                      <a:round/>
+                      <a:headEnd type="none" w="med" len="med"/>
+                      <a:tailEnd type="none" w="med" len="med"/>
+                    </a:lnR>
+                    <a:lnT w="12700">
+                      <a:solidFill>
+                        <a:srgbClr val="000"/>
+                      </a:solidFill>
+                      <a:prstDash val="solid"/>
+                      <a:round/>
+                      <a:headEnd type="none" w="med" len="med"/>
+                      <a:tailEnd type="none" w="med" len="med"/>
+                    </a:lnT>
+                    <a:lnB w="12700">
+                      <a:solidFill>
+                        <a:srgbClr val="000"/>
+                      </a:solidFill>
+                      <a:prstDash val="solid"/>
+                      <a:round/>
+                      <a:headEnd type="none" w="med" len="med"/>
+                      <a:tailEnd type="none" w="med" len="med"/>
+                    </a:lnB>
+                  </a:tcPr>
+                </a:tc>
+                <a:tc>
+                  <a:txBody>
+                    <a:bodyPr lIns="76200" rIns="76200" tIns="76200" bIns="76200"/>
+                    <a:lstStyle/>
+                    <a:p>
+                      <a:pPr>
+                        <a:lnSpc>
+                          <a:spcPct val="120000"/>
+                        </a:lnSpc>
+                      </a:pPr>
+                      <a:r>
+                        <a:rPr sz="800">
+                          <a:solidFill>
+                            <a:srgbClr val="000000"/>
+                          </a:solidFill>
+                          <a:latin typeface="Arial"/>
+                        </a:rPr>
+                        <a:t>100%</a:t>
+                      </a:r>
+                    </a:p>
+                  </a:txBody>
+                  <a:tcPr>
+                    <a:noFill/>
+                    <a:lnL w="12700">
+                      <a:solidFill>
+                        <a:srgbClr val="000"/>
+                      </a:solidFill>
+                      <a:prstDash val="solid"/>
+                      <a:round/>
+                      <a:headEnd type="none" w="med" len="med"/>
+                      <a:tailEnd type="none" w="med" len="med"/>
+                    </a:lnL>
+                    <a:lnR w="12700">
+                      <a:solidFill>
+                        <a:srgbClr val="000"/>
+                      </a:solidFill>
+                      <a:prstDash val="solid"/>
+                      <a:round/>
+                      <a:headEnd type="none" w="med" len="med"/>
+                      <a:tailEnd type="none" w="med" len="med"/>
+                    </a:lnR>
+                    <a:lnT w="12700">
+                      <a:solidFill>
+                        <a:srgbClr val="000"/>
+                      </a:solidFill>
+                      <a:prstDash val="solid"/>
+                      <a:round/>
+                      <a:headEnd type="none" w="med" len="med"/>
+                      <a:tailEnd type="none" w="med" len="med"/>
+                    </a:lnT>
+                    <a:lnB w="12700">
+                      <a:solidFill>
+                        <a:srgbClr val="000"/>
+                      </a:solidFill>
+                      <a:prstDash val="solid"/>
+                      <a:round/>
+                      <a:headEnd type="none" w="med" len="med"/>
+                      <a:tailEnd type="none" w="med" len="med"/>
+                    </a:lnB>
+                  </a:tcPr>
+                </a:tc>
+              </a:tr>
+              <a:tr h="314325">
+                <a:tc>
+                  <a:txBody>
+                    <a:bodyPr lIns="76200" rIns="76200" tIns="76200" bIns="76200"/>
+                    <a:lstStyle/>
+                    <a:p>
+                      <a:pPr>
+                        <a:lnSpc>
+                          <a:spcPct val="120000"/>
+                        </a:lnSpc>
+                      </a:pPr>
+                      <a:r>
+                        <a:rPr sz="800">
+                          <a:solidFill>
+                            <a:srgbClr val="000000"/>
+                          </a:solidFill>
+                          <a:latin typeface="Arial"/>
+                        </a:rPr>
+                        <a:t>Analytics</a:t>
+                      </a:r>
+                    </a:p>
+                  </a:txBody>
+                  <a:tcPr>
+                    <a:noFill/>
+                    <a:lnL w="12700">
+                      <a:solidFill>
+                        <a:srgbClr val="000"/>
+                      </a:solidFill>
+                      <a:prstDash val="solid"/>
+                      <a:round/>
+                      <a:headEnd type="none" w="med" len="med"/>
+                      <a:tailEnd type="none" w="med" len="med"/>
+                    </a:lnL>
+                    <a:lnR w="12700">
+                      <a:solidFill>
+                        <a:srgbClr val="000"/>
+                      </a:solidFill>
+                      <a:prstDash val="solid"/>
+                      <a:round/>
+                      <a:headEnd type="none" w="med" len="med"/>
+                      <a:tailEnd type="none" w="med" len="med"/>
+                    </a:lnR>
+                    <a:lnT w="12700">
+                      <a:solidFill>
+                        <a:srgbClr val="000"/>
+                      </a:solidFill>
+                      <a:prstDash val="solid"/>
+                      <a:round/>
+                      <a:headEnd type="none" w="med" len="med"/>
+                      <a:tailEnd type="none" w="med" len="med"/>
+                    </a:lnT>
+                    <a:lnB w="12700">
+                      <a:solidFill>
+                        <a:srgbClr val="000"/>
+                      </a:solidFill>
+                      <a:prstDash val="solid"/>
+                      <a:round/>
+                      <a:headEnd type="none" w="med" len="med"/>
+                      <a:tailEnd type="none" w="med" len="med"/>
+                    </a:lnB>
+                  </a:tcPr>
+                </a:tc>
+                <a:tc>
+                  <a:txBody>
+                    <a:bodyPr lIns="76200" rIns="76200" tIns="76200" bIns="76200"/>
+                    <a:lstStyle/>
+                    <a:p>
+                      <a:pPr>
+                        <a:lnSpc>
+                          <a:spcPct val="120000"/>
+                        </a:lnSpc>
+                      </a:pPr>
+                      <a:r>
+                        <a:rPr sz="800">
+                          <a:solidFill>
+                            <a:srgbClr val="000000"/>
+                          </a:solidFill>
+                          <a:latin typeface="Arial"/>
+                        </a:rPr>
+                        <a:t>Dave</a:t>
+                      </a:r>
+                    </a:p>
+                  </a:txBody>
+                  <a:tcPr>
+                    <a:noFill/>
+                    <a:lnL w="12700">
+                      <a:solidFill>
+                        <a:srgbClr val="000"/>
+                      </a:solidFill>
+                      <a:prstDash val="solid"/>
+                      <a:round/>
+                      <a:headEnd type="none" w="med" len="med"/>
+                      <a:tailEnd type="none" w="med" len="med"/>
+                    </a:lnL>
+                    <a:lnR w="12700">
+                      <a:solidFill>
+                        <a:srgbClr val="000"/>
+                      </a:solidFill>
+                      <a:prstDash val="solid"/>
+                      <a:round/>
+                      <a:headEnd type="none" w="med" len="med"/>
+                      <a:tailEnd type="none" w="med" len="med"/>
+                    </a:lnR>
+                    <a:lnT w="12700">
+                      <a:solidFill>
+                        <a:srgbClr val="000"/>
+                      </a:solidFill>
+                      <a:prstDash val="solid"/>
+                      <a:round/>
+                      <a:headEnd type="none" w="med" len="med"/>
+                      <a:tailEnd type="none" w="med" len="med"/>
+                    </a:lnT>
+                    <a:lnB w="12700">
+                      <a:solidFill>
+                        <a:srgbClr val="000"/>
+                      </a:solidFill>
+                      <a:prstDash val="solid"/>
+                      <a:round/>
+                      <a:headEnd type="none" w="med" len="med"/>
+                      <a:tailEnd type="none" w="med" len="med"/>
+                    </a:lnB>
+                  </a:tcPr>
+                </a:tc>
+                <a:tc>
+                  <a:txBody>
+                    <a:bodyPr lIns="76200" rIns="76200" tIns="76200" bIns="76200"/>
+                    <a:lstStyle/>
+                    <a:p>
+                      <a:pPr>
+                        <a:lnSpc>
+                          <a:spcPct val="120000"/>
+                        </a:lnSpc>
+                      </a:pPr>
+                      <a:r>
+                        <a:rPr sz="800">
+                          <a:solidFill>
+                            <a:srgbClr val="000000"/>
+                          </a:solidFill>
+                          <a:latin typeface="Arial"/>
+                        </a:rPr>
+                        <a:t>60%</a:t>
+                      </a:r>
+                    </a:p>
+                  </a:txBody>
+                  <a:tcPr>
+                    <a:noFill/>
+                    <a:lnL w="12700">
+                      <a:solidFill>
+                        <a:srgbClr val="000"/>
+                      </a:solidFill>
+                      <a:prstDash val="solid"/>
+                      <a:round/>
+                      <a:headEnd type="none" w="med" len="med"/>
+                      <a:tailEnd type="none" w="med" len="med"/>
+                    </a:lnL>
+                    <a:lnR w="12700">
+                      <a:solidFill>
+                        <a:srgbClr val="000"/>
+                      </a:solidFill>
+                      <a:prstDash val="solid"/>
+                      <a:round/>
+                      <a:headEnd type="none" w="med" len="med"/>
+                      <a:tailEnd type="none" w="med" len="med"/>
+                    </a:lnR>
+                    <a:lnT w="12700">
+                      <a:solidFill>
+                        <a:srgbClr val="000"/>
+                      </a:solidFill>
+                      <a:prstDash val="solid"/>
+                      <a:round/>
+                      <a:headEnd type="none" w="med" len="med"/>
+                      <a:tailEnd type="none" w="med" len="med"/>
+                    </a:lnT>
+                    <a:lnB w="12700">
+                      <a:solidFill>
+                        <a:srgbClr val="000"/>
+                      </a:solidFill>
+                      <a:prstDash val="solid"/>
+                      <a:round/>
+                      <a:headEnd type="none" w="med" len="med"/>
+                      <a:tailEnd type="none" w="med" len="med"/>
+                    </a:lnB>
+                  </a:tcPr>
+                </a:tc>
+              </a:tr>
+            </a:tbl>
+          </a:graphicData>
+        </a:graphic>
+      </p:graphicFrame>
+      <p:sp>
+        <p:nvSpPr>
+          <p:cNvPr id="6" name="TextBox 5"/>
+          <p:cNvSpPr txBox="1"/>
+          <p:nvPr/>
+        </p:nvSpPr>
+        <p:spPr>
+          <a:xfrm>
+            <a:off x="2171700" y="590549"/>
+            <a:ext cx="6972300" cy="274320"/>
+          </a:xfrm>
+          <a:prstGeom prst="rect">
+            <a:avLst/>
+          </a:prstGeom>
+          <a:noFill/>
+        </p:spPr>
+        <p:txBody>
+          <a:bodyPr wrap="square" lIns="0" rIns="0" tIns="0" bIns="0">
+            <a:spAutoFit/>
+          </a:bodyPr>
+          <a:lstStyle/>
+          <a:p>
+            <a:pPr algn="l">
+              <a:lnSpc>
+                <a:spcPct val="120000"/>
+              </a:lnSpc>
+              <a:spcBef>
+                <a:spcPts val="0"/>
+              </a:spcBef>
+              <a:spcAft>
+                <a:spcPts val="0"/>
+              </a:spcAft>
+            </a:pPr>
+            <a:r>
+              <a:rPr sz="1100" b="1">
+                <a:solidFill>
+                  <a:srgbClr val="000000"/>
+                </a:solidFill>
+                <a:latin typeface="Arial"/>
+              </a:rPr>
+              <a:t>✍️ Notes</a:t>
+            </a:r>
+          </a:p>
+        </p:txBody>
+      </p:sp>
+      <p:sp>
+        <p:nvSpPr>
+          <p:cNvPr id="7" name="TextBox 6"/>
+          <p:cNvSpPr txBox="1"/>
+          <p:nvPr/>
+        </p:nvSpPr>
+        <p:spPr>
+          <a:xfrm>
+            <a:off x="2171700" y="847724"/>
+            <a:ext cx="6972300" cy="274320"/>
           </a:xfrm>
           <a:prstGeom prst="rect">
             <a:avLst/>
@@ -16237,7 +16831,7 @@
         <p:spPr>
           <a:xfrm>
             <a:off x="200025" y="876299"/>
-            <a:ext cx="5153024" cy="1628775"/>
+            <a:ext cx="5191125" cy="1628775"/>
           </a:xfrm>
           <a:prstGeom prst="rect">
             <a:avLst/>
@@ -16271,7 +16865,7 @@
         </p:nvGraphicFramePr>
         <p:xfrm>
           <a:off x="200025" y="876299"/>
-          <a:ext cx="5661695" cy="1571625"/>
+          <a:ext cx="5699759" cy="1571625"/>
         </p:xfrm>
         <a:graphic>
           <a:graphicData uri="http://schemas.openxmlformats.org/drawingml/2006/table">
@@ -16311,10 +16905,10 @@
                 </a:tblBorders>
               </a:tblPr>
               <a:tblGrid>
-                <a:gridCol w="1389332"/>
-                <a:gridCol w="858254"/>
-                <a:gridCol w="1610997"/>
-                <a:gridCol w="1803112"/>
+                <a:gridCol w="1393507"/>
+                <a:gridCol w="880110"/>
+                <a:gridCol w="1613535"/>
+                <a:gridCol w="1812607"/>
               </a:tblGrid>
               <a:tr h="314325">
                 <a:tc>
@@ -17603,8 +18197,8 @@
         </p:nvSpPr>
         <p:spPr>
           <a:xfrm>
-            <a:off x="200025" y="2819399"/>
-            <a:ext cx="1771650" cy="1333500"/>
+            <a:off x="200025" y="2809875"/>
+            <a:ext cx="1800225" cy="1333500"/>
           </a:xfrm>
           <a:prstGeom prst="rect">
             <a:avLst/>
@@ -17637,8 +18231,8 @@
           <p:nvPr/>
         </p:nvGraphicFramePr>
         <p:xfrm>
-          <a:off x="200025" y="2819399"/>
-          <a:ext cx="1947258" cy="1285872"/>
+          <a:off x="200025" y="2809875"/>
+          <a:ext cx="1969769" cy="1285872"/>
         </p:xfrm>
         <a:graphic>
           <a:graphicData uri="http://schemas.openxmlformats.org/drawingml/2006/table">
@@ -17678,10 +18272,10 @@
                 </a:tblBorders>
               </a:tblPr>
               <a:tblGrid>
-                <a:gridCol w="463547"/>
-                <a:gridCol w="376125"/>
-                <a:gridCol w="527804"/>
-                <a:gridCol w="579782"/>
+                <a:gridCol w="471487"/>
+                <a:gridCol w="377190"/>
+                <a:gridCol w="534352"/>
+                <a:gridCol w="586740"/>
               </a:tblGrid>
               <a:tr h="321468">
                 <a:tc>
@@ -18679,7 +19273,7 @@
         </p:nvSpPr>
         <p:spPr>
           <a:xfrm>
-            <a:off x="200025" y="4152899"/>
+            <a:off x="200025" y="4143375"/>
             <a:ext cx="8943975" cy="274320"/>
           </a:xfrm>
           <a:prstGeom prst="rect">
@@ -18724,7 +19318,7 @@
         </p:nvSpPr>
         <p:spPr>
           <a:xfrm>
-            <a:off x="200025" y="4381499"/>
+            <a:off x="200025" y="4371975"/>
             <a:ext cx="8943975" cy="541972"/>
           </a:xfrm>
           <a:prstGeom prst="rect">
@@ -19182,7 +19776,7 @@
         </p:nvSpPr>
         <p:spPr>
           <a:xfrm>
-            <a:off x="200025" y="1773555"/>
+            <a:off x="200025" y="1764029"/>
             <a:ext cx="8943975" cy="678180"/>
           </a:xfrm>
           <a:prstGeom prst="rect">
@@ -19449,7 +20043,7 @@
         <p:spPr>
           <a:xfrm>
             <a:off x="200025" y="876299"/>
-            <a:ext cx="8943975" cy="1904999"/>
+            <a:ext cx="8943975" cy="1838324"/>
           </a:xfrm>
           <a:prstGeom prst="rect">
             <a:avLst/>
@@ -19495,7 +20089,7 @@
         </p:nvSpPr>
         <p:spPr>
           <a:xfrm>
-            <a:off x="200025" y="2647949"/>
+            <a:off x="200025" y="2581275"/>
             <a:ext cx="8943975" cy="304800"/>
           </a:xfrm>
           <a:prstGeom prst="rect">
@@ -19540,8 +20134,8 @@
         </p:nvSpPr>
         <p:spPr>
           <a:xfrm>
-            <a:off x="200025" y="2962274"/>
-            <a:ext cx="8943975" cy="1904999"/>
+            <a:off x="200025" y="2886075"/>
+            <a:ext cx="8943975" cy="1838324"/>
           </a:xfrm>
           <a:prstGeom prst="rect">
             <a:avLst/>
@@ -19587,7 +20181,7 @@
         </p:nvSpPr>
         <p:spPr>
           <a:xfrm>
-            <a:off x="200025" y="4733925"/>
+            <a:off x="200025" y="4591050"/>
             <a:ext cx="8943975" cy="304800"/>
           </a:xfrm>
           <a:prstGeom prst="rect">
@@ -19659,7 +20253,7 @@
         <p:spPr>
           <a:xfrm>
             <a:off x="200025" y="180975"/>
-            <a:ext cx="8943975" cy="2219324"/>
+            <a:ext cx="8943975" cy="2143125"/>
           </a:xfrm>
           <a:prstGeom prst="rect">
             <a:avLst/>
@@ -20076,7 +20670,7 @@
         </p:nvSpPr>
         <p:spPr>
           <a:xfrm>
-            <a:off x="200025" y="2055495"/>
+            <a:off x="200025" y="2045969"/>
             <a:ext cx="8943975" cy="1786890"/>
           </a:xfrm>
           <a:prstGeom prst="rect">

--- a/output/comprehensive_demo_default.pptx
+++ b/output/comprehensive_demo_default.pptx
@@ -10322,7 +10322,43 @@
                 </a:solidFill>
                 <a:latin typeface="Arial"/>
               </a:rPr>
-              <a:t>You can include inline math like $E=mc^2$ or $\alpha + \beta = \gamma$ directly in your text.</a:t>
+              <a:t>You can include inline math like </a:t>
+            </a:r>
+            <a:r>
+              <a:rPr sz="1000">
+                <a:solidFill>
+                  <a:srgbClr val="000000"/>
+                </a:solidFill>
+                <a:latin typeface="Arial"/>
+              </a:rPr>
+              <a:t>$E=mc^2$</a:t>
+            </a:r>
+            <a:r>
+              <a:rPr sz="1000">
+                <a:solidFill>
+                  <a:srgbClr val="000000"/>
+                </a:solidFill>
+                <a:latin typeface="Arial"/>
+              </a:rPr>
+              <a:t> or </a:t>
+            </a:r>
+            <a:r>
+              <a:rPr sz="1000">
+                <a:solidFill>
+                  <a:srgbClr val="000000"/>
+                </a:solidFill>
+                <a:latin typeface="Arial"/>
+              </a:rPr>
+              <a:t>$\alpha + \beta = \gamma$</a:t>
+            </a:r>
+            <a:r>
+              <a:rPr sz="1000">
+                <a:solidFill>
+                  <a:srgbClr val="000000"/>
+                </a:solidFill>
+                <a:latin typeface="Arial"/>
+              </a:rPr>
+              <a:t> directly in your text.</a:t>
             </a:r>
           </a:p>
         </p:txBody>
@@ -10367,7 +10403,25 @@
                 </a:solidFill>
                 <a:latin typeface="Arial"/>
               </a:rPr>
-              <a:t>The quadratic formula is $x = \frac{-b \pm \sqrt{b^2-4ac}}{2a}$.</a:t>
+              <a:t>The quadratic formula is </a:t>
+            </a:r>
+            <a:r>
+              <a:rPr sz="1000">
+                <a:solidFill>
+                  <a:srgbClr val="000000"/>
+                </a:solidFill>
+                <a:latin typeface="Arial"/>
+              </a:rPr>
+              <a:t>$x = \frac{-b \pm \sqrt{b^2-4ac}}{2a}$</a:t>
+            </a:r>
+            <a:r>
+              <a:rPr sz="1000">
+                <a:solidFill>
+                  <a:srgbClr val="000000"/>
+                </a:solidFill>
+                <a:latin typeface="Arial"/>
+              </a:rPr>
+              <a:t>.</a:t>
             </a:r>
           </a:p>
         </p:txBody>
@@ -10464,7 +10518,7 @@
       </p:sp>
       <p:pic>
         <p:nvPicPr>
-          <p:cNvPr id="9" name="Picture 8" descr="bf431a6869429a2cfc02d2a0ba380a9c.png"/>
+          <p:cNvPr id="9" name="Picture 8" descr="98d66b88d1dd5d5aa7595eb2cd154e01.png"/>
           <p:cNvPicPr>
             <a:picLocks noChangeAspect="1"/>
           </p:cNvPicPr>
@@ -10478,8 +10532,8 @@
         </p:blipFill>
         <p:spPr>
           <a:xfrm>
-            <a:off x="3686175" y="1752599"/>
-            <a:ext cx="1762125" cy="352424"/>
+            <a:off x="838200" y="1752599"/>
+            <a:ext cx="7467599" cy="466724"/>
           </a:xfrm>
           <a:prstGeom prst="rect">
             <a:avLst/>
@@ -10494,7 +10548,7 @@
         </p:nvSpPr>
         <p:spPr>
           <a:xfrm>
-            <a:off x="200025" y="2181225"/>
+            <a:off x="200025" y="2447924"/>
             <a:ext cx="8943975" cy="274320"/>
           </a:xfrm>
           <a:prstGeom prst="rect">
@@ -10533,7 +10587,7 @@
       </p:sp>
       <p:pic>
         <p:nvPicPr>
-          <p:cNvPr id="11" name="Picture 10" descr="ac5d9a8809d6c67262a18b15b0c77c5c.png"/>
+          <p:cNvPr id="11" name="Picture 10" descr="a9d2ba54b06d18626aa73df549f0a938.png"/>
           <p:cNvPicPr>
             <a:picLocks noChangeAspect="1"/>
           </p:cNvPicPr>
@@ -10547,8 +10601,8 @@
         </p:blipFill>
         <p:spPr>
           <a:xfrm>
-            <a:off x="4162424" y="2238375"/>
-            <a:ext cx="809625" cy="352424"/>
+            <a:off x="838200" y="2505074"/>
+            <a:ext cx="7467599" cy="228600"/>
           </a:xfrm>
           <a:prstGeom prst="rect">
             <a:avLst/>
@@ -10563,7 +10617,7 @@
         </p:nvSpPr>
         <p:spPr>
           <a:xfrm>
-            <a:off x="200025" y="2667000"/>
+            <a:off x="200025" y="2962274"/>
             <a:ext cx="8943975" cy="304800"/>
           </a:xfrm>
           <a:prstGeom prst="rect">
@@ -10608,7 +10662,7 @@
         </p:nvSpPr>
         <p:spPr>
           <a:xfrm>
-            <a:off x="200025" y="2971800"/>
+            <a:off x="200025" y="3267075"/>
             <a:ext cx="8943975" cy="274320"/>
           </a:xfrm>
           <a:prstGeom prst="rect">
@@ -10647,7 +10701,7 @@
       </p:sp>
       <p:pic>
         <p:nvPicPr>
-          <p:cNvPr id="14" name="Picture 13" descr="47954c072bb41073c18ae093bd56ece1.png"/>
+          <p:cNvPr id="14" name="Picture 13" descr="c517a3c10966ea397e30bfc9599eec7e.png"/>
           <p:cNvPicPr>
             <a:picLocks noChangeAspect="1"/>
           </p:cNvPicPr>
@@ -10661,8 +10715,8 @@
         </p:blipFill>
         <p:spPr>
           <a:xfrm>
-            <a:off x="3457575" y="2990849"/>
-            <a:ext cx="2219324" cy="352424"/>
+            <a:off x="838200" y="3286125"/>
+            <a:ext cx="7467599" cy="447675"/>
           </a:xfrm>
           <a:prstGeom prst="rect">
             <a:avLst/>
@@ -10677,7 +10731,7 @@
         </p:nvSpPr>
         <p:spPr>
           <a:xfrm>
-            <a:off x="200025" y="3476624"/>
+            <a:off x="200025" y="4010024"/>
             <a:ext cx="8943975" cy="274320"/>
           </a:xfrm>
           <a:prstGeom prst="rect">

--- a/output/comprehensive_demo_default.pptx
+++ b/output/comprehensive_demo_default.pptx
@@ -4146,7 +4146,7 @@
                       <a:r>
                         <a:rPr sz="800">
                           <a:solidFill>
-                            <a:srgbClr val="000000"/>
+                            <a:srgbClr val="333333"/>
                           </a:solidFill>
                           <a:latin typeface="Courier New"/>
                         </a:rPr>
@@ -12339,7 +12339,16 @@
                 </a:solidFill>
                 <a:latin typeface="Arial"/>
               </a:rPr>
-              <a:t>Two-column slide: table on left, text on right</a:t>
+              <a:t>Two-column slide: table on left, </a:t>
+            </a:r>
+            <a:r>
+              <a:rPr u="wavy" sz="1600" b="1">
+                <a:solidFill>
+                  <a:srgbClr val="0066CC"/>
+                </a:solidFill>
+                <a:latin typeface="Arial"/>
+              </a:rPr>
+              <a:t>text on right</a:t>
             </a:r>
           </a:p>
         </p:txBody>
@@ -12797,7 +12806,7 @@
                       <a:r>
                         <a:rPr sz="800">
                           <a:solidFill>
-                            <a:srgbClr val="000000"/>
+                            <a:srgbClr val="FF0000"/>
                           </a:solidFill>
                           <a:latin typeface="Arial"/>
                         </a:rPr>
@@ -12982,7 +12991,7 @@
                       <a:r>
                         <a:rPr sz="800">
                           <a:solidFill>
-                            <a:srgbClr val="000000"/>
+                            <a:srgbClr val="009900"/>
                           </a:solidFill>
                           <a:latin typeface="Arial"/>
                         </a:rPr>
@@ -13165,9 +13174,9 @@
                         </a:lnSpc>
                       </a:pPr>
                       <a:r>
-                        <a:rPr sz="800">
+                        <a:rPr u="sng" sz="800">
                           <a:solidFill>
-                            <a:srgbClr val="000000"/>
+                            <a:srgbClr val="009900"/>
                           </a:solidFill>
                           <a:latin typeface="Arial"/>
                         </a:rPr>
@@ -13459,7 +13468,7 @@
         <p:spPr>
           <a:xfrm>
             <a:off x="4619625" y="3743325"/>
-            <a:ext cx="4524374" cy="342900"/>
+            <a:ext cx="4524374" cy="274320"/>
           </a:xfrm>
           <a:prstGeom prst="rect">
             <a:avLst/>
@@ -13490,7 +13499,25 @@
                 </a:solidFill>
                 <a:latin typeface="Arial"/>
               </a:rPr>
-              <a:t>All core features are either complete or in progress. Remaining items are performance tuning and UX polish.</a:t>
+              <a:t>All core features are either complete or in final testing. </a:t>
+            </a:r>
+            <a:r>
+              <a:rPr b="1" sz="1000">
+                <a:solidFill>
+                  <a:srgbClr val="0066CC"/>
+                </a:solidFill>
+                <a:latin typeface="Arial"/>
+              </a:rPr>
+              <a:t>Performance</a:t>
+            </a:r>
+            <a:r>
+              <a:rPr sz="1000">
+                <a:solidFill>
+                  <a:srgbClr val="000000"/>
+                </a:solidFill>
+                <a:latin typeface="Arial"/>
+              </a:rPr>
+              <a:t> metrics are excellent.</a:t>
             </a:r>
           </a:p>
         </p:txBody>

--- a/output/comprehensive_demo_default.pptx
+++ b/output/comprehensive_demo_default.pptx
@@ -3449,7 +3449,7 @@
         <p:spPr>
           <a:xfrm>
             <a:off x="384809" y="647699"/>
-            <a:ext cx="4139565" cy="466724"/>
+            <a:ext cx="4063365" cy="466724"/>
           </a:xfrm>
           <a:prstGeom prst="rect">
             <a:avLst/>
@@ -3513,7 +3513,7 @@
         </p:nvSpPr>
         <p:spPr>
           <a:xfrm>
-            <a:off x="4619625" y="647699"/>
+            <a:off x="4686300" y="647699"/>
             <a:ext cx="137160" cy="466724"/>
           </a:xfrm>
           <a:prstGeom prst="rect">
@@ -3556,8 +3556,8 @@
         </p:nvSpPr>
         <p:spPr>
           <a:xfrm>
-            <a:off x="4756785" y="647699"/>
-            <a:ext cx="4139565" cy="466724"/>
+            <a:off x="4823460" y="647699"/>
+            <a:ext cx="4063365" cy="466724"/>
           </a:xfrm>
           <a:prstGeom prst="rect">
             <a:avLst/>
@@ -3737,8 +3737,8 @@
         </p:nvSpPr>
         <p:spPr>
           <a:xfrm>
-            <a:off x="200025" y="876299"/>
-            <a:ext cx="4495799" cy="2038349"/>
+            <a:off x="200025" y="885825"/>
+            <a:ext cx="4486275" cy="2038349"/>
           </a:xfrm>
           <a:prstGeom prst="rect">
             <a:avLst/>
@@ -3771,8 +3771,8 @@
           <p:nvPr/>
         </p:nvGraphicFramePr>
         <p:xfrm>
-          <a:off x="200025" y="876299"/>
-          <a:ext cx="4934902" cy="1981200"/>
+          <a:off x="200025" y="885825"/>
+          <a:ext cx="4930317" cy="1981200"/>
         </p:xfrm>
         <a:graphic>
           <a:graphicData uri="http://schemas.openxmlformats.org/drawingml/2006/table">
@@ -3812,8 +3812,8 @@
                 </a:tblBorders>
               </a:tblPr>
               <a:tblGrid>
-                <a:gridCol w="1026795"/>
-                <a:gridCol w="1634490"/>
+                <a:gridCol w="1022456"/>
+                <a:gridCol w="1634244"/>
                 <a:gridCol w="2273617"/>
               </a:tblGrid>
               <a:tr h="396240">
@@ -4771,7 +4771,7 @@
         </p:nvSpPr>
         <p:spPr>
           <a:xfrm>
-            <a:off x="200025" y="2914650"/>
+            <a:off x="200025" y="2924175"/>
             <a:ext cx="8943975" cy="304800"/>
           </a:xfrm>
           <a:prstGeom prst="rect">
@@ -4816,7 +4816,7 @@
         </p:nvSpPr>
         <p:spPr>
           <a:xfrm>
-            <a:off x="200025" y="3219449"/>
+            <a:off x="200025" y="3228975"/>
             <a:ext cx="8943975" cy="274320"/>
           </a:xfrm>
           <a:prstGeom prst="rect">
@@ -4861,7 +4861,7 @@
         </p:nvSpPr>
         <p:spPr>
           <a:xfrm>
-            <a:off x="200025" y="3448049"/>
+            <a:off x="200025" y="3457575"/>
             <a:ext cx="8943975" cy="814387"/>
           </a:xfrm>
           <a:prstGeom prst="rect">
@@ -5157,7 +5157,7 @@
         </p:nvSpPr>
         <p:spPr>
           <a:xfrm>
-            <a:off x="200025" y="876299"/>
+            <a:off x="200025" y="885825"/>
             <a:ext cx="8943975" cy="274320"/>
           </a:xfrm>
           <a:prstGeom prst="rect">
@@ -5220,7 +5220,7 @@
         </p:nvSpPr>
         <p:spPr>
           <a:xfrm>
-            <a:off x="200025" y="1104900"/>
+            <a:off x="200025" y="1114425"/>
             <a:ext cx="8943975" cy="678180"/>
           </a:xfrm>
           <a:prstGeom prst="rect">
@@ -5406,7 +5406,7 @@
         </p:nvSpPr>
         <p:spPr>
           <a:xfrm>
-            <a:off x="200025" y="1687830"/>
+            <a:off x="200025" y="1697354"/>
             <a:ext cx="8943975" cy="304800"/>
           </a:xfrm>
           <a:prstGeom prst="rect">
@@ -5451,7 +5451,7 @@
         </p:nvSpPr>
         <p:spPr>
           <a:xfrm>
-            <a:off x="200025" y="1992629"/>
+            <a:off x="200025" y="2002155"/>
             <a:ext cx="8943975" cy="678180"/>
           </a:xfrm>
           <a:prstGeom prst="rect">
@@ -5717,8 +5717,8 @@
         </p:nvSpPr>
         <p:spPr>
           <a:xfrm>
-            <a:off x="200025" y="876299"/>
-            <a:ext cx="2419349" cy="1628775"/>
+            <a:off x="200025" y="885825"/>
+            <a:ext cx="2409825" cy="1628775"/>
           </a:xfrm>
           <a:prstGeom prst="rect">
             <a:avLst/>
@@ -5751,8 +5751,8 @@
           <p:nvPr/>
         </p:nvGraphicFramePr>
         <p:xfrm>
-          <a:off x="200025" y="876299"/>
-          <a:ext cx="2650807" cy="1571625"/>
+          <a:off x="200025" y="885825"/>
+          <a:ext cx="2640738" cy="1571625"/>
         </p:xfrm>
         <a:graphic>
           <a:graphicData uri="http://schemas.openxmlformats.org/drawingml/2006/table">
@@ -5792,9 +5792,9 @@
                 </a:tblBorders>
               </a:tblPr>
               <a:tblGrid>
-                <a:gridCol w="953452"/>
-                <a:gridCol w="481965"/>
-                <a:gridCol w="1215390"/>
+                <a:gridCol w="945021"/>
+                <a:gridCol w="480737"/>
+                <a:gridCol w="1214980"/>
               </a:tblGrid>
               <a:tr h="314325">
                 <a:tc>
@@ -6733,7 +6733,7 @@
         </p:nvSpPr>
         <p:spPr>
           <a:xfrm>
-            <a:off x="200025" y="2505074"/>
+            <a:off x="200025" y="2514600"/>
             <a:ext cx="8943975" cy="304800"/>
           </a:xfrm>
           <a:prstGeom prst="rect">
@@ -6778,7 +6778,7 @@
         </p:nvSpPr>
         <p:spPr>
           <a:xfrm>
-            <a:off x="200025" y="2809875"/>
+            <a:off x="200025" y="2819399"/>
             <a:ext cx="8943975" cy="814387"/>
           </a:xfrm>
           <a:prstGeom prst="rect">
@@ -7074,7 +7074,7 @@
         </p:nvSpPr>
         <p:spPr>
           <a:xfrm>
-            <a:off x="200025" y="876299"/>
+            <a:off x="200025" y="885825"/>
             <a:ext cx="8943975" cy="274320"/>
           </a:xfrm>
           <a:prstGeom prst="rect">
@@ -7146,7 +7146,7 @@
         </p:nvSpPr>
         <p:spPr>
           <a:xfrm>
-            <a:off x="200025" y="1104900"/>
+            <a:off x="200025" y="1114425"/>
             <a:ext cx="8943975" cy="274320"/>
           </a:xfrm>
           <a:prstGeom prst="rect">
@@ -7214,7 +7214,7 @@
                 </a:solidFill>
                 <a:latin typeface="Courier New"/>
               </a:rPr>
-              <a:t>Ag\ne</a:t>
+              <a:t>Ag\\ne</a:t>
             </a:r>
             <a:r>
               <a:rPr sz="1000">
@@ -7254,7 +7254,7 @@
         </p:nvSpPr>
         <p:spPr>
           <a:xfrm>
-            <a:off x="200025" y="1247775"/>
+            <a:off x="200025" y="1257300"/>
             <a:ext cx="8943975" cy="304800"/>
           </a:xfrm>
           <a:prstGeom prst="rect">
@@ -7299,7 +7299,7 @@
         </p:nvSpPr>
         <p:spPr>
           <a:xfrm>
-            <a:off x="200025" y="1552574"/>
+            <a:off x="200025" y="1562100"/>
             <a:ext cx="8943975" cy="274320"/>
           </a:xfrm>
           <a:prstGeom prst="rect">
@@ -7371,7 +7371,7 @@
         </p:nvSpPr>
         <p:spPr>
           <a:xfrm>
-            <a:off x="200025" y="1781174"/>
+            <a:off x="200025" y="1790700"/>
             <a:ext cx="8943975" cy="274320"/>
           </a:xfrm>
           <a:prstGeom prst="rect">
@@ -7595,8 +7595,8 @@
         </p:nvSpPr>
         <p:spPr>
           <a:xfrm>
-            <a:off x="200025" y="876299"/>
-            <a:ext cx="2657475" cy="1628775"/>
+            <a:off x="200025" y="885825"/>
+            <a:ext cx="2647949" cy="1628775"/>
           </a:xfrm>
           <a:prstGeom prst="rect">
             <a:avLst/>
@@ -7629,8 +7629,8 @@
           <p:nvPr/>
         </p:nvGraphicFramePr>
         <p:xfrm>
-          <a:off x="200025" y="876299"/>
-          <a:ext cx="2912744" cy="1571625"/>
+          <a:off x="200025" y="885825"/>
+          <a:ext cx="2902675" cy="1571625"/>
         </p:xfrm>
         <a:graphic>
           <a:graphicData uri="http://schemas.openxmlformats.org/drawingml/2006/table">
@@ -7670,9 +7670,9 @@
                 </a:tblBorders>
               </a:tblPr>
               <a:tblGrid>
-                <a:gridCol w="859155"/>
-                <a:gridCol w="1016317"/>
-                <a:gridCol w="1037272"/>
+                <a:gridCol w="853752"/>
+                <a:gridCol w="1014762"/>
+                <a:gridCol w="1034161"/>
               </a:tblGrid>
               <a:tr h="314325">
                 <a:tc>
@@ -8611,7 +8611,7 @@
         </p:nvSpPr>
         <p:spPr>
           <a:xfrm>
-            <a:off x="200025" y="2505074"/>
+            <a:off x="200025" y="2514600"/>
             <a:ext cx="8943975" cy="304800"/>
           </a:xfrm>
           <a:prstGeom prst="rect">
@@ -8656,7 +8656,7 @@
         </p:nvSpPr>
         <p:spPr>
           <a:xfrm>
-            <a:off x="200025" y="2809875"/>
+            <a:off x="200025" y="2819399"/>
             <a:ext cx="8943975" cy="678180"/>
           </a:xfrm>
           <a:prstGeom prst="rect">
@@ -8958,7 +8958,7 @@
         </p:nvSpPr>
         <p:spPr>
           <a:xfrm>
-            <a:off x="200025" y="876299"/>
+            <a:off x="200025" y="885825"/>
             <a:ext cx="8943975" cy="950595"/>
           </a:xfrm>
           <a:prstGeom prst="rect">
@@ -9222,7 +9222,7 @@
         </p:nvSpPr>
         <p:spPr>
           <a:xfrm>
-            <a:off x="200025" y="1731645"/>
+            <a:off x="200025" y="1741170"/>
             <a:ext cx="8943975" cy="304800"/>
           </a:xfrm>
           <a:prstGeom prst="rect">
@@ -9267,7 +9267,7 @@
         </p:nvSpPr>
         <p:spPr>
           <a:xfrm>
-            <a:off x="200025" y="2036445"/>
+            <a:off x="200025" y="2045969"/>
             <a:ext cx="8943975" cy="274320"/>
           </a:xfrm>
           <a:prstGeom prst="rect">
@@ -9330,7 +9330,7 @@
         </p:nvSpPr>
         <p:spPr>
           <a:xfrm>
-            <a:off x="200025" y="2265045"/>
+            <a:off x="200025" y="2274570"/>
             <a:ext cx="8943975" cy="814387"/>
           </a:xfrm>
           <a:prstGeom prst="rect">
@@ -9555,7 +9555,7 @@
         </p:nvSpPr>
         <p:spPr>
           <a:xfrm>
-            <a:off x="200025" y="3079432"/>
+            <a:off x="200025" y="3088957"/>
             <a:ext cx="8943975" cy="274320"/>
           </a:xfrm>
           <a:prstGeom prst="rect">
@@ -9743,7 +9743,7 @@
         </p:nvSpPr>
         <p:spPr>
           <a:xfrm>
-            <a:off x="200025" y="876299"/>
+            <a:off x="200025" y="885825"/>
             <a:ext cx="8943975" cy="274320"/>
           </a:xfrm>
           <a:prstGeom prst="rect">
@@ -9788,8 +9788,8 @@
         </p:nvSpPr>
         <p:spPr>
           <a:xfrm>
-            <a:off x="200025" y="1143000"/>
-            <a:ext cx="8943975" cy="1838324"/>
+            <a:off x="200025" y="1152524"/>
+            <a:ext cx="8943975" cy="1904999"/>
           </a:xfrm>
           <a:prstGeom prst="rect">
             <a:avLst/>
@@ -9835,7 +9835,7 @@
         </p:nvSpPr>
         <p:spPr>
           <a:xfrm>
-            <a:off x="200025" y="2847974"/>
+            <a:off x="200025" y="2924175"/>
             <a:ext cx="8943975" cy="304800"/>
           </a:xfrm>
           <a:prstGeom prst="rect">
@@ -9880,7 +9880,7 @@
         </p:nvSpPr>
         <p:spPr>
           <a:xfrm>
-            <a:off x="200025" y="3152775"/>
+            <a:off x="200025" y="3228975"/>
             <a:ext cx="8943975" cy="687705"/>
           </a:xfrm>
           <a:prstGeom prst="rect">
@@ -10057,7 +10057,7 @@
         </p:nvSpPr>
         <p:spPr>
           <a:xfrm>
-            <a:off x="200025" y="3840479"/>
+            <a:off x="200025" y="3916680"/>
             <a:ext cx="8943975" cy="274320"/>
           </a:xfrm>
           <a:prstGeom prst="rect">
@@ -10290,7 +10290,7 @@
         </p:nvSpPr>
         <p:spPr>
           <a:xfrm>
-            <a:off x="200025" y="1009649"/>
+            <a:off x="200025" y="1019174"/>
             <a:ext cx="8943975" cy="274320"/>
           </a:xfrm>
           <a:prstGeom prst="rect">
@@ -10371,7 +10371,7 @@
         </p:nvSpPr>
         <p:spPr>
           <a:xfrm>
-            <a:off x="200025" y="1238249"/>
+            <a:off x="200025" y="1247775"/>
             <a:ext cx="8943975" cy="274320"/>
           </a:xfrm>
           <a:prstGeom prst="rect">
@@ -10434,7 +10434,7 @@
         </p:nvSpPr>
         <p:spPr>
           <a:xfrm>
-            <a:off x="200025" y="1371600"/>
+            <a:off x="200025" y="1381124"/>
             <a:ext cx="8943975" cy="304800"/>
           </a:xfrm>
           <a:prstGeom prst="rect">
@@ -10479,7 +10479,7 @@
         </p:nvSpPr>
         <p:spPr>
           <a:xfrm>
-            <a:off x="200025" y="1676400"/>
+            <a:off x="200025" y="1685925"/>
             <a:ext cx="8943975" cy="274320"/>
           </a:xfrm>
           <a:prstGeom prst="rect">
@@ -10532,7 +10532,7 @@
         </p:blipFill>
         <p:spPr>
           <a:xfrm>
-            <a:off x="838200" y="1752599"/>
+            <a:off x="838200" y="1762125"/>
             <a:ext cx="7467599" cy="466724"/>
           </a:xfrm>
           <a:prstGeom prst="rect">
@@ -10617,7 +10617,7 @@
         </p:nvSpPr>
         <p:spPr>
           <a:xfrm>
-            <a:off x="200025" y="2962274"/>
+            <a:off x="200025" y="2952750"/>
             <a:ext cx="8943975" cy="304800"/>
           </a:xfrm>
           <a:prstGeom prst="rect">
@@ -10916,7 +10916,52 @@
         </p:nvSpPr>
         <p:spPr>
           <a:xfrm>
-            <a:off x="200025" y="3695699"/>
+            <a:off x="200025" y="3648074"/>
+            <a:ext cx="4457700" cy="274320"/>
+          </a:xfrm>
+          <a:prstGeom prst="rect">
+            <a:avLst/>
+          </a:prstGeom>
+          <a:noFill/>
+        </p:spPr>
+        <p:txBody>
+          <a:bodyPr wrap="square" lIns="0" rIns="0" tIns="0" bIns="0">
+            <a:spAutoFit/>
+          </a:bodyPr>
+          <a:lstStyle/>
+          <a:p>
+            <a:pPr algn="ctr">
+              <a:lnSpc>
+                <a:spcPct val="120000"/>
+              </a:lnSpc>
+              <a:spcBef>
+                <a:spcPts val="0"/>
+              </a:spcBef>
+              <a:spcAft>
+                <a:spcPts val="0"/>
+              </a:spcAft>
+            </a:pPr>
+            <a:r>
+              <a:rPr sz="1000" i="1">
+                <a:solidFill>
+                  <a:srgbClr val="666666"/>
+                </a:solidFill>
+                <a:latin typeface="Arial"/>
+              </a:rPr>
+              <a:t>Sample bar chart demonstrating data visualization with proper scaling</a:t>
+            </a:r>
+          </a:p>
+        </p:txBody>
+      </p:sp>
+      <p:sp>
+        <p:nvSpPr>
+          <p:cNvPr id="6" name="TextBox 5"/>
+          <p:cNvSpPr txBox="1"/>
+          <p:nvPr/>
+        </p:nvSpPr>
+        <p:spPr>
+          <a:xfrm>
+            <a:off x="200025" y="3876674"/>
             <a:ext cx="8943975" cy="274320"/>
           </a:xfrm>
           <a:prstGeom prst="rect">
@@ -11544,7 +11589,7 @@
               <a:t>wavy underlined text</a:t>
             </a:r>
             <a:r>
-              <a:rPr sz="1000">
+              <a:rPr u="wavy" sz="1000">
                 <a:solidFill>
                   <a:srgbClr val="000000"/>
                 </a:solidFill>
@@ -11562,7 +11607,7 @@
               <a:t>emphasized information</a:t>
             </a:r>
             <a:r>
-              <a:rPr sz="1000">
+              <a:rPr u="wavy" sz="1000">
                 <a:solidFill>
                   <a:srgbClr val="000000"/>
                 </a:solidFill>
@@ -11744,7 +11789,7 @@
         </p:nvSpPr>
         <p:spPr>
           <a:xfrm>
-            <a:off x="200025" y="3152775"/>
+            <a:off x="200025" y="3162299"/>
             <a:ext cx="8943975" cy="823912"/>
           </a:xfrm>
           <a:prstGeom prst="rect">
@@ -11893,7 +11938,7 @@
               <a:t>• </a:t>
             </a:r>
             <a:r>
-              <a:rPr sz="1000">
+              <a:rPr u="sng" sz="1000">
                 <a:solidFill>
                   <a:srgbClr val="000000"/>
                 </a:solidFill>
@@ -11902,7 +11947,7 @@
               <a:t>Underlined with </a:t>
             </a:r>
             <a:r>
-              <a:rPr b="1" sz="1000">
+              <a:rPr u="sng" b="1" sz="1000">
                 <a:solidFill>
                   <a:srgbClr val="000000"/>
                 </a:solidFill>
@@ -11911,7 +11956,7 @@
               <a:t>bold inside</a:t>
             </a:r>
             <a:r>
-              <a:rPr sz="1000">
+              <a:rPr u="sng" sz="1000">
                 <a:solidFill>
                   <a:srgbClr val="000000"/>
                 </a:solidFill>
@@ -11960,7 +12005,7 @@
         </p:nvSpPr>
         <p:spPr>
           <a:xfrm>
-            <a:off x="200025" y="3881437"/>
+            <a:off x="200025" y="3890962"/>
             <a:ext cx="8943975" cy="304800"/>
           </a:xfrm>
           <a:prstGeom prst="rect">
@@ -12005,7 +12050,7 @@
         </p:nvSpPr>
         <p:spPr>
           <a:xfrm>
-            <a:off x="200025" y="4186237"/>
+            <a:off x="200025" y="4195762"/>
             <a:ext cx="8943975" cy="274320"/>
           </a:xfrm>
           <a:prstGeom prst="rect">
@@ -12140,7 +12185,7 @@
         </p:nvSpPr>
         <p:spPr>
           <a:xfrm>
-            <a:off x="200025" y="4424362"/>
+            <a:off x="200025" y="4433887"/>
             <a:ext cx="8943975" cy="274320"/>
           </a:xfrm>
           <a:prstGeom prst="rect">
@@ -12226,25 +12271,7 @@
                 </a:solidFill>
                 <a:latin typeface="Arial"/>
               </a:rPr>
-              <a:t> is the </a:t>
-            </a:r>
-            <a:r>
-              <a:rPr u="sng" sz="1000">
-                <a:solidFill>
-                  <a:srgbClr val="000000"/>
-                </a:solidFill>
-                <a:latin typeface="Arial"/>
-              </a:rPr>
-              <a:t>final result</a:t>
-            </a:r>
-            <a:r>
-              <a:rPr sz="1000">
-                <a:solidFill>
-                  <a:srgbClr val="000000"/>
-                </a:solidFill>
-                <a:latin typeface="Arial"/>
-              </a:rPr>
-              <a:t>.</a:t>
+              <a:t> is the ++final result++.</a:t>
             </a:r>
           </a:p>
         </p:txBody>
@@ -12307,7 +12334,142 @@
         </p:nvSpPr>
         <p:spPr>
           <a:xfrm>
-            <a:off x="200025" y="3076574"/>
+            <a:off x="200025" y="3124200"/>
+            <a:ext cx="2867025" cy="274320"/>
+          </a:xfrm>
+          <a:prstGeom prst="rect">
+            <a:avLst/>
+          </a:prstGeom>
+          <a:noFill/>
+        </p:spPr>
+        <p:txBody>
+          <a:bodyPr wrap="square" lIns="0" rIns="0" tIns="0" bIns="0">
+            <a:spAutoFit/>
+          </a:bodyPr>
+          <a:lstStyle/>
+          <a:p>
+            <a:pPr algn="ctr">
+              <a:lnSpc>
+                <a:spcPct val="120000"/>
+              </a:lnSpc>
+              <a:spcBef>
+                <a:spcPts val="0"/>
+              </a:spcBef>
+              <a:spcAft>
+                <a:spcPts val="0"/>
+              </a:spcAft>
+            </a:pPr>
+            <a:r>
+              <a:rPr sz="1000" i="1">
+                <a:solidFill>
+                  <a:srgbClr val="666666"/>
+                </a:solidFill>
+                <a:latin typeface="Arial"/>
+              </a:rPr>
+              <a:t>Distribution chart showing proportional data representation</a:t>
+            </a:r>
+          </a:p>
+        </p:txBody>
+      </p:sp>
+      <p:sp>
+        <p:nvSpPr>
+          <p:cNvPr id="4" name="TextBox 3"/>
+          <p:cNvSpPr txBox="1"/>
+          <p:nvPr/>
+        </p:nvSpPr>
+        <p:spPr>
+          <a:xfrm>
+            <a:off x="200025" y="3257550"/>
+            <a:ext cx="8943975" cy="304800"/>
+          </a:xfrm>
+          <a:prstGeom prst="rect">
+            <a:avLst/>
+          </a:prstGeom>
+          <a:noFill/>
+        </p:spPr>
+        <p:txBody>
+          <a:bodyPr wrap="square" lIns="0" rIns="0" tIns="0" bIns="0">
+            <a:spAutoFit/>
+          </a:bodyPr>
+          <a:lstStyle/>
+          <a:p>
+            <a:pPr algn="l">
+              <a:lnSpc>
+                <a:spcPct val="120000"/>
+              </a:lnSpc>
+              <a:spcBef>
+                <a:spcPts val="0"/>
+              </a:spcBef>
+              <a:spcAft>
+                <a:spcPts val="0"/>
+              </a:spcAft>
+            </a:pPr>
+            <a:r>
+              <a:rPr sz="1300" b="1">
+                <a:solidFill>
+                  <a:srgbClr val="000000"/>
+                </a:solidFill>
+                <a:latin typeface="Arial"/>
+              </a:rPr>
+              <a:t>Advanced Jinja2 Template Examples</a:t>
+            </a:r>
+          </a:p>
+        </p:txBody>
+      </p:sp>
+      <p:sp>
+        <p:nvSpPr>
+          <p:cNvPr id="5" name="TextBox 4"/>
+          <p:cNvSpPr txBox="1"/>
+          <p:nvPr/>
+        </p:nvSpPr>
+        <p:spPr>
+          <a:xfrm>
+            <a:off x="200025" y="3571875"/>
+            <a:ext cx="8943975" cy="274320"/>
+          </a:xfrm>
+          <a:prstGeom prst="rect">
+            <a:avLst/>
+          </a:prstGeom>
+          <a:noFill/>
+        </p:spPr>
+        <p:txBody>
+          <a:bodyPr wrap="square" lIns="0" rIns="0" tIns="0" bIns="0">
+            <a:spAutoFit/>
+          </a:bodyPr>
+          <a:lstStyle/>
+          <a:p>
+            <a:pPr algn="l">
+              <a:lnSpc>
+                <a:spcPct val="120000"/>
+              </a:lnSpc>
+              <a:spcBef>
+                <a:spcPts val="0"/>
+              </a:spcBef>
+              <a:spcAft>
+                <a:spcPts val="0"/>
+              </a:spcAft>
+            </a:pPr>
+            <a:r>
+              <a:rPr sz="1000">
+                <a:solidFill>
+                  <a:srgbClr val="000000"/>
+                </a:solidFill>
+                <a:latin typeface="Arial"/>
+              </a:rPr>
+              <a:t>You can also use the new template syntax for dynamic figures: {% figure "bar_chart" width=0.7 caption="Generated using Jinja2 template syntax" %}</a:t>
+            </a:r>
+          </a:p>
+        </p:txBody>
+      </p:sp>
+      <p:sp>
+        <p:nvSpPr>
+          <p:cNvPr id="6" name="TextBox 5"/>
+          <p:cNvSpPr txBox="1"/>
+          <p:nvPr/>
+        </p:nvSpPr>
+        <p:spPr>
+          <a:xfrm>
+            <a:off x="200025" y="3705224"/>
             <a:ext cx="8943975" cy="390525"/>
           </a:xfrm>
           <a:prstGeom prst="rect">
@@ -12355,13 +12517,13 @@
       </p:sp>
       <p:sp>
         <p:nvSpPr>
-          <p:cNvPr id="4" name="TextBox 3"/>
+          <p:cNvPr id="7" name="TextBox 6"/>
           <p:cNvSpPr txBox="1"/>
           <p:nvPr/>
         </p:nvSpPr>
         <p:spPr>
           <a:xfrm>
-            <a:off x="247649" y="3467100"/>
+            <a:off x="247649" y="4095749"/>
             <a:ext cx="8896350" cy="274320"/>
           </a:xfrm>
           <a:prstGeom prst="rect">
@@ -12400,14 +12562,14 @@
       </p:sp>
       <p:sp>
         <p:nvSpPr>
-          <p:cNvPr id="5" name="TextBox 4"/>
+          <p:cNvPr id="8" name="TextBox 7"/>
           <p:cNvSpPr txBox="1"/>
           <p:nvPr/>
         </p:nvSpPr>
         <p:spPr>
           <a:xfrm>
-            <a:off x="247649" y="3724274"/>
-            <a:ext cx="1828800" cy="1628775"/>
+            <a:off x="247649" y="4352924"/>
+            <a:ext cx="1800225" cy="1628775"/>
           </a:xfrm>
           <a:prstGeom prst="rect">
             <a:avLst/>
@@ -12433,15 +12595,15 @@
       </p:sp>
       <p:graphicFrame>
         <p:nvGraphicFramePr>
-          <p:cNvPr id="6" name="Table 5"/>
+          <p:cNvPr id="9" name="Table 8"/>
           <p:cNvGraphicFramePr>
             <a:graphicFrameLocks noGrp="1"/>
           </p:cNvGraphicFramePr>
           <p:nvPr/>
         </p:nvGraphicFramePr>
         <p:xfrm>
-          <a:off x="247649" y="3724274"/>
-          <a:ext cx="2001201" cy="1571625"/>
+          <a:off x="247649" y="4352924"/>
+          <a:ext cx="1978854" cy="1571625"/>
         </p:xfrm>
         <a:graphic>
           <a:graphicData uri="http://schemas.openxmlformats.org/drawingml/2006/table">
@@ -12481,9 +12643,9 @@
                 </a:tblBorders>
               </a:tblPr>
               <a:tblGrid>
-                <a:gridCol w="848677"/>
-                <a:gridCol w="513397"/>
-                <a:gridCol w="639127"/>
+                <a:gridCol w="842210"/>
+                <a:gridCol w="504229"/>
+                <a:gridCol w="632415"/>
               </a:tblGrid>
               <a:tr h="314325">
                 <a:tc>
@@ -13416,14 +13578,14 @@
       </p:graphicFrame>
       <p:sp>
         <p:nvSpPr>
-          <p:cNvPr id="7" name="TextBox 6"/>
+          <p:cNvPr id="10" name="TextBox 9"/>
           <p:cNvSpPr txBox="1"/>
           <p:nvPr/>
         </p:nvSpPr>
         <p:spPr>
           <a:xfrm>
-            <a:off x="4619625" y="3486150"/>
-            <a:ext cx="4524374" cy="274320"/>
+            <a:off x="4686300" y="4114800"/>
+            <a:ext cx="4457700" cy="274320"/>
           </a:xfrm>
           <a:prstGeom prst="rect">
             <a:avLst/>
@@ -13461,14 +13623,14 @@
       </p:sp>
       <p:sp>
         <p:nvSpPr>
-          <p:cNvPr id="8" name="TextBox 7"/>
+          <p:cNvPr id="11" name="TextBox 10"/>
           <p:cNvSpPr txBox="1"/>
           <p:nvPr/>
         </p:nvSpPr>
         <p:spPr>
           <a:xfrm>
-            <a:off x="4619625" y="3743325"/>
-            <a:ext cx="4524374" cy="274320"/>
+            <a:off x="4686300" y="4371975"/>
+            <a:ext cx="4457700" cy="274320"/>
           </a:xfrm>
           <a:prstGeom prst="rect">
             <a:avLst/>
@@ -13625,8 +13787,53 @@
         </p:nvSpPr>
         <p:spPr>
           <a:xfrm>
-            <a:off x="5581649" y="666750"/>
-            <a:ext cx="3562349" cy="342900"/>
+            <a:off x="247649" y="3514725"/>
+            <a:ext cx="3809999" cy="274320"/>
+          </a:xfrm>
+          <a:prstGeom prst="rect">
+            <a:avLst/>
+          </a:prstGeom>
+          <a:noFill/>
+        </p:spPr>
+        <p:txBody>
+          <a:bodyPr wrap="square" lIns="0" rIns="0" tIns="0" bIns="0">
+            <a:spAutoFit/>
+          </a:bodyPr>
+          <a:lstStyle/>
+          <a:p>
+            <a:pPr algn="ctr">
+              <a:lnSpc>
+                <a:spcPct val="120000"/>
+              </a:lnSpc>
+              <a:spcBef>
+                <a:spcPts val="0"/>
+              </a:spcBef>
+              <a:spcAft>
+                <a:spcPts val="0"/>
+              </a:spcAft>
+            </a:pPr>
+            <a:r>
+              <a:rPr sz="1000" i="1">
+                <a:solidFill>
+                  <a:srgbClr val="666666"/>
+                </a:solidFill>
+                <a:latin typeface="Arial"/>
+              </a:rPr>
+              <a:t>Task completion progress visualization</a:t>
+            </a:r>
+          </a:p>
+        </p:txBody>
+      </p:sp>
+      <p:sp>
+        <p:nvSpPr>
+          <p:cNvPr id="5" name="TextBox 4"/>
+          <p:cNvSpPr txBox="1"/>
+          <p:nvPr/>
+        </p:nvSpPr>
+        <p:spPr>
+          <a:xfrm>
+            <a:off x="5724524" y="685800"/>
+            <a:ext cx="3419474" cy="342900"/>
           </a:xfrm>
           <a:prstGeom prst="rect">
             <a:avLst/>
@@ -13765,8 +13972,8 @@
         </p:nvSpPr>
         <p:spPr>
           <a:xfrm>
-            <a:off x="4619625" y="571500"/>
-            <a:ext cx="942975" cy="1333500"/>
+            <a:off x="4686300" y="571500"/>
+            <a:ext cx="923924" cy="1333500"/>
           </a:xfrm>
           <a:prstGeom prst="rect">
             <a:avLst/>
@@ -13799,8 +14006,8 @@
           <p:nvPr/>
         </p:nvGraphicFramePr>
         <p:xfrm>
-          <a:off x="4619625" y="571500"/>
-          <a:ext cx="1026794" cy="1285872"/>
+          <a:off x="4686300" y="571500"/>
+          <a:ext cx="1014352" cy="1285872"/>
         </p:xfrm>
         <a:graphic>
           <a:graphicData uri="http://schemas.openxmlformats.org/drawingml/2006/table">
@@ -13840,8 +14047,8 @@
                 </a:tblBorders>
               </a:tblPr>
               <a:tblGrid>
-                <a:gridCol w="722947"/>
-                <a:gridCol w="303847"/>
+                <a:gridCol w="719673"/>
+                <a:gridCol w="294679"/>
               </a:tblGrid>
               <a:tr h="321468">
                 <a:tc>
@@ -14468,7 +14675,7 @@
         <p:spPr>
           <a:xfrm>
             <a:off x="247649" y="828675"/>
-            <a:ext cx="1828800" cy="1628775"/>
+            <a:ext cx="1800225" cy="1628775"/>
           </a:xfrm>
           <a:prstGeom prst="rect">
             <a:avLst/>
@@ -14502,7 +14709,7 @@
         </p:nvGraphicFramePr>
         <p:xfrm>
           <a:off x="247649" y="828675"/>
-          <a:ext cx="2001201" cy="1571625"/>
+          <a:ext cx="1978854" cy="1571625"/>
         </p:xfrm>
         <a:graphic>
           <a:graphicData uri="http://schemas.openxmlformats.org/drawingml/2006/table">
@@ -14542,9 +14749,9 @@
                 </a:tblBorders>
               </a:tblPr>
               <a:tblGrid>
-                <a:gridCol w="848677"/>
-                <a:gridCol w="513397"/>
-                <a:gridCol w="639127"/>
+                <a:gridCol w="842210"/>
+                <a:gridCol w="504229"/>
+                <a:gridCol w="632415"/>
               </a:tblGrid>
               <a:tr h="314325">
                 <a:tc>
@@ -15483,8 +15690,8 @@
         </p:nvSpPr>
         <p:spPr>
           <a:xfrm>
-            <a:off x="5581649" y="590549"/>
-            <a:ext cx="3562349" cy="274320"/>
+            <a:off x="5724524" y="590549"/>
+            <a:ext cx="3419474" cy="274320"/>
           </a:xfrm>
           <a:prstGeom prst="rect">
             <a:avLst/>
@@ -15528,8 +15735,8 @@
         </p:nvSpPr>
         <p:spPr>
           <a:xfrm>
-            <a:off x="5581649" y="847724"/>
-            <a:ext cx="3562349" cy="342900"/>
+            <a:off x="5724524" y="847724"/>
+            <a:ext cx="3419474" cy="342900"/>
           </a:xfrm>
           <a:prstGeom prst="rect">
             <a:avLst/>
@@ -15690,7 +15897,7 @@
         <p:spPr>
           <a:xfrm>
             <a:off x="247649" y="828675"/>
-            <a:ext cx="1828800" cy="1628775"/>
+            <a:ext cx="1800225" cy="1628775"/>
           </a:xfrm>
           <a:prstGeom prst="rect">
             <a:avLst/>
@@ -15724,7 +15931,7 @@
         </p:nvGraphicFramePr>
         <p:xfrm>
           <a:off x="247649" y="828675"/>
-          <a:ext cx="2001201" cy="1571625"/>
+          <a:ext cx="1978854" cy="1571625"/>
         </p:xfrm>
         <a:graphic>
           <a:graphicData uri="http://schemas.openxmlformats.org/drawingml/2006/table">
@@ -15764,9 +15971,9 @@
                 </a:tblBorders>
               </a:tblPr>
               <a:tblGrid>
-                <a:gridCol w="848677"/>
-                <a:gridCol w="513397"/>
-                <a:gridCol w="639127"/>
+                <a:gridCol w="842210"/>
+                <a:gridCol w="504229"/>
+                <a:gridCol w="632415"/>
               </a:tblGrid>
               <a:tr h="314325">
                 <a:tc>
@@ -16705,8 +16912,8 @@
         </p:nvSpPr>
         <p:spPr>
           <a:xfrm>
-            <a:off x="2171700" y="590549"/>
-            <a:ext cx="6972300" cy="274320"/>
+            <a:off x="2286000" y="590549"/>
+            <a:ext cx="6858000" cy="274320"/>
           </a:xfrm>
           <a:prstGeom prst="rect">
             <a:avLst/>
@@ -16750,8 +16957,8 @@
         </p:nvSpPr>
         <p:spPr>
           <a:xfrm>
-            <a:off x="2171700" y="847724"/>
-            <a:ext cx="6972300" cy="274320"/>
+            <a:off x="2286000" y="847724"/>
+            <a:ext cx="6858000" cy="274320"/>
           </a:xfrm>
           <a:prstGeom prst="rect">
             <a:avLst/>
@@ -16912,7 +17119,7 @@
         <p:spPr>
           <a:xfrm>
             <a:off x="200025" y="876299"/>
-            <a:ext cx="5191125" cy="1628775"/>
+            <a:ext cx="5153024" cy="1628775"/>
           </a:xfrm>
           <a:prstGeom prst="rect">
             <a:avLst/>
@@ -16946,7 +17153,7 @@
         </p:nvGraphicFramePr>
         <p:xfrm>
           <a:off x="200025" y="876299"/>
-          <a:ext cx="5699759" cy="1571625"/>
+          <a:ext cx="5661695" cy="1571625"/>
         </p:xfrm>
         <a:graphic>
           <a:graphicData uri="http://schemas.openxmlformats.org/drawingml/2006/table">
@@ -16986,10 +17193,10 @@
                 </a:tblBorders>
               </a:tblPr>
               <a:tblGrid>
-                <a:gridCol w="1393507"/>
-                <a:gridCol w="880110"/>
-                <a:gridCol w="1613535"/>
-                <a:gridCol w="1812607"/>
+                <a:gridCol w="1389332"/>
+                <a:gridCol w="858254"/>
+                <a:gridCol w="1610997"/>
+                <a:gridCol w="1803112"/>
               </a:tblGrid>
               <a:tr h="314325">
                 <a:tc>
@@ -18278,8 +18485,8 @@
         </p:nvSpPr>
         <p:spPr>
           <a:xfrm>
-            <a:off x="200025" y="2809875"/>
-            <a:ext cx="1800225" cy="1333500"/>
+            <a:off x="200025" y="2819399"/>
+            <a:ext cx="1771650" cy="1333500"/>
           </a:xfrm>
           <a:prstGeom prst="rect">
             <a:avLst/>
@@ -18312,8 +18519,8 @@
           <p:nvPr/>
         </p:nvGraphicFramePr>
         <p:xfrm>
-          <a:off x="200025" y="2809875"/>
-          <a:ext cx="1969769" cy="1285872"/>
+          <a:off x="200025" y="2819399"/>
+          <a:ext cx="1947258" cy="1285872"/>
         </p:xfrm>
         <a:graphic>
           <a:graphicData uri="http://schemas.openxmlformats.org/drawingml/2006/table">
@@ -18353,10 +18560,10 @@
                 </a:tblBorders>
               </a:tblPr>
               <a:tblGrid>
-                <a:gridCol w="471487"/>
-                <a:gridCol w="377190"/>
-                <a:gridCol w="534352"/>
-                <a:gridCol w="586740"/>
+                <a:gridCol w="463547"/>
+                <a:gridCol w="376125"/>
+                <a:gridCol w="527804"/>
+                <a:gridCol w="579782"/>
               </a:tblGrid>
               <a:tr h="321468">
                 <a:tc>
@@ -19354,7 +19561,7 @@
         </p:nvSpPr>
         <p:spPr>
           <a:xfrm>
-            <a:off x="200025" y="4143375"/>
+            <a:off x="200025" y="4152899"/>
             <a:ext cx="8943975" cy="274320"/>
           </a:xfrm>
           <a:prstGeom prst="rect">
@@ -19399,7 +19606,7 @@
         </p:nvSpPr>
         <p:spPr>
           <a:xfrm>
-            <a:off x="200025" y="4371975"/>
+            <a:off x="200025" y="4381499"/>
             <a:ext cx="8943975" cy="541972"/>
           </a:xfrm>
           <a:prstGeom prst="rect">
@@ -19857,7 +20064,7 @@
         </p:nvSpPr>
         <p:spPr>
           <a:xfrm>
-            <a:off x="200025" y="1764029"/>
+            <a:off x="200025" y="1773555"/>
             <a:ext cx="8943975" cy="678180"/>
           </a:xfrm>
           <a:prstGeom prst="rect">
@@ -20124,7 +20331,7 @@
         <p:spPr>
           <a:xfrm>
             <a:off x="200025" y="876299"/>
-            <a:ext cx="8943975" cy="1838324"/>
+            <a:ext cx="8943975" cy="1904999"/>
           </a:xfrm>
           <a:prstGeom prst="rect">
             <a:avLst/>
@@ -20170,7 +20377,7 @@
         </p:nvSpPr>
         <p:spPr>
           <a:xfrm>
-            <a:off x="200025" y="2581275"/>
+            <a:off x="200025" y="2647949"/>
             <a:ext cx="8943975" cy="304800"/>
           </a:xfrm>
           <a:prstGeom prst="rect">
@@ -20215,8 +20422,8 @@
         </p:nvSpPr>
         <p:spPr>
           <a:xfrm>
-            <a:off x="200025" y="2886075"/>
-            <a:ext cx="8943975" cy="1838324"/>
+            <a:off x="200025" y="2962274"/>
+            <a:ext cx="8943975" cy="1904999"/>
           </a:xfrm>
           <a:prstGeom prst="rect">
             <a:avLst/>
@@ -20262,7 +20469,7 @@
         </p:nvSpPr>
         <p:spPr>
           <a:xfrm>
-            <a:off x="200025" y="4591050"/>
+            <a:off x="200025" y="4733925"/>
             <a:ext cx="8943975" cy="304800"/>
           </a:xfrm>
           <a:prstGeom prst="rect">
@@ -20334,7 +20541,7 @@
         <p:spPr>
           <a:xfrm>
             <a:off x="200025" y="180975"/>
-            <a:ext cx="8943975" cy="2143125"/>
+            <a:ext cx="8943975" cy="2219324"/>
           </a:xfrm>
           <a:prstGeom prst="rect">
             <a:avLst/>
@@ -20497,7 +20704,7 @@
         <p:spPr>
           <a:xfrm>
             <a:off x="200025" y="876299"/>
-            <a:ext cx="8943975" cy="960119"/>
+            <a:ext cx="8943975" cy="551497"/>
           </a:xfrm>
           <a:prstGeom prst="rect">
             <a:avLst/>
@@ -20528,13 +20735,73 @@
               <a:t>• </a:t>
             </a:r>
             <a:r>
+              <a:rPr i="1" sz="1000">
+                <a:solidFill>
+                  <a:srgbClr val="000000"/>
+                </a:solidFill>
+                <a:latin typeface="Arial"/>
+              </a:rPr>
+              <a:t>Nested items</a:t>
+            </a:r>
+            <a:r>
+              <a:rPr sz="1000">
+                <a:solidFill>
+                  <a:srgbClr val="000000"/>
+                </a:solidFill>
+                <a:latin typeface="Arial"/>
+              </a:rPr>
+              <a:t> with proper indentation</a:t>
+            </a:r>
+          </a:p>
+          <a:p>
+            <a:pPr algn="l"/>
+            <a:r>
+              <a:rPr sz="1000">
+                <a:solidFill>
+                  <a:srgbClr val="000000"/>
+                </a:solidFill>
+                <a:latin typeface="Arial"/>
+              </a:rPr>
+              <a:t>• </a:t>
+            </a:r>
+            <a:r>
+              <a:rPr sz="800">
+                <a:solidFill>
+                  <a:srgbClr val="333333"/>
+                </a:solidFill>
+                <a:latin typeface="Courier New"/>
+              </a:rPr>
+              <a:t>Code elements</a:t>
+            </a:r>
+            <a:r>
+              <a:rPr sz="1000">
+                <a:solidFill>
+                  <a:srgbClr val="000000"/>
+                </a:solidFill>
+                <a:latin typeface="Arial"/>
+              </a:rPr>
+              <a:t> in list items</a:t>
+            </a:r>
+          </a:p>
+          <a:p>
+            <a:pPr algn="l"/>
+            <a:r>
+              <a:rPr sz="1000">
+                <a:solidFill>
+                  <a:srgbClr val="000000"/>
+                </a:solidFill>
+                <a:latin typeface="Arial"/>
+              </a:rPr>
+              <a:t>• </a:t>
+            </a:r>
+            <a:r>
               <a:rPr b="1" sz="1000">
                 <a:solidFill>
-                  <a:srgbClr val="000000"/>
-                </a:solidFill>
-                <a:latin typeface="Arial"/>
-              </a:rPr>
-              <a:t>Primary feature</a:t>
+                  <a:srgbClr val="FF8C00"/>
+                </a:solidFill>
+                <a:latin typeface="Arial"/>
+              </a:rPr>
+              <a:t>Highlighted content</a:t>
             </a:r>
             <a:r>
               <a:rPr sz="1000">
@@ -20543,157 +20810,7 @@
                 </a:solidFill>
                 <a:latin typeface="Arial"/>
               </a:rPr>
-              <a:t>: Full markdown support</a:t>
-            </a:r>
-          </a:p>
-          <a:p>
-            <a:pPr algn="l"/>
-            <a:r>
-              <a:rPr sz="1000">
-                <a:solidFill>
-                  <a:srgbClr val="000000"/>
-                </a:solidFill>
-                <a:latin typeface="Arial"/>
-              </a:rPr>
-              <a:t>• </a:t>
-            </a:r>
-            <a:r>
-              <a:rPr b="1" sz="1000">
-                <a:solidFill>
-                  <a:srgbClr val="000000"/>
-                </a:solidFill>
-                <a:latin typeface="Arial"/>
-              </a:rPr>
-              <a:t>Secondary feature</a:t>
-            </a:r>
-            <a:r>
-              <a:rPr sz="1000">
-                <a:solidFill>
-                  <a:srgbClr val="000000"/>
-                </a:solidFill>
-                <a:latin typeface="Arial"/>
-              </a:rPr>
-              <a:t>: Inline styling within lists</a:t>
-            </a:r>
-          </a:p>
-          <a:p>
-            <a:pPr lvl="1" algn="l"/>
-            <a:r>
-              <a:rPr sz="1000">
-                <a:solidFill>
-                  <a:srgbClr val="000000"/>
-                </a:solidFill>
-                <a:latin typeface="Arial"/>
-              </a:rPr>
-              <a:t>• </a:t>
-            </a:r>
-            <a:r>
-              <a:rPr i="1" sz="1000">
-                <a:solidFill>
-                  <a:srgbClr val="000000"/>
-                </a:solidFill>
-                <a:latin typeface="Arial"/>
-              </a:rPr>
-              <a:t>Nested items</a:t>
-            </a:r>
-            <a:r>
-              <a:rPr sz="1000">
-                <a:solidFill>
-                  <a:srgbClr val="000000"/>
-                </a:solidFill>
-                <a:latin typeface="Arial"/>
-              </a:rPr>
-              <a:t> with proper indentation</a:t>
-            </a:r>
-          </a:p>
-          <a:p>
-            <a:pPr lvl="1" algn="l"/>
-            <a:r>
-              <a:rPr sz="1000">
-                <a:solidFill>
-                  <a:srgbClr val="000000"/>
-                </a:solidFill>
-                <a:latin typeface="Arial"/>
-              </a:rPr>
-              <a:t>• </a:t>
-            </a:r>
-            <a:r>
-              <a:rPr sz="800">
-                <a:solidFill>
-                  <a:srgbClr val="333333"/>
-                </a:solidFill>
-                <a:latin typeface="Courier New"/>
-              </a:rPr>
-              <a:t>Code elements</a:t>
-            </a:r>
-            <a:r>
-              <a:rPr sz="1000">
-                <a:solidFill>
-                  <a:srgbClr val="000000"/>
-                </a:solidFill>
-                <a:latin typeface="Arial"/>
-              </a:rPr>
-              <a:t> in list items</a:t>
-            </a:r>
-          </a:p>
-          <a:p>
-            <a:pPr lvl="1" algn="l"/>
-            <a:r>
-              <a:rPr sz="1000">
-                <a:solidFill>
-                  <a:srgbClr val="000000"/>
-                </a:solidFill>
-                <a:latin typeface="Arial"/>
-              </a:rPr>
-              <a:t>• </a:t>
-            </a:r>
-            <a:r>
-              <a:rPr b="1" sz="1000">
-                <a:solidFill>
-                  <a:srgbClr val="FF8C00"/>
-                </a:solidFill>
-                <a:latin typeface="Arial"/>
-              </a:rPr>
-              <a:t>Highlighted content</a:t>
-            </a:r>
-            <a:r>
-              <a:rPr sz="1000">
-                <a:solidFill>
-                  <a:srgbClr val="000000"/>
-                </a:solidFill>
-                <a:latin typeface="Arial"/>
-              </a:rPr>
               <a:t> for emphasis</a:t>
-            </a:r>
-          </a:p>
-          <a:p>
-            <a:pPr algn="l"/>
-            <a:r>
-              <a:rPr sz="1000">
-                <a:solidFill>
-                  <a:srgbClr val="000000"/>
-                </a:solidFill>
-                <a:latin typeface="Arial"/>
-              </a:rPr>
-              <a:t>• </a:t>
-            </a:r>
-            <a:r>
-              <a:rPr b="1" sz="1000">
-                <a:solidFill>
-                  <a:srgbClr val="000000"/>
-                </a:solidFill>
-                <a:latin typeface="Arial"/>
-              </a:rPr>
-              <a:t>Tertiary feature</a:t>
-            </a:r>
-            <a:r>
-              <a:rPr sz="1000">
-                <a:solidFill>
-                  <a:srgbClr val="000000"/>
-                </a:solidFill>
-                <a:latin typeface="Arial"/>
-              </a:rPr>
-              <a:t>: Multiple nesting levels</a:t>
             </a:r>
           </a:p>
         </p:txBody>
@@ -20706,7 +20823,7 @@
         </p:nvSpPr>
         <p:spPr>
           <a:xfrm>
-            <a:off x="200025" y="1741170"/>
+            <a:off x="200025" y="1332547"/>
             <a:ext cx="8943975" cy="304800"/>
           </a:xfrm>
           <a:prstGeom prst="rect">
@@ -20751,8 +20868,8 @@
         </p:nvSpPr>
         <p:spPr>
           <a:xfrm>
-            <a:off x="200025" y="2045969"/>
-            <a:ext cx="8943975" cy="1786890"/>
+            <a:off x="200025" y="1646872"/>
+            <a:ext cx="8943975" cy="551497"/>
           </a:xfrm>
           <a:prstGeom prst="rect">
             <a:avLst/>
@@ -20783,26 +20900,26 @@
               <a:t>1. </a:t>
             </a:r>
             <a:r>
-              <a:rPr b="1" sz="1000">
-                <a:solidFill>
-                  <a:srgbClr val="000000"/>
-                </a:solidFill>
-                <a:latin typeface="Arial"/>
-              </a:rPr>
-              <a:t>Setup Phase</a:t>
-            </a:r>
-          </a:p>
-          <a:p>
-            <a:pPr lvl="1" algn="l"/>
-            <a:r>
               <a:rPr sz="1000">
                 <a:solidFill>
                   <a:srgbClr val="000000"/>
                 </a:solidFill>
                 <a:latin typeface="Arial"/>
               </a:rPr>
-              <a:t>1. </a:t>
-            </a:r>
+              <a:t>Install dependencies with </a:t>
+            </a:r>
+            <a:r>
+              <a:rPr sz="800">
+                <a:solidFill>
+                  <a:srgbClr val="333333"/>
+                </a:solidFill>
+                <a:latin typeface="Courier New"/>
+              </a:rPr>
+              <a:t>pip install -r requirements.txt</a:t>
+            </a:r>
+          </a:p>
+          <a:p>
+            <a:pPr algn="l"/>
             <a:r>
               <a:rPr sz="1000">
                 <a:solidFill>
@@ -20810,20 +20927,8 @@
                 </a:solidFill>
                 <a:latin typeface="Arial"/>
               </a:rPr>
-              <a:t>Install dependencies with </a:t>
-            </a:r>
-            <a:r>
-              <a:rPr sz="800">
-                <a:solidFill>
-                  <a:srgbClr val="333333"/>
-                </a:solidFill>
-                <a:latin typeface="Courier New"/>
-              </a:rPr>
-              <a:t>pip install -r requirements.txt</a:t>
-            </a:r>
-          </a:p>
-          <a:p>
-            <a:pPr lvl="1" algn="l"/>
+              <a:t>2. </a:t>
+            </a:r>
             <a:r>
               <a:rPr sz="1000">
                 <a:solidFill>
@@ -20831,8 +20936,11 @@
                 </a:solidFill>
                 <a:latin typeface="Arial"/>
               </a:rPr>
-              <a:t>2. </a:t>
-            </a:r>
+              <a:t>Configure environment variables</a:t>
+            </a:r>
+          </a:p>
+          <a:p>
+            <a:pPr algn="l"/>
             <a:r>
               <a:rPr sz="1000">
                 <a:solidFill>
@@ -20840,11 +20948,8 @@
                 </a:solidFill>
                 <a:latin typeface="Arial"/>
               </a:rPr>
-              <a:t>Configure environment variables</a:t>
-            </a:r>
-          </a:p>
-          <a:p>
-            <a:pPr lvl="1" algn="l"/>
+              <a:t>3. </a:t>
+            </a:r>
             <a:r>
               <a:rPr sz="1000">
                 <a:solidFill>
@@ -20852,247 +20957,7 @@
                 </a:solidFill>
                 <a:latin typeface="Arial"/>
               </a:rPr>
-              <a:t>3. </a:t>
-            </a:r>
-            <a:r>
-              <a:rPr sz="1000">
-                <a:solidFill>
-                  <a:srgbClr val="000000"/>
-                </a:solidFill>
-                <a:latin typeface="Arial"/>
-              </a:rPr>
               <a:t>Initialize database schema</a:t>
-            </a:r>
-          </a:p>
-          <a:p>
-            <a:pPr algn="l"/>
-            <a:r>
-              <a:rPr sz="1000">
-                <a:solidFill>
-                  <a:srgbClr val="000000"/>
-                </a:solidFill>
-                <a:latin typeface="Arial"/>
-              </a:rPr>
-              <a:t>2. </a:t>
-            </a:r>
-            <a:r>
-              <a:rPr b="1" sz="1000">
-                <a:solidFill>
-                  <a:srgbClr val="000000"/>
-                </a:solidFill>
-                <a:latin typeface="Arial"/>
-              </a:rPr>
-              <a:t>Development Phase</a:t>
-            </a:r>
-          </a:p>
-          <a:p>
-            <a:pPr lvl="1" algn="l"/>
-            <a:r>
-              <a:rPr sz="1000">
-                <a:solidFill>
-                  <a:srgbClr val="000000"/>
-                </a:solidFill>
-                <a:latin typeface="Arial"/>
-              </a:rPr>
-              <a:t>1. </a:t>
-            </a:r>
-            <a:r>
-              <a:rPr sz="1000">
-                <a:solidFill>
-                  <a:srgbClr val="000000"/>
-                </a:solidFill>
-                <a:latin typeface="Arial"/>
-              </a:rPr>
-              <a:t>Write </a:t>
-            </a:r>
-            <a:r>
-              <a:rPr b="1" sz="1000">
-                <a:solidFill>
-                  <a:srgbClr val="FF8C00"/>
-                </a:solidFill>
-                <a:latin typeface="Arial"/>
-              </a:rPr>
-              <a:t>clean, maintainable code</a:t>
-            </a:r>
-          </a:p>
-          <a:p>
-            <a:pPr lvl="1" algn="l"/>
-            <a:r>
-              <a:rPr sz="1000">
-                <a:solidFill>
-                  <a:srgbClr val="000000"/>
-                </a:solidFill>
-                <a:latin typeface="Arial"/>
-              </a:rPr>
-              <a:t>2. </a:t>
-            </a:r>
-            <a:r>
-              <a:rPr sz="1000">
-                <a:solidFill>
-                  <a:srgbClr val="000000"/>
-                </a:solidFill>
-                <a:latin typeface="Arial"/>
-              </a:rPr>
-              <a:t>Add comprehensive </a:t>
-            </a:r>
-            <a:r>
-              <a:rPr i="1" sz="1000">
-                <a:solidFill>
-                  <a:srgbClr val="000000"/>
-                </a:solidFill>
-                <a:latin typeface="Arial"/>
-              </a:rPr>
-              <a:t>unit tests</a:t>
-            </a:r>
-          </a:p>
-          <a:p>
-            <a:pPr lvl="1" algn="l"/>
-            <a:r>
-              <a:rPr sz="1000">
-                <a:solidFill>
-                  <a:srgbClr val="000000"/>
-                </a:solidFill>
-                <a:latin typeface="Arial"/>
-              </a:rPr>
-              <a:t>3. </a:t>
-            </a:r>
-            <a:r>
-              <a:rPr sz="1000">
-                <a:solidFill>
-                  <a:srgbClr val="000000"/>
-                </a:solidFill>
-                <a:latin typeface="Arial"/>
-              </a:rPr>
-              <a:t>Document </a:t>
-            </a:r>
-            <a:r>
-              <a:rPr b="1" sz="1000">
-                <a:solidFill>
-                  <a:srgbClr val="000000"/>
-                </a:solidFill>
-                <a:latin typeface="Arial"/>
-              </a:rPr>
-              <a:t>public APIs</a:t>
-            </a:r>
-          </a:p>
-          <a:p>
-            <a:pPr algn="l"/>
-            <a:r>
-              <a:rPr sz="1000">
-                <a:solidFill>
-                  <a:srgbClr val="000000"/>
-                </a:solidFill>
-                <a:latin typeface="Arial"/>
-              </a:rPr>
-              <a:t>3. </a:t>
-            </a:r>
-            <a:r>
-              <a:rPr b="1" sz="1000">
-                <a:solidFill>
-                  <a:srgbClr val="000000"/>
-                </a:solidFill>
-                <a:latin typeface="Arial"/>
-              </a:rPr>
-              <a:t>Deployment Phase</a:t>
-            </a:r>
-          </a:p>
-          <a:p>
-            <a:pPr lvl="1" algn="l"/>
-            <a:r>
-              <a:rPr sz="1000">
-                <a:solidFill>
-                  <a:srgbClr val="000000"/>
-                </a:solidFill>
-                <a:latin typeface="Arial"/>
-              </a:rPr>
-              <a:t>1. </a:t>
-            </a:r>
-            <a:r>
-              <a:rPr sz="1000">
-                <a:solidFill>
-                  <a:srgbClr val="000000"/>
-                </a:solidFill>
-                <a:latin typeface="Arial"/>
-              </a:rPr>
-              <a:t>Run </a:t>
-            </a:r>
-            <a:r>
-              <a:rPr sz="800">
-                <a:solidFill>
-                  <a:srgbClr val="333333"/>
-                </a:solidFill>
-                <a:latin typeface="Courier New"/>
-              </a:rPr>
-              <a:t>pytest</a:t>
-            </a:r>
-            <a:r>
-              <a:rPr sz="1000">
-                <a:solidFill>
-                  <a:srgbClr val="000000"/>
-                </a:solidFill>
-                <a:latin typeface="Arial"/>
-              </a:rPr>
-              <a:t> for quality assurance</a:t>
-            </a:r>
-          </a:p>
-          <a:p>
-            <a:pPr lvl="1" algn="l"/>
-            <a:r>
-              <a:rPr sz="1000">
-                <a:solidFill>
-                  <a:srgbClr val="000000"/>
-                </a:solidFill>
-                <a:latin typeface="Arial"/>
-              </a:rPr>
-              <a:t>2. </a:t>
-            </a:r>
-            <a:r>
-              <a:rPr sz="1000">
-                <a:solidFill>
-                  <a:srgbClr val="000000"/>
-                </a:solidFill>
-                <a:latin typeface="Arial"/>
-              </a:rPr>
-              <a:t>Deploy to </a:t>
-            </a:r>
-            <a:r>
-              <a:rPr b="1" sz="1000">
-                <a:solidFill>
-                  <a:srgbClr val="FF8C00"/>
-                </a:solidFill>
-                <a:latin typeface="Arial"/>
-              </a:rPr>
-              <a:t>production environment</a:t>
-            </a:r>
-          </a:p>
-          <a:p>
-            <a:pPr lvl="1" algn="l"/>
-            <a:r>
-              <a:rPr sz="1000">
-                <a:solidFill>
-                  <a:srgbClr val="000000"/>
-                </a:solidFill>
-                <a:latin typeface="Arial"/>
-              </a:rPr>
-              <a:t>3. </a:t>
-            </a:r>
-            <a:r>
-              <a:rPr sz="1000">
-                <a:solidFill>
-                  <a:srgbClr val="000000"/>
-                </a:solidFill>
-                <a:latin typeface="Arial"/>
-              </a:rPr>
-              <a:t>Monitor </a:t>
-            </a:r>
-            <a:r>
-              <a:rPr i="1" sz="1000">
-                <a:solidFill>
-                  <a:srgbClr val="000000"/>
-                </a:solidFill>
-                <a:latin typeface="Arial"/>
-              </a:rPr>
-              <a:t>system performance</a:t>
             </a:r>
           </a:p>
         </p:txBody>

--- a/output/comprehensive_demo_default.pptx
+++ b/output/comprehensive_demo_default.pptx
@@ -10617,7 +10617,7 @@
         </p:nvSpPr>
         <p:spPr>
           <a:xfrm>
-            <a:off x="200025" y="2952750"/>
+            <a:off x="200025" y="2962274"/>
             <a:ext cx="8943975" cy="304800"/>
           </a:xfrm>
           <a:prstGeom prst="rect">
@@ -10662,7 +10662,7 @@
         </p:nvSpPr>
         <p:spPr>
           <a:xfrm>
-            <a:off x="200025" y="3267075"/>
+            <a:off x="200025" y="3276599"/>
             <a:ext cx="8943975" cy="274320"/>
           </a:xfrm>
           <a:prstGeom prst="rect">
@@ -10715,7 +10715,7 @@
         </p:blipFill>
         <p:spPr>
           <a:xfrm>
-            <a:off x="838200" y="3286125"/>
+            <a:off x="838200" y="3295650"/>
             <a:ext cx="7467599" cy="447675"/>
           </a:xfrm>
           <a:prstGeom prst="rect">
@@ -10731,7 +10731,7 @@
         </p:nvSpPr>
         <p:spPr>
           <a:xfrm>
-            <a:off x="200025" y="4010024"/>
+            <a:off x="200025" y="4019549"/>
             <a:ext cx="8943975" cy="274320"/>
           </a:xfrm>
           <a:prstGeom prst="rect">

--- a/output/comprehensive_demo_default.pptx
+++ b/output/comprehensive_demo_default.pptx
@@ -23,12 +23,14 @@
     <p:sldId id="271" r:id="rId22"/>
     <p:sldId id="272" r:id="rId23"/>
     <p:sldId id="273" r:id="rId24"/>
-    <p:sldId id="274" r:id="rId25"/>
-    <p:sldId id="275" r:id="rId26"/>
-    <p:sldId id="276" r:id="rId27"/>
-    <p:sldId id="277" r:id="rId28"/>
-    <p:sldId id="278" r:id="rId29"/>
-    <p:sldId id="279" r:id="rId30"/>
+    <p:sldId id="274" r:id="rId26"/>
+    <p:sldId id="275" r:id="rId27"/>
+    <p:sldId id="276" r:id="rId28"/>
+    <p:sldId id="277" r:id="rId29"/>
+    <p:sldId id="278" r:id="rId30"/>
+    <p:sldId id="279" r:id="rId31"/>
+    <p:sldId id="280" r:id="rId32"/>
+    <p:sldId id="281" r:id="rId33"/>
   </p:sldIdLst>
   <p:sldSz cx="9144000" cy="5143500" type="screen4x3"/>
   <p:notesSz cx="6858000" cy="9144000"/>
@@ -128,6 +130,499 @@
     </a:lvl9pPr>
   </p:defaultTextStyle>
 </p:presentation>
+</file>
+
+<file path=ppt/notesMasters/notesMaster1.xml><?xml version="1.0" encoding="utf-8"?>
+<p:notesMaster xmlns:a="http://schemas.openxmlformats.org/drawingml/2006/main" xmlns:p="http://schemas.openxmlformats.org/presentationml/2006/main" xmlns:r="http://schemas.openxmlformats.org/officeDocument/2006/relationships">
+  <p:cSld>
+    <p:bg>
+      <p:bgRef idx="1001">
+        <a:schemeClr val="bg1"/>
+      </p:bgRef>
+    </p:bg>
+    <p:spTree>
+      <p:nvGrpSpPr>
+        <p:cNvPr id="1" name=""/>
+        <p:cNvGrpSpPr/>
+        <p:nvPr/>
+      </p:nvGrpSpPr>
+      <p:grpSpPr>
+        <a:xfrm>
+          <a:off x="0" y="0"/>
+          <a:ext cx="0" cy="0"/>
+          <a:chOff x="0" y="0"/>
+          <a:chExt cx="0" cy="0"/>
+        </a:xfrm>
+      </p:grpSpPr>
+      <p:sp>
+        <p:nvSpPr>
+          <p:cNvPr id="2" name="Header Placeholder 1"/>
+          <p:cNvSpPr>
+            <a:spLocks noGrp="1"/>
+          </p:cNvSpPr>
+          <p:nvPr>
+            <p:ph type="hdr" sz="quarter"/>
+          </p:nvPr>
+        </p:nvSpPr>
+        <p:spPr>
+          <a:xfrm>
+            <a:off x="0" y="0"/>
+            <a:ext cx="2971800" cy="457200"/>
+          </a:xfrm>
+          <a:prstGeom prst="rect">
+            <a:avLst/>
+          </a:prstGeom>
+        </p:spPr>
+        <p:txBody>
+          <a:bodyPr vert="horz" lIns="91440" tIns="45720" rIns="91440" bIns="45720" rtlCol="0"/>
+          <a:lstStyle>
+            <a:lvl1pPr algn="l">
+              <a:defRPr sz="1200"/>
+            </a:lvl1pPr>
+          </a:lstStyle>
+          <a:p>
+            <a:endParaRPr lang="en-US"/>
+          </a:p>
+        </p:txBody>
+      </p:sp>
+      <p:sp>
+        <p:nvSpPr>
+          <p:cNvPr id="3" name="Date Placeholder 2"/>
+          <p:cNvSpPr>
+            <a:spLocks noGrp="1"/>
+          </p:cNvSpPr>
+          <p:nvPr>
+            <p:ph type="dt" idx="1"/>
+          </p:nvPr>
+        </p:nvSpPr>
+        <p:spPr>
+          <a:xfrm>
+            <a:off x="3884613" y="0"/>
+            <a:ext cx="2971800" cy="457200"/>
+          </a:xfrm>
+          <a:prstGeom prst="rect">
+            <a:avLst/>
+          </a:prstGeom>
+        </p:spPr>
+        <p:txBody>
+          <a:bodyPr vert="horz" lIns="91440" tIns="45720" rIns="91440" bIns="45720" rtlCol="0"/>
+          <a:lstStyle>
+            <a:lvl1pPr algn="r">
+              <a:defRPr sz="1200"/>
+            </a:lvl1pPr>
+          </a:lstStyle>
+          <a:p>
+            <a:fld id="{0F89C1C7-3DCD-1040-A9CF-14679D8B5DDD}" type="datetimeFigureOut">
+              <a:rPr lang="en-US" smtClean="0"/>
+              <a:t>10/17/16</a:t>
+            </a:fld>
+            <a:endParaRPr lang="en-US"/>
+          </a:p>
+        </p:txBody>
+      </p:sp>
+      <p:sp>
+        <p:nvSpPr>
+          <p:cNvPr id="4" name="Slide Image Placeholder 3"/>
+          <p:cNvSpPr>
+            <a:spLocks noGrp="1" noRot="1" noChangeAspect="1"/>
+          </p:cNvSpPr>
+          <p:nvPr>
+            <p:ph type="sldImg" idx="2"/>
+          </p:nvPr>
+        </p:nvSpPr>
+        <p:spPr>
+          <a:xfrm>
+            <a:off x="1143000" y="685800"/>
+            <a:ext cx="4572000" cy="3429000"/>
+          </a:xfrm>
+          <a:prstGeom prst="rect">
+            <a:avLst/>
+          </a:prstGeom>
+          <a:noFill/>
+          <a:ln w="12700">
+            <a:solidFill>
+              <a:prstClr val="black"/>
+            </a:solidFill>
+          </a:ln>
+        </p:spPr>
+        <p:txBody>
+          <a:bodyPr vert="horz" lIns="91440" tIns="45720" rIns="91440" bIns="45720" rtlCol="0" anchor="ctr"/>
+          <a:lstStyle/>
+          <a:p>
+            <a:endParaRPr lang="en-US"/>
+          </a:p>
+        </p:txBody>
+      </p:sp>
+      <p:sp>
+        <p:nvSpPr>
+          <p:cNvPr id="5" name="Notes Placeholder 4"/>
+          <p:cNvSpPr>
+            <a:spLocks noGrp="1"/>
+          </p:cNvSpPr>
+          <p:nvPr>
+            <p:ph type="body" sz="quarter" idx="3"/>
+          </p:nvPr>
+        </p:nvSpPr>
+        <p:spPr>
+          <a:xfrm>
+            <a:off x="685800" y="4343400"/>
+            <a:ext cx="5486400" cy="4114800"/>
+          </a:xfrm>
+          <a:prstGeom prst="rect">
+            <a:avLst/>
+          </a:prstGeom>
+        </p:spPr>
+        <p:txBody>
+          <a:bodyPr vert="horz" lIns="91440" tIns="45720" rIns="91440" bIns="45720" rtlCol="0"/>
+          <a:lstStyle/>
+          <a:p>
+            <a:pPr lvl="0"/>
+            <a:r>
+              <a:rPr lang="en-US" smtClean="0"/>
+              <a:t>Click to edit Master text styles</a:t>
+            </a:r>
+          </a:p>
+          <a:p>
+            <a:pPr lvl="1"/>
+            <a:r>
+              <a:rPr lang="en-US" smtClean="0"/>
+              <a:t>Second level</a:t>
+            </a:r>
+          </a:p>
+          <a:p>
+            <a:pPr lvl="2"/>
+            <a:r>
+              <a:rPr lang="en-US" smtClean="0"/>
+              <a:t>Third level</a:t>
+            </a:r>
+          </a:p>
+          <a:p>
+            <a:pPr lvl="3"/>
+            <a:r>
+              <a:rPr lang="en-US" smtClean="0"/>
+              <a:t>Fourth level</a:t>
+            </a:r>
+          </a:p>
+          <a:p>
+            <a:pPr lvl="4"/>
+            <a:r>
+              <a:rPr lang="en-US" smtClean="0"/>
+              <a:t>Fifth level</a:t>
+            </a:r>
+            <a:endParaRPr lang="en-US"/>
+          </a:p>
+        </p:txBody>
+      </p:sp>
+      <p:sp>
+        <p:nvSpPr>
+          <p:cNvPr id="6" name="Footer Placeholder 5"/>
+          <p:cNvSpPr>
+            <a:spLocks noGrp="1"/>
+          </p:cNvSpPr>
+          <p:nvPr>
+            <p:ph type="ftr" sz="quarter" idx="4"/>
+          </p:nvPr>
+        </p:nvSpPr>
+        <p:spPr>
+          <a:xfrm>
+            <a:off x="0" y="8685213"/>
+            <a:ext cx="2971800" cy="457200"/>
+          </a:xfrm>
+          <a:prstGeom prst="rect">
+            <a:avLst/>
+          </a:prstGeom>
+        </p:spPr>
+        <p:txBody>
+          <a:bodyPr vert="horz" lIns="91440" tIns="45720" rIns="91440" bIns="45720" rtlCol="0" anchor="b"/>
+          <a:lstStyle>
+            <a:lvl1pPr algn="l">
+              <a:defRPr sz="1200"/>
+            </a:lvl1pPr>
+          </a:lstStyle>
+          <a:p>
+            <a:endParaRPr lang="en-US"/>
+          </a:p>
+        </p:txBody>
+      </p:sp>
+      <p:sp>
+        <p:nvSpPr>
+          <p:cNvPr id="7" name="Slide Number Placeholder 6"/>
+          <p:cNvSpPr>
+            <a:spLocks noGrp="1"/>
+          </p:cNvSpPr>
+          <p:nvPr>
+            <p:ph type="sldNum" sz="quarter" idx="5"/>
+          </p:nvPr>
+        </p:nvSpPr>
+        <p:spPr>
+          <a:xfrm>
+            <a:off x="3884613" y="8685213"/>
+            <a:ext cx="2971800" cy="457200"/>
+          </a:xfrm>
+          <a:prstGeom prst="rect">
+            <a:avLst/>
+          </a:prstGeom>
+        </p:spPr>
+        <p:txBody>
+          <a:bodyPr vert="horz" lIns="91440" tIns="45720" rIns="91440" bIns="45720" rtlCol="0" anchor="b"/>
+          <a:lstStyle>
+            <a:lvl1pPr algn="r">
+              <a:defRPr sz="1200"/>
+            </a:lvl1pPr>
+          </a:lstStyle>
+          <a:p>
+            <a:fld id="{BB5E49A5-4136-284D-997B-48E1D791AD67}" type="slidenum">
+              <a:rPr lang="en-US" smtClean="0"/>
+              <a:t>‹#›</a:t>
+            </a:fld>
+            <a:endParaRPr lang="en-US"/>
+          </a:p>
+        </p:txBody>
+      </p:sp>
+    </p:spTree>
+    <p:extLst>
+      <p:ext uri="{BB962C8B-B14F-4D97-AF65-F5344CB8AC3E}">
+        <p14:creationId xmlns:p14="http://schemas.microsoft.com/office/powerpoint/2010/main" val="2623252185"/>
+      </p:ext>
+    </p:extLst>
+  </p:cSld>
+  <p:clrMap bg1="lt1" tx1="dk1" bg2="lt2" tx2="dk2" accent1="accent1" accent2="accent2" accent3="accent3" accent4="accent4" accent5="accent5" accent6="accent6" hlink="hlink" folHlink="folHlink"/>
+  <p:notesStyle>
+    <a:lvl1pPr marL="0" algn="l" defTabSz="457200" rtl="0" eaLnBrk="1" latinLnBrk="0" hangingPunct="1">
+      <a:defRPr sz="1200" kern="1200">
+        <a:solidFill>
+          <a:schemeClr val="tx1"/>
+        </a:solidFill>
+        <a:latin typeface="+mn-lt"/>
+        <a:ea typeface="+mn-ea"/>
+        <a:cs typeface="+mn-cs"/>
+      </a:defRPr>
+    </a:lvl1pPr>
+    <a:lvl2pPr marL="457200" algn="l" defTabSz="457200" rtl="0" eaLnBrk="1" latinLnBrk="0" hangingPunct="1">
+      <a:defRPr sz="1200" kern="1200">
+        <a:solidFill>
+          <a:schemeClr val="tx1"/>
+        </a:solidFill>
+        <a:latin typeface="+mn-lt"/>
+        <a:ea typeface="+mn-ea"/>
+        <a:cs typeface="+mn-cs"/>
+      </a:defRPr>
+    </a:lvl2pPr>
+    <a:lvl3pPr marL="914400" algn="l" defTabSz="457200" rtl="0" eaLnBrk="1" latinLnBrk="0" hangingPunct="1">
+      <a:defRPr sz="1200" kern="1200">
+        <a:solidFill>
+          <a:schemeClr val="tx1"/>
+        </a:solidFill>
+        <a:latin typeface="+mn-lt"/>
+        <a:ea typeface="+mn-ea"/>
+        <a:cs typeface="+mn-cs"/>
+      </a:defRPr>
+    </a:lvl3pPr>
+    <a:lvl4pPr marL="1371600" algn="l" defTabSz="457200" rtl="0" eaLnBrk="1" latinLnBrk="0" hangingPunct="1">
+      <a:defRPr sz="1200" kern="1200">
+        <a:solidFill>
+          <a:schemeClr val="tx1"/>
+        </a:solidFill>
+        <a:latin typeface="+mn-lt"/>
+        <a:ea typeface="+mn-ea"/>
+        <a:cs typeface="+mn-cs"/>
+      </a:defRPr>
+    </a:lvl4pPr>
+    <a:lvl5pPr marL="1828800" algn="l" defTabSz="457200" rtl="0" eaLnBrk="1" latinLnBrk="0" hangingPunct="1">
+      <a:defRPr sz="1200" kern="1200">
+        <a:solidFill>
+          <a:schemeClr val="tx1"/>
+        </a:solidFill>
+        <a:latin typeface="+mn-lt"/>
+        <a:ea typeface="+mn-ea"/>
+        <a:cs typeface="+mn-cs"/>
+      </a:defRPr>
+    </a:lvl5pPr>
+    <a:lvl6pPr marL="2286000" algn="l" defTabSz="457200" rtl="0" eaLnBrk="1" latinLnBrk="0" hangingPunct="1">
+      <a:defRPr sz="1200" kern="1200">
+        <a:solidFill>
+          <a:schemeClr val="tx1"/>
+        </a:solidFill>
+        <a:latin typeface="+mn-lt"/>
+        <a:ea typeface="+mn-ea"/>
+        <a:cs typeface="+mn-cs"/>
+      </a:defRPr>
+    </a:lvl6pPr>
+    <a:lvl7pPr marL="2743200" algn="l" defTabSz="457200" rtl="0" eaLnBrk="1" latinLnBrk="0" hangingPunct="1">
+      <a:defRPr sz="1200" kern="1200">
+        <a:solidFill>
+          <a:schemeClr val="tx1"/>
+        </a:solidFill>
+        <a:latin typeface="+mn-lt"/>
+        <a:ea typeface="+mn-ea"/>
+        <a:cs typeface="+mn-cs"/>
+      </a:defRPr>
+    </a:lvl7pPr>
+    <a:lvl8pPr marL="3200400" algn="l" defTabSz="457200" rtl="0" eaLnBrk="1" latinLnBrk="0" hangingPunct="1">
+      <a:defRPr sz="1200" kern="1200">
+        <a:solidFill>
+          <a:schemeClr val="tx1"/>
+        </a:solidFill>
+        <a:latin typeface="+mn-lt"/>
+        <a:ea typeface="+mn-ea"/>
+        <a:cs typeface="+mn-cs"/>
+      </a:defRPr>
+    </a:lvl8pPr>
+    <a:lvl9pPr marL="3657600" algn="l" defTabSz="457200" rtl="0" eaLnBrk="1" latinLnBrk="0" hangingPunct="1">
+      <a:defRPr sz="1200" kern="1200">
+        <a:solidFill>
+          <a:schemeClr val="tx1"/>
+        </a:solidFill>
+        <a:latin typeface="+mn-lt"/>
+        <a:ea typeface="+mn-ea"/>
+        <a:cs typeface="+mn-cs"/>
+      </a:defRPr>
+    </a:lvl9pPr>
+  </p:notesStyle>
+</p:notesMaster>
+</file>
+
+<file path=ppt/notesSlides/notesSlide1.xml><?xml version="1.0" encoding="utf-8"?>
+<p:notes xmlns:a="http://schemas.openxmlformats.org/drawingml/2006/main" xmlns:p="http://schemas.openxmlformats.org/presentationml/2006/main" xmlns:r="http://schemas.openxmlformats.org/officeDocument/2006/relationships">
+  <p:cSld>
+    <p:spTree>
+      <p:nvGrpSpPr>
+        <p:cNvPr id="1" name=""/>
+        <p:cNvGrpSpPr/>
+        <p:nvPr/>
+      </p:nvGrpSpPr>
+      <p:grpSpPr>
+        <a:xfrm>
+          <a:off x="0" y="0"/>
+          <a:ext cx="0" cy="0"/>
+          <a:chOff x="0" y="0"/>
+          <a:chExt cx="0" cy="0"/>
+        </a:xfrm>
+      </p:grpSpPr>
+      <p:sp>
+        <p:nvSpPr>
+          <p:cNvPr id="2" name="Slide Image Placeholder 1"/>
+          <p:cNvSpPr>
+            <a:spLocks noGrp="1"/>
+          </p:cNvSpPr>
+          <p:nvPr>
+            <p:ph type="sldImg" idx="2"/>
+          </p:nvPr>
+        </p:nvSpPr>
+        <p:spPr/>
+      </p:sp>
+      <p:sp>
+        <p:nvSpPr>
+          <p:cNvPr id="3" name="Notes Placeholder 2"/>
+          <p:cNvSpPr>
+            <a:spLocks noGrp="1"/>
+          </p:cNvSpPr>
+          <p:nvPr>
+            <p:ph type="body" idx="3" sz="quarter"/>
+          </p:nvPr>
+        </p:nvSpPr>
+        <p:spPr/>
+        <p:txBody>
+          <a:bodyPr/>
+          <a:lstStyle/>
+          <a:p>
+            <a:r>
+              <a:t>This is the first speaker note example. It contains important details for the presenter about the slide content and should appear in PowerPoint's speaker notes section.</a:t>
+            </a:r>
+          </a:p>
+        </p:txBody>
+      </p:sp>
+      <p:sp>
+        <p:nvSpPr>
+          <p:cNvPr id="4" name="Slide Number Placeholder 3"/>
+          <p:cNvSpPr>
+            <a:spLocks noGrp="1"/>
+          </p:cNvSpPr>
+          <p:nvPr>
+            <p:ph type="sldNum" idx="5" sz="quarter"/>
+          </p:nvPr>
+        </p:nvSpPr>
+        <p:spPr/>
+      </p:sp>
+    </p:spTree>
+  </p:cSld>
+  <p:clrMapOvr>
+    <a:masterClrMapping/>
+  </p:clrMapOvr>
+</p:notes>
+</file>
+
+<file path=ppt/notesSlides/notesSlide2.xml><?xml version="1.0" encoding="utf-8"?>
+<p:notes xmlns:a="http://schemas.openxmlformats.org/drawingml/2006/main" xmlns:p="http://schemas.openxmlformats.org/presentationml/2006/main" xmlns:r="http://schemas.openxmlformats.org/officeDocument/2006/relationships">
+  <p:cSld>
+    <p:spTree>
+      <p:nvGrpSpPr>
+        <p:cNvPr id="1" name=""/>
+        <p:cNvGrpSpPr/>
+        <p:nvPr/>
+      </p:nvGrpSpPr>
+      <p:grpSpPr>
+        <a:xfrm>
+          <a:off x="0" y="0"/>
+          <a:ext cx="0" cy="0"/>
+          <a:chOff x="0" y="0"/>
+          <a:chExt cx="0" cy="0"/>
+        </a:xfrm>
+      </p:grpSpPr>
+      <p:sp>
+        <p:nvSpPr>
+          <p:cNvPr id="2" name="Slide Image Placeholder 1"/>
+          <p:cNvSpPr>
+            <a:spLocks noGrp="1"/>
+          </p:cNvSpPr>
+          <p:nvPr>
+            <p:ph type="sldImg" idx="2"/>
+          </p:nvPr>
+        </p:nvSpPr>
+        <p:spPr/>
+      </p:sp>
+      <p:sp>
+        <p:nvSpPr>
+          <p:cNvPr id="3" name="Notes Placeholder 2"/>
+          <p:cNvSpPr>
+            <a:spLocks noGrp="1"/>
+          </p:cNvSpPr>
+          <p:nvPr>
+            <p:ph type="body" idx="3" sz="quarter"/>
+          </p:nvPr>
+        </p:nvSpPr>
+        <p:spPr/>
+        <p:txBody>
+          <a:bodyPr/>
+          <a:lstStyle/>
+          <a:p>
+            <a:r>
+              <a:t>This is the second speaker note with multiple lines.
+It demonstrates that speaker notes can span multiple lines and contain rich information.
+Presenters can include bullet points, additional context, or reminders here.
+These notes will appear in PowerPoint's speaker notes view but won't affect the slide layout.</a:t>
+            </a:r>
+          </a:p>
+        </p:txBody>
+      </p:sp>
+      <p:sp>
+        <p:nvSpPr>
+          <p:cNvPr id="4" name="Slide Number Placeholder 3"/>
+          <p:cNvSpPr>
+            <a:spLocks noGrp="1"/>
+          </p:cNvSpPr>
+          <p:nvPr>
+            <p:ph type="sldNum" idx="5" sz="quarter"/>
+          </p:nvPr>
+        </p:nvSpPr>
+        <p:spPr/>
+      </p:sp>
+    </p:spTree>
+  </p:cSld>
+  <p:clrMapOvr>
+    <a:masterClrMapping/>
+  </p:clrMapOvr>
+</p:notes>
 </file>
 
 <file path=ppt/slideLayouts/slideLayout1.xml><?xml version="1.0" encoding="utf-8"?>
@@ -10187,7 +10682,7 @@
                 </a:solidFill>
                 <a:latin typeface="Arial"/>
               </a:rPr>
-              <a:t>🧮 Math Equations Support</a:t>
+              <a:t>📝 Speaker Notes Demo</a:t>
             </a:r>
           </a:p>
         </p:txBody>
@@ -10232,7 +10727,43 @@
                 </a:solidFill>
                 <a:latin typeface="Arial"/>
               </a:rPr>
-              <a:t>The slide generator now supports LaTeX math equations using KaTeX rendering.</a:t>
+              <a:t>This slide demonstrates </a:t>
+            </a:r>
+            <a:r>
+              <a:rPr b="1" sz="1000">
+                <a:solidFill>
+                  <a:srgbClr val="000000"/>
+                </a:solidFill>
+                <a:latin typeface="Arial"/>
+              </a:rPr>
+              <a:t>speaker notes functionality</a:t>
+            </a:r>
+            <a:r>
+              <a:rPr sz="1000">
+                <a:solidFill>
+                  <a:srgbClr val="000000"/>
+                </a:solidFill>
+                <a:latin typeface="Arial"/>
+              </a:rPr>
+              <a:t> with </a:t>
+            </a:r>
+            <a:r>
+              <a:rPr i="1" sz="1000">
+                <a:solidFill>
+                  <a:srgbClr val="000000"/>
+                </a:solidFill>
+                <a:latin typeface="Arial"/>
+              </a:rPr>
+              <a:t>various styling elements</a:t>
+            </a:r>
+            <a:r>
+              <a:rPr sz="1000">
+                <a:solidFill>
+                  <a:srgbClr val="000000"/>
+                </a:solidFill>
+                <a:latin typeface="Arial"/>
+              </a:rPr>
+              <a:t>.</a:t>
             </a:r>
           </a:p>
         </p:txBody>
@@ -10245,52 +10776,7 @@
         </p:nvSpPr>
         <p:spPr>
           <a:xfrm>
-            <a:off x="200025" y="704849"/>
-            <a:ext cx="8943975" cy="304800"/>
-          </a:xfrm>
-          <a:prstGeom prst="rect">
-            <a:avLst/>
-          </a:prstGeom>
-          <a:noFill/>
-        </p:spPr>
-        <p:txBody>
-          <a:bodyPr wrap="square" lIns="0" rIns="0" tIns="0" bIns="0">
-            <a:spAutoFit/>
-          </a:bodyPr>
-          <a:lstStyle/>
-          <a:p>
-            <a:pPr algn="l">
-              <a:lnSpc>
-                <a:spcPct val="120000"/>
-              </a:lnSpc>
-              <a:spcBef>
-                <a:spcPts val="0"/>
-              </a:spcBef>
-              <a:spcAft>
-                <a:spcPts val="0"/>
-              </a:spcAft>
-            </a:pPr>
-            <a:r>
-              <a:rPr sz="1300" b="1">
-                <a:solidFill>
-                  <a:srgbClr val="000000"/>
-                </a:solidFill>
-                <a:latin typeface="Arial"/>
-              </a:rPr>
-              <a:t>Inline Math</a:t>
-            </a:r>
-          </a:p>
-        </p:txBody>
-      </p:sp>
-      <p:sp>
-        <p:nvSpPr>
-          <p:cNvPr id="5" name="TextBox 4"/>
-          <p:cNvSpPr txBox="1"/>
-          <p:nvPr/>
-        </p:nvSpPr>
-        <p:spPr>
-          <a:xfrm>
-            <a:off x="200025" y="1019174"/>
+            <a:off x="200025" y="800100"/>
             <a:ext cx="8943975" cy="274320"/>
           </a:xfrm>
           <a:prstGeom prst="rect">
@@ -10322,7 +10808,16 @@
                 </a:solidFill>
                 <a:latin typeface="Arial"/>
               </a:rPr>
-              <a:t>You can include inline math like </a:t>
+              <a:t>You can add </a:t>
+            </a:r>
+            <a:r>
+              <a:rPr b="1" sz="1000">
+                <a:solidFill>
+                  <a:srgbClr val="FF8C00"/>
+                </a:solidFill>
+                <a:latin typeface="Arial"/>
+              </a:rPr>
+              <a:t>highlighted text</a:t>
             </a:r>
             <a:r>
               <a:rPr sz="1000">
@@ -10331,7 +10826,16 @@
                 </a:solidFill>
                 <a:latin typeface="Arial"/>
               </a:rPr>
-              <a:t>$E=mc^2$</a:t>
+              <a:t> and </a:t>
+            </a:r>
+            <a:r>
+              <a:rPr sz="800">
+                <a:solidFill>
+                  <a:srgbClr val="333333"/>
+                </a:solidFill>
+                <a:latin typeface="Courier New"/>
+              </a:rPr>
+              <a:t>inline code</a:t>
             </a:r>
             <a:r>
               <a:rPr sz="1000">
@@ -10340,38 +10844,20 @@
                 </a:solidFill>
                 <a:latin typeface="Arial"/>
               </a:rPr>
-              <a:t> or </a:t>
-            </a:r>
-            <a:r>
-              <a:rPr sz="1000">
-                <a:solidFill>
-                  <a:srgbClr val="000000"/>
-                </a:solidFill>
-                <a:latin typeface="Arial"/>
-              </a:rPr>
-              <a:t>$\alpha + \beta = \gamma$</a:t>
-            </a:r>
-            <a:r>
-              <a:rPr sz="1000">
-                <a:solidFill>
-                  <a:srgbClr val="000000"/>
-                </a:solidFill>
-                <a:latin typeface="Arial"/>
-              </a:rPr>
-              <a:t> directly in your text.</a:t>
+              <a:t> to make your content more engaging.</a:t>
             </a:r>
           </a:p>
         </p:txBody>
       </p:sp>
       <p:sp>
         <p:nvSpPr>
-          <p:cNvPr id="6" name="TextBox 5"/>
+          <p:cNvPr id="5" name="TextBox 4"/>
           <p:cNvSpPr txBox="1"/>
           <p:nvPr/>
         </p:nvSpPr>
         <p:spPr>
           <a:xfrm>
-            <a:off x="200025" y="1247775"/>
+            <a:off x="200025" y="1038224"/>
             <a:ext cx="8943975" cy="274320"/>
           </a:xfrm>
           <a:prstGeom prst="rect">
@@ -10403,7 +10889,17 @@
                 </a:solidFill>
                 <a:latin typeface="Arial"/>
               </a:rPr>
-              <a:t>The quadratic formula is </a:t>
+              <a:t>Visit our </a:t>
+            </a:r>
+            <a:r>
+              <a:rPr u="sng" sz="1000">
+                <a:solidFill>
+                  <a:srgbClr val="0066CC"/>
+                </a:solidFill>
+                <a:latin typeface="Arial"/>
+                <a:hlinkClick r:id="rId2"/>
+              </a:rPr>
+              <a:t>official website</a:t>
             </a:r>
             <a:r>
               <a:rPr sz="1000">
@@ -10412,358 +10908,7 @@
                 </a:solidFill>
                 <a:latin typeface="Arial"/>
               </a:rPr>
-              <a:t>$x = \frac{-b \pm \sqrt{b^2-4ac}}{2a}$</a:t>
-            </a:r>
-            <a:r>
-              <a:rPr sz="1000">
-                <a:solidFill>
-                  <a:srgbClr val="000000"/>
-                </a:solidFill>
-                <a:latin typeface="Arial"/>
-              </a:rPr>
-              <a:t>.</a:t>
-            </a:r>
-          </a:p>
-        </p:txBody>
-      </p:sp>
-      <p:sp>
-        <p:nvSpPr>
-          <p:cNvPr id="7" name="TextBox 6"/>
-          <p:cNvSpPr txBox="1"/>
-          <p:nvPr/>
-        </p:nvSpPr>
-        <p:spPr>
-          <a:xfrm>
-            <a:off x="200025" y="1381124"/>
-            <a:ext cx="8943975" cy="304800"/>
-          </a:xfrm>
-          <a:prstGeom prst="rect">
-            <a:avLst/>
-          </a:prstGeom>
-          <a:noFill/>
-        </p:spPr>
-        <p:txBody>
-          <a:bodyPr wrap="square" lIns="0" rIns="0" tIns="0" bIns="0">
-            <a:spAutoFit/>
-          </a:bodyPr>
-          <a:lstStyle/>
-          <a:p>
-            <a:pPr algn="l">
-              <a:lnSpc>
-                <a:spcPct val="120000"/>
-              </a:lnSpc>
-              <a:spcBef>
-                <a:spcPts val="0"/>
-              </a:spcBef>
-              <a:spcAft>
-                <a:spcPts val="0"/>
-              </a:spcAft>
-            </a:pPr>
-            <a:r>
-              <a:rPr sz="1300" b="1">
-                <a:solidFill>
-                  <a:srgbClr val="000000"/>
-                </a:solidFill>
-                <a:latin typeface="Arial"/>
-              </a:rPr>
-              <a:t>Block Math</a:t>
-            </a:r>
-          </a:p>
-        </p:txBody>
-      </p:sp>
-      <p:sp>
-        <p:nvSpPr>
-          <p:cNvPr id="8" name="TextBox 7"/>
-          <p:cNvSpPr txBox="1"/>
-          <p:nvPr/>
-        </p:nvSpPr>
-        <p:spPr>
-          <a:xfrm>
-            <a:off x="200025" y="1685925"/>
-            <a:ext cx="8943975" cy="274320"/>
-          </a:xfrm>
-          <a:prstGeom prst="rect">
-            <a:avLst/>
-          </a:prstGeom>
-          <a:noFill/>
-        </p:spPr>
-        <p:txBody>
-          <a:bodyPr wrap="square" lIns="0" rIns="0" tIns="0" bIns="0">
-            <a:spAutoFit/>
-          </a:bodyPr>
-          <a:lstStyle/>
-          <a:p>
-            <a:pPr algn="l">
-              <a:lnSpc>
-                <a:spcPct val="120000"/>
-              </a:lnSpc>
-              <a:spcBef>
-                <a:spcPts val="0"/>
-              </a:spcBef>
-              <a:spcAft>
-                <a:spcPts val="0"/>
-              </a:spcAft>
-            </a:pPr>
-            <a:r>
-              <a:rPr sz="1000">
-                <a:solidFill>
-                  <a:srgbClr val="000000"/>
-                </a:solidFill>
-                <a:latin typeface="Arial"/>
-              </a:rPr>
-              <a:t>For display math, use double dollar signs:</a:t>
-            </a:r>
-          </a:p>
-        </p:txBody>
-      </p:sp>
-      <p:pic>
-        <p:nvPicPr>
-          <p:cNvPr id="9" name="Picture 8" descr="98d66b88d1dd5d5aa7595eb2cd154e01.png"/>
-          <p:cNvPicPr>
-            <a:picLocks noChangeAspect="1"/>
-          </p:cNvPicPr>
-          <p:nvPr/>
-        </p:nvPicPr>
-        <p:blipFill>
-          <a:blip r:embed="rId2"/>
-          <a:stretch>
-            <a:fillRect/>
-          </a:stretch>
-        </p:blipFill>
-        <p:spPr>
-          <a:xfrm>
-            <a:off x="838200" y="1762125"/>
-            <a:ext cx="7467599" cy="466724"/>
-          </a:xfrm>
-          <a:prstGeom prst="rect">
-            <a:avLst/>
-          </a:prstGeom>
-        </p:spPr>
-      </p:pic>
-      <p:sp>
-        <p:nvSpPr>
-          <p:cNvPr id="10" name="TextBox 9"/>
-          <p:cNvSpPr txBox="1"/>
-          <p:nvPr/>
-        </p:nvSpPr>
-        <p:spPr>
-          <a:xfrm>
-            <a:off x="200025" y="2447924"/>
-            <a:ext cx="8943975" cy="274320"/>
-          </a:xfrm>
-          <a:prstGeom prst="rect">
-            <a:avLst/>
-          </a:prstGeom>
-          <a:noFill/>
-        </p:spPr>
-        <p:txBody>
-          <a:bodyPr wrap="square" lIns="0" rIns="0" tIns="0" bIns="0">
-            <a:spAutoFit/>
-          </a:bodyPr>
-          <a:lstStyle/>
-          <a:p>
-            <a:pPr algn="l">
-              <a:lnSpc>
-                <a:spcPct val="120000"/>
-              </a:lnSpc>
-              <a:spcBef>
-                <a:spcPts val="0"/>
-              </a:spcBef>
-              <a:spcAft>
-                <a:spcPts val="0"/>
-              </a:spcAft>
-            </a:pPr>
-            <a:r>
-              <a:rPr sz="1000">
-                <a:solidFill>
-                  <a:srgbClr val="000000"/>
-                </a:solidFill>
-                <a:latin typeface="Arial"/>
-              </a:rPr>
-              <a:t>Euler's famous identity:</a:t>
-            </a:r>
-          </a:p>
-        </p:txBody>
-      </p:sp>
-      <p:pic>
-        <p:nvPicPr>
-          <p:cNvPr id="11" name="Picture 10" descr="a9d2ba54b06d18626aa73df549f0a938.png"/>
-          <p:cNvPicPr>
-            <a:picLocks noChangeAspect="1"/>
-          </p:cNvPicPr>
-          <p:nvPr/>
-        </p:nvPicPr>
-        <p:blipFill>
-          <a:blip r:embed="rId3"/>
-          <a:stretch>
-            <a:fillRect/>
-          </a:stretch>
-        </p:blipFill>
-        <p:spPr>
-          <a:xfrm>
-            <a:off x="838200" y="2505074"/>
-            <a:ext cx="7467599" cy="228600"/>
-          </a:xfrm>
-          <a:prstGeom prst="rect">
-            <a:avLst/>
-          </a:prstGeom>
-        </p:spPr>
-      </p:pic>
-      <p:sp>
-        <p:nvSpPr>
-          <p:cNvPr id="12" name="TextBox 11"/>
-          <p:cNvSpPr txBox="1"/>
-          <p:nvPr/>
-        </p:nvSpPr>
-        <p:spPr>
-          <a:xfrm>
-            <a:off x="200025" y="2962274"/>
-            <a:ext cx="8943975" cy="304800"/>
-          </a:xfrm>
-          <a:prstGeom prst="rect">
-            <a:avLst/>
-          </a:prstGeom>
-          <a:noFill/>
-        </p:spPr>
-        <p:txBody>
-          <a:bodyPr wrap="square" lIns="0" rIns="0" tIns="0" bIns="0">
-            <a:spAutoFit/>
-          </a:bodyPr>
-          <a:lstStyle/>
-          <a:p>
-            <a:pPr algn="l">
-              <a:lnSpc>
-                <a:spcPct val="120000"/>
-              </a:lnSpc>
-              <a:spcBef>
-                <a:spcPts val="0"/>
-              </a:spcBef>
-              <a:spcAft>
-                <a:spcPts val="0"/>
-              </a:spcAft>
-            </a:pPr>
-            <a:r>
-              <a:rPr sz="1300" b="1">
-                <a:solidFill>
-                  <a:srgbClr val="000000"/>
-                </a:solidFill>
-                <a:latin typeface="Arial"/>
-              </a:rPr>
-              <a:t>Complex Equations</a:t>
-            </a:r>
-          </a:p>
-        </p:txBody>
-      </p:sp>
-      <p:sp>
-        <p:nvSpPr>
-          <p:cNvPr id="13" name="TextBox 12"/>
-          <p:cNvSpPr txBox="1"/>
-          <p:nvPr/>
-        </p:nvSpPr>
-        <p:spPr>
-          <a:xfrm>
-            <a:off x="200025" y="3276599"/>
-            <a:ext cx="8943975" cy="274320"/>
-          </a:xfrm>
-          <a:prstGeom prst="rect">
-            <a:avLst/>
-          </a:prstGeom>
-          <a:noFill/>
-        </p:spPr>
-        <p:txBody>
-          <a:bodyPr wrap="square" lIns="0" rIns="0" tIns="0" bIns="0">
-            <a:spAutoFit/>
-          </a:bodyPr>
-          <a:lstStyle/>
-          <a:p>
-            <a:pPr algn="l">
-              <a:lnSpc>
-                <a:spcPct val="120000"/>
-              </a:lnSpc>
-              <a:spcBef>
-                <a:spcPts val="0"/>
-              </a:spcBef>
-              <a:spcAft>
-                <a:spcPts val="0"/>
-              </a:spcAft>
-            </a:pPr>
-            <a:r>
-              <a:rPr sz="1000">
-                <a:solidFill>
-                  <a:srgbClr val="000000"/>
-                </a:solidFill>
-                <a:latin typeface="Arial"/>
-              </a:rPr>
-              <a:t>More complex equations like matrices are also supported:</a:t>
-            </a:r>
-          </a:p>
-        </p:txBody>
-      </p:sp>
-      <p:pic>
-        <p:nvPicPr>
-          <p:cNvPr id="14" name="Picture 13" descr="c517a3c10966ea397e30bfc9599eec7e.png"/>
-          <p:cNvPicPr>
-            <a:picLocks noChangeAspect="1"/>
-          </p:cNvPicPr>
-          <p:nvPr/>
-        </p:nvPicPr>
-        <p:blipFill>
-          <a:blip r:embed="rId4"/>
-          <a:stretch>
-            <a:fillRect/>
-          </a:stretch>
-        </p:blipFill>
-        <p:spPr>
-          <a:xfrm>
-            <a:off x="838200" y="3295650"/>
-            <a:ext cx="7467599" cy="447675"/>
-          </a:xfrm>
-          <a:prstGeom prst="rect">
-            <a:avLst/>
-          </a:prstGeom>
-        </p:spPr>
-      </p:pic>
-      <p:sp>
-        <p:nvSpPr>
-          <p:cNvPr id="15" name="TextBox 14"/>
-          <p:cNvSpPr txBox="1"/>
-          <p:nvPr/>
-        </p:nvSpPr>
-        <p:spPr>
-          <a:xfrm>
-            <a:off x="200025" y="4019549"/>
-            <a:ext cx="8943975" cy="274320"/>
-          </a:xfrm>
-          <a:prstGeom prst="rect">
-            <a:avLst/>
-          </a:prstGeom>
-          <a:noFill/>
-        </p:spPr>
-        <p:txBody>
-          <a:bodyPr wrap="square" lIns="0" rIns="0" tIns="0" bIns="0">
-            <a:spAutoFit/>
-          </a:bodyPr>
-          <a:lstStyle/>
-          <a:p>
-            <a:pPr algn="l">
-              <a:lnSpc>
-                <a:spcPct val="120000"/>
-              </a:lnSpc>
-              <a:spcBef>
-                <a:spcPts val="0"/>
-              </a:spcBef>
-              <a:spcAft>
-                <a:spcPts val="0"/>
-              </a:spcAft>
-            </a:pPr>
-            <a:r>
-              <a:rPr sz="1000">
-                <a:solidFill>
-                  <a:srgbClr val="000000"/>
-                </a:solidFill>
-                <a:latin typeface="Arial"/>
-              </a:rPr>
-              <a:t>Math equations are automatically cached for performance and work in both themes!</a:t>
+              <a:t> for more information.</a:t>
             </a:r>
           </a:p>
         </p:txBody>
@@ -10834,7 +10979,7 @@
                 </a:solidFill>
                 <a:latin typeface="Arial"/>
               </a:rPr>
-              <a:t>📈 Figures Demo</a:t>
+              <a:t>🎤 Advanced Speaker Notes</a:t>
             </a:r>
           </a:p>
         </p:txBody>
@@ -10879,89 +11024,56 @@
                 </a:solidFill>
                 <a:latin typeface="Arial"/>
               </a:rPr>
-              <a:t>Bar chart (80% width):</a:t>
+              <a:t>This is the </a:t>
+            </a:r>
+            <a:r>
+              <a:rPr b="1" sz="1000">
+                <a:solidFill>
+                  <a:srgbClr val="000000"/>
+                </a:solidFill>
+                <a:latin typeface="Arial"/>
+              </a:rPr>
+              <a:t>second example</a:t>
+            </a:r>
+            <a:r>
+              <a:rPr sz="1000">
+                <a:solidFill>
+                  <a:srgbClr val="000000"/>
+                </a:solidFill>
+                <a:latin typeface="Arial"/>
+              </a:rPr>
+              <a:t> slide showing more </a:t>
+            </a:r>
+            <a:r>
+              <a:rPr i="1" sz="1000">
+                <a:solidFill>
+                  <a:srgbClr val="000000"/>
+                </a:solidFill>
+                <a:latin typeface="Arial"/>
+              </a:rPr>
+              <a:t>complex formatting</a:t>
+            </a:r>
+            <a:r>
+              <a:rPr sz="1000">
+                <a:solidFill>
+                  <a:srgbClr val="000000"/>
+                </a:solidFill>
+                <a:latin typeface="Arial"/>
+              </a:rPr>
+              <a:t> with speaker notes.</a:t>
             </a:r>
           </a:p>
         </p:txBody>
       </p:sp>
-      <p:pic>
-        <p:nvPicPr>
-          <p:cNvPr id="4" name="Picture 3" descr="chart_bar.png"/>
-          <p:cNvPicPr>
-            <a:picLocks noChangeAspect="1"/>
-          </p:cNvPicPr>
-          <p:nvPr/>
-        </p:nvPicPr>
-        <p:blipFill>
-          <a:blip r:embed="rId2"/>
-          <a:stretch>
-            <a:fillRect/>
-          </a:stretch>
-        </p:blipFill>
-        <p:spPr>
-          <a:xfrm>
-            <a:off x="200025" y="704849"/>
-            <a:ext cx="4457700" cy="3343275"/>
-          </a:xfrm>
-          <a:prstGeom prst="rect">
-            <a:avLst/>
-          </a:prstGeom>
-        </p:spPr>
-      </p:pic>
       <p:sp>
         <p:nvSpPr>
-          <p:cNvPr id="5" name="TextBox 4"/>
+          <p:cNvPr id="4" name="TextBox 3"/>
           <p:cNvSpPr txBox="1"/>
           <p:nvPr/>
         </p:nvSpPr>
         <p:spPr>
           <a:xfrm>
-            <a:off x="200025" y="3648074"/>
-            <a:ext cx="4457700" cy="274320"/>
-          </a:xfrm>
-          <a:prstGeom prst="rect">
-            <a:avLst/>
-          </a:prstGeom>
-          <a:noFill/>
-        </p:spPr>
-        <p:txBody>
-          <a:bodyPr wrap="square" lIns="0" rIns="0" tIns="0" bIns="0">
-            <a:spAutoFit/>
-          </a:bodyPr>
-          <a:lstStyle/>
-          <a:p>
-            <a:pPr algn="ctr">
-              <a:lnSpc>
-                <a:spcPct val="120000"/>
-              </a:lnSpc>
-              <a:spcBef>
-                <a:spcPts val="0"/>
-              </a:spcBef>
-              <a:spcAft>
-                <a:spcPts val="0"/>
-              </a:spcAft>
-            </a:pPr>
-            <a:r>
-              <a:rPr sz="1000" i="1">
-                <a:solidFill>
-                  <a:srgbClr val="666666"/>
-                </a:solidFill>
-                <a:latin typeface="Arial"/>
-              </a:rPr>
-              <a:t>Sample bar chart demonstrating data visualization with proper scaling</a:t>
-            </a:r>
-          </a:p>
-        </p:txBody>
-      </p:sp>
-      <p:sp>
-        <p:nvSpPr>
-          <p:cNvPr id="6" name="TextBox 5"/>
-          <p:cNvSpPr txBox="1"/>
-          <p:nvPr/>
-        </p:nvSpPr>
-        <p:spPr>
-          <a:xfrm>
-            <a:off x="200025" y="3876674"/>
+            <a:off x="200025" y="800100"/>
             <a:ext cx="8943975" cy="274320"/>
           </a:xfrm>
           <a:prstGeom prst="rect">
@@ -10993,7 +11105,172 @@
                 </a:solidFill>
                 <a:latin typeface="Arial"/>
               </a:rPr>
-              <a:t>Pie chart (60% height):</a:t>
+              <a:t>Key points to remember:</a:t>
+            </a:r>
+          </a:p>
+        </p:txBody>
+      </p:sp>
+      <p:sp>
+        <p:nvSpPr>
+          <p:cNvPr id="5" name="TextBox 4"/>
+          <p:cNvSpPr txBox="1"/>
+          <p:nvPr/>
+        </p:nvSpPr>
+        <p:spPr>
+          <a:xfrm>
+            <a:off x="200025" y="1028700"/>
+            <a:ext cx="8943975" cy="551497"/>
+          </a:xfrm>
+          <a:prstGeom prst="rect">
+            <a:avLst/>
+          </a:prstGeom>
+          <a:noFill/>
+        </p:spPr>
+        <p:txBody>
+          <a:bodyPr wrap="square" lIns="0" rIns="0" tIns="0" bIns="0">
+            <a:spAutoFit/>
+          </a:bodyPr>
+          <a:lstStyle/>
+          <a:p>
+            <a:pPr algn="l">
+              <a:spcBef>
+                <a:spcPts val="0"/>
+              </a:spcBef>
+              <a:spcAft>
+                <a:spcPts val="0"/>
+              </a:spcAft>
+            </a:pPr>
+            <a:r>
+              <a:rPr sz="1000">
+                <a:solidFill>
+                  <a:srgbClr val="000000"/>
+                </a:solidFill>
+                <a:latin typeface="Arial"/>
+              </a:rPr>
+              <a:t>• </a:t>
+            </a:r>
+            <a:r>
+              <a:rPr b="1" sz="1000">
+                <a:solidFill>
+                  <a:srgbClr val="FF8C00"/>
+                </a:solidFill>
+                <a:latin typeface="Arial"/>
+              </a:rPr>
+              <a:t>Important information</a:t>
+            </a:r>
+            <a:r>
+              <a:rPr sz="1000">
+                <a:solidFill>
+                  <a:srgbClr val="000000"/>
+                </a:solidFill>
+                <a:latin typeface="Arial"/>
+              </a:rPr>
+              <a:t> should be highlighted</a:t>
+            </a:r>
+          </a:p>
+          <a:p>
+            <a:pPr algn="l"/>
+            <a:r>
+              <a:rPr sz="1000">
+                <a:solidFill>
+                  <a:srgbClr val="000000"/>
+                </a:solidFill>
+                <a:latin typeface="Arial"/>
+              </a:rPr>
+              <a:t>• </a:t>
+            </a:r>
+            <a:r>
+              <a:rPr sz="1000">
+                <a:solidFill>
+                  <a:srgbClr val="000000"/>
+                </a:solidFill>
+                <a:latin typeface="Arial"/>
+              </a:rPr>
+              <a:t>Use </a:t>
+            </a:r>
+            <a:r>
+              <a:rPr sz="800">
+                <a:solidFill>
+                  <a:srgbClr val="333333"/>
+                </a:solidFill>
+                <a:latin typeface="Courier New"/>
+              </a:rPr>
+              <a:t>code blocks</a:t>
+            </a:r>
+            <a:r>
+              <a:rPr sz="1000">
+                <a:solidFill>
+                  <a:srgbClr val="000000"/>
+                </a:solidFill>
+                <a:latin typeface="Arial"/>
+              </a:rPr>
+              <a:t> for technical terms</a:t>
+            </a:r>
+          </a:p>
+          <a:p>
+            <a:pPr algn="l"/>
+            <a:r>
+              <a:rPr sz="1000">
+                <a:solidFill>
+                  <a:srgbClr val="000000"/>
+                </a:solidFill>
+                <a:latin typeface="Arial"/>
+              </a:rPr>
+              <a:t>• </a:t>
+            </a:r>
+            <a:r>
+              <a:rPr sz="1000">
+                <a:solidFill>
+                  <a:srgbClr val="000000"/>
+                </a:solidFill>
+                <a:latin typeface="Arial"/>
+              </a:rPr>
+              <a:t>Link to external resources when needed</a:t>
+            </a:r>
+          </a:p>
+        </p:txBody>
+      </p:sp>
+      <p:sp>
+        <p:nvSpPr>
+          <p:cNvPr id="6" name="TextBox 5"/>
+          <p:cNvSpPr txBox="1"/>
+          <p:nvPr/>
+        </p:nvSpPr>
+        <p:spPr>
+          <a:xfrm>
+            <a:off x="200025" y="1580197"/>
+            <a:ext cx="8943975" cy="274320"/>
+          </a:xfrm>
+          <a:prstGeom prst="rect">
+            <a:avLst/>
+          </a:prstGeom>
+          <a:noFill/>
+        </p:spPr>
+        <p:txBody>
+          <a:bodyPr wrap="square" lIns="0" rIns="0" tIns="0" bIns="0">
+            <a:spAutoFit/>
+          </a:bodyPr>
+          <a:lstStyle/>
+          <a:p>
+            <a:pPr algn="l">
+              <a:lnSpc>
+                <a:spcPct val="120000"/>
+              </a:lnSpc>
+              <a:spcBef>
+                <a:spcPts val="0"/>
+              </a:spcBef>
+              <a:spcAft>
+                <a:spcPts val="0"/>
+              </a:spcAft>
+            </a:pPr>
+            <a:r>
+              <a:rPr sz="1000">
+                <a:solidFill>
+                  <a:srgbClr val="000000"/>
+                </a:solidFill>
+                <a:latin typeface="Arial"/>
+              </a:rPr>
+              <a:t>The speaker notes below contain additional context and talking points.</a:t>
             </a:r>
           </a:p>
         </p:txBody>
@@ -12285,6 +12562,883 @@
 </file>
 
 <file path=ppt/slides/slide20.xml><?xml version="1.0" encoding="utf-8"?>
+<p:sld xmlns:a="http://schemas.openxmlformats.org/drawingml/2006/main" xmlns:p="http://schemas.openxmlformats.org/presentationml/2006/main" xmlns:r="http://schemas.openxmlformats.org/officeDocument/2006/relationships">
+  <p:cSld>
+    <p:bg>
+      <p:bgPr>
+        <a:solidFill>
+          <a:srgbClr val="FFFFFF"/>
+        </a:solidFill>
+        <a:effectLst/>
+      </p:bgPr>
+    </p:bg>
+    <p:spTree>
+      <p:nvGrpSpPr>
+        <p:cNvPr id="1" name=""/>
+        <p:cNvGrpSpPr/>
+        <p:nvPr/>
+      </p:nvGrpSpPr>
+      <p:grpSpPr/>
+      <p:sp>
+        <p:nvSpPr>
+          <p:cNvPr id="2" name="TextBox 1"/>
+          <p:cNvSpPr txBox="1"/>
+          <p:nvPr/>
+        </p:nvSpPr>
+        <p:spPr>
+          <a:xfrm>
+            <a:off x="200025" y="180975"/>
+            <a:ext cx="8943975" cy="390525"/>
+          </a:xfrm>
+          <a:prstGeom prst="rect">
+            <a:avLst/>
+          </a:prstGeom>
+          <a:noFill/>
+        </p:spPr>
+        <p:txBody>
+          <a:bodyPr wrap="square" lIns="0" rIns="0" tIns="0" bIns="0">
+            <a:spAutoFit/>
+          </a:bodyPr>
+          <a:lstStyle/>
+          <a:p>
+            <a:pPr algn="l">
+              <a:lnSpc>
+                <a:spcPct val="120000"/>
+              </a:lnSpc>
+              <a:spcBef>
+                <a:spcPts val="0"/>
+              </a:spcBef>
+              <a:spcAft>
+                <a:spcPts val="0"/>
+              </a:spcAft>
+            </a:pPr>
+            <a:r>
+              <a:rPr sz="1600" b="1">
+                <a:solidFill>
+                  <a:srgbClr val="000000"/>
+                </a:solidFill>
+                <a:latin typeface="Arial"/>
+              </a:rPr>
+              <a:t>🧮 Math Equations Support</a:t>
+            </a:r>
+          </a:p>
+        </p:txBody>
+      </p:sp>
+      <p:sp>
+        <p:nvSpPr>
+          <p:cNvPr id="3" name="TextBox 2"/>
+          <p:cNvSpPr txBox="1"/>
+          <p:nvPr/>
+        </p:nvSpPr>
+        <p:spPr>
+          <a:xfrm>
+            <a:off x="200025" y="571500"/>
+            <a:ext cx="8943975" cy="274320"/>
+          </a:xfrm>
+          <a:prstGeom prst="rect">
+            <a:avLst/>
+          </a:prstGeom>
+          <a:noFill/>
+        </p:spPr>
+        <p:txBody>
+          <a:bodyPr wrap="square" lIns="0" rIns="0" tIns="0" bIns="0">
+            <a:spAutoFit/>
+          </a:bodyPr>
+          <a:lstStyle/>
+          <a:p>
+            <a:pPr algn="l">
+              <a:lnSpc>
+                <a:spcPct val="120000"/>
+              </a:lnSpc>
+              <a:spcBef>
+                <a:spcPts val="0"/>
+              </a:spcBef>
+              <a:spcAft>
+                <a:spcPts val="0"/>
+              </a:spcAft>
+            </a:pPr>
+            <a:r>
+              <a:rPr sz="1000">
+                <a:solidFill>
+                  <a:srgbClr val="000000"/>
+                </a:solidFill>
+                <a:latin typeface="Arial"/>
+              </a:rPr>
+              <a:t>The slide generator now supports LaTeX math equations using KaTeX rendering.</a:t>
+            </a:r>
+          </a:p>
+        </p:txBody>
+      </p:sp>
+      <p:sp>
+        <p:nvSpPr>
+          <p:cNvPr id="4" name="TextBox 3"/>
+          <p:cNvSpPr txBox="1"/>
+          <p:nvPr/>
+        </p:nvSpPr>
+        <p:spPr>
+          <a:xfrm>
+            <a:off x="200025" y="704849"/>
+            <a:ext cx="8943975" cy="304800"/>
+          </a:xfrm>
+          <a:prstGeom prst="rect">
+            <a:avLst/>
+          </a:prstGeom>
+          <a:noFill/>
+        </p:spPr>
+        <p:txBody>
+          <a:bodyPr wrap="square" lIns="0" rIns="0" tIns="0" bIns="0">
+            <a:spAutoFit/>
+          </a:bodyPr>
+          <a:lstStyle/>
+          <a:p>
+            <a:pPr algn="l">
+              <a:lnSpc>
+                <a:spcPct val="120000"/>
+              </a:lnSpc>
+              <a:spcBef>
+                <a:spcPts val="0"/>
+              </a:spcBef>
+              <a:spcAft>
+                <a:spcPts val="0"/>
+              </a:spcAft>
+            </a:pPr>
+            <a:r>
+              <a:rPr sz="1300" b="1">
+                <a:solidFill>
+                  <a:srgbClr val="000000"/>
+                </a:solidFill>
+                <a:latin typeface="Arial"/>
+              </a:rPr>
+              <a:t>Inline Math</a:t>
+            </a:r>
+          </a:p>
+        </p:txBody>
+      </p:sp>
+      <p:sp>
+        <p:nvSpPr>
+          <p:cNvPr id="5" name="TextBox 4"/>
+          <p:cNvSpPr txBox="1"/>
+          <p:nvPr/>
+        </p:nvSpPr>
+        <p:spPr>
+          <a:xfrm>
+            <a:off x="200025" y="1019174"/>
+            <a:ext cx="8943975" cy="274320"/>
+          </a:xfrm>
+          <a:prstGeom prst="rect">
+            <a:avLst/>
+          </a:prstGeom>
+          <a:noFill/>
+        </p:spPr>
+        <p:txBody>
+          <a:bodyPr wrap="square" lIns="0" rIns="0" tIns="0" bIns="0">
+            <a:spAutoFit/>
+          </a:bodyPr>
+          <a:lstStyle/>
+          <a:p>
+            <a:pPr algn="l">
+              <a:lnSpc>
+                <a:spcPct val="120000"/>
+              </a:lnSpc>
+              <a:spcBef>
+                <a:spcPts val="0"/>
+              </a:spcBef>
+              <a:spcAft>
+                <a:spcPts val="0"/>
+              </a:spcAft>
+            </a:pPr>
+            <a:r>
+              <a:rPr sz="1000">
+                <a:solidFill>
+                  <a:srgbClr val="000000"/>
+                </a:solidFill>
+                <a:latin typeface="Arial"/>
+              </a:rPr>
+              <a:t>You can include inline math like </a:t>
+            </a:r>
+            <a:r>
+              <a:rPr sz="1000">
+                <a:solidFill>
+                  <a:srgbClr val="000000"/>
+                </a:solidFill>
+                <a:latin typeface="Arial"/>
+              </a:rPr>
+              <a:t>$E=mc^2$</a:t>
+            </a:r>
+            <a:r>
+              <a:rPr sz="1000">
+                <a:solidFill>
+                  <a:srgbClr val="000000"/>
+                </a:solidFill>
+                <a:latin typeface="Arial"/>
+              </a:rPr>
+              <a:t> or </a:t>
+            </a:r>
+            <a:r>
+              <a:rPr sz="1000">
+                <a:solidFill>
+                  <a:srgbClr val="000000"/>
+                </a:solidFill>
+                <a:latin typeface="Arial"/>
+              </a:rPr>
+              <a:t>$\alpha + \beta = \gamma$</a:t>
+            </a:r>
+            <a:r>
+              <a:rPr sz="1000">
+                <a:solidFill>
+                  <a:srgbClr val="000000"/>
+                </a:solidFill>
+                <a:latin typeface="Arial"/>
+              </a:rPr>
+              <a:t> directly in your text.</a:t>
+            </a:r>
+          </a:p>
+        </p:txBody>
+      </p:sp>
+      <p:sp>
+        <p:nvSpPr>
+          <p:cNvPr id="6" name="TextBox 5"/>
+          <p:cNvSpPr txBox="1"/>
+          <p:nvPr/>
+        </p:nvSpPr>
+        <p:spPr>
+          <a:xfrm>
+            <a:off x="200025" y="1247775"/>
+            <a:ext cx="8943975" cy="274320"/>
+          </a:xfrm>
+          <a:prstGeom prst="rect">
+            <a:avLst/>
+          </a:prstGeom>
+          <a:noFill/>
+        </p:spPr>
+        <p:txBody>
+          <a:bodyPr wrap="square" lIns="0" rIns="0" tIns="0" bIns="0">
+            <a:spAutoFit/>
+          </a:bodyPr>
+          <a:lstStyle/>
+          <a:p>
+            <a:pPr algn="l">
+              <a:lnSpc>
+                <a:spcPct val="120000"/>
+              </a:lnSpc>
+              <a:spcBef>
+                <a:spcPts val="0"/>
+              </a:spcBef>
+              <a:spcAft>
+                <a:spcPts val="0"/>
+              </a:spcAft>
+            </a:pPr>
+            <a:r>
+              <a:rPr sz="1000">
+                <a:solidFill>
+                  <a:srgbClr val="000000"/>
+                </a:solidFill>
+                <a:latin typeface="Arial"/>
+              </a:rPr>
+              <a:t>The quadratic formula is </a:t>
+            </a:r>
+            <a:r>
+              <a:rPr sz="1000">
+                <a:solidFill>
+                  <a:srgbClr val="000000"/>
+                </a:solidFill>
+                <a:latin typeface="Arial"/>
+              </a:rPr>
+              <a:t>$x = \frac{-b \pm \sqrt{b^2-4ac}}{2a}$</a:t>
+            </a:r>
+            <a:r>
+              <a:rPr sz="1000">
+                <a:solidFill>
+                  <a:srgbClr val="000000"/>
+                </a:solidFill>
+                <a:latin typeface="Arial"/>
+              </a:rPr>
+              <a:t>.</a:t>
+            </a:r>
+          </a:p>
+        </p:txBody>
+      </p:sp>
+      <p:sp>
+        <p:nvSpPr>
+          <p:cNvPr id="7" name="TextBox 6"/>
+          <p:cNvSpPr txBox="1"/>
+          <p:nvPr/>
+        </p:nvSpPr>
+        <p:spPr>
+          <a:xfrm>
+            <a:off x="200025" y="1381124"/>
+            <a:ext cx="8943975" cy="304800"/>
+          </a:xfrm>
+          <a:prstGeom prst="rect">
+            <a:avLst/>
+          </a:prstGeom>
+          <a:noFill/>
+        </p:spPr>
+        <p:txBody>
+          <a:bodyPr wrap="square" lIns="0" rIns="0" tIns="0" bIns="0">
+            <a:spAutoFit/>
+          </a:bodyPr>
+          <a:lstStyle/>
+          <a:p>
+            <a:pPr algn="l">
+              <a:lnSpc>
+                <a:spcPct val="120000"/>
+              </a:lnSpc>
+              <a:spcBef>
+                <a:spcPts val="0"/>
+              </a:spcBef>
+              <a:spcAft>
+                <a:spcPts val="0"/>
+              </a:spcAft>
+            </a:pPr>
+            <a:r>
+              <a:rPr sz="1300" b="1">
+                <a:solidFill>
+                  <a:srgbClr val="000000"/>
+                </a:solidFill>
+                <a:latin typeface="Arial"/>
+              </a:rPr>
+              <a:t>Block Math</a:t>
+            </a:r>
+          </a:p>
+        </p:txBody>
+      </p:sp>
+      <p:sp>
+        <p:nvSpPr>
+          <p:cNvPr id="8" name="TextBox 7"/>
+          <p:cNvSpPr txBox="1"/>
+          <p:nvPr/>
+        </p:nvSpPr>
+        <p:spPr>
+          <a:xfrm>
+            <a:off x="200025" y="1685925"/>
+            <a:ext cx="8943975" cy="274320"/>
+          </a:xfrm>
+          <a:prstGeom prst="rect">
+            <a:avLst/>
+          </a:prstGeom>
+          <a:noFill/>
+        </p:spPr>
+        <p:txBody>
+          <a:bodyPr wrap="square" lIns="0" rIns="0" tIns="0" bIns="0">
+            <a:spAutoFit/>
+          </a:bodyPr>
+          <a:lstStyle/>
+          <a:p>
+            <a:pPr algn="l">
+              <a:lnSpc>
+                <a:spcPct val="120000"/>
+              </a:lnSpc>
+              <a:spcBef>
+                <a:spcPts val="0"/>
+              </a:spcBef>
+              <a:spcAft>
+                <a:spcPts val="0"/>
+              </a:spcAft>
+            </a:pPr>
+            <a:r>
+              <a:rPr sz="1000">
+                <a:solidFill>
+                  <a:srgbClr val="000000"/>
+                </a:solidFill>
+                <a:latin typeface="Arial"/>
+              </a:rPr>
+              <a:t>For display math, use double dollar signs:</a:t>
+            </a:r>
+          </a:p>
+        </p:txBody>
+      </p:sp>
+      <p:pic>
+        <p:nvPicPr>
+          <p:cNvPr id="9" name="Picture 8" descr="98d66b88d1dd5d5aa7595eb2cd154e01.png"/>
+          <p:cNvPicPr>
+            <a:picLocks noChangeAspect="1"/>
+          </p:cNvPicPr>
+          <p:nvPr/>
+        </p:nvPicPr>
+        <p:blipFill>
+          <a:blip r:embed="rId2"/>
+          <a:stretch>
+            <a:fillRect/>
+          </a:stretch>
+        </p:blipFill>
+        <p:spPr>
+          <a:xfrm>
+            <a:off x="838200" y="1762125"/>
+            <a:ext cx="7467599" cy="466724"/>
+          </a:xfrm>
+          <a:prstGeom prst="rect">
+            <a:avLst/>
+          </a:prstGeom>
+        </p:spPr>
+      </p:pic>
+      <p:sp>
+        <p:nvSpPr>
+          <p:cNvPr id="10" name="TextBox 9"/>
+          <p:cNvSpPr txBox="1"/>
+          <p:nvPr/>
+        </p:nvSpPr>
+        <p:spPr>
+          <a:xfrm>
+            <a:off x="200025" y="2447924"/>
+            <a:ext cx="8943975" cy="274320"/>
+          </a:xfrm>
+          <a:prstGeom prst="rect">
+            <a:avLst/>
+          </a:prstGeom>
+          <a:noFill/>
+        </p:spPr>
+        <p:txBody>
+          <a:bodyPr wrap="square" lIns="0" rIns="0" tIns="0" bIns="0">
+            <a:spAutoFit/>
+          </a:bodyPr>
+          <a:lstStyle/>
+          <a:p>
+            <a:pPr algn="l">
+              <a:lnSpc>
+                <a:spcPct val="120000"/>
+              </a:lnSpc>
+              <a:spcBef>
+                <a:spcPts val="0"/>
+              </a:spcBef>
+              <a:spcAft>
+                <a:spcPts val="0"/>
+              </a:spcAft>
+            </a:pPr>
+            <a:r>
+              <a:rPr sz="1000">
+                <a:solidFill>
+                  <a:srgbClr val="000000"/>
+                </a:solidFill>
+                <a:latin typeface="Arial"/>
+              </a:rPr>
+              <a:t>Euler's famous identity:</a:t>
+            </a:r>
+          </a:p>
+        </p:txBody>
+      </p:sp>
+      <p:pic>
+        <p:nvPicPr>
+          <p:cNvPr id="11" name="Picture 10" descr="a9d2ba54b06d18626aa73df549f0a938.png"/>
+          <p:cNvPicPr>
+            <a:picLocks noChangeAspect="1"/>
+          </p:cNvPicPr>
+          <p:nvPr/>
+        </p:nvPicPr>
+        <p:blipFill>
+          <a:blip r:embed="rId3"/>
+          <a:stretch>
+            <a:fillRect/>
+          </a:stretch>
+        </p:blipFill>
+        <p:spPr>
+          <a:xfrm>
+            <a:off x="838200" y="2505074"/>
+            <a:ext cx="7467599" cy="228600"/>
+          </a:xfrm>
+          <a:prstGeom prst="rect">
+            <a:avLst/>
+          </a:prstGeom>
+        </p:spPr>
+      </p:pic>
+      <p:sp>
+        <p:nvSpPr>
+          <p:cNvPr id="12" name="TextBox 11"/>
+          <p:cNvSpPr txBox="1"/>
+          <p:nvPr/>
+        </p:nvSpPr>
+        <p:spPr>
+          <a:xfrm>
+            <a:off x="200025" y="2952750"/>
+            <a:ext cx="8943975" cy="304800"/>
+          </a:xfrm>
+          <a:prstGeom prst="rect">
+            <a:avLst/>
+          </a:prstGeom>
+          <a:noFill/>
+        </p:spPr>
+        <p:txBody>
+          <a:bodyPr wrap="square" lIns="0" rIns="0" tIns="0" bIns="0">
+            <a:spAutoFit/>
+          </a:bodyPr>
+          <a:lstStyle/>
+          <a:p>
+            <a:pPr algn="l">
+              <a:lnSpc>
+                <a:spcPct val="120000"/>
+              </a:lnSpc>
+              <a:spcBef>
+                <a:spcPts val="0"/>
+              </a:spcBef>
+              <a:spcAft>
+                <a:spcPts val="0"/>
+              </a:spcAft>
+            </a:pPr>
+            <a:r>
+              <a:rPr sz="1300" b="1">
+                <a:solidFill>
+                  <a:srgbClr val="000000"/>
+                </a:solidFill>
+                <a:latin typeface="Arial"/>
+              </a:rPr>
+              <a:t>Complex Equations</a:t>
+            </a:r>
+          </a:p>
+        </p:txBody>
+      </p:sp>
+      <p:sp>
+        <p:nvSpPr>
+          <p:cNvPr id="13" name="TextBox 12"/>
+          <p:cNvSpPr txBox="1"/>
+          <p:nvPr/>
+        </p:nvSpPr>
+        <p:spPr>
+          <a:xfrm>
+            <a:off x="200025" y="3267075"/>
+            <a:ext cx="8943975" cy="274320"/>
+          </a:xfrm>
+          <a:prstGeom prst="rect">
+            <a:avLst/>
+          </a:prstGeom>
+          <a:noFill/>
+        </p:spPr>
+        <p:txBody>
+          <a:bodyPr wrap="square" lIns="0" rIns="0" tIns="0" bIns="0">
+            <a:spAutoFit/>
+          </a:bodyPr>
+          <a:lstStyle/>
+          <a:p>
+            <a:pPr algn="l">
+              <a:lnSpc>
+                <a:spcPct val="120000"/>
+              </a:lnSpc>
+              <a:spcBef>
+                <a:spcPts val="0"/>
+              </a:spcBef>
+              <a:spcAft>
+                <a:spcPts val="0"/>
+              </a:spcAft>
+            </a:pPr>
+            <a:r>
+              <a:rPr sz="1000">
+                <a:solidFill>
+                  <a:srgbClr val="000000"/>
+                </a:solidFill>
+                <a:latin typeface="Arial"/>
+              </a:rPr>
+              <a:t>More complex equations like matrices are also supported:</a:t>
+            </a:r>
+          </a:p>
+        </p:txBody>
+      </p:sp>
+      <p:pic>
+        <p:nvPicPr>
+          <p:cNvPr id="14" name="Picture 13" descr="c517a3c10966ea397e30bfc9599eec7e.png"/>
+          <p:cNvPicPr>
+            <a:picLocks noChangeAspect="1"/>
+          </p:cNvPicPr>
+          <p:nvPr/>
+        </p:nvPicPr>
+        <p:blipFill>
+          <a:blip r:embed="rId4"/>
+          <a:stretch>
+            <a:fillRect/>
+          </a:stretch>
+        </p:blipFill>
+        <p:spPr>
+          <a:xfrm>
+            <a:off x="838200" y="3286125"/>
+            <a:ext cx="7467599" cy="447675"/>
+          </a:xfrm>
+          <a:prstGeom prst="rect">
+            <a:avLst/>
+          </a:prstGeom>
+        </p:spPr>
+      </p:pic>
+      <p:sp>
+        <p:nvSpPr>
+          <p:cNvPr id="15" name="TextBox 14"/>
+          <p:cNvSpPr txBox="1"/>
+          <p:nvPr/>
+        </p:nvSpPr>
+        <p:spPr>
+          <a:xfrm>
+            <a:off x="200025" y="4010024"/>
+            <a:ext cx="8943975" cy="274320"/>
+          </a:xfrm>
+          <a:prstGeom prst="rect">
+            <a:avLst/>
+          </a:prstGeom>
+          <a:noFill/>
+        </p:spPr>
+        <p:txBody>
+          <a:bodyPr wrap="square" lIns="0" rIns="0" tIns="0" bIns="0">
+            <a:spAutoFit/>
+          </a:bodyPr>
+          <a:lstStyle/>
+          <a:p>
+            <a:pPr algn="l">
+              <a:lnSpc>
+                <a:spcPct val="120000"/>
+              </a:lnSpc>
+              <a:spcBef>
+                <a:spcPts val="0"/>
+              </a:spcBef>
+              <a:spcAft>
+                <a:spcPts val="0"/>
+              </a:spcAft>
+            </a:pPr>
+            <a:r>
+              <a:rPr sz="1000">
+                <a:solidFill>
+                  <a:srgbClr val="000000"/>
+                </a:solidFill>
+                <a:latin typeface="Arial"/>
+              </a:rPr>
+              <a:t>Math equations are automatically cached for performance and work in both themes!</a:t>
+            </a:r>
+          </a:p>
+        </p:txBody>
+      </p:sp>
+    </p:spTree>
+  </p:cSld>
+  <p:clrMapOvr>
+    <a:masterClrMapping/>
+  </p:clrMapOvr>
+</p:sld>
+</file>
+
+<file path=ppt/slides/slide21.xml><?xml version="1.0" encoding="utf-8"?>
+<p:sld xmlns:a="http://schemas.openxmlformats.org/drawingml/2006/main" xmlns:p="http://schemas.openxmlformats.org/presentationml/2006/main" xmlns:r="http://schemas.openxmlformats.org/officeDocument/2006/relationships">
+  <p:cSld>
+    <p:bg>
+      <p:bgPr>
+        <a:solidFill>
+          <a:srgbClr val="FFFFFF"/>
+        </a:solidFill>
+        <a:effectLst/>
+      </p:bgPr>
+    </p:bg>
+    <p:spTree>
+      <p:nvGrpSpPr>
+        <p:cNvPr id="1" name=""/>
+        <p:cNvGrpSpPr/>
+        <p:nvPr/>
+      </p:nvGrpSpPr>
+      <p:grpSpPr/>
+      <p:sp>
+        <p:nvSpPr>
+          <p:cNvPr id="2" name="TextBox 1"/>
+          <p:cNvSpPr txBox="1"/>
+          <p:nvPr/>
+        </p:nvSpPr>
+        <p:spPr>
+          <a:xfrm>
+            <a:off x="200025" y="180975"/>
+            <a:ext cx="8943975" cy="390525"/>
+          </a:xfrm>
+          <a:prstGeom prst="rect">
+            <a:avLst/>
+          </a:prstGeom>
+          <a:noFill/>
+        </p:spPr>
+        <p:txBody>
+          <a:bodyPr wrap="square" lIns="0" rIns="0" tIns="0" bIns="0">
+            <a:spAutoFit/>
+          </a:bodyPr>
+          <a:lstStyle/>
+          <a:p>
+            <a:pPr algn="l">
+              <a:lnSpc>
+                <a:spcPct val="120000"/>
+              </a:lnSpc>
+              <a:spcBef>
+                <a:spcPts val="0"/>
+              </a:spcBef>
+              <a:spcAft>
+                <a:spcPts val="0"/>
+              </a:spcAft>
+            </a:pPr>
+            <a:r>
+              <a:rPr sz="1600" b="1">
+                <a:solidFill>
+                  <a:srgbClr val="000000"/>
+                </a:solidFill>
+                <a:latin typeface="Arial"/>
+              </a:rPr>
+              <a:t>📈 Figures Demo</a:t>
+            </a:r>
+          </a:p>
+        </p:txBody>
+      </p:sp>
+      <p:sp>
+        <p:nvSpPr>
+          <p:cNvPr id="3" name="TextBox 2"/>
+          <p:cNvSpPr txBox="1"/>
+          <p:nvPr/>
+        </p:nvSpPr>
+        <p:spPr>
+          <a:xfrm>
+            <a:off x="200025" y="571500"/>
+            <a:ext cx="8943975" cy="274320"/>
+          </a:xfrm>
+          <a:prstGeom prst="rect">
+            <a:avLst/>
+          </a:prstGeom>
+          <a:noFill/>
+        </p:spPr>
+        <p:txBody>
+          <a:bodyPr wrap="square" lIns="0" rIns="0" tIns="0" bIns="0">
+            <a:spAutoFit/>
+          </a:bodyPr>
+          <a:lstStyle/>
+          <a:p>
+            <a:pPr algn="l">
+              <a:lnSpc>
+                <a:spcPct val="120000"/>
+              </a:lnSpc>
+              <a:spcBef>
+                <a:spcPts val="0"/>
+              </a:spcBef>
+              <a:spcAft>
+                <a:spcPts val="0"/>
+              </a:spcAft>
+            </a:pPr>
+            <a:r>
+              <a:rPr sz="1000">
+                <a:solidFill>
+                  <a:srgbClr val="000000"/>
+                </a:solidFill>
+                <a:latin typeface="Arial"/>
+              </a:rPr>
+              <a:t>Bar chart (80% width):</a:t>
+            </a:r>
+          </a:p>
+        </p:txBody>
+      </p:sp>
+      <p:pic>
+        <p:nvPicPr>
+          <p:cNvPr id="4" name="Picture 3" descr="chart_bar.png"/>
+          <p:cNvPicPr>
+            <a:picLocks noChangeAspect="1"/>
+          </p:cNvPicPr>
+          <p:nvPr/>
+        </p:nvPicPr>
+        <p:blipFill>
+          <a:blip r:embed="rId2"/>
+          <a:stretch>
+            <a:fillRect/>
+          </a:stretch>
+        </p:blipFill>
+        <p:spPr>
+          <a:xfrm>
+            <a:off x="200025" y="704849"/>
+            <a:ext cx="4457700" cy="3343275"/>
+          </a:xfrm>
+          <a:prstGeom prst="rect">
+            <a:avLst/>
+          </a:prstGeom>
+        </p:spPr>
+      </p:pic>
+      <p:sp>
+        <p:nvSpPr>
+          <p:cNvPr id="5" name="TextBox 4"/>
+          <p:cNvSpPr txBox="1"/>
+          <p:nvPr/>
+        </p:nvSpPr>
+        <p:spPr>
+          <a:xfrm>
+            <a:off x="200025" y="3648074"/>
+            <a:ext cx="4457700" cy="274320"/>
+          </a:xfrm>
+          <a:prstGeom prst="rect">
+            <a:avLst/>
+          </a:prstGeom>
+          <a:noFill/>
+        </p:spPr>
+        <p:txBody>
+          <a:bodyPr wrap="square" lIns="0" rIns="0" tIns="0" bIns="0">
+            <a:spAutoFit/>
+          </a:bodyPr>
+          <a:lstStyle/>
+          <a:p>
+            <a:pPr algn="ctr">
+              <a:lnSpc>
+                <a:spcPct val="120000"/>
+              </a:lnSpc>
+              <a:spcBef>
+                <a:spcPts val="0"/>
+              </a:spcBef>
+              <a:spcAft>
+                <a:spcPts val="0"/>
+              </a:spcAft>
+            </a:pPr>
+            <a:r>
+              <a:rPr sz="1000" i="1">
+                <a:solidFill>
+                  <a:srgbClr val="666666"/>
+                </a:solidFill>
+                <a:latin typeface="Arial"/>
+              </a:rPr>
+              <a:t>Sample bar chart demonstrating data visualization with proper scaling</a:t>
+            </a:r>
+          </a:p>
+        </p:txBody>
+      </p:sp>
+      <p:sp>
+        <p:nvSpPr>
+          <p:cNvPr id="6" name="TextBox 5"/>
+          <p:cNvSpPr txBox="1"/>
+          <p:nvPr/>
+        </p:nvSpPr>
+        <p:spPr>
+          <a:xfrm>
+            <a:off x="200025" y="3876674"/>
+            <a:ext cx="8943975" cy="274320"/>
+          </a:xfrm>
+          <a:prstGeom prst="rect">
+            <a:avLst/>
+          </a:prstGeom>
+          <a:noFill/>
+        </p:spPr>
+        <p:txBody>
+          <a:bodyPr wrap="square" lIns="0" rIns="0" tIns="0" bIns="0">
+            <a:spAutoFit/>
+          </a:bodyPr>
+          <a:lstStyle/>
+          <a:p>
+            <a:pPr algn="l">
+              <a:lnSpc>
+                <a:spcPct val="120000"/>
+              </a:lnSpc>
+              <a:spcBef>
+                <a:spcPts val="0"/>
+              </a:spcBef>
+              <a:spcAft>
+                <a:spcPts val="0"/>
+              </a:spcAft>
+            </a:pPr>
+            <a:r>
+              <a:rPr sz="1000">
+                <a:solidFill>
+                  <a:srgbClr val="000000"/>
+                </a:solidFill>
+                <a:latin typeface="Arial"/>
+              </a:rPr>
+              <a:t>Pie chart (60% height):</a:t>
+            </a:r>
+          </a:p>
+        </p:txBody>
+      </p:sp>
+    </p:spTree>
+  </p:cSld>
+  <p:clrMapOvr>
+    <a:masterClrMapping/>
+  </p:clrMapOvr>
+</p:sld>
+</file>
+
+<file path=ppt/slides/slide22.xml><?xml version="1.0" encoding="utf-8"?>
 <p:sld xmlns:a="http://schemas.openxmlformats.org/drawingml/2006/main" xmlns:p="http://schemas.openxmlformats.org/presentationml/2006/main" xmlns:r="http://schemas.openxmlformats.org/officeDocument/2006/relationships">
   <p:cSld>
     <p:bg>
@@ -13692,7 +14846,7 @@
 </p:sld>
 </file>
 
-<file path=ppt/slides/slide21.xml><?xml version="1.0" encoding="utf-8"?>
+<file path=ppt/slides/slide23.xml><?xml version="1.0" encoding="utf-8"?>
 <p:sld xmlns:a="http://schemas.openxmlformats.org/drawingml/2006/main" xmlns:p="http://schemas.openxmlformats.org/presentationml/2006/main" xmlns:r="http://schemas.openxmlformats.org/officeDocument/2006/relationships">
   <p:cSld>
     <p:bg>
@@ -13877,7 +15031,7 @@
 </p:sld>
 </file>
 
-<file path=ppt/slides/slide22.xml><?xml version="1.0" encoding="utf-8"?>
+<file path=ppt/slides/slide24.xml><?xml version="1.0" encoding="utf-8"?>
 <p:sld xmlns:a="http://schemas.openxmlformats.org/drawingml/2006/main" xmlns:p="http://schemas.openxmlformats.org/presentationml/2006/main" xmlns:r="http://schemas.openxmlformats.org/officeDocument/2006/relationships">
   <p:cSld>
     <p:bg>
@@ -14558,7 +15712,7 @@
 </p:sld>
 </file>
 
-<file path=ppt/slides/slide23.xml><?xml version="1.0" encoding="utf-8"?>
+<file path=ppt/slides/slide25.xml><?xml version="1.0" encoding="utf-8"?>
 <p:sld xmlns:a="http://schemas.openxmlformats.org/drawingml/2006/main" xmlns:p="http://schemas.openxmlformats.org/presentationml/2006/main" xmlns:r="http://schemas.openxmlformats.org/officeDocument/2006/relationships">
   <p:cSld>
     <p:bg>
@@ -15780,7 +16934,7 @@
 </p:sld>
 </file>
 
-<file path=ppt/slides/slide24.xml><?xml version="1.0" encoding="utf-8"?>
+<file path=ppt/slides/slide26.xml><?xml version="1.0" encoding="utf-8"?>
 <p:sld xmlns:a="http://schemas.openxmlformats.org/drawingml/2006/main" xmlns:p="http://schemas.openxmlformats.org/presentationml/2006/main" xmlns:r="http://schemas.openxmlformats.org/officeDocument/2006/relationships">
   <p:cSld>
     <p:bg>
@@ -22294,4 +23448,324 @@
   </a:objectDefaults>
   <a:extraClrSchemeLst/>
 </a:theme>
+</file>
+
+<file path=ppt/theme/theme2.xml><?xml version="1.0" encoding="utf-8"?>
+<a:theme xmlns:a="http://schemas.openxmlformats.org/drawingml/2006/main" name="Office Theme">
+  <a:themeElements>
+    <a:clrScheme name="Office">
+      <a:dk1>
+        <a:sysClr val="windowText" lastClr="000000"/>
+      </a:dk1>
+      <a:lt1>
+        <a:sysClr val="window" lastClr="FFFFFF"/>
+      </a:lt1>
+      <a:dk2>
+        <a:srgbClr val="1F497D"/>
+      </a:dk2>
+      <a:lt2>
+        <a:srgbClr val="EEECE1"/>
+      </a:lt2>
+      <a:accent1>
+        <a:srgbClr val="4F81BD"/>
+      </a:accent1>
+      <a:accent2>
+        <a:srgbClr val="C0504D"/>
+      </a:accent2>
+      <a:accent3>
+        <a:srgbClr val="9BBB59"/>
+      </a:accent3>
+      <a:accent4>
+        <a:srgbClr val="8064A2"/>
+      </a:accent4>
+      <a:accent5>
+        <a:srgbClr val="4BACC6"/>
+      </a:accent5>
+      <a:accent6>
+        <a:srgbClr val="F79646"/>
+      </a:accent6>
+      <a:hlink>
+        <a:srgbClr val="0000FF"/>
+      </a:hlink>
+      <a:folHlink>
+        <a:srgbClr val="800080"/>
+      </a:folHlink>
+    </a:clrScheme>
+    <a:fontScheme name="Office">
+      <a:majorFont>
+        <a:latin typeface="Calibri"/>
+        <a:ea typeface=""/>
+        <a:cs typeface=""/>
+        <a:font script="Jpan" typeface="ＭＳ Ｐゴシック"/>
+        <a:font script="Hang" typeface="맑은 고딕"/>
+        <a:font script="Hans" typeface="宋体"/>
+        <a:font script="Hant" typeface="新細明體"/>
+        <a:font script="Arab" typeface="Times New Roman"/>
+        <a:font script="Hebr" typeface="Times New Roman"/>
+        <a:font script="Thai" typeface="Angsana New"/>
+        <a:font script="Ethi" typeface="Nyala"/>
+        <a:font script="Beng" typeface="Vrinda"/>
+        <a:font script="Gujr" typeface="Shruti"/>
+        <a:font script="Khmr" typeface="MoolBoran"/>
+        <a:font script="Knda" typeface="Tunga"/>
+        <a:font script="Guru" typeface="Raavi"/>
+        <a:font script="Cans" typeface="Euphemia"/>
+        <a:font script="Cher" typeface="Plantagenet Cherokee"/>
+        <a:font script="Yiii" typeface="Microsoft Yi Baiti"/>
+        <a:font script="Tibt" typeface="Microsoft Himalaya"/>
+        <a:font script="Thaa" typeface="MV Boli"/>
+        <a:font script="Deva" typeface="Mangal"/>
+        <a:font script="Telu" typeface="Gautami"/>
+        <a:font script="Taml" typeface="Latha"/>
+        <a:font script="Syrc" typeface="Estrangelo Edessa"/>
+        <a:font script="Orya" typeface="Kalinga"/>
+        <a:font script="Mlym" typeface="Kartika"/>
+        <a:font script="Laoo" typeface="DokChampa"/>
+        <a:font script="Sinh" typeface="Iskoola Pota"/>
+        <a:font script="Mong" typeface="Mongolian Baiti"/>
+        <a:font script="Viet" typeface="Times New Roman"/>
+        <a:font script="Uigh" typeface="Microsoft Uighur"/>
+        <a:font script="Geor" typeface="Sylfaen"/>
+      </a:majorFont>
+      <a:minorFont>
+        <a:latin typeface="Calibri"/>
+        <a:ea typeface=""/>
+        <a:cs typeface=""/>
+        <a:font script="Jpan" typeface="ＭＳ Ｐゴシック"/>
+        <a:font script="Hang" typeface="맑은 고딕"/>
+        <a:font script="Hans" typeface="宋体"/>
+        <a:font script="Hant" typeface="新細明體"/>
+        <a:font script="Arab" typeface="Arial"/>
+        <a:font script="Hebr" typeface="Arial"/>
+        <a:font script="Thai" typeface="Cordia New"/>
+        <a:font script="Ethi" typeface="Nyala"/>
+        <a:font script="Beng" typeface="Vrinda"/>
+        <a:font script="Gujr" typeface="Shruti"/>
+        <a:font script="Khmr" typeface="DaunPenh"/>
+        <a:font script="Knda" typeface="Tunga"/>
+        <a:font script="Guru" typeface="Raavi"/>
+        <a:font script="Cans" typeface="Euphemia"/>
+        <a:font script="Cher" typeface="Plantagenet Cherokee"/>
+        <a:font script="Yiii" typeface="Microsoft Yi Baiti"/>
+        <a:font script="Tibt" typeface="Microsoft Himalaya"/>
+        <a:font script="Thaa" typeface="MV Boli"/>
+        <a:font script="Deva" typeface="Mangal"/>
+        <a:font script="Telu" typeface="Gautami"/>
+        <a:font script="Taml" typeface="Latha"/>
+        <a:font script="Syrc" typeface="Estrangelo Edessa"/>
+        <a:font script="Orya" typeface="Kalinga"/>
+        <a:font script="Mlym" typeface="Kartika"/>
+        <a:font script="Laoo" typeface="DokChampa"/>
+        <a:font script="Sinh" typeface="Iskoola Pota"/>
+        <a:font script="Mong" typeface="Mongolian Baiti"/>
+        <a:font script="Viet" typeface="Arial"/>
+        <a:font script="Uigh" typeface="Microsoft Uighur"/>
+        <a:font script="Geor" typeface="Sylfaen"/>
+      </a:minorFont>
+    </a:fontScheme>
+    <a:fmtScheme name="Office">
+      <a:fillStyleLst>
+        <a:solidFill>
+          <a:schemeClr val="phClr"/>
+        </a:solidFill>
+        <a:gradFill rotWithShape="1">
+          <a:gsLst>
+            <a:gs pos="0">
+              <a:schemeClr val="phClr">
+                <a:tint val="50000"/>
+                <a:satMod val="300000"/>
+              </a:schemeClr>
+            </a:gs>
+            <a:gs pos="35000">
+              <a:schemeClr val="phClr">
+                <a:tint val="37000"/>
+                <a:satMod val="300000"/>
+              </a:schemeClr>
+            </a:gs>
+            <a:gs pos="100000">
+              <a:schemeClr val="phClr">
+                <a:tint val="15000"/>
+                <a:satMod val="350000"/>
+              </a:schemeClr>
+            </a:gs>
+          </a:gsLst>
+          <a:lin ang="16200000" scaled="1"/>
+        </a:gradFill>
+        <a:gradFill rotWithShape="1">
+          <a:gsLst>
+            <a:gs pos="0">
+              <a:schemeClr val="phClr">
+                <a:tint val="100000"/>
+                <a:shade val="100000"/>
+                <a:satMod val="130000"/>
+              </a:schemeClr>
+            </a:gs>
+            <a:gs pos="100000">
+              <a:schemeClr val="phClr">
+                <a:tint val="50000"/>
+                <a:shade val="100000"/>
+                <a:satMod val="350000"/>
+              </a:schemeClr>
+            </a:gs>
+          </a:gsLst>
+          <a:lin ang="16200000" scaled="0"/>
+        </a:gradFill>
+      </a:fillStyleLst>
+      <a:lnStyleLst>
+        <a:ln w="9525" cap="flat" cmpd="sng" algn="ctr">
+          <a:solidFill>
+            <a:schemeClr val="phClr">
+              <a:shade val="95000"/>
+              <a:satMod val="105000"/>
+            </a:schemeClr>
+          </a:solidFill>
+          <a:prstDash val="solid"/>
+        </a:ln>
+        <a:ln w="25400" cap="flat" cmpd="sng" algn="ctr">
+          <a:solidFill>
+            <a:schemeClr val="phClr"/>
+          </a:solidFill>
+          <a:prstDash val="solid"/>
+        </a:ln>
+        <a:ln w="38100" cap="flat" cmpd="sng" algn="ctr">
+          <a:solidFill>
+            <a:schemeClr val="phClr"/>
+          </a:solidFill>
+          <a:prstDash val="solid"/>
+        </a:ln>
+      </a:lnStyleLst>
+      <a:effectStyleLst>
+        <a:effectStyle>
+          <a:effectLst>
+            <a:outerShdw blurRad="40000" dist="20000" dir="5400000" rotWithShape="0">
+              <a:srgbClr val="000000">
+                <a:alpha val="38000"/>
+              </a:srgbClr>
+            </a:outerShdw>
+          </a:effectLst>
+        </a:effectStyle>
+        <a:effectStyle>
+          <a:effectLst>
+            <a:outerShdw blurRad="40000" dist="23000" dir="5400000" rotWithShape="0">
+              <a:srgbClr val="000000">
+                <a:alpha val="35000"/>
+              </a:srgbClr>
+            </a:outerShdw>
+          </a:effectLst>
+        </a:effectStyle>
+        <a:effectStyle>
+          <a:effectLst>
+            <a:outerShdw blurRad="40000" dist="23000" dir="5400000" rotWithShape="0">
+              <a:srgbClr val="000000">
+                <a:alpha val="35000"/>
+              </a:srgbClr>
+            </a:outerShdw>
+          </a:effectLst>
+          <a:scene3d>
+            <a:camera prst="orthographicFront">
+              <a:rot lat="0" lon="0" rev="0"/>
+            </a:camera>
+            <a:lightRig rig="threePt" dir="t">
+              <a:rot lat="0" lon="0" rev="1200000"/>
+            </a:lightRig>
+          </a:scene3d>
+          <a:sp3d>
+            <a:bevelT w="63500" h="25400"/>
+          </a:sp3d>
+        </a:effectStyle>
+      </a:effectStyleLst>
+      <a:bgFillStyleLst>
+        <a:solidFill>
+          <a:schemeClr val="phClr"/>
+        </a:solidFill>
+        <a:gradFill rotWithShape="1">
+          <a:gsLst>
+            <a:gs pos="0">
+              <a:schemeClr val="phClr">
+                <a:tint val="40000"/>
+                <a:satMod val="350000"/>
+              </a:schemeClr>
+            </a:gs>
+            <a:gs pos="40000">
+              <a:schemeClr val="phClr">
+                <a:tint val="45000"/>
+                <a:shade val="99000"/>
+                <a:satMod val="350000"/>
+              </a:schemeClr>
+            </a:gs>
+            <a:gs pos="100000">
+              <a:schemeClr val="phClr">
+                <a:shade val="20000"/>
+                <a:satMod val="255000"/>
+              </a:schemeClr>
+            </a:gs>
+          </a:gsLst>
+          <a:path path="circle">
+            <a:fillToRect l="50000" t="-80000" r="50000" b="180000"/>
+          </a:path>
+        </a:gradFill>
+        <a:gradFill rotWithShape="1">
+          <a:gsLst>
+            <a:gs pos="0">
+              <a:schemeClr val="phClr">
+                <a:tint val="80000"/>
+                <a:satMod val="300000"/>
+              </a:schemeClr>
+            </a:gs>
+            <a:gs pos="100000">
+              <a:schemeClr val="phClr">
+                <a:shade val="30000"/>
+                <a:satMod val="200000"/>
+              </a:schemeClr>
+            </a:gs>
+          </a:gsLst>
+          <a:path path="circle">
+            <a:fillToRect l="50000" t="50000" r="50000" b="50000"/>
+          </a:path>
+        </a:gradFill>
+      </a:bgFillStyleLst>
+    </a:fmtScheme>
+  </a:themeElements>
+  <a:objectDefaults>
+    <a:spDef>
+      <a:spPr/>
+      <a:bodyPr/>
+      <a:lstStyle/>
+      <a:style>
+        <a:lnRef idx="1">
+          <a:schemeClr val="accent1"/>
+        </a:lnRef>
+        <a:fillRef idx="3">
+          <a:schemeClr val="accent1"/>
+        </a:fillRef>
+        <a:effectRef idx="2">
+          <a:schemeClr val="accent1"/>
+        </a:effectRef>
+        <a:fontRef idx="minor">
+          <a:schemeClr val="lt1"/>
+        </a:fontRef>
+      </a:style>
+    </a:spDef>
+    <a:lnDef>
+      <a:spPr/>
+      <a:bodyPr/>
+      <a:lstStyle/>
+      <a:style>
+        <a:lnRef idx="2">
+          <a:schemeClr val="accent1"/>
+        </a:lnRef>
+        <a:fillRef idx="0">
+          <a:schemeClr val="accent1"/>
+        </a:fillRef>
+        <a:effectRef idx="1">
+          <a:schemeClr val="accent1"/>
+        </a:effectRef>
+        <a:fontRef idx="minor">
+          <a:schemeClr val="tx1"/>
+        </a:fontRef>
+      </a:style>
+    </a:lnDef>
+  </a:objectDefaults>
+  <a:extraClrSchemeLst/>
+</a:theme>
 </file>